--- a/实验2-变量-导入和包.pptx
+++ b/实验2-变量-导入和包.pptx
@@ -226,7 +226,7 @@
           <a:p>
             <a:fld id="{1335C5EC-DAC7-46E7-A71C-3FD57F01693A}" type="datetimeFigureOut">
               <a:rPr lang="zh-CN" altLang="en-US" smtClean="0"/>
-              <a:t>2017/9/16</a:t>
+              <a:t>2017/9/17</a:t>
             </a:fld>
             <a:endParaRPr lang="zh-CN" altLang="en-US"/>
           </a:p>
@@ -392,6 +392,11 @@
         </p:txBody>
       </p:sp>
     </p:spTree>
+    <p:extLst>
+      <p:ext uri="{BB962C8B-B14F-4D97-AF65-F5344CB8AC3E}">
+        <p14:creationId xmlns:p14="http://schemas.microsoft.com/office/powerpoint/2010/main" val="1734413556"/>
+      </p:ext>
+    </p:extLst>
   </p:cSld>
   <p:clrMap bg1="lt1" tx1="dk1" bg2="lt2" tx2="dk2" accent1="accent1" accent2="accent2" accent3="accent3" accent4="accent4" accent5="accent5" accent6="accent6" hlink="hlink" folHlink="folHlink"/>
   <p:notesStyle>
@@ -561,6 +566,11 @@
         </p:txBody>
       </p:sp>
     </p:spTree>
+    <p:extLst>
+      <p:ext uri="{BB962C8B-B14F-4D97-AF65-F5344CB8AC3E}">
+        <p14:creationId xmlns:p14="http://schemas.microsoft.com/office/powerpoint/2010/main" val="1360127845"/>
+      </p:ext>
+    </p:extLst>
   </p:cSld>
   <p:clrMapOvr>
     <a:masterClrMapping/>
@@ -794,7 +804,7 @@
           <a:p>
             <a:fld id="{991CC714-C3A2-4C47-A06E-292FB3B91961}" type="datetimeFigureOut">
               <a:rPr lang="zh-CN" altLang="en-US" smtClean="0"/>
-              <a:t>2017/9/16</a:t>
+              <a:t>2017/9/17</a:t>
             </a:fld>
             <a:endParaRPr lang="zh-CN" altLang="en-US"/>
           </a:p>
@@ -997,7 +1007,7 @@
           <a:p>
             <a:fld id="{991CC714-C3A2-4C47-A06E-292FB3B91961}" type="datetimeFigureOut">
               <a:rPr lang="zh-CN" altLang="en-US" smtClean="0"/>
-              <a:t>2017/9/16</a:t>
+              <a:t>2017/9/17</a:t>
             </a:fld>
             <a:endParaRPr lang="zh-CN" altLang="en-US"/>
           </a:p>
@@ -1248,7 +1258,7 @@
           <a:p>
             <a:fld id="{991CC714-C3A2-4C47-A06E-292FB3B91961}" type="datetimeFigureOut">
               <a:rPr lang="zh-CN" altLang="en-US" smtClean="0"/>
-              <a:t>2017/9/16</a:t>
+              <a:t>2017/9/17</a:t>
             </a:fld>
             <a:endParaRPr lang="zh-CN" altLang="en-US"/>
           </a:p>
@@ -1442,7 +1452,7 @@
           <a:p>
             <a:fld id="{991CC714-C3A2-4C47-A06E-292FB3B91961}" type="datetimeFigureOut">
               <a:rPr lang="zh-CN" altLang="en-US" smtClean="0"/>
-              <a:t>2017/9/16</a:t>
+              <a:t>2017/9/17</a:t>
             </a:fld>
             <a:endParaRPr lang="zh-CN" altLang="en-US"/>
           </a:p>
@@ -1779,7 +1789,7 @@
           <a:p>
             <a:fld id="{991CC714-C3A2-4C47-A06E-292FB3B91961}" type="datetimeFigureOut">
               <a:rPr lang="zh-CN" altLang="en-US" smtClean="0"/>
-              <a:t>2017/9/16</a:t>
+              <a:t>2017/9/17</a:t>
             </a:fld>
             <a:endParaRPr lang="zh-CN" altLang="en-US"/>
           </a:p>
@@ -2049,7 +2059,7 @@
           <a:p>
             <a:fld id="{991CC714-C3A2-4C47-A06E-292FB3B91961}" type="datetimeFigureOut">
               <a:rPr lang="zh-CN" altLang="en-US" smtClean="0"/>
-              <a:t>2017/9/16</a:t>
+              <a:t>2017/9/17</a:t>
             </a:fld>
             <a:endParaRPr lang="zh-CN" altLang="en-US"/>
           </a:p>
@@ -2423,7 +2433,7 @@
           <a:p>
             <a:fld id="{991CC714-C3A2-4C47-A06E-292FB3B91961}" type="datetimeFigureOut">
               <a:rPr lang="zh-CN" altLang="en-US" smtClean="0"/>
-              <a:t>2017/9/16</a:t>
+              <a:t>2017/9/17</a:t>
             </a:fld>
             <a:endParaRPr lang="zh-CN" altLang="en-US"/>
           </a:p>
@@ -2536,7 +2546,7 @@
           <a:p>
             <a:fld id="{991CC714-C3A2-4C47-A06E-292FB3B91961}" type="datetimeFigureOut">
               <a:rPr lang="zh-CN" altLang="en-US" smtClean="0"/>
-              <a:t>2017/9/16</a:t>
+              <a:t>2017/9/17</a:t>
             </a:fld>
             <a:endParaRPr lang="zh-CN" altLang="en-US"/>
           </a:p>
@@ -2702,7 +2712,7 @@
           <a:p>
             <a:fld id="{991CC714-C3A2-4C47-A06E-292FB3B91961}" type="datetimeFigureOut">
               <a:rPr lang="zh-CN" altLang="en-US" smtClean="0"/>
-              <a:t>2017/9/16</a:t>
+              <a:t>2017/9/17</a:t>
             </a:fld>
             <a:endParaRPr lang="zh-CN" altLang="en-US"/>
           </a:p>
@@ -3051,7 +3061,7 @@
           <a:p>
             <a:fld id="{991CC714-C3A2-4C47-A06E-292FB3B91961}" type="datetimeFigureOut">
               <a:rPr lang="zh-CN" altLang="en-US" smtClean="0"/>
-              <a:t>2017/9/16</a:t>
+              <a:t>2017/9/17</a:t>
             </a:fld>
             <a:endParaRPr lang="zh-CN" altLang="en-US"/>
           </a:p>
@@ -3428,7 +3438,7 @@
           <a:p>
             <a:fld id="{991CC714-C3A2-4C47-A06E-292FB3B91961}" type="datetimeFigureOut">
               <a:rPr lang="zh-CN" altLang="en-US" smtClean="0"/>
-              <a:t>2017/9/16</a:t>
+              <a:t>2017/9/17</a:t>
             </a:fld>
             <a:endParaRPr lang="zh-CN" altLang="en-US"/>
           </a:p>
@@ -3710,7 +3720,7 @@
           <a:p>
             <a:fld id="{991CC714-C3A2-4C47-A06E-292FB3B91961}" type="datetimeFigureOut">
               <a:rPr lang="zh-CN" altLang="en-US" smtClean="0"/>
-              <a:t>2017/9/16</a:t>
+              <a:t>2017/9/17</a:t>
             </a:fld>
             <a:endParaRPr lang="zh-CN" altLang="en-US"/>
           </a:p>
@@ -7257,14 +7267,14 @@
                 <a:gridCol w="1275576">
                   <a:extLst>
                     <a:ext uri="{9D8B030D-6E8A-4147-A177-3AD203B41FA5}">
-                      <a16:colId xmlns:a16="http://schemas.microsoft.com/office/drawing/2014/main" val="20000"/>
+                      <a16:colId xmlns:a16="http://schemas.microsoft.com/office/drawing/2014/main" xmlns="" val="20000"/>
                     </a:ext>
                   </a:extLst>
                 </a:gridCol>
                 <a:gridCol w="1275576">
                   <a:extLst>
                     <a:ext uri="{9D8B030D-6E8A-4147-A177-3AD203B41FA5}">
-                      <a16:colId xmlns:a16="http://schemas.microsoft.com/office/drawing/2014/main" val="20001"/>
+                      <a16:colId xmlns:a16="http://schemas.microsoft.com/office/drawing/2014/main" xmlns="" val="20001"/>
                     </a:ext>
                   </a:extLst>
                 </a:gridCol>
@@ -7392,7 +7402,7 @@
                 </a:tc>
                 <a:extLst>
                   <a:ext uri="{0D108BD9-81ED-4DB2-BD59-A6C34878D82A}">
-                    <a16:rowId xmlns:a16="http://schemas.microsoft.com/office/drawing/2014/main" val="10000"/>
+                    <a16:rowId xmlns:a16="http://schemas.microsoft.com/office/drawing/2014/main" xmlns="" val="10000"/>
                   </a:ext>
                 </a:extLst>
               </a:tr>
@@ -7519,7 +7529,7 @@
                 </a:tc>
                 <a:extLst>
                   <a:ext uri="{0D108BD9-81ED-4DB2-BD59-A6C34878D82A}">
-                    <a16:rowId xmlns:a16="http://schemas.microsoft.com/office/drawing/2014/main" val="10001"/>
+                    <a16:rowId xmlns:a16="http://schemas.microsoft.com/office/drawing/2014/main" xmlns="" val="10001"/>
                   </a:ext>
                 </a:extLst>
               </a:tr>
@@ -7646,7 +7656,7 @@
                 </a:tc>
                 <a:extLst>
                   <a:ext uri="{0D108BD9-81ED-4DB2-BD59-A6C34878D82A}">
-                    <a16:rowId xmlns:a16="http://schemas.microsoft.com/office/drawing/2014/main" val="10002"/>
+                    <a16:rowId xmlns:a16="http://schemas.microsoft.com/office/drawing/2014/main" xmlns="" val="10002"/>
                   </a:ext>
                 </a:extLst>
               </a:tr>
@@ -7773,7 +7783,7 @@
                 </a:tc>
                 <a:extLst>
                   <a:ext uri="{0D108BD9-81ED-4DB2-BD59-A6C34878D82A}">
-                    <a16:rowId xmlns:a16="http://schemas.microsoft.com/office/drawing/2014/main" val="10003"/>
+                    <a16:rowId xmlns:a16="http://schemas.microsoft.com/office/drawing/2014/main" xmlns="" val="10003"/>
                   </a:ext>
                 </a:extLst>
               </a:tr>
@@ -7900,7 +7910,7 @@
                 </a:tc>
                 <a:extLst>
                   <a:ext uri="{0D108BD9-81ED-4DB2-BD59-A6C34878D82A}">
-                    <a16:rowId xmlns:a16="http://schemas.microsoft.com/office/drawing/2014/main" val="10004"/>
+                    <a16:rowId xmlns:a16="http://schemas.microsoft.com/office/drawing/2014/main" xmlns="" val="10004"/>
                   </a:ext>
                 </a:extLst>
               </a:tr>
@@ -8027,7 +8037,7 @@
                 </a:tc>
                 <a:extLst>
                   <a:ext uri="{0D108BD9-81ED-4DB2-BD59-A6C34878D82A}">
-                    <a16:rowId xmlns:a16="http://schemas.microsoft.com/office/drawing/2014/main" val="10005"/>
+                    <a16:rowId xmlns:a16="http://schemas.microsoft.com/office/drawing/2014/main" xmlns="" val="10005"/>
                   </a:ext>
                 </a:extLst>
               </a:tr>
@@ -8154,7 +8164,7 @@
                 </a:tc>
                 <a:extLst>
                   <a:ext uri="{0D108BD9-81ED-4DB2-BD59-A6C34878D82A}">
-                    <a16:rowId xmlns:a16="http://schemas.microsoft.com/office/drawing/2014/main" val="10006"/>
+                    <a16:rowId xmlns:a16="http://schemas.microsoft.com/office/drawing/2014/main" xmlns="" val="10006"/>
                   </a:ext>
                 </a:extLst>
               </a:tr>
@@ -8281,7 +8291,7 @@
                 </a:tc>
                 <a:extLst>
                   <a:ext uri="{0D108BD9-81ED-4DB2-BD59-A6C34878D82A}">
-                    <a16:rowId xmlns:a16="http://schemas.microsoft.com/office/drawing/2014/main" val="10007"/>
+                    <a16:rowId xmlns:a16="http://schemas.microsoft.com/office/drawing/2014/main" xmlns="" val="10007"/>
                   </a:ext>
                 </a:extLst>
               </a:tr>
@@ -8408,7 +8418,7 @@
                 </a:tc>
                 <a:extLst>
                   <a:ext uri="{0D108BD9-81ED-4DB2-BD59-A6C34878D82A}">
-                    <a16:rowId xmlns:a16="http://schemas.microsoft.com/office/drawing/2014/main" val="10008"/>
+                    <a16:rowId xmlns:a16="http://schemas.microsoft.com/office/drawing/2014/main" xmlns="" val="10008"/>
                   </a:ext>
                 </a:extLst>
               </a:tr>
@@ -10447,49 +10457,49 @@
                 <a:gridCol w="1436914">
                   <a:extLst>
                     <a:ext uri="{9D8B030D-6E8A-4147-A177-3AD203B41FA5}">
-                      <a16:colId xmlns:a16="http://schemas.microsoft.com/office/drawing/2014/main" val="20000"/>
+                      <a16:colId xmlns:a16="http://schemas.microsoft.com/office/drawing/2014/main" xmlns="" val="20000"/>
                     </a:ext>
                   </a:extLst>
                 </a:gridCol>
                 <a:gridCol w="1436914">
                   <a:extLst>
                     <a:ext uri="{9D8B030D-6E8A-4147-A177-3AD203B41FA5}">
-                      <a16:colId xmlns:a16="http://schemas.microsoft.com/office/drawing/2014/main" val="20001"/>
+                      <a16:colId xmlns:a16="http://schemas.microsoft.com/office/drawing/2014/main" xmlns="" val="20001"/>
                     </a:ext>
                   </a:extLst>
                 </a:gridCol>
                 <a:gridCol w="1436914">
                   <a:extLst>
                     <a:ext uri="{9D8B030D-6E8A-4147-A177-3AD203B41FA5}">
-                      <a16:colId xmlns:a16="http://schemas.microsoft.com/office/drawing/2014/main" val="20002"/>
+                      <a16:colId xmlns:a16="http://schemas.microsoft.com/office/drawing/2014/main" xmlns="" val="20002"/>
                     </a:ext>
                   </a:extLst>
                 </a:gridCol>
                 <a:gridCol w="1436914">
                   <a:extLst>
                     <a:ext uri="{9D8B030D-6E8A-4147-A177-3AD203B41FA5}">
-                      <a16:colId xmlns:a16="http://schemas.microsoft.com/office/drawing/2014/main" val="20003"/>
+                      <a16:colId xmlns:a16="http://schemas.microsoft.com/office/drawing/2014/main" xmlns="" val="20003"/>
                     </a:ext>
                   </a:extLst>
                 </a:gridCol>
                 <a:gridCol w="1436914">
                   <a:extLst>
                     <a:ext uri="{9D8B030D-6E8A-4147-A177-3AD203B41FA5}">
-                      <a16:colId xmlns:a16="http://schemas.microsoft.com/office/drawing/2014/main" val="20004"/>
+                      <a16:colId xmlns:a16="http://schemas.microsoft.com/office/drawing/2014/main" xmlns="" val="20004"/>
                     </a:ext>
                   </a:extLst>
                 </a:gridCol>
                 <a:gridCol w="1436914">
                   <a:extLst>
                     <a:ext uri="{9D8B030D-6E8A-4147-A177-3AD203B41FA5}">
-                      <a16:colId xmlns:a16="http://schemas.microsoft.com/office/drawing/2014/main" val="20005"/>
+                      <a16:colId xmlns:a16="http://schemas.microsoft.com/office/drawing/2014/main" xmlns="" val="20005"/>
                     </a:ext>
                   </a:extLst>
                 </a:gridCol>
                 <a:gridCol w="1436914">
                   <a:extLst>
                     <a:ext uri="{9D8B030D-6E8A-4147-A177-3AD203B41FA5}">
-                      <a16:colId xmlns:a16="http://schemas.microsoft.com/office/drawing/2014/main" val="20006"/>
+                      <a16:colId xmlns:a16="http://schemas.microsoft.com/office/drawing/2014/main" xmlns="" val="20006"/>
                     </a:ext>
                   </a:extLst>
                 </a:gridCol>
@@ -10595,7 +10605,7 @@
                 </a:tc>
                 <a:extLst>
                   <a:ext uri="{0D108BD9-81ED-4DB2-BD59-A6C34878D82A}">
-                    <a16:rowId xmlns:a16="http://schemas.microsoft.com/office/drawing/2014/main" val="10000"/>
+                    <a16:rowId xmlns:a16="http://schemas.microsoft.com/office/drawing/2014/main" xmlns="" val="10000"/>
                   </a:ext>
                 </a:extLst>
               </a:tr>
@@ -10700,7 +10710,7 @@
                 </a:tc>
                 <a:extLst>
                   <a:ext uri="{0D108BD9-81ED-4DB2-BD59-A6C34878D82A}">
-                    <a16:rowId xmlns:a16="http://schemas.microsoft.com/office/drawing/2014/main" val="10001"/>
+                    <a16:rowId xmlns:a16="http://schemas.microsoft.com/office/drawing/2014/main" xmlns="" val="10001"/>
                   </a:ext>
                 </a:extLst>
               </a:tr>
@@ -10805,7 +10815,7 @@
                 </a:tc>
                 <a:extLst>
                   <a:ext uri="{0D108BD9-81ED-4DB2-BD59-A6C34878D82A}">
-                    <a16:rowId xmlns:a16="http://schemas.microsoft.com/office/drawing/2014/main" val="10002"/>
+                    <a16:rowId xmlns:a16="http://schemas.microsoft.com/office/drawing/2014/main" xmlns="" val="10002"/>
                   </a:ext>
                 </a:extLst>
               </a:tr>
@@ -10910,7 +10920,7 @@
                 </a:tc>
                 <a:extLst>
                   <a:ext uri="{0D108BD9-81ED-4DB2-BD59-A6C34878D82A}">
-                    <a16:rowId xmlns:a16="http://schemas.microsoft.com/office/drawing/2014/main" val="10003"/>
+                    <a16:rowId xmlns:a16="http://schemas.microsoft.com/office/drawing/2014/main" xmlns="" val="10003"/>
                   </a:ext>
                 </a:extLst>
               </a:tr>
@@ -11015,7 +11025,7 @@
                 </a:tc>
                 <a:extLst>
                   <a:ext uri="{0D108BD9-81ED-4DB2-BD59-A6C34878D82A}">
-                    <a16:rowId xmlns:a16="http://schemas.microsoft.com/office/drawing/2014/main" val="10004"/>
+                    <a16:rowId xmlns:a16="http://schemas.microsoft.com/office/drawing/2014/main" xmlns="" val="10004"/>
                   </a:ext>
                 </a:extLst>
               </a:tr>
@@ -11120,7 +11130,7 @@
                 </a:tc>
                 <a:extLst>
                   <a:ext uri="{0D108BD9-81ED-4DB2-BD59-A6C34878D82A}">
-                    <a16:rowId xmlns:a16="http://schemas.microsoft.com/office/drawing/2014/main" val="10005"/>
+                    <a16:rowId xmlns:a16="http://schemas.microsoft.com/office/drawing/2014/main" xmlns="" val="10005"/>
                   </a:ext>
                 </a:extLst>
               </a:tr>
@@ -12727,14 +12737,14 @@
                 <a:gridCol w="5029200">
                   <a:extLst>
                     <a:ext uri="{9D8B030D-6E8A-4147-A177-3AD203B41FA5}">
-                      <a16:colId xmlns:a16="http://schemas.microsoft.com/office/drawing/2014/main" val="20000"/>
+                      <a16:colId xmlns:a16="http://schemas.microsoft.com/office/drawing/2014/main" xmlns="" val="20000"/>
                     </a:ext>
                   </a:extLst>
                 </a:gridCol>
                 <a:gridCol w="5029200">
                   <a:extLst>
                     <a:ext uri="{9D8B030D-6E8A-4147-A177-3AD203B41FA5}">
-                      <a16:colId xmlns:a16="http://schemas.microsoft.com/office/drawing/2014/main" val="20001"/>
+                      <a16:colId xmlns:a16="http://schemas.microsoft.com/office/drawing/2014/main" xmlns="" val="20001"/>
                     </a:ext>
                   </a:extLst>
                 </a:gridCol>
@@ -12770,7 +12780,7 @@
                 </a:tc>
                 <a:extLst>
                   <a:ext uri="{0D108BD9-81ED-4DB2-BD59-A6C34878D82A}">
-                    <a16:rowId xmlns:a16="http://schemas.microsoft.com/office/drawing/2014/main" val="10000"/>
+                    <a16:rowId xmlns:a16="http://schemas.microsoft.com/office/drawing/2014/main" xmlns="" val="10000"/>
                   </a:ext>
                 </a:extLst>
               </a:tr>
@@ -12813,7 +12823,7 @@
                 </a:tc>
                 <a:extLst>
                   <a:ext uri="{0D108BD9-81ED-4DB2-BD59-A6C34878D82A}">
-                    <a16:rowId xmlns:a16="http://schemas.microsoft.com/office/drawing/2014/main" val="10001"/>
+                    <a16:rowId xmlns:a16="http://schemas.microsoft.com/office/drawing/2014/main" xmlns="" val="10001"/>
                   </a:ext>
                 </a:extLst>
               </a:tr>
@@ -12856,7 +12866,7 @@
                 </a:tc>
                 <a:extLst>
                   <a:ext uri="{0D108BD9-81ED-4DB2-BD59-A6C34878D82A}">
-                    <a16:rowId xmlns:a16="http://schemas.microsoft.com/office/drawing/2014/main" val="10002"/>
+                    <a16:rowId xmlns:a16="http://schemas.microsoft.com/office/drawing/2014/main" xmlns="" val="10002"/>
                   </a:ext>
                 </a:extLst>
               </a:tr>
@@ -12899,7 +12909,7 @@
                 </a:tc>
                 <a:extLst>
                   <a:ext uri="{0D108BD9-81ED-4DB2-BD59-A6C34878D82A}">
-                    <a16:rowId xmlns:a16="http://schemas.microsoft.com/office/drawing/2014/main" val="10003"/>
+                    <a16:rowId xmlns:a16="http://schemas.microsoft.com/office/drawing/2014/main" xmlns="" val="10003"/>
                   </a:ext>
                 </a:extLst>
               </a:tr>
@@ -12942,7 +12952,7 @@
                 </a:tc>
                 <a:extLst>
                   <a:ext uri="{0D108BD9-81ED-4DB2-BD59-A6C34878D82A}">
-                    <a16:rowId xmlns:a16="http://schemas.microsoft.com/office/drawing/2014/main" val="10004"/>
+                    <a16:rowId xmlns:a16="http://schemas.microsoft.com/office/drawing/2014/main" xmlns="" val="10004"/>
                   </a:ext>
                 </a:extLst>
               </a:tr>
@@ -12985,7 +12995,7 @@
                 </a:tc>
                 <a:extLst>
                   <a:ext uri="{0D108BD9-81ED-4DB2-BD59-A6C34878D82A}">
-                    <a16:rowId xmlns:a16="http://schemas.microsoft.com/office/drawing/2014/main" val="10005"/>
+                    <a16:rowId xmlns:a16="http://schemas.microsoft.com/office/drawing/2014/main" xmlns="" val="10005"/>
                   </a:ext>
                 </a:extLst>
               </a:tr>
@@ -13028,7 +13038,7 @@
                 </a:tc>
                 <a:extLst>
                   <a:ext uri="{0D108BD9-81ED-4DB2-BD59-A6C34878D82A}">
-                    <a16:rowId xmlns:a16="http://schemas.microsoft.com/office/drawing/2014/main" val="10006"/>
+                    <a16:rowId xmlns:a16="http://schemas.microsoft.com/office/drawing/2014/main" xmlns="" val="10006"/>
                   </a:ext>
                 </a:extLst>
               </a:tr>
@@ -13071,7 +13081,7 @@
                 </a:tc>
                 <a:extLst>
                   <a:ext uri="{0D108BD9-81ED-4DB2-BD59-A6C34878D82A}">
-                    <a16:rowId xmlns:a16="http://schemas.microsoft.com/office/drawing/2014/main" val="10007"/>
+                    <a16:rowId xmlns:a16="http://schemas.microsoft.com/office/drawing/2014/main" xmlns="" val="10007"/>
                   </a:ext>
                 </a:extLst>
               </a:tr>
@@ -14248,6 +14258,1032 @@
           </a:p>
         </p:txBody>
       </p:sp>
+      <p:sp>
+        <p:nvSpPr>
+          <p:cNvPr id="23" name="文本框 22"/>
+          <p:cNvSpPr txBox="1"/>
+          <p:nvPr/>
+        </p:nvSpPr>
+        <p:spPr>
+          <a:xfrm rot="1393975">
+            <a:off x="3230061" y="1189141"/>
+            <a:ext cx="948208" cy="369332"/>
+          </a:xfrm>
+          <a:prstGeom prst="rect">
+            <a:avLst/>
+          </a:prstGeom>
+          <a:noFill/>
+        </p:spPr>
+        <p:txBody>
+          <a:bodyPr wrap="none" rtlCol="0">
+            <a:spAutoFit/>
+          </a:bodyPr>
+          <a:lstStyle/>
+          <a:p>
+            <a:r>
+              <a:rPr lang="en-US" altLang="zh-CN" dirty="0" smtClean="0">
+                <a:solidFill>
+                  <a:srgbClr val="7030A0"/>
+                </a:solidFill>
+              </a:rPr>
+              <a:t>package</a:t>
+            </a:r>
+            <a:endParaRPr lang="zh-CN" altLang="en-US" dirty="0">
+              <a:solidFill>
+                <a:srgbClr val="7030A0"/>
+              </a:solidFill>
+            </a:endParaRPr>
+          </a:p>
+        </p:txBody>
+      </p:sp>
+      <p:sp>
+        <p:nvSpPr>
+          <p:cNvPr id="24" name="文本框 23"/>
+          <p:cNvSpPr txBox="1"/>
+          <p:nvPr/>
+        </p:nvSpPr>
+        <p:spPr>
+          <a:xfrm rot="2464320">
+            <a:off x="10952069" y="4566619"/>
+            <a:ext cx="948208" cy="369332"/>
+          </a:xfrm>
+          <a:prstGeom prst="rect">
+            <a:avLst/>
+          </a:prstGeom>
+          <a:noFill/>
+        </p:spPr>
+        <p:txBody>
+          <a:bodyPr wrap="none" rtlCol="0">
+            <a:spAutoFit/>
+          </a:bodyPr>
+          <a:lstStyle/>
+          <a:p>
+            <a:r>
+              <a:rPr lang="en-US" altLang="zh-CN" dirty="0" smtClean="0">
+                <a:solidFill>
+                  <a:srgbClr val="7030A0"/>
+                </a:solidFill>
+              </a:rPr>
+              <a:t>package</a:t>
+            </a:r>
+            <a:endParaRPr lang="zh-CN" altLang="en-US" dirty="0">
+              <a:solidFill>
+                <a:srgbClr val="7030A0"/>
+              </a:solidFill>
+            </a:endParaRPr>
+          </a:p>
+        </p:txBody>
+      </p:sp>
+      <p:sp>
+        <p:nvSpPr>
+          <p:cNvPr id="25" name="文本框 24"/>
+          <p:cNvSpPr txBox="1"/>
+          <p:nvPr/>
+        </p:nvSpPr>
+        <p:spPr>
+          <a:xfrm rot="629681">
+            <a:off x="4639647" y="292249"/>
+            <a:ext cx="948208" cy="369332"/>
+          </a:xfrm>
+          <a:prstGeom prst="rect">
+            <a:avLst/>
+          </a:prstGeom>
+          <a:noFill/>
+        </p:spPr>
+        <p:txBody>
+          <a:bodyPr wrap="none" rtlCol="0">
+            <a:spAutoFit/>
+          </a:bodyPr>
+          <a:lstStyle/>
+          <a:p>
+            <a:r>
+              <a:rPr lang="en-US" altLang="zh-CN" dirty="0" smtClean="0">
+                <a:solidFill>
+                  <a:srgbClr val="7030A0"/>
+                </a:solidFill>
+              </a:rPr>
+              <a:t>package</a:t>
+            </a:r>
+            <a:endParaRPr lang="zh-CN" altLang="en-US" dirty="0">
+              <a:solidFill>
+                <a:srgbClr val="7030A0"/>
+              </a:solidFill>
+            </a:endParaRPr>
+          </a:p>
+        </p:txBody>
+      </p:sp>
+      <p:sp>
+        <p:nvSpPr>
+          <p:cNvPr id="26" name="文本框 25"/>
+          <p:cNvSpPr txBox="1"/>
+          <p:nvPr/>
+        </p:nvSpPr>
+        <p:spPr>
+          <a:xfrm rot="18481534">
+            <a:off x="233677" y="2890170"/>
+            <a:ext cx="948208" cy="369332"/>
+          </a:xfrm>
+          <a:prstGeom prst="rect">
+            <a:avLst/>
+          </a:prstGeom>
+          <a:noFill/>
+        </p:spPr>
+        <p:txBody>
+          <a:bodyPr wrap="none" rtlCol="0">
+            <a:spAutoFit/>
+          </a:bodyPr>
+          <a:lstStyle/>
+          <a:p>
+            <a:r>
+              <a:rPr lang="en-US" altLang="zh-CN" dirty="0" smtClean="0">
+                <a:solidFill>
+                  <a:srgbClr val="7030A0"/>
+                </a:solidFill>
+              </a:rPr>
+              <a:t>package</a:t>
+            </a:r>
+            <a:endParaRPr lang="zh-CN" altLang="en-US" dirty="0">
+              <a:solidFill>
+                <a:srgbClr val="7030A0"/>
+              </a:solidFill>
+            </a:endParaRPr>
+          </a:p>
+        </p:txBody>
+      </p:sp>
+      <p:sp>
+        <p:nvSpPr>
+          <p:cNvPr id="27" name="文本框 26"/>
+          <p:cNvSpPr txBox="1"/>
+          <p:nvPr/>
+        </p:nvSpPr>
+        <p:spPr>
+          <a:xfrm rot="20697557">
+            <a:off x="9038490" y="292248"/>
+            <a:ext cx="948208" cy="369332"/>
+          </a:xfrm>
+          <a:prstGeom prst="rect">
+            <a:avLst/>
+          </a:prstGeom>
+          <a:noFill/>
+        </p:spPr>
+        <p:txBody>
+          <a:bodyPr wrap="none" rtlCol="0">
+            <a:spAutoFit/>
+          </a:bodyPr>
+          <a:lstStyle/>
+          <a:p>
+            <a:r>
+              <a:rPr lang="en-US" altLang="zh-CN" dirty="0" smtClean="0">
+                <a:solidFill>
+                  <a:srgbClr val="7030A0"/>
+                </a:solidFill>
+              </a:rPr>
+              <a:t>package</a:t>
+            </a:r>
+            <a:endParaRPr lang="zh-CN" altLang="en-US" dirty="0">
+              <a:solidFill>
+                <a:srgbClr val="7030A0"/>
+              </a:solidFill>
+            </a:endParaRPr>
+          </a:p>
+        </p:txBody>
+      </p:sp>
+      <p:sp>
+        <p:nvSpPr>
+          <p:cNvPr id="28" name="文本框 27"/>
+          <p:cNvSpPr txBox="1"/>
+          <p:nvPr/>
+        </p:nvSpPr>
+        <p:spPr>
+          <a:xfrm rot="13409349">
+            <a:off x="630060" y="5496705"/>
+            <a:ext cx="948208" cy="369332"/>
+          </a:xfrm>
+          <a:prstGeom prst="rect">
+            <a:avLst/>
+          </a:prstGeom>
+          <a:noFill/>
+        </p:spPr>
+        <p:txBody>
+          <a:bodyPr wrap="none" rtlCol="0">
+            <a:spAutoFit/>
+          </a:bodyPr>
+          <a:lstStyle/>
+          <a:p>
+            <a:r>
+              <a:rPr lang="en-US" altLang="zh-CN" dirty="0" smtClean="0">
+                <a:solidFill>
+                  <a:srgbClr val="7030A0"/>
+                </a:solidFill>
+              </a:rPr>
+              <a:t>package</a:t>
+            </a:r>
+            <a:endParaRPr lang="zh-CN" altLang="en-US" dirty="0">
+              <a:solidFill>
+                <a:srgbClr val="7030A0"/>
+              </a:solidFill>
+            </a:endParaRPr>
+          </a:p>
+        </p:txBody>
+      </p:sp>
+      <p:sp>
+        <p:nvSpPr>
+          <p:cNvPr id="29" name="文本框 28"/>
+          <p:cNvSpPr txBox="1"/>
+          <p:nvPr/>
+        </p:nvSpPr>
+        <p:spPr>
+          <a:xfrm rot="822080">
+            <a:off x="7603886" y="5748104"/>
+            <a:ext cx="948208" cy="369332"/>
+          </a:xfrm>
+          <a:prstGeom prst="rect">
+            <a:avLst/>
+          </a:prstGeom>
+          <a:noFill/>
+        </p:spPr>
+        <p:txBody>
+          <a:bodyPr wrap="none" rtlCol="0">
+            <a:spAutoFit/>
+          </a:bodyPr>
+          <a:lstStyle/>
+          <a:p>
+            <a:r>
+              <a:rPr lang="en-US" altLang="zh-CN" dirty="0" smtClean="0">
+                <a:solidFill>
+                  <a:srgbClr val="7030A0"/>
+                </a:solidFill>
+              </a:rPr>
+              <a:t>package</a:t>
+            </a:r>
+            <a:endParaRPr lang="zh-CN" altLang="en-US" dirty="0">
+              <a:solidFill>
+                <a:srgbClr val="7030A0"/>
+              </a:solidFill>
+            </a:endParaRPr>
+          </a:p>
+        </p:txBody>
+      </p:sp>
+      <p:sp>
+        <p:nvSpPr>
+          <p:cNvPr id="30" name="文本框 29"/>
+          <p:cNvSpPr txBox="1"/>
+          <p:nvPr/>
+        </p:nvSpPr>
+        <p:spPr>
+          <a:xfrm rot="20140569">
+            <a:off x="6359085" y="935429"/>
+            <a:ext cx="948208" cy="369332"/>
+          </a:xfrm>
+          <a:prstGeom prst="rect">
+            <a:avLst/>
+          </a:prstGeom>
+          <a:noFill/>
+        </p:spPr>
+        <p:txBody>
+          <a:bodyPr wrap="none" rtlCol="0">
+            <a:spAutoFit/>
+          </a:bodyPr>
+          <a:lstStyle/>
+          <a:p>
+            <a:r>
+              <a:rPr lang="en-US" altLang="zh-CN" dirty="0" smtClean="0">
+                <a:solidFill>
+                  <a:srgbClr val="7030A0"/>
+                </a:solidFill>
+              </a:rPr>
+              <a:t>package</a:t>
+            </a:r>
+            <a:endParaRPr lang="zh-CN" altLang="en-US" dirty="0">
+              <a:solidFill>
+                <a:srgbClr val="7030A0"/>
+              </a:solidFill>
+            </a:endParaRPr>
+          </a:p>
+        </p:txBody>
+      </p:sp>
+      <p:sp>
+        <p:nvSpPr>
+          <p:cNvPr id="31" name="文本框 30"/>
+          <p:cNvSpPr txBox="1"/>
+          <p:nvPr/>
+        </p:nvSpPr>
+        <p:spPr>
+          <a:xfrm rot="1074501">
+            <a:off x="10773543" y="853331"/>
+            <a:ext cx="948208" cy="369332"/>
+          </a:xfrm>
+          <a:prstGeom prst="rect">
+            <a:avLst/>
+          </a:prstGeom>
+          <a:noFill/>
+        </p:spPr>
+        <p:txBody>
+          <a:bodyPr wrap="none" rtlCol="0">
+            <a:spAutoFit/>
+          </a:bodyPr>
+          <a:lstStyle/>
+          <a:p>
+            <a:r>
+              <a:rPr lang="en-US" altLang="zh-CN" dirty="0" smtClean="0">
+                <a:solidFill>
+                  <a:srgbClr val="7030A0"/>
+                </a:solidFill>
+              </a:rPr>
+              <a:t>package</a:t>
+            </a:r>
+            <a:endParaRPr lang="zh-CN" altLang="en-US" dirty="0">
+              <a:solidFill>
+                <a:srgbClr val="7030A0"/>
+              </a:solidFill>
+            </a:endParaRPr>
+          </a:p>
+        </p:txBody>
+      </p:sp>
+      <p:sp>
+        <p:nvSpPr>
+          <p:cNvPr id="32" name="文本框 31"/>
+          <p:cNvSpPr txBox="1"/>
+          <p:nvPr/>
+        </p:nvSpPr>
+        <p:spPr>
+          <a:xfrm rot="20140569">
+            <a:off x="621379" y="310723"/>
+            <a:ext cx="948208" cy="369332"/>
+          </a:xfrm>
+          <a:prstGeom prst="rect">
+            <a:avLst/>
+          </a:prstGeom>
+          <a:noFill/>
+        </p:spPr>
+        <p:txBody>
+          <a:bodyPr wrap="none" rtlCol="0">
+            <a:spAutoFit/>
+          </a:bodyPr>
+          <a:lstStyle/>
+          <a:p>
+            <a:r>
+              <a:rPr lang="en-US" altLang="zh-CN" dirty="0" smtClean="0">
+                <a:solidFill>
+                  <a:srgbClr val="7030A0"/>
+                </a:solidFill>
+              </a:rPr>
+              <a:t>package</a:t>
+            </a:r>
+            <a:endParaRPr lang="zh-CN" altLang="en-US" dirty="0">
+              <a:solidFill>
+                <a:srgbClr val="7030A0"/>
+              </a:solidFill>
+            </a:endParaRPr>
+          </a:p>
+        </p:txBody>
+      </p:sp>
+      <p:sp>
+        <p:nvSpPr>
+          <p:cNvPr id="33" name="文本框 32"/>
+          <p:cNvSpPr txBox="1"/>
+          <p:nvPr/>
+        </p:nvSpPr>
+        <p:spPr>
+          <a:xfrm rot="485728">
+            <a:off x="2639330" y="6058872"/>
+            <a:ext cx="948208" cy="369332"/>
+          </a:xfrm>
+          <a:prstGeom prst="rect">
+            <a:avLst/>
+          </a:prstGeom>
+          <a:noFill/>
+        </p:spPr>
+        <p:txBody>
+          <a:bodyPr wrap="none" rtlCol="0">
+            <a:spAutoFit/>
+          </a:bodyPr>
+          <a:lstStyle/>
+          <a:p>
+            <a:r>
+              <a:rPr lang="en-US" altLang="zh-CN" dirty="0" smtClean="0">
+                <a:solidFill>
+                  <a:srgbClr val="7030A0"/>
+                </a:solidFill>
+              </a:rPr>
+              <a:t>package</a:t>
+            </a:r>
+            <a:endParaRPr lang="zh-CN" altLang="en-US" dirty="0">
+              <a:solidFill>
+                <a:srgbClr val="7030A0"/>
+              </a:solidFill>
+            </a:endParaRPr>
+          </a:p>
+        </p:txBody>
+      </p:sp>
+      <p:sp>
+        <p:nvSpPr>
+          <p:cNvPr id="34" name="文本框 33"/>
+          <p:cNvSpPr txBox="1"/>
+          <p:nvPr/>
+        </p:nvSpPr>
+        <p:spPr>
+          <a:xfrm rot="469970">
+            <a:off x="9842768" y="5520999"/>
+            <a:ext cx="948208" cy="369332"/>
+          </a:xfrm>
+          <a:prstGeom prst="rect">
+            <a:avLst/>
+          </a:prstGeom>
+          <a:noFill/>
+        </p:spPr>
+        <p:txBody>
+          <a:bodyPr wrap="none" rtlCol="0">
+            <a:spAutoFit/>
+          </a:bodyPr>
+          <a:lstStyle/>
+          <a:p>
+            <a:r>
+              <a:rPr lang="en-US" altLang="zh-CN" dirty="0" smtClean="0">
+                <a:solidFill>
+                  <a:srgbClr val="7030A0"/>
+                </a:solidFill>
+              </a:rPr>
+              <a:t>package</a:t>
+            </a:r>
+            <a:endParaRPr lang="zh-CN" altLang="en-US" dirty="0">
+              <a:solidFill>
+                <a:srgbClr val="7030A0"/>
+              </a:solidFill>
+            </a:endParaRPr>
+          </a:p>
+        </p:txBody>
+      </p:sp>
+      <p:sp>
+        <p:nvSpPr>
+          <p:cNvPr id="35" name="文本框 34"/>
+          <p:cNvSpPr txBox="1"/>
+          <p:nvPr/>
+        </p:nvSpPr>
+        <p:spPr>
+          <a:xfrm rot="16200000">
+            <a:off x="1842553" y="3181516"/>
+            <a:ext cx="948208" cy="369332"/>
+          </a:xfrm>
+          <a:prstGeom prst="rect">
+            <a:avLst/>
+          </a:prstGeom>
+          <a:noFill/>
+        </p:spPr>
+        <p:txBody>
+          <a:bodyPr wrap="none" rtlCol="0">
+            <a:spAutoFit/>
+          </a:bodyPr>
+          <a:lstStyle/>
+          <a:p>
+            <a:r>
+              <a:rPr lang="en-US" altLang="zh-CN" dirty="0" smtClean="0">
+                <a:solidFill>
+                  <a:srgbClr val="7030A0"/>
+                </a:solidFill>
+              </a:rPr>
+              <a:t>package</a:t>
+            </a:r>
+            <a:endParaRPr lang="zh-CN" altLang="en-US" dirty="0">
+              <a:solidFill>
+                <a:srgbClr val="7030A0"/>
+              </a:solidFill>
+            </a:endParaRPr>
+          </a:p>
+        </p:txBody>
+      </p:sp>
+      <p:sp>
+        <p:nvSpPr>
+          <p:cNvPr id="36" name="文本框 35"/>
+          <p:cNvSpPr txBox="1"/>
+          <p:nvPr/>
+        </p:nvSpPr>
+        <p:spPr>
+          <a:xfrm rot="19806937">
+            <a:off x="2350862" y="3711068"/>
+            <a:ext cx="948208" cy="369332"/>
+          </a:xfrm>
+          <a:prstGeom prst="rect">
+            <a:avLst/>
+          </a:prstGeom>
+          <a:noFill/>
+        </p:spPr>
+        <p:txBody>
+          <a:bodyPr wrap="none" rtlCol="0">
+            <a:spAutoFit/>
+          </a:bodyPr>
+          <a:lstStyle/>
+          <a:p>
+            <a:r>
+              <a:rPr lang="en-US" altLang="zh-CN" dirty="0" smtClean="0">
+                <a:solidFill>
+                  <a:srgbClr val="7030A0"/>
+                </a:solidFill>
+              </a:rPr>
+              <a:t>package</a:t>
+            </a:r>
+            <a:endParaRPr lang="zh-CN" altLang="en-US" dirty="0">
+              <a:solidFill>
+                <a:srgbClr val="7030A0"/>
+              </a:solidFill>
+            </a:endParaRPr>
+          </a:p>
+        </p:txBody>
+      </p:sp>
+      <p:sp>
+        <p:nvSpPr>
+          <p:cNvPr id="37" name="文本框 36"/>
+          <p:cNvSpPr txBox="1"/>
+          <p:nvPr/>
+        </p:nvSpPr>
+        <p:spPr>
+          <a:xfrm rot="19806937">
+            <a:off x="774646" y="3880300"/>
+            <a:ext cx="948208" cy="369332"/>
+          </a:xfrm>
+          <a:prstGeom prst="rect">
+            <a:avLst/>
+          </a:prstGeom>
+          <a:noFill/>
+        </p:spPr>
+        <p:txBody>
+          <a:bodyPr wrap="none" rtlCol="0">
+            <a:spAutoFit/>
+          </a:bodyPr>
+          <a:lstStyle/>
+          <a:p>
+            <a:r>
+              <a:rPr lang="en-US" altLang="zh-CN" dirty="0" smtClean="0">
+                <a:solidFill>
+                  <a:srgbClr val="7030A0"/>
+                </a:solidFill>
+              </a:rPr>
+              <a:t>package</a:t>
+            </a:r>
+            <a:endParaRPr lang="zh-CN" altLang="en-US" dirty="0">
+              <a:solidFill>
+                <a:srgbClr val="7030A0"/>
+              </a:solidFill>
+            </a:endParaRPr>
+          </a:p>
+        </p:txBody>
+      </p:sp>
+      <p:sp>
+        <p:nvSpPr>
+          <p:cNvPr id="38" name="文本框 37"/>
+          <p:cNvSpPr txBox="1"/>
+          <p:nvPr/>
+        </p:nvSpPr>
+        <p:spPr>
+          <a:xfrm rot="16168095">
+            <a:off x="4123612" y="3857920"/>
+            <a:ext cx="948208" cy="369332"/>
+          </a:xfrm>
+          <a:prstGeom prst="rect">
+            <a:avLst/>
+          </a:prstGeom>
+          <a:noFill/>
+        </p:spPr>
+        <p:txBody>
+          <a:bodyPr wrap="none" rtlCol="0">
+            <a:spAutoFit/>
+          </a:bodyPr>
+          <a:lstStyle/>
+          <a:p>
+            <a:r>
+              <a:rPr lang="en-US" altLang="zh-CN" dirty="0" smtClean="0">
+                <a:solidFill>
+                  <a:srgbClr val="7030A0"/>
+                </a:solidFill>
+              </a:rPr>
+              <a:t>package</a:t>
+            </a:r>
+            <a:endParaRPr lang="zh-CN" altLang="en-US" dirty="0">
+              <a:solidFill>
+                <a:srgbClr val="7030A0"/>
+              </a:solidFill>
+            </a:endParaRPr>
+          </a:p>
+        </p:txBody>
+      </p:sp>
+      <p:sp>
+        <p:nvSpPr>
+          <p:cNvPr id="39" name="文本框 38"/>
+          <p:cNvSpPr txBox="1"/>
+          <p:nvPr/>
+        </p:nvSpPr>
+        <p:spPr>
+          <a:xfrm rot="17008484">
+            <a:off x="3555754" y="3137270"/>
+            <a:ext cx="948208" cy="369332"/>
+          </a:xfrm>
+          <a:prstGeom prst="rect">
+            <a:avLst/>
+          </a:prstGeom>
+          <a:noFill/>
+        </p:spPr>
+        <p:txBody>
+          <a:bodyPr wrap="none" rtlCol="0">
+            <a:spAutoFit/>
+          </a:bodyPr>
+          <a:lstStyle/>
+          <a:p>
+            <a:r>
+              <a:rPr lang="en-US" altLang="zh-CN" dirty="0" smtClean="0">
+                <a:solidFill>
+                  <a:srgbClr val="7030A0"/>
+                </a:solidFill>
+              </a:rPr>
+              <a:t>package</a:t>
+            </a:r>
+            <a:endParaRPr lang="zh-CN" altLang="en-US" dirty="0">
+              <a:solidFill>
+                <a:srgbClr val="7030A0"/>
+              </a:solidFill>
+            </a:endParaRPr>
+          </a:p>
+        </p:txBody>
+      </p:sp>
+      <p:sp>
+        <p:nvSpPr>
+          <p:cNvPr id="40" name="文本框 39"/>
+          <p:cNvSpPr txBox="1"/>
+          <p:nvPr/>
+        </p:nvSpPr>
+        <p:spPr>
+          <a:xfrm rot="19021501">
+            <a:off x="3394285" y="3965543"/>
+            <a:ext cx="948208" cy="369332"/>
+          </a:xfrm>
+          <a:prstGeom prst="rect">
+            <a:avLst/>
+          </a:prstGeom>
+          <a:noFill/>
+        </p:spPr>
+        <p:txBody>
+          <a:bodyPr wrap="none" rtlCol="0">
+            <a:spAutoFit/>
+          </a:bodyPr>
+          <a:lstStyle/>
+          <a:p>
+            <a:r>
+              <a:rPr lang="en-US" altLang="zh-CN" dirty="0" smtClean="0">
+                <a:solidFill>
+                  <a:srgbClr val="7030A0"/>
+                </a:solidFill>
+              </a:rPr>
+              <a:t>package</a:t>
+            </a:r>
+            <a:endParaRPr lang="zh-CN" altLang="en-US" dirty="0">
+              <a:solidFill>
+                <a:srgbClr val="7030A0"/>
+              </a:solidFill>
+            </a:endParaRPr>
+          </a:p>
+        </p:txBody>
+      </p:sp>
+      <p:sp>
+        <p:nvSpPr>
+          <p:cNvPr id="41" name="文本框 40"/>
+          <p:cNvSpPr txBox="1"/>
+          <p:nvPr/>
+        </p:nvSpPr>
+        <p:spPr>
+          <a:xfrm rot="16168095">
+            <a:off x="785603" y="3087125"/>
+            <a:ext cx="948208" cy="369332"/>
+          </a:xfrm>
+          <a:prstGeom prst="rect">
+            <a:avLst/>
+          </a:prstGeom>
+          <a:noFill/>
+        </p:spPr>
+        <p:txBody>
+          <a:bodyPr wrap="none" rtlCol="0">
+            <a:spAutoFit/>
+          </a:bodyPr>
+          <a:lstStyle/>
+          <a:p>
+            <a:r>
+              <a:rPr lang="en-US" altLang="zh-CN" dirty="0" smtClean="0">
+                <a:solidFill>
+                  <a:srgbClr val="7030A0"/>
+                </a:solidFill>
+              </a:rPr>
+              <a:t>package</a:t>
+            </a:r>
+            <a:endParaRPr lang="zh-CN" altLang="en-US" dirty="0">
+              <a:solidFill>
+                <a:srgbClr val="7030A0"/>
+              </a:solidFill>
+            </a:endParaRPr>
+          </a:p>
+        </p:txBody>
+      </p:sp>
+      <p:sp>
+        <p:nvSpPr>
+          <p:cNvPr id="42" name="文本框 41"/>
+          <p:cNvSpPr txBox="1"/>
+          <p:nvPr/>
+        </p:nvSpPr>
+        <p:spPr>
+          <a:xfrm rot="3032128">
+            <a:off x="8904569" y="1988248"/>
+            <a:ext cx="948208" cy="369332"/>
+          </a:xfrm>
+          <a:prstGeom prst="rect">
+            <a:avLst/>
+          </a:prstGeom>
+          <a:noFill/>
+        </p:spPr>
+        <p:txBody>
+          <a:bodyPr wrap="none" rtlCol="0">
+            <a:spAutoFit/>
+          </a:bodyPr>
+          <a:lstStyle/>
+          <a:p>
+            <a:r>
+              <a:rPr lang="en-US" altLang="zh-CN" dirty="0" smtClean="0">
+                <a:solidFill>
+                  <a:srgbClr val="7030A0"/>
+                </a:solidFill>
+              </a:rPr>
+              <a:t>package</a:t>
+            </a:r>
+            <a:endParaRPr lang="zh-CN" altLang="en-US" dirty="0">
+              <a:solidFill>
+                <a:srgbClr val="7030A0"/>
+              </a:solidFill>
+            </a:endParaRPr>
+          </a:p>
+        </p:txBody>
+      </p:sp>
+      <p:sp>
+        <p:nvSpPr>
+          <p:cNvPr id="43" name="文本框 42"/>
+          <p:cNvSpPr txBox="1"/>
+          <p:nvPr/>
+        </p:nvSpPr>
+        <p:spPr>
+          <a:xfrm rot="6639065">
+            <a:off x="9412878" y="2517800"/>
+            <a:ext cx="948208" cy="369332"/>
+          </a:xfrm>
+          <a:prstGeom prst="rect">
+            <a:avLst/>
+          </a:prstGeom>
+          <a:noFill/>
+        </p:spPr>
+        <p:txBody>
+          <a:bodyPr wrap="none" rtlCol="0">
+            <a:spAutoFit/>
+          </a:bodyPr>
+          <a:lstStyle/>
+          <a:p>
+            <a:r>
+              <a:rPr lang="en-US" altLang="zh-CN" dirty="0" smtClean="0">
+                <a:solidFill>
+                  <a:srgbClr val="7030A0"/>
+                </a:solidFill>
+              </a:rPr>
+              <a:t>package</a:t>
+            </a:r>
+            <a:endParaRPr lang="zh-CN" altLang="en-US" dirty="0">
+              <a:solidFill>
+                <a:srgbClr val="7030A0"/>
+              </a:solidFill>
+            </a:endParaRPr>
+          </a:p>
+        </p:txBody>
+      </p:sp>
+      <p:sp>
+        <p:nvSpPr>
+          <p:cNvPr id="44" name="文本框 43"/>
+          <p:cNvSpPr txBox="1"/>
+          <p:nvPr/>
+        </p:nvSpPr>
+        <p:spPr>
+          <a:xfrm rot="6639065">
+            <a:off x="8412196" y="3216179"/>
+            <a:ext cx="948208" cy="369332"/>
+          </a:xfrm>
+          <a:prstGeom prst="rect">
+            <a:avLst/>
+          </a:prstGeom>
+          <a:noFill/>
+        </p:spPr>
+        <p:txBody>
+          <a:bodyPr wrap="none" rtlCol="0">
+            <a:spAutoFit/>
+          </a:bodyPr>
+          <a:lstStyle/>
+          <a:p>
+            <a:r>
+              <a:rPr lang="en-US" altLang="zh-CN" dirty="0" smtClean="0">
+                <a:solidFill>
+                  <a:srgbClr val="7030A0"/>
+                </a:solidFill>
+              </a:rPr>
+              <a:t>package</a:t>
+            </a:r>
+            <a:endParaRPr lang="zh-CN" altLang="en-US" dirty="0">
+              <a:solidFill>
+                <a:srgbClr val="7030A0"/>
+              </a:solidFill>
+            </a:endParaRPr>
+          </a:p>
+        </p:txBody>
+      </p:sp>
+      <p:sp>
+        <p:nvSpPr>
+          <p:cNvPr id="45" name="文本框 44"/>
+          <p:cNvSpPr txBox="1"/>
+          <p:nvPr/>
+        </p:nvSpPr>
+        <p:spPr>
+          <a:xfrm rot="3000223">
+            <a:off x="11185628" y="2664652"/>
+            <a:ext cx="948208" cy="369332"/>
+          </a:xfrm>
+          <a:prstGeom prst="rect">
+            <a:avLst/>
+          </a:prstGeom>
+          <a:noFill/>
+        </p:spPr>
+        <p:txBody>
+          <a:bodyPr wrap="none" rtlCol="0">
+            <a:spAutoFit/>
+          </a:bodyPr>
+          <a:lstStyle/>
+          <a:p>
+            <a:r>
+              <a:rPr lang="en-US" altLang="zh-CN" dirty="0" smtClean="0">
+                <a:solidFill>
+                  <a:srgbClr val="7030A0"/>
+                </a:solidFill>
+              </a:rPr>
+              <a:t>package</a:t>
+            </a:r>
+            <a:endParaRPr lang="zh-CN" altLang="en-US" dirty="0">
+              <a:solidFill>
+                <a:srgbClr val="7030A0"/>
+              </a:solidFill>
+            </a:endParaRPr>
+          </a:p>
+        </p:txBody>
+      </p:sp>
+      <p:sp>
+        <p:nvSpPr>
+          <p:cNvPr id="46" name="文本框 45"/>
+          <p:cNvSpPr txBox="1"/>
+          <p:nvPr/>
+        </p:nvSpPr>
+        <p:spPr>
+          <a:xfrm rot="3840612">
+            <a:off x="10617770" y="1944002"/>
+            <a:ext cx="948208" cy="369332"/>
+          </a:xfrm>
+          <a:prstGeom prst="rect">
+            <a:avLst/>
+          </a:prstGeom>
+          <a:noFill/>
+        </p:spPr>
+        <p:txBody>
+          <a:bodyPr wrap="none" rtlCol="0">
+            <a:spAutoFit/>
+          </a:bodyPr>
+          <a:lstStyle/>
+          <a:p>
+            <a:r>
+              <a:rPr lang="en-US" altLang="zh-CN" dirty="0" smtClean="0">
+                <a:solidFill>
+                  <a:srgbClr val="7030A0"/>
+                </a:solidFill>
+              </a:rPr>
+              <a:t>package</a:t>
+            </a:r>
+            <a:endParaRPr lang="zh-CN" altLang="en-US" dirty="0">
+              <a:solidFill>
+                <a:srgbClr val="7030A0"/>
+              </a:solidFill>
+            </a:endParaRPr>
+          </a:p>
+        </p:txBody>
+      </p:sp>
+      <p:sp>
+        <p:nvSpPr>
+          <p:cNvPr id="47" name="文本框 46"/>
+          <p:cNvSpPr txBox="1"/>
+          <p:nvPr/>
+        </p:nvSpPr>
+        <p:spPr>
+          <a:xfrm rot="5853629">
+            <a:off x="10456301" y="2772275"/>
+            <a:ext cx="948208" cy="369332"/>
+          </a:xfrm>
+          <a:prstGeom prst="rect">
+            <a:avLst/>
+          </a:prstGeom>
+          <a:noFill/>
+        </p:spPr>
+        <p:txBody>
+          <a:bodyPr wrap="none" rtlCol="0">
+            <a:spAutoFit/>
+          </a:bodyPr>
+          <a:lstStyle/>
+          <a:p>
+            <a:r>
+              <a:rPr lang="en-US" altLang="zh-CN" dirty="0" smtClean="0">
+                <a:solidFill>
+                  <a:srgbClr val="7030A0"/>
+                </a:solidFill>
+              </a:rPr>
+              <a:t>package</a:t>
+            </a:r>
+            <a:endParaRPr lang="zh-CN" altLang="en-US" dirty="0">
+              <a:solidFill>
+                <a:srgbClr val="7030A0"/>
+              </a:solidFill>
+            </a:endParaRPr>
+          </a:p>
+        </p:txBody>
+      </p:sp>
+      <p:sp>
+        <p:nvSpPr>
+          <p:cNvPr id="48" name="文本框 47"/>
+          <p:cNvSpPr txBox="1"/>
+          <p:nvPr/>
+        </p:nvSpPr>
+        <p:spPr>
+          <a:xfrm rot="3000223">
+            <a:off x="7880425" y="1661068"/>
+            <a:ext cx="948208" cy="369332"/>
+          </a:xfrm>
+          <a:prstGeom prst="rect">
+            <a:avLst/>
+          </a:prstGeom>
+          <a:noFill/>
+        </p:spPr>
+        <p:txBody>
+          <a:bodyPr wrap="none" rtlCol="0">
+            <a:spAutoFit/>
+          </a:bodyPr>
+          <a:lstStyle/>
+          <a:p>
+            <a:r>
+              <a:rPr lang="en-US" altLang="zh-CN" dirty="0" smtClean="0">
+                <a:solidFill>
+                  <a:srgbClr val="7030A0"/>
+                </a:solidFill>
+              </a:rPr>
+              <a:t>package</a:t>
+            </a:r>
+            <a:endParaRPr lang="zh-CN" altLang="en-US" dirty="0">
+              <a:solidFill>
+                <a:srgbClr val="7030A0"/>
+              </a:solidFill>
+            </a:endParaRPr>
+          </a:p>
+        </p:txBody>
+      </p:sp>
+      <p:sp>
+        <p:nvSpPr>
+          <p:cNvPr id="49" name="文本框 48"/>
+          <p:cNvSpPr txBox="1"/>
+          <p:nvPr/>
+        </p:nvSpPr>
+        <p:spPr>
+          <a:xfrm rot="219631">
+            <a:off x="8039639" y="4906056"/>
+            <a:ext cx="948208" cy="369332"/>
+          </a:xfrm>
+          <a:prstGeom prst="rect">
+            <a:avLst/>
+          </a:prstGeom>
+          <a:noFill/>
+        </p:spPr>
+        <p:txBody>
+          <a:bodyPr wrap="none" rtlCol="0">
+            <a:spAutoFit/>
+          </a:bodyPr>
+          <a:lstStyle/>
+          <a:p>
+            <a:r>
+              <a:rPr lang="en-US" altLang="zh-CN" dirty="0" smtClean="0">
+                <a:solidFill>
+                  <a:srgbClr val="7030A0"/>
+                </a:solidFill>
+              </a:rPr>
+              <a:t>package</a:t>
+            </a:r>
+            <a:endParaRPr lang="zh-CN" altLang="en-US" dirty="0">
+              <a:solidFill>
+                <a:srgbClr val="7030A0"/>
+              </a:solidFill>
+            </a:endParaRPr>
+          </a:p>
+        </p:txBody>
+      </p:sp>
     </p:spTree>
   </p:cSld>
   <p:clrMapOvr>
@@ -14265,6 +15301,9 @@
                     <p:cTn id="3" fill="hold">
                       <p:stCondLst>
                         <p:cond delay="indefinite"/>
+                        <p:cond evt="onBegin" delay="0">
+                          <p:tn val="2"/>
+                        </p:cond>
                       </p:stCondLst>
                       <p:childTnLst>
                         <p:par>
@@ -14274,7 +15313,7 @@
                             </p:stCondLst>
                             <p:childTnLst>
                               <p:par>
-                                <p:cTn id="5" presetID="10" presetClass="entr" presetSubtype="0" fill="hold" nodeType="clickEffect">
+                                <p:cTn id="5" presetID="10" presetClass="entr" presetSubtype="0" fill="hold" nodeType="withEffect">
                                   <p:stCondLst>
                                     <p:cond delay="0"/>
                                   </p:stCondLst>
@@ -14458,7 +15497,7 @@
                                     </p:set>
                                     <p:animEffect transition="in" filter="fade">
                                       <p:cBhvr>
-                                        <p:cTn id="22" dur="200"/>
+                                        <p:cTn id="22" dur="250"/>
                                         <p:tgtEl>
                                           <p:spTgt spid="7"/>
                                         </p:tgtEl>
@@ -14473,7 +15512,7 @@
                         <p:par>
                           <p:cTn id="23" fill="hold">
                             <p:stCondLst>
-                              <p:cond delay="500"/>
+                              <p:cond delay="250"/>
                             </p:stCondLst>
                             <p:childTnLst>
                               <p:par>
@@ -14502,7 +15541,7 @@
                                     </p:set>
                                     <p:animEffect transition="in" filter="fade">
                                       <p:cBhvr>
-                                        <p:cTn id="26" dur="200"/>
+                                        <p:cTn id="26" dur="250"/>
                                         <p:tgtEl>
                                           <p:spTgt spid="11"/>
                                         </p:tgtEl>
@@ -14517,7 +15556,7 @@
                         <p:par>
                           <p:cTn id="27" fill="hold">
                             <p:stCondLst>
-                              <p:cond delay="1000"/>
+                              <p:cond delay="500"/>
                             </p:stCondLst>
                             <p:childTnLst>
                               <p:par>
@@ -14546,7 +15585,7 @@
                                     </p:set>
                                     <p:animEffect transition="in" filter="fade">
                                       <p:cBhvr>
-                                        <p:cTn id="30" dur="200"/>
+                                        <p:cTn id="30" dur="250"/>
                                         <p:tgtEl>
                                           <p:spTgt spid="9"/>
                                         </p:tgtEl>
@@ -14561,7 +15600,7 @@
                         <p:par>
                           <p:cTn id="31" fill="hold">
                             <p:stCondLst>
-                              <p:cond delay="1500"/>
+                              <p:cond delay="750"/>
                             </p:stCondLst>
                             <p:childTnLst>
                               <p:par>
@@ -14590,7 +15629,7 @@
                                     </p:set>
                                     <p:animEffect transition="in" filter="fade">
                                       <p:cBhvr>
-                                        <p:cTn id="34" dur="200"/>
+                                        <p:cTn id="34" dur="250"/>
                                         <p:tgtEl>
                                           <p:spTgt spid="14"/>
                                         </p:tgtEl>
@@ -14605,7 +15644,7 @@
                         <p:par>
                           <p:cTn id="35" fill="hold">
                             <p:stCondLst>
-                              <p:cond delay="2000"/>
+                              <p:cond delay="1000"/>
                             </p:stCondLst>
                             <p:childTnLst>
                               <p:par>
@@ -14634,7 +15673,7 @@
                                     </p:set>
                                     <p:animEffect transition="in" filter="fade">
                                       <p:cBhvr>
-                                        <p:cTn id="38" dur="200"/>
+                                        <p:cTn id="38" dur="250"/>
                                         <p:tgtEl>
                                           <p:spTgt spid="8"/>
                                         </p:tgtEl>
@@ -14649,7 +15688,7 @@
                         <p:par>
                           <p:cTn id="39" fill="hold">
                             <p:stCondLst>
-                              <p:cond delay="2500"/>
+                              <p:cond delay="1250"/>
                             </p:stCondLst>
                             <p:childTnLst>
                               <p:par>
@@ -14678,7 +15717,7 @@
                                     </p:set>
                                     <p:animEffect transition="in" filter="fade">
                                       <p:cBhvr>
-                                        <p:cTn id="42" dur="200"/>
+                                        <p:cTn id="42" dur="250"/>
                                         <p:tgtEl>
                                           <p:spTgt spid="13"/>
                                         </p:tgtEl>
@@ -14693,7 +15732,7 @@
                         <p:par>
                           <p:cTn id="43" fill="hold">
                             <p:stCondLst>
-                              <p:cond delay="3000"/>
+                              <p:cond delay="1500"/>
                             </p:stCondLst>
                             <p:childTnLst>
                               <p:par>
@@ -14722,7 +15761,7 @@
                                     </p:set>
                                     <p:animEffect transition="in" filter="fade">
                                       <p:cBhvr>
-                                        <p:cTn id="46" dur="200"/>
+                                        <p:cTn id="46" dur="250"/>
                                         <p:tgtEl>
                                           <p:spTgt spid="16"/>
                                         </p:tgtEl>
@@ -14737,7 +15776,7 @@
                         <p:par>
                           <p:cTn id="47" fill="hold">
                             <p:stCondLst>
-                              <p:cond delay="3500"/>
+                              <p:cond delay="1750"/>
                             </p:stCondLst>
                             <p:childTnLst>
                               <p:par>
@@ -14766,7 +15805,7 @@
                                     </p:set>
                                     <p:animEffect transition="in" filter="fade">
                                       <p:cBhvr>
-                                        <p:cTn id="50" dur="200"/>
+                                        <p:cTn id="50" dur="250"/>
                                         <p:tgtEl>
                                           <p:spTgt spid="12"/>
                                         </p:tgtEl>
@@ -14781,7 +15820,7 @@
                         <p:par>
                           <p:cTn id="51" fill="hold">
                             <p:stCondLst>
-                              <p:cond delay="4000"/>
+                              <p:cond delay="2000"/>
                             </p:stCondLst>
                             <p:childTnLst>
                               <p:par>
@@ -14810,7 +15849,7 @@
                                     </p:set>
                                     <p:animEffect transition="in" filter="fade">
                                       <p:cBhvr>
-                                        <p:cTn id="54" dur="200"/>
+                                        <p:cTn id="54" dur="250"/>
                                         <p:tgtEl>
                                           <p:spTgt spid="15"/>
                                         </p:tgtEl>
@@ -14825,7 +15864,7 @@
                         <p:par>
                           <p:cTn id="55" fill="hold">
                             <p:stCondLst>
-                              <p:cond delay="4500"/>
+                              <p:cond delay="2250"/>
                             </p:stCondLst>
                             <p:childTnLst>
                               <p:par>
@@ -14854,7 +15893,7 @@
                                     </p:set>
                                     <p:animEffect transition="in" filter="fade">
                                       <p:cBhvr>
-                                        <p:cTn id="58" dur="200"/>
+                                        <p:cTn id="58" dur="250"/>
                                         <p:tgtEl>
                                           <p:spTgt spid="18"/>
                                         </p:tgtEl>
@@ -14869,7 +15908,7 @@
                         <p:par>
                           <p:cTn id="59" fill="hold">
                             <p:stCondLst>
-                              <p:cond delay="5000"/>
+                              <p:cond delay="2500"/>
                             </p:stCondLst>
                             <p:childTnLst>
                               <p:par>
@@ -14898,7 +15937,7 @@
                                     </p:set>
                                     <p:animEffect transition="in" filter="fade">
                                       <p:cBhvr>
-                                        <p:cTn id="62" dur="200"/>
+                                        <p:cTn id="62" dur="250"/>
                                         <p:tgtEl>
                                           <p:spTgt spid="10"/>
                                         </p:tgtEl>
@@ -14913,7 +15952,7 @@
                         <p:par>
                           <p:cTn id="63" fill="hold">
                             <p:stCondLst>
-                              <p:cond delay="5500"/>
+                              <p:cond delay="2750"/>
                             </p:stCondLst>
                             <p:childTnLst>
                               <p:par>
@@ -14942,7 +15981,7 @@
                                     </p:set>
                                     <p:animEffect transition="in" filter="fade">
                                       <p:cBhvr>
-                                        <p:cTn id="66" dur="200"/>
+                                        <p:cTn id="66" dur="250"/>
                                         <p:tgtEl>
                                           <p:spTgt spid="17"/>
                                         </p:tgtEl>
@@ -14957,7 +15996,7 @@
                         <p:par>
                           <p:cTn id="67" fill="hold">
                             <p:stCondLst>
-                              <p:cond delay="6000"/>
+                              <p:cond delay="3000"/>
                             </p:stCondLst>
                             <p:childTnLst>
                               <p:par>
@@ -14986,7 +16025,7 @@
                                     </p:set>
                                     <p:animEffect transition="in" filter="fade">
                                       <p:cBhvr>
-                                        <p:cTn id="70" dur="200"/>
+                                        <p:cTn id="70" dur="250"/>
                                         <p:tgtEl>
                                           <p:spTgt spid="19"/>
                                         </p:tgtEl>
@@ -15001,7 +16040,7 @@
                         <p:par>
                           <p:cTn id="71" fill="hold">
                             <p:stCondLst>
-                              <p:cond delay="6500"/>
+                              <p:cond delay="3250"/>
                             </p:stCondLst>
                             <p:childTnLst>
                               <p:par>
@@ -15030,7 +16069,7 @@
                                     </p:set>
                                     <p:animEffect transition="in" filter="fade">
                                       <p:cBhvr>
-                                        <p:cTn id="74" dur="200"/>
+                                        <p:cTn id="74" dur="250"/>
                                         <p:tgtEl>
                                           <p:spTgt spid="20"/>
                                         </p:tgtEl>
@@ -15045,7 +16084,7 @@
                         <p:par>
                           <p:cTn id="75" fill="hold">
                             <p:stCondLst>
-                              <p:cond delay="7000"/>
+                              <p:cond delay="3500"/>
                             </p:stCondLst>
                             <p:childTnLst>
                               <p:par>
@@ -15074,7 +16113,7 @@
                                     </p:set>
                                     <p:animEffect transition="in" filter="fade">
                                       <p:cBhvr>
-                                        <p:cTn id="78" dur="200"/>
+                                        <p:cTn id="78" dur="250"/>
                                         <p:tgtEl>
                                           <p:spTgt spid="21"/>
                                         </p:tgtEl>
@@ -15089,7 +16128,7 @@
                         <p:par>
                           <p:cTn id="79" fill="hold">
                             <p:stCondLst>
-                              <p:cond delay="7500"/>
+                              <p:cond delay="3750"/>
                             </p:stCondLst>
                             <p:childTnLst>
                               <p:par>
@@ -15118,9 +16157,1197 @@
                                     </p:set>
                                     <p:animEffect transition="in" filter="fade">
                                       <p:cBhvr>
-                                        <p:cTn id="82" dur="200"/>
+                                        <p:cTn id="82" dur="250"/>
                                         <p:tgtEl>
                                           <p:spTgt spid="22"/>
+                                        </p:tgtEl>
+                                      </p:cBhvr>
+                                    </p:animEffect>
+                                  </p:childTnLst>
+                                </p:cTn>
+                              </p:par>
+                            </p:childTnLst>
+                          </p:cTn>
+                        </p:par>
+                        <p:par>
+                          <p:cTn id="83" fill="hold">
+                            <p:stCondLst>
+                              <p:cond delay="4000"/>
+                            </p:stCondLst>
+                            <p:childTnLst>
+                              <p:par>
+                                <p:cTn id="84" presetID="10" presetClass="entr" presetSubtype="0" fill="hold" grpId="0" nodeType="afterEffect">
+                                  <p:stCondLst>
+                                    <p:cond delay="0"/>
+                                  </p:stCondLst>
+                                  <p:childTnLst>
+                                    <p:set>
+                                      <p:cBhvr>
+                                        <p:cTn id="85" dur="1" fill="hold">
+                                          <p:stCondLst>
+                                            <p:cond delay="0"/>
+                                          </p:stCondLst>
+                                        </p:cTn>
+                                        <p:tgtEl>
+                                          <p:spTgt spid="23"/>
+                                        </p:tgtEl>
+                                        <p:attrNameLst>
+                                          <p:attrName>style.visibility</p:attrName>
+                                        </p:attrNameLst>
+                                      </p:cBhvr>
+                                      <p:to>
+                                        <p:strVal val="visible"/>
+                                      </p:to>
+                                    </p:set>
+                                    <p:animEffect transition="in" filter="fade">
+                                      <p:cBhvr>
+                                        <p:cTn id="86" dur="250"/>
+                                        <p:tgtEl>
+                                          <p:spTgt spid="23"/>
+                                        </p:tgtEl>
+                                      </p:cBhvr>
+                                    </p:animEffect>
+                                  </p:childTnLst>
+                                </p:cTn>
+                              </p:par>
+                            </p:childTnLst>
+                          </p:cTn>
+                        </p:par>
+                        <p:par>
+                          <p:cTn id="87" fill="hold">
+                            <p:stCondLst>
+                              <p:cond delay="4250"/>
+                            </p:stCondLst>
+                            <p:childTnLst>
+                              <p:par>
+                                <p:cTn id="88" presetID="10" presetClass="entr" presetSubtype="0" fill="hold" grpId="0" nodeType="afterEffect">
+                                  <p:stCondLst>
+                                    <p:cond delay="0"/>
+                                  </p:stCondLst>
+                                  <p:childTnLst>
+                                    <p:set>
+                                      <p:cBhvr>
+                                        <p:cTn id="89" dur="1" fill="hold">
+                                          <p:stCondLst>
+                                            <p:cond delay="0"/>
+                                          </p:stCondLst>
+                                        </p:cTn>
+                                        <p:tgtEl>
+                                          <p:spTgt spid="24"/>
+                                        </p:tgtEl>
+                                        <p:attrNameLst>
+                                          <p:attrName>style.visibility</p:attrName>
+                                        </p:attrNameLst>
+                                      </p:cBhvr>
+                                      <p:to>
+                                        <p:strVal val="visible"/>
+                                      </p:to>
+                                    </p:set>
+                                    <p:animEffect transition="in" filter="fade">
+                                      <p:cBhvr>
+                                        <p:cTn id="90" dur="250"/>
+                                        <p:tgtEl>
+                                          <p:spTgt spid="24"/>
+                                        </p:tgtEl>
+                                      </p:cBhvr>
+                                    </p:animEffect>
+                                  </p:childTnLst>
+                                </p:cTn>
+                              </p:par>
+                            </p:childTnLst>
+                          </p:cTn>
+                        </p:par>
+                        <p:par>
+                          <p:cTn id="91" fill="hold">
+                            <p:stCondLst>
+                              <p:cond delay="4500"/>
+                            </p:stCondLst>
+                            <p:childTnLst>
+                              <p:par>
+                                <p:cTn id="92" presetID="10" presetClass="entr" presetSubtype="0" fill="hold" grpId="0" nodeType="afterEffect">
+                                  <p:stCondLst>
+                                    <p:cond delay="0"/>
+                                  </p:stCondLst>
+                                  <p:childTnLst>
+                                    <p:set>
+                                      <p:cBhvr>
+                                        <p:cTn id="93" dur="1" fill="hold">
+                                          <p:stCondLst>
+                                            <p:cond delay="0"/>
+                                          </p:stCondLst>
+                                        </p:cTn>
+                                        <p:tgtEl>
+                                          <p:spTgt spid="25"/>
+                                        </p:tgtEl>
+                                        <p:attrNameLst>
+                                          <p:attrName>style.visibility</p:attrName>
+                                        </p:attrNameLst>
+                                      </p:cBhvr>
+                                      <p:to>
+                                        <p:strVal val="visible"/>
+                                      </p:to>
+                                    </p:set>
+                                    <p:animEffect transition="in" filter="fade">
+                                      <p:cBhvr>
+                                        <p:cTn id="94" dur="250"/>
+                                        <p:tgtEl>
+                                          <p:spTgt spid="25"/>
+                                        </p:tgtEl>
+                                      </p:cBhvr>
+                                    </p:animEffect>
+                                  </p:childTnLst>
+                                </p:cTn>
+                              </p:par>
+                            </p:childTnLst>
+                          </p:cTn>
+                        </p:par>
+                        <p:par>
+                          <p:cTn id="95" fill="hold">
+                            <p:stCondLst>
+                              <p:cond delay="4750"/>
+                            </p:stCondLst>
+                            <p:childTnLst>
+                              <p:par>
+                                <p:cTn id="96" presetID="10" presetClass="entr" presetSubtype="0" fill="hold" grpId="0" nodeType="afterEffect">
+                                  <p:stCondLst>
+                                    <p:cond delay="0"/>
+                                  </p:stCondLst>
+                                  <p:childTnLst>
+                                    <p:set>
+                                      <p:cBhvr>
+                                        <p:cTn id="97" dur="1" fill="hold">
+                                          <p:stCondLst>
+                                            <p:cond delay="0"/>
+                                          </p:stCondLst>
+                                        </p:cTn>
+                                        <p:tgtEl>
+                                          <p:spTgt spid="26"/>
+                                        </p:tgtEl>
+                                        <p:attrNameLst>
+                                          <p:attrName>style.visibility</p:attrName>
+                                        </p:attrNameLst>
+                                      </p:cBhvr>
+                                      <p:to>
+                                        <p:strVal val="visible"/>
+                                      </p:to>
+                                    </p:set>
+                                    <p:animEffect transition="in" filter="fade">
+                                      <p:cBhvr>
+                                        <p:cTn id="98" dur="250"/>
+                                        <p:tgtEl>
+                                          <p:spTgt spid="26"/>
+                                        </p:tgtEl>
+                                      </p:cBhvr>
+                                    </p:animEffect>
+                                  </p:childTnLst>
+                                </p:cTn>
+                              </p:par>
+                            </p:childTnLst>
+                          </p:cTn>
+                        </p:par>
+                        <p:par>
+                          <p:cTn id="99" fill="hold">
+                            <p:stCondLst>
+                              <p:cond delay="5000"/>
+                            </p:stCondLst>
+                            <p:childTnLst>
+                              <p:par>
+                                <p:cTn id="100" presetID="10" presetClass="entr" presetSubtype="0" fill="hold" grpId="0" nodeType="afterEffect">
+                                  <p:stCondLst>
+                                    <p:cond delay="0"/>
+                                  </p:stCondLst>
+                                  <p:childTnLst>
+                                    <p:set>
+                                      <p:cBhvr>
+                                        <p:cTn id="101" dur="1" fill="hold">
+                                          <p:stCondLst>
+                                            <p:cond delay="0"/>
+                                          </p:stCondLst>
+                                        </p:cTn>
+                                        <p:tgtEl>
+                                          <p:spTgt spid="27"/>
+                                        </p:tgtEl>
+                                        <p:attrNameLst>
+                                          <p:attrName>style.visibility</p:attrName>
+                                        </p:attrNameLst>
+                                      </p:cBhvr>
+                                      <p:to>
+                                        <p:strVal val="visible"/>
+                                      </p:to>
+                                    </p:set>
+                                    <p:animEffect transition="in" filter="fade">
+                                      <p:cBhvr>
+                                        <p:cTn id="102" dur="250"/>
+                                        <p:tgtEl>
+                                          <p:spTgt spid="27"/>
+                                        </p:tgtEl>
+                                      </p:cBhvr>
+                                    </p:animEffect>
+                                  </p:childTnLst>
+                                </p:cTn>
+                              </p:par>
+                            </p:childTnLst>
+                          </p:cTn>
+                        </p:par>
+                        <p:par>
+                          <p:cTn id="103" fill="hold">
+                            <p:stCondLst>
+                              <p:cond delay="5250"/>
+                            </p:stCondLst>
+                            <p:childTnLst>
+                              <p:par>
+                                <p:cTn id="104" presetID="10" presetClass="entr" presetSubtype="0" fill="hold" grpId="0" nodeType="afterEffect">
+                                  <p:stCondLst>
+                                    <p:cond delay="0"/>
+                                  </p:stCondLst>
+                                  <p:childTnLst>
+                                    <p:set>
+                                      <p:cBhvr>
+                                        <p:cTn id="105" dur="1" fill="hold">
+                                          <p:stCondLst>
+                                            <p:cond delay="0"/>
+                                          </p:stCondLst>
+                                        </p:cTn>
+                                        <p:tgtEl>
+                                          <p:spTgt spid="28"/>
+                                        </p:tgtEl>
+                                        <p:attrNameLst>
+                                          <p:attrName>style.visibility</p:attrName>
+                                        </p:attrNameLst>
+                                      </p:cBhvr>
+                                      <p:to>
+                                        <p:strVal val="visible"/>
+                                      </p:to>
+                                    </p:set>
+                                    <p:animEffect transition="in" filter="fade">
+                                      <p:cBhvr>
+                                        <p:cTn id="106" dur="250"/>
+                                        <p:tgtEl>
+                                          <p:spTgt spid="28"/>
+                                        </p:tgtEl>
+                                      </p:cBhvr>
+                                    </p:animEffect>
+                                  </p:childTnLst>
+                                </p:cTn>
+                              </p:par>
+                            </p:childTnLst>
+                          </p:cTn>
+                        </p:par>
+                        <p:par>
+                          <p:cTn id="107" fill="hold">
+                            <p:stCondLst>
+                              <p:cond delay="5500"/>
+                            </p:stCondLst>
+                            <p:childTnLst>
+                              <p:par>
+                                <p:cTn id="108" presetID="10" presetClass="entr" presetSubtype="0" fill="hold" grpId="0" nodeType="afterEffect">
+                                  <p:stCondLst>
+                                    <p:cond delay="0"/>
+                                  </p:stCondLst>
+                                  <p:childTnLst>
+                                    <p:set>
+                                      <p:cBhvr>
+                                        <p:cTn id="109" dur="1" fill="hold">
+                                          <p:stCondLst>
+                                            <p:cond delay="0"/>
+                                          </p:stCondLst>
+                                        </p:cTn>
+                                        <p:tgtEl>
+                                          <p:spTgt spid="29"/>
+                                        </p:tgtEl>
+                                        <p:attrNameLst>
+                                          <p:attrName>style.visibility</p:attrName>
+                                        </p:attrNameLst>
+                                      </p:cBhvr>
+                                      <p:to>
+                                        <p:strVal val="visible"/>
+                                      </p:to>
+                                    </p:set>
+                                    <p:animEffect transition="in" filter="fade">
+                                      <p:cBhvr>
+                                        <p:cTn id="110" dur="250"/>
+                                        <p:tgtEl>
+                                          <p:spTgt spid="29"/>
+                                        </p:tgtEl>
+                                      </p:cBhvr>
+                                    </p:animEffect>
+                                  </p:childTnLst>
+                                </p:cTn>
+                              </p:par>
+                            </p:childTnLst>
+                          </p:cTn>
+                        </p:par>
+                        <p:par>
+                          <p:cTn id="111" fill="hold">
+                            <p:stCondLst>
+                              <p:cond delay="5750"/>
+                            </p:stCondLst>
+                            <p:childTnLst>
+                              <p:par>
+                                <p:cTn id="112" presetID="10" presetClass="entr" presetSubtype="0" fill="hold" grpId="0" nodeType="afterEffect">
+                                  <p:stCondLst>
+                                    <p:cond delay="0"/>
+                                  </p:stCondLst>
+                                  <p:childTnLst>
+                                    <p:set>
+                                      <p:cBhvr>
+                                        <p:cTn id="113" dur="1" fill="hold">
+                                          <p:stCondLst>
+                                            <p:cond delay="0"/>
+                                          </p:stCondLst>
+                                        </p:cTn>
+                                        <p:tgtEl>
+                                          <p:spTgt spid="30"/>
+                                        </p:tgtEl>
+                                        <p:attrNameLst>
+                                          <p:attrName>style.visibility</p:attrName>
+                                        </p:attrNameLst>
+                                      </p:cBhvr>
+                                      <p:to>
+                                        <p:strVal val="visible"/>
+                                      </p:to>
+                                    </p:set>
+                                    <p:animEffect transition="in" filter="fade">
+                                      <p:cBhvr>
+                                        <p:cTn id="114" dur="250"/>
+                                        <p:tgtEl>
+                                          <p:spTgt spid="30"/>
+                                        </p:tgtEl>
+                                      </p:cBhvr>
+                                    </p:animEffect>
+                                  </p:childTnLst>
+                                </p:cTn>
+                              </p:par>
+                            </p:childTnLst>
+                          </p:cTn>
+                        </p:par>
+                        <p:par>
+                          <p:cTn id="115" fill="hold">
+                            <p:stCondLst>
+                              <p:cond delay="6000"/>
+                            </p:stCondLst>
+                            <p:childTnLst>
+                              <p:par>
+                                <p:cTn id="116" presetID="10" presetClass="entr" presetSubtype="0" fill="hold" grpId="0" nodeType="afterEffect">
+                                  <p:stCondLst>
+                                    <p:cond delay="0"/>
+                                  </p:stCondLst>
+                                  <p:childTnLst>
+                                    <p:set>
+                                      <p:cBhvr>
+                                        <p:cTn id="117" dur="1" fill="hold">
+                                          <p:stCondLst>
+                                            <p:cond delay="0"/>
+                                          </p:stCondLst>
+                                        </p:cTn>
+                                        <p:tgtEl>
+                                          <p:spTgt spid="31"/>
+                                        </p:tgtEl>
+                                        <p:attrNameLst>
+                                          <p:attrName>style.visibility</p:attrName>
+                                        </p:attrNameLst>
+                                      </p:cBhvr>
+                                      <p:to>
+                                        <p:strVal val="visible"/>
+                                      </p:to>
+                                    </p:set>
+                                    <p:animEffect transition="in" filter="fade">
+                                      <p:cBhvr>
+                                        <p:cTn id="118" dur="250"/>
+                                        <p:tgtEl>
+                                          <p:spTgt spid="31"/>
+                                        </p:tgtEl>
+                                      </p:cBhvr>
+                                    </p:animEffect>
+                                  </p:childTnLst>
+                                </p:cTn>
+                              </p:par>
+                            </p:childTnLst>
+                          </p:cTn>
+                        </p:par>
+                        <p:par>
+                          <p:cTn id="119" fill="hold">
+                            <p:stCondLst>
+                              <p:cond delay="6250"/>
+                            </p:stCondLst>
+                            <p:childTnLst>
+                              <p:par>
+                                <p:cTn id="120" presetID="10" presetClass="entr" presetSubtype="0" fill="hold" grpId="0" nodeType="afterEffect">
+                                  <p:stCondLst>
+                                    <p:cond delay="0"/>
+                                  </p:stCondLst>
+                                  <p:childTnLst>
+                                    <p:set>
+                                      <p:cBhvr>
+                                        <p:cTn id="121" dur="1" fill="hold">
+                                          <p:stCondLst>
+                                            <p:cond delay="0"/>
+                                          </p:stCondLst>
+                                        </p:cTn>
+                                        <p:tgtEl>
+                                          <p:spTgt spid="32"/>
+                                        </p:tgtEl>
+                                        <p:attrNameLst>
+                                          <p:attrName>style.visibility</p:attrName>
+                                        </p:attrNameLst>
+                                      </p:cBhvr>
+                                      <p:to>
+                                        <p:strVal val="visible"/>
+                                      </p:to>
+                                    </p:set>
+                                    <p:animEffect transition="in" filter="fade">
+                                      <p:cBhvr>
+                                        <p:cTn id="122" dur="250"/>
+                                        <p:tgtEl>
+                                          <p:spTgt spid="32"/>
+                                        </p:tgtEl>
+                                      </p:cBhvr>
+                                    </p:animEffect>
+                                  </p:childTnLst>
+                                </p:cTn>
+                              </p:par>
+                            </p:childTnLst>
+                          </p:cTn>
+                        </p:par>
+                        <p:par>
+                          <p:cTn id="123" fill="hold">
+                            <p:stCondLst>
+                              <p:cond delay="6500"/>
+                            </p:stCondLst>
+                            <p:childTnLst>
+                              <p:par>
+                                <p:cTn id="124" presetID="10" presetClass="entr" presetSubtype="0" fill="hold" grpId="0" nodeType="afterEffect">
+                                  <p:stCondLst>
+                                    <p:cond delay="0"/>
+                                  </p:stCondLst>
+                                  <p:childTnLst>
+                                    <p:set>
+                                      <p:cBhvr>
+                                        <p:cTn id="125" dur="1" fill="hold">
+                                          <p:stCondLst>
+                                            <p:cond delay="0"/>
+                                          </p:stCondLst>
+                                        </p:cTn>
+                                        <p:tgtEl>
+                                          <p:spTgt spid="33"/>
+                                        </p:tgtEl>
+                                        <p:attrNameLst>
+                                          <p:attrName>style.visibility</p:attrName>
+                                        </p:attrNameLst>
+                                      </p:cBhvr>
+                                      <p:to>
+                                        <p:strVal val="visible"/>
+                                      </p:to>
+                                    </p:set>
+                                    <p:animEffect transition="in" filter="fade">
+                                      <p:cBhvr>
+                                        <p:cTn id="126" dur="250"/>
+                                        <p:tgtEl>
+                                          <p:spTgt spid="33"/>
+                                        </p:tgtEl>
+                                      </p:cBhvr>
+                                    </p:animEffect>
+                                  </p:childTnLst>
+                                </p:cTn>
+                              </p:par>
+                            </p:childTnLst>
+                          </p:cTn>
+                        </p:par>
+                        <p:par>
+                          <p:cTn id="127" fill="hold">
+                            <p:stCondLst>
+                              <p:cond delay="6750"/>
+                            </p:stCondLst>
+                            <p:childTnLst>
+                              <p:par>
+                                <p:cTn id="128" presetID="10" presetClass="entr" presetSubtype="0" fill="hold" grpId="0" nodeType="afterEffect">
+                                  <p:stCondLst>
+                                    <p:cond delay="0"/>
+                                  </p:stCondLst>
+                                  <p:childTnLst>
+                                    <p:set>
+                                      <p:cBhvr>
+                                        <p:cTn id="129" dur="1" fill="hold">
+                                          <p:stCondLst>
+                                            <p:cond delay="0"/>
+                                          </p:stCondLst>
+                                        </p:cTn>
+                                        <p:tgtEl>
+                                          <p:spTgt spid="34"/>
+                                        </p:tgtEl>
+                                        <p:attrNameLst>
+                                          <p:attrName>style.visibility</p:attrName>
+                                        </p:attrNameLst>
+                                      </p:cBhvr>
+                                      <p:to>
+                                        <p:strVal val="visible"/>
+                                      </p:to>
+                                    </p:set>
+                                    <p:animEffect transition="in" filter="fade">
+                                      <p:cBhvr>
+                                        <p:cTn id="130" dur="250"/>
+                                        <p:tgtEl>
+                                          <p:spTgt spid="34"/>
+                                        </p:tgtEl>
+                                      </p:cBhvr>
+                                    </p:animEffect>
+                                  </p:childTnLst>
+                                </p:cTn>
+                              </p:par>
+                            </p:childTnLst>
+                          </p:cTn>
+                        </p:par>
+                        <p:par>
+                          <p:cTn id="131" fill="hold">
+                            <p:stCondLst>
+                              <p:cond delay="7000"/>
+                            </p:stCondLst>
+                            <p:childTnLst>
+                              <p:par>
+                                <p:cTn id="132" presetID="10" presetClass="entr" presetSubtype="0" fill="hold" grpId="0" nodeType="afterEffect">
+                                  <p:stCondLst>
+                                    <p:cond delay="0"/>
+                                  </p:stCondLst>
+                                  <p:childTnLst>
+                                    <p:set>
+                                      <p:cBhvr>
+                                        <p:cTn id="133" dur="1" fill="hold">
+                                          <p:stCondLst>
+                                            <p:cond delay="0"/>
+                                          </p:stCondLst>
+                                        </p:cTn>
+                                        <p:tgtEl>
+                                          <p:spTgt spid="35"/>
+                                        </p:tgtEl>
+                                        <p:attrNameLst>
+                                          <p:attrName>style.visibility</p:attrName>
+                                        </p:attrNameLst>
+                                      </p:cBhvr>
+                                      <p:to>
+                                        <p:strVal val="visible"/>
+                                      </p:to>
+                                    </p:set>
+                                    <p:animEffect transition="in" filter="fade">
+                                      <p:cBhvr>
+                                        <p:cTn id="134" dur="250"/>
+                                        <p:tgtEl>
+                                          <p:spTgt spid="35"/>
+                                        </p:tgtEl>
+                                      </p:cBhvr>
+                                    </p:animEffect>
+                                  </p:childTnLst>
+                                </p:cTn>
+                              </p:par>
+                            </p:childTnLst>
+                          </p:cTn>
+                        </p:par>
+                        <p:par>
+                          <p:cTn id="135" fill="hold">
+                            <p:stCondLst>
+                              <p:cond delay="7250"/>
+                            </p:stCondLst>
+                            <p:childTnLst>
+                              <p:par>
+                                <p:cTn id="136" presetID="10" presetClass="entr" presetSubtype="0" fill="hold" grpId="0" nodeType="afterEffect">
+                                  <p:stCondLst>
+                                    <p:cond delay="0"/>
+                                  </p:stCondLst>
+                                  <p:childTnLst>
+                                    <p:set>
+                                      <p:cBhvr>
+                                        <p:cTn id="137" dur="1" fill="hold">
+                                          <p:stCondLst>
+                                            <p:cond delay="0"/>
+                                          </p:stCondLst>
+                                        </p:cTn>
+                                        <p:tgtEl>
+                                          <p:spTgt spid="36"/>
+                                        </p:tgtEl>
+                                        <p:attrNameLst>
+                                          <p:attrName>style.visibility</p:attrName>
+                                        </p:attrNameLst>
+                                      </p:cBhvr>
+                                      <p:to>
+                                        <p:strVal val="visible"/>
+                                      </p:to>
+                                    </p:set>
+                                    <p:animEffect transition="in" filter="fade">
+                                      <p:cBhvr>
+                                        <p:cTn id="138" dur="250"/>
+                                        <p:tgtEl>
+                                          <p:spTgt spid="36"/>
+                                        </p:tgtEl>
+                                      </p:cBhvr>
+                                    </p:animEffect>
+                                  </p:childTnLst>
+                                </p:cTn>
+                              </p:par>
+                            </p:childTnLst>
+                          </p:cTn>
+                        </p:par>
+                        <p:par>
+                          <p:cTn id="139" fill="hold">
+                            <p:stCondLst>
+                              <p:cond delay="7500"/>
+                            </p:stCondLst>
+                            <p:childTnLst>
+                              <p:par>
+                                <p:cTn id="140" presetID="10" presetClass="entr" presetSubtype="0" fill="hold" grpId="0" nodeType="afterEffect">
+                                  <p:stCondLst>
+                                    <p:cond delay="0"/>
+                                  </p:stCondLst>
+                                  <p:childTnLst>
+                                    <p:set>
+                                      <p:cBhvr>
+                                        <p:cTn id="141" dur="1" fill="hold">
+                                          <p:stCondLst>
+                                            <p:cond delay="0"/>
+                                          </p:stCondLst>
+                                        </p:cTn>
+                                        <p:tgtEl>
+                                          <p:spTgt spid="37"/>
+                                        </p:tgtEl>
+                                        <p:attrNameLst>
+                                          <p:attrName>style.visibility</p:attrName>
+                                        </p:attrNameLst>
+                                      </p:cBhvr>
+                                      <p:to>
+                                        <p:strVal val="visible"/>
+                                      </p:to>
+                                    </p:set>
+                                    <p:animEffect transition="in" filter="fade">
+                                      <p:cBhvr>
+                                        <p:cTn id="142" dur="250"/>
+                                        <p:tgtEl>
+                                          <p:spTgt spid="37"/>
+                                        </p:tgtEl>
+                                      </p:cBhvr>
+                                    </p:animEffect>
+                                  </p:childTnLst>
+                                </p:cTn>
+                              </p:par>
+                            </p:childTnLst>
+                          </p:cTn>
+                        </p:par>
+                        <p:par>
+                          <p:cTn id="143" fill="hold">
+                            <p:stCondLst>
+                              <p:cond delay="7750"/>
+                            </p:stCondLst>
+                            <p:childTnLst>
+                              <p:par>
+                                <p:cTn id="144" presetID="10" presetClass="entr" presetSubtype="0" fill="hold" grpId="0" nodeType="afterEffect">
+                                  <p:stCondLst>
+                                    <p:cond delay="0"/>
+                                  </p:stCondLst>
+                                  <p:childTnLst>
+                                    <p:set>
+                                      <p:cBhvr>
+                                        <p:cTn id="145" dur="1" fill="hold">
+                                          <p:stCondLst>
+                                            <p:cond delay="0"/>
+                                          </p:stCondLst>
+                                        </p:cTn>
+                                        <p:tgtEl>
+                                          <p:spTgt spid="38"/>
+                                        </p:tgtEl>
+                                        <p:attrNameLst>
+                                          <p:attrName>style.visibility</p:attrName>
+                                        </p:attrNameLst>
+                                      </p:cBhvr>
+                                      <p:to>
+                                        <p:strVal val="visible"/>
+                                      </p:to>
+                                    </p:set>
+                                    <p:animEffect transition="in" filter="fade">
+                                      <p:cBhvr>
+                                        <p:cTn id="146" dur="250"/>
+                                        <p:tgtEl>
+                                          <p:spTgt spid="38"/>
+                                        </p:tgtEl>
+                                      </p:cBhvr>
+                                    </p:animEffect>
+                                  </p:childTnLst>
+                                </p:cTn>
+                              </p:par>
+                            </p:childTnLst>
+                          </p:cTn>
+                        </p:par>
+                        <p:par>
+                          <p:cTn id="147" fill="hold">
+                            <p:stCondLst>
+                              <p:cond delay="8000"/>
+                            </p:stCondLst>
+                            <p:childTnLst>
+                              <p:par>
+                                <p:cTn id="148" presetID="10" presetClass="entr" presetSubtype="0" fill="hold" grpId="0" nodeType="afterEffect">
+                                  <p:stCondLst>
+                                    <p:cond delay="0"/>
+                                  </p:stCondLst>
+                                  <p:childTnLst>
+                                    <p:set>
+                                      <p:cBhvr>
+                                        <p:cTn id="149" dur="1" fill="hold">
+                                          <p:stCondLst>
+                                            <p:cond delay="0"/>
+                                          </p:stCondLst>
+                                        </p:cTn>
+                                        <p:tgtEl>
+                                          <p:spTgt spid="39"/>
+                                        </p:tgtEl>
+                                        <p:attrNameLst>
+                                          <p:attrName>style.visibility</p:attrName>
+                                        </p:attrNameLst>
+                                      </p:cBhvr>
+                                      <p:to>
+                                        <p:strVal val="visible"/>
+                                      </p:to>
+                                    </p:set>
+                                    <p:animEffect transition="in" filter="fade">
+                                      <p:cBhvr>
+                                        <p:cTn id="150" dur="250"/>
+                                        <p:tgtEl>
+                                          <p:spTgt spid="39"/>
+                                        </p:tgtEl>
+                                      </p:cBhvr>
+                                    </p:animEffect>
+                                  </p:childTnLst>
+                                </p:cTn>
+                              </p:par>
+                            </p:childTnLst>
+                          </p:cTn>
+                        </p:par>
+                        <p:par>
+                          <p:cTn id="151" fill="hold">
+                            <p:stCondLst>
+                              <p:cond delay="8250"/>
+                            </p:stCondLst>
+                            <p:childTnLst>
+                              <p:par>
+                                <p:cTn id="152" presetID="10" presetClass="entr" presetSubtype="0" fill="hold" grpId="0" nodeType="afterEffect">
+                                  <p:stCondLst>
+                                    <p:cond delay="0"/>
+                                  </p:stCondLst>
+                                  <p:childTnLst>
+                                    <p:set>
+                                      <p:cBhvr>
+                                        <p:cTn id="153" dur="1" fill="hold">
+                                          <p:stCondLst>
+                                            <p:cond delay="0"/>
+                                          </p:stCondLst>
+                                        </p:cTn>
+                                        <p:tgtEl>
+                                          <p:spTgt spid="40"/>
+                                        </p:tgtEl>
+                                        <p:attrNameLst>
+                                          <p:attrName>style.visibility</p:attrName>
+                                        </p:attrNameLst>
+                                      </p:cBhvr>
+                                      <p:to>
+                                        <p:strVal val="visible"/>
+                                      </p:to>
+                                    </p:set>
+                                    <p:animEffect transition="in" filter="fade">
+                                      <p:cBhvr>
+                                        <p:cTn id="154" dur="250"/>
+                                        <p:tgtEl>
+                                          <p:spTgt spid="40"/>
+                                        </p:tgtEl>
+                                      </p:cBhvr>
+                                    </p:animEffect>
+                                  </p:childTnLst>
+                                </p:cTn>
+                              </p:par>
+                            </p:childTnLst>
+                          </p:cTn>
+                        </p:par>
+                        <p:par>
+                          <p:cTn id="155" fill="hold">
+                            <p:stCondLst>
+                              <p:cond delay="8500"/>
+                            </p:stCondLst>
+                            <p:childTnLst>
+                              <p:par>
+                                <p:cTn id="156" presetID="10" presetClass="entr" presetSubtype="0" fill="hold" grpId="0" nodeType="afterEffect">
+                                  <p:stCondLst>
+                                    <p:cond delay="0"/>
+                                  </p:stCondLst>
+                                  <p:childTnLst>
+                                    <p:set>
+                                      <p:cBhvr>
+                                        <p:cTn id="157" dur="1" fill="hold">
+                                          <p:stCondLst>
+                                            <p:cond delay="0"/>
+                                          </p:stCondLst>
+                                        </p:cTn>
+                                        <p:tgtEl>
+                                          <p:spTgt spid="41"/>
+                                        </p:tgtEl>
+                                        <p:attrNameLst>
+                                          <p:attrName>style.visibility</p:attrName>
+                                        </p:attrNameLst>
+                                      </p:cBhvr>
+                                      <p:to>
+                                        <p:strVal val="visible"/>
+                                      </p:to>
+                                    </p:set>
+                                    <p:animEffect transition="in" filter="fade">
+                                      <p:cBhvr>
+                                        <p:cTn id="158" dur="250"/>
+                                        <p:tgtEl>
+                                          <p:spTgt spid="41"/>
+                                        </p:tgtEl>
+                                      </p:cBhvr>
+                                    </p:animEffect>
+                                  </p:childTnLst>
+                                </p:cTn>
+                              </p:par>
+                            </p:childTnLst>
+                          </p:cTn>
+                        </p:par>
+                        <p:par>
+                          <p:cTn id="159" fill="hold">
+                            <p:stCondLst>
+                              <p:cond delay="8750"/>
+                            </p:stCondLst>
+                            <p:childTnLst>
+                              <p:par>
+                                <p:cTn id="160" presetID="10" presetClass="entr" presetSubtype="0" fill="hold" grpId="0" nodeType="afterEffect">
+                                  <p:stCondLst>
+                                    <p:cond delay="0"/>
+                                  </p:stCondLst>
+                                  <p:childTnLst>
+                                    <p:set>
+                                      <p:cBhvr>
+                                        <p:cTn id="161" dur="1" fill="hold">
+                                          <p:stCondLst>
+                                            <p:cond delay="0"/>
+                                          </p:stCondLst>
+                                        </p:cTn>
+                                        <p:tgtEl>
+                                          <p:spTgt spid="42"/>
+                                        </p:tgtEl>
+                                        <p:attrNameLst>
+                                          <p:attrName>style.visibility</p:attrName>
+                                        </p:attrNameLst>
+                                      </p:cBhvr>
+                                      <p:to>
+                                        <p:strVal val="visible"/>
+                                      </p:to>
+                                    </p:set>
+                                    <p:animEffect transition="in" filter="fade">
+                                      <p:cBhvr>
+                                        <p:cTn id="162" dur="250"/>
+                                        <p:tgtEl>
+                                          <p:spTgt spid="42"/>
+                                        </p:tgtEl>
+                                      </p:cBhvr>
+                                    </p:animEffect>
+                                  </p:childTnLst>
+                                </p:cTn>
+                              </p:par>
+                            </p:childTnLst>
+                          </p:cTn>
+                        </p:par>
+                        <p:par>
+                          <p:cTn id="163" fill="hold">
+                            <p:stCondLst>
+                              <p:cond delay="9000"/>
+                            </p:stCondLst>
+                            <p:childTnLst>
+                              <p:par>
+                                <p:cTn id="164" presetID="10" presetClass="entr" presetSubtype="0" fill="hold" grpId="0" nodeType="afterEffect">
+                                  <p:stCondLst>
+                                    <p:cond delay="0"/>
+                                  </p:stCondLst>
+                                  <p:childTnLst>
+                                    <p:set>
+                                      <p:cBhvr>
+                                        <p:cTn id="165" dur="1" fill="hold">
+                                          <p:stCondLst>
+                                            <p:cond delay="0"/>
+                                          </p:stCondLst>
+                                        </p:cTn>
+                                        <p:tgtEl>
+                                          <p:spTgt spid="43"/>
+                                        </p:tgtEl>
+                                        <p:attrNameLst>
+                                          <p:attrName>style.visibility</p:attrName>
+                                        </p:attrNameLst>
+                                      </p:cBhvr>
+                                      <p:to>
+                                        <p:strVal val="visible"/>
+                                      </p:to>
+                                    </p:set>
+                                    <p:animEffect transition="in" filter="fade">
+                                      <p:cBhvr>
+                                        <p:cTn id="166" dur="250"/>
+                                        <p:tgtEl>
+                                          <p:spTgt spid="43"/>
+                                        </p:tgtEl>
+                                      </p:cBhvr>
+                                    </p:animEffect>
+                                  </p:childTnLst>
+                                </p:cTn>
+                              </p:par>
+                            </p:childTnLst>
+                          </p:cTn>
+                        </p:par>
+                        <p:par>
+                          <p:cTn id="167" fill="hold">
+                            <p:stCondLst>
+                              <p:cond delay="9250"/>
+                            </p:stCondLst>
+                            <p:childTnLst>
+                              <p:par>
+                                <p:cTn id="168" presetID="10" presetClass="entr" presetSubtype="0" fill="hold" grpId="0" nodeType="afterEffect">
+                                  <p:stCondLst>
+                                    <p:cond delay="0"/>
+                                  </p:stCondLst>
+                                  <p:childTnLst>
+                                    <p:set>
+                                      <p:cBhvr>
+                                        <p:cTn id="169" dur="1" fill="hold">
+                                          <p:stCondLst>
+                                            <p:cond delay="0"/>
+                                          </p:stCondLst>
+                                        </p:cTn>
+                                        <p:tgtEl>
+                                          <p:spTgt spid="44"/>
+                                        </p:tgtEl>
+                                        <p:attrNameLst>
+                                          <p:attrName>style.visibility</p:attrName>
+                                        </p:attrNameLst>
+                                      </p:cBhvr>
+                                      <p:to>
+                                        <p:strVal val="visible"/>
+                                      </p:to>
+                                    </p:set>
+                                    <p:animEffect transition="in" filter="fade">
+                                      <p:cBhvr>
+                                        <p:cTn id="170" dur="250"/>
+                                        <p:tgtEl>
+                                          <p:spTgt spid="44"/>
+                                        </p:tgtEl>
+                                      </p:cBhvr>
+                                    </p:animEffect>
+                                  </p:childTnLst>
+                                </p:cTn>
+                              </p:par>
+                            </p:childTnLst>
+                          </p:cTn>
+                        </p:par>
+                        <p:par>
+                          <p:cTn id="171" fill="hold">
+                            <p:stCondLst>
+                              <p:cond delay="9500"/>
+                            </p:stCondLst>
+                            <p:childTnLst>
+                              <p:par>
+                                <p:cTn id="172" presetID="10" presetClass="entr" presetSubtype="0" fill="hold" grpId="0" nodeType="afterEffect">
+                                  <p:stCondLst>
+                                    <p:cond delay="0"/>
+                                  </p:stCondLst>
+                                  <p:childTnLst>
+                                    <p:set>
+                                      <p:cBhvr>
+                                        <p:cTn id="173" dur="1" fill="hold">
+                                          <p:stCondLst>
+                                            <p:cond delay="0"/>
+                                          </p:stCondLst>
+                                        </p:cTn>
+                                        <p:tgtEl>
+                                          <p:spTgt spid="45"/>
+                                        </p:tgtEl>
+                                        <p:attrNameLst>
+                                          <p:attrName>style.visibility</p:attrName>
+                                        </p:attrNameLst>
+                                      </p:cBhvr>
+                                      <p:to>
+                                        <p:strVal val="visible"/>
+                                      </p:to>
+                                    </p:set>
+                                    <p:animEffect transition="in" filter="fade">
+                                      <p:cBhvr>
+                                        <p:cTn id="174" dur="250"/>
+                                        <p:tgtEl>
+                                          <p:spTgt spid="45"/>
+                                        </p:tgtEl>
+                                      </p:cBhvr>
+                                    </p:animEffect>
+                                  </p:childTnLst>
+                                </p:cTn>
+                              </p:par>
+                            </p:childTnLst>
+                          </p:cTn>
+                        </p:par>
+                        <p:par>
+                          <p:cTn id="175" fill="hold">
+                            <p:stCondLst>
+                              <p:cond delay="9750"/>
+                            </p:stCondLst>
+                            <p:childTnLst>
+                              <p:par>
+                                <p:cTn id="176" presetID="10" presetClass="entr" presetSubtype="0" fill="hold" grpId="0" nodeType="afterEffect">
+                                  <p:stCondLst>
+                                    <p:cond delay="0"/>
+                                  </p:stCondLst>
+                                  <p:childTnLst>
+                                    <p:set>
+                                      <p:cBhvr>
+                                        <p:cTn id="177" dur="1" fill="hold">
+                                          <p:stCondLst>
+                                            <p:cond delay="0"/>
+                                          </p:stCondLst>
+                                        </p:cTn>
+                                        <p:tgtEl>
+                                          <p:spTgt spid="46"/>
+                                        </p:tgtEl>
+                                        <p:attrNameLst>
+                                          <p:attrName>style.visibility</p:attrName>
+                                        </p:attrNameLst>
+                                      </p:cBhvr>
+                                      <p:to>
+                                        <p:strVal val="visible"/>
+                                      </p:to>
+                                    </p:set>
+                                    <p:animEffect transition="in" filter="fade">
+                                      <p:cBhvr>
+                                        <p:cTn id="178" dur="250"/>
+                                        <p:tgtEl>
+                                          <p:spTgt spid="46"/>
+                                        </p:tgtEl>
+                                      </p:cBhvr>
+                                    </p:animEffect>
+                                  </p:childTnLst>
+                                </p:cTn>
+                              </p:par>
+                            </p:childTnLst>
+                          </p:cTn>
+                        </p:par>
+                        <p:par>
+                          <p:cTn id="179" fill="hold">
+                            <p:stCondLst>
+                              <p:cond delay="10000"/>
+                            </p:stCondLst>
+                            <p:childTnLst>
+                              <p:par>
+                                <p:cTn id="180" presetID="10" presetClass="entr" presetSubtype="0" fill="hold" grpId="0" nodeType="afterEffect">
+                                  <p:stCondLst>
+                                    <p:cond delay="0"/>
+                                  </p:stCondLst>
+                                  <p:childTnLst>
+                                    <p:set>
+                                      <p:cBhvr>
+                                        <p:cTn id="181" dur="1" fill="hold">
+                                          <p:stCondLst>
+                                            <p:cond delay="0"/>
+                                          </p:stCondLst>
+                                        </p:cTn>
+                                        <p:tgtEl>
+                                          <p:spTgt spid="47"/>
+                                        </p:tgtEl>
+                                        <p:attrNameLst>
+                                          <p:attrName>style.visibility</p:attrName>
+                                        </p:attrNameLst>
+                                      </p:cBhvr>
+                                      <p:to>
+                                        <p:strVal val="visible"/>
+                                      </p:to>
+                                    </p:set>
+                                    <p:animEffect transition="in" filter="fade">
+                                      <p:cBhvr>
+                                        <p:cTn id="182" dur="250"/>
+                                        <p:tgtEl>
+                                          <p:spTgt spid="47"/>
+                                        </p:tgtEl>
+                                      </p:cBhvr>
+                                    </p:animEffect>
+                                  </p:childTnLst>
+                                </p:cTn>
+                              </p:par>
+                            </p:childTnLst>
+                          </p:cTn>
+                        </p:par>
+                        <p:par>
+                          <p:cTn id="183" fill="hold">
+                            <p:stCondLst>
+                              <p:cond delay="10250"/>
+                            </p:stCondLst>
+                            <p:childTnLst>
+                              <p:par>
+                                <p:cTn id="184" presetID="10" presetClass="entr" presetSubtype="0" fill="hold" grpId="0" nodeType="afterEffect">
+                                  <p:stCondLst>
+                                    <p:cond delay="0"/>
+                                  </p:stCondLst>
+                                  <p:childTnLst>
+                                    <p:set>
+                                      <p:cBhvr>
+                                        <p:cTn id="185" dur="1" fill="hold">
+                                          <p:stCondLst>
+                                            <p:cond delay="0"/>
+                                          </p:stCondLst>
+                                        </p:cTn>
+                                        <p:tgtEl>
+                                          <p:spTgt spid="48"/>
+                                        </p:tgtEl>
+                                        <p:attrNameLst>
+                                          <p:attrName>style.visibility</p:attrName>
+                                        </p:attrNameLst>
+                                      </p:cBhvr>
+                                      <p:to>
+                                        <p:strVal val="visible"/>
+                                      </p:to>
+                                    </p:set>
+                                    <p:animEffect transition="in" filter="fade">
+                                      <p:cBhvr>
+                                        <p:cTn id="186" dur="250"/>
+                                        <p:tgtEl>
+                                          <p:spTgt spid="48"/>
+                                        </p:tgtEl>
+                                      </p:cBhvr>
+                                    </p:animEffect>
+                                  </p:childTnLst>
+                                </p:cTn>
+                              </p:par>
+                            </p:childTnLst>
+                          </p:cTn>
+                        </p:par>
+                        <p:par>
+                          <p:cTn id="187" fill="hold">
+                            <p:stCondLst>
+                              <p:cond delay="10500"/>
+                            </p:stCondLst>
+                            <p:childTnLst>
+                              <p:par>
+                                <p:cTn id="188" presetID="10" presetClass="entr" presetSubtype="0" fill="hold" grpId="0" nodeType="afterEffect">
+                                  <p:stCondLst>
+                                    <p:cond delay="0"/>
+                                  </p:stCondLst>
+                                  <p:childTnLst>
+                                    <p:set>
+                                      <p:cBhvr>
+                                        <p:cTn id="189" dur="1" fill="hold">
+                                          <p:stCondLst>
+                                            <p:cond delay="0"/>
+                                          </p:stCondLst>
+                                        </p:cTn>
+                                        <p:tgtEl>
+                                          <p:spTgt spid="49"/>
+                                        </p:tgtEl>
+                                        <p:attrNameLst>
+                                          <p:attrName>style.visibility</p:attrName>
+                                        </p:attrNameLst>
+                                      </p:cBhvr>
+                                      <p:to>
+                                        <p:strVal val="visible"/>
+                                      </p:to>
+                                    </p:set>
+                                    <p:animEffect transition="in" filter="fade">
+                                      <p:cBhvr>
+                                        <p:cTn id="190" dur="250"/>
+                                        <p:tgtEl>
+                                          <p:spTgt spid="49"/>
                                         </p:tgtEl>
                                       </p:cBhvr>
                                     </p:animEffect>
@@ -15173,6 +17400,33 @@
       <p:bldP spid="20" grpId="0"/>
       <p:bldP spid="21" grpId="0"/>
       <p:bldP spid="22" grpId="0"/>
+      <p:bldP spid="23" grpId="0"/>
+      <p:bldP spid="24" grpId="0"/>
+      <p:bldP spid="25" grpId="0"/>
+      <p:bldP spid="26" grpId="0"/>
+      <p:bldP spid="27" grpId="0"/>
+      <p:bldP spid="28" grpId="0"/>
+      <p:bldP spid="29" grpId="0"/>
+      <p:bldP spid="30" grpId="0"/>
+      <p:bldP spid="31" grpId="0"/>
+      <p:bldP spid="32" grpId="0"/>
+      <p:bldP spid="33" grpId="0"/>
+      <p:bldP spid="34" grpId="0"/>
+      <p:bldP spid="35" grpId="0"/>
+      <p:bldP spid="36" grpId="0"/>
+      <p:bldP spid="37" grpId="0"/>
+      <p:bldP spid="38" grpId="0"/>
+      <p:bldP spid="39" grpId="0"/>
+      <p:bldP spid="40" grpId="0"/>
+      <p:bldP spid="41" grpId="0"/>
+      <p:bldP spid="42" grpId="0"/>
+      <p:bldP spid="43" grpId="0"/>
+      <p:bldP spid="44" grpId="0"/>
+      <p:bldP spid="45" grpId="0"/>
+      <p:bldP spid="46" grpId="0"/>
+      <p:bldP spid="47" grpId="0"/>
+      <p:bldP spid="48" grpId="0"/>
+      <p:bldP spid="49" grpId="0"/>
     </p:bldLst>
   </p:timing>
 </p:sld>
@@ -19576,15 +21830,7 @@
           <a:p>
             <a:r>
               <a:rPr lang="zh-CN" altLang="en-US" dirty="0" smtClean="0"/>
-              <a:t>数据</a:t>
-            </a:r>
-            <a:r>
-              <a:rPr lang="zh-CN" altLang="en-US" dirty="0" smtClean="0"/>
-              <a:t>的</a:t>
-            </a:r>
-            <a:r>
-              <a:rPr lang="zh-CN" altLang="en-US" dirty="0" smtClean="0"/>
-              <a:t>排序</a:t>
+              <a:t>数据的排序</a:t>
             </a:r>
             <a:endParaRPr lang="en-US" altLang="zh-CN" dirty="0" smtClean="0"/>
           </a:p>
@@ -20254,11 +22500,7 @@
           <a:p>
             <a:r>
               <a:rPr lang="zh-CN" altLang="en-US" dirty="0" smtClean="0"/>
-              <a:t>掐头去尾取</a:t>
-            </a:r>
-            <a:r>
-              <a:rPr lang="zh-CN" altLang="en-US" dirty="0" smtClean="0"/>
-              <a:t>子集</a:t>
+              <a:t>掐头去尾取子集</a:t>
             </a:r>
             <a:endParaRPr lang="en-US" altLang="zh-CN" dirty="0" smtClean="0"/>
           </a:p>

--- a/实验2-变量-导入和包.pptx
+++ b/实验2-变量-导入和包.pptx
@@ -5,7 +5,7 @@
     <p:sldMasterId id="2147483648" r:id="rId1"/>
   </p:sldMasterIdLst>
   <p:notesMasterIdLst>
-    <p:notesMasterId r:id="rId32"/>
+    <p:notesMasterId r:id="rId31"/>
   </p:notesMasterIdLst>
   <p:sldIdLst>
     <p:sldId id="256" r:id="rId2"/>
@@ -37,7 +37,6 @@
     <p:sldId id="277" r:id="rId28"/>
     <p:sldId id="285" r:id="rId29"/>
     <p:sldId id="314" r:id="rId30"/>
-    <p:sldId id="272" r:id="rId31"/>
   </p:sldIdLst>
   <p:sldSz cx="12192000" cy="6858000"/>
   <p:notesSz cx="6858000" cy="9144000"/>
@@ -226,7 +225,7 @@
           <a:p>
             <a:fld id="{1335C5EC-DAC7-46E7-A71C-3FD57F01693A}" type="datetimeFigureOut">
               <a:rPr lang="zh-CN" altLang="en-US" smtClean="0"/>
-              <a:t>2017/9/17</a:t>
+              <a:t>2017/9/18</a:t>
             </a:fld>
             <a:endParaRPr lang="zh-CN" altLang="en-US"/>
           </a:p>
@@ -804,7 +803,7 @@
           <a:p>
             <a:fld id="{991CC714-C3A2-4C47-A06E-292FB3B91961}" type="datetimeFigureOut">
               <a:rPr lang="zh-CN" altLang="en-US" smtClean="0"/>
-              <a:t>2017/9/17</a:t>
+              <a:t>2017/9/18</a:t>
             </a:fld>
             <a:endParaRPr lang="zh-CN" altLang="en-US"/>
           </a:p>
@@ -1007,7 +1006,7 @@
           <a:p>
             <a:fld id="{991CC714-C3A2-4C47-A06E-292FB3B91961}" type="datetimeFigureOut">
               <a:rPr lang="zh-CN" altLang="en-US" smtClean="0"/>
-              <a:t>2017/9/17</a:t>
+              <a:t>2017/9/18</a:t>
             </a:fld>
             <a:endParaRPr lang="zh-CN" altLang="en-US"/>
           </a:p>
@@ -1258,7 +1257,7 @@
           <a:p>
             <a:fld id="{991CC714-C3A2-4C47-A06E-292FB3B91961}" type="datetimeFigureOut">
               <a:rPr lang="zh-CN" altLang="en-US" smtClean="0"/>
-              <a:t>2017/9/17</a:t>
+              <a:t>2017/9/18</a:t>
             </a:fld>
             <a:endParaRPr lang="zh-CN" altLang="en-US"/>
           </a:p>
@@ -1452,7 +1451,7 @@
           <a:p>
             <a:fld id="{991CC714-C3A2-4C47-A06E-292FB3B91961}" type="datetimeFigureOut">
               <a:rPr lang="zh-CN" altLang="en-US" smtClean="0"/>
-              <a:t>2017/9/17</a:t>
+              <a:t>2017/9/18</a:t>
             </a:fld>
             <a:endParaRPr lang="zh-CN" altLang="en-US"/>
           </a:p>
@@ -1789,7 +1788,7 @@
           <a:p>
             <a:fld id="{991CC714-C3A2-4C47-A06E-292FB3B91961}" type="datetimeFigureOut">
               <a:rPr lang="zh-CN" altLang="en-US" smtClean="0"/>
-              <a:t>2017/9/17</a:t>
+              <a:t>2017/9/18</a:t>
             </a:fld>
             <a:endParaRPr lang="zh-CN" altLang="en-US"/>
           </a:p>
@@ -2059,7 +2058,7 @@
           <a:p>
             <a:fld id="{991CC714-C3A2-4C47-A06E-292FB3B91961}" type="datetimeFigureOut">
               <a:rPr lang="zh-CN" altLang="en-US" smtClean="0"/>
-              <a:t>2017/9/17</a:t>
+              <a:t>2017/9/18</a:t>
             </a:fld>
             <a:endParaRPr lang="zh-CN" altLang="en-US"/>
           </a:p>
@@ -2433,7 +2432,7 @@
           <a:p>
             <a:fld id="{991CC714-C3A2-4C47-A06E-292FB3B91961}" type="datetimeFigureOut">
               <a:rPr lang="zh-CN" altLang="en-US" smtClean="0"/>
-              <a:t>2017/9/17</a:t>
+              <a:t>2017/9/18</a:t>
             </a:fld>
             <a:endParaRPr lang="zh-CN" altLang="en-US"/>
           </a:p>
@@ -2546,7 +2545,7 @@
           <a:p>
             <a:fld id="{991CC714-C3A2-4C47-A06E-292FB3B91961}" type="datetimeFigureOut">
               <a:rPr lang="zh-CN" altLang="en-US" smtClean="0"/>
-              <a:t>2017/9/17</a:t>
+              <a:t>2017/9/18</a:t>
             </a:fld>
             <a:endParaRPr lang="zh-CN" altLang="en-US"/>
           </a:p>
@@ -2712,7 +2711,7 @@
           <a:p>
             <a:fld id="{991CC714-C3A2-4C47-A06E-292FB3B91961}" type="datetimeFigureOut">
               <a:rPr lang="zh-CN" altLang="en-US" smtClean="0"/>
-              <a:t>2017/9/17</a:t>
+              <a:t>2017/9/18</a:t>
             </a:fld>
             <a:endParaRPr lang="zh-CN" altLang="en-US"/>
           </a:p>
@@ -3061,7 +3060,7 @@
           <a:p>
             <a:fld id="{991CC714-C3A2-4C47-A06E-292FB3B91961}" type="datetimeFigureOut">
               <a:rPr lang="zh-CN" altLang="en-US" smtClean="0"/>
-              <a:t>2017/9/17</a:t>
+              <a:t>2017/9/18</a:t>
             </a:fld>
             <a:endParaRPr lang="zh-CN" altLang="en-US"/>
           </a:p>
@@ -3438,7 +3437,7 @@
           <a:p>
             <a:fld id="{991CC714-C3A2-4C47-A06E-292FB3B91961}" type="datetimeFigureOut">
               <a:rPr lang="zh-CN" altLang="en-US" smtClean="0"/>
-              <a:t>2017/9/17</a:t>
+              <a:t>2017/9/18</a:t>
             </a:fld>
             <a:endParaRPr lang="zh-CN" altLang="en-US"/>
           </a:p>
@@ -3720,7 +3719,7 @@
           <a:p>
             <a:fld id="{991CC714-C3A2-4C47-A06E-292FB3B91961}" type="datetimeFigureOut">
               <a:rPr lang="zh-CN" altLang="en-US" smtClean="0"/>
-              <a:t>2017/9/17</a:t>
+              <a:t>2017/9/18</a:t>
             </a:fld>
             <a:endParaRPr lang="zh-CN" altLang="en-US"/>
           </a:p>
@@ -7267,14 +7266,14 @@
                 <a:gridCol w="1275576">
                   <a:extLst>
                     <a:ext uri="{9D8B030D-6E8A-4147-A177-3AD203B41FA5}">
-                      <a16:colId xmlns:a16="http://schemas.microsoft.com/office/drawing/2014/main" xmlns="" val="20000"/>
+                      <a16:colId xmlns:a16="http://schemas.microsoft.com/office/drawing/2014/main" val="20000"/>
                     </a:ext>
                   </a:extLst>
                 </a:gridCol>
                 <a:gridCol w="1275576">
                   <a:extLst>
                     <a:ext uri="{9D8B030D-6E8A-4147-A177-3AD203B41FA5}">
-                      <a16:colId xmlns:a16="http://schemas.microsoft.com/office/drawing/2014/main" xmlns="" val="20001"/>
+                      <a16:colId xmlns:a16="http://schemas.microsoft.com/office/drawing/2014/main" val="20001"/>
                     </a:ext>
                   </a:extLst>
                 </a:gridCol>
@@ -7402,7 +7401,7 @@
                 </a:tc>
                 <a:extLst>
                   <a:ext uri="{0D108BD9-81ED-4DB2-BD59-A6C34878D82A}">
-                    <a16:rowId xmlns:a16="http://schemas.microsoft.com/office/drawing/2014/main" xmlns="" val="10000"/>
+                    <a16:rowId xmlns:a16="http://schemas.microsoft.com/office/drawing/2014/main" val="10000"/>
                   </a:ext>
                 </a:extLst>
               </a:tr>
@@ -7529,7 +7528,7 @@
                 </a:tc>
                 <a:extLst>
                   <a:ext uri="{0D108BD9-81ED-4DB2-BD59-A6C34878D82A}">
-                    <a16:rowId xmlns:a16="http://schemas.microsoft.com/office/drawing/2014/main" xmlns="" val="10001"/>
+                    <a16:rowId xmlns:a16="http://schemas.microsoft.com/office/drawing/2014/main" val="10001"/>
                   </a:ext>
                 </a:extLst>
               </a:tr>
@@ -7656,7 +7655,7 @@
                 </a:tc>
                 <a:extLst>
                   <a:ext uri="{0D108BD9-81ED-4DB2-BD59-A6C34878D82A}">
-                    <a16:rowId xmlns:a16="http://schemas.microsoft.com/office/drawing/2014/main" xmlns="" val="10002"/>
+                    <a16:rowId xmlns:a16="http://schemas.microsoft.com/office/drawing/2014/main" val="10002"/>
                   </a:ext>
                 </a:extLst>
               </a:tr>
@@ -7783,7 +7782,7 @@
                 </a:tc>
                 <a:extLst>
                   <a:ext uri="{0D108BD9-81ED-4DB2-BD59-A6C34878D82A}">
-                    <a16:rowId xmlns:a16="http://schemas.microsoft.com/office/drawing/2014/main" xmlns="" val="10003"/>
+                    <a16:rowId xmlns:a16="http://schemas.microsoft.com/office/drawing/2014/main" val="10003"/>
                   </a:ext>
                 </a:extLst>
               </a:tr>
@@ -7910,7 +7909,7 @@
                 </a:tc>
                 <a:extLst>
                   <a:ext uri="{0D108BD9-81ED-4DB2-BD59-A6C34878D82A}">
-                    <a16:rowId xmlns:a16="http://schemas.microsoft.com/office/drawing/2014/main" xmlns="" val="10004"/>
+                    <a16:rowId xmlns:a16="http://schemas.microsoft.com/office/drawing/2014/main" val="10004"/>
                   </a:ext>
                 </a:extLst>
               </a:tr>
@@ -8037,7 +8036,7 @@
                 </a:tc>
                 <a:extLst>
                   <a:ext uri="{0D108BD9-81ED-4DB2-BD59-A6C34878D82A}">
-                    <a16:rowId xmlns:a16="http://schemas.microsoft.com/office/drawing/2014/main" xmlns="" val="10005"/>
+                    <a16:rowId xmlns:a16="http://schemas.microsoft.com/office/drawing/2014/main" val="10005"/>
                   </a:ext>
                 </a:extLst>
               </a:tr>
@@ -8164,7 +8163,7 @@
                 </a:tc>
                 <a:extLst>
                   <a:ext uri="{0D108BD9-81ED-4DB2-BD59-A6C34878D82A}">
-                    <a16:rowId xmlns:a16="http://schemas.microsoft.com/office/drawing/2014/main" xmlns="" val="10006"/>
+                    <a16:rowId xmlns:a16="http://schemas.microsoft.com/office/drawing/2014/main" val="10006"/>
                   </a:ext>
                 </a:extLst>
               </a:tr>
@@ -8291,7 +8290,7 @@
                 </a:tc>
                 <a:extLst>
                   <a:ext uri="{0D108BD9-81ED-4DB2-BD59-A6C34878D82A}">
-                    <a16:rowId xmlns:a16="http://schemas.microsoft.com/office/drawing/2014/main" xmlns="" val="10007"/>
+                    <a16:rowId xmlns:a16="http://schemas.microsoft.com/office/drawing/2014/main" val="10007"/>
                   </a:ext>
                 </a:extLst>
               </a:tr>
@@ -8418,7 +8417,7 @@
                 </a:tc>
                 <a:extLst>
                   <a:ext uri="{0D108BD9-81ED-4DB2-BD59-A6C34878D82A}">
-                    <a16:rowId xmlns:a16="http://schemas.microsoft.com/office/drawing/2014/main" xmlns="" val="10008"/>
+                    <a16:rowId xmlns:a16="http://schemas.microsoft.com/office/drawing/2014/main" val="10008"/>
                   </a:ext>
                 </a:extLst>
               </a:tr>
@@ -10457,49 +10456,49 @@
                 <a:gridCol w="1436914">
                   <a:extLst>
                     <a:ext uri="{9D8B030D-6E8A-4147-A177-3AD203B41FA5}">
-                      <a16:colId xmlns:a16="http://schemas.microsoft.com/office/drawing/2014/main" xmlns="" val="20000"/>
+                      <a16:colId xmlns:a16="http://schemas.microsoft.com/office/drawing/2014/main" val="20000"/>
                     </a:ext>
                   </a:extLst>
                 </a:gridCol>
                 <a:gridCol w="1436914">
                   <a:extLst>
                     <a:ext uri="{9D8B030D-6E8A-4147-A177-3AD203B41FA5}">
-                      <a16:colId xmlns:a16="http://schemas.microsoft.com/office/drawing/2014/main" xmlns="" val="20001"/>
+                      <a16:colId xmlns:a16="http://schemas.microsoft.com/office/drawing/2014/main" val="20001"/>
                     </a:ext>
                   </a:extLst>
                 </a:gridCol>
                 <a:gridCol w="1436914">
                   <a:extLst>
                     <a:ext uri="{9D8B030D-6E8A-4147-A177-3AD203B41FA5}">
-                      <a16:colId xmlns:a16="http://schemas.microsoft.com/office/drawing/2014/main" xmlns="" val="20002"/>
+                      <a16:colId xmlns:a16="http://schemas.microsoft.com/office/drawing/2014/main" val="20002"/>
                     </a:ext>
                   </a:extLst>
                 </a:gridCol>
                 <a:gridCol w="1436914">
                   <a:extLst>
                     <a:ext uri="{9D8B030D-6E8A-4147-A177-3AD203B41FA5}">
-                      <a16:colId xmlns:a16="http://schemas.microsoft.com/office/drawing/2014/main" xmlns="" val="20003"/>
+                      <a16:colId xmlns:a16="http://schemas.microsoft.com/office/drawing/2014/main" val="20003"/>
                     </a:ext>
                   </a:extLst>
                 </a:gridCol>
                 <a:gridCol w="1436914">
                   <a:extLst>
                     <a:ext uri="{9D8B030D-6E8A-4147-A177-3AD203B41FA5}">
-                      <a16:colId xmlns:a16="http://schemas.microsoft.com/office/drawing/2014/main" xmlns="" val="20004"/>
+                      <a16:colId xmlns:a16="http://schemas.microsoft.com/office/drawing/2014/main" val="20004"/>
                     </a:ext>
                   </a:extLst>
                 </a:gridCol>
                 <a:gridCol w="1436914">
                   <a:extLst>
                     <a:ext uri="{9D8B030D-6E8A-4147-A177-3AD203B41FA5}">
-                      <a16:colId xmlns:a16="http://schemas.microsoft.com/office/drawing/2014/main" xmlns="" val="20005"/>
+                      <a16:colId xmlns:a16="http://schemas.microsoft.com/office/drawing/2014/main" val="20005"/>
                     </a:ext>
                   </a:extLst>
                 </a:gridCol>
                 <a:gridCol w="1436914">
                   <a:extLst>
                     <a:ext uri="{9D8B030D-6E8A-4147-A177-3AD203B41FA5}">
-                      <a16:colId xmlns:a16="http://schemas.microsoft.com/office/drawing/2014/main" xmlns="" val="20006"/>
+                      <a16:colId xmlns:a16="http://schemas.microsoft.com/office/drawing/2014/main" val="20006"/>
                     </a:ext>
                   </a:extLst>
                 </a:gridCol>
@@ -10605,7 +10604,7 @@
                 </a:tc>
                 <a:extLst>
                   <a:ext uri="{0D108BD9-81ED-4DB2-BD59-A6C34878D82A}">
-                    <a16:rowId xmlns:a16="http://schemas.microsoft.com/office/drawing/2014/main" xmlns="" val="10000"/>
+                    <a16:rowId xmlns:a16="http://schemas.microsoft.com/office/drawing/2014/main" val="10000"/>
                   </a:ext>
                 </a:extLst>
               </a:tr>
@@ -10710,7 +10709,7 @@
                 </a:tc>
                 <a:extLst>
                   <a:ext uri="{0D108BD9-81ED-4DB2-BD59-A6C34878D82A}">
-                    <a16:rowId xmlns:a16="http://schemas.microsoft.com/office/drawing/2014/main" xmlns="" val="10001"/>
+                    <a16:rowId xmlns:a16="http://schemas.microsoft.com/office/drawing/2014/main" val="10001"/>
                   </a:ext>
                 </a:extLst>
               </a:tr>
@@ -10815,7 +10814,7 @@
                 </a:tc>
                 <a:extLst>
                   <a:ext uri="{0D108BD9-81ED-4DB2-BD59-A6C34878D82A}">
-                    <a16:rowId xmlns:a16="http://schemas.microsoft.com/office/drawing/2014/main" xmlns="" val="10002"/>
+                    <a16:rowId xmlns:a16="http://schemas.microsoft.com/office/drawing/2014/main" val="10002"/>
                   </a:ext>
                 </a:extLst>
               </a:tr>
@@ -10920,7 +10919,7 @@
                 </a:tc>
                 <a:extLst>
                   <a:ext uri="{0D108BD9-81ED-4DB2-BD59-A6C34878D82A}">
-                    <a16:rowId xmlns:a16="http://schemas.microsoft.com/office/drawing/2014/main" xmlns="" val="10003"/>
+                    <a16:rowId xmlns:a16="http://schemas.microsoft.com/office/drawing/2014/main" val="10003"/>
                   </a:ext>
                 </a:extLst>
               </a:tr>
@@ -11025,7 +11024,7 @@
                 </a:tc>
                 <a:extLst>
                   <a:ext uri="{0D108BD9-81ED-4DB2-BD59-A6C34878D82A}">
-                    <a16:rowId xmlns:a16="http://schemas.microsoft.com/office/drawing/2014/main" xmlns="" val="10004"/>
+                    <a16:rowId xmlns:a16="http://schemas.microsoft.com/office/drawing/2014/main" val="10004"/>
                   </a:ext>
                 </a:extLst>
               </a:tr>
@@ -11130,7 +11129,7 @@
                 </a:tc>
                 <a:extLst>
                   <a:ext uri="{0D108BD9-81ED-4DB2-BD59-A6C34878D82A}">
-                    <a16:rowId xmlns:a16="http://schemas.microsoft.com/office/drawing/2014/main" xmlns="" val="10005"/>
+                    <a16:rowId xmlns:a16="http://schemas.microsoft.com/office/drawing/2014/main" val="10005"/>
                   </a:ext>
                 </a:extLst>
               </a:tr>
@@ -12737,14 +12736,14 @@
                 <a:gridCol w="5029200">
                   <a:extLst>
                     <a:ext uri="{9D8B030D-6E8A-4147-A177-3AD203B41FA5}">
-                      <a16:colId xmlns:a16="http://schemas.microsoft.com/office/drawing/2014/main" xmlns="" val="20000"/>
+                      <a16:colId xmlns:a16="http://schemas.microsoft.com/office/drawing/2014/main" val="20000"/>
                     </a:ext>
                   </a:extLst>
                 </a:gridCol>
                 <a:gridCol w="5029200">
                   <a:extLst>
                     <a:ext uri="{9D8B030D-6E8A-4147-A177-3AD203B41FA5}">
-                      <a16:colId xmlns:a16="http://schemas.microsoft.com/office/drawing/2014/main" xmlns="" val="20001"/>
+                      <a16:colId xmlns:a16="http://schemas.microsoft.com/office/drawing/2014/main" val="20001"/>
                     </a:ext>
                   </a:extLst>
                 </a:gridCol>
@@ -12780,7 +12779,7 @@
                 </a:tc>
                 <a:extLst>
                   <a:ext uri="{0D108BD9-81ED-4DB2-BD59-A6C34878D82A}">
-                    <a16:rowId xmlns:a16="http://schemas.microsoft.com/office/drawing/2014/main" xmlns="" val="10000"/>
+                    <a16:rowId xmlns:a16="http://schemas.microsoft.com/office/drawing/2014/main" val="10000"/>
                   </a:ext>
                 </a:extLst>
               </a:tr>
@@ -12823,7 +12822,7 @@
                 </a:tc>
                 <a:extLst>
                   <a:ext uri="{0D108BD9-81ED-4DB2-BD59-A6C34878D82A}">
-                    <a16:rowId xmlns:a16="http://schemas.microsoft.com/office/drawing/2014/main" xmlns="" val="10001"/>
+                    <a16:rowId xmlns:a16="http://schemas.microsoft.com/office/drawing/2014/main" val="10001"/>
                   </a:ext>
                 </a:extLst>
               </a:tr>
@@ -12866,7 +12865,7 @@
                 </a:tc>
                 <a:extLst>
                   <a:ext uri="{0D108BD9-81ED-4DB2-BD59-A6C34878D82A}">
-                    <a16:rowId xmlns:a16="http://schemas.microsoft.com/office/drawing/2014/main" xmlns="" val="10002"/>
+                    <a16:rowId xmlns:a16="http://schemas.microsoft.com/office/drawing/2014/main" val="10002"/>
                   </a:ext>
                 </a:extLst>
               </a:tr>
@@ -12909,7 +12908,7 @@
                 </a:tc>
                 <a:extLst>
                   <a:ext uri="{0D108BD9-81ED-4DB2-BD59-A6C34878D82A}">
-                    <a16:rowId xmlns:a16="http://schemas.microsoft.com/office/drawing/2014/main" xmlns="" val="10003"/>
+                    <a16:rowId xmlns:a16="http://schemas.microsoft.com/office/drawing/2014/main" val="10003"/>
                   </a:ext>
                 </a:extLst>
               </a:tr>
@@ -12952,7 +12951,7 @@
                 </a:tc>
                 <a:extLst>
                   <a:ext uri="{0D108BD9-81ED-4DB2-BD59-A6C34878D82A}">
-                    <a16:rowId xmlns:a16="http://schemas.microsoft.com/office/drawing/2014/main" xmlns="" val="10004"/>
+                    <a16:rowId xmlns:a16="http://schemas.microsoft.com/office/drawing/2014/main" val="10004"/>
                   </a:ext>
                 </a:extLst>
               </a:tr>
@@ -12995,7 +12994,7 @@
                 </a:tc>
                 <a:extLst>
                   <a:ext uri="{0D108BD9-81ED-4DB2-BD59-A6C34878D82A}">
-                    <a16:rowId xmlns:a16="http://schemas.microsoft.com/office/drawing/2014/main" xmlns="" val="10005"/>
+                    <a16:rowId xmlns:a16="http://schemas.microsoft.com/office/drawing/2014/main" val="10005"/>
                   </a:ext>
                 </a:extLst>
               </a:tr>
@@ -13038,7 +13037,7 @@
                 </a:tc>
                 <a:extLst>
                   <a:ext uri="{0D108BD9-81ED-4DB2-BD59-A6C34878D82A}">
-                    <a16:rowId xmlns:a16="http://schemas.microsoft.com/office/drawing/2014/main" xmlns="" val="10006"/>
+                    <a16:rowId xmlns:a16="http://schemas.microsoft.com/office/drawing/2014/main" val="10006"/>
                   </a:ext>
                 </a:extLst>
               </a:tr>
@@ -13081,7 +13080,7 @@
                 </a:tc>
                 <a:extLst>
                   <a:ext uri="{0D108BD9-81ED-4DB2-BD59-A6C34878D82A}">
-                    <a16:rowId xmlns:a16="http://schemas.microsoft.com/office/drawing/2014/main" xmlns="" val="10007"/>
+                    <a16:rowId xmlns:a16="http://schemas.microsoft.com/office/drawing/2014/main" val="10007"/>
                   </a:ext>
                 </a:extLst>
               </a:tr>
@@ -20233,128 +20232,6 @@
 </p:sld>
 </file>
 
-<file path=ppt/slides/slide30.xml><?xml version="1.0" encoding="utf-8"?>
-<p:sld xmlns:a="http://schemas.openxmlformats.org/drawingml/2006/main" xmlns:r="http://schemas.openxmlformats.org/officeDocument/2006/relationships" xmlns:p="http://schemas.openxmlformats.org/presentationml/2006/main">
-  <p:cSld>
-    <p:spTree>
-      <p:nvGrpSpPr>
-        <p:cNvPr id="1" name=""/>
-        <p:cNvGrpSpPr/>
-        <p:nvPr/>
-      </p:nvGrpSpPr>
-      <p:grpSpPr>
-        <a:xfrm>
-          <a:off x="0" y="0"/>
-          <a:ext cx="0" cy="0"/>
-          <a:chOff x="0" y="0"/>
-          <a:chExt cx="0" cy="0"/>
-        </a:xfrm>
-      </p:grpSpPr>
-      <p:sp>
-        <p:nvSpPr>
-          <p:cNvPr id="2" name="标题 1"/>
-          <p:cNvSpPr>
-            <a:spLocks noGrp="1"/>
-          </p:cNvSpPr>
-          <p:nvPr>
-            <p:ph type="title"/>
-          </p:nvPr>
-        </p:nvSpPr>
-        <p:spPr/>
-        <p:txBody>
-          <a:bodyPr/>
-          <a:lstStyle/>
-          <a:p>
-            <a:r>
-              <a:rPr lang="zh-CN" altLang="en-US" dirty="0" smtClean="0"/>
-              <a:t>拓展学习</a:t>
-            </a:r>
-            <a:endParaRPr lang="zh-CN" altLang="en-US" dirty="0"/>
-          </a:p>
-        </p:txBody>
-      </p:sp>
-      <p:sp>
-        <p:nvSpPr>
-          <p:cNvPr id="3" name="内容占位符 2"/>
-          <p:cNvSpPr>
-            <a:spLocks noGrp="1"/>
-          </p:cNvSpPr>
-          <p:nvPr>
-            <p:ph idx="1"/>
-          </p:nvPr>
-        </p:nvSpPr>
-        <p:spPr/>
-        <p:txBody>
-          <a:bodyPr/>
-          <a:lstStyle/>
-          <a:p>
-            <a:r>
-              <a:rPr lang="zh-CN" altLang="en-US" dirty="0" smtClean="0"/>
-              <a:t>与数据库对接</a:t>
-            </a:r>
-            <a:endParaRPr lang="en-US" altLang="zh-CN" dirty="0" smtClean="0"/>
-          </a:p>
-          <a:p>
-            <a:r>
-              <a:rPr lang="zh-CN" altLang="en-US" dirty="0" smtClean="0"/>
-              <a:t>在</a:t>
-            </a:r>
-            <a:r>
-              <a:rPr lang="en-US" altLang="zh-CN" dirty="0" smtClean="0"/>
-              <a:t>R</a:t>
-            </a:r>
-            <a:r>
-              <a:rPr lang="zh-CN" altLang="en-US" dirty="0" smtClean="0"/>
-              <a:t>中使用</a:t>
-            </a:r>
-            <a:r>
-              <a:rPr lang="en-US" altLang="zh-CN" dirty="0" smtClean="0"/>
-              <a:t>SQL</a:t>
-            </a:r>
-            <a:r>
-              <a:rPr lang="zh-CN" altLang="en-US" dirty="0" smtClean="0"/>
-              <a:t>语句操作数据</a:t>
-            </a:r>
-            <a:endParaRPr lang="en-US" altLang="zh-CN" dirty="0" smtClean="0"/>
-          </a:p>
-          <a:p>
-            <a:r>
-              <a:rPr lang="zh-CN" altLang="en-US" dirty="0" smtClean="0"/>
-              <a:t>网络数据的导入和抓取</a:t>
-            </a:r>
-            <a:endParaRPr lang="en-US" altLang="zh-CN" dirty="0" smtClean="0"/>
-          </a:p>
-          <a:p>
-            <a:r>
-              <a:rPr lang="en-US" altLang="zh-CN" dirty="0" smtClean="0"/>
-              <a:t>Ggplot2</a:t>
-            </a:r>
-          </a:p>
-          <a:p>
-            <a:pPr lvl="1"/>
-            <a:r>
-              <a:rPr lang="en-US" altLang="zh-CN" dirty="0"/>
-              <a:t>http://ggplot2.org/</a:t>
-            </a:r>
-            <a:endParaRPr lang="zh-CN" altLang="en-US" dirty="0"/>
-          </a:p>
-        </p:txBody>
-      </p:sp>
-    </p:spTree>
-  </p:cSld>
-  <p:clrMapOvr>
-    <a:masterClrMapping/>
-  </p:clrMapOvr>
-  <p:timing>
-    <p:tnLst>
-      <p:par>
-        <p:cTn id="1" dur="indefinite" restart="never" nodeType="tmRoot"/>
-      </p:par>
-    </p:tnLst>
-  </p:timing>
-</p:sld>
-</file>
-
 <file path=ppt/slides/slide4.xml><?xml version="1.0" encoding="utf-8"?>
 <p:sld xmlns:a="http://schemas.openxmlformats.org/drawingml/2006/main" xmlns:r="http://schemas.openxmlformats.org/officeDocument/2006/relationships" xmlns:p="http://schemas.openxmlformats.org/presentationml/2006/main">
   <p:cSld>

--- a/实验2-变量-导入和包.pptx
+++ b/实验2-变量-导入和包.pptx
@@ -5,7 +5,7 @@
     <p:sldMasterId id="2147483648" r:id="rId1"/>
   </p:sldMasterIdLst>
   <p:notesMasterIdLst>
-    <p:notesMasterId r:id="rId31"/>
+    <p:notesMasterId r:id="rId32"/>
   </p:notesMasterIdLst>
   <p:sldIdLst>
     <p:sldId id="256" r:id="rId2"/>
@@ -15,9 +15,9 @@
     <p:sldId id="290" r:id="rId6"/>
     <p:sldId id="275" r:id="rId7"/>
     <p:sldId id="311" r:id="rId8"/>
-    <p:sldId id="284" r:id="rId9"/>
-    <p:sldId id="316" r:id="rId10"/>
-    <p:sldId id="315" r:id="rId11"/>
+    <p:sldId id="315" r:id="rId9"/>
+    <p:sldId id="284" r:id="rId10"/>
+    <p:sldId id="316" r:id="rId11"/>
     <p:sldId id="313" r:id="rId12"/>
     <p:sldId id="305" r:id="rId13"/>
     <p:sldId id="302" r:id="rId14"/>
@@ -31,12 +31,13 @@
     <p:sldId id="307" r:id="rId22"/>
     <p:sldId id="308" r:id="rId23"/>
     <p:sldId id="280" r:id="rId24"/>
-    <p:sldId id="274" r:id="rId25"/>
-    <p:sldId id="276" r:id="rId26"/>
-    <p:sldId id="288" r:id="rId27"/>
-    <p:sldId id="277" r:id="rId28"/>
-    <p:sldId id="285" r:id="rId29"/>
-    <p:sldId id="314" r:id="rId30"/>
+    <p:sldId id="318" r:id="rId25"/>
+    <p:sldId id="274" r:id="rId26"/>
+    <p:sldId id="276" r:id="rId27"/>
+    <p:sldId id="288" r:id="rId28"/>
+    <p:sldId id="277" r:id="rId29"/>
+    <p:sldId id="285" r:id="rId30"/>
+    <p:sldId id="314" r:id="rId31"/>
   </p:sldIdLst>
   <p:sldSz cx="12192000" cy="6858000"/>
   <p:notesSz cx="6858000" cy="9144000"/>
@@ -4389,16 +4390,14 @@
         </p:nvSpPr>
         <p:spPr/>
         <p:txBody>
-          <a:bodyPr>
-            <a:normAutofit/>
-          </a:bodyPr>
+          <a:bodyPr/>
           <a:lstStyle/>
           <a:p>
             <a:r>
-              <a:rPr lang="zh-CN" altLang="en-US" sz="3200" dirty="0" smtClean="0"/>
-              <a:t>进一步的细节操作</a:t>
-            </a:r>
-            <a:endParaRPr lang="zh-CN" altLang="en-US" sz="3200" dirty="0"/>
+              <a:rPr lang="zh-CN" altLang="en-US" dirty="0" smtClean="0"/>
+              <a:t>取子集</a:t>
+            </a:r>
+            <a:endParaRPr lang="zh-CN" altLang="en-US" dirty="0"/>
           </a:p>
         </p:txBody>
       </p:sp>
@@ -4418,58 +4417,70 @@
           <a:lstStyle/>
           <a:p>
             <a:r>
-              <a:rPr lang="zh-CN" altLang="en-US" dirty="0"/>
-              <a:t>为数据集加上</a:t>
-            </a:r>
-            <a:r>
-              <a:rPr lang="en-US" altLang="zh-CN" dirty="0" err="1"/>
-              <a:t>row.names</a:t>
-            </a:r>
-            <a:r>
-              <a:rPr lang="zh-CN" altLang="en-US" dirty="0"/>
-              <a:t>，此处创造一个四属性的数据集</a:t>
-            </a:r>
+              <a:rPr lang="zh-CN" altLang="en-US" dirty="0" smtClean="0"/>
+              <a:t>指定行列直接取子集</a:t>
+            </a:r>
+            <a:endParaRPr lang="en-US" altLang="zh-CN" dirty="0" smtClean="0"/>
+          </a:p>
+          <a:p>
             <a:endParaRPr lang="en-US" altLang="zh-CN" dirty="0"/>
           </a:p>
           <a:p>
+            <a:r>
+              <a:rPr lang="en-US" altLang="zh-CN" dirty="0"/>
+              <a:t>subset()</a:t>
+            </a:r>
+            <a:r>
+              <a:rPr lang="zh-CN" altLang="en-US" dirty="0" smtClean="0"/>
+              <a:t>函数按条件取子集</a:t>
+            </a:r>
+            <a:endParaRPr lang="en-US" altLang="zh-CN" dirty="0" smtClean="0"/>
+          </a:p>
+          <a:p>
             <a:endParaRPr lang="en-US" altLang="zh-CN" dirty="0"/>
           </a:p>
           <a:p>
             <a:r>
               <a:rPr lang="zh-CN" altLang="en-US" dirty="0" smtClean="0"/>
-              <a:t>或者</a:t>
-            </a:r>
-            <a:r>
-              <a:rPr lang="zh-CN" altLang="en-US" dirty="0"/>
-              <a:t>利用</a:t>
-            </a:r>
-            <a:r>
-              <a:rPr lang="en-US" altLang="zh-CN" dirty="0" err="1"/>
-              <a:t>row.names</a:t>
-            </a:r>
-            <a:r>
-              <a:rPr lang="zh-CN" altLang="en-US" dirty="0"/>
-              <a:t>函数取出对象名，再直接修改对象名</a:t>
-            </a:r>
+              <a:t>掐头去尾取子集</a:t>
+            </a:r>
+            <a:endParaRPr lang="en-US" altLang="zh-CN" dirty="0" smtClean="0"/>
+          </a:p>
+          <a:p>
             <a:endParaRPr lang="en-US" altLang="zh-CN" dirty="0"/>
           </a:p>
           <a:p>
             <a:endParaRPr lang="en-US" altLang="zh-CN" dirty="0" smtClean="0"/>
           </a:p>
           <a:p>
-            <a:r>
-              <a:rPr lang="zh-CN" altLang="en-US" dirty="0" smtClean="0"/>
-              <a:t>删除时同样利用</a:t>
-            </a:r>
-            <a:r>
-              <a:rPr lang="en-US" altLang="zh-CN" dirty="0" err="1" smtClean="0"/>
-              <a:t>row.names</a:t>
-            </a:r>
-            <a:r>
-              <a:rPr lang="zh-CN" altLang="en-US" dirty="0" smtClean="0"/>
-              <a:t>函数</a:t>
-            </a:r>
+            <a:endParaRPr lang="en-US" altLang="zh-CN" dirty="0"/>
+          </a:p>
+          <a:p>
             <a:endParaRPr lang="en-US" altLang="zh-CN" dirty="0" smtClean="0"/>
+          </a:p>
+          <a:p>
+            <a:pPr marL="0" indent="0">
+              <a:buNone/>
+            </a:pPr>
+            <a:endParaRPr lang="en-US" altLang="zh-CN" dirty="0" smtClean="0"/>
+          </a:p>
+          <a:p>
+            <a:endParaRPr lang="en-US" altLang="zh-CN" dirty="0" smtClean="0"/>
+          </a:p>
+          <a:p>
+            <a:endParaRPr lang="en-US" altLang="zh-CN" dirty="0"/>
+          </a:p>
+          <a:p>
+            <a:endParaRPr lang="en-US" altLang="zh-CN" dirty="0" smtClean="0"/>
+          </a:p>
+          <a:p>
+            <a:pPr marL="0" indent="0">
+              <a:buNone/>
+            </a:pPr>
+            <a:endParaRPr lang="en-US" altLang="zh-CN" dirty="0"/>
+          </a:p>
+          <a:p>
+            <a:endParaRPr lang="en-US" altLang="zh-CN" dirty="0"/>
           </a:p>
           <a:p>
             <a:endParaRPr lang="zh-CN" altLang="en-US" dirty="0"/>
@@ -4478,7 +4489,7 @@
       </p:sp>
       <p:sp>
         <p:nvSpPr>
-          <p:cNvPr id="4" name="Rectangle 3"/>
+          <p:cNvPr id="4" name="Rectangle 1"/>
           <p:cNvSpPr>
             <a:spLocks noChangeArrowheads="1"/>
           </p:cNvSpPr>
@@ -4486,205 +4497,8 @@
         </p:nvSpPr>
         <p:spPr bwMode="auto">
           <a:xfrm>
-            <a:off x="1253395" y="2453540"/>
-            <a:ext cx="6680249" cy="215444"/>
-          </a:xfrm>
-          <a:prstGeom prst="rect">
-            <a:avLst/>
-          </a:prstGeom>
-          <a:solidFill>
-            <a:srgbClr val="FFFFFF"/>
-          </a:solidFill>
-          <a:ln>
-            <a:noFill/>
-          </a:ln>
-          <a:effectLst/>
-          <a:extLst>
-            <a:ext uri="{91240B29-F687-4F45-9708-019B960494DF}">
-              <a14:hiddenLine xmlns:a14="http://schemas.microsoft.com/office/drawing/2010/main" w="9525">
-                <a:solidFill>
-                  <a:schemeClr val="tx1"/>
-                </a:solidFill>
-                <a:miter lim="800000"/>
-                <a:headEnd/>
-                <a:tailEnd/>
-              </a14:hiddenLine>
-            </a:ext>
-            <a:ext uri="{AF507438-7753-43E0-B8FC-AC1667EBCBE1}">
-              <a14:hiddenEffects xmlns:a14="http://schemas.microsoft.com/office/drawing/2010/main">
-                <a:effectLst>
-                  <a:outerShdw dist="35921" dir="2700000" algn="ctr" rotWithShape="0">
-                    <a:schemeClr val="bg2"/>
-                  </a:outerShdw>
-                </a:effectLst>
-              </a14:hiddenEffects>
-            </a:ext>
-          </a:extLst>
-        </p:spPr>
-        <p:txBody>
-          <a:bodyPr vert="horz" wrap="square" lIns="0" tIns="0" rIns="0" bIns="0" numCol="1" anchor="ctr" anchorCtr="0" compatLnSpc="1">
-            <a:spAutoFit/>
-          </a:bodyPr>
-          <a:lstStyle/>
-          <a:p>
-            <a:pPr marL="0" marR="0" lvl="0" indent="0" algn="l" defTabSz="914400" rtl="0" eaLnBrk="0" fontAlgn="base" latinLnBrk="0" hangingPunct="0">
-              <a:lnSpc>
-                <a:spcPct val="100000"/>
-              </a:lnSpc>
-              <a:spcBef>
-                <a:spcPct val="0"/>
-              </a:spcBef>
-              <a:spcAft>
-                <a:spcPct val="0"/>
-              </a:spcAft>
-              <a:buClrTx/>
-              <a:buSzTx/>
-              <a:buFontTx/>
-              <a:buNone/>
-            </a:pPr>
-            <a:r>
-              <a:rPr kumimoji="0" lang="zh-CN" altLang="zh-CN" sz="1400" b="0" i="0" u="none" strike="noStrike" cap="none" normalizeH="0" baseline="0" dirty="0" smtClean="0">
-                <a:ln>
-                  <a:noFill/>
-                </a:ln>
-                <a:solidFill>
-                  <a:srgbClr val="0000FF"/>
-                </a:solidFill>
-                <a:effectLst/>
-                <a:latin typeface="Lucida Console" panose="020B0609040504020204" pitchFamily="49" charset="0"/>
-              </a:rPr>
-              <a:t>&gt; student2&lt;-data.frame(ID,Gender,Birthdate,row.names = Name)</a:t>
-            </a:r>
-            <a:endParaRPr kumimoji="0" lang="zh-CN" altLang="zh-CN" sz="3200" b="0" i="0" u="none" strike="noStrike" cap="none" normalizeH="0" baseline="0" dirty="0" smtClean="0">
-              <a:ln>
-                <a:noFill/>
-              </a:ln>
-              <a:solidFill>
-                <a:schemeClr val="tx1"/>
-              </a:solidFill>
-              <a:effectLst/>
-              <a:latin typeface="Arial" panose="020B0604020202020204" pitchFamily="34" charset="0"/>
-            </a:endParaRPr>
-          </a:p>
-        </p:txBody>
-      </p:sp>
-      <p:sp>
-        <p:nvSpPr>
-          <p:cNvPr id="5" name="Rectangle 4"/>
-          <p:cNvSpPr>
-            <a:spLocks noChangeArrowheads="1"/>
-          </p:cNvSpPr>
-          <p:nvPr/>
-        </p:nvSpPr>
-        <p:spPr bwMode="auto">
-          <a:xfrm>
-            <a:off x="1253395" y="3169068"/>
-            <a:ext cx="3788619" cy="215444"/>
-          </a:xfrm>
-          <a:prstGeom prst="rect">
-            <a:avLst/>
-          </a:prstGeom>
-          <a:solidFill>
-            <a:srgbClr val="FFFFFF"/>
-          </a:solidFill>
-          <a:ln>
-            <a:noFill/>
-          </a:ln>
-          <a:effectLst/>
-          <a:extLst>
-            <a:ext uri="{91240B29-F687-4F45-9708-019B960494DF}">
-              <a14:hiddenLine xmlns:a14="http://schemas.microsoft.com/office/drawing/2010/main" w="9525">
-                <a:solidFill>
-                  <a:schemeClr val="tx1"/>
-                </a:solidFill>
-                <a:miter lim="800000"/>
-                <a:headEnd/>
-                <a:tailEnd/>
-              </a14:hiddenLine>
-            </a:ext>
-            <a:ext uri="{AF507438-7753-43E0-B8FC-AC1667EBCBE1}">
-              <a14:hiddenEffects xmlns:a14="http://schemas.microsoft.com/office/drawing/2010/main">
-                <a:effectLst>
-                  <a:outerShdw dist="35921" dir="2700000" algn="ctr" rotWithShape="0">
-                    <a:schemeClr val="bg2"/>
-                  </a:outerShdw>
-                </a:effectLst>
-              </a14:hiddenEffects>
-            </a:ext>
-          </a:extLst>
-        </p:spPr>
-        <p:txBody>
-          <a:bodyPr vert="horz" wrap="square" lIns="0" tIns="0" rIns="0" bIns="0" numCol="1" anchor="ctr" anchorCtr="0" compatLnSpc="1">
-            <a:spAutoFit/>
-          </a:bodyPr>
-          <a:lstStyle/>
-          <a:p>
-            <a:pPr marL="0" marR="0" lvl="0" indent="0" algn="l" defTabSz="914400" rtl="0" eaLnBrk="0" fontAlgn="base" latinLnBrk="0" hangingPunct="0">
-              <a:lnSpc>
-                <a:spcPct val="100000"/>
-              </a:lnSpc>
-              <a:spcBef>
-                <a:spcPct val="0"/>
-              </a:spcBef>
-              <a:spcAft>
-                <a:spcPct val="0"/>
-              </a:spcAft>
-              <a:buClrTx/>
-              <a:buSzTx/>
-              <a:buFontTx/>
-              <a:buNone/>
-            </a:pPr>
-            <a:r>
-              <a:rPr kumimoji="0" lang="en-US" altLang="zh-CN" sz="1400" b="0" i="0" u="none" strike="noStrike" cap="none" normalizeH="0" baseline="0" dirty="0" smtClean="0">
-                <a:ln>
-                  <a:noFill/>
-                </a:ln>
-                <a:solidFill>
-                  <a:srgbClr val="0000FF"/>
-                </a:solidFill>
-                <a:effectLst/>
-                <a:latin typeface="Lucida Console" panose="020B0609040504020204" pitchFamily="49" charset="0"/>
-              </a:rPr>
-              <a:t>&gt; </a:t>
-            </a:r>
-            <a:r>
-              <a:rPr kumimoji="0" lang="zh-CN" altLang="zh-CN" sz="1400" b="0" i="0" u="none" strike="noStrike" cap="none" normalizeH="0" baseline="0" dirty="0" smtClean="0">
-                <a:ln>
-                  <a:noFill/>
-                </a:ln>
-                <a:solidFill>
-                  <a:srgbClr val="0000FF"/>
-                </a:solidFill>
-                <a:effectLst/>
-                <a:latin typeface="Lucida Console" panose="020B0609040504020204" pitchFamily="49" charset="0"/>
-              </a:rPr>
-              <a:t>row.names(student)&lt;-student$Name</a:t>
-            </a:r>
-            <a:endParaRPr kumimoji="0" lang="zh-CN" altLang="zh-CN" sz="3200" b="0" i="0" u="none" strike="noStrike" cap="none" normalizeH="0" baseline="0" dirty="0" smtClean="0">
-              <a:ln>
-                <a:noFill/>
-              </a:ln>
-              <a:solidFill>
-                <a:schemeClr val="tx1"/>
-              </a:solidFill>
-              <a:effectLst/>
-              <a:latin typeface="Arial" panose="020B0604020202020204" pitchFamily="34" charset="0"/>
-            </a:endParaRPr>
-          </a:p>
-        </p:txBody>
-      </p:sp>
-      <p:sp>
-        <p:nvSpPr>
-          <p:cNvPr id="6" name="Rectangle 1"/>
-          <p:cNvSpPr>
-            <a:spLocks noChangeArrowheads="1"/>
-          </p:cNvSpPr>
-          <p:nvPr/>
-        </p:nvSpPr>
-        <p:spPr bwMode="auto">
-          <a:xfrm>
-            <a:off x="8396868" y="2345819"/>
-            <a:ext cx="3222036" cy="1077218"/>
+            <a:off x="1182029" y="2395727"/>
+            <a:ext cx="3973845" cy="215444"/>
           </a:xfrm>
           <a:prstGeom prst="rect">
             <a:avLst/>
@@ -4750,336 +4564,7 @@
                 <a:effectLst/>
                 <a:latin typeface="Lucida Console" panose="020B0609040504020204" pitchFamily="49" charset="0"/>
               </a:rPr>
-              <a:t>&gt; student </a:t>
-            </a:r>
-            <a:endParaRPr kumimoji="0" lang="en-US" altLang="zh-CN" sz="1400" b="0" i="0" u="none" strike="noStrike" cap="none" normalizeH="0" baseline="0" dirty="0" smtClean="0">
-              <a:ln>
-                <a:noFill/>
-              </a:ln>
-              <a:solidFill>
-                <a:srgbClr val="0000FF"/>
-              </a:solidFill>
-              <a:effectLst/>
-              <a:latin typeface="Lucida Console" panose="020B0609040504020204" pitchFamily="49" charset="0"/>
-            </a:endParaRPr>
-          </a:p>
-          <a:p>
-            <a:pPr marL="0" marR="0" lvl="0" indent="0" algn="l" defTabSz="914400" rtl="0" eaLnBrk="0" fontAlgn="base" latinLnBrk="0" hangingPunct="0">
-              <a:lnSpc>
-                <a:spcPct val="100000"/>
-              </a:lnSpc>
-              <a:spcBef>
-                <a:spcPct val="0"/>
-              </a:spcBef>
-              <a:spcAft>
-                <a:spcPct val="0"/>
-              </a:spcAft>
-              <a:buClrTx/>
-              <a:buSzTx/>
-              <a:buFontTx/>
-              <a:buNone/>
-            </a:pPr>
-            <a:r>
-              <a:rPr kumimoji="0" lang="en-US" altLang="zh-CN" sz="1400" b="0" i="0" u="none" strike="noStrike" cap="none" normalizeH="0" baseline="0" dirty="0" smtClean="0">
-                <a:ln>
-                  <a:noFill/>
-                </a:ln>
-                <a:solidFill>
-                  <a:srgbClr val="000000"/>
-                </a:solidFill>
-                <a:effectLst/>
-                <a:latin typeface="Lucida Console" panose="020B0609040504020204" pitchFamily="49" charset="0"/>
-              </a:rPr>
-              <a:t>  </a:t>
-            </a:r>
-            <a:r>
-              <a:rPr kumimoji="0" lang="zh-CN" altLang="zh-CN" sz="1400" b="0" i="0" u="none" strike="noStrike" cap="none" normalizeH="0" baseline="0" dirty="0" smtClean="0">
-                <a:ln>
-                  <a:noFill/>
-                </a:ln>
-                <a:solidFill>
-                  <a:srgbClr val="000000"/>
-                </a:solidFill>
-                <a:effectLst/>
-                <a:latin typeface="Lucida Console" panose="020B0609040504020204" pitchFamily="49" charset="0"/>
-              </a:rPr>
-              <a:t>ID Name </a:t>
-            </a:r>
-            <a:r>
-              <a:rPr kumimoji="0" lang="en-US" altLang="zh-CN" sz="1400" b="0" i="0" u="none" strike="noStrike" cap="none" normalizeH="0" baseline="0" dirty="0" smtClean="0">
-                <a:ln>
-                  <a:noFill/>
-                </a:ln>
-                <a:solidFill>
-                  <a:srgbClr val="000000"/>
-                </a:solidFill>
-                <a:effectLst/>
-                <a:latin typeface="Lucida Console" panose="020B0609040504020204" pitchFamily="49" charset="0"/>
-              </a:rPr>
-              <a:t>  </a:t>
-            </a:r>
-            <a:r>
-              <a:rPr kumimoji="0" lang="zh-CN" altLang="zh-CN" sz="1400" b="0" i="0" u="none" strike="noStrike" cap="none" normalizeH="0" baseline="0" dirty="0" smtClean="0">
-                <a:ln>
-                  <a:noFill/>
-                </a:ln>
-                <a:solidFill>
-                  <a:srgbClr val="000000"/>
-                </a:solidFill>
-                <a:effectLst/>
-                <a:latin typeface="Lucida Console" panose="020B0609040504020204" pitchFamily="49" charset="0"/>
-              </a:rPr>
-              <a:t>Gender Birthdate </a:t>
-            </a:r>
-            <a:endParaRPr kumimoji="0" lang="en-US" altLang="zh-CN" sz="1400" b="0" i="0" u="none" strike="noStrike" cap="none" normalizeH="0" baseline="0" dirty="0" smtClean="0">
-              <a:ln>
-                <a:noFill/>
-              </a:ln>
-              <a:solidFill>
-                <a:srgbClr val="000000"/>
-              </a:solidFill>
-              <a:effectLst/>
-              <a:latin typeface="Lucida Console" panose="020B0609040504020204" pitchFamily="49" charset="0"/>
-            </a:endParaRPr>
-          </a:p>
-          <a:p>
-            <a:pPr marL="0" marR="0" lvl="0" indent="0" algn="l" defTabSz="914400" rtl="0" eaLnBrk="0" fontAlgn="base" latinLnBrk="0" hangingPunct="0">
-              <a:lnSpc>
-                <a:spcPct val="100000"/>
-              </a:lnSpc>
-              <a:spcBef>
-                <a:spcPct val="0"/>
-              </a:spcBef>
-              <a:spcAft>
-                <a:spcPct val="0"/>
-              </a:spcAft>
-              <a:buClrTx/>
-              <a:buSzTx/>
-              <a:buFontTx/>
-              <a:buNone/>
-            </a:pPr>
-            <a:r>
-              <a:rPr kumimoji="0" lang="zh-CN" altLang="zh-CN" sz="1400" b="0" i="0" u="none" strike="noStrike" cap="none" normalizeH="0" baseline="0" dirty="0" smtClean="0">
-                <a:ln>
-                  <a:noFill/>
-                </a:ln>
-                <a:solidFill>
-                  <a:srgbClr val="000000"/>
-                </a:solidFill>
-                <a:effectLst/>
-                <a:latin typeface="Lucida Console" panose="020B0609040504020204" pitchFamily="49" charset="0"/>
-              </a:rPr>
-              <a:t>1 11 Devin </a:t>
-            </a:r>
-            <a:r>
-              <a:rPr kumimoji="0" lang="en-US" altLang="zh-CN" sz="1400" b="0" i="0" u="none" strike="noStrike" cap="none" normalizeH="0" baseline="0" dirty="0" smtClean="0">
-                <a:ln>
-                  <a:noFill/>
-                </a:ln>
-                <a:solidFill>
-                  <a:srgbClr val="000000"/>
-                </a:solidFill>
-                <a:effectLst/>
-                <a:latin typeface="Lucida Console" panose="020B0609040504020204" pitchFamily="49" charset="0"/>
-              </a:rPr>
-              <a:t> </a:t>
-            </a:r>
-            <a:r>
-              <a:rPr kumimoji="0" lang="zh-CN" altLang="zh-CN" sz="1400" b="0" i="0" u="none" strike="noStrike" cap="none" normalizeH="0" baseline="0" dirty="0" smtClean="0">
-                <a:ln>
-                  <a:noFill/>
-                </a:ln>
-                <a:solidFill>
-                  <a:srgbClr val="000000"/>
-                </a:solidFill>
-                <a:effectLst/>
-                <a:latin typeface="Lucida Console" panose="020B0609040504020204" pitchFamily="49" charset="0"/>
-              </a:rPr>
-              <a:t>M </a:t>
-            </a:r>
-            <a:r>
-              <a:rPr kumimoji="0" lang="en-US" altLang="zh-CN" sz="1400" b="0" i="0" u="none" strike="noStrike" cap="none" normalizeH="0" baseline="0" dirty="0" smtClean="0">
-                <a:ln>
-                  <a:noFill/>
-                </a:ln>
-                <a:solidFill>
-                  <a:srgbClr val="000000"/>
-                </a:solidFill>
-                <a:effectLst/>
-                <a:latin typeface="Lucida Console" panose="020B0609040504020204" pitchFamily="49" charset="0"/>
-              </a:rPr>
-              <a:t>     </a:t>
-            </a:r>
-            <a:r>
-              <a:rPr kumimoji="0" lang="zh-CN" altLang="zh-CN" sz="1400" b="0" i="0" u="none" strike="noStrike" cap="none" normalizeH="0" baseline="0" dirty="0" smtClean="0">
-                <a:ln>
-                  <a:noFill/>
-                </a:ln>
-                <a:solidFill>
-                  <a:srgbClr val="000000"/>
-                </a:solidFill>
-                <a:effectLst/>
-                <a:latin typeface="Lucida Console" panose="020B0609040504020204" pitchFamily="49" charset="0"/>
-              </a:rPr>
-              <a:t>1984-12-29 </a:t>
-            </a:r>
-            <a:endParaRPr kumimoji="0" lang="en-US" altLang="zh-CN" sz="1400" b="0" i="0" u="none" strike="noStrike" cap="none" normalizeH="0" baseline="0" dirty="0" smtClean="0">
-              <a:ln>
-                <a:noFill/>
-              </a:ln>
-              <a:solidFill>
-                <a:srgbClr val="000000"/>
-              </a:solidFill>
-              <a:effectLst/>
-              <a:latin typeface="Lucida Console" panose="020B0609040504020204" pitchFamily="49" charset="0"/>
-            </a:endParaRPr>
-          </a:p>
-          <a:p>
-            <a:pPr marL="0" marR="0" lvl="0" indent="0" algn="l" defTabSz="914400" rtl="0" eaLnBrk="0" fontAlgn="base" latinLnBrk="0" hangingPunct="0">
-              <a:lnSpc>
-                <a:spcPct val="100000"/>
-              </a:lnSpc>
-              <a:spcBef>
-                <a:spcPct val="0"/>
-              </a:spcBef>
-              <a:spcAft>
-                <a:spcPct val="0"/>
-              </a:spcAft>
-              <a:buClrTx/>
-              <a:buSzTx/>
-              <a:buFontTx/>
-              <a:buNone/>
-            </a:pPr>
-            <a:r>
-              <a:rPr kumimoji="0" lang="zh-CN" altLang="zh-CN" sz="1400" b="0" i="0" u="none" strike="noStrike" cap="none" normalizeH="0" baseline="0" dirty="0" smtClean="0">
-                <a:ln>
-                  <a:noFill/>
-                </a:ln>
-                <a:solidFill>
-                  <a:srgbClr val="000000"/>
-                </a:solidFill>
-                <a:effectLst/>
-                <a:latin typeface="Lucida Console" panose="020B0609040504020204" pitchFamily="49" charset="0"/>
-              </a:rPr>
-              <a:t>2 12 Edward M </a:t>
-            </a:r>
-            <a:r>
-              <a:rPr kumimoji="0" lang="en-US" altLang="zh-CN" sz="1400" b="0" i="0" u="none" strike="noStrike" cap="none" normalizeH="0" baseline="0" dirty="0" smtClean="0">
-                <a:ln>
-                  <a:noFill/>
-                </a:ln>
-                <a:solidFill>
-                  <a:srgbClr val="000000"/>
-                </a:solidFill>
-                <a:effectLst/>
-                <a:latin typeface="Lucida Console" panose="020B0609040504020204" pitchFamily="49" charset="0"/>
-              </a:rPr>
-              <a:t>     </a:t>
-            </a:r>
-            <a:r>
-              <a:rPr kumimoji="0" lang="zh-CN" altLang="zh-CN" sz="1400" b="0" i="0" u="none" strike="noStrike" cap="none" normalizeH="0" baseline="0" dirty="0" smtClean="0">
-                <a:ln>
-                  <a:noFill/>
-                </a:ln>
-                <a:solidFill>
-                  <a:srgbClr val="000000"/>
-                </a:solidFill>
-                <a:effectLst/>
-                <a:latin typeface="Lucida Console" panose="020B0609040504020204" pitchFamily="49" charset="0"/>
-              </a:rPr>
-              <a:t>1983-5-6 </a:t>
-            </a:r>
-            <a:endParaRPr kumimoji="0" lang="en-US" altLang="zh-CN" sz="1400" b="0" i="0" u="none" strike="noStrike" cap="none" normalizeH="0" baseline="0" dirty="0" smtClean="0">
-              <a:ln>
-                <a:noFill/>
-              </a:ln>
-              <a:solidFill>
-                <a:srgbClr val="000000"/>
-              </a:solidFill>
-              <a:effectLst/>
-              <a:latin typeface="Lucida Console" panose="020B0609040504020204" pitchFamily="49" charset="0"/>
-            </a:endParaRPr>
-          </a:p>
-          <a:p>
-            <a:pPr marL="0" marR="0" lvl="0" indent="0" algn="l" defTabSz="914400" rtl="0" eaLnBrk="0" fontAlgn="base" latinLnBrk="0" hangingPunct="0">
-              <a:lnSpc>
-                <a:spcPct val="100000"/>
-              </a:lnSpc>
-              <a:spcBef>
-                <a:spcPct val="0"/>
-              </a:spcBef>
-              <a:spcAft>
-                <a:spcPct val="0"/>
-              </a:spcAft>
-              <a:buClrTx/>
-              <a:buSzTx/>
-              <a:buFontTx/>
-              <a:buNone/>
-            </a:pPr>
-            <a:r>
-              <a:rPr kumimoji="0" lang="zh-CN" altLang="zh-CN" sz="1400" b="0" i="0" u="none" strike="noStrike" cap="none" normalizeH="0" baseline="0" dirty="0" smtClean="0">
-                <a:ln>
-                  <a:noFill/>
-                </a:ln>
-                <a:solidFill>
-                  <a:srgbClr val="000000"/>
-                </a:solidFill>
-                <a:effectLst/>
-                <a:latin typeface="Lucida Console" panose="020B0609040504020204" pitchFamily="49" charset="0"/>
-              </a:rPr>
-              <a:t>3 13 Wenli </a:t>
-            </a:r>
-            <a:r>
-              <a:rPr kumimoji="0" lang="en-US" altLang="zh-CN" sz="1400" b="0" i="0" u="none" strike="noStrike" cap="none" normalizeH="0" baseline="0" dirty="0" smtClean="0">
-                <a:ln>
-                  <a:noFill/>
-                </a:ln>
-                <a:solidFill>
-                  <a:srgbClr val="000000"/>
-                </a:solidFill>
-                <a:effectLst/>
-                <a:latin typeface="Lucida Console" panose="020B0609040504020204" pitchFamily="49" charset="0"/>
-              </a:rPr>
-              <a:t> </a:t>
-            </a:r>
-            <a:r>
-              <a:rPr kumimoji="0" lang="zh-CN" altLang="zh-CN" sz="1400" b="0" i="0" u="none" strike="noStrike" cap="none" normalizeH="0" baseline="0" dirty="0" smtClean="0">
-                <a:ln>
-                  <a:noFill/>
-                </a:ln>
-                <a:solidFill>
-                  <a:srgbClr val="000000"/>
-                </a:solidFill>
-                <a:effectLst/>
-                <a:latin typeface="Lucida Console" panose="020B0609040504020204" pitchFamily="49" charset="0"/>
-              </a:rPr>
-              <a:t>F </a:t>
-            </a:r>
-            <a:r>
-              <a:rPr kumimoji="0" lang="en-US" altLang="zh-CN" sz="1400" b="0" i="0" u="none" strike="noStrike" cap="none" normalizeH="0" baseline="0" dirty="0" smtClean="0">
-                <a:ln>
-                  <a:noFill/>
-                </a:ln>
-                <a:solidFill>
-                  <a:srgbClr val="000000"/>
-                </a:solidFill>
-                <a:effectLst/>
-                <a:latin typeface="Lucida Console" panose="020B0609040504020204" pitchFamily="49" charset="0"/>
-              </a:rPr>
-              <a:t>     </a:t>
-            </a:r>
-            <a:r>
-              <a:rPr kumimoji="0" lang="zh-CN" altLang="zh-CN" sz="1400" b="0" i="0" u="none" strike="noStrike" cap="none" normalizeH="0" baseline="0" dirty="0" smtClean="0">
-                <a:ln>
-                  <a:noFill/>
-                </a:ln>
-                <a:solidFill>
-                  <a:srgbClr val="000000"/>
-                </a:solidFill>
-                <a:effectLst/>
-                <a:latin typeface="Lucida Console" panose="020B0609040504020204" pitchFamily="49" charset="0"/>
-              </a:rPr>
-              <a:t>1986-8-8</a:t>
+              <a:t>&gt; newdata2&lt;-LifeCycleSavings[,c(2,4)]</a:t>
             </a:r>
             <a:endParaRPr kumimoji="0" lang="zh-CN" altLang="zh-CN" sz="3200" b="0" i="0" u="none" strike="noStrike" cap="none" normalizeH="0" baseline="0" dirty="0" smtClean="0">
               <a:ln>
@@ -5094,63 +4579,9 @@
           </a:p>
         </p:txBody>
       </p:sp>
-      <p:pic>
-        <p:nvPicPr>
-          <p:cNvPr id="7" name="图片 6"/>
-          <p:cNvPicPr>
-            <a:picLocks noChangeAspect="1"/>
-          </p:cNvPicPr>
-          <p:nvPr/>
-        </p:nvPicPr>
-        <p:blipFill>
-          <a:blip r:embed="rId2">
-            <a:extLst>
-              <a:ext uri="{28A0092B-C50C-407E-A947-70E740481C1C}">
-                <a14:useLocalDpi xmlns:a14="http://schemas.microsoft.com/office/drawing/2010/main" val="0"/>
-              </a:ext>
-            </a:extLst>
-          </a:blip>
-          <a:stretch>
-            <a:fillRect/>
-          </a:stretch>
-        </p:blipFill>
-        <p:spPr>
-          <a:xfrm>
-            <a:off x="9619340" y="451943"/>
-            <a:ext cx="2360787" cy="1893876"/>
-          </a:xfrm>
-          <a:prstGeom prst="ellipse">
-            <a:avLst/>
-          </a:prstGeom>
-          <a:ln w="63500" cap="rnd">
-            <a:solidFill>
-              <a:srgbClr val="333333"/>
-            </a:solidFill>
-          </a:ln>
-          <a:effectLst>
-            <a:outerShdw blurRad="381000" dist="292100" dir="5400000" sx="-80000" sy="-18000" rotWithShape="0">
-              <a:srgbClr val="000000">
-                <a:alpha val="22000"/>
-              </a:srgbClr>
-            </a:outerShdw>
-          </a:effectLst>
-          <a:scene3d>
-            <a:camera prst="orthographicFront"/>
-            <a:lightRig rig="contrasting" dir="t">
-              <a:rot lat="0" lon="0" rev="3000000"/>
-            </a:lightRig>
-          </a:scene3d>
-          <a:sp3d contourW="7620">
-            <a:bevelT w="95250" h="31750"/>
-            <a:contourClr>
-              <a:srgbClr val="333333"/>
-            </a:contourClr>
-          </a:sp3d>
-        </p:spPr>
-      </p:pic>
       <p:sp>
         <p:nvSpPr>
-          <p:cNvPr id="8" name="Rectangle 2"/>
+          <p:cNvPr id="6" name="Rectangle 2"/>
           <p:cNvSpPr>
             <a:spLocks noChangeArrowheads="1"/>
           </p:cNvSpPr>
@@ -5158,8 +4589,8 @@
         </p:nvSpPr>
         <p:spPr bwMode="auto">
           <a:xfrm>
-            <a:off x="1253395" y="4161317"/>
-            <a:ext cx="2792431" cy="215444"/>
+            <a:off x="1182029" y="3258599"/>
+            <a:ext cx="8162491" cy="215444"/>
           </a:xfrm>
           <a:prstGeom prst="rect">
             <a:avLst/>
@@ -5215,17 +4646,690 @@
               <a:buNone/>
             </a:pPr>
             <a:r>
+              <a:rPr kumimoji="0" lang="zh-CN" altLang="zh-CN" sz="1400" b="0" i="0" u="none" strike="noStrike" cap="none" normalizeH="0" baseline="0" smtClean="0">
+                <a:ln>
+                  <a:noFill/>
+                </a:ln>
+                <a:solidFill>
+                  <a:srgbClr val="0000FF"/>
+                </a:solidFill>
+                <a:effectLst/>
+                <a:latin typeface="Lucida Console" panose="020B0609040504020204" pitchFamily="49" charset="0"/>
+              </a:rPr>
+              <a:t>&gt; newdata3&lt;-subset(LifeCycleSavings,dpi&gt;2000&amp;dpi&lt;3000,select = c(pop15,dpi))</a:t>
+            </a:r>
+            <a:endParaRPr kumimoji="0" lang="zh-CN" altLang="zh-CN" sz="3200" b="0" i="0" u="none" strike="noStrike" cap="none" normalizeH="0" baseline="0" smtClean="0">
+              <a:ln>
+                <a:noFill/>
+              </a:ln>
+              <a:solidFill>
+                <a:schemeClr val="tx1"/>
+              </a:solidFill>
+              <a:effectLst/>
+              <a:latin typeface="Arial" panose="020B0604020202020204" pitchFamily="34" charset="0"/>
+            </a:endParaRPr>
+          </a:p>
+        </p:txBody>
+      </p:sp>
+      <p:sp>
+        <p:nvSpPr>
+          <p:cNvPr id="7" name="Rectangle 3"/>
+          <p:cNvSpPr>
+            <a:spLocks noChangeArrowheads="1"/>
+          </p:cNvSpPr>
+          <p:nvPr/>
+        </p:nvSpPr>
+        <p:spPr bwMode="auto">
+          <a:xfrm>
+            <a:off x="9112551" y="3714658"/>
+            <a:ext cx="2792431" cy="2154436"/>
+          </a:xfrm>
+          <a:prstGeom prst="rect">
+            <a:avLst/>
+          </a:prstGeom>
+          <a:solidFill>
+            <a:srgbClr val="FFFFFF"/>
+          </a:solidFill>
+          <a:ln>
+            <a:noFill/>
+          </a:ln>
+          <a:effectLst/>
+          <a:extLst>
+            <a:ext uri="{91240B29-F687-4F45-9708-019B960494DF}">
+              <a14:hiddenLine xmlns:a14="http://schemas.microsoft.com/office/drawing/2010/main" w="9525">
+                <a:solidFill>
+                  <a:schemeClr val="tx1"/>
+                </a:solidFill>
+                <a:miter lim="800000"/>
+                <a:headEnd/>
+                <a:tailEnd/>
+              </a14:hiddenLine>
+            </a:ext>
+            <a:ext uri="{AF507438-7753-43E0-B8FC-AC1667EBCBE1}">
+              <a14:hiddenEffects xmlns:a14="http://schemas.microsoft.com/office/drawing/2010/main">
+                <a:effectLst>
+                  <a:outerShdw dist="35921" dir="2700000" algn="ctr" rotWithShape="0">
+                    <a:schemeClr val="bg2"/>
+                  </a:outerShdw>
+                </a:effectLst>
+              </a14:hiddenEffects>
+            </a:ext>
+          </a:extLst>
+        </p:spPr>
+        <p:txBody>
+          <a:bodyPr vert="horz" wrap="none" lIns="0" tIns="0" rIns="0" bIns="0" numCol="1" anchor="ctr" anchorCtr="0" compatLnSpc="1">
+            <a:spAutoFit/>
+          </a:bodyPr>
+          <a:lstStyle/>
+          <a:p>
+            <a:pPr marL="0" marR="0" lvl="0" indent="0" algn="l" defTabSz="914400" rtl="0" eaLnBrk="0" fontAlgn="base" latinLnBrk="0" hangingPunct="0">
+              <a:lnSpc>
+                <a:spcPct val="100000"/>
+              </a:lnSpc>
+              <a:spcBef>
+                <a:spcPct val="0"/>
+              </a:spcBef>
+              <a:spcAft>
+                <a:spcPct val="0"/>
+              </a:spcAft>
+              <a:buClrTx/>
+              <a:buSzTx/>
+              <a:buFontTx/>
+              <a:buNone/>
+            </a:pPr>
+            <a:r>
+              <a:rPr kumimoji="0" lang="en-US" altLang="zh-CN" sz="1400" b="0" i="0" u="none" strike="noStrike" cap="none" normalizeH="0" baseline="0" dirty="0" smtClean="0">
+                <a:ln>
+                  <a:noFill/>
+                </a:ln>
+                <a:solidFill>
+                  <a:srgbClr val="000000"/>
+                </a:solidFill>
+                <a:effectLst/>
+                <a:latin typeface="Lucida Console" panose="020B0609040504020204" pitchFamily="49" charset="0"/>
+              </a:rPr>
+              <a:t>            </a:t>
+            </a:r>
+            <a:r>
               <a:rPr kumimoji="0" lang="zh-CN" altLang="zh-CN" sz="1400" b="0" i="0" u="none" strike="noStrike" cap="none" normalizeH="0" baseline="0" dirty="0" smtClean="0">
                 <a:ln>
                   <a:noFill/>
                 </a:ln>
                 <a:solidFill>
-                  <a:srgbClr val="0000FF"/>
+                  <a:srgbClr val="000000"/>
                 </a:solidFill>
                 <a:effectLst/>
                 <a:latin typeface="Lucida Console" panose="020B0609040504020204" pitchFamily="49" charset="0"/>
               </a:rPr>
-              <a:t>&gt; row.names(student)&lt;-NULL</a:t>
+              <a:t>pop15 dpi </a:t>
+            </a:r>
+            <a:endParaRPr kumimoji="0" lang="en-US" altLang="zh-CN" sz="1400" b="0" i="0" u="none" strike="noStrike" cap="none" normalizeH="0" baseline="0" dirty="0" smtClean="0">
+              <a:ln>
+                <a:noFill/>
+              </a:ln>
+              <a:solidFill>
+                <a:srgbClr val="000000"/>
+              </a:solidFill>
+              <a:effectLst/>
+              <a:latin typeface="Lucida Console" panose="020B0609040504020204" pitchFamily="49" charset="0"/>
+            </a:endParaRPr>
+          </a:p>
+          <a:p>
+            <a:pPr marL="0" marR="0" lvl="0" indent="0" algn="l" defTabSz="914400" rtl="0" eaLnBrk="0" fontAlgn="base" latinLnBrk="0" hangingPunct="0">
+              <a:lnSpc>
+                <a:spcPct val="100000"/>
+              </a:lnSpc>
+              <a:spcBef>
+                <a:spcPct val="0"/>
+              </a:spcBef>
+              <a:spcAft>
+                <a:spcPct val="0"/>
+              </a:spcAft>
+              <a:buClrTx/>
+              <a:buSzTx/>
+              <a:buFontTx/>
+              <a:buNone/>
+            </a:pPr>
+            <a:r>
+              <a:rPr kumimoji="0" lang="zh-CN" altLang="zh-CN" sz="1400" b="0" i="0" u="none" strike="noStrike" cap="none" normalizeH="0" baseline="0" dirty="0" smtClean="0">
+                <a:ln>
+                  <a:noFill/>
+                </a:ln>
+                <a:solidFill>
+                  <a:srgbClr val="000000"/>
+                </a:solidFill>
+                <a:effectLst/>
+                <a:latin typeface="Lucida Console" panose="020B0609040504020204" pitchFamily="49" charset="0"/>
+              </a:rPr>
+              <a:t>Australia </a:t>
+            </a:r>
+            <a:r>
+              <a:rPr kumimoji="0" lang="en-US" altLang="zh-CN" sz="1400" b="0" i="0" u="none" strike="noStrike" cap="none" normalizeH="0" baseline="0" dirty="0" smtClean="0">
+                <a:ln>
+                  <a:noFill/>
+                </a:ln>
+                <a:solidFill>
+                  <a:srgbClr val="000000"/>
+                </a:solidFill>
+                <a:effectLst/>
+                <a:latin typeface="Lucida Console" panose="020B0609040504020204" pitchFamily="49" charset="0"/>
+              </a:rPr>
+              <a:t>  </a:t>
+            </a:r>
+            <a:r>
+              <a:rPr kumimoji="0" lang="zh-CN" altLang="zh-CN" sz="1400" b="0" i="0" u="none" strike="noStrike" cap="none" normalizeH="0" baseline="0" dirty="0" smtClean="0">
+                <a:ln>
+                  <a:noFill/>
+                </a:ln>
+                <a:solidFill>
+                  <a:srgbClr val="000000"/>
+                </a:solidFill>
+                <a:effectLst/>
+                <a:latin typeface="Lucida Console" panose="020B0609040504020204" pitchFamily="49" charset="0"/>
+              </a:rPr>
+              <a:t>29.35 2329.68 </a:t>
+            </a:r>
+            <a:endParaRPr kumimoji="0" lang="en-US" altLang="zh-CN" sz="1400" b="0" i="0" u="none" strike="noStrike" cap="none" normalizeH="0" baseline="0" dirty="0" smtClean="0">
+              <a:ln>
+                <a:noFill/>
+              </a:ln>
+              <a:solidFill>
+                <a:srgbClr val="000000"/>
+              </a:solidFill>
+              <a:effectLst/>
+              <a:latin typeface="Lucida Console" panose="020B0609040504020204" pitchFamily="49" charset="0"/>
+            </a:endParaRPr>
+          </a:p>
+          <a:p>
+            <a:pPr marL="0" marR="0" lvl="0" indent="0" algn="l" defTabSz="914400" rtl="0" eaLnBrk="0" fontAlgn="base" latinLnBrk="0" hangingPunct="0">
+              <a:lnSpc>
+                <a:spcPct val="100000"/>
+              </a:lnSpc>
+              <a:spcBef>
+                <a:spcPct val="0"/>
+              </a:spcBef>
+              <a:spcAft>
+                <a:spcPct val="0"/>
+              </a:spcAft>
+              <a:buClrTx/>
+              <a:buSzTx/>
+              <a:buFontTx/>
+              <a:buNone/>
+            </a:pPr>
+            <a:r>
+              <a:rPr kumimoji="0" lang="zh-CN" altLang="zh-CN" sz="1400" b="0" i="0" u="none" strike="noStrike" cap="none" normalizeH="0" baseline="0" dirty="0" smtClean="0">
+                <a:ln>
+                  <a:noFill/>
+                </a:ln>
+                <a:solidFill>
+                  <a:srgbClr val="000000"/>
+                </a:solidFill>
+                <a:effectLst/>
+                <a:latin typeface="Lucida Console" panose="020B0609040504020204" pitchFamily="49" charset="0"/>
+              </a:rPr>
+              <a:t>Belgium </a:t>
+            </a:r>
+            <a:r>
+              <a:rPr kumimoji="0" lang="en-US" altLang="zh-CN" sz="1400" b="0" i="0" u="none" strike="noStrike" cap="none" normalizeH="0" baseline="0" dirty="0" smtClean="0">
+                <a:ln>
+                  <a:noFill/>
+                </a:ln>
+                <a:solidFill>
+                  <a:srgbClr val="000000"/>
+                </a:solidFill>
+                <a:effectLst/>
+                <a:latin typeface="Lucida Console" panose="020B0609040504020204" pitchFamily="49" charset="0"/>
+              </a:rPr>
+              <a:t>    </a:t>
+            </a:r>
+            <a:r>
+              <a:rPr kumimoji="0" lang="zh-CN" altLang="zh-CN" sz="1400" b="0" i="0" u="none" strike="noStrike" cap="none" normalizeH="0" baseline="0" dirty="0" smtClean="0">
+                <a:ln>
+                  <a:noFill/>
+                </a:ln>
+                <a:solidFill>
+                  <a:srgbClr val="000000"/>
+                </a:solidFill>
+                <a:effectLst/>
+                <a:latin typeface="Lucida Console" panose="020B0609040504020204" pitchFamily="49" charset="0"/>
+              </a:rPr>
+              <a:t>23.80 2108.47 </a:t>
+            </a:r>
+            <a:endParaRPr kumimoji="0" lang="en-US" altLang="zh-CN" sz="1400" b="0" i="0" u="none" strike="noStrike" cap="none" normalizeH="0" baseline="0" dirty="0" smtClean="0">
+              <a:ln>
+                <a:noFill/>
+              </a:ln>
+              <a:solidFill>
+                <a:srgbClr val="000000"/>
+              </a:solidFill>
+              <a:effectLst/>
+              <a:latin typeface="Lucida Console" panose="020B0609040504020204" pitchFamily="49" charset="0"/>
+            </a:endParaRPr>
+          </a:p>
+          <a:p>
+            <a:pPr marL="0" marR="0" lvl="0" indent="0" algn="l" defTabSz="914400" rtl="0" eaLnBrk="0" fontAlgn="base" latinLnBrk="0" hangingPunct="0">
+              <a:lnSpc>
+                <a:spcPct val="100000"/>
+              </a:lnSpc>
+              <a:spcBef>
+                <a:spcPct val="0"/>
+              </a:spcBef>
+              <a:spcAft>
+                <a:spcPct val="0"/>
+              </a:spcAft>
+              <a:buClrTx/>
+              <a:buSzTx/>
+              <a:buFontTx/>
+              <a:buNone/>
+            </a:pPr>
+            <a:r>
+              <a:rPr kumimoji="0" lang="zh-CN" altLang="zh-CN" sz="1400" b="0" i="0" u="none" strike="noStrike" cap="none" normalizeH="0" baseline="0" dirty="0" smtClean="0">
+                <a:ln>
+                  <a:noFill/>
+                </a:ln>
+                <a:solidFill>
+                  <a:srgbClr val="000000"/>
+                </a:solidFill>
+                <a:effectLst/>
+                <a:latin typeface="Lucida Console" panose="020B0609040504020204" pitchFamily="49" charset="0"/>
+              </a:rPr>
+              <a:t>Canada </a:t>
+            </a:r>
+            <a:r>
+              <a:rPr kumimoji="0" lang="en-US" altLang="zh-CN" sz="1400" b="0" i="0" u="none" strike="noStrike" cap="none" normalizeH="0" baseline="0" dirty="0" smtClean="0">
+                <a:ln>
+                  <a:noFill/>
+                </a:ln>
+                <a:solidFill>
+                  <a:srgbClr val="000000"/>
+                </a:solidFill>
+                <a:effectLst/>
+                <a:latin typeface="Lucida Console" panose="020B0609040504020204" pitchFamily="49" charset="0"/>
+              </a:rPr>
+              <a:t>     </a:t>
+            </a:r>
+            <a:r>
+              <a:rPr kumimoji="0" lang="zh-CN" altLang="zh-CN" sz="1400" b="0" i="0" u="none" strike="noStrike" cap="none" normalizeH="0" baseline="0" dirty="0" smtClean="0">
+                <a:ln>
+                  <a:noFill/>
+                </a:ln>
+                <a:solidFill>
+                  <a:srgbClr val="000000"/>
+                </a:solidFill>
+                <a:effectLst/>
+                <a:latin typeface="Lucida Console" panose="020B0609040504020204" pitchFamily="49" charset="0"/>
+              </a:rPr>
+              <a:t>31.72 2982.88 </a:t>
+            </a:r>
+            <a:endParaRPr kumimoji="0" lang="en-US" altLang="zh-CN" sz="1400" b="0" i="0" u="none" strike="noStrike" cap="none" normalizeH="0" baseline="0" dirty="0" smtClean="0">
+              <a:ln>
+                <a:noFill/>
+              </a:ln>
+              <a:solidFill>
+                <a:srgbClr val="000000"/>
+              </a:solidFill>
+              <a:effectLst/>
+              <a:latin typeface="Lucida Console" panose="020B0609040504020204" pitchFamily="49" charset="0"/>
+            </a:endParaRPr>
+          </a:p>
+          <a:p>
+            <a:pPr marL="0" marR="0" lvl="0" indent="0" algn="l" defTabSz="914400" rtl="0" eaLnBrk="0" fontAlgn="base" latinLnBrk="0" hangingPunct="0">
+              <a:lnSpc>
+                <a:spcPct val="100000"/>
+              </a:lnSpc>
+              <a:spcBef>
+                <a:spcPct val="0"/>
+              </a:spcBef>
+              <a:spcAft>
+                <a:spcPct val="0"/>
+              </a:spcAft>
+              <a:buClrTx/>
+              <a:buSzTx/>
+              <a:buFontTx/>
+              <a:buNone/>
+            </a:pPr>
+            <a:r>
+              <a:rPr kumimoji="0" lang="zh-CN" altLang="zh-CN" sz="1400" b="0" i="0" u="none" strike="noStrike" cap="none" normalizeH="0" baseline="0" dirty="0" smtClean="0">
+                <a:ln>
+                  <a:noFill/>
+                </a:ln>
+                <a:solidFill>
+                  <a:srgbClr val="000000"/>
+                </a:solidFill>
+                <a:effectLst/>
+                <a:latin typeface="Lucida Console" panose="020B0609040504020204" pitchFamily="49" charset="0"/>
+              </a:rPr>
+              <a:t>Denmark </a:t>
+            </a:r>
+            <a:r>
+              <a:rPr kumimoji="0" lang="en-US" altLang="zh-CN" sz="1400" b="0" i="0" u="none" strike="noStrike" cap="none" normalizeH="0" baseline="0" dirty="0" smtClean="0">
+                <a:ln>
+                  <a:noFill/>
+                </a:ln>
+                <a:solidFill>
+                  <a:srgbClr val="000000"/>
+                </a:solidFill>
+                <a:effectLst/>
+                <a:latin typeface="Lucida Console" panose="020B0609040504020204" pitchFamily="49" charset="0"/>
+              </a:rPr>
+              <a:t>    </a:t>
+            </a:r>
+            <a:r>
+              <a:rPr kumimoji="0" lang="zh-CN" altLang="zh-CN" sz="1400" b="0" i="0" u="none" strike="noStrike" cap="none" normalizeH="0" baseline="0" dirty="0" smtClean="0">
+                <a:ln>
+                  <a:noFill/>
+                </a:ln>
+                <a:solidFill>
+                  <a:srgbClr val="000000"/>
+                </a:solidFill>
+                <a:effectLst/>
+                <a:latin typeface="Lucida Console" panose="020B0609040504020204" pitchFamily="49" charset="0"/>
+              </a:rPr>
+              <a:t>24.42 2496.53 </a:t>
+            </a:r>
+            <a:endParaRPr kumimoji="0" lang="en-US" altLang="zh-CN" sz="1400" b="0" i="0" u="none" strike="noStrike" cap="none" normalizeH="0" baseline="0" dirty="0" smtClean="0">
+              <a:ln>
+                <a:noFill/>
+              </a:ln>
+              <a:solidFill>
+                <a:srgbClr val="000000"/>
+              </a:solidFill>
+              <a:effectLst/>
+              <a:latin typeface="Lucida Console" panose="020B0609040504020204" pitchFamily="49" charset="0"/>
+            </a:endParaRPr>
+          </a:p>
+          <a:p>
+            <a:pPr marL="0" marR="0" lvl="0" indent="0" algn="l" defTabSz="914400" rtl="0" eaLnBrk="0" fontAlgn="base" latinLnBrk="0" hangingPunct="0">
+              <a:lnSpc>
+                <a:spcPct val="100000"/>
+              </a:lnSpc>
+              <a:spcBef>
+                <a:spcPct val="0"/>
+              </a:spcBef>
+              <a:spcAft>
+                <a:spcPct val="0"/>
+              </a:spcAft>
+              <a:buClrTx/>
+              <a:buSzTx/>
+              <a:buFontTx/>
+              <a:buNone/>
+            </a:pPr>
+            <a:r>
+              <a:rPr kumimoji="0" lang="zh-CN" altLang="zh-CN" sz="1400" b="0" i="0" u="none" strike="noStrike" cap="none" normalizeH="0" baseline="0" dirty="0" smtClean="0">
+                <a:ln>
+                  <a:noFill/>
+                </a:ln>
+                <a:solidFill>
+                  <a:srgbClr val="000000"/>
+                </a:solidFill>
+                <a:effectLst/>
+                <a:latin typeface="Lucida Console" panose="020B0609040504020204" pitchFamily="49" charset="0"/>
+              </a:rPr>
+              <a:t>France </a:t>
+            </a:r>
+            <a:r>
+              <a:rPr kumimoji="0" lang="en-US" altLang="zh-CN" sz="1400" b="0" i="0" u="none" strike="noStrike" cap="none" normalizeH="0" baseline="0" dirty="0" smtClean="0">
+                <a:ln>
+                  <a:noFill/>
+                </a:ln>
+                <a:solidFill>
+                  <a:srgbClr val="000000"/>
+                </a:solidFill>
+                <a:effectLst/>
+                <a:latin typeface="Lucida Console" panose="020B0609040504020204" pitchFamily="49" charset="0"/>
+              </a:rPr>
+              <a:t>     </a:t>
+            </a:r>
+            <a:r>
+              <a:rPr kumimoji="0" lang="zh-CN" altLang="zh-CN" sz="1400" b="0" i="0" u="none" strike="noStrike" cap="none" normalizeH="0" baseline="0" dirty="0" smtClean="0">
+                <a:ln>
+                  <a:noFill/>
+                </a:ln>
+                <a:solidFill>
+                  <a:srgbClr val="000000"/>
+                </a:solidFill>
+                <a:effectLst/>
+                <a:latin typeface="Lucida Console" panose="020B0609040504020204" pitchFamily="49" charset="0"/>
+              </a:rPr>
+              <a:t>25.06 2213.82 </a:t>
+            </a:r>
+            <a:endParaRPr kumimoji="0" lang="en-US" altLang="zh-CN" sz="1400" b="0" i="0" u="none" strike="noStrike" cap="none" normalizeH="0" baseline="0" dirty="0" smtClean="0">
+              <a:ln>
+                <a:noFill/>
+              </a:ln>
+              <a:solidFill>
+                <a:srgbClr val="000000"/>
+              </a:solidFill>
+              <a:effectLst/>
+              <a:latin typeface="Lucida Console" panose="020B0609040504020204" pitchFamily="49" charset="0"/>
+            </a:endParaRPr>
+          </a:p>
+          <a:p>
+            <a:pPr marL="0" marR="0" lvl="0" indent="0" algn="l" defTabSz="914400" rtl="0" eaLnBrk="0" fontAlgn="base" latinLnBrk="0" hangingPunct="0">
+              <a:lnSpc>
+                <a:spcPct val="100000"/>
+              </a:lnSpc>
+              <a:spcBef>
+                <a:spcPct val="0"/>
+              </a:spcBef>
+              <a:spcAft>
+                <a:spcPct val="0"/>
+              </a:spcAft>
+              <a:buClrTx/>
+              <a:buSzTx/>
+              <a:buFontTx/>
+              <a:buNone/>
+            </a:pPr>
+            <a:r>
+              <a:rPr kumimoji="0" lang="zh-CN" altLang="zh-CN" sz="1400" b="0" i="0" u="none" strike="noStrike" cap="none" normalizeH="0" baseline="0" dirty="0" smtClean="0">
+                <a:ln>
+                  <a:noFill/>
+                </a:ln>
+                <a:solidFill>
+                  <a:srgbClr val="000000"/>
+                </a:solidFill>
+                <a:effectLst/>
+                <a:latin typeface="Lucida Console" panose="020B0609040504020204" pitchFamily="49" charset="0"/>
+              </a:rPr>
+              <a:t>Germany </a:t>
+            </a:r>
+            <a:r>
+              <a:rPr kumimoji="0" lang="en-US" altLang="zh-CN" sz="1400" b="0" i="0" u="none" strike="noStrike" cap="none" normalizeH="0" baseline="0" dirty="0" smtClean="0">
+                <a:ln>
+                  <a:noFill/>
+                </a:ln>
+                <a:solidFill>
+                  <a:srgbClr val="000000"/>
+                </a:solidFill>
+                <a:effectLst/>
+                <a:latin typeface="Lucida Console" panose="020B0609040504020204" pitchFamily="49" charset="0"/>
+              </a:rPr>
+              <a:t>    </a:t>
+            </a:r>
+            <a:r>
+              <a:rPr kumimoji="0" lang="zh-CN" altLang="zh-CN" sz="1400" b="0" i="0" u="none" strike="noStrike" cap="none" normalizeH="0" baseline="0" dirty="0" smtClean="0">
+                <a:ln>
+                  <a:noFill/>
+                </a:ln>
+                <a:solidFill>
+                  <a:srgbClr val="000000"/>
+                </a:solidFill>
+                <a:effectLst/>
+                <a:latin typeface="Lucida Console" panose="020B0609040504020204" pitchFamily="49" charset="0"/>
+              </a:rPr>
+              <a:t>23.31 2457.12 </a:t>
+            </a:r>
+            <a:endParaRPr kumimoji="0" lang="en-US" altLang="zh-CN" sz="1400" b="0" i="0" u="none" strike="noStrike" cap="none" normalizeH="0" baseline="0" dirty="0" smtClean="0">
+              <a:ln>
+                <a:noFill/>
+              </a:ln>
+              <a:solidFill>
+                <a:srgbClr val="000000"/>
+              </a:solidFill>
+              <a:effectLst/>
+              <a:latin typeface="Lucida Console" panose="020B0609040504020204" pitchFamily="49" charset="0"/>
+            </a:endParaRPr>
+          </a:p>
+          <a:p>
+            <a:pPr marL="0" marR="0" lvl="0" indent="0" algn="l" defTabSz="914400" rtl="0" eaLnBrk="0" fontAlgn="base" latinLnBrk="0" hangingPunct="0">
+              <a:lnSpc>
+                <a:spcPct val="100000"/>
+              </a:lnSpc>
+              <a:spcBef>
+                <a:spcPct val="0"/>
+              </a:spcBef>
+              <a:spcAft>
+                <a:spcPct val="0"/>
+              </a:spcAft>
+              <a:buClrTx/>
+              <a:buSzTx/>
+              <a:buFontTx/>
+              <a:buNone/>
+            </a:pPr>
+            <a:r>
+              <a:rPr kumimoji="0" lang="zh-CN" altLang="zh-CN" sz="1400" b="0" i="0" u="none" strike="noStrike" cap="none" normalizeH="0" baseline="0" dirty="0" smtClean="0">
+                <a:ln>
+                  <a:noFill/>
+                </a:ln>
+                <a:solidFill>
+                  <a:srgbClr val="000000"/>
+                </a:solidFill>
+                <a:effectLst/>
+                <a:latin typeface="Lucida Console" panose="020B0609040504020204" pitchFamily="49" charset="0"/>
+              </a:rPr>
+              <a:t>Luxembourg </a:t>
+            </a:r>
+            <a:r>
+              <a:rPr kumimoji="0" lang="en-US" altLang="zh-CN" sz="1400" b="0" i="0" u="none" strike="noStrike" cap="none" normalizeH="0" baseline="0" dirty="0" smtClean="0">
+                <a:ln>
+                  <a:noFill/>
+                </a:ln>
+                <a:solidFill>
+                  <a:srgbClr val="000000"/>
+                </a:solidFill>
+                <a:effectLst/>
+                <a:latin typeface="Lucida Console" panose="020B0609040504020204" pitchFamily="49" charset="0"/>
+              </a:rPr>
+              <a:t> </a:t>
+            </a:r>
+            <a:r>
+              <a:rPr kumimoji="0" lang="zh-CN" altLang="zh-CN" sz="1400" b="0" i="0" u="none" strike="noStrike" cap="none" normalizeH="0" baseline="0" dirty="0" smtClean="0">
+                <a:ln>
+                  <a:noFill/>
+                </a:ln>
+                <a:solidFill>
+                  <a:srgbClr val="000000"/>
+                </a:solidFill>
+                <a:effectLst/>
+                <a:latin typeface="Lucida Console" panose="020B0609040504020204" pitchFamily="49" charset="0"/>
+              </a:rPr>
+              <a:t>21.80 2449.39 </a:t>
+            </a:r>
+            <a:endParaRPr kumimoji="0" lang="en-US" altLang="zh-CN" sz="1400" b="0" i="0" u="none" strike="noStrike" cap="none" normalizeH="0" baseline="0" dirty="0" smtClean="0">
+              <a:ln>
+                <a:noFill/>
+              </a:ln>
+              <a:solidFill>
+                <a:srgbClr val="000000"/>
+              </a:solidFill>
+              <a:effectLst/>
+              <a:latin typeface="Lucida Console" panose="020B0609040504020204" pitchFamily="49" charset="0"/>
+            </a:endParaRPr>
+          </a:p>
+          <a:p>
+            <a:pPr marL="0" marR="0" lvl="0" indent="0" algn="l" defTabSz="914400" rtl="0" eaLnBrk="0" fontAlgn="base" latinLnBrk="0" hangingPunct="0">
+              <a:lnSpc>
+                <a:spcPct val="100000"/>
+              </a:lnSpc>
+              <a:spcBef>
+                <a:spcPct val="0"/>
+              </a:spcBef>
+              <a:spcAft>
+                <a:spcPct val="0"/>
+              </a:spcAft>
+              <a:buClrTx/>
+              <a:buSzTx/>
+              <a:buFontTx/>
+              <a:buNone/>
+            </a:pPr>
+            <a:r>
+              <a:rPr kumimoji="0" lang="zh-CN" altLang="zh-CN" sz="1400" b="0" i="0" u="none" strike="noStrike" cap="none" normalizeH="0" baseline="0" dirty="0" smtClean="0">
+                <a:ln>
+                  <a:noFill/>
+                </a:ln>
+                <a:solidFill>
+                  <a:srgbClr val="000000"/>
+                </a:solidFill>
+                <a:effectLst/>
+                <a:latin typeface="Lucida Console" panose="020B0609040504020204" pitchFamily="49" charset="0"/>
+              </a:rPr>
+              <a:t>Norway </a:t>
+            </a:r>
+            <a:r>
+              <a:rPr kumimoji="0" lang="en-US" altLang="zh-CN" sz="1400" b="0" i="0" u="none" strike="noStrike" cap="none" normalizeH="0" baseline="0" dirty="0" smtClean="0">
+                <a:ln>
+                  <a:noFill/>
+                </a:ln>
+                <a:solidFill>
+                  <a:srgbClr val="000000"/>
+                </a:solidFill>
+                <a:effectLst/>
+                <a:latin typeface="Lucida Console" panose="020B0609040504020204" pitchFamily="49" charset="0"/>
+              </a:rPr>
+              <a:t>     </a:t>
+            </a:r>
+            <a:r>
+              <a:rPr kumimoji="0" lang="zh-CN" altLang="zh-CN" sz="1400" b="0" i="0" u="none" strike="noStrike" cap="none" normalizeH="0" baseline="0" dirty="0" smtClean="0">
+                <a:ln>
+                  <a:noFill/>
+                </a:ln>
+                <a:solidFill>
+                  <a:srgbClr val="000000"/>
+                </a:solidFill>
+                <a:effectLst/>
+                <a:latin typeface="Lucida Console" panose="020B0609040504020204" pitchFamily="49" charset="0"/>
+              </a:rPr>
+              <a:t>25.95 2231.03 </a:t>
+            </a:r>
+            <a:endParaRPr kumimoji="0" lang="en-US" altLang="zh-CN" sz="1400" b="0" i="0" u="none" strike="noStrike" cap="none" normalizeH="0" baseline="0" dirty="0" smtClean="0">
+              <a:ln>
+                <a:noFill/>
+              </a:ln>
+              <a:solidFill>
+                <a:srgbClr val="000000"/>
+              </a:solidFill>
+              <a:effectLst/>
+              <a:latin typeface="Lucida Console" panose="020B0609040504020204" pitchFamily="49" charset="0"/>
+            </a:endParaRPr>
+          </a:p>
+          <a:p>
+            <a:pPr marL="0" marR="0" lvl="0" indent="0" algn="l" defTabSz="914400" rtl="0" eaLnBrk="0" fontAlgn="base" latinLnBrk="0" hangingPunct="0">
+              <a:lnSpc>
+                <a:spcPct val="100000"/>
+              </a:lnSpc>
+              <a:spcBef>
+                <a:spcPct val="0"/>
+              </a:spcBef>
+              <a:spcAft>
+                <a:spcPct val="0"/>
+              </a:spcAft>
+              <a:buClrTx/>
+              <a:buSzTx/>
+              <a:buFontTx/>
+              <a:buNone/>
+            </a:pPr>
+            <a:r>
+              <a:rPr kumimoji="0" lang="zh-CN" altLang="zh-CN" sz="1400" b="0" i="0" u="none" strike="noStrike" cap="none" normalizeH="0" baseline="0" dirty="0" smtClean="0">
+                <a:ln>
+                  <a:noFill/>
+                </a:ln>
+                <a:solidFill>
+                  <a:srgbClr val="000000"/>
+                </a:solidFill>
+                <a:effectLst/>
+                <a:latin typeface="Lucida Console" panose="020B0609040504020204" pitchFamily="49" charset="0"/>
+              </a:rPr>
+              <a:t>Switzerland 23.49 2630.96</a:t>
             </a:r>
             <a:endParaRPr kumimoji="0" lang="zh-CN" altLang="zh-CN" sz="3200" b="0" i="0" u="none" strike="noStrike" cap="none" normalizeH="0" baseline="0" dirty="0" smtClean="0">
               <a:ln>
@@ -5242,14 +5346,167 @@
       </p:sp>
       <p:sp>
         <p:nvSpPr>
+          <p:cNvPr id="8" name="Rectangle 4"/>
+          <p:cNvSpPr>
+            <a:spLocks noChangeArrowheads="1"/>
+          </p:cNvSpPr>
+          <p:nvPr/>
+        </p:nvSpPr>
+        <p:spPr bwMode="auto">
+          <a:xfrm>
+            <a:off x="1182029" y="4043751"/>
+            <a:ext cx="2899833" cy="430887"/>
+          </a:xfrm>
+          <a:prstGeom prst="rect">
+            <a:avLst/>
+          </a:prstGeom>
+          <a:solidFill>
+            <a:srgbClr val="FFFFFF"/>
+          </a:solidFill>
+          <a:ln>
+            <a:noFill/>
+          </a:ln>
+          <a:effectLst/>
+          <a:extLst>
+            <a:ext uri="{91240B29-F687-4F45-9708-019B960494DF}">
+              <a14:hiddenLine xmlns:a14="http://schemas.microsoft.com/office/drawing/2010/main" w="9525">
+                <a:solidFill>
+                  <a:schemeClr val="tx1"/>
+                </a:solidFill>
+                <a:miter lim="800000"/>
+                <a:headEnd/>
+                <a:tailEnd/>
+              </a14:hiddenLine>
+            </a:ext>
+            <a:ext uri="{AF507438-7753-43E0-B8FC-AC1667EBCBE1}">
+              <a14:hiddenEffects xmlns:a14="http://schemas.microsoft.com/office/drawing/2010/main">
+                <a:effectLst>
+                  <a:outerShdw dist="35921" dir="2700000" algn="ctr" rotWithShape="0">
+                    <a:schemeClr val="bg2"/>
+                  </a:outerShdw>
+                </a:effectLst>
+              </a14:hiddenEffects>
+            </a:ext>
+          </a:extLst>
+        </p:spPr>
+        <p:txBody>
+          <a:bodyPr vert="horz" wrap="none" lIns="0" tIns="0" rIns="0" bIns="0" numCol="1" anchor="ctr" anchorCtr="0" compatLnSpc="1">
+            <a:spAutoFit/>
+          </a:bodyPr>
+          <a:lstStyle/>
+          <a:p>
+            <a:pPr marL="0" marR="0" lvl="0" indent="0" algn="l" defTabSz="914400" rtl="0" eaLnBrk="0" fontAlgn="base" latinLnBrk="0" hangingPunct="0">
+              <a:lnSpc>
+                <a:spcPct val="100000"/>
+              </a:lnSpc>
+              <a:spcBef>
+                <a:spcPct val="0"/>
+              </a:spcBef>
+              <a:spcAft>
+                <a:spcPct val="0"/>
+              </a:spcAft>
+              <a:buClrTx/>
+              <a:buSzTx/>
+              <a:buFontTx/>
+              <a:buNone/>
+            </a:pPr>
+            <a:r>
+              <a:rPr kumimoji="0" lang="zh-CN" altLang="zh-CN" sz="1400" b="0" i="0" u="none" strike="noStrike" cap="none" normalizeH="0" baseline="0" dirty="0" smtClean="0">
+                <a:ln>
+                  <a:noFill/>
+                </a:ln>
+                <a:solidFill>
+                  <a:srgbClr val="0000FF"/>
+                </a:solidFill>
+                <a:effectLst/>
+                <a:latin typeface="Lucida Console" panose="020B0609040504020204" pitchFamily="49" charset="0"/>
+              </a:rPr>
+              <a:t>&gt; head(LifeCycleSavings,10)</a:t>
+            </a:r>
+            <a:endParaRPr kumimoji="0" lang="en-US" altLang="zh-CN" sz="1400" b="0" i="0" u="none" strike="noStrike" cap="none" normalizeH="0" baseline="0" dirty="0" smtClean="0">
+              <a:ln>
+                <a:noFill/>
+              </a:ln>
+              <a:solidFill>
+                <a:srgbClr val="0000FF"/>
+              </a:solidFill>
+              <a:effectLst/>
+              <a:latin typeface="Lucida Console" panose="020B0609040504020204" pitchFamily="49" charset="0"/>
+            </a:endParaRPr>
+          </a:p>
+          <a:p>
+            <a:pPr eaLnBrk="0" fontAlgn="base" hangingPunct="0">
+              <a:spcBef>
+                <a:spcPct val="0"/>
+              </a:spcBef>
+              <a:spcAft>
+                <a:spcPct val="0"/>
+              </a:spcAft>
+            </a:pPr>
+            <a:r>
+              <a:rPr lang="zh-CN" altLang="zh-CN" sz="1400" dirty="0">
+                <a:solidFill>
+                  <a:srgbClr val="0000FF"/>
+                </a:solidFill>
+                <a:latin typeface="Lucida Console" panose="020B0609040504020204" pitchFamily="49" charset="0"/>
+              </a:rPr>
+              <a:t>&gt; </a:t>
+            </a:r>
+            <a:r>
+              <a:rPr lang="en-US" altLang="zh-CN" sz="1400" dirty="0" smtClean="0">
+                <a:solidFill>
+                  <a:srgbClr val="0000FF"/>
+                </a:solidFill>
+                <a:latin typeface="Lucida Console" panose="020B0609040504020204" pitchFamily="49" charset="0"/>
+              </a:rPr>
+              <a:t>tail</a:t>
+            </a:r>
+            <a:r>
+              <a:rPr lang="zh-CN" altLang="zh-CN" sz="1400" dirty="0" smtClean="0">
+                <a:solidFill>
+                  <a:srgbClr val="0000FF"/>
+                </a:solidFill>
+                <a:latin typeface="Lucida Console" panose="020B0609040504020204" pitchFamily="49" charset="0"/>
+              </a:rPr>
+              <a:t>(</a:t>
+            </a:r>
+            <a:r>
+              <a:rPr lang="zh-CN" altLang="zh-CN" sz="1400" dirty="0">
+                <a:solidFill>
+                  <a:srgbClr val="0000FF"/>
+                </a:solidFill>
+                <a:latin typeface="Lucida Console" panose="020B0609040504020204" pitchFamily="49" charset="0"/>
+              </a:rPr>
+              <a:t>LifeCycleSavings,10</a:t>
+            </a:r>
+            <a:r>
+              <a:rPr lang="zh-CN" altLang="zh-CN" sz="1400" dirty="0" smtClean="0">
+                <a:solidFill>
+                  <a:srgbClr val="0000FF"/>
+                </a:solidFill>
+                <a:latin typeface="Lucida Console" panose="020B0609040504020204" pitchFamily="49" charset="0"/>
+              </a:rPr>
+              <a:t>)</a:t>
+            </a:r>
+            <a:endParaRPr lang="zh-CN" altLang="zh-CN" sz="1400" dirty="0">
+              <a:solidFill>
+                <a:srgbClr val="0000FF"/>
+              </a:solidFill>
+              <a:latin typeface="Lucida Console" panose="020B0609040504020204" pitchFamily="49" charset="0"/>
+            </a:endParaRPr>
+          </a:p>
+        </p:txBody>
+      </p:sp>
+      <p:sp>
+        <p:nvSpPr>
           <p:cNvPr id="9" name="文本框 8"/>
           <p:cNvSpPr txBox="1"/>
           <p:nvPr/>
         </p:nvSpPr>
         <p:spPr>
           <a:xfrm>
-            <a:off x="8236588" y="4066485"/>
-            <a:ext cx="2765503" cy="1323439"/>
+            <a:off x="2257049" y="4583012"/>
+            <a:ext cx="2543551" cy="584775"/>
           </a:xfrm>
           <a:prstGeom prst="rect">
             <a:avLst/>
@@ -5264,48 +5521,42 @@
           <a:p>
             <a:r>
               <a:rPr lang="zh-CN" altLang="en-US" sz="1600" dirty="0" smtClean="0">
-                <a:latin typeface="Times New Roman" panose="02020603050405020304" pitchFamily="18" charset="0"/>
+                <a:latin typeface="华文楷体" panose="02010600040101010101" pitchFamily="2" charset="-122"/>
                 <a:ea typeface="华文楷体" panose="02010600040101010101" pitchFamily="2" charset="-122"/>
-                <a:cs typeface="Times New Roman" panose="02020603050405020304" pitchFamily="18" charset="0"/>
-              </a:rPr>
-              <a:t>思考：与</a:t>
-            </a:r>
-            <a:r>
-              <a:rPr lang="en-US" altLang="zh-CN" sz="1600" dirty="0" err="1" smtClean="0">
-                <a:latin typeface="Times New Roman" panose="02020603050405020304" pitchFamily="18" charset="0"/>
+              </a:rPr>
+              <a:t>尝试去掉</a:t>
+            </a:r>
+            <a:r>
+              <a:rPr lang="en-US" altLang="zh-CN" sz="1600" dirty="0" smtClean="0">
+                <a:latin typeface="华文楷体" panose="02010600040101010101" pitchFamily="2" charset="-122"/>
                 <a:ea typeface="华文楷体" panose="02010600040101010101" pitchFamily="2" charset="-122"/>
-                <a:cs typeface="Times New Roman" panose="02020603050405020304" pitchFamily="18" charset="0"/>
-              </a:rPr>
-              <a:t>row.names</a:t>
+              </a:rPr>
+              <a:t>head</a:t>
             </a:r>
             <a:r>
               <a:rPr lang="zh-CN" altLang="en-US" sz="1600" dirty="0" smtClean="0">
-                <a:latin typeface="Times New Roman" panose="02020603050405020304" pitchFamily="18" charset="0"/>
+                <a:latin typeface="华文楷体" panose="02010600040101010101" pitchFamily="2" charset="-122"/>
                 <a:ea typeface="华文楷体" panose="02010600040101010101" pitchFamily="2" charset="-122"/>
-                <a:cs typeface="Times New Roman" panose="02020603050405020304" pitchFamily="18" charset="0"/>
-              </a:rPr>
-              <a:t>取对象名类似，</a:t>
+              </a:rPr>
+              <a:t>或</a:t>
             </a:r>
             <a:r>
               <a:rPr lang="en-US" altLang="zh-CN" sz="1600" dirty="0" smtClean="0">
-                <a:latin typeface="Times New Roman" panose="02020603050405020304" pitchFamily="18" charset="0"/>
+                <a:latin typeface="华文楷体" panose="02010600040101010101" pitchFamily="2" charset="-122"/>
                 <a:ea typeface="华文楷体" panose="02010600040101010101" pitchFamily="2" charset="-122"/>
-                <a:cs typeface="Times New Roman" panose="02020603050405020304" pitchFamily="18" charset="0"/>
-              </a:rPr>
-              <a:t>names()</a:t>
+              </a:rPr>
+              <a:t>tail</a:t>
             </a:r>
             <a:r>
               <a:rPr lang="zh-CN" altLang="en-US" sz="1600" dirty="0" smtClean="0">
-                <a:latin typeface="Times New Roman" panose="02020603050405020304" pitchFamily="18" charset="0"/>
+                <a:latin typeface="华文楷体" panose="02010600040101010101" pitchFamily="2" charset="-122"/>
                 <a:ea typeface="华文楷体" panose="02010600040101010101" pitchFamily="2" charset="-122"/>
-                <a:cs typeface="Times New Roman" panose="02020603050405020304" pitchFamily="18" charset="0"/>
-              </a:rPr>
-              <a:t>函数用来取变量名。如果试图删除或修改数据集中的变量名该如何操作</a:t>
+              </a:rPr>
+              <a:t>取第二个参数，看默认取多少</a:t>
             </a:r>
             <a:endParaRPr lang="zh-CN" altLang="en-US" sz="1600" dirty="0">
-              <a:latin typeface="Times New Roman" panose="02020603050405020304" pitchFamily="18" charset="0"/>
+              <a:latin typeface="华文楷体" panose="02010600040101010101" pitchFamily="2" charset="-122"/>
               <a:ea typeface="华文楷体" panose="02010600040101010101" pitchFamily="2" charset="-122"/>
-              <a:cs typeface="Times New Roman" panose="02020603050405020304" pitchFamily="18" charset="0"/>
             </a:endParaRPr>
           </a:p>
         </p:txBody>
@@ -5315,158 +5566,6 @@
   <p:clrMapOvr>
     <a:masterClrMapping/>
   </p:clrMapOvr>
-  <p:timing>
-    <p:tnLst>
-      <p:par>
-        <p:cTn id="1" dur="indefinite" restart="never" nodeType="tmRoot">
-          <p:childTnLst>
-            <p:seq concurrent="1" nextAc="seek">
-              <p:cTn id="2" dur="indefinite" nodeType="mainSeq">
-                <p:childTnLst>
-                  <p:par>
-                    <p:cTn id="3" fill="hold">
-                      <p:stCondLst>
-                        <p:cond delay="indefinite"/>
-                      </p:stCondLst>
-                      <p:childTnLst>
-                        <p:par>
-                          <p:cTn id="4" fill="hold">
-                            <p:stCondLst>
-                              <p:cond delay="0"/>
-                            </p:stCondLst>
-                            <p:childTnLst>
-                              <p:par>
-                                <p:cTn id="5" presetID="31" presetClass="entr" presetSubtype="0" fill="hold" nodeType="clickEffect">
-                                  <p:stCondLst>
-                                    <p:cond delay="0"/>
-                                  </p:stCondLst>
-                                  <p:childTnLst>
-                                    <p:set>
-                                      <p:cBhvr>
-                                        <p:cTn id="6" dur="1" fill="hold">
-                                          <p:stCondLst>
-                                            <p:cond delay="0"/>
-                                          </p:stCondLst>
-                                        </p:cTn>
-                                        <p:tgtEl>
-                                          <p:spTgt spid="7"/>
-                                        </p:tgtEl>
-                                        <p:attrNameLst>
-                                          <p:attrName>style.visibility</p:attrName>
-                                        </p:attrNameLst>
-                                      </p:cBhvr>
-                                      <p:to>
-                                        <p:strVal val="visible"/>
-                                      </p:to>
-                                    </p:set>
-                                    <p:anim calcmode="lin" valueType="num">
-                                      <p:cBhvr>
-                                        <p:cTn id="7" dur="1000" fill="hold"/>
-                                        <p:tgtEl>
-                                          <p:spTgt spid="7"/>
-                                        </p:tgtEl>
-                                        <p:attrNameLst>
-                                          <p:attrName>ppt_w</p:attrName>
-                                        </p:attrNameLst>
-                                      </p:cBhvr>
-                                      <p:tavLst>
-                                        <p:tav tm="0">
-                                          <p:val>
-                                            <p:fltVal val="0"/>
-                                          </p:val>
-                                        </p:tav>
-                                        <p:tav tm="100000">
-                                          <p:val>
-                                            <p:strVal val="#ppt_w"/>
-                                          </p:val>
-                                        </p:tav>
-                                      </p:tavLst>
-                                    </p:anim>
-                                    <p:anim calcmode="lin" valueType="num">
-                                      <p:cBhvr>
-                                        <p:cTn id="8" dur="1000" fill="hold"/>
-                                        <p:tgtEl>
-                                          <p:spTgt spid="7"/>
-                                        </p:tgtEl>
-                                        <p:attrNameLst>
-                                          <p:attrName>ppt_h</p:attrName>
-                                        </p:attrNameLst>
-                                      </p:cBhvr>
-                                      <p:tavLst>
-                                        <p:tav tm="0">
-                                          <p:val>
-                                            <p:fltVal val="0"/>
-                                          </p:val>
-                                        </p:tav>
-                                        <p:tav tm="100000">
-                                          <p:val>
-                                            <p:strVal val="#ppt_h"/>
-                                          </p:val>
-                                        </p:tav>
-                                      </p:tavLst>
-                                    </p:anim>
-                                    <p:anim calcmode="lin" valueType="num">
-                                      <p:cBhvr>
-                                        <p:cTn id="9" dur="1000" fill="hold"/>
-                                        <p:tgtEl>
-                                          <p:spTgt spid="7"/>
-                                        </p:tgtEl>
-                                        <p:attrNameLst>
-                                          <p:attrName>style.rotation</p:attrName>
-                                        </p:attrNameLst>
-                                      </p:cBhvr>
-                                      <p:tavLst>
-                                        <p:tav tm="0">
-                                          <p:val>
-                                            <p:fltVal val="90"/>
-                                          </p:val>
-                                        </p:tav>
-                                        <p:tav tm="100000">
-                                          <p:val>
-                                            <p:fltVal val="0"/>
-                                          </p:val>
-                                        </p:tav>
-                                      </p:tavLst>
-                                    </p:anim>
-                                    <p:animEffect transition="in" filter="fade">
-                                      <p:cBhvr>
-                                        <p:cTn id="10" dur="1000"/>
-                                        <p:tgtEl>
-                                          <p:spTgt spid="7"/>
-                                        </p:tgtEl>
-                                      </p:cBhvr>
-                                    </p:animEffect>
-                                  </p:childTnLst>
-                                </p:cTn>
-                              </p:par>
-                            </p:childTnLst>
-                          </p:cTn>
-                        </p:par>
-                      </p:childTnLst>
-                    </p:cTn>
-                  </p:par>
-                </p:childTnLst>
-              </p:cTn>
-              <p:prevCondLst>
-                <p:cond evt="onPrev" delay="0">
-                  <p:tgtEl>
-                    <p:sldTgt/>
-                  </p:tgtEl>
-                </p:cond>
-              </p:prevCondLst>
-              <p:nextCondLst>
-                <p:cond evt="onNext" delay="0">
-                  <p:tgtEl>
-                    <p:sldTgt/>
-                  </p:tgtEl>
-                </p:cond>
-              </p:nextCondLst>
-            </p:seq>
-          </p:childTnLst>
-        </p:cTn>
-      </p:par>
-    </p:tnLst>
-  </p:timing>
 </p:sld>
 </file>
 
@@ -5807,8 +5906,8 @@
         </p:nvSpPr>
         <p:spPr bwMode="auto">
           <a:xfrm>
-            <a:off x="1214651" y="4004998"/>
-            <a:ext cx="5108771" cy="184666"/>
+            <a:off x="1214651" y="3989609"/>
+            <a:ext cx="5953553" cy="215444"/>
           </a:xfrm>
           <a:prstGeom prst="rect">
             <a:avLst/>
@@ -5868,7 +5967,7 @@
               <a:tabLst/>
             </a:pPr>
             <a:r>
-              <a:rPr kumimoji="0" lang="zh-CN" altLang="zh-CN" sz="1200" b="0" i="0" u="none" strike="noStrike" cap="none" normalizeH="0" baseline="0" dirty="0" smtClean="0">
+              <a:rPr kumimoji="0" lang="zh-CN" altLang="zh-CN" sz="1400" b="0" i="0" u="none" strike="noStrike" cap="none" normalizeH="0" baseline="0" dirty="0" smtClean="0">
                 <a:ln>
                   <a:noFill/>
                 </a:ln>
@@ -5881,7 +5980,7 @@
               </a:rPr>
               <a:t>&gt; tes&lt;-ts(rnorm(100,mean=10,sd=2),frequency =365,start=as.Date("2015-01-15"))</a:t>
             </a:r>
-            <a:endParaRPr kumimoji="0" lang="zh-CN" altLang="zh-CN" sz="2800" b="0" i="0" u="none" strike="noStrike" cap="none" normalizeH="0" baseline="0" dirty="0" smtClean="0">
+            <a:endParaRPr kumimoji="0" lang="zh-CN" altLang="zh-CN" sz="3200" b="0" i="0" u="none" strike="noStrike" cap="none" normalizeH="0" baseline="0" dirty="0" smtClean="0">
               <a:ln>
                 <a:noFill/>
               </a:ln>
@@ -5905,8 +6004,8 @@
         </p:nvSpPr>
         <p:spPr bwMode="auto">
           <a:xfrm>
-            <a:off x="1214651" y="4397380"/>
-            <a:ext cx="5406032" cy="553998"/>
+            <a:off x="1214651" y="4351214"/>
+            <a:ext cx="6305957" cy="646331"/>
           </a:xfrm>
           <a:prstGeom prst="rect">
             <a:avLst/>
@@ -5966,7 +6065,7 @@
               <a:tabLst/>
             </a:pPr>
             <a:r>
-              <a:rPr kumimoji="0" lang="zh-CN" altLang="zh-CN" sz="1200" b="0" i="0" u="none" strike="noStrike" cap="none" normalizeH="0" baseline="0" dirty="0" smtClean="0">
+              <a:rPr kumimoji="0" lang="zh-CN" altLang="zh-CN" sz="1400" b="0" i="0" u="none" strike="noStrike" cap="none" normalizeH="0" baseline="0" dirty="0" smtClean="0">
                 <a:ln>
                   <a:noFill/>
                 </a:ln>
@@ -5979,7 +6078,7 @@
               </a:rPr>
               <a:t>&gt; which(tes&gt;10) </a:t>
             </a:r>
-            <a:endParaRPr kumimoji="0" lang="en-US" altLang="zh-CN" sz="1200" b="0" i="0" u="none" strike="noStrike" cap="none" normalizeH="0" baseline="0" dirty="0" smtClean="0">
+            <a:endParaRPr kumimoji="0" lang="en-US" altLang="zh-CN" sz="1400" b="0" i="0" u="none" strike="noStrike" cap="none" normalizeH="0" baseline="0" dirty="0" smtClean="0">
               <a:ln>
                 <a:noFill/>
               </a:ln>
@@ -6009,7 +6108,7 @@
               <a:tabLst/>
             </a:pPr>
             <a:r>
-              <a:rPr kumimoji="0" lang="zh-CN" altLang="zh-CN" sz="1200" b="0" i="0" u="none" strike="noStrike" cap="none" normalizeH="0" baseline="0" dirty="0" smtClean="0">
+              <a:rPr kumimoji="0" lang="zh-CN" altLang="zh-CN" sz="1400" b="0" i="0" u="none" strike="noStrike" cap="none" normalizeH="0" baseline="0" dirty="0" smtClean="0">
                 <a:ln>
                   <a:noFill/>
                 </a:ln>
@@ -6022,7 +6121,7 @@
               </a:rPr>
               <a:t>[1] 3 6 7 8 9 11 12 15 18 19 20 21 27 28 30 32 34 35 39 40 46 47 48 49 51 55 58 60 62 </a:t>
             </a:r>
-            <a:endParaRPr kumimoji="0" lang="en-US" altLang="zh-CN" sz="1200" b="0" i="0" u="none" strike="noStrike" cap="none" normalizeH="0" baseline="0" dirty="0" smtClean="0">
+            <a:endParaRPr kumimoji="0" lang="en-US" altLang="zh-CN" sz="1400" b="0" i="0" u="none" strike="noStrike" cap="none" normalizeH="0" baseline="0" dirty="0" smtClean="0">
               <a:ln>
                 <a:noFill/>
               </a:ln>
@@ -6052,7 +6151,7 @@
               <a:tabLst/>
             </a:pPr>
             <a:r>
-              <a:rPr kumimoji="0" lang="zh-CN" altLang="zh-CN" sz="1200" b="0" i="0" u="none" strike="noStrike" cap="none" normalizeH="0" baseline="0" dirty="0" smtClean="0">
+              <a:rPr kumimoji="0" lang="zh-CN" altLang="zh-CN" sz="1400" b="0" i="0" u="none" strike="noStrike" cap="none" normalizeH="0" baseline="0" dirty="0" smtClean="0">
                 <a:ln>
                   <a:noFill/>
                 </a:ln>
@@ -6065,7 +6164,7 @@
               </a:rPr>
               <a:t>[30] 63 67 68 70 71 72 73 74 75 79 81 83 84 85 87 91 92 94 97 98 100</a:t>
             </a:r>
-            <a:endParaRPr kumimoji="0" lang="zh-CN" altLang="zh-CN" sz="1200" b="0" i="0" u="none" strike="noStrike" cap="none" normalizeH="0" baseline="0" dirty="0" smtClean="0">
+            <a:endParaRPr kumimoji="0" lang="zh-CN" altLang="zh-CN" sz="1400" b="0" i="0" u="none" strike="noStrike" cap="none" normalizeH="0" baseline="0" dirty="0" smtClean="0">
               <a:ln>
                 <a:noFill/>
               </a:ln>
@@ -6089,8 +6188,8 @@
         </p:nvSpPr>
         <p:spPr bwMode="auto">
           <a:xfrm>
-            <a:off x="1214651" y="5103484"/>
-            <a:ext cx="7653057" cy="1107996"/>
+            <a:off x="1214651" y="4995763"/>
+            <a:ext cx="8927444" cy="1323439"/>
           </a:xfrm>
           <a:prstGeom prst="rect">
             <a:avLst/>
@@ -6150,7 +6249,7 @@
               <a:tabLst/>
             </a:pPr>
             <a:r>
-              <a:rPr kumimoji="0" lang="zh-CN" altLang="zh-CN" sz="1200" b="0" i="0" u="none" strike="noStrike" cap="none" normalizeH="0" baseline="0" dirty="0" smtClean="0">
+              <a:rPr kumimoji="0" lang="zh-CN" altLang="zh-CN" sz="1400" b="0" i="0" u="none" strike="noStrike" cap="none" normalizeH="0" baseline="0" dirty="0" smtClean="0">
                 <a:ln>
                   <a:noFill/>
                 </a:ln>
@@ -6163,7 +6262,7 @@
               </a:rPr>
               <a:t>&gt; tes[which(tes&gt;10)] </a:t>
             </a:r>
-            <a:endParaRPr kumimoji="0" lang="en-US" altLang="zh-CN" sz="1200" b="0" i="0" u="none" strike="noStrike" cap="none" normalizeH="0" baseline="0" dirty="0" smtClean="0">
+            <a:endParaRPr kumimoji="0" lang="en-US" altLang="zh-CN" sz="1400" b="0" i="0" u="none" strike="noStrike" cap="none" normalizeH="0" baseline="0" dirty="0" smtClean="0">
               <a:ln>
                 <a:noFill/>
               </a:ln>
@@ -6193,7 +6292,7 @@
               <a:tabLst/>
             </a:pPr>
             <a:r>
-              <a:rPr kumimoji="0" lang="zh-CN" altLang="zh-CN" sz="1200" b="0" i="0" u="none" strike="noStrike" cap="none" normalizeH="0" baseline="0" dirty="0" smtClean="0">
+              <a:rPr kumimoji="0" lang="zh-CN" altLang="zh-CN" sz="1400" b="0" i="0" u="none" strike="noStrike" cap="none" normalizeH="0" baseline="0" dirty="0" smtClean="0">
                 <a:ln>
                   <a:noFill/>
                 </a:ln>
@@ -6206,7 +6305,7 @@
               </a:rPr>
               <a:t>[1] 10.95350 12.90085 12.84107 10.04179 12.22018 10.81451 11.45438 12.34084 14.71571 13.46313 13.07747 10.77058 </a:t>
             </a:r>
-            <a:endParaRPr kumimoji="0" lang="en-US" altLang="zh-CN" sz="1200" b="0" i="0" u="none" strike="noStrike" cap="none" normalizeH="0" baseline="0" dirty="0" smtClean="0">
+            <a:endParaRPr kumimoji="0" lang="en-US" altLang="zh-CN" sz="1400" b="0" i="0" u="none" strike="noStrike" cap="none" normalizeH="0" baseline="0" dirty="0" smtClean="0">
               <a:ln>
                 <a:noFill/>
               </a:ln>
@@ -6236,7 +6335,7 @@
               <a:tabLst/>
             </a:pPr>
             <a:r>
-              <a:rPr kumimoji="0" lang="zh-CN" altLang="zh-CN" sz="1200" b="0" i="0" u="none" strike="noStrike" cap="none" normalizeH="0" baseline="0" dirty="0" smtClean="0">
+              <a:rPr kumimoji="0" lang="zh-CN" altLang="zh-CN" sz="1400" b="0" i="0" u="none" strike="noStrike" cap="none" normalizeH="0" baseline="0" dirty="0" smtClean="0">
                 <a:ln>
                   <a:noFill/>
                 </a:ln>
@@ -6249,7 +6348,7 @@
               </a:rPr>
               <a:t>[13] 10.50873 10.02950 11.84809 10.27772 11.54544 11.70993 11.82514 10.81414 13.61642 11.68743 11.08077 10.80642 </a:t>
             </a:r>
-            <a:endParaRPr kumimoji="0" lang="en-US" altLang="zh-CN" sz="1200" b="0" i="0" u="none" strike="noStrike" cap="none" normalizeH="0" baseline="0" dirty="0" smtClean="0">
+            <a:endParaRPr kumimoji="0" lang="en-US" altLang="zh-CN" sz="1400" b="0" i="0" u="none" strike="noStrike" cap="none" normalizeH="0" baseline="0" dirty="0" smtClean="0">
               <a:ln>
                 <a:noFill/>
               </a:ln>
@@ -6279,7 +6378,7 @@
               <a:tabLst/>
             </a:pPr>
             <a:r>
-              <a:rPr kumimoji="0" lang="zh-CN" altLang="zh-CN" sz="1200" b="0" i="0" u="none" strike="noStrike" cap="none" normalizeH="0" baseline="0" dirty="0" smtClean="0">
+              <a:rPr kumimoji="0" lang="zh-CN" altLang="zh-CN" sz="1400" b="0" i="0" u="none" strike="noStrike" cap="none" normalizeH="0" baseline="0" dirty="0" smtClean="0">
                 <a:ln>
                   <a:noFill/>
                 </a:ln>
@@ -6292,7 +6391,7 @@
               </a:rPr>
               <a:t>[25] 10.09995 11.02448 11.41045 11.12988 10.25493 12.06287 11.18508 10.81131 11.12533 10.04228 12.54227 11.08218 </a:t>
             </a:r>
-            <a:endParaRPr kumimoji="0" lang="en-US" altLang="zh-CN" sz="1200" b="0" i="0" u="none" strike="noStrike" cap="none" normalizeH="0" baseline="0" dirty="0" smtClean="0">
+            <a:endParaRPr kumimoji="0" lang="en-US" altLang="zh-CN" sz="1400" b="0" i="0" u="none" strike="noStrike" cap="none" normalizeH="0" baseline="0" dirty="0" smtClean="0">
               <a:ln>
                 <a:noFill/>
               </a:ln>
@@ -6322,7 +6421,7 @@
               <a:tabLst/>
             </a:pPr>
             <a:r>
-              <a:rPr kumimoji="0" lang="zh-CN" altLang="zh-CN" sz="1200" b="0" i="0" u="none" strike="noStrike" cap="none" normalizeH="0" baseline="0" dirty="0" smtClean="0">
+              <a:rPr kumimoji="0" lang="zh-CN" altLang="zh-CN" sz="1400" b="0" i="0" u="none" strike="noStrike" cap="none" normalizeH="0" baseline="0" dirty="0" smtClean="0">
                 <a:ln>
                   <a:noFill/>
                 </a:ln>
@@ -6335,7 +6434,7 @@
               </a:rPr>
               <a:t>[37] 12.86632 10.90105 11.02679 10.20311 11.12818 11.55334 11.46722 13.76359 12.74348 12.22886 10.31341 10.57615 </a:t>
             </a:r>
-            <a:endParaRPr kumimoji="0" lang="en-US" altLang="zh-CN" sz="1200" b="0" i="0" u="none" strike="noStrike" cap="none" normalizeH="0" baseline="0" dirty="0" smtClean="0">
+            <a:endParaRPr kumimoji="0" lang="en-US" altLang="zh-CN" sz="1400" b="0" i="0" u="none" strike="noStrike" cap="none" normalizeH="0" baseline="0" dirty="0" smtClean="0">
               <a:ln>
                 <a:noFill/>
               </a:ln>
@@ -6365,7 +6464,7 @@
               <a:tabLst/>
             </a:pPr>
             <a:r>
-              <a:rPr kumimoji="0" lang="zh-CN" altLang="zh-CN" sz="1200" b="0" i="0" u="none" strike="noStrike" cap="none" normalizeH="0" baseline="0" dirty="0" smtClean="0">
+              <a:rPr kumimoji="0" lang="zh-CN" altLang="zh-CN" sz="1400" b="0" i="0" u="none" strike="noStrike" cap="none" normalizeH="0" baseline="0" dirty="0" smtClean="0">
                 <a:ln>
                   <a:noFill/>
                 </a:ln>
@@ -6378,7 +6477,7 @@
               </a:rPr>
               <a:t>[49] 10.42201 15.12751</a:t>
             </a:r>
-            <a:endParaRPr kumimoji="0" lang="zh-CN" altLang="zh-CN" sz="2800" b="0" i="0" u="none" strike="noStrike" cap="none" normalizeH="0" baseline="0" dirty="0" smtClean="0">
+            <a:endParaRPr kumimoji="0" lang="zh-CN" altLang="zh-CN" sz="1400" b="0" i="0" u="none" strike="noStrike" cap="none" normalizeH="0" baseline="0" dirty="0" smtClean="0">
               <a:ln>
                 <a:noFill/>
               </a:ln>
@@ -18186,9 +18285,22 @@
             </a:r>
           </a:p>
           <a:p>
+            <a:pPr lvl="1"/>
             <a:r>
               <a:rPr lang="zh-CN" altLang="en-US" dirty="0" smtClean="0"/>
-              <a:t>手动加载</a:t>
+              <a:t>须首先加载</a:t>
+            </a:r>
+            <a:r>
+              <a:rPr lang="en-US" altLang="zh-CN" dirty="0" err="1" smtClean="0"/>
+              <a:t>foreigh</a:t>
+            </a:r>
+            <a:r>
+              <a:rPr lang="en-US" altLang="zh-CN" dirty="0" smtClean="0"/>
+              <a:t> </a:t>
+            </a:r>
+            <a:r>
+              <a:rPr lang="zh-CN" altLang="en-US" dirty="0" smtClean="0"/>
+              <a:t>包</a:t>
             </a:r>
             <a:endParaRPr lang="en-US" altLang="zh-CN" dirty="0" smtClean="0"/>
           </a:p>
@@ -18252,16 +18364,18 @@
         </p:nvSpPr>
         <p:spPr/>
         <p:txBody>
-          <a:bodyPr>
-            <a:normAutofit/>
-          </a:bodyPr>
+          <a:bodyPr/>
           <a:lstStyle/>
           <a:p>
             <a:r>
-              <a:rPr lang="zh-CN" altLang="en-US" sz="3200" dirty="0" smtClean="0"/>
-              <a:t>文本文件导入</a:t>
-            </a:r>
-            <a:endParaRPr lang="zh-CN" altLang="en-US" sz="3200" dirty="0"/>
+              <a:rPr lang="en-US" altLang="zh-CN" dirty="0" smtClean="0"/>
+              <a:t>R</a:t>
+            </a:r>
+            <a:r>
+              <a:rPr lang="zh-CN" altLang="en-US" dirty="0" smtClean="0"/>
+              <a:t>语言计算线性规划问题</a:t>
+            </a:r>
+            <a:endParaRPr lang="zh-CN" altLang="en-US" dirty="0"/>
           </a:p>
         </p:txBody>
       </p:sp>
@@ -18275,12 +18389,7 @@
             <p:ph idx="1"/>
           </p:nvPr>
         </p:nvSpPr>
-        <p:spPr>
-          <a:xfrm>
-            <a:off x="1097280" y="1845733"/>
-            <a:ext cx="10058400" cy="4418879"/>
-          </a:xfrm>
-        </p:spPr>
+        <p:spPr/>
         <p:txBody>
           <a:bodyPr>
             <a:normAutofit/>
@@ -18289,234 +18398,570 @@
           <a:p>
             <a:r>
               <a:rPr lang="zh-CN" altLang="en-US" dirty="0" smtClean="0"/>
-              <a:t>从文本文件导入</a:t>
+              <a:t>对于</a:t>
+            </a:r>
+            <a:r>
+              <a:rPr lang="zh-CN" altLang="en-US" dirty="0" smtClean="0"/>
+              <a:t>单纯性法解线性规划问题，问题标准化后形式如右侧：</a:t>
             </a:r>
             <a:endParaRPr lang="en-US" altLang="zh-CN" dirty="0" smtClean="0"/>
           </a:p>
           <a:p>
-            <a:pPr marL="0" indent="0">
+            <a:endParaRPr lang="en-US" altLang="zh-CN" dirty="0"/>
+          </a:p>
+          <a:p>
+            <a:endParaRPr lang="en-US" altLang="zh-CN" dirty="0" smtClean="0"/>
+          </a:p>
+          <a:p>
+            <a:endParaRPr lang="en-US" altLang="zh-CN" dirty="0"/>
+          </a:p>
+          <a:p>
+            <a:endParaRPr lang="en-US" altLang="zh-CN" dirty="0" smtClean="0"/>
+          </a:p>
+          <a:p>
+            <a:endParaRPr lang="en-US" altLang="zh-CN" dirty="0"/>
+          </a:p>
+          <a:p>
+            <a:r>
+              <a:rPr lang="zh-CN" altLang="en-US" dirty="0" smtClean="0"/>
+              <a:t>其中参数含义请对照右侧线性规划公式，</a:t>
+            </a:r>
+            <a:r>
+              <a:rPr lang="en-US" altLang="zh-CN" dirty="0" smtClean="0"/>
+              <a:t>max=TURE</a:t>
+            </a:r>
+            <a:r>
+              <a:rPr lang="zh-CN" altLang="en-US" dirty="0" smtClean="0"/>
+              <a:t>时求最大化目标，</a:t>
+            </a:r>
+            <a:r>
+              <a:rPr lang="en-US" altLang="zh-CN" dirty="0" smtClean="0"/>
+              <a:t>max=False</a:t>
+            </a:r>
+            <a:r>
+              <a:rPr lang="zh-CN" altLang="en-US" dirty="0" smtClean="0"/>
+              <a:t>则为最小化目标函数</a:t>
+            </a:r>
+            <a:endParaRPr lang="en-US" altLang="zh-CN" dirty="0" smtClean="0"/>
+          </a:p>
+        </p:txBody>
+      </p:sp>
+      <p:graphicFrame>
+        <p:nvGraphicFramePr>
+          <p:cNvPr id="4" name="对象 3"/>
+          <p:cNvGraphicFramePr>
+            <a:graphicFrameLocks noChangeAspect="1"/>
+          </p:cNvGraphicFramePr>
+          <p:nvPr>
+            <p:extLst/>
+          </p:nvPr>
+        </p:nvGraphicFramePr>
+        <p:xfrm>
+          <a:off x="8797925" y="2371725"/>
+          <a:ext cx="2705100" cy="2108200"/>
+        </p:xfrm>
+        <a:graphic>
+          <a:graphicData uri="http://schemas.openxmlformats.org/presentationml/2006/ole">
+            <mc:AlternateContent xmlns:mc="http://schemas.openxmlformats.org/markup-compatibility/2006">
+              <mc:Choice xmlns:v="urn:schemas-microsoft-com:vml" Requires="v">
+                <p:oleObj spid="_x0000_s1038" name="Equation" r:id="rId3" imgW="1498320" imgH="1168200" progId="Equation.DSMT4">
+                  <p:embed/>
+                </p:oleObj>
+              </mc:Choice>
+              <mc:Fallback>
+                <p:oleObj name="Equation" r:id="rId3" imgW="1498320" imgH="1168200" progId="Equation.DSMT4">
+                  <p:embed/>
+                  <p:pic>
+                    <p:nvPicPr>
+                      <p:cNvPr id="4" name="对象 3"/>
+                      <p:cNvPicPr/>
+                      <p:nvPr/>
+                    </p:nvPicPr>
+                    <p:blipFill>
+                      <a:blip r:embed="rId4"/>
+                      <a:stretch>
+                        <a:fillRect/>
+                      </a:stretch>
+                    </p:blipFill>
+                    <p:spPr>
+                      <a:xfrm>
+                        <a:off x="8797925" y="2371725"/>
+                        <a:ext cx="2705100" cy="2108200"/>
+                      </a:xfrm>
+                      <a:prstGeom prst="rect">
+                        <a:avLst/>
+                      </a:prstGeom>
+                    </p:spPr>
+                  </p:pic>
+                </p:oleObj>
+              </mc:Fallback>
+            </mc:AlternateContent>
+          </a:graphicData>
+        </a:graphic>
+      </p:graphicFrame>
+      <p:sp>
+        <p:nvSpPr>
+          <p:cNvPr id="5" name="Rectangle 4"/>
+          <p:cNvSpPr>
+            <a:spLocks noChangeArrowheads="1"/>
+          </p:cNvSpPr>
+          <p:nvPr/>
+        </p:nvSpPr>
+        <p:spPr bwMode="auto">
+          <a:xfrm>
+            <a:off x="1097280" y="3046509"/>
+            <a:ext cx="4618252" cy="1077218"/>
+          </a:xfrm>
+          <a:prstGeom prst="rect">
+            <a:avLst/>
+          </a:prstGeom>
+          <a:solidFill>
+            <a:srgbClr val="FFFFFF"/>
+          </a:solidFill>
+          <a:ln>
+            <a:noFill/>
+          </a:ln>
+          <a:effectLst/>
+          <a:extLst>
+            <a:ext uri="{91240B29-F687-4F45-9708-019B960494DF}">
+              <a14:hiddenLine xmlns:a14="http://schemas.microsoft.com/office/drawing/2010/main" w="9525">
+                <a:solidFill>
+                  <a:schemeClr val="tx1"/>
+                </a:solidFill>
+                <a:miter lim="800000"/>
+                <a:headEnd/>
+                <a:tailEnd/>
+              </a14:hiddenLine>
+            </a:ext>
+            <a:ext uri="{AF507438-7753-43E0-B8FC-AC1667EBCBE1}">
+              <a14:hiddenEffects xmlns:a14="http://schemas.microsoft.com/office/drawing/2010/main">
+                <a:effectLst>
+                  <a:outerShdw dist="35921" dir="2700000" algn="ctr" rotWithShape="0">
+                    <a:schemeClr val="bg2"/>
+                  </a:outerShdw>
+                </a:effectLst>
+              </a14:hiddenEffects>
+            </a:ext>
+          </a:extLst>
+        </p:spPr>
+        <p:txBody>
+          <a:bodyPr vert="horz" wrap="none" lIns="0" tIns="0" rIns="0" bIns="0" numCol="1" anchor="ctr" anchorCtr="0" compatLnSpc="1">
+            <a:prstTxWarp prst="textNoShape">
+              <a:avLst/>
+            </a:prstTxWarp>
+            <a:spAutoFit/>
+          </a:bodyPr>
+          <a:lstStyle/>
+          <a:p>
+            <a:pPr marL="0" marR="0" lvl="0" indent="0" algn="l" defTabSz="914400" rtl="0" eaLnBrk="0" fontAlgn="base" latinLnBrk="0" hangingPunct="0">
+              <a:lnSpc>
+                <a:spcPct val="100000"/>
+              </a:lnSpc>
+              <a:spcBef>
+                <a:spcPct val="0"/>
+              </a:spcBef>
+              <a:spcAft>
+                <a:spcPct val="0"/>
+              </a:spcAft>
+              <a:buClrTx/>
+              <a:buSzTx/>
+              <a:buFontTx/>
               <a:buNone/>
+              <a:tabLst/>
             </a:pPr>
             <a:r>
-              <a:rPr lang="en-US" altLang="zh-CN" dirty="0" err="1" smtClean="0"/>
-              <a:t>mydataframe</a:t>
-            </a:r>
-            <a:r>
-              <a:rPr lang="en-US" altLang="zh-CN" dirty="0" smtClean="0"/>
-              <a:t>&lt;- </a:t>
-            </a:r>
-            <a:r>
-              <a:rPr lang="en-US" altLang="zh-CN" dirty="0" err="1" smtClean="0"/>
-              <a:t>read.table</a:t>
-            </a:r>
-            <a:r>
-              <a:rPr lang="en-US" altLang="zh-CN" dirty="0" smtClean="0"/>
-              <a:t>(file, header=</a:t>
-            </a:r>
-            <a:r>
-              <a:rPr lang="en-US" altLang="zh-CN" dirty="0" err="1" smtClean="0"/>
-              <a:t>logical_value</a:t>
-            </a:r>
-            <a:r>
-              <a:rPr lang="en-US" altLang="zh-CN" dirty="0" smtClean="0"/>
-              <a:t>, </a:t>
-            </a:r>
-            <a:r>
-              <a:rPr lang="en-US" altLang="zh-CN" dirty="0" err="1" smtClean="0"/>
-              <a:t>sep</a:t>
-            </a:r>
-            <a:r>
-              <a:rPr lang="en-US" altLang="zh-CN" dirty="0" smtClean="0"/>
-              <a:t>=“</a:t>
-            </a:r>
-            <a:r>
-              <a:rPr lang="en-US" altLang="zh-CN" dirty="0"/>
-              <a:t>;</a:t>
-            </a:r>
-            <a:r>
-              <a:rPr lang="en-US" altLang="zh-CN" dirty="0" smtClean="0"/>
-              <a:t>”, </a:t>
-            </a:r>
-            <a:r>
-              <a:rPr lang="en-US" altLang="zh-CN" dirty="0" err="1" smtClean="0"/>
-              <a:t>row,names</a:t>
-            </a:r>
-            <a:r>
-              <a:rPr lang="en-US" altLang="zh-CN" dirty="0" smtClean="0"/>
-              <a:t>=“name”)</a:t>
-            </a:r>
-          </a:p>
-          <a:p>
-            <a:pPr marL="0" indent="0">
+              <a:rPr kumimoji="0" lang="zh-CN" altLang="zh-CN" sz="1400" b="0" i="0" u="none" strike="noStrike" cap="none" normalizeH="0" baseline="0" dirty="0" smtClean="0">
+                <a:ln>
+                  <a:noFill/>
+                </a:ln>
+                <a:solidFill>
+                  <a:srgbClr val="0000FF"/>
+                </a:solidFill>
+                <a:effectLst/>
+                <a:latin typeface="Lucida Console" panose="020B0609040504020204" pitchFamily="49" charset="0"/>
+              </a:rPr>
+              <a:t>&gt; obj&lt;-c(2,4,3) </a:t>
+            </a:r>
+            <a:endParaRPr kumimoji="0" lang="en-US" altLang="zh-CN" sz="1400" b="0" i="0" u="none" strike="noStrike" cap="none" normalizeH="0" baseline="0" dirty="0" smtClean="0">
+              <a:ln>
+                <a:noFill/>
+              </a:ln>
+              <a:solidFill>
+                <a:srgbClr val="0000FF"/>
+              </a:solidFill>
+              <a:effectLst/>
+              <a:latin typeface="Lucida Console" panose="020B0609040504020204" pitchFamily="49" charset="0"/>
+            </a:endParaRPr>
+          </a:p>
+          <a:p>
+            <a:pPr marL="0" marR="0" lvl="0" indent="0" algn="l" defTabSz="914400" rtl="0" eaLnBrk="0" fontAlgn="base" latinLnBrk="0" hangingPunct="0">
+              <a:lnSpc>
+                <a:spcPct val="100000"/>
+              </a:lnSpc>
+              <a:spcBef>
+                <a:spcPct val="0"/>
+              </a:spcBef>
+              <a:spcAft>
+                <a:spcPct val="0"/>
+              </a:spcAft>
+              <a:buClrTx/>
+              <a:buSzTx/>
+              <a:buFontTx/>
               <a:buNone/>
+              <a:tabLst/>
             </a:pPr>
             <a:r>
-              <a:rPr lang="en-US" altLang="zh-CN" dirty="0" err="1" smtClean="0"/>
-              <a:t>sep</a:t>
-            </a:r>
-            <a:r>
-              <a:rPr lang="zh-CN" altLang="en-US" dirty="0" smtClean="0"/>
-              <a:t>用来指定分隔数据的分隔符，</a:t>
-            </a:r>
-            <a:r>
-              <a:rPr lang="en-US" altLang="zh-CN" dirty="0" err="1" smtClean="0"/>
-              <a:t>row.names</a:t>
-            </a:r>
-            <a:r>
-              <a:rPr lang="zh-CN" altLang="en-US" dirty="0" smtClean="0"/>
-              <a:t>是一个可选参数，用来指定一个或多个表示行标识符的变量。</a:t>
-            </a:r>
-            <a:endParaRPr lang="en-US" altLang="zh-CN" dirty="0" smtClean="0"/>
-          </a:p>
-          <a:p>
-            <a:pPr lvl="1"/>
-            <a:r>
-              <a:rPr lang="zh-CN" altLang="en-US" dirty="0" smtClean="0"/>
-              <a:t>导入</a:t>
-            </a:r>
-            <a:r>
-              <a:rPr lang="en-US" altLang="zh-CN" dirty="0" smtClean="0"/>
-              <a:t>CVS</a:t>
-            </a:r>
-            <a:r>
-              <a:rPr lang="zh-CN" altLang="en-US" dirty="0" smtClean="0"/>
-              <a:t>格式专用命令</a:t>
-            </a:r>
-            <a:endParaRPr lang="en-US" altLang="zh-CN" dirty="0" smtClean="0"/>
-          </a:p>
-          <a:p>
-            <a:pPr marL="0" indent="0">
+              <a:rPr kumimoji="0" lang="zh-CN" altLang="zh-CN" sz="1400" b="0" i="0" u="none" strike="noStrike" cap="none" normalizeH="0" baseline="0" dirty="0" smtClean="0">
+                <a:ln>
+                  <a:noFill/>
+                </a:ln>
+                <a:solidFill>
+                  <a:srgbClr val="0000FF"/>
+                </a:solidFill>
+                <a:effectLst/>
+                <a:latin typeface="Lucida Console" panose="020B0609040504020204" pitchFamily="49" charset="0"/>
+              </a:rPr>
+              <a:t>&gt; mat&lt;-matrix(c(3,2,1,4,1,3,2,2,2),nrow=3) </a:t>
+            </a:r>
+            <a:endParaRPr kumimoji="0" lang="en-US" altLang="zh-CN" sz="1400" b="0" i="0" u="none" strike="noStrike" cap="none" normalizeH="0" baseline="0" dirty="0" smtClean="0">
+              <a:ln>
+                <a:noFill/>
+              </a:ln>
+              <a:solidFill>
+                <a:srgbClr val="0000FF"/>
+              </a:solidFill>
+              <a:effectLst/>
+              <a:latin typeface="Lucida Console" panose="020B0609040504020204" pitchFamily="49" charset="0"/>
+            </a:endParaRPr>
+          </a:p>
+          <a:p>
+            <a:pPr marL="0" marR="0" lvl="0" indent="0" algn="l" defTabSz="914400" rtl="0" eaLnBrk="0" fontAlgn="base" latinLnBrk="0" hangingPunct="0">
+              <a:lnSpc>
+                <a:spcPct val="100000"/>
+              </a:lnSpc>
+              <a:spcBef>
+                <a:spcPct val="0"/>
+              </a:spcBef>
+              <a:spcAft>
+                <a:spcPct val="0"/>
+              </a:spcAft>
+              <a:buClrTx/>
+              <a:buSzTx/>
+              <a:buFontTx/>
               <a:buNone/>
+              <a:tabLst/>
             </a:pPr>
             <a:r>
-              <a:rPr lang="en-US" altLang="zh-CN" dirty="0" smtClean="0"/>
-              <a:t>   </a:t>
-            </a:r>
-            <a:r>
-              <a:rPr lang="en-US" altLang="zh-CN" dirty="0" err="1" smtClean="0"/>
-              <a:t>mydata</a:t>
-            </a:r>
-            <a:r>
-              <a:rPr lang="en-US" altLang="zh-CN" dirty="0" smtClean="0"/>
-              <a:t>&lt;- read.csv(file </a:t>
-            </a:r>
-            <a:r>
-              <a:rPr lang="en-US" altLang="zh-CN" dirty="0"/>
-              <a:t>= "C:\\Users\\HWT\\Desktop\\test.csv",header = F)</a:t>
-            </a:r>
-            <a:endParaRPr lang="en-US" altLang="zh-CN" dirty="0" smtClean="0"/>
-          </a:p>
-          <a:p>
-            <a:pPr lvl="1"/>
-            <a:r>
-              <a:rPr lang="zh-CN" altLang="en-US" dirty="0" smtClean="0"/>
-              <a:t>手动选择文件</a:t>
-            </a:r>
-            <a:endParaRPr lang="en-US" altLang="zh-CN" dirty="0"/>
-          </a:p>
-          <a:p>
-            <a:pPr marL="201295" lvl="1" indent="0">
+              <a:rPr kumimoji="0" lang="zh-CN" altLang="zh-CN" sz="1400" b="0" i="0" u="none" strike="noStrike" cap="none" normalizeH="0" baseline="0" dirty="0" smtClean="0">
+                <a:ln>
+                  <a:noFill/>
+                </a:ln>
+                <a:solidFill>
+                  <a:srgbClr val="0000FF"/>
+                </a:solidFill>
+                <a:effectLst/>
+                <a:latin typeface="Lucida Console" panose="020B0609040504020204" pitchFamily="49" charset="0"/>
+              </a:rPr>
+              <a:t>&gt; dire&lt;-c("&lt;=","&lt;=","&lt;=") </a:t>
+            </a:r>
+            <a:endParaRPr kumimoji="0" lang="en-US" altLang="zh-CN" sz="1400" b="0" i="0" u="none" strike="noStrike" cap="none" normalizeH="0" baseline="0" dirty="0" smtClean="0">
+              <a:ln>
+                <a:noFill/>
+              </a:ln>
+              <a:solidFill>
+                <a:srgbClr val="0000FF"/>
+              </a:solidFill>
+              <a:effectLst/>
+              <a:latin typeface="Lucida Console" panose="020B0609040504020204" pitchFamily="49" charset="0"/>
+            </a:endParaRPr>
+          </a:p>
+          <a:p>
+            <a:pPr marL="0" marR="0" lvl="0" indent="0" algn="l" defTabSz="914400" rtl="0" eaLnBrk="0" fontAlgn="base" latinLnBrk="0" hangingPunct="0">
+              <a:lnSpc>
+                <a:spcPct val="100000"/>
+              </a:lnSpc>
+              <a:spcBef>
+                <a:spcPct val="0"/>
+              </a:spcBef>
+              <a:spcAft>
+                <a:spcPct val="0"/>
+              </a:spcAft>
+              <a:buClrTx/>
+              <a:buSzTx/>
+              <a:buFontTx/>
               <a:buNone/>
+              <a:tabLst/>
             </a:pPr>
             <a:r>
-              <a:rPr lang="en-US" altLang="zh-CN" dirty="0" err="1" smtClean="0"/>
-              <a:t>mydata</a:t>
-            </a:r>
-            <a:r>
-              <a:rPr lang="en-US" altLang="zh-CN" dirty="0" smtClean="0"/>
-              <a:t>&lt;-</a:t>
-            </a:r>
-            <a:r>
-              <a:rPr lang="en-US" altLang="zh-CN" dirty="0" err="1" smtClean="0"/>
-              <a:t>read.table</a:t>
-            </a:r>
-            <a:r>
-              <a:rPr lang="en-US" altLang="zh-CN" dirty="0" smtClean="0"/>
-              <a:t>(</a:t>
-            </a:r>
-            <a:r>
-              <a:rPr lang="en-US" altLang="zh-CN" dirty="0" err="1" smtClean="0"/>
-              <a:t>file.choose</a:t>
-            </a:r>
-            <a:r>
-              <a:rPr lang="en-US" altLang="zh-CN" dirty="0" smtClean="0"/>
-              <a:t>(),header=</a:t>
-            </a:r>
-            <a:r>
-              <a:rPr lang="en-US" altLang="zh-CN" dirty="0" err="1" smtClean="0"/>
-              <a:t>T,sep</a:t>
-            </a:r>
-            <a:r>
-              <a:rPr lang="en-US" altLang="zh-CN" dirty="0" smtClean="0"/>
-              <a:t>=“,”)</a:t>
-            </a:r>
-          </a:p>
-          <a:p>
-            <a:pPr lvl="1"/>
-            <a:r>
-              <a:rPr lang="zh-CN" altLang="en-US" dirty="0" smtClean="0"/>
-              <a:t>从剪贴板导入</a:t>
-            </a:r>
-            <a:endParaRPr lang="en-US" altLang="zh-CN" dirty="0" smtClean="0"/>
-          </a:p>
-          <a:p>
-            <a:pPr marL="201295" lvl="1" indent="0">
+              <a:rPr kumimoji="0" lang="zh-CN" altLang="zh-CN" sz="1400" b="0" i="0" u="none" strike="noStrike" cap="none" normalizeH="0" baseline="0" dirty="0" smtClean="0">
+                <a:ln>
+                  <a:noFill/>
+                </a:ln>
+                <a:solidFill>
+                  <a:srgbClr val="0000FF"/>
+                </a:solidFill>
+                <a:effectLst/>
+                <a:latin typeface="Lucida Console" panose="020B0609040504020204" pitchFamily="49" charset="0"/>
+              </a:rPr>
+              <a:t>&gt; rhs&lt;-c(60,40,80) </a:t>
+            </a:r>
+            <a:endParaRPr kumimoji="0" lang="en-US" altLang="zh-CN" sz="1400" b="0" i="0" u="none" strike="noStrike" cap="none" normalizeH="0" baseline="0" dirty="0" smtClean="0">
+              <a:ln>
+                <a:noFill/>
+              </a:ln>
+              <a:solidFill>
+                <a:srgbClr val="0000FF"/>
+              </a:solidFill>
+              <a:effectLst/>
+              <a:latin typeface="Lucida Console" panose="020B0609040504020204" pitchFamily="49" charset="0"/>
+            </a:endParaRPr>
+          </a:p>
+          <a:p>
+            <a:pPr marL="0" marR="0" lvl="0" indent="0" algn="l" defTabSz="914400" rtl="0" eaLnBrk="0" fontAlgn="base" latinLnBrk="0" hangingPunct="0">
+              <a:lnSpc>
+                <a:spcPct val="100000"/>
+              </a:lnSpc>
+              <a:spcBef>
+                <a:spcPct val="0"/>
+              </a:spcBef>
+              <a:spcAft>
+                <a:spcPct val="0"/>
+              </a:spcAft>
+              <a:buClrTx/>
+              <a:buSzTx/>
+              <a:buFontTx/>
               <a:buNone/>
+              <a:tabLst/>
             </a:pPr>
             <a:r>
-              <a:rPr lang="en-US" altLang="zh-CN" dirty="0" err="1" smtClean="0"/>
-              <a:t>mydata</a:t>
-            </a:r>
-            <a:r>
-              <a:rPr lang="en-US" altLang="zh-CN" dirty="0" smtClean="0"/>
-              <a:t>&lt;- </a:t>
-            </a:r>
-            <a:r>
-              <a:rPr lang="en-US" altLang="zh-CN" dirty="0" err="1" smtClean="0"/>
-              <a:t>read.table</a:t>
-            </a:r>
-            <a:r>
-              <a:rPr lang="en-US" altLang="zh-CN" dirty="0" smtClean="0"/>
-              <a:t>(“</a:t>
-            </a:r>
-            <a:r>
-              <a:rPr lang="en-US" altLang="zh-CN" dirty="0" err="1" smtClean="0"/>
-              <a:t>clipboard”,header</a:t>
-            </a:r>
-            <a:r>
-              <a:rPr lang="en-US" altLang="zh-CN" dirty="0" smtClean="0"/>
-              <a:t>=</a:t>
-            </a:r>
-            <a:r>
-              <a:rPr lang="en-US" altLang="zh-CN" dirty="0" err="1" smtClean="0"/>
-              <a:t>T,sep</a:t>
-            </a:r>
-            <a:r>
-              <a:rPr lang="en-US" altLang="zh-CN" dirty="0" smtClean="0"/>
-              <a:t>=“,”)</a:t>
-            </a:r>
-            <a:endParaRPr lang="en-US" altLang="zh-CN" dirty="0"/>
-          </a:p>
-          <a:p>
-            <a:pPr marL="0" indent="0">
+              <a:rPr kumimoji="0" lang="zh-CN" altLang="zh-CN" sz="1400" b="0" i="0" u="none" strike="noStrike" cap="none" normalizeH="0" baseline="0" dirty="0" smtClean="0">
+                <a:ln>
+                  <a:noFill/>
+                </a:ln>
+                <a:solidFill>
+                  <a:srgbClr val="0000FF"/>
+                </a:solidFill>
+                <a:effectLst/>
+                <a:latin typeface="Lucida Console" panose="020B0609040504020204" pitchFamily="49" charset="0"/>
+              </a:rPr>
+              <a:t>&gt; Rglpk_solve_LP(obj,mat,dire,rhs,max=TRUE)</a:t>
+            </a:r>
+            <a:endParaRPr kumimoji="0" lang="zh-CN" altLang="zh-CN" sz="3200" b="0" i="0" u="none" strike="noStrike" cap="none" normalizeH="0" baseline="0" dirty="0" smtClean="0">
+              <a:ln>
+                <a:noFill/>
+              </a:ln>
+              <a:solidFill>
+                <a:schemeClr val="tx1"/>
+              </a:solidFill>
+              <a:effectLst/>
+              <a:latin typeface="Arial" panose="020B0604020202020204" pitchFamily="34" charset="0"/>
+            </a:endParaRPr>
+          </a:p>
+        </p:txBody>
+      </p:sp>
+      <p:sp>
+        <p:nvSpPr>
+          <p:cNvPr id="6" name="Rectangle 5"/>
+          <p:cNvSpPr>
+            <a:spLocks noChangeArrowheads="1"/>
+          </p:cNvSpPr>
+          <p:nvPr/>
+        </p:nvSpPr>
+        <p:spPr bwMode="auto">
+          <a:xfrm>
+            <a:off x="1097280" y="2507248"/>
+            <a:ext cx="1718419" cy="430887"/>
+          </a:xfrm>
+          <a:prstGeom prst="rect">
+            <a:avLst/>
+          </a:prstGeom>
+          <a:solidFill>
+            <a:srgbClr val="FFFFFF"/>
+          </a:solidFill>
+          <a:ln>
+            <a:noFill/>
+          </a:ln>
+          <a:effectLst/>
+          <a:extLst>
+            <a:ext uri="{91240B29-F687-4F45-9708-019B960494DF}">
+              <a14:hiddenLine xmlns:a14="http://schemas.microsoft.com/office/drawing/2010/main" w="9525">
+                <a:solidFill>
+                  <a:schemeClr val="tx1"/>
+                </a:solidFill>
+                <a:miter lim="800000"/>
+                <a:headEnd/>
+                <a:tailEnd/>
+              </a14:hiddenLine>
+            </a:ext>
+            <a:ext uri="{AF507438-7753-43E0-B8FC-AC1667EBCBE1}">
+              <a14:hiddenEffects xmlns:a14="http://schemas.microsoft.com/office/drawing/2010/main">
+                <a:effectLst>
+                  <a:outerShdw dist="35921" dir="2700000" algn="ctr" rotWithShape="0">
+                    <a:schemeClr val="bg2"/>
+                  </a:outerShdw>
+                </a:effectLst>
+              </a14:hiddenEffects>
+            </a:ext>
+          </a:extLst>
+        </p:spPr>
+        <p:txBody>
+          <a:bodyPr vert="horz" wrap="none" lIns="0" tIns="0" rIns="0" bIns="0" numCol="1" anchor="ctr" anchorCtr="0" compatLnSpc="1">
+            <a:prstTxWarp prst="textNoShape">
+              <a:avLst/>
+            </a:prstTxWarp>
+            <a:spAutoFit/>
+          </a:bodyPr>
+          <a:lstStyle/>
+          <a:p>
+            <a:pPr marL="0" marR="0" lvl="0" indent="0" algn="l" defTabSz="914400" rtl="0" eaLnBrk="0" fontAlgn="base" latinLnBrk="0" hangingPunct="0">
+              <a:lnSpc>
+                <a:spcPct val="100000"/>
+              </a:lnSpc>
+              <a:spcBef>
+                <a:spcPct val="0"/>
+              </a:spcBef>
+              <a:spcAft>
+                <a:spcPct val="0"/>
+              </a:spcAft>
+              <a:buClrTx/>
+              <a:buSzTx/>
+              <a:buFontTx/>
               <a:buNone/>
+              <a:tabLst/>
             </a:pPr>
-            <a:endParaRPr lang="zh-CN" altLang="en-US" dirty="0"/>
+            <a:r>
+              <a:rPr kumimoji="0" lang="zh-CN" altLang="zh-CN" sz="1400" b="0" i="0" u="none" strike="noStrike" cap="none" normalizeH="0" baseline="0" dirty="0" smtClean="0">
+                <a:ln>
+                  <a:noFill/>
+                </a:ln>
+                <a:solidFill>
+                  <a:srgbClr val="0000FF"/>
+                </a:solidFill>
+                <a:effectLst/>
+                <a:latin typeface="Lucida Console" panose="020B0609040504020204" pitchFamily="49" charset="0"/>
+              </a:rPr>
+              <a:t>&gt; library(slam) </a:t>
+            </a:r>
+            <a:endParaRPr kumimoji="0" lang="en-US" altLang="zh-CN" sz="1400" b="0" i="0" u="none" strike="noStrike" cap="none" normalizeH="0" baseline="0" dirty="0" smtClean="0">
+              <a:ln>
+                <a:noFill/>
+              </a:ln>
+              <a:solidFill>
+                <a:srgbClr val="0000FF"/>
+              </a:solidFill>
+              <a:effectLst/>
+              <a:latin typeface="Lucida Console" panose="020B0609040504020204" pitchFamily="49" charset="0"/>
+            </a:endParaRPr>
+          </a:p>
+          <a:p>
+            <a:pPr marL="0" marR="0" lvl="0" indent="0" algn="l" defTabSz="914400" rtl="0" eaLnBrk="0" fontAlgn="base" latinLnBrk="0" hangingPunct="0">
+              <a:lnSpc>
+                <a:spcPct val="100000"/>
+              </a:lnSpc>
+              <a:spcBef>
+                <a:spcPct val="0"/>
+              </a:spcBef>
+              <a:spcAft>
+                <a:spcPct val="0"/>
+              </a:spcAft>
+              <a:buClrTx/>
+              <a:buSzTx/>
+              <a:buFontTx/>
+              <a:buNone/>
+              <a:tabLst/>
+            </a:pPr>
+            <a:r>
+              <a:rPr kumimoji="0" lang="zh-CN" altLang="zh-CN" sz="1400" b="0" i="0" u="none" strike="noStrike" cap="none" normalizeH="0" baseline="0" dirty="0" smtClean="0">
+                <a:ln>
+                  <a:noFill/>
+                </a:ln>
+                <a:solidFill>
+                  <a:srgbClr val="0000FF"/>
+                </a:solidFill>
+                <a:effectLst/>
+                <a:latin typeface="Lucida Console" panose="020B0609040504020204" pitchFamily="49" charset="0"/>
+              </a:rPr>
+              <a:t>&gt; library(Rglpk)</a:t>
+            </a:r>
+            <a:endParaRPr kumimoji="0" lang="zh-CN" altLang="zh-CN" sz="3200" b="0" i="0" u="none" strike="noStrike" cap="none" normalizeH="0" baseline="0" dirty="0" smtClean="0">
+              <a:ln>
+                <a:noFill/>
+              </a:ln>
+              <a:solidFill>
+                <a:schemeClr val="tx1"/>
+              </a:solidFill>
+              <a:effectLst/>
+              <a:latin typeface="Arial" panose="020B0604020202020204" pitchFamily="34" charset="0"/>
+            </a:endParaRPr>
+          </a:p>
+        </p:txBody>
+      </p:sp>
+      <p:sp>
+        <p:nvSpPr>
+          <p:cNvPr id="7" name="矩形 6"/>
+          <p:cNvSpPr/>
+          <p:nvPr/>
+        </p:nvSpPr>
+        <p:spPr>
+          <a:xfrm>
+            <a:off x="8454336" y="1198751"/>
+            <a:ext cx="3737664" cy="1077218"/>
+          </a:xfrm>
+          <a:prstGeom prst="rect">
+            <a:avLst/>
+          </a:prstGeom>
+        </p:spPr>
+        <p:txBody>
+          <a:bodyPr wrap="square">
+            <a:spAutoFit/>
+          </a:bodyPr>
+          <a:lstStyle/>
+          <a:p>
+            <a:r>
+              <a:rPr lang="en-US" altLang="zh-CN" sz="1600" dirty="0" err="1" smtClean="0">
+                <a:latin typeface="华文楷体" panose="02010600040101010101" pitchFamily="2" charset="-122"/>
+                <a:ea typeface="华文楷体" panose="02010600040101010101" pitchFamily="2" charset="-122"/>
+              </a:rPr>
+              <a:t>Rglpk</a:t>
+            </a:r>
+            <a:r>
+              <a:rPr lang="zh-CN" altLang="en-US" sz="1600" dirty="0" smtClean="0">
+                <a:latin typeface="华文楷体" panose="02010600040101010101" pitchFamily="2" charset="-122"/>
+                <a:ea typeface="华文楷体" panose="02010600040101010101" pitchFamily="2" charset="-122"/>
+              </a:rPr>
+              <a:t>包可以对标准化的线性规划问题轻松求解，需要做的只是把系数作为矩阵形式赋给</a:t>
+            </a:r>
+            <a:r>
+              <a:rPr lang="en-US" altLang="zh-CN" sz="1600" dirty="0" smtClean="0">
+                <a:latin typeface="华文楷体" panose="02010600040101010101" pitchFamily="2" charset="-122"/>
+                <a:ea typeface="华文楷体" panose="02010600040101010101" pitchFamily="2" charset="-122"/>
+              </a:rPr>
+              <a:t>R</a:t>
+            </a:r>
+            <a:r>
+              <a:rPr lang="zh-CN" altLang="en-US" sz="1600" dirty="0" smtClean="0">
+                <a:latin typeface="华文楷体" panose="02010600040101010101" pitchFamily="2" charset="-122"/>
+                <a:ea typeface="华文楷体" panose="02010600040101010101" pitchFamily="2" charset="-122"/>
+              </a:rPr>
+              <a:t>，程序包会将目标函数、解、辅助变量以及对偶解直接给出答案。</a:t>
+            </a:r>
+            <a:endParaRPr lang="zh-CN" altLang="en-US" sz="1600" dirty="0">
+              <a:latin typeface="华文楷体" panose="02010600040101010101" pitchFamily="2" charset="-122"/>
+              <a:ea typeface="华文楷体" panose="02010600040101010101" pitchFamily="2" charset="-122"/>
+            </a:endParaRPr>
           </a:p>
         </p:txBody>
       </p:sp>
     </p:spTree>
+    <p:extLst>
+      <p:ext uri="{BB962C8B-B14F-4D97-AF65-F5344CB8AC3E}">
+        <p14:creationId xmlns:p14="http://schemas.microsoft.com/office/powerpoint/2010/main" val="2681485378"/>
+      </p:ext>
+    </p:extLst>
   </p:cSld>
   <p:clrMapOvr>
     <a:masterClrMapping/>
   </p:clrMapOvr>
-  <p:timing>
-    <p:tnLst>
-      <p:par>
-        <p:cTn id="1" dur="indefinite" restart="never" nodeType="tmRoot"/>
-      </p:par>
-    </p:tnLst>
-  </p:timing>
 </p:sld>
 </file>
 
@@ -18555,12 +19000,8 @@
           <a:lstStyle/>
           <a:p>
             <a:r>
-              <a:rPr lang="en-US" altLang="zh-CN" sz="3200" dirty="0" smtClean="0"/>
-              <a:t>Excel</a:t>
-            </a:r>
-            <a:r>
               <a:rPr lang="zh-CN" altLang="en-US" sz="3200" dirty="0" smtClean="0"/>
-              <a:t>导入</a:t>
+              <a:t>文本文件导入</a:t>
             </a:r>
             <a:endParaRPr lang="zh-CN" altLang="en-US" sz="3200" dirty="0"/>
           </a:p>
@@ -18576,73 +19017,113 @@
             <p:ph idx="1"/>
           </p:nvPr>
         </p:nvSpPr>
-        <p:spPr/>
+        <p:spPr>
+          <a:xfrm>
+            <a:off x="1097280" y="1845733"/>
+            <a:ext cx="10058400" cy="4418879"/>
+          </a:xfrm>
+        </p:spPr>
         <p:txBody>
           <a:bodyPr>
-            <a:normAutofit lnSpcReduction="10000"/>
+            <a:normAutofit/>
           </a:bodyPr>
           <a:lstStyle/>
           <a:p>
             <a:r>
-              <a:rPr lang="zh-CN" altLang="en-US" dirty="0"/>
-              <a:t>从</a:t>
-            </a:r>
-            <a:r>
-              <a:rPr lang="en-US" altLang="zh-CN" dirty="0"/>
-              <a:t>excel</a:t>
-            </a:r>
-            <a:r>
-              <a:rPr lang="zh-CN" altLang="en-US" dirty="0"/>
-              <a:t>文件导入</a:t>
-            </a:r>
-            <a:endParaRPr lang="en-US" altLang="zh-CN" dirty="0"/>
+              <a:rPr lang="zh-CN" altLang="en-US" dirty="0" smtClean="0"/>
+              <a:t>从文本文件导入</a:t>
+            </a:r>
+            <a:endParaRPr lang="en-US" altLang="zh-CN" dirty="0" smtClean="0"/>
           </a:p>
           <a:p>
             <a:pPr marL="0" indent="0">
               <a:buNone/>
             </a:pPr>
             <a:r>
-              <a:rPr lang="zh-CN" altLang="en-US" dirty="0"/>
-              <a:t>首先，需要加载程序包</a:t>
-            </a:r>
-            <a:r>
-              <a:rPr lang="en-US" altLang="zh-CN" dirty="0" err="1"/>
-              <a:t>xlsx</a:t>
-            </a:r>
-            <a:r>
-              <a:rPr lang="zh-CN" altLang="en-US" dirty="0"/>
-              <a:t>，</a:t>
-            </a:r>
-            <a:r>
-              <a:rPr lang="en-US" altLang="zh-CN" dirty="0" err="1"/>
-              <a:t>Rstudio</a:t>
-            </a:r>
-            <a:r>
-              <a:rPr lang="zh-CN" altLang="en-US" dirty="0"/>
-              <a:t>会帮你自动加载它的关联</a:t>
-            </a:r>
-            <a:r>
-              <a:rPr lang="zh-CN" altLang="en-US" dirty="0" smtClean="0"/>
-              <a:t>包</a:t>
-            </a:r>
-            <a:endParaRPr lang="en-US" altLang="zh-CN" dirty="0" smtClean="0"/>
+              <a:rPr lang="en-US" altLang="zh-CN" dirty="0" err="1" smtClean="0"/>
+              <a:t>mydataframe</a:t>
+            </a:r>
+            <a:r>
+              <a:rPr lang="en-US" altLang="zh-CN" dirty="0" smtClean="0"/>
+              <a:t>&lt;- </a:t>
+            </a:r>
+            <a:r>
+              <a:rPr lang="en-US" altLang="zh-CN" dirty="0" err="1" smtClean="0"/>
+              <a:t>read.table</a:t>
+            </a:r>
+            <a:r>
+              <a:rPr lang="en-US" altLang="zh-CN" dirty="0" smtClean="0"/>
+              <a:t>(file, header=</a:t>
+            </a:r>
+            <a:r>
+              <a:rPr lang="en-US" altLang="zh-CN" dirty="0" err="1" smtClean="0"/>
+              <a:t>logical_value</a:t>
+            </a:r>
+            <a:r>
+              <a:rPr lang="en-US" altLang="zh-CN" dirty="0" smtClean="0"/>
+              <a:t>, </a:t>
+            </a:r>
+            <a:r>
+              <a:rPr lang="en-US" altLang="zh-CN" dirty="0" err="1" smtClean="0"/>
+              <a:t>sep</a:t>
+            </a:r>
+            <a:r>
+              <a:rPr lang="en-US" altLang="zh-CN" dirty="0" smtClean="0"/>
+              <a:t>=“</a:t>
+            </a:r>
+            <a:r>
+              <a:rPr lang="en-US" altLang="zh-CN" dirty="0"/>
+              <a:t>;</a:t>
+            </a:r>
+            <a:r>
+              <a:rPr lang="en-US" altLang="zh-CN" dirty="0" smtClean="0"/>
+              <a:t>”, </a:t>
+            </a:r>
+            <a:r>
+              <a:rPr lang="en-US" altLang="zh-CN" dirty="0" err="1" smtClean="0"/>
+              <a:t>row,names</a:t>
+            </a:r>
+            <a:r>
+              <a:rPr lang="en-US" altLang="zh-CN" dirty="0" smtClean="0"/>
+              <a:t>=“name”)</a:t>
+            </a:r>
           </a:p>
           <a:p>
             <a:pPr marL="0" indent="0">
               <a:buNone/>
             </a:pPr>
             <a:r>
+              <a:rPr lang="en-US" altLang="zh-CN" dirty="0" err="1" smtClean="0"/>
+              <a:t>sep</a:t>
+            </a:r>
+            <a:r>
+              <a:rPr lang="zh-CN" altLang="en-US" dirty="0" smtClean="0"/>
+              <a:t>用来指定分隔数据的分隔符，</a:t>
+            </a:r>
+            <a:r>
+              <a:rPr lang="en-US" altLang="zh-CN" dirty="0" err="1" smtClean="0"/>
+              <a:t>row.names</a:t>
+            </a:r>
+            <a:r>
+              <a:rPr lang="zh-CN" altLang="en-US" dirty="0" smtClean="0"/>
+              <a:t>是一个可选参数，用来指定一个或多个表示行标识符的变量。</a:t>
+            </a:r>
+            <a:endParaRPr lang="en-US" altLang="zh-CN" dirty="0" smtClean="0"/>
+          </a:p>
+          <a:p>
+            <a:r>
+              <a:rPr lang="zh-CN" altLang="en-US" dirty="0" smtClean="0"/>
+              <a:t>导入</a:t>
+            </a:r>
+            <a:r>
               <a:rPr lang="en-US" altLang="zh-CN" dirty="0" smtClean="0"/>
-              <a:t>library(</a:t>
-            </a:r>
-            <a:r>
-              <a:rPr lang="en-US" altLang="zh-CN" dirty="0" err="1" smtClean="0"/>
-              <a:t>rjava</a:t>
-            </a:r>
-            <a:r>
-              <a:rPr lang="en-US" altLang="zh-CN" dirty="0" smtClean="0"/>
-              <a:t>)</a:t>
-            </a:r>
+              <a:t>CVS</a:t>
+            </a:r>
+            <a:r>
+              <a:rPr lang="zh-CN" altLang="en-US" dirty="0" smtClean="0"/>
+              <a:t>格式专用命令</a:t>
+            </a:r>
+            <a:endParaRPr lang="en-US" altLang="zh-CN" dirty="0" smtClean="0"/>
           </a:p>
           <a:p>
             <a:pPr marL="0" indent="0">
@@ -18650,15 +19131,110 @@
             </a:pPr>
             <a:r>
               <a:rPr lang="en-US" altLang="zh-CN" dirty="0" smtClean="0"/>
-              <a:t>library(</a:t>
+              <a:t>   </a:t>
             </a:r>
             <a:r>
               <a:rPr lang="en-US" altLang="zh-CN" dirty="0" err="1" smtClean="0"/>
-              <a:t>xlsxjars</a:t>
+              <a:t>mydata</a:t>
             </a:r>
             <a:r>
               <a:rPr lang="en-US" altLang="zh-CN" dirty="0" smtClean="0"/>
-              <a:t>)</a:t>
+              <a:t>&lt;- read.csv(file </a:t>
+            </a:r>
+            <a:r>
+              <a:rPr lang="en-US" altLang="zh-CN" dirty="0"/>
+              <a:t>= "C:\\Users\\HWT\\Desktop\\test.csv",header = F)</a:t>
+            </a:r>
+            <a:endParaRPr lang="en-US" altLang="zh-CN" dirty="0" smtClean="0"/>
+          </a:p>
+          <a:p>
+            <a:pPr lvl="1"/>
+            <a:r>
+              <a:rPr lang="zh-CN" altLang="en-US" dirty="0" smtClean="0"/>
+              <a:t>手动选择文件</a:t>
+            </a:r>
+            <a:endParaRPr lang="en-US" altLang="zh-CN" dirty="0"/>
+          </a:p>
+          <a:p>
+            <a:pPr marL="201295" lvl="1" indent="0">
+              <a:buNone/>
+            </a:pPr>
+            <a:r>
+              <a:rPr lang="en-US" altLang="zh-CN" dirty="0" err="1" smtClean="0"/>
+              <a:t>mydata</a:t>
+            </a:r>
+            <a:r>
+              <a:rPr lang="en-US" altLang="zh-CN" dirty="0" smtClean="0"/>
+              <a:t>&lt;-</a:t>
+            </a:r>
+            <a:r>
+              <a:rPr lang="en-US" altLang="zh-CN" dirty="0" err="1" smtClean="0"/>
+              <a:t>read.table</a:t>
+            </a:r>
+            <a:r>
+              <a:rPr lang="en-US" altLang="zh-CN" dirty="0" smtClean="0"/>
+              <a:t>(</a:t>
+            </a:r>
+            <a:r>
+              <a:rPr lang="en-US" altLang="zh-CN" dirty="0" err="1" smtClean="0"/>
+              <a:t>file.choose</a:t>
+            </a:r>
+            <a:r>
+              <a:rPr lang="en-US" altLang="zh-CN" dirty="0" smtClean="0"/>
+              <a:t>(),header=</a:t>
+            </a:r>
+            <a:r>
+              <a:rPr lang="en-US" altLang="zh-CN" dirty="0" err="1" smtClean="0"/>
+              <a:t>T,sep</a:t>
+            </a:r>
+            <a:r>
+              <a:rPr lang="en-US" altLang="zh-CN" dirty="0" smtClean="0"/>
+              <a:t>=“,”)</a:t>
+            </a:r>
+          </a:p>
+          <a:p>
+            <a:pPr lvl="1"/>
+            <a:r>
+              <a:rPr lang="zh-CN" altLang="en-US" dirty="0" smtClean="0"/>
+              <a:t>从剪贴板导入</a:t>
+            </a:r>
+            <a:endParaRPr lang="en-US" altLang="zh-CN" dirty="0" smtClean="0"/>
+          </a:p>
+          <a:p>
+            <a:pPr marL="201295" lvl="1" indent="0">
+              <a:buNone/>
+            </a:pPr>
+            <a:r>
+              <a:rPr lang="en-US" altLang="zh-CN" dirty="0" err="1" smtClean="0"/>
+              <a:t>mydata</a:t>
+            </a:r>
+            <a:r>
+              <a:rPr lang="en-US" altLang="zh-CN" dirty="0" smtClean="0"/>
+              <a:t>&lt;- </a:t>
+            </a:r>
+            <a:r>
+              <a:rPr lang="en-US" altLang="zh-CN" dirty="0" err="1" smtClean="0"/>
+              <a:t>read.table</a:t>
+            </a:r>
+            <a:r>
+              <a:rPr lang="en-US" altLang="zh-CN" dirty="0" smtClean="0"/>
+              <a:t>(“</a:t>
+            </a:r>
+            <a:r>
+              <a:rPr lang="en-US" altLang="zh-CN" dirty="0" err="1" smtClean="0"/>
+              <a:t>clipboard”,header</a:t>
+            </a:r>
+            <a:r>
+              <a:rPr lang="en-US" altLang="zh-CN" dirty="0" smtClean="0"/>
+              <a:t>=</a:t>
+            </a:r>
+            <a:r>
+              <a:rPr lang="en-US" altLang="zh-CN" dirty="0" err="1" smtClean="0"/>
+              <a:t>T,sep</a:t>
+            </a:r>
+            <a:r>
+              <a:rPr lang="en-US" altLang="zh-CN" dirty="0" smtClean="0"/>
+              <a:t>=“,”)</a:t>
             </a:r>
             <a:endParaRPr lang="en-US" altLang="zh-CN" dirty="0"/>
           </a:p>
@@ -18666,142 +19242,6 @@
             <a:pPr marL="0" indent="0">
               <a:buNone/>
             </a:pPr>
-            <a:r>
-              <a:rPr lang="en-US" altLang="zh-CN" dirty="0"/>
-              <a:t>library(</a:t>
-            </a:r>
-            <a:r>
-              <a:rPr lang="en-US" altLang="zh-CN" dirty="0" err="1"/>
-              <a:t>xlsx</a:t>
-            </a:r>
-            <a:r>
-              <a:rPr lang="en-US" altLang="zh-CN" dirty="0"/>
-              <a:t>)</a:t>
-            </a:r>
-          </a:p>
-          <a:p>
-            <a:pPr marL="0" indent="0">
-              <a:buNone/>
-            </a:pPr>
-            <a:r>
-              <a:rPr lang="en-US" altLang="zh-CN" dirty="0"/>
-              <a:t>workbook&lt;-”c:\\myworkbook.xlsx”</a:t>
-            </a:r>
-          </a:p>
-          <a:p>
-            <a:pPr marL="0" indent="0">
-              <a:buNone/>
-            </a:pPr>
-            <a:r>
-              <a:rPr lang="en-US" altLang="zh-CN" dirty="0" err="1"/>
-              <a:t>mydataframe</a:t>
-            </a:r>
-            <a:r>
-              <a:rPr lang="en-US" altLang="zh-CN" dirty="0"/>
-              <a:t>&lt;-read.xlsx(workbook,1)</a:t>
-            </a:r>
-          </a:p>
-          <a:p>
-            <a:pPr marL="0" indent="0">
-              <a:buNone/>
-            </a:pPr>
-            <a:r>
-              <a:rPr lang="en-US" altLang="zh-CN" dirty="0"/>
-              <a:t>#</a:t>
-            </a:r>
-            <a:r>
-              <a:rPr lang="zh-CN" altLang="en-US" dirty="0"/>
-              <a:t>位于</a:t>
-            </a:r>
-            <a:r>
-              <a:rPr lang="en-US" altLang="zh-CN" dirty="0"/>
-              <a:t>C</a:t>
-            </a:r>
-            <a:r>
-              <a:rPr lang="zh-CN" altLang="en-US" dirty="0"/>
-              <a:t>盘根目录的</a:t>
-            </a:r>
-            <a:r>
-              <a:rPr lang="en-US" altLang="zh-CN" dirty="0"/>
-              <a:t>myworkbook.xlsx</a:t>
-            </a:r>
-            <a:r>
-              <a:rPr lang="zh-CN" altLang="en-US" dirty="0"/>
-              <a:t>中的</a:t>
-            </a:r>
-            <a:r>
-              <a:rPr lang="en-US" altLang="zh-CN" dirty="0"/>
-              <a:t>sheet1</a:t>
-            </a:r>
-            <a:r>
-              <a:rPr lang="zh-CN" altLang="en-US" dirty="0"/>
-              <a:t>表被导入到了</a:t>
-            </a:r>
-            <a:r>
-              <a:rPr lang="en-US" altLang="zh-CN" dirty="0"/>
-              <a:t>R</a:t>
-            </a:r>
-            <a:r>
-              <a:rPr lang="zh-CN" altLang="en-US" dirty="0"/>
-              <a:t>的数据集</a:t>
-            </a:r>
-            <a:r>
-              <a:rPr lang="en-US" altLang="zh-CN" dirty="0" err="1"/>
-              <a:t>mydataframe</a:t>
-            </a:r>
-            <a:r>
-              <a:rPr lang="zh-CN" altLang="en-US" dirty="0"/>
-              <a:t>当中</a:t>
-            </a:r>
-            <a:endParaRPr lang="en-US" altLang="zh-CN" dirty="0"/>
-          </a:p>
-          <a:p>
-            <a:pPr marL="0" indent="0">
-              <a:buNone/>
-            </a:pPr>
-            <a:r>
-              <a:rPr lang="en-US" altLang="zh-CN" dirty="0"/>
-              <a:t>#</a:t>
-            </a:r>
-            <a:r>
-              <a:rPr lang="zh-CN" altLang="en-US" dirty="0"/>
-              <a:t>除此之外，</a:t>
-            </a:r>
-            <a:r>
-              <a:rPr lang="en-US" altLang="zh-CN" dirty="0"/>
-              <a:t>R</a:t>
-            </a:r>
-            <a:r>
-              <a:rPr lang="zh-CN" altLang="en-US" dirty="0"/>
-              <a:t>还可以将数据写入</a:t>
-            </a:r>
-            <a:r>
-              <a:rPr lang="en-US" altLang="zh-CN" dirty="0"/>
-              <a:t>excel</a:t>
-            </a:r>
-            <a:r>
-              <a:rPr lang="zh-CN" altLang="en-US" dirty="0"/>
-              <a:t>文件，请自行阅读该包的说明 </a:t>
-            </a:r>
-            <a:r>
-              <a:rPr lang="en-US" altLang="zh-CN" dirty="0"/>
-              <a:t>help(</a:t>
-            </a:r>
-            <a:r>
-              <a:rPr lang="en-US" altLang="zh-CN" dirty="0" err="1"/>
-              <a:t>xlsx</a:t>
-            </a:r>
-            <a:r>
-              <a:rPr lang="en-US" altLang="zh-CN" dirty="0"/>
-              <a:t>) </a:t>
-            </a:r>
-            <a:r>
-              <a:rPr lang="zh-CN" altLang="en-US" dirty="0"/>
-              <a:t>查看写入如何操作</a:t>
-            </a:r>
-            <a:endParaRPr lang="en-US" altLang="zh-CN" dirty="0"/>
-          </a:p>
-          <a:p>
             <a:endParaRPr lang="zh-CN" altLang="en-US" dirty="0"/>
           </a:p>
         </p:txBody>
@@ -18850,10 +19290,20 @@
         </p:nvSpPr>
         <p:spPr/>
         <p:txBody>
-          <a:bodyPr/>
+          <a:bodyPr>
+            <a:normAutofit/>
+          </a:bodyPr>
           <a:lstStyle/>
           <a:p>
-            <a:endParaRPr lang="zh-CN" altLang="en-US" dirty="0"/>
+            <a:r>
+              <a:rPr lang="en-US" altLang="zh-CN" sz="3200" dirty="0" smtClean="0"/>
+              <a:t>Excel</a:t>
+            </a:r>
+            <a:r>
+              <a:rPr lang="zh-CN" altLang="en-US" sz="3200" dirty="0" smtClean="0"/>
+              <a:t>导入</a:t>
+            </a:r>
+            <a:endParaRPr lang="zh-CN" altLang="en-US" sz="3200" dirty="0"/>
           </a:p>
         </p:txBody>
       </p:sp>
@@ -18869,51 +19319,230 @@
         </p:nvSpPr>
         <p:spPr/>
         <p:txBody>
-          <a:bodyPr/>
+          <a:bodyPr>
+            <a:normAutofit lnSpcReduction="10000"/>
+          </a:bodyPr>
           <a:lstStyle/>
           <a:p>
             <a:r>
-              <a:rPr lang="zh-CN" altLang="en-US" dirty="0" smtClean="0"/>
-              <a:t>使用</a:t>
-            </a:r>
-            <a:r>
-              <a:rPr lang="en-US" altLang="zh-CN" dirty="0" err="1" smtClean="0"/>
-              <a:t>file.choose</a:t>
-            </a:r>
-            <a:r>
-              <a:rPr lang="en-US" altLang="zh-CN" dirty="0" smtClean="0"/>
-              <a:t>()</a:t>
-            </a:r>
-            <a:r>
-              <a:rPr lang="zh-CN" altLang="en-US" dirty="0" smtClean="0"/>
-              <a:t>方法手动加载外部数据</a:t>
-            </a:r>
-            <a:endParaRPr lang="en-US" altLang="zh-CN" dirty="0" smtClean="0"/>
+              <a:rPr lang="zh-CN" altLang="en-US" dirty="0"/>
+              <a:t>从</a:t>
+            </a:r>
+            <a:r>
+              <a:rPr lang="en-US" altLang="zh-CN" dirty="0"/>
+              <a:t>excel</a:t>
+            </a:r>
+            <a:r>
+              <a:rPr lang="zh-CN" altLang="en-US" dirty="0"/>
+              <a:t>文件导入</a:t>
+            </a:r>
+            <a:endParaRPr lang="en-US" altLang="zh-CN" dirty="0"/>
           </a:p>
           <a:p>
             <a:pPr marL="0" indent="0">
               <a:buNone/>
             </a:pPr>
             <a:r>
+              <a:rPr lang="zh-CN" altLang="en-US" dirty="0"/>
+              <a:t>首先，需要加载程序包</a:t>
+            </a:r>
+            <a:r>
+              <a:rPr lang="en-US" altLang="zh-CN" dirty="0" err="1"/>
+              <a:t>xlsx</a:t>
+            </a:r>
+            <a:r>
+              <a:rPr lang="zh-CN" altLang="en-US" dirty="0"/>
+              <a:t>，</a:t>
+            </a:r>
+            <a:r>
+              <a:rPr lang="en-US" altLang="zh-CN" dirty="0" err="1"/>
+              <a:t>Rstudio</a:t>
+            </a:r>
+            <a:r>
+              <a:rPr lang="zh-CN" altLang="en-US" dirty="0"/>
+              <a:t>会帮你自动加载它的关联</a:t>
+            </a:r>
+            <a:r>
+              <a:rPr lang="zh-CN" altLang="en-US" dirty="0" smtClean="0"/>
+              <a:t>包</a:t>
+            </a:r>
+            <a:endParaRPr lang="en-US" altLang="zh-CN" dirty="0" smtClean="0"/>
+          </a:p>
+          <a:p>
+            <a:pPr marL="0" indent="0">
+              <a:buNone/>
+            </a:pPr>
+            <a:r>
               <a:rPr lang="en-US" altLang="zh-CN" dirty="0" smtClean="0"/>
-              <a:t>	</a:t>
+              <a:t>library(</a:t>
             </a:r>
             <a:r>
               <a:rPr lang="en-US" altLang="zh-CN" dirty="0" err="1" smtClean="0"/>
-              <a:t>tran</a:t>
+              <a:t>rjava</a:t>
             </a:r>
             <a:r>
               <a:rPr lang="en-US" altLang="zh-CN" dirty="0" smtClean="0"/>
-              <a:t>&lt;-read.csv( file=</a:t>
+              <a:t>)</a:t>
+            </a:r>
+          </a:p>
+          <a:p>
+            <a:pPr marL="0" indent="0">
+              <a:buNone/>
+            </a:pPr>
+            <a:r>
+              <a:rPr lang="en-US" altLang="zh-CN" dirty="0" smtClean="0"/>
+              <a:t>library(</a:t>
             </a:r>
             <a:r>
               <a:rPr lang="en-US" altLang="zh-CN" dirty="0" err="1" smtClean="0"/>
-              <a:t>file.choose</a:t>
+              <a:t>xlsxjars</a:t>
             </a:r>
             <a:r>
               <a:rPr lang="en-US" altLang="zh-CN" dirty="0" smtClean="0"/>
-              <a:t>() )</a:t>
-            </a:r>
+              <a:t>)</a:t>
+            </a:r>
+            <a:endParaRPr lang="en-US" altLang="zh-CN" dirty="0"/>
+          </a:p>
+          <a:p>
+            <a:pPr marL="0" indent="0">
+              <a:buNone/>
+            </a:pPr>
+            <a:r>
+              <a:rPr lang="en-US" altLang="zh-CN" dirty="0"/>
+              <a:t>library(</a:t>
+            </a:r>
+            <a:r>
+              <a:rPr lang="en-US" altLang="zh-CN" dirty="0" err="1"/>
+              <a:t>xlsx</a:t>
+            </a:r>
+            <a:r>
+              <a:rPr lang="en-US" altLang="zh-CN" dirty="0"/>
+              <a:t>)</a:t>
+            </a:r>
+          </a:p>
+          <a:p>
+            <a:pPr marL="0" indent="0">
+              <a:buNone/>
+            </a:pPr>
+            <a:r>
+              <a:rPr lang="en-US" altLang="zh-CN" dirty="0"/>
+              <a:t>workbook&lt;-”c:\\myworkbook.xlsx”</a:t>
+            </a:r>
+          </a:p>
+          <a:p>
+            <a:pPr marL="0" indent="0">
+              <a:buNone/>
+            </a:pPr>
+            <a:r>
+              <a:rPr lang="en-US" altLang="zh-CN" dirty="0" err="1"/>
+              <a:t>mydataframe</a:t>
+            </a:r>
+            <a:r>
+              <a:rPr lang="en-US" altLang="zh-CN" dirty="0"/>
+              <a:t>&lt;-read.xlsx(workbook,1)</a:t>
+            </a:r>
+          </a:p>
+          <a:p>
+            <a:pPr marL="0" indent="0">
+              <a:buNone/>
+            </a:pPr>
+            <a:r>
+              <a:rPr lang="en-US" altLang="zh-CN" dirty="0"/>
+              <a:t>#</a:t>
+            </a:r>
+            <a:r>
+              <a:rPr lang="zh-CN" altLang="en-US" dirty="0"/>
+              <a:t>位于</a:t>
+            </a:r>
+            <a:r>
+              <a:rPr lang="en-US" altLang="zh-CN" dirty="0"/>
+              <a:t>C</a:t>
+            </a:r>
+            <a:r>
+              <a:rPr lang="zh-CN" altLang="en-US" dirty="0"/>
+              <a:t>盘根目录的</a:t>
+            </a:r>
+            <a:r>
+              <a:rPr lang="en-US" altLang="zh-CN" dirty="0"/>
+              <a:t>myworkbook.xlsx</a:t>
+            </a:r>
+            <a:r>
+              <a:rPr lang="zh-CN" altLang="en-US" dirty="0"/>
+              <a:t>中的</a:t>
+            </a:r>
+            <a:r>
+              <a:rPr lang="en-US" altLang="zh-CN" dirty="0"/>
+              <a:t>sheet1</a:t>
+            </a:r>
+            <a:r>
+              <a:rPr lang="zh-CN" altLang="en-US" dirty="0"/>
+              <a:t>表被导入到了</a:t>
+            </a:r>
+            <a:r>
+              <a:rPr lang="en-US" altLang="zh-CN" dirty="0"/>
+              <a:t>R</a:t>
+            </a:r>
+            <a:r>
+              <a:rPr lang="zh-CN" altLang="en-US" dirty="0"/>
+              <a:t>的数据集</a:t>
+            </a:r>
+            <a:r>
+              <a:rPr lang="en-US" altLang="zh-CN" dirty="0" err="1"/>
+              <a:t>mydataframe</a:t>
+            </a:r>
+            <a:r>
+              <a:rPr lang="zh-CN" altLang="en-US" dirty="0"/>
+              <a:t>当中</a:t>
+            </a:r>
+            <a:endParaRPr lang="en-US" altLang="zh-CN" dirty="0"/>
+          </a:p>
+          <a:p>
+            <a:pPr marL="0" indent="0">
+              <a:buNone/>
+            </a:pPr>
+            <a:r>
+              <a:rPr lang="en-US" altLang="zh-CN" dirty="0"/>
+              <a:t>#</a:t>
+            </a:r>
+            <a:r>
+              <a:rPr lang="zh-CN" altLang="en-US" dirty="0"/>
+              <a:t>除此之外，</a:t>
+            </a:r>
+            <a:r>
+              <a:rPr lang="en-US" altLang="zh-CN" dirty="0"/>
+              <a:t>R</a:t>
+            </a:r>
+            <a:r>
+              <a:rPr lang="zh-CN" altLang="en-US" dirty="0"/>
+              <a:t>还可以将数据写入</a:t>
+            </a:r>
+            <a:r>
+              <a:rPr lang="en-US" altLang="zh-CN" dirty="0"/>
+              <a:t>excel</a:t>
+            </a:r>
+            <a:r>
+              <a:rPr lang="zh-CN" altLang="en-US" dirty="0"/>
+              <a:t>文件，请自行阅读该包的说明 </a:t>
+            </a:r>
+            <a:r>
+              <a:rPr lang="en-US" altLang="zh-CN" dirty="0"/>
+              <a:t>help(</a:t>
+            </a:r>
+            <a:r>
+              <a:rPr lang="en-US" altLang="zh-CN" dirty="0" err="1"/>
+              <a:t>xlsx</a:t>
+            </a:r>
+            <a:r>
+              <a:rPr lang="en-US" altLang="zh-CN" dirty="0"/>
+              <a:t>) </a:t>
+            </a:r>
+            <a:r>
+              <a:rPr lang="zh-CN" altLang="en-US" dirty="0"/>
+              <a:t>查看写入如何操作</a:t>
+            </a:r>
+            <a:endParaRPr lang="en-US" altLang="zh-CN" dirty="0"/>
+          </a:p>
+          <a:p>
             <a:endParaRPr lang="zh-CN" altLang="en-US" dirty="0"/>
           </a:p>
         </p:txBody>
@@ -18962,16 +19591,10 @@
         </p:nvSpPr>
         <p:spPr/>
         <p:txBody>
-          <a:bodyPr>
-            <a:normAutofit/>
-          </a:bodyPr>
+          <a:bodyPr/>
           <a:lstStyle/>
           <a:p>
-            <a:r>
-              <a:rPr lang="zh-CN" altLang="en-US" sz="2800" dirty="0" smtClean="0"/>
-              <a:t>*数据库导入</a:t>
-            </a:r>
-            <a:endParaRPr lang="zh-CN" altLang="en-US" sz="2800" dirty="0"/>
+            <a:endParaRPr lang="zh-CN" altLang="en-US" dirty="0"/>
           </a:p>
         </p:txBody>
       </p:sp>
@@ -18991,234 +19614,46 @@
           <a:lstStyle/>
           <a:p>
             <a:r>
+              <a:rPr lang="zh-CN" altLang="en-US" dirty="0" smtClean="0"/>
+              <a:t>使用</a:t>
+            </a:r>
+            <a:r>
+              <a:rPr lang="en-US" altLang="zh-CN" dirty="0" err="1" smtClean="0"/>
+              <a:t>file.choose</a:t>
+            </a:r>
+            <a:r>
               <a:rPr lang="en-US" altLang="zh-CN" dirty="0" smtClean="0"/>
-              <a:t>R</a:t>
+              <a:t>()</a:t>
             </a:r>
             <a:r>
               <a:rPr lang="zh-CN" altLang="en-US" dirty="0" smtClean="0"/>
-              <a:t>通过软件包</a:t>
-            </a:r>
-            <a:r>
-              <a:rPr lang="en-US" altLang="zh-CN" dirty="0" smtClean="0"/>
-              <a:t>RODBC</a:t>
-            </a:r>
-            <a:r>
-              <a:rPr lang="zh-CN" altLang="en-US" dirty="0" smtClean="0"/>
-              <a:t>可以访问目前的多种类型数据库，覆盖了几乎目前常见的所有数据库。下边以</a:t>
-            </a:r>
-            <a:r>
-              <a:rPr lang="en-US" altLang="zh-CN" dirty="0" smtClean="0"/>
-              <a:t>SQL</a:t>
-            </a:r>
-            <a:r>
-              <a:rPr lang="zh-CN" altLang="en-US" dirty="0" smtClean="0"/>
-              <a:t>数据库为例：</a:t>
+              <a:t>方法手动加载外部数据</a:t>
             </a:r>
             <a:endParaRPr lang="en-US" altLang="zh-CN" dirty="0" smtClean="0"/>
           </a:p>
           <a:p>
-            <a:pPr lvl="1"/>
-            <a:r>
-              <a:rPr lang="zh-CN" altLang="en-US" dirty="0" smtClean="0"/>
-              <a:t>加载</a:t>
-            </a:r>
-            <a:r>
-              <a:rPr lang="en-US" altLang="zh-CN" dirty="0" smtClean="0"/>
-              <a:t>RODBC</a:t>
-            </a:r>
-            <a:r>
-              <a:rPr lang="zh-CN" altLang="en-US" dirty="0" smtClean="0"/>
-              <a:t>包</a:t>
-            </a:r>
-            <a:endParaRPr lang="en-US" altLang="zh-CN" dirty="0" smtClean="0"/>
-          </a:p>
-          <a:p>
-            <a:pPr lvl="1"/>
-            <a:r>
-              <a:rPr lang="en-US" altLang="zh-CN" dirty="0" err="1" smtClean="0"/>
-              <a:t>myconn</a:t>
-            </a:r>
-            <a:r>
-              <a:rPr lang="en-US" altLang="zh-CN" dirty="0" smtClean="0"/>
-              <a:t>&lt;-</a:t>
-            </a:r>
-            <a:r>
-              <a:rPr lang="en-US" altLang="zh-CN" dirty="0" err="1" smtClean="0"/>
-              <a:t>odbcConnect</a:t>
-            </a:r>
-            <a:r>
-              <a:rPr lang="en-US" altLang="zh-CN" dirty="0" smtClean="0"/>
-              <a:t>(“</a:t>
-            </a:r>
-            <a:r>
-              <a:rPr lang="en-US" altLang="zh-CN" dirty="0" err="1" smtClean="0"/>
-              <a:t>mydsn</a:t>
-            </a:r>
-            <a:r>
-              <a:rPr lang="en-US" altLang="zh-CN" dirty="0" smtClean="0"/>
-              <a:t>”,</a:t>
-            </a:r>
-            <a:r>
-              <a:rPr lang="en-US" altLang="zh-CN" dirty="0" err="1" smtClean="0"/>
-              <a:t>uid</a:t>
-            </a:r>
-            <a:r>
-              <a:rPr lang="en-US" altLang="zh-CN" dirty="0" smtClean="0"/>
-              <a:t>=“Rob”,</a:t>
-            </a:r>
-            <a:r>
-              <a:rPr lang="en-US" altLang="zh-CN" dirty="0" err="1" smtClean="0"/>
-              <a:t>pwd</a:t>
-            </a:r>
-            <a:r>
-              <a:rPr lang="en-US" altLang="zh-CN" dirty="0" smtClean="0"/>
-              <a:t>=“</a:t>
-            </a:r>
-            <a:r>
-              <a:rPr lang="en-US" altLang="zh-CN" dirty="0" err="1" smtClean="0"/>
-              <a:t>wodemima</a:t>
-            </a:r>
-            <a:r>
-              <a:rPr lang="en-US" altLang="zh-CN" dirty="0" smtClean="0"/>
-              <a:t>”) #</a:t>
-            </a:r>
-            <a:r>
-              <a:rPr lang="zh-CN" altLang="en-US" dirty="0" smtClean="0"/>
-              <a:t>建立一个数据库访问通道</a:t>
-            </a:r>
-            <a:endParaRPr lang="en-US" altLang="zh-CN" dirty="0" smtClean="0"/>
-          </a:p>
-          <a:p>
-            <a:pPr lvl="1"/>
-            <a:r>
-              <a:rPr lang="en-US" altLang="zh-CN" dirty="0" err="1" smtClean="0"/>
-              <a:t>crimedat</a:t>
-            </a:r>
-            <a:r>
-              <a:rPr lang="en-US" altLang="zh-CN" dirty="0" smtClean="0"/>
-              <a:t>&lt;-</a:t>
-            </a:r>
-            <a:r>
-              <a:rPr lang="en-US" altLang="zh-CN" dirty="0" err="1" smtClean="0"/>
-              <a:t>sqlFetch</a:t>
-            </a:r>
-            <a:r>
-              <a:rPr lang="en-US" altLang="zh-CN" dirty="0" smtClean="0"/>
-              <a:t>(</a:t>
-            </a:r>
-            <a:r>
-              <a:rPr lang="en-US" altLang="zh-CN" dirty="0" err="1" smtClean="0"/>
-              <a:t>myconn,Crime</a:t>
-            </a:r>
-            <a:r>
-              <a:rPr lang="en-US" altLang="zh-CN" dirty="0" smtClean="0"/>
-              <a:t>) #</a:t>
-            </a:r>
-            <a:r>
-              <a:rPr lang="zh-CN" altLang="en-US" dirty="0" smtClean="0"/>
-              <a:t>通过通道</a:t>
-            </a:r>
-            <a:r>
-              <a:rPr lang="en-US" altLang="zh-CN" dirty="0" err="1" smtClean="0"/>
-              <a:t>myconn</a:t>
-            </a:r>
-            <a:r>
-              <a:rPr lang="zh-CN" altLang="en-US" dirty="0" smtClean="0"/>
-              <a:t>读取表</a:t>
-            </a:r>
-            <a:r>
-              <a:rPr lang="en-US" altLang="zh-CN" dirty="0" smtClean="0"/>
-              <a:t>Crime</a:t>
-            </a:r>
-            <a:r>
-              <a:rPr lang="zh-CN" altLang="en-US" dirty="0" smtClean="0"/>
-              <a:t>保存到数据框</a:t>
-            </a:r>
-            <a:r>
-              <a:rPr lang="en-US" altLang="zh-CN" dirty="0" err="1" smtClean="0"/>
-              <a:t>crimedat</a:t>
-            </a:r>
-            <a:r>
-              <a:rPr lang="zh-CN" altLang="en-US" dirty="0" smtClean="0"/>
-              <a:t>里</a:t>
-            </a:r>
-            <a:endParaRPr lang="en-US" altLang="zh-CN" dirty="0" smtClean="0"/>
-          </a:p>
-          <a:p>
-            <a:pPr lvl="1"/>
-            <a:r>
-              <a:rPr lang="en-US" altLang="zh-CN" dirty="0" smtClean="0"/>
-              <a:t>pundit&lt;- </a:t>
-            </a:r>
-            <a:r>
-              <a:rPr lang="en-US" altLang="zh-CN" dirty="0" err="1" smtClean="0"/>
-              <a:t>sqlQuery</a:t>
-            </a:r>
-            <a:r>
-              <a:rPr lang="en-US" altLang="zh-CN" dirty="0" smtClean="0"/>
-              <a:t>(</a:t>
-            </a:r>
-            <a:r>
-              <a:rPr lang="en-US" altLang="zh-CN" dirty="0" err="1" smtClean="0"/>
-              <a:t>myconn</a:t>
-            </a:r>
-            <a:r>
-              <a:rPr lang="en-US" altLang="zh-CN" dirty="0" smtClean="0"/>
-              <a:t>, “select * from Punishment”) #</a:t>
-            </a:r>
-            <a:r>
-              <a:rPr lang="zh-CN" altLang="en-US" dirty="0" smtClean="0"/>
-              <a:t>查询并返回结果</a:t>
-            </a:r>
-            <a:endParaRPr lang="en-US" altLang="zh-CN" dirty="0" smtClean="0"/>
-          </a:p>
-          <a:p>
-            <a:pPr lvl="1"/>
-            <a:r>
-              <a:rPr lang="en-US" altLang="zh-CN" dirty="0" smtClean="0"/>
-              <a:t>close(</a:t>
-            </a:r>
-            <a:r>
-              <a:rPr lang="en-US" altLang="zh-CN" dirty="0" err="1" smtClean="0"/>
-              <a:t>myconn</a:t>
-            </a:r>
-            <a:r>
-              <a:rPr lang="en-US" altLang="zh-CN" dirty="0" smtClean="0"/>
-              <a:t>) #</a:t>
-            </a:r>
-            <a:r>
-              <a:rPr lang="zh-CN" altLang="en-US" dirty="0" smtClean="0"/>
-              <a:t>关闭访问连接</a:t>
-            </a:r>
-            <a:endParaRPr lang="en-US" altLang="zh-CN" dirty="0" smtClean="0"/>
-          </a:p>
-          <a:p>
-            <a:pPr marL="201295" lvl="1" indent="0">
+            <a:pPr marL="0" indent="0">
               <a:buNone/>
             </a:pPr>
             <a:r>
-              <a:rPr lang="zh-CN" altLang="en-US" dirty="0" smtClean="0"/>
-              <a:t>注意</a:t>
-            </a:r>
-            <a:r>
               <a:rPr lang="en-US" altLang="zh-CN" dirty="0" smtClean="0"/>
-              <a:t>, </a:t>
+              <a:t>	</a:t>
             </a:r>
             <a:r>
               <a:rPr lang="en-US" altLang="zh-CN" dirty="0" err="1" smtClean="0"/>
-              <a:t>sqlQuery</a:t>
-            </a:r>
-            <a:r>
-              <a:rPr lang="zh-CN" altLang="en-US" dirty="0" smtClean="0"/>
-              <a:t>由于可以插入使用</a:t>
+              <a:t>tran</a:t>
             </a:r>
             <a:r>
               <a:rPr lang="en-US" altLang="zh-CN" dirty="0" smtClean="0"/>
-              <a:t>SQL</a:t>
-            </a:r>
-            <a:r>
-              <a:rPr lang="zh-CN" altLang="en-US" dirty="0" smtClean="0"/>
-              <a:t>语句，使得该命令具有极高的灵活性，可以赋予我们操作并使用数据库几乎所有功能的能力</a:t>
+              <a:t>&lt;-read.csv( file=</a:t>
+            </a:r>
+            <a:r>
+              <a:rPr lang="en-US" altLang="zh-CN" dirty="0" err="1" smtClean="0"/>
+              <a:t>file.choose</a:t>
+            </a:r>
+            <a:r>
+              <a:rPr lang="en-US" altLang="zh-CN" dirty="0" smtClean="0"/>
+              <a:t>() )</a:t>
             </a:r>
             <a:endParaRPr lang="zh-CN" altLang="en-US" dirty="0"/>
           </a:p>
@@ -19274,10 +19709,10 @@
           <a:lstStyle/>
           <a:p>
             <a:r>
-              <a:rPr lang="zh-CN" altLang="en-US" sz="3200" dirty="0" smtClean="0"/>
-              <a:t>*网络抓取</a:t>
-            </a:r>
-            <a:endParaRPr lang="zh-CN" altLang="en-US" sz="3200" dirty="0"/>
+              <a:rPr lang="zh-CN" altLang="en-US" sz="2800" dirty="0" smtClean="0"/>
+              <a:t>*数据库导入</a:t>
+            </a:r>
+            <a:endParaRPr lang="zh-CN" altLang="en-US" sz="2800" dirty="0"/>
           </a:p>
         </p:txBody>
       </p:sp>
@@ -19297,45 +19732,235 @@
           <a:lstStyle/>
           <a:p>
             <a:r>
-              <a:rPr lang="zh-CN" altLang="en-US" dirty="0" smtClean="0"/>
-              <a:t>目前</a:t>
-            </a:r>
-            <a:r>
               <a:rPr lang="en-US" altLang="zh-CN" dirty="0" smtClean="0"/>
               <a:t>R</a:t>
             </a:r>
             <a:r>
               <a:rPr lang="zh-CN" altLang="en-US" dirty="0" smtClean="0"/>
-              <a:t>语言中用于网络抓取数据的程序包主要有</a:t>
-            </a:r>
+              <a:t>通过软件包</a:t>
+            </a:r>
+            <a:r>
+              <a:rPr lang="en-US" altLang="zh-CN" dirty="0" smtClean="0"/>
+              <a:t>RODBC</a:t>
+            </a:r>
+            <a:r>
+              <a:rPr lang="zh-CN" altLang="en-US" dirty="0" smtClean="0"/>
+              <a:t>可以访问目前的多种类型数据库，覆盖了几乎目前常见的所有数据库。下边以</a:t>
+            </a:r>
+            <a:r>
+              <a:rPr lang="en-US" altLang="zh-CN" dirty="0" smtClean="0"/>
+              <a:t>SQL</a:t>
+            </a:r>
+            <a:r>
+              <a:rPr lang="zh-CN" altLang="en-US" dirty="0" smtClean="0"/>
+              <a:t>数据库为例：</a:t>
+            </a:r>
+            <a:endParaRPr lang="en-US" altLang="zh-CN" dirty="0" smtClean="0"/>
+          </a:p>
+          <a:p>
+            <a:pPr lvl="1"/>
+            <a:r>
+              <a:rPr lang="zh-CN" altLang="en-US" dirty="0" smtClean="0"/>
+              <a:t>加载</a:t>
+            </a:r>
+            <a:r>
+              <a:rPr lang="en-US" altLang="zh-CN" dirty="0" smtClean="0"/>
+              <a:t>RODBC</a:t>
+            </a:r>
+            <a:r>
+              <a:rPr lang="zh-CN" altLang="en-US" dirty="0" smtClean="0"/>
+              <a:t>包</a:t>
+            </a:r>
+            <a:endParaRPr lang="en-US" altLang="zh-CN" dirty="0" smtClean="0"/>
+          </a:p>
+          <a:p>
+            <a:pPr lvl="1"/>
             <a:r>
               <a:rPr lang="en-US" altLang="zh-CN" dirty="0" err="1" smtClean="0"/>
-              <a:t>Rcurl</a:t>
+              <a:t>myconn</a:t>
+            </a:r>
+            <a:r>
+              <a:rPr lang="en-US" altLang="zh-CN" dirty="0" smtClean="0"/>
+              <a:t>&lt;-</a:t>
+            </a:r>
+            <a:r>
+              <a:rPr lang="en-US" altLang="zh-CN" dirty="0" err="1" smtClean="0"/>
+              <a:t>odbcConnect</a:t>
+            </a:r>
+            <a:r>
+              <a:rPr lang="en-US" altLang="zh-CN" dirty="0" smtClean="0"/>
+              <a:t>(“</a:t>
+            </a:r>
+            <a:r>
+              <a:rPr lang="en-US" altLang="zh-CN" dirty="0" err="1" smtClean="0"/>
+              <a:t>mydsn</a:t>
+            </a:r>
+            <a:r>
+              <a:rPr lang="en-US" altLang="zh-CN" dirty="0" smtClean="0"/>
+              <a:t>”,</a:t>
+            </a:r>
+            <a:r>
+              <a:rPr lang="en-US" altLang="zh-CN" dirty="0" err="1" smtClean="0"/>
+              <a:t>uid</a:t>
+            </a:r>
+            <a:r>
+              <a:rPr lang="en-US" altLang="zh-CN" dirty="0" smtClean="0"/>
+              <a:t>=“Rob”,</a:t>
+            </a:r>
+            <a:r>
+              <a:rPr lang="en-US" altLang="zh-CN" dirty="0" err="1" smtClean="0"/>
+              <a:t>pwd</a:t>
+            </a:r>
+            <a:r>
+              <a:rPr lang="en-US" altLang="zh-CN" dirty="0" smtClean="0"/>
+              <a:t>=“</a:t>
+            </a:r>
+            <a:r>
+              <a:rPr lang="en-US" altLang="zh-CN" dirty="0" err="1" smtClean="0"/>
+              <a:t>wodemima</a:t>
+            </a:r>
+            <a:r>
+              <a:rPr lang="en-US" altLang="zh-CN" dirty="0" smtClean="0"/>
+              <a:t>”) #</a:t>
             </a:r>
             <a:r>
               <a:rPr lang="zh-CN" altLang="en-US" dirty="0" smtClean="0"/>
-              <a:t>和</a:t>
-            </a:r>
+              <a:t>建立一个数据库访问通道</a:t>
+            </a:r>
+            <a:endParaRPr lang="en-US" altLang="zh-CN" dirty="0" smtClean="0"/>
+          </a:p>
+          <a:p>
+            <a:pPr lvl="1"/>
             <a:r>
               <a:rPr lang="en-US" altLang="zh-CN" dirty="0" err="1" smtClean="0"/>
-              <a:t>rvest</a:t>
+              <a:t>crimedat</a:t>
+            </a:r>
+            <a:r>
+              <a:rPr lang="en-US" altLang="zh-CN" dirty="0" smtClean="0"/>
+              <a:t>&lt;-</a:t>
+            </a:r>
+            <a:r>
+              <a:rPr lang="en-US" altLang="zh-CN" dirty="0" err="1" smtClean="0"/>
+              <a:t>sqlFetch</a:t>
+            </a:r>
+            <a:r>
+              <a:rPr lang="en-US" altLang="zh-CN" dirty="0" smtClean="0"/>
+              <a:t>(</a:t>
+            </a:r>
+            <a:r>
+              <a:rPr lang="en-US" altLang="zh-CN" dirty="0" err="1" smtClean="0"/>
+              <a:t>myconn,Crime</a:t>
+            </a:r>
+            <a:r>
+              <a:rPr lang="en-US" altLang="zh-CN" dirty="0" smtClean="0"/>
+              <a:t>) #</a:t>
             </a:r>
             <a:r>
               <a:rPr lang="zh-CN" altLang="en-US" dirty="0" smtClean="0"/>
-              <a:t>两个包，以</a:t>
+              <a:t>通过通道</a:t>
             </a:r>
             <a:r>
               <a:rPr lang="en-US" altLang="zh-CN" dirty="0" err="1" smtClean="0"/>
-              <a:t>rvest</a:t>
+              <a:t>myconn</a:t>
             </a:r>
             <a:r>
               <a:rPr lang="zh-CN" altLang="en-US" dirty="0" smtClean="0"/>
-              <a:t>为例：</a:t>
+              <a:t>读取表</a:t>
+            </a:r>
+            <a:r>
+              <a:rPr lang="en-US" altLang="zh-CN" dirty="0" smtClean="0"/>
+              <a:t>Crime</a:t>
+            </a:r>
+            <a:r>
+              <a:rPr lang="zh-CN" altLang="en-US" dirty="0" smtClean="0"/>
+              <a:t>保存到数据框</a:t>
+            </a:r>
+            <a:r>
+              <a:rPr lang="en-US" altLang="zh-CN" dirty="0" err="1" smtClean="0"/>
+              <a:t>crimedat</a:t>
+            </a:r>
+            <a:r>
+              <a:rPr lang="zh-CN" altLang="en-US" dirty="0" smtClean="0"/>
+              <a:t>里</a:t>
             </a:r>
             <a:endParaRPr lang="en-US" altLang="zh-CN" dirty="0" smtClean="0"/>
           </a:p>
           <a:p>
             <a:pPr lvl="1"/>
+            <a:r>
+              <a:rPr lang="en-US" altLang="zh-CN" dirty="0" smtClean="0"/>
+              <a:t>pundit&lt;- </a:t>
+            </a:r>
+            <a:r>
+              <a:rPr lang="en-US" altLang="zh-CN" dirty="0" err="1" smtClean="0"/>
+              <a:t>sqlQuery</a:t>
+            </a:r>
+            <a:r>
+              <a:rPr lang="en-US" altLang="zh-CN" dirty="0" smtClean="0"/>
+              <a:t>(</a:t>
+            </a:r>
+            <a:r>
+              <a:rPr lang="en-US" altLang="zh-CN" dirty="0" err="1" smtClean="0"/>
+              <a:t>myconn</a:t>
+            </a:r>
+            <a:r>
+              <a:rPr lang="en-US" altLang="zh-CN" dirty="0" smtClean="0"/>
+              <a:t>, “select * from Punishment”) #</a:t>
+            </a:r>
+            <a:r>
+              <a:rPr lang="zh-CN" altLang="en-US" dirty="0" smtClean="0"/>
+              <a:t>查询并返回结果</a:t>
+            </a:r>
+            <a:endParaRPr lang="en-US" altLang="zh-CN" dirty="0" smtClean="0"/>
+          </a:p>
+          <a:p>
+            <a:pPr lvl="1"/>
+            <a:r>
+              <a:rPr lang="en-US" altLang="zh-CN" dirty="0" smtClean="0"/>
+              <a:t>close(</a:t>
+            </a:r>
+            <a:r>
+              <a:rPr lang="en-US" altLang="zh-CN" dirty="0" err="1" smtClean="0"/>
+              <a:t>myconn</a:t>
+            </a:r>
+            <a:r>
+              <a:rPr lang="en-US" altLang="zh-CN" dirty="0" smtClean="0"/>
+              <a:t>) #</a:t>
+            </a:r>
+            <a:r>
+              <a:rPr lang="zh-CN" altLang="en-US" dirty="0" smtClean="0"/>
+              <a:t>关闭访问连接</a:t>
+            </a:r>
+            <a:endParaRPr lang="en-US" altLang="zh-CN" dirty="0" smtClean="0"/>
+          </a:p>
+          <a:p>
+            <a:pPr marL="201295" lvl="1" indent="0">
+              <a:buNone/>
+            </a:pPr>
+            <a:r>
+              <a:rPr lang="zh-CN" altLang="en-US" dirty="0" smtClean="0"/>
+              <a:t>注意</a:t>
+            </a:r>
+            <a:r>
+              <a:rPr lang="en-US" altLang="zh-CN" dirty="0" smtClean="0"/>
+              <a:t>, </a:t>
+            </a:r>
+            <a:r>
+              <a:rPr lang="en-US" altLang="zh-CN" dirty="0" err="1" smtClean="0"/>
+              <a:t>sqlQuery</a:t>
+            </a:r>
+            <a:r>
+              <a:rPr lang="zh-CN" altLang="en-US" dirty="0" smtClean="0"/>
+              <a:t>由于可以插入使用</a:t>
+            </a:r>
+            <a:r>
+              <a:rPr lang="en-US" altLang="zh-CN" dirty="0" smtClean="0"/>
+              <a:t>SQL</a:t>
+            </a:r>
+            <a:r>
+              <a:rPr lang="zh-CN" altLang="en-US" dirty="0" smtClean="0"/>
+              <a:t>语句，使得该命令具有极高的灵活性，可以赋予我们操作并使用数据库几乎所有功能的能力</a:t>
+            </a:r>
             <a:endParaRPr lang="zh-CN" altLang="en-US" dirty="0"/>
           </a:p>
         </p:txBody>
@@ -19384,14 +20009,16 @@
         </p:nvSpPr>
         <p:spPr/>
         <p:txBody>
-          <a:bodyPr/>
+          <a:bodyPr>
+            <a:normAutofit/>
+          </a:bodyPr>
           <a:lstStyle/>
           <a:p>
             <a:r>
-              <a:rPr lang="zh-CN" altLang="en-US" dirty="0" smtClean="0"/>
-              <a:t>数据的保存</a:t>
-            </a:r>
-            <a:endParaRPr lang="zh-CN" altLang="en-US" dirty="0"/>
+              <a:rPr lang="zh-CN" altLang="en-US" sz="3200" dirty="0" smtClean="0"/>
+              <a:t>*网络抓取</a:t>
+            </a:r>
+            <a:endParaRPr lang="zh-CN" altLang="en-US" sz="3200" dirty="0"/>
           </a:p>
         </p:txBody>
       </p:sp>
@@ -19411,602 +20038,46 @@
           <a:lstStyle/>
           <a:p>
             <a:r>
+              <a:rPr lang="zh-CN" altLang="en-US" dirty="0" smtClean="0"/>
+              <a:t>目前</a:t>
+            </a:r>
+            <a:r>
               <a:rPr lang="en-US" altLang="zh-CN" dirty="0" smtClean="0"/>
               <a:t>R</a:t>
             </a:r>
             <a:r>
               <a:rPr lang="zh-CN" altLang="en-US" dirty="0" smtClean="0"/>
-              <a:t>语言常用的几种数据保持格式有</a:t>
-            </a:r>
-            <a:endParaRPr lang="en-US" altLang="zh-CN" dirty="0" smtClean="0"/>
-          </a:p>
-          <a:p>
-            <a:pPr lvl="1"/>
-            <a:r>
-              <a:rPr lang="en-US" altLang="zh-CN" dirty="0" smtClean="0"/>
-              <a:t>txt</a:t>
+              <a:t>语言中用于网络抓取数据的程序包主要有</a:t>
+            </a:r>
+            <a:r>
+              <a:rPr lang="en-US" altLang="zh-CN" dirty="0" err="1" smtClean="0"/>
+              <a:t>Rcurl</a:t>
             </a:r>
             <a:r>
               <a:rPr lang="zh-CN" altLang="en-US" dirty="0" smtClean="0"/>
-              <a:t>文本文件格式</a:t>
-            </a:r>
-            <a:endParaRPr lang="en-US" altLang="zh-CN" dirty="0" smtClean="0"/>
-          </a:p>
-          <a:p>
-            <a:pPr lvl="1"/>
-            <a:endParaRPr lang="en-US" altLang="zh-CN" dirty="0" smtClean="0"/>
-          </a:p>
-          <a:p>
-            <a:pPr lvl="1"/>
-            <a:r>
-              <a:rPr lang="en-US" altLang="zh-CN" dirty="0" smtClean="0"/>
-              <a:t>csv</a:t>
+              <a:t>和</a:t>
+            </a:r>
+            <a:r>
+              <a:rPr lang="en-US" altLang="zh-CN" dirty="0" err="1" smtClean="0"/>
+              <a:t>rvest</a:t>
             </a:r>
             <a:r>
               <a:rPr lang="zh-CN" altLang="en-US" dirty="0" smtClean="0"/>
-              <a:t>格式</a:t>
-            </a:r>
-            <a:endParaRPr lang="en-US" altLang="zh-CN" dirty="0" smtClean="0"/>
-          </a:p>
-          <a:p>
-            <a:pPr lvl="1"/>
-            <a:endParaRPr lang="en-US" altLang="zh-CN" dirty="0" smtClean="0"/>
-          </a:p>
-          <a:p>
-            <a:pPr lvl="1"/>
+              <a:t>两个包，以</a:t>
+            </a:r>
             <a:r>
               <a:rPr lang="en-US" altLang="zh-CN" dirty="0" err="1" smtClean="0"/>
-              <a:t>Rdata</a:t>
+              <a:t>rvest</a:t>
             </a:r>
             <a:r>
               <a:rPr lang="zh-CN" altLang="en-US" dirty="0" smtClean="0"/>
-              <a:t>格式，即</a:t>
-            </a:r>
-            <a:r>
-              <a:rPr lang="en-US" altLang="zh-CN" dirty="0" smtClean="0"/>
-              <a:t>R</a:t>
-            </a:r>
-            <a:r>
-              <a:rPr lang="zh-CN" altLang="en-US" dirty="0" smtClean="0"/>
-              <a:t>语言自己的数据格式</a:t>
-            </a:r>
-            <a:endParaRPr lang="en-US" altLang="zh-CN" dirty="0" smtClean="0"/>
-          </a:p>
-          <a:p>
-            <a:pPr lvl="1"/>
-            <a:endParaRPr lang="en-US" altLang="zh-CN" dirty="0"/>
-          </a:p>
-          <a:p>
-            <a:r>
-              <a:rPr lang="zh-CN" altLang="en-US" dirty="0" smtClean="0"/>
-              <a:t>工作空间</a:t>
+              <a:t>为例：</a:t>
             </a:r>
             <a:endParaRPr lang="en-US" altLang="zh-CN" dirty="0" smtClean="0"/>
           </a:p>
           <a:p>
             <a:pPr lvl="1"/>
             <a:endParaRPr lang="zh-CN" altLang="en-US" dirty="0"/>
-          </a:p>
-        </p:txBody>
-      </p:sp>
-      <p:sp>
-        <p:nvSpPr>
-          <p:cNvPr id="4" name="Rectangle 1"/>
-          <p:cNvSpPr>
-            <a:spLocks noChangeArrowheads="1"/>
-          </p:cNvSpPr>
-          <p:nvPr/>
-        </p:nvSpPr>
-        <p:spPr bwMode="auto">
-          <a:xfrm>
-            <a:off x="1323831" y="2536533"/>
-            <a:ext cx="5650173" cy="215444"/>
-          </a:xfrm>
-          <a:prstGeom prst="rect">
-            <a:avLst/>
-          </a:prstGeom>
-          <a:solidFill>
-            <a:srgbClr val="FFFFFF"/>
-          </a:solidFill>
-          <a:ln>
-            <a:noFill/>
-          </a:ln>
-          <a:effectLst/>
-          <a:extLst>
-            <a:ext uri="{91240B29-F687-4F45-9708-019B960494DF}">
-              <a14:hiddenLine xmlns:a14="http://schemas.microsoft.com/office/drawing/2010/main" w="9525">
-                <a:solidFill>
-                  <a:schemeClr val="tx1"/>
-                </a:solidFill>
-                <a:miter lim="800000"/>
-                <a:headEnd/>
-                <a:tailEnd/>
-              </a14:hiddenLine>
-            </a:ext>
-            <a:ext uri="{AF507438-7753-43E0-B8FC-AC1667EBCBE1}">
-              <a14:hiddenEffects xmlns:a14="http://schemas.microsoft.com/office/drawing/2010/main">
-                <a:effectLst>
-                  <a:outerShdw dist="35921" dir="2700000" algn="ctr" rotWithShape="0">
-                    <a:schemeClr val="bg2"/>
-                  </a:outerShdw>
-                </a:effectLst>
-              </a14:hiddenEffects>
-            </a:ext>
-          </a:extLst>
-        </p:spPr>
-        <p:txBody>
-          <a:bodyPr vert="horz" wrap="square" lIns="0" tIns="0" rIns="0" bIns="0" numCol="1" anchor="ctr" anchorCtr="0" compatLnSpc="1">
-            <a:spAutoFit/>
-          </a:bodyPr>
-          <a:lstStyle/>
-          <a:p>
-            <a:pPr marL="0" marR="0" lvl="0" indent="0" algn="l" defTabSz="914400" rtl="0" eaLnBrk="0" fontAlgn="base" latinLnBrk="0" hangingPunct="0">
-              <a:lnSpc>
-                <a:spcPct val="100000"/>
-              </a:lnSpc>
-              <a:spcBef>
-                <a:spcPct val="0"/>
-              </a:spcBef>
-              <a:spcAft>
-                <a:spcPct val="0"/>
-              </a:spcAft>
-              <a:buClrTx/>
-              <a:buSzTx/>
-              <a:buFontTx/>
-              <a:buNone/>
-            </a:pPr>
-            <a:r>
-              <a:rPr kumimoji="0" lang="zh-CN" altLang="zh-CN" sz="1400" b="0" i="0" u="none" strike="noStrike" cap="none" normalizeH="0" baseline="0" dirty="0" smtClean="0">
-                <a:ln>
-                  <a:noFill/>
-                </a:ln>
-                <a:solidFill>
-                  <a:srgbClr val="0000FF"/>
-                </a:solidFill>
-                <a:effectLst/>
-                <a:latin typeface="Lucida Console" panose="020B0609040504020204" pitchFamily="49" charset="0"/>
-              </a:rPr>
-              <a:t>&gt; write.table(student,file="F:/NauCloud/test.txt")</a:t>
-            </a:r>
-            <a:endParaRPr kumimoji="0" lang="zh-CN" altLang="zh-CN" sz="3200" b="0" i="0" u="none" strike="noStrike" cap="none" normalizeH="0" baseline="0" dirty="0" smtClean="0">
-              <a:ln>
-                <a:noFill/>
-              </a:ln>
-              <a:solidFill>
-                <a:schemeClr val="tx1"/>
-              </a:solidFill>
-              <a:effectLst/>
-              <a:latin typeface="Arial" panose="020B0604020202020204" pitchFamily="34" charset="0"/>
-            </a:endParaRPr>
-          </a:p>
-        </p:txBody>
-      </p:sp>
-      <p:pic>
-        <p:nvPicPr>
-          <p:cNvPr id="5" name="图片 4"/>
-          <p:cNvPicPr>
-            <a:picLocks noChangeAspect="1"/>
-          </p:cNvPicPr>
-          <p:nvPr/>
-        </p:nvPicPr>
-        <p:blipFill>
-          <a:blip r:embed="rId2"/>
-          <a:stretch>
-            <a:fillRect/>
-          </a:stretch>
-        </p:blipFill>
-        <p:spPr>
-          <a:xfrm>
-            <a:off x="8184547" y="1836533"/>
-            <a:ext cx="3066667" cy="1400000"/>
-          </a:xfrm>
-          <a:prstGeom prst="rect">
-            <a:avLst/>
-          </a:prstGeom>
-        </p:spPr>
-      </p:pic>
-      <p:sp>
-        <p:nvSpPr>
-          <p:cNvPr id="6" name="Rectangle 1"/>
-          <p:cNvSpPr>
-            <a:spLocks noChangeArrowheads="1"/>
-          </p:cNvSpPr>
-          <p:nvPr/>
-        </p:nvSpPr>
-        <p:spPr bwMode="auto">
-          <a:xfrm>
-            <a:off x="1323831" y="3169168"/>
-            <a:ext cx="5155257" cy="215444"/>
-          </a:xfrm>
-          <a:prstGeom prst="rect">
-            <a:avLst/>
-          </a:prstGeom>
-          <a:solidFill>
-            <a:srgbClr val="FFFFFF"/>
-          </a:solidFill>
-          <a:ln>
-            <a:noFill/>
-          </a:ln>
-          <a:effectLst/>
-          <a:extLst>
-            <a:ext uri="{91240B29-F687-4F45-9708-019B960494DF}">
-              <a14:hiddenLine xmlns:a14="http://schemas.microsoft.com/office/drawing/2010/main" w="9525">
-                <a:solidFill>
-                  <a:schemeClr val="tx1"/>
-                </a:solidFill>
-                <a:miter lim="800000"/>
-                <a:headEnd/>
-                <a:tailEnd/>
-              </a14:hiddenLine>
-            </a:ext>
-            <a:ext uri="{AF507438-7753-43E0-B8FC-AC1667EBCBE1}">
-              <a14:hiddenEffects xmlns:a14="http://schemas.microsoft.com/office/drawing/2010/main">
-                <a:effectLst>
-                  <a:outerShdw dist="35921" dir="2700000" algn="ctr" rotWithShape="0">
-                    <a:schemeClr val="bg2"/>
-                  </a:outerShdw>
-                </a:effectLst>
-              </a14:hiddenEffects>
-            </a:ext>
-          </a:extLst>
-        </p:spPr>
-        <p:txBody>
-          <a:bodyPr vert="horz" wrap="none" lIns="0" tIns="0" rIns="0" bIns="0" numCol="1" anchor="ctr" anchorCtr="0" compatLnSpc="1">
-            <a:spAutoFit/>
-          </a:bodyPr>
-          <a:lstStyle/>
-          <a:p>
-            <a:pPr marL="0" marR="0" lvl="0" indent="0" algn="l" defTabSz="914400" rtl="0" eaLnBrk="0" fontAlgn="base" latinLnBrk="0" hangingPunct="0">
-              <a:lnSpc>
-                <a:spcPct val="100000"/>
-              </a:lnSpc>
-              <a:spcBef>
-                <a:spcPct val="0"/>
-              </a:spcBef>
-              <a:spcAft>
-                <a:spcPct val="0"/>
-              </a:spcAft>
-              <a:buClrTx/>
-              <a:buSzTx/>
-              <a:buFontTx/>
-              <a:buNone/>
-            </a:pPr>
-            <a:r>
-              <a:rPr kumimoji="0" lang="zh-CN" altLang="zh-CN" sz="1400" b="0" i="0" u="none" strike="noStrike" cap="none" normalizeH="0" baseline="0" dirty="0" smtClean="0">
-                <a:ln>
-                  <a:noFill/>
-                </a:ln>
-                <a:solidFill>
-                  <a:srgbClr val="0000FF"/>
-                </a:solidFill>
-                <a:effectLst/>
-                <a:latin typeface="Lucida Console" panose="020B0609040504020204" pitchFamily="49" charset="0"/>
-              </a:rPr>
-              <a:t>&gt; write.csv(student,file="F:/NauCloud/test.csv")</a:t>
-            </a:r>
-            <a:endParaRPr kumimoji="0" lang="zh-CN" altLang="zh-CN" sz="3200" b="0" i="0" u="none" strike="noStrike" cap="none" normalizeH="0" baseline="0" dirty="0" smtClean="0">
-              <a:ln>
-                <a:noFill/>
-              </a:ln>
-              <a:solidFill>
-                <a:schemeClr val="tx1"/>
-              </a:solidFill>
-              <a:effectLst/>
-              <a:latin typeface="Arial" panose="020B0604020202020204" pitchFamily="34" charset="0"/>
-            </a:endParaRPr>
-          </a:p>
-        </p:txBody>
-      </p:sp>
-      <p:sp>
-        <p:nvSpPr>
-          <p:cNvPr id="7" name="Rectangle 2"/>
-          <p:cNvSpPr>
-            <a:spLocks noChangeArrowheads="1"/>
-          </p:cNvSpPr>
-          <p:nvPr/>
-        </p:nvSpPr>
-        <p:spPr bwMode="auto">
-          <a:xfrm>
-            <a:off x="1323831" y="3905482"/>
-            <a:ext cx="4833054" cy="215444"/>
-          </a:xfrm>
-          <a:prstGeom prst="rect">
-            <a:avLst/>
-          </a:prstGeom>
-          <a:solidFill>
-            <a:srgbClr val="FFFFFF"/>
-          </a:solidFill>
-          <a:ln>
-            <a:noFill/>
-          </a:ln>
-          <a:effectLst/>
-          <a:extLst>
-            <a:ext uri="{91240B29-F687-4F45-9708-019B960494DF}">
-              <a14:hiddenLine xmlns:a14="http://schemas.microsoft.com/office/drawing/2010/main" w="9525">
-                <a:solidFill>
-                  <a:schemeClr val="tx1"/>
-                </a:solidFill>
-                <a:miter lim="800000"/>
-                <a:headEnd/>
-                <a:tailEnd/>
-              </a14:hiddenLine>
-            </a:ext>
-            <a:ext uri="{AF507438-7753-43E0-B8FC-AC1667EBCBE1}">
-              <a14:hiddenEffects xmlns:a14="http://schemas.microsoft.com/office/drawing/2010/main">
-                <a:effectLst>
-                  <a:outerShdw dist="35921" dir="2700000" algn="ctr" rotWithShape="0">
-                    <a:schemeClr val="bg2"/>
-                  </a:outerShdw>
-                </a:effectLst>
-              </a14:hiddenEffects>
-            </a:ext>
-          </a:extLst>
-        </p:spPr>
-        <p:txBody>
-          <a:bodyPr vert="horz" wrap="none" lIns="0" tIns="0" rIns="0" bIns="0" numCol="1" anchor="ctr" anchorCtr="0" compatLnSpc="1">
-            <a:spAutoFit/>
-          </a:bodyPr>
-          <a:lstStyle/>
-          <a:p>
-            <a:pPr marL="0" marR="0" lvl="0" indent="0" algn="l" defTabSz="914400" rtl="0" eaLnBrk="0" fontAlgn="base" latinLnBrk="0" hangingPunct="0">
-              <a:lnSpc>
-                <a:spcPct val="100000"/>
-              </a:lnSpc>
-              <a:spcBef>
-                <a:spcPct val="0"/>
-              </a:spcBef>
-              <a:spcAft>
-                <a:spcPct val="0"/>
-              </a:spcAft>
-              <a:buClrTx/>
-              <a:buSzTx/>
-              <a:buFontTx/>
-              <a:buNone/>
-            </a:pPr>
-            <a:r>
-              <a:rPr kumimoji="0" lang="zh-CN" altLang="zh-CN" sz="1400" b="0" i="0" u="none" strike="noStrike" cap="none" normalizeH="0" baseline="0" smtClean="0">
-                <a:ln>
-                  <a:noFill/>
-                </a:ln>
-                <a:solidFill>
-                  <a:srgbClr val="0000FF"/>
-                </a:solidFill>
-                <a:effectLst/>
-                <a:latin typeface="Lucida Console" panose="020B0609040504020204" pitchFamily="49" charset="0"/>
-              </a:rPr>
-              <a:t>&gt; save(student,file="F:/NauCloud/test.Rdata")</a:t>
-            </a:r>
-            <a:endParaRPr kumimoji="0" lang="zh-CN" altLang="zh-CN" sz="3200" b="0" i="0" u="none" strike="noStrike" cap="none" normalizeH="0" baseline="0" smtClean="0">
-              <a:ln>
-                <a:noFill/>
-              </a:ln>
-              <a:solidFill>
-                <a:schemeClr val="tx1"/>
-              </a:solidFill>
-              <a:effectLst/>
-              <a:latin typeface="Arial" panose="020B0604020202020204" pitchFamily="34" charset="0"/>
-            </a:endParaRPr>
-          </a:p>
-        </p:txBody>
-      </p:sp>
-      <p:pic>
-        <p:nvPicPr>
-          <p:cNvPr id="8" name="图片 7"/>
-          <p:cNvPicPr>
-            <a:picLocks noChangeAspect="1"/>
-          </p:cNvPicPr>
-          <p:nvPr/>
-        </p:nvPicPr>
-        <p:blipFill>
-          <a:blip r:embed="rId3"/>
-          <a:stretch>
-            <a:fillRect/>
-          </a:stretch>
-        </p:blipFill>
-        <p:spPr>
-          <a:xfrm>
-            <a:off x="7799139" y="3754259"/>
-            <a:ext cx="857143" cy="733333"/>
-          </a:xfrm>
-          <a:prstGeom prst="rect">
-            <a:avLst/>
-          </a:prstGeom>
-        </p:spPr>
-      </p:pic>
-      <p:sp>
-        <p:nvSpPr>
-          <p:cNvPr id="9" name="Rectangle 3"/>
-          <p:cNvSpPr>
-            <a:spLocks noChangeArrowheads="1"/>
-          </p:cNvSpPr>
-          <p:nvPr/>
-        </p:nvSpPr>
-        <p:spPr bwMode="auto">
-          <a:xfrm>
-            <a:off x="1323831" y="4700529"/>
-            <a:ext cx="1503617" cy="215444"/>
-          </a:xfrm>
-          <a:prstGeom prst="rect">
-            <a:avLst/>
-          </a:prstGeom>
-          <a:solidFill>
-            <a:srgbClr val="FFFFFF"/>
-          </a:solidFill>
-          <a:ln>
-            <a:noFill/>
-          </a:ln>
-          <a:effectLst/>
-          <a:extLst>
-            <a:ext uri="{91240B29-F687-4F45-9708-019B960494DF}">
-              <a14:hiddenLine xmlns:a14="http://schemas.microsoft.com/office/drawing/2010/main" w="9525">
-                <a:solidFill>
-                  <a:schemeClr val="tx1"/>
-                </a:solidFill>
-                <a:miter lim="800000"/>
-                <a:headEnd/>
-                <a:tailEnd/>
-              </a14:hiddenLine>
-            </a:ext>
-            <a:ext uri="{AF507438-7753-43E0-B8FC-AC1667EBCBE1}">
-              <a14:hiddenEffects xmlns:a14="http://schemas.microsoft.com/office/drawing/2010/main">
-                <a:effectLst>
-                  <a:outerShdw dist="35921" dir="2700000" algn="ctr" rotWithShape="0">
-                    <a:schemeClr val="bg2"/>
-                  </a:outerShdw>
-                </a:effectLst>
-              </a14:hiddenEffects>
-            </a:ext>
-          </a:extLst>
-        </p:spPr>
-        <p:txBody>
-          <a:bodyPr vert="horz" wrap="none" lIns="0" tIns="0" rIns="0" bIns="0" numCol="1" anchor="ctr" anchorCtr="0" compatLnSpc="1">
-            <a:spAutoFit/>
-          </a:bodyPr>
-          <a:lstStyle/>
-          <a:p>
-            <a:pPr marL="0" marR="0" lvl="0" indent="0" algn="l" defTabSz="914400" rtl="0" eaLnBrk="0" fontAlgn="base" latinLnBrk="0" hangingPunct="0">
-              <a:lnSpc>
-                <a:spcPct val="100000"/>
-              </a:lnSpc>
-              <a:spcBef>
-                <a:spcPct val="0"/>
-              </a:spcBef>
-              <a:spcAft>
-                <a:spcPct val="0"/>
-              </a:spcAft>
-              <a:buClrTx/>
-              <a:buSzTx/>
-              <a:buFontTx/>
-              <a:buNone/>
-            </a:pPr>
-            <a:r>
-              <a:rPr kumimoji="0" lang="en-US" altLang="zh-CN" sz="1400" b="0" i="0" u="none" strike="noStrike" cap="none" normalizeH="0" baseline="0" dirty="0" smtClean="0">
-                <a:ln>
-                  <a:noFill/>
-                </a:ln>
-                <a:solidFill>
-                  <a:srgbClr val="0000FF"/>
-                </a:solidFill>
-                <a:effectLst/>
-                <a:latin typeface="Lucida Console" panose="020B0609040504020204" pitchFamily="49" charset="0"/>
-              </a:rPr>
-              <a:t>&gt; </a:t>
-            </a:r>
-            <a:r>
-              <a:rPr kumimoji="0" lang="zh-CN" altLang="zh-CN" sz="1400" b="0" i="0" u="none" strike="noStrike" cap="none" normalizeH="0" baseline="0" dirty="0" smtClean="0">
-                <a:ln>
-                  <a:noFill/>
-                </a:ln>
-                <a:solidFill>
-                  <a:srgbClr val="0000FF"/>
-                </a:solidFill>
-                <a:effectLst/>
-                <a:latin typeface="Lucida Console" panose="020B0609040504020204" pitchFamily="49" charset="0"/>
-              </a:rPr>
-              <a:t>save.image()</a:t>
-            </a:r>
-            <a:endParaRPr kumimoji="0" lang="zh-CN" altLang="zh-CN" sz="3200" b="0" i="0" u="none" strike="noStrike" cap="none" normalizeH="0" baseline="0" dirty="0" smtClean="0">
-              <a:ln>
-                <a:noFill/>
-              </a:ln>
-              <a:solidFill>
-                <a:schemeClr val="tx1"/>
-              </a:solidFill>
-              <a:effectLst/>
-              <a:latin typeface="Arial" panose="020B0604020202020204" pitchFamily="34" charset="0"/>
-            </a:endParaRPr>
-          </a:p>
-        </p:txBody>
-      </p:sp>
-      <p:sp>
-        <p:nvSpPr>
-          <p:cNvPr id="10" name="Rectangle 4"/>
-          <p:cNvSpPr>
-            <a:spLocks noChangeArrowheads="1"/>
-          </p:cNvSpPr>
-          <p:nvPr/>
-        </p:nvSpPr>
-        <p:spPr bwMode="auto">
-          <a:xfrm>
-            <a:off x="1323831" y="5069367"/>
-            <a:ext cx="3114635" cy="215444"/>
-          </a:xfrm>
-          <a:prstGeom prst="rect">
-            <a:avLst/>
-          </a:prstGeom>
-          <a:solidFill>
-            <a:srgbClr val="FFFFFF"/>
-          </a:solidFill>
-          <a:ln>
-            <a:noFill/>
-          </a:ln>
-          <a:effectLst/>
-          <a:extLst>
-            <a:ext uri="{91240B29-F687-4F45-9708-019B960494DF}">
-              <a14:hiddenLine xmlns:a14="http://schemas.microsoft.com/office/drawing/2010/main" w="9525">
-                <a:solidFill>
-                  <a:schemeClr val="tx1"/>
-                </a:solidFill>
-                <a:miter lim="800000"/>
-                <a:headEnd/>
-                <a:tailEnd/>
-              </a14:hiddenLine>
-            </a:ext>
-            <a:ext uri="{AF507438-7753-43E0-B8FC-AC1667EBCBE1}">
-              <a14:hiddenEffects xmlns:a14="http://schemas.microsoft.com/office/drawing/2010/main">
-                <a:effectLst>
-                  <a:outerShdw dist="35921" dir="2700000" algn="ctr" rotWithShape="0">
-                    <a:schemeClr val="bg2"/>
-                  </a:outerShdw>
-                </a:effectLst>
-              </a14:hiddenEffects>
-            </a:ext>
-          </a:extLst>
-        </p:spPr>
-        <p:txBody>
-          <a:bodyPr vert="horz" wrap="none" lIns="0" tIns="0" rIns="0" bIns="0" numCol="1" anchor="ctr" anchorCtr="0" compatLnSpc="1">
-            <a:spAutoFit/>
-          </a:bodyPr>
-          <a:lstStyle/>
-          <a:p>
-            <a:pPr marL="0" marR="0" lvl="0" indent="0" algn="l" defTabSz="914400" rtl="0" eaLnBrk="0" fontAlgn="base" latinLnBrk="0" hangingPunct="0">
-              <a:lnSpc>
-                <a:spcPct val="100000"/>
-              </a:lnSpc>
-              <a:spcBef>
-                <a:spcPct val="0"/>
-              </a:spcBef>
-              <a:spcAft>
-                <a:spcPct val="0"/>
-              </a:spcAft>
-              <a:buClrTx/>
-              <a:buSzTx/>
-              <a:buFontTx/>
-              <a:buNone/>
-            </a:pPr>
-            <a:r>
-              <a:rPr kumimoji="0" lang="zh-CN" altLang="zh-CN" sz="1400" b="0" i="0" u="none" strike="noStrike" cap="none" normalizeH="0" baseline="0" smtClean="0">
-                <a:ln>
-                  <a:noFill/>
-                </a:ln>
-                <a:solidFill>
-                  <a:srgbClr val="0000FF"/>
-                </a:solidFill>
-                <a:effectLst/>
-                <a:latin typeface="Lucida Console" panose="020B0609040504020204" pitchFamily="49" charset="0"/>
-              </a:rPr>
-              <a:t>&gt; save.image(file="my.RData")</a:t>
-            </a:r>
-            <a:endParaRPr kumimoji="0" lang="zh-CN" altLang="zh-CN" sz="3200" b="0" i="0" u="none" strike="noStrike" cap="none" normalizeH="0" baseline="0" smtClean="0">
-              <a:ln>
-                <a:noFill/>
-              </a:ln>
-              <a:solidFill>
-                <a:schemeClr val="tx1"/>
-              </a:solidFill>
-              <a:effectLst/>
-              <a:latin typeface="Arial" panose="020B0604020202020204" pitchFamily="34" charset="0"/>
-            </a:endParaRPr>
           </a:p>
         </p:txBody>
       </p:sp>
@@ -20232,6 +20303,676 @@
 </p:sld>
 </file>
 
+<file path=ppt/slides/slide30.xml><?xml version="1.0" encoding="utf-8"?>
+<p:sld xmlns:a="http://schemas.openxmlformats.org/drawingml/2006/main" xmlns:r="http://schemas.openxmlformats.org/officeDocument/2006/relationships" xmlns:p="http://schemas.openxmlformats.org/presentationml/2006/main">
+  <p:cSld>
+    <p:spTree>
+      <p:nvGrpSpPr>
+        <p:cNvPr id="1" name=""/>
+        <p:cNvGrpSpPr/>
+        <p:nvPr/>
+      </p:nvGrpSpPr>
+      <p:grpSpPr>
+        <a:xfrm>
+          <a:off x="0" y="0"/>
+          <a:ext cx="0" cy="0"/>
+          <a:chOff x="0" y="0"/>
+          <a:chExt cx="0" cy="0"/>
+        </a:xfrm>
+      </p:grpSpPr>
+      <p:sp>
+        <p:nvSpPr>
+          <p:cNvPr id="2" name="标题 1"/>
+          <p:cNvSpPr>
+            <a:spLocks noGrp="1"/>
+          </p:cNvSpPr>
+          <p:nvPr>
+            <p:ph type="title"/>
+          </p:nvPr>
+        </p:nvSpPr>
+        <p:spPr/>
+        <p:txBody>
+          <a:bodyPr/>
+          <a:lstStyle/>
+          <a:p>
+            <a:r>
+              <a:rPr lang="zh-CN" altLang="en-US" dirty="0" smtClean="0"/>
+              <a:t>数据的保存</a:t>
+            </a:r>
+            <a:endParaRPr lang="zh-CN" altLang="en-US" dirty="0"/>
+          </a:p>
+        </p:txBody>
+      </p:sp>
+      <p:sp>
+        <p:nvSpPr>
+          <p:cNvPr id="3" name="内容占位符 2"/>
+          <p:cNvSpPr>
+            <a:spLocks noGrp="1"/>
+          </p:cNvSpPr>
+          <p:nvPr>
+            <p:ph idx="1"/>
+          </p:nvPr>
+        </p:nvSpPr>
+        <p:spPr/>
+        <p:txBody>
+          <a:bodyPr/>
+          <a:lstStyle/>
+          <a:p>
+            <a:r>
+              <a:rPr lang="en-US" altLang="zh-CN" dirty="0" smtClean="0"/>
+              <a:t>R</a:t>
+            </a:r>
+            <a:r>
+              <a:rPr lang="zh-CN" altLang="en-US" dirty="0" smtClean="0"/>
+              <a:t>语言常用的几种数据保持格式有</a:t>
+            </a:r>
+            <a:endParaRPr lang="en-US" altLang="zh-CN" dirty="0" smtClean="0"/>
+          </a:p>
+          <a:p>
+            <a:pPr lvl="1"/>
+            <a:r>
+              <a:rPr lang="en-US" altLang="zh-CN" dirty="0" smtClean="0"/>
+              <a:t>txt</a:t>
+            </a:r>
+            <a:r>
+              <a:rPr lang="zh-CN" altLang="en-US" dirty="0" smtClean="0"/>
+              <a:t>文本文件格式</a:t>
+            </a:r>
+            <a:endParaRPr lang="en-US" altLang="zh-CN" dirty="0" smtClean="0"/>
+          </a:p>
+          <a:p>
+            <a:pPr lvl="1"/>
+            <a:endParaRPr lang="en-US" altLang="zh-CN" dirty="0" smtClean="0"/>
+          </a:p>
+          <a:p>
+            <a:pPr lvl="1"/>
+            <a:r>
+              <a:rPr lang="en-US" altLang="zh-CN" dirty="0" smtClean="0"/>
+              <a:t>csv</a:t>
+            </a:r>
+            <a:r>
+              <a:rPr lang="zh-CN" altLang="en-US" dirty="0" smtClean="0"/>
+              <a:t>格式</a:t>
+            </a:r>
+            <a:endParaRPr lang="en-US" altLang="zh-CN" dirty="0" smtClean="0"/>
+          </a:p>
+          <a:p>
+            <a:pPr lvl="1"/>
+            <a:endParaRPr lang="en-US" altLang="zh-CN" dirty="0" smtClean="0"/>
+          </a:p>
+          <a:p>
+            <a:pPr lvl="1"/>
+            <a:r>
+              <a:rPr lang="en-US" altLang="zh-CN" dirty="0" err="1" smtClean="0"/>
+              <a:t>Rdata</a:t>
+            </a:r>
+            <a:r>
+              <a:rPr lang="zh-CN" altLang="en-US" dirty="0" smtClean="0"/>
+              <a:t>格式，即</a:t>
+            </a:r>
+            <a:r>
+              <a:rPr lang="en-US" altLang="zh-CN" dirty="0" smtClean="0"/>
+              <a:t>R</a:t>
+            </a:r>
+            <a:r>
+              <a:rPr lang="zh-CN" altLang="en-US" dirty="0" smtClean="0"/>
+              <a:t>语言自己的数据格式</a:t>
+            </a:r>
+            <a:endParaRPr lang="en-US" altLang="zh-CN" dirty="0" smtClean="0"/>
+          </a:p>
+          <a:p>
+            <a:pPr lvl="1"/>
+            <a:endParaRPr lang="en-US" altLang="zh-CN" dirty="0"/>
+          </a:p>
+          <a:p>
+            <a:r>
+              <a:rPr lang="zh-CN" altLang="en-US" dirty="0" smtClean="0"/>
+              <a:t>工作空间</a:t>
+            </a:r>
+            <a:endParaRPr lang="en-US" altLang="zh-CN" dirty="0" smtClean="0"/>
+          </a:p>
+          <a:p>
+            <a:pPr lvl="1"/>
+            <a:endParaRPr lang="zh-CN" altLang="en-US" dirty="0"/>
+          </a:p>
+        </p:txBody>
+      </p:sp>
+      <p:sp>
+        <p:nvSpPr>
+          <p:cNvPr id="4" name="Rectangle 1"/>
+          <p:cNvSpPr>
+            <a:spLocks noChangeArrowheads="1"/>
+          </p:cNvSpPr>
+          <p:nvPr/>
+        </p:nvSpPr>
+        <p:spPr bwMode="auto">
+          <a:xfrm>
+            <a:off x="1323831" y="2536533"/>
+            <a:ext cx="5650173" cy="215444"/>
+          </a:xfrm>
+          <a:prstGeom prst="rect">
+            <a:avLst/>
+          </a:prstGeom>
+          <a:solidFill>
+            <a:srgbClr val="FFFFFF"/>
+          </a:solidFill>
+          <a:ln>
+            <a:noFill/>
+          </a:ln>
+          <a:effectLst/>
+          <a:extLst>
+            <a:ext uri="{91240B29-F687-4F45-9708-019B960494DF}">
+              <a14:hiddenLine xmlns:a14="http://schemas.microsoft.com/office/drawing/2010/main" w="9525">
+                <a:solidFill>
+                  <a:schemeClr val="tx1"/>
+                </a:solidFill>
+                <a:miter lim="800000"/>
+                <a:headEnd/>
+                <a:tailEnd/>
+              </a14:hiddenLine>
+            </a:ext>
+            <a:ext uri="{AF507438-7753-43E0-B8FC-AC1667EBCBE1}">
+              <a14:hiddenEffects xmlns:a14="http://schemas.microsoft.com/office/drawing/2010/main">
+                <a:effectLst>
+                  <a:outerShdw dist="35921" dir="2700000" algn="ctr" rotWithShape="0">
+                    <a:schemeClr val="bg2"/>
+                  </a:outerShdw>
+                </a:effectLst>
+              </a14:hiddenEffects>
+            </a:ext>
+          </a:extLst>
+        </p:spPr>
+        <p:txBody>
+          <a:bodyPr vert="horz" wrap="square" lIns="0" tIns="0" rIns="0" bIns="0" numCol="1" anchor="ctr" anchorCtr="0" compatLnSpc="1">
+            <a:spAutoFit/>
+          </a:bodyPr>
+          <a:lstStyle/>
+          <a:p>
+            <a:pPr marL="0" marR="0" lvl="0" indent="0" algn="l" defTabSz="914400" rtl="0" eaLnBrk="0" fontAlgn="base" latinLnBrk="0" hangingPunct="0">
+              <a:lnSpc>
+                <a:spcPct val="100000"/>
+              </a:lnSpc>
+              <a:spcBef>
+                <a:spcPct val="0"/>
+              </a:spcBef>
+              <a:spcAft>
+                <a:spcPct val="0"/>
+              </a:spcAft>
+              <a:buClrTx/>
+              <a:buSzTx/>
+              <a:buFontTx/>
+              <a:buNone/>
+            </a:pPr>
+            <a:r>
+              <a:rPr kumimoji="0" lang="zh-CN" altLang="zh-CN" sz="1400" b="0" i="0" u="none" strike="noStrike" cap="none" normalizeH="0" baseline="0" dirty="0" smtClean="0">
+                <a:ln>
+                  <a:noFill/>
+                </a:ln>
+                <a:solidFill>
+                  <a:srgbClr val="0000FF"/>
+                </a:solidFill>
+                <a:effectLst/>
+                <a:latin typeface="Lucida Console" panose="020B0609040504020204" pitchFamily="49" charset="0"/>
+              </a:rPr>
+              <a:t>&gt; write.table(student,file="F:/NauCloud/test.txt")</a:t>
+            </a:r>
+            <a:endParaRPr kumimoji="0" lang="zh-CN" altLang="zh-CN" sz="3200" b="0" i="0" u="none" strike="noStrike" cap="none" normalizeH="0" baseline="0" dirty="0" smtClean="0">
+              <a:ln>
+                <a:noFill/>
+              </a:ln>
+              <a:solidFill>
+                <a:schemeClr val="tx1"/>
+              </a:solidFill>
+              <a:effectLst/>
+              <a:latin typeface="Arial" panose="020B0604020202020204" pitchFamily="34" charset="0"/>
+            </a:endParaRPr>
+          </a:p>
+        </p:txBody>
+      </p:sp>
+      <p:pic>
+        <p:nvPicPr>
+          <p:cNvPr id="5" name="图片 4"/>
+          <p:cNvPicPr>
+            <a:picLocks noChangeAspect="1"/>
+          </p:cNvPicPr>
+          <p:nvPr/>
+        </p:nvPicPr>
+        <p:blipFill>
+          <a:blip r:embed="rId2"/>
+          <a:stretch>
+            <a:fillRect/>
+          </a:stretch>
+        </p:blipFill>
+        <p:spPr>
+          <a:xfrm>
+            <a:off x="8184547" y="1836533"/>
+            <a:ext cx="3066667" cy="1400000"/>
+          </a:xfrm>
+          <a:prstGeom prst="rect">
+            <a:avLst/>
+          </a:prstGeom>
+        </p:spPr>
+      </p:pic>
+      <p:sp>
+        <p:nvSpPr>
+          <p:cNvPr id="6" name="Rectangle 1"/>
+          <p:cNvSpPr>
+            <a:spLocks noChangeArrowheads="1"/>
+          </p:cNvSpPr>
+          <p:nvPr/>
+        </p:nvSpPr>
+        <p:spPr bwMode="auto">
+          <a:xfrm>
+            <a:off x="1323831" y="3169168"/>
+            <a:ext cx="5155257" cy="215444"/>
+          </a:xfrm>
+          <a:prstGeom prst="rect">
+            <a:avLst/>
+          </a:prstGeom>
+          <a:solidFill>
+            <a:srgbClr val="FFFFFF"/>
+          </a:solidFill>
+          <a:ln>
+            <a:noFill/>
+          </a:ln>
+          <a:effectLst/>
+          <a:extLst>
+            <a:ext uri="{91240B29-F687-4F45-9708-019B960494DF}">
+              <a14:hiddenLine xmlns:a14="http://schemas.microsoft.com/office/drawing/2010/main" w="9525">
+                <a:solidFill>
+                  <a:schemeClr val="tx1"/>
+                </a:solidFill>
+                <a:miter lim="800000"/>
+                <a:headEnd/>
+                <a:tailEnd/>
+              </a14:hiddenLine>
+            </a:ext>
+            <a:ext uri="{AF507438-7753-43E0-B8FC-AC1667EBCBE1}">
+              <a14:hiddenEffects xmlns:a14="http://schemas.microsoft.com/office/drawing/2010/main">
+                <a:effectLst>
+                  <a:outerShdw dist="35921" dir="2700000" algn="ctr" rotWithShape="0">
+                    <a:schemeClr val="bg2"/>
+                  </a:outerShdw>
+                </a:effectLst>
+              </a14:hiddenEffects>
+            </a:ext>
+          </a:extLst>
+        </p:spPr>
+        <p:txBody>
+          <a:bodyPr vert="horz" wrap="none" lIns="0" tIns="0" rIns="0" bIns="0" numCol="1" anchor="ctr" anchorCtr="0" compatLnSpc="1">
+            <a:spAutoFit/>
+          </a:bodyPr>
+          <a:lstStyle/>
+          <a:p>
+            <a:pPr marL="0" marR="0" lvl="0" indent="0" algn="l" defTabSz="914400" rtl="0" eaLnBrk="0" fontAlgn="base" latinLnBrk="0" hangingPunct="0">
+              <a:lnSpc>
+                <a:spcPct val="100000"/>
+              </a:lnSpc>
+              <a:spcBef>
+                <a:spcPct val="0"/>
+              </a:spcBef>
+              <a:spcAft>
+                <a:spcPct val="0"/>
+              </a:spcAft>
+              <a:buClrTx/>
+              <a:buSzTx/>
+              <a:buFontTx/>
+              <a:buNone/>
+            </a:pPr>
+            <a:r>
+              <a:rPr kumimoji="0" lang="zh-CN" altLang="zh-CN" sz="1400" b="0" i="0" u="none" strike="noStrike" cap="none" normalizeH="0" baseline="0" dirty="0" smtClean="0">
+                <a:ln>
+                  <a:noFill/>
+                </a:ln>
+                <a:solidFill>
+                  <a:srgbClr val="0000FF"/>
+                </a:solidFill>
+                <a:effectLst/>
+                <a:latin typeface="Lucida Console" panose="020B0609040504020204" pitchFamily="49" charset="0"/>
+              </a:rPr>
+              <a:t>&gt; write.csv(student,file="F:/NauCloud/test.csv")</a:t>
+            </a:r>
+            <a:endParaRPr kumimoji="0" lang="zh-CN" altLang="zh-CN" sz="3200" b="0" i="0" u="none" strike="noStrike" cap="none" normalizeH="0" baseline="0" dirty="0" smtClean="0">
+              <a:ln>
+                <a:noFill/>
+              </a:ln>
+              <a:solidFill>
+                <a:schemeClr val="tx1"/>
+              </a:solidFill>
+              <a:effectLst/>
+              <a:latin typeface="Arial" panose="020B0604020202020204" pitchFamily="34" charset="0"/>
+            </a:endParaRPr>
+          </a:p>
+        </p:txBody>
+      </p:sp>
+      <p:sp>
+        <p:nvSpPr>
+          <p:cNvPr id="7" name="Rectangle 2"/>
+          <p:cNvSpPr>
+            <a:spLocks noChangeArrowheads="1"/>
+          </p:cNvSpPr>
+          <p:nvPr/>
+        </p:nvSpPr>
+        <p:spPr bwMode="auto">
+          <a:xfrm>
+            <a:off x="1323831" y="3905482"/>
+            <a:ext cx="4833054" cy="215444"/>
+          </a:xfrm>
+          <a:prstGeom prst="rect">
+            <a:avLst/>
+          </a:prstGeom>
+          <a:solidFill>
+            <a:srgbClr val="FFFFFF"/>
+          </a:solidFill>
+          <a:ln>
+            <a:noFill/>
+          </a:ln>
+          <a:effectLst/>
+          <a:extLst>
+            <a:ext uri="{91240B29-F687-4F45-9708-019B960494DF}">
+              <a14:hiddenLine xmlns:a14="http://schemas.microsoft.com/office/drawing/2010/main" w="9525">
+                <a:solidFill>
+                  <a:schemeClr val="tx1"/>
+                </a:solidFill>
+                <a:miter lim="800000"/>
+                <a:headEnd/>
+                <a:tailEnd/>
+              </a14:hiddenLine>
+            </a:ext>
+            <a:ext uri="{AF507438-7753-43E0-B8FC-AC1667EBCBE1}">
+              <a14:hiddenEffects xmlns:a14="http://schemas.microsoft.com/office/drawing/2010/main">
+                <a:effectLst>
+                  <a:outerShdw dist="35921" dir="2700000" algn="ctr" rotWithShape="0">
+                    <a:schemeClr val="bg2"/>
+                  </a:outerShdw>
+                </a:effectLst>
+              </a14:hiddenEffects>
+            </a:ext>
+          </a:extLst>
+        </p:spPr>
+        <p:txBody>
+          <a:bodyPr vert="horz" wrap="none" lIns="0" tIns="0" rIns="0" bIns="0" numCol="1" anchor="ctr" anchorCtr="0" compatLnSpc="1">
+            <a:spAutoFit/>
+          </a:bodyPr>
+          <a:lstStyle/>
+          <a:p>
+            <a:pPr marL="0" marR="0" lvl="0" indent="0" algn="l" defTabSz="914400" rtl="0" eaLnBrk="0" fontAlgn="base" latinLnBrk="0" hangingPunct="0">
+              <a:lnSpc>
+                <a:spcPct val="100000"/>
+              </a:lnSpc>
+              <a:spcBef>
+                <a:spcPct val="0"/>
+              </a:spcBef>
+              <a:spcAft>
+                <a:spcPct val="0"/>
+              </a:spcAft>
+              <a:buClrTx/>
+              <a:buSzTx/>
+              <a:buFontTx/>
+              <a:buNone/>
+            </a:pPr>
+            <a:r>
+              <a:rPr kumimoji="0" lang="zh-CN" altLang="zh-CN" sz="1400" b="0" i="0" u="none" strike="noStrike" cap="none" normalizeH="0" baseline="0" smtClean="0">
+                <a:ln>
+                  <a:noFill/>
+                </a:ln>
+                <a:solidFill>
+                  <a:srgbClr val="0000FF"/>
+                </a:solidFill>
+                <a:effectLst/>
+                <a:latin typeface="Lucida Console" panose="020B0609040504020204" pitchFamily="49" charset="0"/>
+              </a:rPr>
+              <a:t>&gt; save(student,file="F:/NauCloud/test.Rdata")</a:t>
+            </a:r>
+            <a:endParaRPr kumimoji="0" lang="zh-CN" altLang="zh-CN" sz="3200" b="0" i="0" u="none" strike="noStrike" cap="none" normalizeH="0" baseline="0" smtClean="0">
+              <a:ln>
+                <a:noFill/>
+              </a:ln>
+              <a:solidFill>
+                <a:schemeClr val="tx1"/>
+              </a:solidFill>
+              <a:effectLst/>
+              <a:latin typeface="Arial" panose="020B0604020202020204" pitchFamily="34" charset="0"/>
+            </a:endParaRPr>
+          </a:p>
+        </p:txBody>
+      </p:sp>
+      <p:pic>
+        <p:nvPicPr>
+          <p:cNvPr id="8" name="图片 7"/>
+          <p:cNvPicPr>
+            <a:picLocks noChangeAspect="1"/>
+          </p:cNvPicPr>
+          <p:nvPr/>
+        </p:nvPicPr>
+        <p:blipFill>
+          <a:blip r:embed="rId3"/>
+          <a:stretch>
+            <a:fillRect/>
+          </a:stretch>
+        </p:blipFill>
+        <p:spPr>
+          <a:xfrm>
+            <a:off x="7799139" y="3754259"/>
+            <a:ext cx="857143" cy="733333"/>
+          </a:xfrm>
+          <a:prstGeom prst="rect">
+            <a:avLst/>
+          </a:prstGeom>
+        </p:spPr>
+      </p:pic>
+      <p:sp>
+        <p:nvSpPr>
+          <p:cNvPr id="9" name="Rectangle 3"/>
+          <p:cNvSpPr>
+            <a:spLocks noChangeArrowheads="1"/>
+          </p:cNvSpPr>
+          <p:nvPr/>
+        </p:nvSpPr>
+        <p:spPr bwMode="auto">
+          <a:xfrm>
+            <a:off x="1323831" y="4700529"/>
+            <a:ext cx="1503617" cy="215444"/>
+          </a:xfrm>
+          <a:prstGeom prst="rect">
+            <a:avLst/>
+          </a:prstGeom>
+          <a:solidFill>
+            <a:srgbClr val="FFFFFF"/>
+          </a:solidFill>
+          <a:ln>
+            <a:noFill/>
+          </a:ln>
+          <a:effectLst/>
+          <a:extLst>
+            <a:ext uri="{91240B29-F687-4F45-9708-019B960494DF}">
+              <a14:hiddenLine xmlns:a14="http://schemas.microsoft.com/office/drawing/2010/main" w="9525">
+                <a:solidFill>
+                  <a:schemeClr val="tx1"/>
+                </a:solidFill>
+                <a:miter lim="800000"/>
+                <a:headEnd/>
+                <a:tailEnd/>
+              </a14:hiddenLine>
+            </a:ext>
+            <a:ext uri="{AF507438-7753-43E0-B8FC-AC1667EBCBE1}">
+              <a14:hiddenEffects xmlns:a14="http://schemas.microsoft.com/office/drawing/2010/main">
+                <a:effectLst>
+                  <a:outerShdw dist="35921" dir="2700000" algn="ctr" rotWithShape="0">
+                    <a:schemeClr val="bg2"/>
+                  </a:outerShdw>
+                </a:effectLst>
+              </a14:hiddenEffects>
+            </a:ext>
+          </a:extLst>
+        </p:spPr>
+        <p:txBody>
+          <a:bodyPr vert="horz" wrap="none" lIns="0" tIns="0" rIns="0" bIns="0" numCol="1" anchor="ctr" anchorCtr="0" compatLnSpc="1">
+            <a:spAutoFit/>
+          </a:bodyPr>
+          <a:lstStyle/>
+          <a:p>
+            <a:pPr marL="0" marR="0" lvl="0" indent="0" algn="l" defTabSz="914400" rtl="0" eaLnBrk="0" fontAlgn="base" latinLnBrk="0" hangingPunct="0">
+              <a:lnSpc>
+                <a:spcPct val="100000"/>
+              </a:lnSpc>
+              <a:spcBef>
+                <a:spcPct val="0"/>
+              </a:spcBef>
+              <a:spcAft>
+                <a:spcPct val="0"/>
+              </a:spcAft>
+              <a:buClrTx/>
+              <a:buSzTx/>
+              <a:buFontTx/>
+              <a:buNone/>
+            </a:pPr>
+            <a:r>
+              <a:rPr kumimoji="0" lang="en-US" altLang="zh-CN" sz="1400" b="0" i="0" u="none" strike="noStrike" cap="none" normalizeH="0" baseline="0" dirty="0" smtClean="0">
+                <a:ln>
+                  <a:noFill/>
+                </a:ln>
+                <a:solidFill>
+                  <a:srgbClr val="0000FF"/>
+                </a:solidFill>
+                <a:effectLst/>
+                <a:latin typeface="Lucida Console" panose="020B0609040504020204" pitchFamily="49" charset="0"/>
+              </a:rPr>
+              <a:t>&gt; </a:t>
+            </a:r>
+            <a:r>
+              <a:rPr kumimoji="0" lang="zh-CN" altLang="zh-CN" sz="1400" b="0" i="0" u="none" strike="noStrike" cap="none" normalizeH="0" baseline="0" dirty="0" smtClean="0">
+                <a:ln>
+                  <a:noFill/>
+                </a:ln>
+                <a:solidFill>
+                  <a:srgbClr val="0000FF"/>
+                </a:solidFill>
+                <a:effectLst/>
+                <a:latin typeface="Lucida Console" panose="020B0609040504020204" pitchFamily="49" charset="0"/>
+              </a:rPr>
+              <a:t>save.image()</a:t>
+            </a:r>
+            <a:endParaRPr kumimoji="0" lang="zh-CN" altLang="zh-CN" sz="3200" b="0" i="0" u="none" strike="noStrike" cap="none" normalizeH="0" baseline="0" dirty="0" smtClean="0">
+              <a:ln>
+                <a:noFill/>
+              </a:ln>
+              <a:solidFill>
+                <a:schemeClr val="tx1"/>
+              </a:solidFill>
+              <a:effectLst/>
+              <a:latin typeface="Arial" panose="020B0604020202020204" pitchFamily="34" charset="0"/>
+            </a:endParaRPr>
+          </a:p>
+        </p:txBody>
+      </p:sp>
+      <p:sp>
+        <p:nvSpPr>
+          <p:cNvPr id="10" name="Rectangle 4"/>
+          <p:cNvSpPr>
+            <a:spLocks noChangeArrowheads="1"/>
+          </p:cNvSpPr>
+          <p:nvPr/>
+        </p:nvSpPr>
+        <p:spPr bwMode="auto">
+          <a:xfrm>
+            <a:off x="1323831" y="5069367"/>
+            <a:ext cx="3114635" cy="215444"/>
+          </a:xfrm>
+          <a:prstGeom prst="rect">
+            <a:avLst/>
+          </a:prstGeom>
+          <a:solidFill>
+            <a:srgbClr val="FFFFFF"/>
+          </a:solidFill>
+          <a:ln>
+            <a:noFill/>
+          </a:ln>
+          <a:effectLst/>
+          <a:extLst>
+            <a:ext uri="{91240B29-F687-4F45-9708-019B960494DF}">
+              <a14:hiddenLine xmlns:a14="http://schemas.microsoft.com/office/drawing/2010/main" w="9525">
+                <a:solidFill>
+                  <a:schemeClr val="tx1"/>
+                </a:solidFill>
+                <a:miter lim="800000"/>
+                <a:headEnd/>
+                <a:tailEnd/>
+              </a14:hiddenLine>
+            </a:ext>
+            <a:ext uri="{AF507438-7753-43E0-B8FC-AC1667EBCBE1}">
+              <a14:hiddenEffects xmlns:a14="http://schemas.microsoft.com/office/drawing/2010/main">
+                <a:effectLst>
+                  <a:outerShdw dist="35921" dir="2700000" algn="ctr" rotWithShape="0">
+                    <a:schemeClr val="bg2"/>
+                  </a:outerShdw>
+                </a:effectLst>
+              </a14:hiddenEffects>
+            </a:ext>
+          </a:extLst>
+        </p:spPr>
+        <p:txBody>
+          <a:bodyPr vert="horz" wrap="none" lIns="0" tIns="0" rIns="0" bIns="0" numCol="1" anchor="ctr" anchorCtr="0" compatLnSpc="1">
+            <a:spAutoFit/>
+          </a:bodyPr>
+          <a:lstStyle/>
+          <a:p>
+            <a:pPr marL="0" marR="0" lvl="0" indent="0" algn="l" defTabSz="914400" rtl="0" eaLnBrk="0" fontAlgn="base" latinLnBrk="0" hangingPunct="0">
+              <a:lnSpc>
+                <a:spcPct val="100000"/>
+              </a:lnSpc>
+              <a:spcBef>
+                <a:spcPct val="0"/>
+              </a:spcBef>
+              <a:spcAft>
+                <a:spcPct val="0"/>
+              </a:spcAft>
+              <a:buClrTx/>
+              <a:buSzTx/>
+              <a:buFontTx/>
+              <a:buNone/>
+            </a:pPr>
+            <a:r>
+              <a:rPr kumimoji="0" lang="zh-CN" altLang="zh-CN" sz="1400" b="0" i="0" u="none" strike="noStrike" cap="none" normalizeH="0" baseline="0" smtClean="0">
+                <a:ln>
+                  <a:noFill/>
+                </a:ln>
+                <a:solidFill>
+                  <a:srgbClr val="0000FF"/>
+                </a:solidFill>
+                <a:effectLst/>
+                <a:latin typeface="Lucida Console" panose="020B0609040504020204" pitchFamily="49" charset="0"/>
+              </a:rPr>
+              <a:t>&gt; save.image(file="my.RData")</a:t>
+            </a:r>
+            <a:endParaRPr kumimoji="0" lang="zh-CN" altLang="zh-CN" sz="3200" b="0" i="0" u="none" strike="noStrike" cap="none" normalizeH="0" baseline="0" smtClean="0">
+              <a:ln>
+                <a:noFill/>
+              </a:ln>
+              <a:solidFill>
+                <a:schemeClr val="tx1"/>
+              </a:solidFill>
+              <a:effectLst/>
+              <a:latin typeface="Arial" panose="020B0604020202020204" pitchFamily="34" charset="0"/>
+            </a:endParaRPr>
+          </a:p>
+        </p:txBody>
+      </p:sp>
+    </p:spTree>
+  </p:cSld>
+  <p:clrMapOvr>
+    <a:masterClrMapping/>
+  </p:clrMapOvr>
+  <p:timing>
+    <p:tnLst>
+      <p:par>
+        <p:cTn id="1" dur="indefinite" restart="never" nodeType="tmRoot"/>
+      </p:par>
+    </p:tnLst>
+  </p:timing>
+</p:sld>
+</file>
+
 <file path=ppt/slides/slide4.xml><?xml version="1.0" encoding="utf-8"?>
 <p:sld xmlns:a="http://schemas.openxmlformats.org/drawingml/2006/main" xmlns:r="http://schemas.openxmlformats.org/officeDocument/2006/relationships" xmlns:p="http://schemas.openxmlformats.org/presentationml/2006/main">
   <p:cSld>
@@ -20498,8 +21239,20 @@
           </a:p>
           <a:p>
             <a:r>
+              <a:rPr lang="zh-CN" altLang="en-US" dirty="0" smtClean="0"/>
+              <a:t>查看</a:t>
+            </a:r>
+            <a:r>
+              <a:rPr lang="zh-CN" altLang="en-US" b="1" u="sng" dirty="0" smtClean="0"/>
+              <a:t>向量</a:t>
+            </a:r>
+            <a:r>
+              <a:rPr lang="zh-CN" altLang="en-US" dirty="0" smtClean="0"/>
+              <a:t>中</a:t>
+            </a:r>
+            <a:r>
               <a:rPr lang="zh-CN" altLang="en-US" dirty="0"/>
-              <a:t>查看变量中数据个数</a:t>
+              <a:t>数据个数</a:t>
             </a:r>
             <a:r>
               <a:rPr lang="en-US" altLang="zh-CN" dirty="0"/>
@@ -21638,22 +22391,10 @@
           <a:lstStyle/>
           <a:p>
             <a:r>
-              <a:rPr lang="zh-CN" altLang="en-US" sz="3600" dirty="0" smtClean="0"/>
-              <a:t>数据集的调用</a:t>
-            </a:r>
-            <a:r>
-              <a:rPr lang="en-US" altLang="zh-CN" sz="3600" dirty="0" smtClean="0"/>
-              <a:t>(</a:t>
-            </a:r>
-            <a:r>
-              <a:rPr lang="zh-CN" altLang="en-US" sz="3600" dirty="0" smtClean="0"/>
-              <a:t>访问</a:t>
-            </a:r>
-            <a:r>
-              <a:rPr lang="en-US" altLang="zh-CN" sz="3600" dirty="0" smtClean="0"/>
-              <a:t>)</a:t>
-            </a:r>
-            <a:endParaRPr lang="zh-CN" altLang="en-US" sz="3600" dirty="0"/>
+              <a:rPr lang="zh-CN" altLang="en-US" sz="3200" dirty="0" smtClean="0"/>
+              <a:t>进一步的细节操作</a:t>
+            </a:r>
+            <a:endParaRPr lang="zh-CN" altLang="en-US" sz="3200" dirty="0"/>
           </a:p>
         </p:txBody>
       </p:sp>
@@ -21669,8 +22410,8 @@
         </p:nvSpPr>
         <p:spPr>
           <a:xfrm>
-            <a:off x="1182030" y="1845734"/>
-            <a:ext cx="9973650" cy="4023360"/>
+            <a:off x="1097280" y="1845734"/>
+            <a:ext cx="6597061" cy="4023360"/>
           </a:xfrm>
         </p:spPr>
         <p:txBody>
@@ -21678,8 +22419,38 @@
           <a:lstStyle/>
           <a:p>
             <a:r>
+              <a:rPr lang="zh-CN" altLang="en-US" dirty="0"/>
+              <a:t>为数据集加上</a:t>
+            </a:r>
+            <a:r>
+              <a:rPr lang="en-US" altLang="zh-CN" dirty="0" err="1"/>
+              <a:t>row.names</a:t>
+            </a:r>
+            <a:r>
+              <a:rPr lang="zh-CN" altLang="en-US" dirty="0"/>
+              <a:t>，此处创造一个四属性的数据集</a:t>
+            </a:r>
+            <a:endParaRPr lang="en-US" altLang="zh-CN" dirty="0"/>
+          </a:p>
+          <a:p>
+            <a:endParaRPr lang="en-US" altLang="zh-CN" dirty="0"/>
+          </a:p>
+          <a:p>
+            <a:r>
               <a:rPr lang="zh-CN" altLang="en-US" dirty="0" smtClean="0"/>
-              <a:t>数据集结构形式和矩阵相似，可以如同调用矩阵元素的方式对数据集元素进行调用，即加方括号方式</a:t>
+              <a:t>或者</a:t>
+            </a:r>
+            <a:r>
+              <a:rPr lang="zh-CN" altLang="en-US" dirty="0"/>
+              <a:t>利用</a:t>
+            </a:r>
+            <a:r>
+              <a:rPr lang="en-US" altLang="zh-CN" dirty="0" err="1"/>
+              <a:t>row.names</a:t>
+            </a:r>
+            <a:r>
+              <a:rPr lang="zh-CN" altLang="en-US" dirty="0"/>
+              <a:t>函数取出对象名，再直接修改对象名</a:t>
             </a:r>
             <a:endParaRPr lang="en-US" altLang="zh-CN" dirty="0"/>
           </a:p>
@@ -21689,15 +22460,15 @@
           <a:p>
             <a:r>
               <a:rPr lang="zh-CN" altLang="en-US" dirty="0" smtClean="0"/>
-              <a:t>如果作为变量族的方式调用，则需要用</a:t>
-            </a:r>
-            <a:r>
-              <a:rPr lang="en-US" altLang="zh-CN" dirty="0" smtClean="0"/>
-              <a:t>$</a:t>
+              <a:t>删除时同样利用</a:t>
+            </a:r>
+            <a:r>
+              <a:rPr lang="en-US" altLang="zh-CN" dirty="0" err="1" smtClean="0"/>
+              <a:t>row.names</a:t>
             </a:r>
             <a:r>
               <a:rPr lang="zh-CN" altLang="en-US" dirty="0" smtClean="0"/>
-              <a:t>符号表示某数据集下的某变量</a:t>
+              <a:t>函数</a:t>
             </a:r>
             <a:endParaRPr lang="en-US" altLang="zh-CN" dirty="0" smtClean="0"/>
           </a:p>
@@ -21706,20 +22477,30 @@
           </a:p>
           <a:p>
             <a:r>
+              <a:rPr lang="zh-CN" altLang="en-US" dirty="0"/>
+              <a:t>这种</a:t>
+            </a:r>
+            <a:r>
               <a:rPr lang="zh-CN" altLang="en-US" dirty="0" smtClean="0"/>
-              <a:t>数据的排序</a:t>
-            </a:r>
-            <a:endParaRPr lang="en-US" altLang="zh-CN" dirty="0" smtClean="0"/>
-          </a:p>
-          <a:p>
+              <a:t>方式是删除数据</a:t>
+            </a:r>
+            <a:r>
+              <a:rPr lang="zh-CN" altLang="en-US" dirty="0" smtClean="0"/>
+              <a:t>集当中</a:t>
+            </a:r>
+            <a:r>
+              <a:rPr lang="zh-CN" altLang="en-US" dirty="0" smtClean="0"/>
+              <a:t>变量的方式</a:t>
+            </a:r>
+            <a:r>
+              <a:rPr lang="zh-CN" altLang="en-US" dirty="0" smtClean="0"/>
+              <a:t>，虽然数据集虽然在形式上与矩阵类似，但这种方式矩阵并不具备。由于</a:t>
+            </a:r>
+            <a:r>
+              <a:rPr lang="zh-CN" altLang="en-US" dirty="0" smtClean="0"/>
+              <a:t>是赋值方式，结果是直接修改了原数据集</a:t>
+            </a:r>
             <a:endParaRPr lang="en-US" altLang="zh-CN" dirty="0"/>
-          </a:p>
-          <a:p>
-            <a:r>
-              <a:rPr lang="zh-CN" altLang="en-US" dirty="0" smtClean="0"/>
-              <a:t>如果试图通过对象名或者属性名调用</a:t>
-            </a:r>
-            <a:endParaRPr lang="en-US" altLang="zh-CN" dirty="0" smtClean="0"/>
           </a:p>
           <a:p>
             <a:endParaRPr lang="zh-CN" altLang="en-US" dirty="0"/>
@@ -21728,7 +22509,7 @@
       </p:sp>
       <p:sp>
         <p:nvSpPr>
-          <p:cNvPr id="4" name="Rectangle 1"/>
+          <p:cNvPr id="4" name="Rectangle 3"/>
           <p:cNvSpPr>
             <a:spLocks noChangeArrowheads="1"/>
           </p:cNvSpPr>
@@ -21736,8 +22517,8 @@
         </p:nvSpPr>
         <p:spPr bwMode="auto">
           <a:xfrm>
-            <a:off x="1182030" y="2611060"/>
-            <a:ext cx="3084394" cy="400110"/>
+            <a:off x="1253395" y="2453540"/>
+            <a:ext cx="6680249" cy="215444"/>
           </a:xfrm>
           <a:prstGeom prst="rect">
             <a:avLst/>
@@ -21793,19 +22574,6 @@
               <a:buNone/>
             </a:pPr>
             <a:r>
-              <a:rPr kumimoji="0" lang="zh-CN" altLang="zh-CN" sz="1200" b="0" i="0" u="none" strike="noStrike" cap="none" normalizeH="0" baseline="0" dirty="0" smtClean="0">
-                <a:ln>
-                  <a:noFill/>
-                </a:ln>
-                <a:solidFill>
-                  <a:srgbClr val="0000FF"/>
-                </a:solidFill>
-                <a:effectLst/>
-                <a:latin typeface="Lucida Console" panose="020B0609040504020204" pitchFamily="49" charset="0"/>
-              </a:rPr>
-              <a:t>&gt; </a:t>
-            </a:r>
-            <a:r>
               <a:rPr kumimoji="0" lang="zh-CN" altLang="zh-CN" sz="1400" b="0" i="0" u="none" strike="noStrike" cap="none" normalizeH="0" baseline="0" dirty="0" smtClean="0">
                 <a:ln>
                   <a:noFill/>
@@ -21816,62 +22584,9 @@
                 <a:effectLst/>
                 <a:latin typeface="Lucida Console" panose="020B0609040504020204" pitchFamily="49" charset="0"/>
               </a:rPr>
-              <a:t>LifeCycleSavings</a:t>
-            </a:r>
-            <a:r>
-              <a:rPr kumimoji="0" lang="zh-CN" altLang="zh-CN" sz="1200" b="0" i="0" u="none" strike="noStrike" cap="none" normalizeH="0" baseline="0" dirty="0" smtClean="0">
-                <a:ln>
-                  <a:noFill/>
-                </a:ln>
-                <a:solidFill>
-                  <a:srgbClr val="0000FF"/>
-                </a:solidFill>
-                <a:effectLst/>
-                <a:latin typeface="Lucida Console" panose="020B0609040504020204" pitchFamily="49" charset="0"/>
-              </a:rPr>
-              <a:t>[1,2] </a:t>
-            </a:r>
-            <a:endParaRPr kumimoji="0" lang="en-US" altLang="zh-CN" sz="1200" b="0" i="0" u="none" strike="noStrike" cap="none" normalizeH="0" baseline="0" dirty="0" smtClean="0">
-              <a:ln>
-                <a:noFill/>
-              </a:ln>
-              <a:solidFill>
-                <a:srgbClr val="0000FF"/>
-              </a:solidFill>
-              <a:effectLst/>
-              <a:latin typeface="Lucida Console" panose="020B0609040504020204" pitchFamily="49" charset="0"/>
-            </a:endParaRPr>
-          </a:p>
-          <a:p>
-            <a:pPr marL="0" marR="0" lvl="0" indent="0" algn="l" defTabSz="914400" rtl="0" eaLnBrk="0" fontAlgn="base" latinLnBrk="0" hangingPunct="0">
-              <a:lnSpc>
-                <a:spcPct val="100000"/>
-              </a:lnSpc>
-              <a:spcBef>
-                <a:spcPct val="0"/>
-              </a:spcBef>
-              <a:spcAft>
-                <a:spcPct val="0"/>
-              </a:spcAft>
-              <a:buClrTx/>
-              <a:buSzTx/>
-              <a:buFontTx/>
-              <a:buNone/>
-            </a:pPr>
-            <a:r>
-              <a:rPr kumimoji="0" lang="zh-CN" altLang="zh-CN" sz="1200" b="0" i="0" u="none" strike="noStrike" cap="none" normalizeH="0" baseline="0" dirty="0" smtClean="0">
-                <a:ln>
-                  <a:noFill/>
-                </a:ln>
-                <a:solidFill>
-                  <a:srgbClr val="000000"/>
-                </a:solidFill>
-                <a:effectLst/>
-                <a:latin typeface="Lucida Console" panose="020B0609040504020204" pitchFamily="49" charset="0"/>
-              </a:rPr>
-              <a:t>[1] 29.35</a:t>
-            </a:r>
-            <a:endParaRPr kumimoji="0" lang="zh-CN" altLang="zh-CN" sz="2800" b="0" i="0" u="none" strike="noStrike" cap="none" normalizeH="0" baseline="0" dirty="0" smtClean="0">
+              <a:t>&gt; student&lt;-data.frame(ID,Gender,Birthdate,row.names = Name)</a:t>
+            </a:r>
+            <a:endParaRPr kumimoji="0" lang="zh-CN" altLang="zh-CN" sz="3200" b="0" i="0" u="none" strike="noStrike" cap="none" normalizeH="0" baseline="0" dirty="0" smtClean="0">
               <a:ln>
                 <a:noFill/>
               </a:ln>
@@ -21886,7 +22601,7 @@
       </p:sp>
       <p:sp>
         <p:nvSpPr>
-          <p:cNvPr id="5" name="Rectangle 2"/>
+          <p:cNvPr id="5" name="Rectangle 4"/>
           <p:cNvSpPr>
             <a:spLocks noChangeArrowheads="1"/>
           </p:cNvSpPr>
@@ -21894,8 +22609,8 @@
         </p:nvSpPr>
         <p:spPr bwMode="auto">
           <a:xfrm>
-            <a:off x="1182030" y="4362389"/>
-            <a:ext cx="7670042" cy="430887"/>
+            <a:off x="1253395" y="3169068"/>
+            <a:ext cx="3788619" cy="215444"/>
           </a:xfrm>
           <a:prstGeom prst="rect">
             <a:avLst/>
@@ -21951,6 +22666,19 @@
               <a:buNone/>
             </a:pPr>
             <a:r>
+              <a:rPr kumimoji="0" lang="en-US" altLang="zh-CN" sz="1400" b="0" i="0" u="none" strike="noStrike" cap="none" normalizeH="0" baseline="0" dirty="0" smtClean="0">
+                <a:ln>
+                  <a:noFill/>
+                </a:ln>
+                <a:solidFill>
+                  <a:srgbClr val="0000FF"/>
+                </a:solidFill>
+                <a:effectLst/>
+                <a:latin typeface="Lucida Console" panose="020B0609040504020204" pitchFamily="49" charset="0"/>
+              </a:rPr>
+              <a:t>&gt; </a:t>
+            </a:r>
+            <a:r>
               <a:rPr kumimoji="0" lang="zh-CN" altLang="zh-CN" sz="1400" b="0" i="0" u="none" strike="noStrike" cap="none" normalizeH="0" baseline="0" dirty="0" smtClean="0">
                 <a:ln>
                   <a:noFill/>
@@ -21961,47 +22689,7 @@
                 <a:effectLst/>
                 <a:latin typeface="Lucida Console" panose="020B0609040504020204" pitchFamily="49" charset="0"/>
               </a:rPr>
-              <a:t>&gt; newdata&lt;-LifeCycleSavings[order(LifeCycleSavings$dpi),] </a:t>
-            </a:r>
-            <a:endParaRPr kumimoji="0" lang="en-US" altLang="zh-CN" sz="1400" b="0" i="0" u="none" strike="noStrike" cap="none" normalizeH="0" baseline="0" dirty="0" smtClean="0">
-              <a:ln>
-                <a:noFill/>
-              </a:ln>
-              <a:solidFill>
-                <a:srgbClr val="0000FF"/>
-              </a:solidFill>
-              <a:effectLst/>
-              <a:latin typeface="Lucida Console" panose="020B0609040504020204" pitchFamily="49" charset="0"/>
-            </a:endParaRPr>
-          </a:p>
-          <a:p>
-            <a:pPr marL="0" marR="0" lvl="0" indent="0" algn="l" defTabSz="914400" rtl="0" eaLnBrk="0" fontAlgn="base" latinLnBrk="0" hangingPunct="0">
-              <a:lnSpc>
-                <a:spcPct val="100000"/>
-              </a:lnSpc>
-              <a:spcBef>
-                <a:spcPct val="0"/>
-              </a:spcBef>
-              <a:spcAft>
-                <a:spcPct val="0"/>
-              </a:spcAft>
-              <a:buClrTx/>
-              <a:buSzTx/>
-              <a:buFontTx/>
-              <a:buNone/>
-            </a:pPr>
-            <a:r>
-              <a:rPr kumimoji="0" lang="zh-CN" altLang="zh-CN" sz="1400" b="0" i="0" u="none" strike="noStrike" cap="none" normalizeH="0" baseline="0" dirty="0" smtClean="0">
-                <a:ln>
-                  <a:noFill/>
-                </a:ln>
-                <a:solidFill>
-                  <a:srgbClr val="0000FF"/>
-                </a:solidFill>
-                <a:effectLst/>
-                <a:latin typeface="Lucida Console" panose="020B0609040504020204" pitchFamily="49" charset="0"/>
-              </a:rPr>
-              <a:t>&gt; newdata</a:t>
+              <a:t>row.names(student)&lt;-student$Name</a:t>
             </a:r>
             <a:endParaRPr kumimoji="0" lang="zh-CN" altLang="zh-CN" sz="3200" b="0" i="0" u="none" strike="noStrike" cap="none" normalizeH="0" baseline="0" dirty="0" smtClean="0">
               <a:ln>
@@ -22018,7 +22706,7 @@
       </p:sp>
       <p:sp>
         <p:nvSpPr>
-          <p:cNvPr id="7" name="Rectangle 1"/>
+          <p:cNvPr id="6" name="Rectangle 1"/>
           <p:cNvSpPr>
             <a:spLocks noChangeArrowheads="1"/>
           </p:cNvSpPr>
@@ -22026,8 +22714,8 @@
         </p:nvSpPr>
         <p:spPr bwMode="auto">
           <a:xfrm>
-            <a:off x="1182030" y="3502015"/>
-            <a:ext cx="2362826" cy="215444"/>
+            <a:off x="8396868" y="2345819"/>
+            <a:ext cx="3222036" cy="1077218"/>
           </a:xfrm>
           <a:prstGeom prst="rect">
             <a:avLst/>
@@ -22083,7 +22771,7 @@
               <a:buNone/>
             </a:pPr>
             <a:r>
-              <a:rPr kumimoji="0" lang="zh-CN" altLang="zh-CN" sz="1400" b="0" i="0" u="none" strike="noStrike" cap="none" normalizeH="0" baseline="0" smtClean="0">
+              <a:rPr kumimoji="0" lang="zh-CN" altLang="zh-CN" sz="1400" b="0" i="0" u="none" strike="noStrike" cap="none" normalizeH="0" baseline="0" dirty="0" smtClean="0">
                 <a:ln>
                   <a:noFill/>
                 </a:ln>
@@ -22093,9 +22781,338 @@
                 <a:effectLst/>
                 <a:latin typeface="Lucida Console" panose="020B0609040504020204" pitchFamily="49" charset="0"/>
               </a:rPr>
-              <a:t>&gt; LifeCycleSavings$dpi</a:t>
-            </a:r>
-            <a:endParaRPr kumimoji="0" lang="zh-CN" altLang="zh-CN" sz="3200" b="0" i="0" u="none" strike="noStrike" cap="none" normalizeH="0" baseline="0" smtClean="0">
+              <a:t>&gt; student </a:t>
+            </a:r>
+            <a:endParaRPr kumimoji="0" lang="en-US" altLang="zh-CN" sz="1400" b="0" i="0" u="none" strike="noStrike" cap="none" normalizeH="0" baseline="0" dirty="0" smtClean="0">
+              <a:ln>
+                <a:noFill/>
+              </a:ln>
+              <a:solidFill>
+                <a:srgbClr val="0000FF"/>
+              </a:solidFill>
+              <a:effectLst/>
+              <a:latin typeface="Lucida Console" panose="020B0609040504020204" pitchFamily="49" charset="0"/>
+            </a:endParaRPr>
+          </a:p>
+          <a:p>
+            <a:pPr marL="0" marR="0" lvl="0" indent="0" algn="l" defTabSz="914400" rtl="0" eaLnBrk="0" fontAlgn="base" latinLnBrk="0" hangingPunct="0">
+              <a:lnSpc>
+                <a:spcPct val="100000"/>
+              </a:lnSpc>
+              <a:spcBef>
+                <a:spcPct val="0"/>
+              </a:spcBef>
+              <a:spcAft>
+                <a:spcPct val="0"/>
+              </a:spcAft>
+              <a:buClrTx/>
+              <a:buSzTx/>
+              <a:buFontTx/>
+              <a:buNone/>
+            </a:pPr>
+            <a:r>
+              <a:rPr kumimoji="0" lang="en-US" altLang="zh-CN" sz="1400" b="0" i="0" u="none" strike="noStrike" cap="none" normalizeH="0" baseline="0" dirty="0" smtClean="0">
+                <a:ln>
+                  <a:noFill/>
+                </a:ln>
+                <a:solidFill>
+                  <a:srgbClr val="000000"/>
+                </a:solidFill>
+                <a:effectLst/>
+                <a:latin typeface="Lucida Console" panose="020B0609040504020204" pitchFamily="49" charset="0"/>
+              </a:rPr>
+              <a:t>  </a:t>
+            </a:r>
+            <a:r>
+              <a:rPr kumimoji="0" lang="zh-CN" altLang="zh-CN" sz="1400" b="0" i="0" u="none" strike="noStrike" cap="none" normalizeH="0" baseline="0" dirty="0" smtClean="0">
+                <a:ln>
+                  <a:noFill/>
+                </a:ln>
+                <a:solidFill>
+                  <a:srgbClr val="000000"/>
+                </a:solidFill>
+                <a:effectLst/>
+                <a:latin typeface="Lucida Console" panose="020B0609040504020204" pitchFamily="49" charset="0"/>
+              </a:rPr>
+              <a:t>ID Name </a:t>
+            </a:r>
+            <a:r>
+              <a:rPr kumimoji="0" lang="en-US" altLang="zh-CN" sz="1400" b="0" i="0" u="none" strike="noStrike" cap="none" normalizeH="0" baseline="0" dirty="0" smtClean="0">
+                <a:ln>
+                  <a:noFill/>
+                </a:ln>
+                <a:solidFill>
+                  <a:srgbClr val="000000"/>
+                </a:solidFill>
+                <a:effectLst/>
+                <a:latin typeface="Lucida Console" panose="020B0609040504020204" pitchFamily="49" charset="0"/>
+              </a:rPr>
+              <a:t>  </a:t>
+            </a:r>
+            <a:r>
+              <a:rPr kumimoji="0" lang="zh-CN" altLang="zh-CN" sz="1400" b="0" i="0" u="none" strike="noStrike" cap="none" normalizeH="0" baseline="0" dirty="0" smtClean="0">
+                <a:ln>
+                  <a:noFill/>
+                </a:ln>
+                <a:solidFill>
+                  <a:srgbClr val="000000"/>
+                </a:solidFill>
+                <a:effectLst/>
+                <a:latin typeface="Lucida Console" panose="020B0609040504020204" pitchFamily="49" charset="0"/>
+              </a:rPr>
+              <a:t>Gender Birthdate </a:t>
+            </a:r>
+            <a:endParaRPr kumimoji="0" lang="en-US" altLang="zh-CN" sz="1400" b="0" i="0" u="none" strike="noStrike" cap="none" normalizeH="0" baseline="0" dirty="0" smtClean="0">
+              <a:ln>
+                <a:noFill/>
+              </a:ln>
+              <a:solidFill>
+                <a:srgbClr val="000000"/>
+              </a:solidFill>
+              <a:effectLst/>
+              <a:latin typeface="Lucida Console" panose="020B0609040504020204" pitchFamily="49" charset="0"/>
+            </a:endParaRPr>
+          </a:p>
+          <a:p>
+            <a:pPr marL="0" marR="0" lvl="0" indent="0" algn="l" defTabSz="914400" rtl="0" eaLnBrk="0" fontAlgn="base" latinLnBrk="0" hangingPunct="0">
+              <a:lnSpc>
+                <a:spcPct val="100000"/>
+              </a:lnSpc>
+              <a:spcBef>
+                <a:spcPct val="0"/>
+              </a:spcBef>
+              <a:spcAft>
+                <a:spcPct val="0"/>
+              </a:spcAft>
+              <a:buClrTx/>
+              <a:buSzTx/>
+              <a:buFontTx/>
+              <a:buNone/>
+            </a:pPr>
+            <a:r>
+              <a:rPr kumimoji="0" lang="zh-CN" altLang="zh-CN" sz="1400" b="0" i="0" u="none" strike="noStrike" cap="none" normalizeH="0" baseline="0" dirty="0" smtClean="0">
+                <a:ln>
+                  <a:noFill/>
+                </a:ln>
+                <a:solidFill>
+                  <a:srgbClr val="000000"/>
+                </a:solidFill>
+                <a:effectLst/>
+                <a:latin typeface="Lucida Console" panose="020B0609040504020204" pitchFamily="49" charset="0"/>
+              </a:rPr>
+              <a:t>1 11 Devin </a:t>
+            </a:r>
+            <a:r>
+              <a:rPr kumimoji="0" lang="en-US" altLang="zh-CN" sz="1400" b="0" i="0" u="none" strike="noStrike" cap="none" normalizeH="0" baseline="0" dirty="0" smtClean="0">
+                <a:ln>
+                  <a:noFill/>
+                </a:ln>
+                <a:solidFill>
+                  <a:srgbClr val="000000"/>
+                </a:solidFill>
+                <a:effectLst/>
+                <a:latin typeface="Lucida Console" panose="020B0609040504020204" pitchFamily="49" charset="0"/>
+              </a:rPr>
+              <a:t> </a:t>
+            </a:r>
+            <a:r>
+              <a:rPr kumimoji="0" lang="zh-CN" altLang="zh-CN" sz="1400" b="0" i="0" u="none" strike="noStrike" cap="none" normalizeH="0" baseline="0" dirty="0" smtClean="0">
+                <a:ln>
+                  <a:noFill/>
+                </a:ln>
+                <a:solidFill>
+                  <a:srgbClr val="000000"/>
+                </a:solidFill>
+                <a:effectLst/>
+                <a:latin typeface="Lucida Console" panose="020B0609040504020204" pitchFamily="49" charset="0"/>
+              </a:rPr>
+              <a:t>M </a:t>
+            </a:r>
+            <a:r>
+              <a:rPr kumimoji="0" lang="en-US" altLang="zh-CN" sz="1400" b="0" i="0" u="none" strike="noStrike" cap="none" normalizeH="0" baseline="0" dirty="0" smtClean="0">
+                <a:ln>
+                  <a:noFill/>
+                </a:ln>
+                <a:solidFill>
+                  <a:srgbClr val="000000"/>
+                </a:solidFill>
+                <a:effectLst/>
+                <a:latin typeface="Lucida Console" panose="020B0609040504020204" pitchFamily="49" charset="0"/>
+              </a:rPr>
+              <a:t>     </a:t>
+            </a:r>
+            <a:r>
+              <a:rPr kumimoji="0" lang="zh-CN" altLang="zh-CN" sz="1400" b="0" i="0" u="none" strike="noStrike" cap="none" normalizeH="0" baseline="0" dirty="0" smtClean="0">
+                <a:ln>
+                  <a:noFill/>
+                </a:ln>
+                <a:solidFill>
+                  <a:srgbClr val="000000"/>
+                </a:solidFill>
+                <a:effectLst/>
+                <a:latin typeface="Lucida Console" panose="020B0609040504020204" pitchFamily="49" charset="0"/>
+              </a:rPr>
+              <a:t>1984-12-29 </a:t>
+            </a:r>
+            <a:endParaRPr kumimoji="0" lang="en-US" altLang="zh-CN" sz="1400" b="0" i="0" u="none" strike="noStrike" cap="none" normalizeH="0" baseline="0" dirty="0" smtClean="0">
+              <a:ln>
+                <a:noFill/>
+              </a:ln>
+              <a:solidFill>
+                <a:srgbClr val="000000"/>
+              </a:solidFill>
+              <a:effectLst/>
+              <a:latin typeface="Lucida Console" panose="020B0609040504020204" pitchFamily="49" charset="0"/>
+            </a:endParaRPr>
+          </a:p>
+          <a:p>
+            <a:pPr marL="0" marR="0" lvl="0" indent="0" algn="l" defTabSz="914400" rtl="0" eaLnBrk="0" fontAlgn="base" latinLnBrk="0" hangingPunct="0">
+              <a:lnSpc>
+                <a:spcPct val="100000"/>
+              </a:lnSpc>
+              <a:spcBef>
+                <a:spcPct val="0"/>
+              </a:spcBef>
+              <a:spcAft>
+                <a:spcPct val="0"/>
+              </a:spcAft>
+              <a:buClrTx/>
+              <a:buSzTx/>
+              <a:buFontTx/>
+              <a:buNone/>
+            </a:pPr>
+            <a:r>
+              <a:rPr kumimoji="0" lang="zh-CN" altLang="zh-CN" sz="1400" b="0" i="0" u="none" strike="noStrike" cap="none" normalizeH="0" baseline="0" dirty="0" smtClean="0">
+                <a:ln>
+                  <a:noFill/>
+                </a:ln>
+                <a:solidFill>
+                  <a:srgbClr val="000000"/>
+                </a:solidFill>
+                <a:effectLst/>
+                <a:latin typeface="Lucida Console" panose="020B0609040504020204" pitchFamily="49" charset="0"/>
+              </a:rPr>
+              <a:t>2 12 Edward M </a:t>
+            </a:r>
+            <a:r>
+              <a:rPr kumimoji="0" lang="en-US" altLang="zh-CN" sz="1400" b="0" i="0" u="none" strike="noStrike" cap="none" normalizeH="0" baseline="0" dirty="0" smtClean="0">
+                <a:ln>
+                  <a:noFill/>
+                </a:ln>
+                <a:solidFill>
+                  <a:srgbClr val="000000"/>
+                </a:solidFill>
+                <a:effectLst/>
+                <a:latin typeface="Lucida Console" panose="020B0609040504020204" pitchFamily="49" charset="0"/>
+              </a:rPr>
+              <a:t>     </a:t>
+            </a:r>
+            <a:r>
+              <a:rPr kumimoji="0" lang="zh-CN" altLang="zh-CN" sz="1400" b="0" i="0" u="none" strike="noStrike" cap="none" normalizeH="0" baseline="0" dirty="0" smtClean="0">
+                <a:ln>
+                  <a:noFill/>
+                </a:ln>
+                <a:solidFill>
+                  <a:srgbClr val="000000"/>
+                </a:solidFill>
+                <a:effectLst/>
+                <a:latin typeface="Lucida Console" panose="020B0609040504020204" pitchFamily="49" charset="0"/>
+              </a:rPr>
+              <a:t>1983-5-6 </a:t>
+            </a:r>
+            <a:endParaRPr kumimoji="0" lang="en-US" altLang="zh-CN" sz="1400" b="0" i="0" u="none" strike="noStrike" cap="none" normalizeH="0" baseline="0" dirty="0" smtClean="0">
+              <a:ln>
+                <a:noFill/>
+              </a:ln>
+              <a:solidFill>
+                <a:srgbClr val="000000"/>
+              </a:solidFill>
+              <a:effectLst/>
+              <a:latin typeface="Lucida Console" panose="020B0609040504020204" pitchFamily="49" charset="0"/>
+            </a:endParaRPr>
+          </a:p>
+          <a:p>
+            <a:pPr marL="0" marR="0" lvl="0" indent="0" algn="l" defTabSz="914400" rtl="0" eaLnBrk="0" fontAlgn="base" latinLnBrk="0" hangingPunct="0">
+              <a:lnSpc>
+                <a:spcPct val="100000"/>
+              </a:lnSpc>
+              <a:spcBef>
+                <a:spcPct val="0"/>
+              </a:spcBef>
+              <a:spcAft>
+                <a:spcPct val="0"/>
+              </a:spcAft>
+              <a:buClrTx/>
+              <a:buSzTx/>
+              <a:buFontTx/>
+              <a:buNone/>
+            </a:pPr>
+            <a:r>
+              <a:rPr kumimoji="0" lang="zh-CN" altLang="zh-CN" sz="1400" b="0" i="0" u="none" strike="noStrike" cap="none" normalizeH="0" baseline="0" dirty="0" smtClean="0">
+                <a:ln>
+                  <a:noFill/>
+                </a:ln>
+                <a:solidFill>
+                  <a:srgbClr val="000000"/>
+                </a:solidFill>
+                <a:effectLst/>
+                <a:latin typeface="Lucida Console" panose="020B0609040504020204" pitchFamily="49" charset="0"/>
+              </a:rPr>
+              <a:t>3 13 Wenli </a:t>
+            </a:r>
+            <a:r>
+              <a:rPr kumimoji="0" lang="en-US" altLang="zh-CN" sz="1400" b="0" i="0" u="none" strike="noStrike" cap="none" normalizeH="0" baseline="0" dirty="0" smtClean="0">
+                <a:ln>
+                  <a:noFill/>
+                </a:ln>
+                <a:solidFill>
+                  <a:srgbClr val="000000"/>
+                </a:solidFill>
+                <a:effectLst/>
+                <a:latin typeface="Lucida Console" panose="020B0609040504020204" pitchFamily="49" charset="0"/>
+              </a:rPr>
+              <a:t> </a:t>
+            </a:r>
+            <a:r>
+              <a:rPr kumimoji="0" lang="zh-CN" altLang="zh-CN" sz="1400" b="0" i="0" u="none" strike="noStrike" cap="none" normalizeH="0" baseline="0" dirty="0" smtClean="0">
+                <a:ln>
+                  <a:noFill/>
+                </a:ln>
+                <a:solidFill>
+                  <a:srgbClr val="000000"/>
+                </a:solidFill>
+                <a:effectLst/>
+                <a:latin typeface="Lucida Console" panose="020B0609040504020204" pitchFamily="49" charset="0"/>
+              </a:rPr>
+              <a:t>F </a:t>
+            </a:r>
+            <a:r>
+              <a:rPr kumimoji="0" lang="en-US" altLang="zh-CN" sz="1400" b="0" i="0" u="none" strike="noStrike" cap="none" normalizeH="0" baseline="0" dirty="0" smtClean="0">
+                <a:ln>
+                  <a:noFill/>
+                </a:ln>
+                <a:solidFill>
+                  <a:srgbClr val="000000"/>
+                </a:solidFill>
+                <a:effectLst/>
+                <a:latin typeface="Lucida Console" panose="020B0609040504020204" pitchFamily="49" charset="0"/>
+              </a:rPr>
+              <a:t>     </a:t>
+            </a:r>
+            <a:r>
+              <a:rPr kumimoji="0" lang="zh-CN" altLang="zh-CN" sz="1400" b="0" i="0" u="none" strike="noStrike" cap="none" normalizeH="0" baseline="0" dirty="0" smtClean="0">
+                <a:ln>
+                  <a:noFill/>
+                </a:ln>
+                <a:solidFill>
+                  <a:srgbClr val="000000"/>
+                </a:solidFill>
+                <a:effectLst/>
+                <a:latin typeface="Lucida Console" panose="020B0609040504020204" pitchFamily="49" charset="0"/>
+              </a:rPr>
+              <a:t>1986-8-8</a:t>
+            </a:r>
+            <a:endParaRPr kumimoji="0" lang="zh-CN" altLang="zh-CN" sz="3200" b="0" i="0" u="none" strike="noStrike" cap="none" normalizeH="0" baseline="0" dirty="0" smtClean="0">
               <a:ln>
                 <a:noFill/>
               </a:ln>
@@ -22108,9 +23125,63 @@
           </a:p>
         </p:txBody>
       </p:sp>
+      <p:pic>
+        <p:nvPicPr>
+          <p:cNvPr id="7" name="图片 6"/>
+          <p:cNvPicPr>
+            <a:picLocks noChangeAspect="1"/>
+          </p:cNvPicPr>
+          <p:nvPr/>
+        </p:nvPicPr>
+        <p:blipFill>
+          <a:blip r:embed="rId2">
+            <a:extLst>
+              <a:ext uri="{28A0092B-C50C-407E-A947-70E740481C1C}">
+                <a14:useLocalDpi xmlns:a14="http://schemas.microsoft.com/office/drawing/2010/main" val="0"/>
+              </a:ext>
+            </a:extLst>
+          </a:blip>
+          <a:stretch>
+            <a:fillRect/>
+          </a:stretch>
+        </p:blipFill>
+        <p:spPr>
+          <a:xfrm>
+            <a:off x="9619340" y="451943"/>
+            <a:ext cx="2360787" cy="1893876"/>
+          </a:xfrm>
+          <a:prstGeom prst="ellipse">
+            <a:avLst/>
+          </a:prstGeom>
+          <a:ln w="63500" cap="rnd">
+            <a:solidFill>
+              <a:srgbClr val="333333"/>
+            </a:solidFill>
+          </a:ln>
+          <a:effectLst>
+            <a:outerShdw blurRad="381000" dist="292100" dir="5400000" sx="-80000" sy="-18000" rotWithShape="0">
+              <a:srgbClr val="000000">
+                <a:alpha val="22000"/>
+              </a:srgbClr>
+            </a:outerShdw>
+          </a:effectLst>
+          <a:scene3d>
+            <a:camera prst="orthographicFront"/>
+            <a:lightRig rig="contrasting" dir="t">
+              <a:rot lat="0" lon="0" rev="3000000"/>
+            </a:lightRig>
+          </a:scene3d>
+          <a:sp3d contourW="7620">
+            <a:bevelT w="95250" h="31750"/>
+            <a:contourClr>
+              <a:srgbClr val="333333"/>
+            </a:contourClr>
+          </a:sp3d>
+        </p:spPr>
+      </p:pic>
       <p:sp>
         <p:nvSpPr>
-          <p:cNvPr id="6" name="Rectangle 1"/>
+          <p:cNvPr id="8" name="Rectangle 2"/>
           <p:cNvSpPr>
             <a:spLocks noChangeArrowheads="1"/>
           </p:cNvSpPr>
@@ -22118,8 +23189,8 @@
         </p:nvSpPr>
         <p:spPr bwMode="auto">
           <a:xfrm>
-            <a:off x="1205489" y="5222762"/>
-            <a:ext cx="6121869" cy="430887"/>
+            <a:off x="1253395" y="4161317"/>
+            <a:ext cx="2792431" cy="215444"/>
           </a:xfrm>
           <a:prstGeom prst="rect">
             <a:avLst/>
@@ -22155,9 +23226,6 @@
         </p:spPr>
         <p:txBody>
           <a:bodyPr vert="horz" wrap="none" lIns="0" tIns="0" rIns="0" bIns="0" numCol="1" anchor="ctr" anchorCtr="0" compatLnSpc="1">
-            <a:prstTxWarp prst="textNoShape">
-              <a:avLst/>
-            </a:prstTxWarp>
             <a:spAutoFit/>
           </a:bodyPr>
           <a:lstStyle/>
@@ -22176,7 +23244,6 @@
               <a:buSzTx/>
               <a:buFontTx/>
               <a:buNone/>
-              <a:tabLst/>
             </a:pPr>
             <a:r>
               <a:rPr kumimoji="0" lang="zh-CN" altLang="zh-CN" sz="1400" b="0" i="0" u="none" strike="noStrike" cap="none" normalizeH="0" baseline="0" dirty="0" smtClean="0">
@@ -22189,48 +23256,7 @@
                 <a:effectLst/>
                 <a:latin typeface="Lucida Console" panose="020B0609040504020204" pitchFamily="49" charset="0"/>
               </a:rPr>
-              <a:t>&gt; LifeCycleSavings["China",] </a:t>
-            </a:r>
-            <a:endParaRPr kumimoji="0" lang="en-US" altLang="zh-CN" sz="1400" b="0" i="0" u="none" strike="noStrike" cap="none" normalizeH="0" baseline="0" dirty="0" smtClean="0">
-              <a:ln>
-                <a:noFill/>
-              </a:ln>
-              <a:solidFill>
-                <a:srgbClr val="0000FF"/>
-              </a:solidFill>
-              <a:effectLst/>
-              <a:latin typeface="Lucida Console" panose="020B0609040504020204" pitchFamily="49" charset="0"/>
-            </a:endParaRPr>
-          </a:p>
-          <a:p>
-            <a:pPr marL="0" marR="0" lvl="0" indent="0" algn="l" defTabSz="914400" rtl="0" eaLnBrk="0" fontAlgn="base" latinLnBrk="0" hangingPunct="0">
-              <a:lnSpc>
-                <a:spcPct val="100000"/>
-              </a:lnSpc>
-              <a:spcBef>
-                <a:spcPct val="0"/>
-              </a:spcBef>
-              <a:spcAft>
-                <a:spcPct val="0"/>
-              </a:spcAft>
-              <a:buClrTx/>
-              <a:buSzTx/>
-              <a:buFontTx/>
-              <a:buNone/>
-              <a:tabLst/>
-            </a:pPr>
-            <a:r>
-              <a:rPr kumimoji="0" lang="zh-CN" altLang="zh-CN" sz="1400" b="0" i="0" u="none" strike="noStrike" cap="none" normalizeH="0" baseline="0" dirty="0" smtClean="0">
-                <a:ln>
-                  <a:noFill/>
-                </a:ln>
-                <a:solidFill>
-                  <a:srgbClr val="000000"/>
-                </a:solidFill>
-                <a:effectLst/>
-                <a:latin typeface="Lucida Console" panose="020B0609040504020204" pitchFamily="49" charset="0"/>
-              </a:rPr>
-              <a:t>sr pop15 pop75 dpi ddpi China 11.9 44.75 0.67 289.52 6.51</a:t>
+              <a:t>&gt; row.names(student)&lt;-NULL</a:t>
             </a:r>
             <a:endParaRPr kumimoji="0" lang="zh-CN" altLang="zh-CN" sz="3200" b="0" i="0" u="none" strike="noStrike" cap="none" normalizeH="0" baseline="0" dirty="0" smtClean="0">
               <a:ln>
@@ -22247,14 +23273,14 @@
       </p:sp>
       <p:sp>
         <p:nvSpPr>
-          <p:cNvPr id="8" name="文本框 7"/>
+          <p:cNvPr id="9" name="文本框 8"/>
           <p:cNvSpPr txBox="1"/>
           <p:nvPr/>
         </p:nvSpPr>
         <p:spPr>
           <a:xfrm>
-            <a:off x="1205489" y="5759873"/>
-            <a:ext cx="3743186" cy="584775"/>
+            <a:off x="8236588" y="4066485"/>
+            <a:ext cx="2765503" cy="1323439"/>
           </a:xfrm>
           <a:prstGeom prst="rect">
             <a:avLst/>
@@ -22269,14 +23295,103 @@
           <a:p>
             <a:r>
               <a:rPr lang="zh-CN" altLang="en-US" sz="1600" dirty="0" smtClean="0">
-                <a:latin typeface="华文楷体" panose="02010600040101010101" pitchFamily="2" charset="-122"/>
+                <a:solidFill>
+                  <a:srgbClr val="FF0000"/>
+                </a:solidFill>
+                <a:latin typeface="Times New Roman" panose="02020603050405020304" pitchFamily="18" charset="0"/>
                 <a:ea typeface="华文楷体" panose="02010600040101010101" pitchFamily="2" charset="-122"/>
-              </a:rPr>
-              <a:t>注意逗号的存在表达要调用对象名，即行名词，没逗号就变成了列名称</a:t>
+                <a:cs typeface="Times New Roman" panose="02020603050405020304" pitchFamily="18" charset="0"/>
+              </a:rPr>
+              <a:t>思考</a:t>
+            </a:r>
+            <a:r>
+              <a:rPr lang="zh-CN" altLang="en-US" sz="1600" dirty="0" smtClean="0">
+                <a:latin typeface="Times New Roman" panose="02020603050405020304" pitchFamily="18" charset="0"/>
+                <a:ea typeface="华文楷体" panose="02010600040101010101" pitchFamily="2" charset="-122"/>
+                <a:cs typeface="Times New Roman" panose="02020603050405020304" pitchFamily="18" charset="0"/>
+              </a:rPr>
+              <a:t>：与</a:t>
+            </a:r>
+            <a:r>
+              <a:rPr lang="en-US" altLang="zh-CN" sz="1600" dirty="0" err="1" smtClean="0">
+                <a:latin typeface="Times New Roman" panose="02020603050405020304" pitchFamily="18" charset="0"/>
+                <a:ea typeface="华文楷体" panose="02010600040101010101" pitchFamily="2" charset="-122"/>
+                <a:cs typeface="Times New Roman" panose="02020603050405020304" pitchFamily="18" charset="0"/>
+              </a:rPr>
+              <a:t>row.names</a:t>
+            </a:r>
+            <a:r>
+              <a:rPr lang="zh-CN" altLang="en-US" sz="1600" dirty="0" smtClean="0">
+                <a:latin typeface="Times New Roman" panose="02020603050405020304" pitchFamily="18" charset="0"/>
+                <a:ea typeface="华文楷体" panose="02010600040101010101" pitchFamily="2" charset="-122"/>
+                <a:cs typeface="Times New Roman" panose="02020603050405020304" pitchFamily="18" charset="0"/>
+              </a:rPr>
+              <a:t>取对象名类似，</a:t>
+            </a:r>
+            <a:r>
+              <a:rPr lang="en-US" altLang="zh-CN" sz="1600" dirty="0" smtClean="0">
+                <a:latin typeface="Times New Roman" panose="02020603050405020304" pitchFamily="18" charset="0"/>
+                <a:ea typeface="华文楷体" panose="02010600040101010101" pitchFamily="2" charset="-122"/>
+                <a:cs typeface="Times New Roman" panose="02020603050405020304" pitchFamily="18" charset="0"/>
+              </a:rPr>
+              <a:t>names()</a:t>
+            </a:r>
+            <a:r>
+              <a:rPr lang="zh-CN" altLang="en-US" sz="1600" dirty="0" smtClean="0">
+                <a:latin typeface="Times New Roman" panose="02020603050405020304" pitchFamily="18" charset="0"/>
+                <a:ea typeface="华文楷体" panose="02010600040101010101" pitchFamily="2" charset="-122"/>
+                <a:cs typeface="Times New Roman" panose="02020603050405020304" pitchFamily="18" charset="0"/>
+              </a:rPr>
+              <a:t>函数用来取变量名。如果试图删除或修改数据集中的变量名该如何操作</a:t>
             </a:r>
             <a:endParaRPr lang="zh-CN" altLang="en-US" sz="1600" dirty="0">
-              <a:latin typeface="华文楷体" panose="02010600040101010101" pitchFamily="2" charset="-122"/>
+              <a:latin typeface="Times New Roman" panose="02020603050405020304" pitchFamily="18" charset="0"/>
               <a:ea typeface="华文楷体" panose="02010600040101010101" pitchFamily="2" charset="-122"/>
+              <a:cs typeface="Times New Roman" panose="02020603050405020304" pitchFamily="18" charset="0"/>
+            </a:endParaRPr>
+          </a:p>
+        </p:txBody>
+      </p:sp>
+      <p:sp>
+        <p:nvSpPr>
+          <p:cNvPr id="10" name="上弧形箭头 9"/>
+          <p:cNvSpPr/>
+          <p:nvPr/>
+        </p:nvSpPr>
+        <p:spPr>
+          <a:xfrm rot="18559176" flipH="1">
+            <a:off x="8757653" y="1619186"/>
+            <a:ext cx="1000928" cy="415588"/>
+          </a:xfrm>
+          <a:prstGeom prst="curvedDownArrow">
+            <a:avLst/>
+          </a:prstGeom>
+        </p:spPr>
+        <p:style>
+          <a:lnRef idx="2">
+            <a:schemeClr val="accent1">
+              <a:shade val="50000"/>
+            </a:schemeClr>
+          </a:lnRef>
+          <a:fillRef idx="1">
+            <a:schemeClr val="accent1"/>
+          </a:fillRef>
+          <a:effectRef idx="0">
+            <a:schemeClr val="accent1"/>
+          </a:effectRef>
+          <a:fontRef idx="minor">
+            <a:schemeClr val="lt1"/>
+          </a:fontRef>
+        </p:style>
+        <p:txBody>
+          <a:bodyPr rtlCol="0" anchor="ctr"/>
+          <a:lstStyle/>
+          <a:p>
+            <a:pPr algn="ctr"/>
+            <a:endParaRPr lang="zh-CN" altLang="en-US">
+              <a:solidFill>
+                <a:schemeClr val="tx1"/>
+              </a:solidFill>
             </a:endParaRPr>
           </a:p>
         </p:txBody>
@@ -22289,7 +23404,152 @@
   <p:timing>
     <p:tnLst>
       <p:par>
-        <p:cTn id="1" dur="indefinite" restart="never" nodeType="tmRoot"/>
+        <p:cTn id="1" dur="indefinite" restart="never" nodeType="tmRoot">
+          <p:childTnLst>
+            <p:seq concurrent="1" nextAc="seek">
+              <p:cTn id="2" dur="indefinite" nodeType="mainSeq">
+                <p:childTnLst>
+                  <p:par>
+                    <p:cTn id="3" fill="hold">
+                      <p:stCondLst>
+                        <p:cond delay="indefinite"/>
+                      </p:stCondLst>
+                      <p:childTnLst>
+                        <p:par>
+                          <p:cTn id="4" fill="hold">
+                            <p:stCondLst>
+                              <p:cond delay="0"/>
+                            </p:stCondLst>
+                            <p:childTnLst>
+                              <p:par>
+                                <p:cTn id="5" presetID="31" presetClass="entr" presetSubtype="0" fill="hold" nodeType="clickEffect">
+                                  <p:stCondLst>
+                                    <p:cond delay="0"/>
+                                  </p:stCondLst>
+                                  <p:childTnLst>
+                                    <p:set>
+                                      <p:cBhvr>
+                                        <p:cTn id="6" dur="1" fill="hold">
+                                          <p:stCondLst>
+                                            <p:cond delay="0"/>
+                                          </p:stCondLst>
+                                        </p:cTn>
+                                        <p:tgtEl>
+                                          <p:spTgt spid="7"/>
+                                        </p:tgtEl>
+                                        <p:attrNameLst>
+                                          <p:attrName>style.visibility</p:attrName>
+                                        </p:attrNameLst>
+                                      </p:cBhvr>
+                                      <p:to>
+                                        <p:strVal val="visible"/>
+                                      </p:to>
+                                    </p:set>
+                                    <p:anim calcmode="lin" valueType="num">
+                                      <p:cBhvr>
+                                        <p:cTn id="7" dur="1000" fill="hold"/>
+                                        <p:tgtEl>
+                                          <p:spTgt spid="7"/>
+                                        </p:tgtEl>
+                                        <p:attrNameLst>
+                                          <p:attrName>ppt_w</p:attrName>
+                                        </p:attrNameLst>
+                                      </p:cBhvr>
+                                      <p:tavLst>
+                                        <p:tav tm="0">
+                                          <p:val>
+                                            <p:fltVal val="0"/>
+                                          </p:val>
+                                        </p:tav>
+                                        <p:tav tm="100000">
+                                          <p:val>
+                                            <p:strVal val="#ppt_w"/>
+                                          </p:val>
+                                        </p:tav>
+                                      </p:tavLst>
+                                    </p:anim>
+                                    <p:anim calcmode="lin" valueType="num">
+                                      <p:cBhvr>
+                                        <p:cTn id="8" dur="1000" fill="hold"/>
+                                        <p:tgtEl>
+                                          <p:spTgt spid="7"/>
+                                        </p:tgtEl>
+                                        <p:attrNameLst>
+                                          <p:attrName>ppt_h</p:attrName>
+                                        </p:attrNameLst>
+                                      </p:cBhvr>
+                                      <p:tavLst>
+                                        <p:tav tm="0">
+                                          <p:val>
+                                            <p:fltVal val="0"/>
+                                          </p:val>
+                                        </p:tav>
+                                        <p:tav tm="100000">
+                                          <p:val>
+                                            <p:strVal val="#ppt_h"/>
+                                          </p:val>
+                                        </p:tav>
+                                      </p:tavLst>
+                                    </p:anim>
+                                    <p:anim calcmode="lin" valueType="num">
+                                      <p:cBhvr>
+                                        <p:cTn id="9" dur="1000" fill="hold"/>
+                                        <p:tgtEl>
+                                          <p:spTgt spid="7"/>
+                                        </p:tgtEl>
+                                        <p:attrNameLst>
+                                          <p:attrName>style.rotation</p:attrName>
+                                        </p:attrNameLst>
+                                      </p:cBhvr>
+                                      <p:tavLst>
+                                        <p:tav tm="0">
+                                          <p:val>
+                                            <p:fltVal val="90"/>
+                                          </p:val>
+                                        </p:tav>
+                                        <p:tav tm="100000">
+                                          <p:val>
+                                            <p:fltVal val="0"/>
+                                          </p:val>
+                                        </p:tav>
+                                      </p:tavLst>
+                                    </p:anim>
+                                    <p:animEffect transition="in" filter="fade">
+                                      <p:cBhvr>
+                                        <p:cTn id="10" dur="1000"/>
+                                        <p:tgtEl>
+                                          <p:spTgt spid="7"/>
+                                        </p:tgtEl>
+                                      </p:cBhvr>
+                                    </p:animEffect>
+                                  </p:childTnLst>
+                                </p:cTn>
+                              </p:par>
+                            </p:childTnLst>
+                          </p:cTn>
+                        </p:par>
+                      </p:childTnLst>
+                    </p:cTn>
+                  </p:par>
+                </p:childTnLst>
+              </p:cTn>
+              <p:prevCondLst>
+                <p:cond evt="onPrev" delay="0">
+                  <p:tgtEl>
+                    <p:sldTgt/>
+                  </p:tgtEl>
+                </p:cond>
+              </p:prevCondLst>
+              <p:nextCondLst>
+                <p:cond evt="onNext" delay="0">
+                  <p:tgtEl>
+                    <p:sldTgt/>
+                  </p:tgtEl>
+                </p:cond>
+              </p:nextCondLst>
+            </p:seq>
+          </p:childTnLst>
+        </p:cTn>
       </p:par>
     </p:tnLst>
   </p:timing>
@@ -22325,14 +23585,28 @@
         </p:nvSpPr>
         <p:spPr/>
         <p:txBody>
-          <a:bodyPr/>
+          <a:bodyPr>
+            <a:normAutofit/>
+          </a:bodyPr>
           <a:lstStyle/>
           <a:p>
             <a:r>
-              <a:rPr lang="zh-CN" altLang="en-US" dirty="0" smtClean="0"/>
-              <a:t>取子集</a:t>
-            </a:r>
-            <a:endParaRPr lang="zh-CN" altLang="en-US" dirty="0"/>
+              <a:rPr lang="zh-CN" altLang="en-US" sz="3600" dirty="0" smtClean="0"/>
+              <a:t>数据集的调用</a:t>
+            </a:r>
+            <a:r>
+              <a:rPr lang="en-US" altLang="zh-CN" sz="3600" dirty="0" smtClean="0"/>
+              <a:t>(</a:t>
+            </a:r>
+            <a:r>
+              <a:rPr lang="zh-CN" altLang="en-US" sz="3600" dirty="0" smtClean="0"/>
+              <a:t>访问</a:t>
+            </a:r>
+            <a:r>
+              <a:rPr lang="en-US" altLang="zh-CN" sz="3600" dirty="0" smtClean="0"/>
+              <a:t>)</a:t>
+            </a:r>
+            <a:endParaRPr lang="zh-CN" altLang="en-US" sz="3600" dirty="0"/>
           </a:p>
         </p:txBody>
       </p:sp>
@@ -22346,28 +23620,47 @@
             <p:ph idx="1"/>
           </p:nvPr>
         </p:nvSpPr>
-        <p:spPr/>
+        <p:spPr>
+          <a:xfrm>
+            <a:off x="1182030" y="1845734"/>
+            <a:ext cx="9973650" cy="4023360"/>
+          </a:xfrm>
+        </p:spPr>
         <p:txBody>
           <a:bodyPr/>
           <a:lstStyle/>
           <a:p>
             <a:r>
               <a:rPr lang="zh-CN" altLang="en-US" dirty="0" smtClean="0"/>
-              <a:t>指定行列直接取子集</a:t>
-            </a:r>
+              <a:t>数据集结构形式和矩阵相似，可以如同调用矩阵元素的方式对数据集元素进行调用，即加方括号方式</a:t>
+            </a:r>
+            <a:endParaRPr lang="en-US" altLang="zh-CN" dirty="0"/>
+          </a:p>
+          <a:p>
             <a:endParaRPr lang="en-US" altLang="zh-CN" dirty="0" smtClean="0"/>
           </a:p>
           <a:p>
+            <a:r>
+              <a:rPr lang="zh-CN" altLang="en-US" dirty="0" smtClean="0"/>
+              <a:t>如果作为变量族的方式调用，则需要用</a:t>
+            </a:r>
+            <a:r>
+              <a:rPr lang="en-US" altLang="zh-CN" dirty="0" smtClean="0"/>
+              <a:t>$</a:t>
+            </a:r>
+            <a:r>
+              <a:rPr lang="zh-CN" altLang="en-US" dirty="0" smtClean="0"/>
+              <a:t>符号表示某数据集下的某变量</a:t>
+            </a:r>
+            <a:endParaRPr lang="en-US" altLang="zh-CN" dirty="0" smtClean="0"/>
+          </a:p>
+          <a:p>
             <a:endParaRPr lang="en-US" altLang="zh-CN" dirty="0"/>
           </a:p>
           <a:p>
             <a:r>
-              <a:rPr lang="en-US" altLang="zh-CN" dirty="0"/>
-              <a:t>subset()</a:t>
-            </a:r>
-            <a:r>
               <a:rPr lang="zh-CN" altLang="en-US" dirty="0" smtClean="0"/>
-              <a:t>函数按条件取子集</a:t>
+              <a:t>数据的排序</a:t>
             </a:r>
             <a:endParaRPr lang="en-US" altLang="zh-CN" dirty="0" smtClean="0"/>
           </a:p>
@@ -22377,45 +23670,9 @@
           <a:p>
             <a:r>
               <a:rPr lang="zh-CN" altLang="en-US" dirty="0" smtClean="0"/>
-              <a:t>掐头去尾取子集</a:t>
+              <a:t>如果试图通过对象名或者属性名调用</a:t>
             </a:r>
             <a:endParaRPr lang="en-US" altLang="zh-CN" dirty="0" smtClean="0"/>
-          </a:p>
-          <a:p>
-            <a:endParaRPr lang="en-US" altLang="zh-CN" dirty="0"/>
-          </a:p>
-          <a:p>
-            <a:endParaRPr lang="en-US" altLang="zh-CN" dirty="0" smtClean="0"/>
-          </a:p>
-          <a:p>
-            <a:endParaRPr lang="en-US" altLang="zh-CN" dirty="0"/>
-          </a:p>
-          <a:p>
-            <a:endParaRPr lang="en-US" altLang="zh-CN" dirty="0" smtClean="0"/>
-          </a:p>
-          <a:p>
-            <a:pPr marL="0" indent="0">
-              <a:buNone/>
-            </a:pPr>
-            <a:endParaRPr lang="en-US" altLang="zh-CN" dirty="0" smtClean="0"/>
-          </a:p>
-          <a:p>
-            <a:endParaRPr lang="en-US" altLang="zh-CN" dirty="0" smtClean="0"/>
-          </a:p>
-          <a:p>
-            <a:endParaRPr lang="en-US" altLang="zh-CN" dirty="0"/>
-          </a:p>
-          <a:p>
-            <a:endParaRPr lang="en-US" altLang="zh-CN" dirty="0" smtClean="0"/>
-          </a:p>
-          <a:p>
-            <a:pPr marL="0" indent="0">
-              <a:buNone/>
-            </a:pPr>
-            <a:endParaRPr lang="en-US" altLang="zh-CN" dirty="0"/>
-          </a:p>
-          <a:p>
-            <a:endParaRPr lang="en-US" altLang="zh-CN" dirty="0"/>
           </a:p>
           <a:p>
             <a:endParaRPr lang="zh-CN" altLang="en-US" dirty="0"/>
@@ -22432,8 +23689,298 @@
         </p:nvSpPr>
         <p:spPr bwMode="auto">
           <a:xfrm>
-            <a:off x="1182029" y="2395727"/>
-            <a:ext cx="3973845" cy="215444"/>
+            <a:off x="1182030" y="2611060"/>
+            <a:ext cx="3084394" cy="400110"/>
+          </a:xfrm>
+          <a:prstGeom prst="rect">
+            <a:avLst/>
+          </a:prstGeom>
+          <a:solidFill>
+            <a:srgbClr val="FFFFFF"/>
+          </a:solidFill>
+          <a:ln>
+            <a:noFill/>
+          </a:ln>
+          <a:effectLst/>
+          <a:extLst>
+            <a:ext uri="{91240B29-F687-4F45-9708-019B960494DF}">
+              <a14:hiddenLine xmlns:a14="http://schemas.microsoft.com/office/drawing/2010/main" w="9525">
+                <a:solidFill>
+                  <a:schemeClr val="tx1"/>
+                </a:solidFill>
+                <a:miter lim="800000"/>
+                <a:headEnd/>
+                <a:tailEnd/>
+              </a14:hiddenLine>
+            </a:ext>
+            <a:ext uri="{AF507438-7753-43E0-B8FC-AC1667EBCBE1}">
+              <a14:hiddenEffects xmlns:a14="http://schemas.microsoft.com/office/drawing/2010/main">
+                <a:effectLst>
+                  <a:outerShdw dist="35921" dir="2700000" algn="ctr" rotWithShape="0">
+                    <a:schemeClr val="bg2"/>
+                  </a:outerShdw>
+                </a:effectLst>
+              </a14:hiddenEffects>
+            </a:ext>
+          </a:extLst>
+        </p:spPr>
+        <p:txBody>
+          <a:bodyPr vert="horz" wrap="square" lIns="0" tIns="0" rIns="0" bIns="0" numCol="1" anchor="ctr" anchorCtr="0" compatLnSpc="1">
+            <a:spAutoFit/>
+          </a:bodyPr>
+          <a:lstStyle/>
+          <a:p>
+            <a:pPr marL="0" marR="0" lvl="0" indent="0" algn="l" defTabSz="914400" rtl="0" eaLnBrk="0" fontAlgn="base" latinLnBrk="0" hangingPunct="0">
+              <a:lnSpc>
+                <a:spcPct val="100000"/>
+              </a:lnSpc>
+              <a:spcBef>
+                <a:spcPct val="0"/>
+              </a:spcBef>
+              <a:spcAft>
+                <a:spcPct val="0"/>
+              </a:spcAft>
+              <a:buClrTx/>
+              <a:buSzTx/>
+              <a:buFontTx/>
+              <a:buNone/>
+            </a:pPr>
+            <a:r>
+              <a:rPr kumimoji="0" lang="zh-CN" altLang="zh-CN" sz="1200" b="0" i="0" u="none" strike="noStrike" cap="none" normalizeH="0" baseline="0" dirty="0" smtClean="0">
+                <a:ln>
+                  <a:noFill/>
+                </a:ln>
+                <a:solidFill>
+                  <a:srgbClr val="0000FF"/>
+                </a:solidFill>
+                <a:effectLst/>
+                <a:latin typeface="Lucida Console" panose="020B0609040504020204" pitchFamily="49" charset="0"/>
+              </a:rPr>
+              <a:t>&gt; </a:t>
+            </a:r>
+            <a:r>
+              <a:rPr kumimoji="0" lang="zh-CN" altLang="zh-CN" sz="1400" b="0" i="0" u="none" strike="noStrike" cap="none" normalizeH="0" baseline="0" dirty="0" smtClean="0">
+                <a:ln>
+                  <a:noFill/>
+                </a:ln>
+                <a:solidFill>
+                  <a:srgbClr val="0000FF"/>
+                </a:solidFill>
+                <a:effectLst/>
+                <a:latin typeface="Lucida Console" panose="020B0609040504020204" pitchFamily="49" charset="0"/>
+              </a:rPr>
+              <a:t>LifeCycleSavings</a:t>
+            </a:r>
+            <a:r>
+              <a:rPr kumimoji="0" lang="zh-CN" altLang="zh-CN" sz="1200" b="0" i="0" u="none" strike="noStrike" cap="none" normalizeH="0" baseline="0" dirty="0" smtClean="0">
+                <a:ln>
+                  <a:noFill/>
+                </a:ln>
+                <a:solidFill>
+                  <a:srgbClr val="0000FF"/>
+                </a:solidFill>
+                <a:effectLst/>
+                <a:latin typeface="Lucida Console" panose="020B0609040504020204" pitchFamily="49" charset="0"/>
+              </a:rPr>
+              <a:t>[1,2] </a:t>
+            </a:r>
+            <a:endParaRPr kumimoji="0" lang="en-US" altLang="zh-CN" sz="1200" b="0" i="0" u="none" strike="noStrike" cap="none" normalizeH="0" baseline="0" dirty="0" smtClean="0">
+              <a:ln>
+                <a:noFill/>
+              </a:ln>
+              <a:solidFill>
+                <a:srgbClr val="0000FF"/>
+              </a:solidFill>
+              <a:effectLst/>
+              <a:latin typeface="Lucida Console" panose="020B0609040504020204" pitchFamily="49" charset="0"/>
+            </a:endParaRPr>
+          </a:p>
+          <a:p>
+            <a:pPr marL="0" marR="0" lvl="0" indent="0" algn="l" defTabSz="914400" rtl="0" eaLnBrk="0" fontAlgn="base" latinLnBrk="0" hangingPunct="0">
+              <a:lnSpc>
+                <a:spcPct val="100000"/>
+              </a:lnSpc>
+              <a:spcBef>
+                <a:spcPct val="0"/>
+              </a:spcBef>
+              <a:spcAft>
+                <a:spcPct val="0"/>
+              </a:spcAft>
+              <a:buClrTx/>
+              <a:buSzTx/>
+              <a:buFontTx/>
+              <a:buNone/>
+            </a:pPr>
+            <a:r>
+              <a:rPr kumimoji="0" lang="zh-CN" altLang="zh-CN" sz="1200" b="0" i="0" u="none" strike="noStrike" cap="none" normalizeH="0" baseline="0" dirty="0" smtClean="0">
+                <a:ln>
+                  <a:noFill/>
+                </a:ln>
+                <a:solidFill>
+                  <a:srgbClr val="000000"/>
+                </a:solidFill>
+                <a:effectLst/>
+                <a:latin typeface="Lucida Console" panose="020B0609040504020204" pitchFamily="49" charset="0"/>
+              </a:rPr>
+              <a:t>[1] 29.35</a:t>
+            </a:r>
+            <a:endParaRPr kumimoji="0" lang="zh-CN" altLang="zh-CN" sz="2800" b="0" i="0" u="none" strike="noStrike" cap="none" normalizeH="0" baseline="0" dirty="0" smtClean="0">
+              <a:ln>
+                <a:noFill/>
+              </a:ln>
+              <a:solidFill>
+                <a:schemeClr val="tx1"/>
+              </a:solidFill>
+              <a:effectLst/>
+              <a:latin typeface="Arial" panose="020B0604020202020204" pitchFamily="34" charset="0"/>
+            </a:endParaRPr>
+          </a:p>
+        </p:txBody>
+      </p:sp>
+      <p:sp>
+        <p:nvSpPr>
+          <p:cNvPr id="5" name="Rectangle 2"/>
+          <p:cNvSpPr>
+            <a:spLocks noChangeArrowheads="1"/>
+          </p:cNvSpPr>
+          <p:nvPr/>
+        </p:nvSpPr>
+        <p:spPr bwMode="auto">
+          <a:xfrm>
+            <a:off x="1182030" y="4362389"/>
+            <a:ext cx="7670042" cy="430887"/>
+          </a:xfrm>
+          <a:prstGeom prst="rect">
+            <a:avLst/>
+          </a:prstGeom>
+          <a:solidFill>
+            <a:srgbClr val="FFFFFF"/>
+          </a:solidFill>
+          <a:ln>
+            <a:noFill/>
+          </a:ln>
+          <a:effectLst/>
+          <a:extLst>
+            <a:ext uri="{91240B29-F687-4F45-9708-019B960494DF}">
+              <a14:hiddenLine xmlns:a14="http://schemas.microsoft.com/office/drawing/2010/main" w="9525">
+                <a:solidFill>
+                  <a:schemeClr val="tx1"/>
+                </a:solidFill>
+                <a:miter lim="800000"/>
+                <a:headEnd/>
+                <a:tailEnd/>
+              </a14:hiddenLine>
+            </a:ext>
+            <a:ext uri="{AF507438-7753-43E0-B8FC-AC1667EBCBE1}">
+              <a14:hiddenEffects xmlns:a14="http://schemas.microsoft.com/office/drawing/2010/main">
+                <a:effectLst>
+                  <a:outerShdw dist="35921" dir="2700000" algn="ctr" rotWithShape="0">
+                    <a:schemeClr val="bg2"/>
+                  </a:outerShdw>
+                </a:effectLst>
+              </a14:hiddenEffects>
+            </a:ext>
+          </a:extLst>
+        </p:spPr>
+        <p:txBody>
+          <a:bodyPr vert="horz" wrap="square" lIns="0" tIns="0" rIns="0" bIns="0" numCol="1" anchor="ctr" anchorCtr="0" compatLnSpc="1">
+            <a:spAutoFit/>
+          </a:bodyPr>
+          <a:lstStyle/>
+          <a:p>
+            <a:pPr marL="0" marR="0" lvl="0" indent="0" algn="l" defTabSz="914400" rtl="0" eaLnBrk="0" fontAlgn="base" latinLnBrk="0" hangingPunct="0">
+              <a:lnSpc>
+                <a:spcPct val="100000"/>
+              </a:lnSpc>
+              <a:spcBef>
+                <a:spcPct val="0"/>
+              </a:spcBef>
+              <a:spcAft>
+                <a:spcPct val="0"/>
+              </a:spcAft>
+              <a:buClrTx/>
+              <a:buSzTx/>
+              <a:buFontTx/>
+              <a:buNone/>
+            </a:pPr>
+            <a:r>
+              <a:rPr kumimoji="0" lang="zh-CN" altLang="zh-CN" sz="1400" b="0" i="0" u="none" strike="noStrike" cap="none" normalizeH="0" baseline="0" dirty="0" smtClean="0">
+                <a:ln>
+                  <a:noFill/>
+                </a:ln>
+                <a:solidFill>
+                  <a:srgbClr val="0000FF"/>
+                </a:solidFill>
+                <a:effectLst/>
+                <a:latin typeface="Lucida Console" panose="020B0609040504020204" pitchFamily="49" charset="0"/>
+              </a:rPr>
+              <a:t>&gt; newdata&lt;-LifeCycleSavings[order(LifeCycleSavings$dpi),] </a:t>
+            </a:r>
+            <a:endParaRPr kumimoji="0" lang="en-US" altLang="zh-CN" sz="1400" b="0" i="0" u="none" strike="noStrike" cap="none" normalizeH="0" baseline="0" dirty="0" smtClean="0">
+              <a:ln>
+                <a:noFill/>
+              </a:ln>
+              <a:solidFill>
+                <a:srgbClr val="0000FF"/>
+              </a:solidFill>
+              <a:effectLst/>
+              <a:latin typeface="Lucida Console" panose="020B0609040504020204" pitchFamily="49" charset="0"/>
+            </a:endParaRPr>
+          </a:p>
+          <a:p>
+            <a:pPr marL="0" marR="0" lvl="0" indent="0" algn="l" defTabSz="914400" rtl="0" eaLnBrk="0" fontAlgn="base" latinLnBrk="0" hangingPunct="0">
+              <a:lnSpc>
+                <a:spcPct val="100000"/>
+              </a:lnSpc>
+              <a:spcBef>
+                <a:spcPct val="0"/>
+              </a:spcBef>
+              <a:spcAft>
+                <a:spcPct val="0"/>
+              </a:spcAft>
+              <a:buClrTx/>
+              <a:buSzTx/>
+              <a:buFontTx/>
+              <a:buNone/>
+            </a:pPr>
+            <a:r>
+              <a:rPr kumimoji="0" lang="zh-CN" altLang="zh-CN" sz="1400" b="0" i="0" u="none" strike="noStrike" cap="none" normalizeH="0" baseline="0" dirty="0" smtClean="0">
+                <a:ln>
+                  <a:noFill/>
+                </a:ln>
+                <a:solidFill>
+                  <a:srgbClr val="0000FF"/>
+                </a:solidFill>
+                <a:effectLst/>
+                <a:latin typeface="Lucida Console" panose="020B0609040504020204" pitchFamily="49" charset="0"/>
+              </a:rPr>
+              <a:t>&gt; newdata</a:t>
+            </a:r>
+            <a:endParaRPr kumimoji="0" lang="zh-CN" altLang="zh-CN" sz="3200" b="0" i="0" u="none" strike="noStrike" cap="none" normalizeH="0" baseline="0" dirty="0" smtClean="0">
+              <a:ln>
+                <a:noFill/>
+              </a:ln>
+              <a:solidFill>
+                <a:schemeClr val="tx1"/>
+              </a:solidFill>
+              <a:effectLst/>
+              <a:latin typeface="Arial" panose="020B0604020202020204" pitchFamily="34" charset="0"/>
+            </a:endParaRPr>
+          </a:p>
+        </p:txBody>
+      </p:sp>
+      <p:sp>
+        <p:nvSpPr>
+          <p:cNvPr id="7" name="Rectangle 1"/>
+          <p:cNvSpPr>
+            <a:spLocks noChangeArrowheads="1"/>
+          </p:cNvSpPr>
+          <p:nvPr/>
+        </p:nvSpPr>
+        <p:spPr bwMode="auto">
+          <a:xfrm>
+            <a:off x="1182030" y="3502015"/>
+            <a:ext cx="2362826" cy="215444"/>
           </a:xfrm>
           <a:prstGeom prst="rect">
             <a:avLst/>
@@ -22489,7 +24036,7 @@
               <a:buNone/>
             </a:pPr>
             <a:r>
-              <a:rPr kumimoji="0" lang="zh-CN" altLang="zh-CN" sz="1400" b="0" i="0" u="none" strike="noStrike" cap="none" normalizeH="0" baseline="0" dirty="0" smtClean="0">
+              <a:rPr kumimoji="0" lang="zh-CN" altLang="zh-CN" sz="1400" b="0" i="0" u="none" strike="noStrike" cap="none" normalizeH="0" baseline="0" smtClean="0">
                 <a:ln>
                   <a:noFill/>
                 </a:ln>
@@ -22499,9 +24046,9 @@
                 <a:effectLst/>
                 <a:latin typeface="Lucida Console" panose="020B0609040504020204" pitchFamily="49" charset="0"/>
               </a:rPr>
-              <a:t>&gt; newdata2&lt;-LifeCycleSavings[,c(2,4)]</a:t>
-            </a:r>
-            <a:endParaRPr kumimoji="0" lang="zh-CN" altLang="zh-CN" sz="3200" b="0" i="0" u="none" strike="noStrike" cap="none" normalizeH="0" baseline="0" dirty="0" smtClean="0">
+              <a:t>&gt; LifeCycleSavings$dpi</a:t>
+            </a:r>
+            <a:endParaRPr kumimoji="0" lang="zh-CN" altLang="zh-CN" sz="3200" b="0" i="0" u="none" strike="noStrike" cap="none" normalizeH="0" baseline="0" smtClean="0">
               <a:ln>
                 <a:noFill/>
               </a:ln>
@@ -22516,7 +24063,7 @@
       </p:sp>
       <p:sp>
         <p:nvSpPr>
-          <p:cNvPr id="6" name="Rectangle 2"/>
+          <p:cNvPr id="6" name="Rectangle 1"/>
           <p:cNvSpPr>
             <a:spLocks noChangeArrowheads="1"/>
           </p:cNvSpPr>
@@ -22524,8 +24071,8 @@
         </p:nvSpPr>
         <p:spPr bwMode="auto">
           <a:xfrm>
-            <a:off x="1182029" y="3258599"/>
-            <a:ext cx="8162491" cy="215444"/>
+            <a:off x="1205489" y="5222762"/>
+            <a:ext cx="6121869" cy="430887"/>
           </a:xfrm>
           <a:prstGeom prst="rect">
             <a:avLst/>
@@ -22561,6 +24108,9 @@
         </p:spPr>
         <p:txBody>
           <a:bodyPr vert="horz" wrap="none" lIns="0" tIns="0" rIns="0" bIns="0" numCol="1" anchor="ctr" anchorCtr="0" compatLnSpc="1">
+            <a:prstTxWarp prst="textNoShape">
+              <a:avLst/>
+            </a:prstTxWarp>
             <a:spAutoFit/>
           </a:bodyPr>
           <a:lstStyle/>
@@ -22579,9 +24129,10 @@
               <a:buSzTx/>
               <a:buFontTx/>
               <a:buNone/>
+              <a:tabLst/>
             </a:pPr>
             <a:r>
-              <a:rPr kumimoji="0" lang="zh-CN" altLang="zh-CN" sz="1400" b="0" i="0" u="none" strike="noStrike" cap="none" normalizeH="0" baseline="0" smtClean="0">
+              <a:rPr kumimoji="0" lang="zh-CN" altLang="zh-CN" sz="1400" b="0" i="0" u="none" strike="noStrike" cap="none" normalizeH="0" baseline="0" dirty="0" smtClean="0">
                 <a:ln>
                   <a:noFill/>
                 </a:ln>
@@ -22591,71 +24142,19 @@
                 <a:effectLst/>
                 <a:latin typeface="Lucida Console" panose="020B0609040504020204" pitchFamily="49" charset="0"/>
               </a:rPr>
-              <a:t>&gt; newdata3&lt;-subset(LifeCycleSavings,dpi&gt;2000&amp;dpi&lt;3000,select = c(pop15,dpi))</a:t>
-            </a:r>
-            <a:endParaRPr kumimoji="0" lang="zh-CN" altLang="zh-CN" sz="3200" b="0" i="0" u="none" strike="noStrike" cap="none" normalizeH="0" baseline="0" smtClean="0">
+              <a:t>&gt; LifeCycleSavings["China",] </a:t>
+            </a:r>
+            <a:endParaRPr kumimoji="0" lang="en-US" altLang="zh-CN" sz="1400" b="0" i="0" u="none" strike="noStrike" cap="none" normalizeH="0" baseline="0" dirty="0" smtClean="0">
               <a:ln>
                 <a:noFill/>
               </a:ln>
               <a:solidFill>
-                <a:schemeClr val="tx1"/>
+                <a:srgbClr val="0000FF"/>
               </a:solidFill>
               <a:effectLst/>
-              <a:latin typeface="Arial" panose="020B0604020202020204" pitchFamily="34" charset="0"/>
+              <a:latin typeface="Lucida Console" panose="020B0609040504020204" pitchFamily="49" charset="0"/>
             </a:endParaRPr>
           </a:p>
-        </p:txBody>
-      </p:sp>
-      <p:sp>
-        <p:nvSpPr>
-          <p:cNvPr id="7" name="Rectangle 3"/>
-          <p:cNvSpPr>
-            <a:spLocks noChangeArrowheads="1"/>
-          </p:cNvSpPr>
-          <p:nvPr/>
-        </p:nvSpPr>
-        <p:spPr bwMode="auto">
-          <a:xfrm>
-            <a:off x="9112551" y="3714658"/>
-            <a:ext cx="2792431" cy="2154436"/>
-          </a:xfrm>
-          <a:prstGeom prst="rect">
-            <a:avLst/>
-          </a:prstGeom>
-          <a:solidFill>
-            <a:srgbClr val="FFFFFF"/>
-          </a:solidFill>
-          <a:ln>
-            <a:noFill/>
-          </a:ln>
-          <a:effectLst/>
-          <a:extLst>
-            <a:ext uri="{91240B29-F687-4F45-9708-019B960494DF}">
-              <a14:hiddenLine xmlns:a14="http://schemas.microsoft.com/office/drawing/2010/main" w="9525">
-                <a:solidFill>
-                  <a:schemeClr val="tx1"/>
-                </a:solidFill>
-                <a:miter lim="800000"/>
-                <a:headEnd/>
-                <a:tailEnd/>
-              </a14:hiddenLine>
-            </a:ext>
-            <a:ext uri="{AF507438-7753-43E0-B8FC-AC1667EBCBE1}">
-              <a14:hiddenEffects xmlns:a14="http://schemas.microsoft.com/office/drawing/2010/main">
-                <a:effectLst>
-                  <a:outerShdw dist="35921" dir="2700000" algn="ctr" rotWithShape="0">
-                    <a:schemeClr val="bg2"/>
-                  </a:outerShdw>
-                </a:effectLst>
-              </a14:hiddenEffects>
-            </a:ext>
-          </a:extLst>
-        </p:spPr>
-        <p:txBody>
-          <a:bodyPr vert="horz" wrap="none" lIns="0" tIns="0" rIns="0" bIns="0" numCol="1" anchor="ctr" anchorCtr="0" compatLnSpc="1">
-            <a:spAutoFit/>
-          </a:bodyPr>
-          <a:lstStyle/>
           <a:p>
             <a:pPr marL="0" marR="0" lvl="0" indent="0" algn="l" defTabSz="914400" rtl="0" eaLnBrk="0" fontAlgn="base" latinLnBrk="0" hangingPunct="0">
               <a:lnSpc>
@@ -22671,20 +24170,8 @@
               <a:buSzTx/>
               <a:buFontTx/>
               <a:buNone/>
+              <a:tabLst/>
             </a:pPr>
-            <a:r>
-              <a:rPr kumimoji="0" lang="en-US" altLang="zh-CN" sz="1400" b="0" i="0" u="none" strike="noStrike" cap="none" normalizeH="0" baseline="0" dirty="0" smtClean="0">
-                <a:ln>
-                  <a:noFill/>
-                </a:ln>
-                <a:solidFill>
-                  <a:srgbClr val="000000"/>
-                </a:solidFill>
-                <a:effectLst/>
-                <a:latin typeface="Lucida Console" panose="020B0609040504020204" pitchFamily="49" charset="0"/>
-              </a:rPr>
-              <a:t>            </a:t>
-            </a:r>
             <a:r>
               <a:rPr kumimoji="0" lang="zh-CN" altLang="zh-CN" sz="1400" b="0" i="0" u="none" strike="noStrike" cap="none" normalizeH="0" baseline="0" dirty="0" smtClean="0">
                 <a:ln>
@@ -22696,575 +24183,7 @@
                 <a:effectLst/>
                 <a:latin typeface="Lucida Console" panose="020B0609040504020204" pitchFamily="49" charset="0"/>
               </a:rPr>
-              <a:t>pop15 dpi </a:t>
-            </a:r>
-            <a:endParaRPr kumimoji="0" lang="en-US" altLang="zh-CN" sz="1400" b="0" i="0" u="none" strike="noStrike" cap="none" normalizeH="0" baseline="0" dirty="0" smtClean="0">
-              <a:ln>
-                <a:noFill/>
-              </a:ln>
-              <a:solidFill>
-                <a:srgbClr val="000000"/>
-              </a:solidFill>
-              <a:effectLst/>
-              <a:latin typeface="Lucida Console" panose="020B0609040504020204" pitchFamily="49" charset="0"/>
-            </a:endParaRPr>
-          </a:p>
-          <a:p>
-            <a:pPr marL="0" marR="0" lvl="0" indent="0" algn="l" defTabSz="914400" rtl="0" eaLnBrk="0" fontAlgn="base" latinLnBrk="0" hangingPunct="0">
-              <a:lnSpc>
-                <a:spcPct val="100000"/>
-              </a:lnSpc>
-              <a:spcBef>
-                <a:spcPct val="0"/>
-              </a:spcBef>
-              <a:spcAft>
-                <a:spcPct val="0"/>
-              </a:spcAft>
-              <a:buClrTx/>
-              <a:buSzTx/>
-              <a:buFontTx/>
-              <a:buNone/>
-            </a:pPr>
-            <a:r>
-              <a:rPr kumimoji="0" lang="zh-CN" altLang="zh-CN" sz="1400" b="0" i="0" u="none" strike="noStrike" cap="none" normalizeH="0" baseline="0" dirty="0" smtClean="0">
-                <a:ln>
-                  <a:noFill/>
-                </a:ln>
-                <a:solidFill>
-                  <a:srgbClr val="000000"/>
-                </a:solidFill>
-                <a:effectLst/>
-                <a:latin typeface="Lucida Console" panose="020B0609040504020204" pitchFamily="49" charset="0"/>
-              </a:rPr>
-              <a:t>Australia </a:t>
-            </a:r>
-            <a:r>
-              <a:rPr kumimoji="0" lang="en-US" altLang="zh-CN" sz="1400" b="0" i="0" u="none" strike="noStrike" cap="none" normalizeH="0" baseline="0" dirty="0" smtClean="0">
-                <a:ln>
-                  <a:noFill/>
-                </a:ln>
-                <a:solidFill>
-                  <a:srgbClr val="000000"/>
-                </a:solidFill>
-                <a:effectLst/>
-                <a:latin typeface="Lucida Console" panose="020B0609040504020204" pitchFamily="49" charset="0"/>
-              </a:rPr>
-              <a:t>  </a:t>
-            </a:r>
-            <a:r>
-              <a:rPr kumimoji="0" lang="zh-CN" altLang="zh-CN" sz="1400" b="0" i="0" u="none" strike="noStrike" cap="none" normalizeH="0" baseline="0" dirty="0" smtClean="0">
-                <a:ln>
-                  <a:noFill/>
-                </a:ln>
-                <a:solidFill>
-                  <a:srgbClr val="000000"/>
-                </a:solidFill>
-                <a:effectLst/>
-                <a:latin typeface="Lucida Console" panose="020B0609040504020204" pitchFamily="49" charset="0"/>
-              </a:rPr>
-              <a:t>29.35 2329.68 </a:t>
-            </a:r>
-            <a:endParaRPr kumimoji="0" lang="en-US" altLang="zh-CN" sz="1400" b="0" i="0" u="none" strike="noStrike" cap="none" normalizeH="0" baseline="0" dirty="0" smtClean="0">
-              <a:ln>
-                <a:noFill/>
-              </a:ln>
-              <a:solidFill>
-                <a:srgbClr val="000000"/>
-              </a:solidFill>
-              <a:effectLst/>
-              <a:latin typeface="Lucida Console" panose="020B0609040504020204" pitchFamily="49" charset="0"/>
-            </a:endParaRPr>
-          </a:p>
-          <a:p>
-            <a:pPr marL="0" marR="0" lvl="0" indent="0" algn="l" defTabSz="914400" rtl="0" eaLnBrk="0" fontAlgn="base" latinLnBrk="0" hangingPunct="0">
-              <a:lnSpc>
-                <a:spcPct val="100000"/>
-              </a:lnSpc>
-              <a:spcBef>
-                <a:spcPct val="0"/>
-              </a:spcBef>
-              <a:spcAft>
-                <a:spcPct val="0"/>
-              </a:spcAft>
-              <a:buClrTx/>
-              <a:buSzTx/>
-              <a:buFontTx/>
-              <a:buNone/>
-            </a:pPr>
-            <a:r>
-              <a:rPr kumimoji="0" lang="zh-CN" altLang="zh-CN" sz="1400" b="0" i="0" u="none" strike="noStrike" cap="none" normalizeH="0" baseline="0" dirty="0" smtClean="0">
-                <a:ln>
-                  <a:noFill/>
-                </a:ln>
-                <a:solidFill>
-                  <a:srgbClr val="000000"/>
-                </a:solidFill>
-                <a:effectLst/>
-                <a:latin typeface="Lucida Console" panose="020B0609040504020204" pitchFamily="49" charset="0"/>
-              </a:rPr>
-              <a:t>Belgium </a:t>
-            </a:r>
-            <a:r>
-              <a:rPr kumimoji="0" lang="en-US" altLang="zh-CN" sz="1400" b="0" i="0" u="none" strike="noStrike" cap="none" normalizeH="0" baseline="0" dirty="0" smtClean="0">
-                <a:ln>
-                  <a:noFill/>
-                </a:ln>
-                <a:solidFill>
-                  <a:srgbClr val="000000"/>
-                </a:solidFill>
-                <a:effectLst/>
-                <a:latin typeface="Lucida Console" panose="020B0609040504020204" pitchFamily="49" charset="0"/>
-              </a:rPr>
-              <a:t>    </a:t>
-            </a:r>
-            <a:r>
-              <a:rPr kumimoji="0" lang="zh-CN" altLang="zh-CN" sz="1400" b="0" i="0" u="none" strike="noStrike" cap="none" normalizeH="0" baseline="0" dirty="0" smtClean="0">
-                <a:ln>
-                  <a:noFill/>
-                </a:ln>
-                <a:solidFill>
-                  <a:srgbClr val="000000"/>
-                </a:solidFill>
-                <a:effectLst/>
-                <a:latin typeface="Lucida Console" panose="020B0609040504020204" pitchFamily="49" charset="0"/>
-              </a:rPr>
-              <a:t>23.80 2108.47 </a:t>
-            </a:r>
-            <a:endParaRPr kumimoji="0" lang="en-US" altLang="zh-CN" sz="1400" b="0" i="0" u="none" strike="noStrike" cap="none" normalizeH="0" baseline="0" dirty="0" smtClean="0">
-              <a:ln>
-                <a:noFill/>
-              </a:ln>
-              <a:solidFill>
-                <a:srgbClr val="000000"/>
-              </a:solidFill>
-              <a:effectLst/>
-              <a:latin typeface="Lucida Console" panose="020B0609040504020204" pitchFamily="49" charset="0"/>
-            </a:endParaRPr>
-          </a:p>
-          <a:p>
-            <a:pPr marL="0" marR="0" lvl="0" indent="0" algn="l" defTabSz="914400" rtl="0" eaLnBrk="0" fontAlgn="base" latinLnBrk="0" hangingPunct="0">
-              <a:lnSpc>
-                <a:spcPct val="100000"/>
-              </a:lnSpc>
-              <a:spcBef>
-                <a:spcPct val="0"/>
-              </a:spcBef>
-              <a:spcAft>
-                <a:spcPct val="0"/>
-              </a:spcAft>
-              <a:buClrTx/>
-              <a:buSzTx/>
-              <a:buFontTx/>
-              <a:buNone/>
-            </a:pPr>
-            <a:r>
-              <a:rPr kumimoji="0" lang="zh-CN" altLang="zh-CN" sz="1400" b="0" i="0" u="none" strike="noStrike" cap="none" normalizeH="0" baseline="0" dirty="0" smtClean="0">
-                <a:ln>
-                  <a:noFill/>
-                </a:ln>
-                <a:solidFill>
-                  <a:srgbClr val="000000"/>
-                </a:solidFill>
-                <a:effectLst/>
-                <a:latin typeface="Lucida Console" panose="020B0609040504020204" pitchFamily="49" charset="0"/>
-              </a:rPr>
-              <a:t>Canada </a:t>
-            </a:r>
-            <a:r>
-              <a:rPr kumimoji="0" lang="en-US" altLang="zh-CN" sz="1400" b="0" i="0" u="none" strike="noStrike" cap="none" normalizeH="0" baseline="0" dirty="0" smtClean="0">
-                <a:ln>
-                  <a:noFill/>
-                </a:ln>
-                <a:solidFill>
-                  <a:srgbClr val="000000"/>
-                </a:solidFill>
-                <a:effectLst/>
-                <a:latin typeface="Lucida Console" panose="020B0609040504020204" pitchFamily="49" charset="0"/>
-              </a:rPr>
-              <a:t>     </a:t>
-            </a:r>
-            <a:r>
-              <a:rPr kumimoji="0" lang="zh-CN" altLang="zh-CN" sz="1400" b="0" i="0" u="none" strike="noStrike" cap="none" normalizeH="0" baseline="0" dirty="0" smtClean="0">
-                <a:ln>
-                  <a:noFill/>
-                </a:ln>
-                <a:solidFill>
-                  <a:srgbClr val="000000"/>
-                </a:solidFill>
-                <a:effectLst/>
-                <a:latin typeface="Lucida Console" panose="020B0609040504020204" pitchFamily="49" charset="0"/>
-              </a:rPr>
-              <a:t>31.72 2982.88 </a:t>
-            </a:r>
-            <a:endParaRPr kumimoji="0" lang="en-US" altLang="zh-CN" sz="1400" b="0" i="0" u="none" strike="noStrike" cap="none" normalizeH="0" baseline="0" dirty="0" smtClean="0">
-              <a:ln>
-                <a:noFill/>
-              </a:ln>
-              <a:solidFill>
-                <a:srgbClr val="000000"/>
-              </a:solidFill>
-              <a:effectLst/>
-              <a:latin typeface="Lucida Console" panose="020B0609040504020204" pitchFamily="49" charset="0"/>
-            </a:endParaRPr>
-          </a:p>
-          <a:p>
-            <a:pPr marL="0" marR="0" lvl="0" indent="0" algn="l" defTabSz="914400" rtl="0" eaLnBrk="0" fontAlgn="base" latinLnBrk="0" hangingPunct="0">
-              <a:lnSpc>
-                <a:spcPct val="100000"/>
-              </a:lnSpc>
-              <a:spcBef>
-                <a:spcPct val="0"/>
-              </a:spcBef>
-              <a:spcAft>
-                <a:spcPct val="0"/>
-              </a:spcAft>
-              <a:buClrTx/>
-              <a:buSzTx/>
-              <a:buFontTx/>
-              <a:buNone/>
-            </a:pPr>
-            <a:r>
-              <a:rPr kumimoji="0" lang="zh-CN" altLang="zh-CN" sz="1400" b="0" i="0" u="none" strike="noStrike" cap="none" normalizeH="0" baseline="0" dirty="0" smtClean="0">
-                <a:ln>
-                  <a:noFill/>
-                </a:ln>
-                <a:solidFill>
-                  <a:srgbClr val="000000"/>
-                </a:solidFill>
-                <a:effectLst/>
-                <a:latin typeface="Lucida Console" panose="020B0609040504020204" pitchFamily="49" charset="0"/>
-              </a:rPr>
-              <a:t>Denmark </a:t>
-            </a:r>
-            <a:r>
-              <a:rPr kumimoji="0" lang="en-US" altLang="zh-CN" sz="1400" b="0" i="0" u="none" strike="noStrike" cap="none" normalizeH="0" baseline="0" dirty="0" smtClean="0">
-                <a:ln>
-                  <a:noFill/>
-                </a:ln>
-                <a:solidFill>
-                  <a:srgbClr val="000000"/>
-                </a:solidFill>
-                <a:effectLst/>
-                <a:latin typeface="Lucida Console" panose="020B0609040504020204" pitchFamily="49" charset="0"/>
-              </a:rPr>
-              <a:t>    </a:t>
-            </a:r>
-            <a:r>
-              <a:rPr kumimoji="0" lang="zh-CN" altLang="zh-CN" sz="1400" b="0" i="0" u="none" strike="noStrike" cap="none" normalizeH="0" baseline="0" dirty="0" smtClean="0">
-                <a:ln>
-                  <a:noFill/>
-                </a:ln>
-                <a:solidFill>
-                  <a:srgbClr val="000000"/>
-                </a:solidFill>
-                <a:effectLst/>
-                <a:latin typeface="Lucida Console" panose="020B0609040504020204" pitchFamily="49" charset="0"/>
-              </a:rPr>
-              <a:t>24.42 2496.53 </a:t>
-            </a:r>
-            <a:endParaRPr kumimoji="0" lang="en-US" altLang="zh-CN" sz="1400" b="0" i="0" u="none" strike="noStrike" cap="none" normalizeH="0" baseline="0" dirty="0" smtClean="0">
-              <a:ln>
-                <a:noFill/>
-              </a:ln>
-              <a:solidFill>
-                <a:srgbClr val="000000"/>
-              </a:solidFill>
-              <a:effectLst/>
-              <a:latin typeface="Lucida Console" panose="020B0609040504020204" pitchFamily="49" charset="0"/>
-            </a:endParaRPr>
-          </a:p>
-          <a:p>
-            <a:pPr marL="0" marR="0" lvl="0" indent="0" algn="l" defTabSz="914400" rtl="0" eaLnBrk="0" fontAlgn="base" latinLnBrk="0" hangingPunct="0">
-              <a:lnSpc>
-                <a:spcPct val="100000"/>
-              </a:lnSpc>
-              <a:spcBef>
-                <a:spcPct val="0"/>
-              </a:spcBef>
-              <a:spcAft>
-                <a:spcPct val="0"/>
-              </a:spcAft>
-              <a:buClrTx/>
-              <a:buSzTx/>
-              <a:buFontTx/>
-              <a:buNone/>
-            </a:pPr>
-            <a:r>
-              <a:rPr kumimoji="0" lang="zh-CN" altLang="zh-CN" sz="1400" b="0" i="0" u="none" strike="noStrike" cap="none" normalizeH="0" baseline="0" dirty="0" smtClean="0">
-                <a:ln>
-                  <a:noFill/>
-                </a:ln>
-                <a:solidFill>
-                  <a:srgbClr val="000000"/>
-                </a:solidFill>
-                <a:effectLst/>
-                <a:latin typeface="Lucida Console" panose="020B0609040504020204" pitchFamily="49" charset="0"/>
-              </a:rPr>
-              <a:t>France </a:t>
-            </a:r>
-            <a:r>
-              <a:rPr kumimoji="0" lang="en-US" altLang="zh-CN" sz="1400" b="0" i="0" u="none" strike="noStrike" cap="none" normalizeH="0" baseline="0" dirty="0" smtClean="0">
-                <a:ln>
-                  <a:noFill/>
-                </a:ln>
-                <a:solidFill>
-                  <a:srgbClr val="000000"/>
-                </a:solidFill>
-                <a:effectLst/>
-                <a:latin typeface="Lucida Console" panose="020B0609040504020204" pitchFamily="49" charset="0"/>
-              </a:rPr>
-              <a:t>     </a:t>
-            </a:r>
-            <a:r>
-              <a:rPr kumimoji="0" lang="zh-CN" altLang="zh-CN" sz="1400" b="0" i="0" u="none" strike="noStrike" cap="none" normalizeH="0" baseline="0" dirty="0" smtClean="0">
-                <a:ln>
-                  <a:noFill/>
-                </a:ln>
-                <a:solidFill>
-                  <a:srgbClr val="000000"/>
-                </a:solidFill>
-                <a:effectLst/>
-                <a:latin typeface="Lucida Console" panose="020B0609040504020204" pitchFamily="49" charset="0"/>
-              </a:rPr>
-              <a:t>25.06 2213.82 </a:t>
-            </a:r>
-            <a:endParaRPr kumimoji="0" lang="en-US" altLang="zh-CN" sz="1400" b="0" i="0" u="none" strike="noStrike" cap="none" normalizeH="0" baseline="0" dirty="0" smtClean="0">
-              <a:ln>
-                <a:noFill/>
-              </a:ln>
-              <a:solidFill>
-                <a:srgbClr val="000000"/>
-              </a:solidFill>
-              <a:effectLst/>
-              <a:latin typeface="Lucida Console" panose="020B0609040504020204" pitchFamily="49" charset="0"/>
-            </a:endParaRPr>
-          </a:p>
-          <a:p>
-            <a:pPr marL="0" marR="0" lvl="0" indent="0" algn="l" defTabSz="914400" rtl="0" eaLnBrk="0" fontAlgn="base" latinLnBrk="0" hangingPunct="0">
-              <a:lnSpc>
-                <a:spcPct val="100000"/>
-              </a:lnSpc>
-              <a:spcBef>
-                <a:spcPct val="0"/>
-              </a:spcBef>
-              <a:spcAft>
-                <a:spcPct val="0"/>
-              </a:spcAft>
-              <a:buClrTx/>
-              <a:buSzTx/>
-              <a:buFontTx/>
-              <a:buNone/>
-            </a:pPr>
-            <a:r>
-              <a:rPr kumimoji="0" lang="zh-CN" altLang="zh-CN" sz="1400" b="0" i="0" u="none" strike="noStrike" cap="none" normalizeH="0" baseline="0" dirty="0" smtClean="0">
-                <a:ln>
-                  <a:noFill/>
-                </a:ln>
-                <a:solidFill>
-                  <a:srgbClr val="000000"/>
-                </a:solidFill>
-                <a:effectLst/>
-                <a:latin typeface="Lucida Console" panose="020B0609040504020204" pitchFamily="49" charset="0"/>
-              </a:rPr>
-              <a:t>Germany </a:t>
-            </a:r>
-            <a:r>
-              <a:rPr kumimoji="0" lang="en-US" altLang="zh-CN" sz="1400" b="0" i="0" u="none" strike="noStrike" cap="none" normalizeH="0" baseline="0" dirty="0" smtClean="0">
-                <a:ln>
-                  <a:noFill/>
-                </a:ln>
-                <a:solidFill>
-                  <a:srgbClr val="000000"/>
-                </a:solidFill>
-                <a:effectLst/>
-                <a:latin typeface="Lucida Console" panose="020B0609040504020204" pitchFamily="49" charset="0"/>
-              </a:rPr>
-              <a:t>    </a:t>
-            </a:r>
-            <a:r>
-              <a:rPr kumimoji="0" lang="zh-CN" altLang="zh-CN" sz="1400" b="0" i="0" u="none" strike="noStrike" cap="none" normalizeH="0" baseline="0" dirty="0" smtClean="0">
-                <a:ln>
-                  <a:noFill/>
-                </a:ln>
-                <a:solidFill>
-                  <a:srgbClr val="000000"/>
-                </a:solidFill>
-                <a:effectLst/>
-                <a:latin typeface="Lucida Console" panose="020B0609040504020204" pitchFamily="49" charset="0"/>
-              </a:rPr>
-              <a:t>23.31 2457.12 </a:t>
-            </a:r>
-            <a:endParaRPr kumimoji="0" lang="en-US" altLang="zh-CN" sz="1400" b="0" i="0" u="none" strike="noStrike" cap="none" normalizeH="0" baseline="0" dirty="0" smtClean="0">
-              <a:ln>
-                <a:noFill/>
-              </a:ln>
-              <a:solidFill>
-                <a:srgbClr val="000000"/>
-              </a:solidFill>
-              <a:effectLst/>
-              <a:latin typeface="Lucida Console" panose="020B0609040504020204" pitchFamily="49" charset="0"/>
-            </a:endParaRPr>
-          </a:p>
-          <a:p>
-            <a:pPr marL="0" marR="0" lvl="0" indent="0" algn="l" defTabSz="914400" rtl="0" eaLnBrk="0" fontAlgn="base" latinLnBrk="0" hangingPunct="0">
-              <a:lnSpc>
-                <a:spcPct val="100000"/>
-              </a:lnSpc>
-              <a:spcBef>
-                <a:spcPct val="0"/>
-              </a:spcBef>
-              <a:spcAft>
-                <a:spcPct val="0"/>
-              </a:spcAft>
-              <a:buClrTx/>
-              <a:buSzTx/>
-              <a:buFontTx/>
-              <a:buNone/>
-            </a:pPr>
-            <a:r>
-              <a:rPr kumimoji="0" lang="zh-CN" altLang="zh-CN" sz="1400" b="0" i="0" u="none" strike="noStrike" cap="none" normalizeH="0" baseline="0" dirty="0" smtClean="0">
-                <a:ln>
-                  <a:noFill/>
-                </a:ln>
-                <a:solidFill>
-                  <a:srgbClr val="000000"/>
-                </a:solidFill>
-                <a:effectLst/>
-                <a:latin typeface="Lucida Console" panose="020B0609040504020204" pitchFamily="49" charset="0"/>
-              </a:rPr>
-              <a:t>Luxembourg </a:t>
-            </a:r>
-            <a:r>
-              <a:rPr kumimoji="0" lang="en-US" altLang="zh-CN" sz="1400" b="0" i="0" u="none" strike="noStrike" cap="none" normalizeH="0" baseline="0" dirty="0" smtClean="0">
-                <a:ln>
-                  <a:noFill/>
-                </a:ln>
-                <a:solidFill>
-                  <a:srgbClr val="000000"/>
-                </a:solidFill>
-                <a:effectLst/>
-                <a:latin typeface="Lucida Console" panose="020B0609040504020204" pitchFamily="49" charset="0"/>
-              </a:rPr>
-              <a:t> </a:t>
-            </a:r>
-            <a:r>
-              <a:rPr kumimoji="0" lang="zh-CN" altLang="zh-CN" sz="1400" b="0" i="0" u="none" strike="noStrike" cap="none" normalizeH="0" baseline="0" dirty="0" smtClean="0">
-                <a:ln>
-                  <a:noFill/>
-                </a:ln>
-                <a:solidFill>
-                  <a:srgbClr val="000000"/>
-                </a:solidFill>
-                <a:effectLst/>
-                <a:latin typeface="Lucida Console" panose="020B0609040504020204" pitchFamily="49" charset="0"/>
-              </a:rPr>
-              <a:t>21.80 2449.39 </a:t>
-            </a:r>
-            <a:endParaRPr kumimoji="0" lang="en-US" altLang="zh-CN" sz="1400" b="0" i="0" u="none" strike="noStrike" cap="none" normalizeH="0" baseline="0" dirty="0" smtClean="0">
-              <a:ln>
-                <a:noFill/>
-              </a:ln>
-              <a:solidFill>
-                <a:srgbClr val="000000"/>
-              </a:solidFill>
-              <a:effectLst/>
-              <a:latin typeface="Lucida Console" panose="020B0609040504020204" pitchFamily="49" charset="0"/>
-            </a:endParaRPr>
-          </a:p>
-          <a:p>
-            <a:pPr marL="0" marR="0" lvl="0" indent="0" algn="l" defTabSz="914400" rtl="0" eaLnBrk="0" fontAlgn="base" latinLnBrk="0" hangingPunct="0">
-              <a:lnSpc>
-                <a:spcPct val="100000"/>
-              </a:lnSpc>
-              <a:spcBef>
-                <a:spcPct val="0"/>
-              </a:spcBef>
-              <a:spcAft>
-                <a:spcPct val="0"/>
-              </a:spcAft>
-              <a:buClrTx/>
-              <a:buSzTx/>
-              <a:buFontTx/>
-              <a:buNone/>
-            </a:pPr>
-            <a:r>
-              <a:rPr kumimoji="0" lang="zh-CN" altLang="zh-CN" sz="1400" b="0" i="0" u="none" strike="noStrike" cap="none" normalizeH="0" baseline="0" dirty="0" smtClean="0">
-                <a:ln>
-                  <a:noFill/>
-                </a:ln>
-                <a:solidFill>
-                  <a:srgbClr val="000000"/>
-                </a:solidFill>
-                <a:effectLst/>
-                <a:latin typeface="Lucida Console" panose="020B0609040504020204" pitchFamily="49" charset="0"/>
-              </a:rPr>
-              <a:t>Norway </a:t>
-            </a:r>
-            <a:r>
-              <a:rPr kumimoji="0" lang="en-US" altLang="zh-CN" sz="1400" b="0" i="0" u="none" strike="noStrike" cap="none" normalizeH="0" baseline="0" dirty="0" smtClean="0">
-                <a:ln>
-                  <a:noFill/>
-                </a:ln>
-                <a:solidFill>
-                  <a:srgbClr val="000000"/>
-                </a:solidFill>
-                <a:effectLst/>
-                <a:latin typeface="Lucida Console" panose="020B0609040504020204" pitchFamily="49" charset="0"/>
-              </a:rPr>
-              <a:t>     </a:t>
-            </a:r>
-            <a:r>
-              <a:rPr kumimoji="0" lang="zh-CN" altLang="zh-CN" sz="1400" b="0" i="0" u="none" strike="noStrike" cap="none" normalizeH="0" baseline="0" dirty="0" smtClean="0">
-                <a:ln>
-                  <a:noFill/>
-                </a:ln>
-                <a:solidFill>
-                  <a:srgbClr val="000000"/>
-                </a:solidFill>
-                <a:effectLst/>
-                <a:latin typeface="Lucida Console" panose="020B0609040504020204" pitchFamily="49" charset="0"/>
-              </a:rPr>
-              <a:t>25.95 2231.03 </a:t>
-            </a:r>
-            <a:endParaRPr kumimoji="0" lang="en-US" altLang="zh-CN" sz="1400" b="0" i="0" u="none" strike="noStrike" cap="none" normalizeH="0" baseline="0" dirty="0" smtClean="0">
-              <a:ln>
-                <a:noFill/>
-              </a:ln>
-              <a:solidFill>
-                <a:srgbClr val="000000"/>
-              </a:solidFill>
-              <a:effectLst/>
-              <a:latin typeface="Lucida Console" panose="020B0609040504020204" pitchFamily="49" charset="0"/>
-            </a:endParaRPr>
-          </a:p>
-          <a:p>
-            <a:pPr marL="0" marR="0" lvl="0" indent="0" algn="l" defTabSz="914400" rtl="0" eaLnBrk="0" fontAlgn="base" latinLnBrk="0" hangingPunct="0">
-              <a:lnSpc>
-                <a:spcPct val="100000"/>
-              </a:lnSpc>
-              <a:spcBef>
-                <a:spcPct val="0"/>
-              </a:spcBef>
-              <a:spcAft>
-                <a:spcPct val="0"/>
-              </a:spcAft>
-              <a:buClrTx/>
-              <a:buSzTx/>
-              <a:buFontTx/>
-              <a:buNone/>
-            </a:pPr>
-            <a:r>
-              <a:rPr kumimoji="0" lang="zh-CN" altLang="zh-CN" sz="1400" b="0" i="0" u="none" strike="noStrike" cap="none" normalizeH="0" baseline="0" dirty="0" smtClean="0">
-                <a:ln>
-                  <a:noFill/>
-                </a:ln>
-                <a:solidFill>
-                  <a:srgbClr val="000000"/>
-                </a:solidFill>
-                <a:effectLst/>
-                <a:latin typeface="Lucida Console" panose="020B0609040504020204" pitchFamily="49" charset="0"/>
-              </a:rPr>
-              <a:t>Switzerland 23.49 2630.96</a:t>
+              <a:t>sr pop15 pop75 dpi ddpi China 11.9 44.75 0.67 289.52 6.51</a:t>
             </a:r>
             <a:endParaRPr kumimoji="0" lang="zh-CN" altLang="zh-CN" sz="3200" b="0" i="0" u="none" strike="noStrike" cap="none" normalizeH="0" baseline="0" dirty="0" smtClean="0">
               <a:ln>
@@ -23281,167 +24200,14 @@
       </p:sp>
       <p:sp>
         <p:nvSpPr>
-          <p:cNvPr id="8" name="Rectangle 4"/>
-          <p:cNvSpPr>
-            <a:spLocks noChangeArrowheads="1"/>
-          </p:cNvSpPr>
-          <p:nvPr/>
-        </p:nvSpPr>
-        <p:spPr bwMode="auto">
-          <a:xfrm>
-            <a:off x="1182029" y="4043751"/>
-            <a:ext cx="2899833" cy="430887"/>
-          </a:xfrm>
-          <a:prstGeom prst="rect">
-            <a:avLst/>
-          </a:prstGeom>
-          <a:solidFill>
-            <a:srgbClr val="FFFFFF"/>
-          </a:solidFill>
-          <a:ln>
-            <a:noFill/>
-          </a:ln>
-          <a:effectLst/>
-          <a:extLst>
-            <a:ext uri="{91240B29-F687-4F45-9708-019B960494DF}">
-              <a14:hiddenLine xmlns:a14="http://schemas.microsoft.com/office/drawing/2010/main" w="9525">
-                <a:solidFill>
-                  <a:schemeClr val="tx1"/>
-                </a:solidFill>
-                <a:miter lim="800000"/>
-                <a:headEnd/>
-                <a:tailEnd/>
-              </a14:hiddenLine>
-            </a:ext>
-            <a:ext uri="{AF507438-7753-43E0-B8FC-AC1667EBCBE1}">
-              <a14:hiddenEffects xmlns:a14="http://schemas.microsoft.com/office/drawing/2010/main">
-                <a:effectLst>
-                  <a:outerShdw dist="35921" dir="2700000" algn="ctr" rotWithShape="0">
-                    <a:schemeClr val="bg2"/>
-                  </a:outerShdw>
-                </a:effectLst>
-              </a14:hiddenEffects>
-            </a:ext>
-          </a:extLst>
-        </p:spPr>
-        <p:txBody>
-          <a:bodyPr vert="horz" wrap="none" lIns="0" tIns="0" rIns="0" bIns="0" numCol="1" anchor="ctr" anchorCtr="0" compatLnSpc="1">
-            <a:spAutoFit/>
-          </a:bodyPr>
-          <a:lstStyle/>
-          <a:p>
-            <a:pPr marL="0" marR="0" lvl="0" indent="0" algn="l" defTabSz="914400" rtl="0" eaLnBrk="0" fontAlgn="base" latinLnBrk="0" hangingPunct="0">
-              <a:lnSpc>
-                <a:spcPct val="100000"/>
-              </a:lnSpc>
-              <a:spcBef>
-                <a:spcPct val="0"/>
-              </a:spcBef>
-              <a:spcAft>
-                <a:spcPct val="0"/>
-              </a:spcAft>
-              <a:buClrTx/>
-              <a:buSzTx/>
-              <a:buFontTx/>
-              <a:buNone/>
-            </a:pPr>
-            <a:r>
-              <a:rPr kumimoji="0" lang="zh-CN" altLang="zh-CN" sz="1400" b="0" i="0" u="none" strike="noStrike" cap="none" normalizeH="0" baseline="0" dirty="0" smtClean="0">
-                <a:ln>
-                  <a:noFill/>
-                </a:ln>
-                <a:solidFill>
-                  <a:srgbClr val="0000FF"/>
-                </a:solidFill>
-                <a:effectLst/>
-                <a:latin typeface="Lucida Console" panose="020B0609040504020204" pitchFamily="49" charset="0"/>
-              </a:rPr>
-              <a:t>&gt; head(LifeCycleSavings,10)</a:t>
-            </a:r>
-            <a:endParaRPr kumimoji="0" lang="en-US" altLang="zh-CN" sz="1400" b="0" i="0" u="none" strike="noStrike" cap="none" normalizeH="0" baseline="0" dirty="0" smtClean="0">
-              <a:ln>
-                <a:noFill/>
-              </a:ln>
-              <a:solidFill>
-                <a:srgbClr val="0000FF"/>
-              </a:solidFill>
-              <a:effectLst/>
-              <a:latin typeface="Lucida Console" panose="020B0609040504020204" pitchFamily="49" charset="0"/>
-            </a:endParaRPr>
-          </a:p>
-          <a:p>
-            <a:pPr eaLnBrk="0" fontAlgn="base" hangingPunct="0">
-              <a:spcBef>
-                <a:spcPct val="0"/>
-              </a:spcBef>
-              <a:spcAft>
-                <a:spcPct val="0"/>
-              </a:spcAft>
-            </a:pPr>
-            <a:r>
-              <a:rPr lang="zh-CN" altLang="zh-CN" sz="1400" dirty="0">
-                <a:solidFill>
-                  <a:srgbClr val="0000FF"/>
-                </a:solidFill>
-                <a:latin typeface="Lucida Console" panose="020B0609040504020204" pitchFamily="49" charset="0"/>
-              </a:rPr>
-              <a:t>&gt; </a:t>
-            </a:r>
-            <a:r>
-              <a:rPr lang="en-US" altLang="zh-CN" sz="1400" dirty="0" smtClean="0">
-                <a:solidFill>
-                  <a:srgbClr val="0000FF"/>
-                </a:solidFill>
-                <a:latin typeface="Lucida Console" panose="020B0609040504020204" pitchFamily="49" charset="0"/>
-              </a:rPr>
-              <a:t>tail</a:t>
-            </a:r>
-            <a:r>
-              <a:rPr lang="zh-CN" altLang="zh-CN" sz="1400" dirty="0" smtClean="0">
-                <a:solidFill>
-                  <a:srgbClr val="0000FF"/>
-                </a:solidFill>
-                <a:latin typeface="Lucida Console" panose="020B0609040504020204" pitchFamily="49" charset="0"/>
-              </a:rPr>
-              <a:t>(</a:t>
-            </a:r>
-            <a:r>
-              <a:rPr lang="zh-CN" altLang="zh-CN" sz="1400" dirty="0">
-                <a:solidFill>
-                  <a:srgbClr val="0000FF"/>
-                </a:solidFill>
-                <a:latin typeface="Lucida Console" panose="020B0609040504020204" pitchFamily="49" charset="0"/>
-              </a:rPr>
-              <a:t>LifeCycleSavings,10</a:t>
-            </a:r>
-            <a:r>
-              <a:rPr lang="zh-CN" altLang="zh-CN" sz="1400" dirty="0" smtClean="0">
-                <a:solidFill>
-                  <a:srgbClr val="0000FF"/>
-                </a:solidFill>
-                <a:latin typeface="Lucida Console" panose="020B0609040504020204" pitchFamily="49" charset="0"/>
-              </a:rPr>
-              <a:t>)</a:t>
-            </a:r>
-            <a:endParaRPr lang="zh-CN" altLang="zh-CN" sz="1400" dirty="0">
-              <a:solidFill>
-                <a:srgbClr val="0000FF"/>
-              </a:solidFill>
-              <a:latin typeface="Lucida Console" panose="020B0609040504020204" pitchFamily="49" charset="0"/>
-            </a:endParaRPr>
-          </a:p>
-        </p:txBody>
-      </p:sp>
-      <p:sp>
-        <p:nvSpPr>
-          <p:cNvPr id="9" name="文本框 8"/>
+          <p:cNvPr id="8" name="文本框 7"/>
           <p:cNvSpPr txBox="1"/>
           <p:nvPr/>
         </p:nvSpPr>
         <p:spPr>
           <a:xfrm>
-            <a:off x="2257049" y="4583012"/>
-            <a:ext cx="2543551" cy="584775"/>
+            <a:off x="1205489" y="5759873"/>
+            <a:ext cx="3743186" cy="584775"/>
           </a:xfrm>
           <a:prstGeom prst="rect">
             <a:avLst/>
@@ -23459,35 +24225,7 @@
                 <a:latin typeface="华文楷体" panose="02010600040101010101" pitchFamily="2" charset="-122"/>
                 <a:ea typeface="华文楷体" panose="02010600040101010101" pitchFamily="2" charset="-122"/>
               </a:rPr>
-              <a:t>尝试去掉</a:t>
-            </a:r>
-            <a:r>
-              <a:rPr lang="en-US" altLang="zh-CN" sz="1600" dirty="0" smtClean="0">
-                <a:latin typeface="华文楷体" panose="02010600040101010101" pitchFamily="2" charset="-122"/>
-                <a:ea typeface="华文楷体" panose="02010600040101010101" pitchFamily="2" charset="-122"/>
-              </a:rPr>
-              <a:t>head</a:t>
-            </a:r>
-            <a:r>
-              <a:rPr lang="zh-CN" altLang="en-US" sz="1600" dirty="0" smtClean="0">
-                <a:latin typeface="华文楷体" panose="02010600040101010101" pitchFamily="2" charset="-122"/>
-                <a:ea typeface="华文楷体" panose="02010600040101010101" pitchFamily="2" charset="-122"/>
-              </a:rPr>
-              <a:t>或</a:t>
-            </a:r>
-            <a:r>
-              <a:rPr lang="en-US" altLang="zh-CN" sz="1600" dirty="0" smtClean="0">
-                <a:latin typeface="华文楷体" panose="02010600040101010101" pitchFamily="2" charset="-122"/>
-                <a:ea typeface="华文楷体" panose="02010600040101010101" pitchFamily="2" charset="-122"/>
-              </a:rPr>
-              <a:t>tail</a:t>
-            </a:r>
-            <a:r>
-              <a:rPr lang="zh-CN" altLang="en-US" sz="1600" dirty="0" smtClean="0">
-                <a:latin typeface="华文楷体" panose="02010600040101010101" pitchFamily="2" charset="-122"/>
-                <a:ea typeface="华文楷体" panose="02010600040101010101" pitchFamily="2" charset="-122"/>
-              </a:rPr>
-              <a:t>取第二个参数，看默认取多少</a:t>
+              <a:t>注意逗号的存在表达要调用对象名，即行名词，没逗号就变成了列名称</a:t>
             </a:r>
             <a:endParaRPr lang="zh-CN" altLang="en-US" sz="1600" dirty="0">
               <a:latin typeface="华文楷体" panose="02010600040101010101" pitchFamily="2" charset="-122"/>
@@ -23501,6 +24239,13 @@
   <p:clrMapOvr>
     <a:masterClrMapping/>
   </p:clrMapOvr>
+  <p:timing>
+    <p:tnLst>
+      <p:par>
+        <p:cTn id="1" dur="indefinite" restart="never" nodeType="tmRoot"/>
+      </p:par>
+    </p:tnLst>
+  </p:timing>
 </p:sld>
 </file>
 

--- a/实验2-变量-导入和包.pptx
+++ b/实验2-变量-导入和包.pptx
@@ -19,21 +19,21 @@
     <p:sldId id="284" r:id="rId10"/>
     <p:sldId id="316" r:id="rId11"/>
     <p:sldId id="313" r:id="rId12"/>
-    <p:sldId id="305" r:id="rId13"/>
-    <p:sldId id="302" r:id="rId14"/>
-    <p:sldId id="303" r:id="rId15"/>
-    <p:sldId id="260" r:id="rId16"/>
-    <p:sldId id="261" r:id="rId17"/>
-    <p:sldId id="283" r:id="rId18"/>
-    <p:sldId id="309" r:id="rId19"/>
-    <p:sldId id="312" r:id="rId20"/>
-    <p:sldId id="306" r:id="rId21"/>
-    <p:sldId id="307" r:id="rId22"/>
-    <p:sldId id="308" r:id="rId23"/>
+    <p:sldId id="319" r:id="rId13"/>
+    <p:sldId id="305" r:id="rId14"/>
+    <p:sldId id="302" r:id="rId15"/>
+    <p:sldId id="303" r:id="rId16"/>
+    <p:sldId id="283" r:id="rId17"/>
+    <p:sldId id="309" r:id="rId18"/>
+    <p:sldId id="312" r:id="rId19"/>
+    <p:sldId id="306" r:id="rId20"/>
+    <p:sldId id="307" r:id="rId21"/>
+    <p:sldId id="308" r:id="rId22"/>
+    <p:sldId id="318" r:id="rId23"/>
     <p:sldId id="280" r:id="rId24"/>
-    <p:sldId id="318" r:id="rId25"/>
-    <p:sldId id="274" r:id="rId26"/>
-    <p:sldId id="276" r:id="rId27"/>
+    <p:sldId id="274" r:id="rId25"/>
+    <p:sldId id="276" r:id="rId26"/>
+    <p:sldId id="320" r:id="rId27"/>
     <p:sldId id="288" r:id="rId28"/>
     <p:sldId id="277" r:id="rId29"/>
     <p:sldId id="285" r:id="rId30"/>
@@ -559,7 +559,7 @@
           <a:p>
             <a:fld id="{B1588F0A-017B-42EA-8AB0-4D9DA00B7683}" type="slidenum">
               <a:rPr lang="zh-CN" altLang="en-US" smtClean="0"/>
-              <a:t>19</a:t>
+              <a:t>18</a:t>
             </a:fld>
             <a:endParaRPr lang="zh-CN" altLang="en-US"/>
           </a:p>
@@ -5628,7 +5628,7 @@
           <a:p>
             <a:r>
               <a:rPr lang="zh-CN" altLang="en-US" dirty="0" smtClean="0"/>
-              <a:t>删除数据集中的变量，与矩阵一样使用减号删除行或列</a:t>
+              <a:t>删除数据集中的变量，与矩阵一样使用减号删除行或列（注意以下没有对原数据集进行操作，只是调用时候去掉了指定列）</a:t>
             </a:r>
             <a:endParaRPr lang="en-US" altLang="zh-CN" dirty="0" smtClean="0"/>
           </a:p>
@@ -5682,7 +5682,7 @@
         </p:nvSpPr>
         <p:spPr bwMode="auto">
           <a:xfrm>
-            <a:off x="1214651" y="2413703"/>
+            <a:off x="1166325" y="2597419"/>
             <a:ext cx="2524836" cy="215444"/>
           </a:xfrm>
           <a:prstGeom prst="rect">
@@ -5774,7 +5774,7 @@
         </p:nvSpPr>
         <p:spPr bwMode="auto">
           <a:xfrm>
-            <a:off x="1161858" y="3122067"/>
+            <a:off x="1214651" y="3362964"/>
             <a:ext cx="2577629" cy="430887"/>
           </a:xfrm>
           <a:prstGeom prst="rect">
@@ -5906,7 +5906,7 @@
         </p:nvSpPr>
         <p:spPr bwMode="auto">
           <a:xfrm>
-            <a:off x="1214651" y="3989609"/>
+            <a:off x="1166325" y="4292733"/>
             <a:ext cx="5953553" cy="215444"/>
           </a:xfrm>
           <a:prstGeom prst="rect">
@@ -6004,7 +6004,7 @@
         </p:nvSpPr>
         <p:spPr bwMode="auto">
           <a:xfrm>
-            <a:off x="1214651" y="4351214"/>
+            <a:off x="1166325" y="4711225"/>
             <a:ext cx="6305957" cy="646331"/>
           </a:xfrm>
           <a:prstGeom prst="rect">
@@ -6188,7 +6188,7 @@
         </p:nvSpPr>
         <p:spPr bwMode="auto">
           <a:xfrm>
-            <a:off x="1214651" y="4995763"/>
+            <a:off x="1166325" y="5427014"/>
             <a:ext cx="8927444" cy="1323439"/>
           </a:xfrm>
           <a:prstGeom prst="rect">
@@ -6589,12 +6589,8 @@
           <a:lstStyle/>
           <a:p>
             <a:r>
-              <a:rPr lang="en-US" altLang="zh-CN" dirty="0" smtClean="0"/>
-              <a:t>1.2</a:t>
-            </a:r>
-            <a:r>
               <a:rPr lang="zh-CN" altLang="en-US" dirty="0" smtClean="0"/>
-              <a:t>数值类型</a:t>
+              <a:t>数据集的增、删、改</a:t>
             </a:r>
             <a:endParaRPr lang="zh-CN" altLang="en-US" dirty="0"/>
           </a:p>
@@ -6617,6 +6613,1357 @@
           <a:p>
             <a:r>
               <a:rPr lang="zh-CN" altLang="en-US" dirty="0" smtClean="0"/>
+              <a:t>数据的调用是不能改变存储在计算机内存中的变量状态，只有通过赋值才能直接改变记录在变量里的数据内容。</a:t>
+            </a:r>
+            <a:endParaRPr lang="en-US" altLang="zh-CN" dirty="0" smtClean="0"/>
+          </a:p>
+          <a:p>
+            <a:endParaRPr lang="en-US" altLang="zh-CN" dirty="0"/>
+          </a:p>
+          <a:p>
+            <a:endParaRPr lang="en-US" altLang="zh-CN" dirty="0" smtClean="0"/>
+          </a:p>
+          <a:p>
+            <a:endParaRPr lang="en-US" altLang="zh-CN" dirty="0" smtClean="0"/>
+          </a:p>
+          <a:p>
+            <a:r>
+              <a:rPr lang="zh-CN" altLang="en-US" dirty="0" smtClean="0"/>
+              <a:t>数据集的增、删、改同样道理，但是数据集相较单个向量更复杂一点，我们需要一些命令来帮助完成这个过程</a:t>
+            </a:r>
+            <a:endParaRPr lang="en-US" altLang="zh-CN" dirty="0" smtClean="0"/>
+          </a:p>
+          <a:p>
+            <a:endParaRPr lang="en-US" altLang="zh-CN" dirty="0" smtClean="0"/>
+          </a:p>
+          <a:p>
+            <a:endParaRPr lang="zh-CN" altLang="en-US" dirty="0"/>
+          </a:p>
+        </p:txBody>
+      </p:sp>
+      <p:sp>
+        <p:nvSpPr>
+          <p:cNvPr id="4" name="Rectangle 1"/>
+          <p:cNvSpPr>
+            <a:spLocks noChangeArrowheads="1"/>
+          </p:cNvSpPr>
+          <p:nvPr/>
+        </p:nvSpPr>
+        <p:spPr bwMode="auto">
+          <a:xfrm>
+            <a:off x="1182028" y="2400656"/>
+            <a:ext cx="1859483" cy="923330"/>
+          </a:xfrm>
+          <a:prstGeom prst="rect">
+            <a:avLst/>
+          </a:prstGeom>
+          <a:solidFill>
+            <a:srgbClr val="FFFFFF"/>
+          </a:solidFill>
+          <a:ln>
+            <a:noFill/>
+          </a:ln>
+          <a:effectLst/>
+          <a:extLst>
+            <a:ext uri="{91240B29-F687-4F45-9708-019B960494DF}">
+              <a14:hiddenLine xmlns:a14="http://schemas.microsoft.com/office/drawing/2010/main" w="9525">
+                <a:solidFill>
+                  <a:schemeClr val="tx1"/>
+                </a:solidFill>
+                <a:miter lim="800000"/>
+                <a:headEnd/>
+                <a:tailEnd/>
+              </a14:hiddenLine>
+            </a:ext>
+            <a:ext uri="{AF507438-7753-43E0-B8FC-AC1667EBCBE1}">
+              <a14:hiddenEffects xmlns:a14="http://schemas.microsoft.com/office/drawing/2010/main">
+                <a:effectLst>
+                  <a:outerShdw dist="35921" dir="2700000" algn="ctr" rotWithShape="0">
+                    <a:schemeClr val="bg2"/>
+                  </a:outerShdw>
+                </a:effectLst>
+              </a14:hiddenEffects>
+            </a:ext>
+          </a:extLst>
+        </p:spPr>
+        <p:txBody>
+          <a:bodyPr vert="horz" wrap="none" lIns="0" tIns="0" rIns="0" bIns="0" numCol="1" anchor="ctr" anchorCtr="0" compatLnSpc="1">
+            <a:prstTxWarp prst="textNoShape">
+              <a:avLst/>
+            </a:prstTxWarp>
+            <a:spAutoFit/>
+          </a:bodyPr>
+          <a:lstStyle/>
+          <a:p>
+            <a:pPr marL="0" marR="0" lvl="0" indent="0" algn="l" defTabSz="914400" rtl="0" eaLnBrk="0" fontAlgn="base" latinLnBrk="0" hangingPunct="0">
+              <a:lnSpc>
+                <a:spcPct val="100000"/>
+              </a:lnSpc>
+              <a:spcBef>
+                <a:spcPct val="0"/>
+              </a:spcBef>
+              <a:spcAft>
+                <a:spcPct val="0"/>
+              </a:spcAft>
+              <a:buClrTx/>
+              <a:buSzTx/>
+              <a:buFontTx/>
+              <a:buNone/>
+              <a:tabLst/>
+            </a:pPr>
+            <a:r>
+              <a:rPr kumimoji="0" lang="zh-CN" altLang="zh-CN" sz="1200" b="0" i="0" u="none" strike="noStrike" cap="none" normalizeH="0" baseline="0" dirty="0" smtClean="0">
+                <a:ln>
+                  <a:noFill/>
+                </a:ln>
+                <a:solidFill>
+                  <a:srgbClr val="0000FF"/>
+                </a:solidFill>
+                <a:effectLst/>
+                <a:latin typeface="Lucida Console" panose="020B0609040504020204" pitchFamily="49" charset="0"/>
+              </a:rPr>
+              <a:t>&gt; a&lt;-c(1,3) </a:t>
+            </a:r>
+            <a:endParaRPr kumimoji="0" lang="en-US" altLang="zh-CN" sz="1200" b="0" i="0" u="none" strike="noStrike" cap="none" normalizeH="0" baseline="0" dirty="0" smtClean="0">
+              <a:ln>
+                <a:noFill/>
+              </a:ln>
+              <a:solidFill>
+                <a:srgbClr val="0000FF"/>
+              </a:solidFill>
+              <a:effectLst/>
+              <a:latin typeface="Lucida Console" panose="020B0609040504020204" pitchFamily="49" charset="0"/>
+            </a:endParaRPr>
+          </a:p>
+          <a:p>
+            <a:pPr marL="0" marR="0" lvl="0" indent="0" algn="l" defTabSz="914400" rtl="0" eaLnBrk="0" fontAlgn="base" latinLnBrk="0" hangingPunct="0">
+              <a:lnSpc>
+                <a:spcPct val="100000"/>
+              </a:lnSpc>
+              <a:spcBef>
+                <a:spcPct val="0"/>
+              </a:spcBef>
+              <a:spcAft>
+                <a:spcPct val="0"/>
+              </a:spcAft>
+              <a:buClrTx/>
+              <a:buSzTx/>
+              <a:buFontTx/>
+              <a:buNone/>
+              <a:tabLst/>
+            </a:pPr>
+            <a:r>
+              <a:rPr kumimoji="0" lang="zh-CN" altLang="zh-CN" sz="1200" b="0" i="0" u="none" strike="noStrike" cap="none" normalizeH="0" baseline="0" dirty="0" smtClean="0">
+                <a:ln>
+                  <a:noFill/>
+                </a:ln>
+                <a:solidFill>
+                  <a:srgbClr val="0000FF"/>
+                </a:solidFill>
+                <a:effectLst/>
+                <a:latin typeface="Lucida Console" panose="020B0609040504020204" pitchFamily="49" charset="0"/>
+              </a:rPr>
+              <a:t>&gt; as.factor(a) </a:t>
+            </a:r>
+            <a:endParaRPr kumimoji="0" lang="en-US" altLang="zh-CN" sz="1200" b="0" i="0" u="none" strike="noStrike" cap="none" normalizeH="0" baseline="0" dirty="0" smtClean="0">
+              <a:ln>
+                <a:noFill/>
+              </a:ln>
+              <a:solidFill>
+                <a:srgbClr val="0000FF"/>
+              </a:solidFill>
+              <a:effectLst/>
+              <a:latin typeface="Lucida Console" panose="020B0609040504020204" pitchFamily="49" charset="0"/>
+            </a:endParaRPr>
+          </a:p>
+          <a:p>
+            <a:pPr marL="0" marR="0" lvl="0" indent="0" algn="l" defTabSz="914400" rtl="0" eaLnBrk="0" fontAlgn="base" latinLnBrk="0" hangingPunct="0">
+              <a:lnSpc>
+                <a:spcPct val="100000"/>
+              </a:lnSpc>
+              <a:spcBef>
+                <a:spcPct val="0"/>
+              </a:spcBef>
+              <a:spcAft>
+                <a:spcPct val="0"/>
+              </a:spcAft>
+              <a:buClrTx/>
+              <a:buSzTx/>
+              <a:buFontTx/>
+              <a:buNone/>
+              <a:tabLst/>
+            </a:pPr>
+            <a:r>
+              <a:rPr kumimoji="0" lang="zh-CN" altLang="zh-CN" sz="1200" b="0" i="0" u="none" strike="noStrike" cap="none" normalizeH="0" baseline="0" dirty="0" smtClean="0">
+                <a:ln>
+                  <a:noFill/>
+                </a:ln>
+                <a:solidFill>
+                  <a:srgbClr val="000000"/>
+                </a:solidFill>
+                <a:effectLst/>
+                <a:latin typeface="Lucida Console" panose="020B0609040504020204" pitchFamily="49" charset="0"/>
+              </a:rPr>
+              <a:t>[1] 1 3 Levels: 1 3 </a:t>
+            </a:r>
+            <a:endParaRPr kumimoji="0" lang="en-US" altLang="zh-CN" sz="1200" b="0" i="0" u="none" strike="noStrike" cap="none" normalizeH="0" baseline="0" dirty="0" smtClean="0">
+              <a:ln>
+                <a:noFill/>
+              </a:ln>
+              <a:solidFill>
+                <a:srgbClr val="000000"/>
+              </a:solidFill>
+              <a:effectLst/>
+              <a:latin typeface="Lucida Console" panose="020B0609040504020204" pitchFamily="49" charset="0"/>
+            </a:endParaRPr>
+          </a:p>
+          <a:p>
+            <a:pPr marL="0" marR="0" lvl="0" indent="0" algn="l" defTabSz="914400" rtl="0" eaLnBrk="0" fontAlgn="base" latinLnBrk="0" hangingPunct="0">
+              <a:lnSpc>
+                <a:spcPct val="100000"/>
+              </a:lnSpc>
+              <a:spcBef>
+                <a:spcPct val="0"/>
+              </a:spcBef>
+              <a:spcAft>
+                <a:spcPct val="0"/>
+              </a:spcAft>
+              <a:buClrTx/>
+              <a:buSzTx/>
+              <a:buFontTx/>
+              <a:buNone/>
+              <a:tabLst/>
+            </a:pPr>
+            <a:r>
+              <a:rPr kumimoji="0" lang="zh-CN" altLang="zh-CN" sz="1200" b="0" i="0" u="none" strike="noStrike" cap="none" normalizeH="0" baseline="0" dirty="0" smtClean="0">
+                <a:ln>
+                  <a:noFill/>
+                </a:ln>
+                <a:solidFill>
+                  <a:srgbClr val="0000FF"/>
+                </a:solidFill>
+                <a:effectLst/>
+                <a:latin typeface="Lucida Console" panose="020B0609040504020204" pitchFamily="49" charset="0"/>
+              </a:rPr>
+              <a:t>&gt; a </a:t>
+            </a:r>
+            <a:endParaRPr kumimoji="0" lang="en-US" altLang="zh-CN" sz="1200" b="0" i="0" u="none" strike="noStrike" cap="none" normalizeH="0" baseline="0" dirty="0" smtClean="0">
+              <a:ln>
+                <a:noFill/>
+              </a:ln>
+              <a:solidFill>
+                <a:srgbClr val="0000FF"/>
+              </a:solidFill>
+              <a:effectLst/>
+              <a:latin typeface="Lucida Console" panose="020B0609040504020204" pitchFamily="49" charset="0"/>
+            </a:endParaRPr>
+          </a:p>
+          <a:p>
+            <a:pPr marL="0" marR="0" lvl="0" indent="0" algn="l" defTabSz="914400" rtl="0" eaLnBrk="0" fontAlgn="base" latinLnBrk="0" hangingPunct="0">
+              <a:lnSpc>
+                <a:spcPct val="100000"/>
+              </a:lnSpc>
+              <a:spcBef>
+                <a:spcPct val="0"/>
+              </a:spcBef>
+              <a:spcAft>
+                <a:spcPct val="0"/>
+              </a:spcAft>
+              <a:buClrTx/>
+              <a:buSzTx/>
+              <a:buFontTx/>
+              <a:buNone/>
+              <a:tabLst/>
+            </a:pPr>
+            <a:r>
+              <a:rPr kumimoji="0" lang="zh-CN" altLang="zh-CN" sz="1200" b="0" i="0" u="none" strike="noStrike" cap="none" normalizeH="0" baseline="0" dirty="0" smtClean="0">
+                <a:ln>
+                  <a:noFill/>
+                </a:ln>
+                <a:solidFill>
+                  <a:srgbClr val="000000"/>
+                </a:solidFill>
+                <a:effectLst/>
+                <a:latin typeface="Lucida Console" panose="020B0609040504020204" pitchFamily="49" charset="0"/>
+              </a:rPr>
+              <a:t>[1] 1 3</a:t>
+            </a:r>
+            <a:endParaRPr kumimoji="0" lang="zh-CN" altLang="zh-CN" sz="2800" b="0" i="0" u="none" strike="noStrike" cap="none" normalizeH="0" baseline="0" dirty="0" smtClean="0">
+              <a:ln>
+                <a:noFill/>
+              </a:ln>
+              <a:solidFill>
+                <a:schemeClr val="tx1"/>
+              </a:solidFill>
+              <a:effectLst/>
+              <a:latin typeface="Arial" panose="020B0604020202020204" pitchFamily="34" charset="0"/>
+            </a:endParaRPr>
+          </a:p>
+        </p:txBody>
+      </p:sp>
+      <p:sp>
+        <p:nvSpPr>
+          <p:cNvPr id="5" name="Rectangle 2"/>
+          <p:cNvSpPr>
+            <a:spLocks noChangeArrowheads="1"/>
+          </p:cNvSpPr>
+          <p:nvPr/>
+        </p:nvSpPr>
+        <p:spPr bwMode="auto">
+          <a:xfrm>
+            <a:off x="1182028" y="3324910"/>
+            <a:ext cx="1301638" cy="553998"/>
+          </a:xfrm>
+          <a:prstGeom prst="rect">
+            <a:avLst/>
+          </a:prstGeom>
+          <a:solidFill>
+            <a:srgbClr val="FFFFFF"/>
+          </a:solidFill>
+          <a:ln>
+            <a:noFill/>
+          </a:ln>
+          <a:effectLst/>
+          <a:extLst>
+            <a:ext uri="{91240B29-F687-4F45-9708-019B960494DF}">
+              <a14:hiddenLine xmlns:a14="http://schemas.microsoft.com/office/drawing/2010/main" w="9525">
+                <a:solidFill>
+                  <a:schemeClr val="tx1"/>
+                </a:solidFill>
+                <a:miter lim="800000"/>
+                <a:headEnd/>
+                <a:tailEnd/>
+              </a14:hiddenLine>
+            </a:ext>
+            <a:ext uri="{AF507438-7753-43E0-B8FC-AC1667EBCBE1}">
+              <a14:hiddenEffects xmlns:a14="http://schemas.microsoft.com/office/drawing/2010/main">
+                <a:effectLst>
+                  <a:outerShdw dist="35921" dir="2700000" algn="ctr" rotWithShape="0">
+                    <a:schemeClr val="bg2"/>
+                  </a:outerShdw>
+                </a:effectLst>
+              </a14:hiddenEffects>
+            </a:ext>
+          </a:extLst>
+        </p:spPr>
+        <p:txBody>
+          <a:bodyPr vert="horz" wrap="none" lIns="0" tIns="0" rIns="0" bIns="0" numCol="1" anchor="ctr" anchorCtr="0" compatLnSpc="1">
+            <a:prstTxWarp prst="textNoShape">
+              <a:avLst/>
+            </a:prstTxWarp>
+            <a:spAutoFit/>
+          </a:bodyPr>
+          <a:lstStyle/>
+          <a:p>
+            <a:pPr marL="0" marR="0" lvl="0" indent="0" algn="l" defTabSz="914400" rtl="0" eaLnBrk="0" fontAlgn="base" latinLnBrk="0" hangingPunct="0">
+              <a:lnSpc>
+                <a:spcPct val="100000"/>
+              </a:lnSpc>
+              <a:spcBef>
+                <a:spcPct val="0"/>
+              </a:spcBef>
+              <a:spcAft>
+                <a:spcPct val="0"/>
+              </a:spcAft>
+              <a:buClrTx/>
+              <a:buSzTx/>
+              <a:buFontTx/>
+              <a:buNone/>
+              <a:tabLst/>
+            </a:pPr>
+            <a:r>
+              <a:rPr kumimoji="0" lang="zh-CN" altLang="zh-CN" sz="1200" b="0" i="0" u="none" strike="noStrike" cap="none" normalizeH="0" baseline="0" dirty="0" smtClean="0">
+                <a:ln>
+                  <a:noFill/>
+                </a:ln>
+                <a:solidFill>
+                  <a:srgbClr val="0000FF"/>
+                </a:solidFill>
+                <a:effectLst/>
+                <a:latin typeface="Lucida Console" panose="020B0609040504020204" pitchFamily="49" charset="0"/>
+              </a:rPr>
+              <a:t>&gt; a&lt;-c(2,5,7) </a:t>
+            </a:r>
+            <a:endParaRPr kumimoji="0" lang="en-US" altLang="zh-CN" sz="1200" b="0" i="0" u="none" strike="noStrike" cap="none" normalizeH="0" baseline="0" dirty="0" smtClean="0">
+              <a:ln>
+                <a:noFill/>
+              </a:ln>
+              <a:solidFill>
+                <a:srgbClr val="0000FF"/>
+              </a:solidFill>
+              <a:effectLst/>
+              <a:latin typeface="Lucida Console" panose="020B0609040504020204" pitchFamily="49" charset="0"/>
+            </a:endParaRPr>
+          </a:p>
+          <a:p>
+            <a:pPr marL="0" marR="0" lvl="0" indent="0" algn="l" defTabSz="914400" rtl="0" eaLnBrk="0" fontAlgn="base" latinLnBrk="0" hangingPunct="0">
+              <a:lnSpc>
+                <a:spcPct val="100000"/>
+              </a:lnSpc>
+              <a:spcBef>
+                <a:spcPct val="0"/>
+              </a:spcBef>
+              <a:spcAft>
+                <a:spcPct val="0"/>
+              </a:spcAft>
+              <a:buClrTx/>
+              <a:buSzTx/>
+              <a:buFontTx/>
+              <a:buNone/>
+              <a:tabLst/>
+            </a:pPr>
+            <a:r>
+              <a:rPr kumimoji="0" lang="zh-CN" altLang="zh-CN" sz="1200" b="0" i="0" u="none" strike="noStrike" cap="none" normalizeH="0" baseline="0" dirty="0" smtClean="0">
+                <a:ln>
+                  <a:noFill/>
+                </a:ln>
+                <a:solidFill>
+                  <a:srgbClr val="0000FF"/>
+                </a:solidFill>
+                <a:effectLst/>
+                <a:latin typeface="Lucida Console" panose="020B0609040504020204" pitchFamily="49" charset="0"/>
+              </a:rPr>
+              <a:t>&gt; a </a:t>
+            </a:r>
+            <a:endParaRPr kumimoji="0" lang="en-US" altLang="zh-CN" sz="1200" b="0" i="0" u="none" strike="noStrike" cap="none" normalizeH="0" baseline="0" dirty="0" smtClean="0">
+              <a:ln>
+                <a:noFill/>
+              </a:ln>
+              <a:solidFill>
+                <a:srgbClr val="0000FF"/>
+              </a:solidFill>
+              <a:effectLst/>
+              <a:latin typeface="Lucida Console" panose="020B0609040504020204" pitchFamily="49" charset="0"/>
+            </a:endParaRPr>
+          </a:p>
+          <a:p>
+            <a:pPr marL="0" marR="0" lvl="0" indent="0" algn="l" defTabSz="914400" rtl="0" eaLnBrk="0" fontAlgn="base" latinLnBrk="0" hangingPunct="0">
+              <a:lnSpc>
+                <a:spcPct val="100000"/>
+              </a:lnSpc>
+              <a:spcBef>
+                <a:spcPct val="0"/>
+              </a:spcBef>
+              <a:spcAft>
+                <a:spcPct val="0"/>
+              </a:spcAft>
+              <a:buClrTx/>
+              <a:buSzTx/>
+              <a:buFontTx/>
+              <a:buNone/>
+              <a:tabLst/>
+            </a:pPr>
+            <a:r>
+              <a:rPr kumimoji="0" lang="zh-CN" altLang="zh-CN" sz="1200" b="0" i="0" u="none" strike="noStrike" cap="none" normalizeH="0" baseline="0" dirty="0" smtClean="0">
+                <a:ln>
+                  <a:noFill/>
+                </a:ln>
+                <a:solidFill>
+                  <a:srgbClr val="000000"/>
+                </a:solidFill>
+                <a:effectLst/>
+                <a:latin typeface="Lucida Console" panose="020B0609040504020204" pitchFamily="49" charset="0"/>
+              </a:rPr>
+              <a:t>[1] 2 5 7</a:t>
+            </a:r>
+            <a:endParaRPr kumimoji="0" lang="zh-CN" altLang="zh-CN" sz="2800" b="0" i="0" u="none" strike="noStrike" cap="none" normalizeH="0" baseline="0" dirty="0" smtClean="0">
+              <a:ln>
+                <a:noFill/>
+              </a:ln>
+              <a:solidFill>
+                <a:schemeClr val="tx1"/>
+              </a:solidFill>
+              <a:effectLst/>
+              <a:latin typeface="Arial" panose="020B0604020202020204" pitchFamily="34" charset="0"/>
+            </a:endParaRPr>
+          </a:p>
+        </p:txBody>
+      </p:sp>
+      <p:sp>
+        <p:nvSpPr>
+          <p:cNvPr id="6" name="Rectangle 3"/>
+          <p:cNvSpPr>
+            <a:spLocks noChangeArrowheads="1"/>
+          </p:cNvSpPr>
+          <p:nvPr/>
+        </p:nvSpPr>
+        <p:spPr bwMode="auto">
+          <a:xfrm>
+            <a:off x="1327548" y="4684806"/>
+            <a:ext cx="743793" cy="1292662"/>
+          </a:xfrm>
+          <a:prstGeom prst="rect">
+            <a:avLst/>
+          </a:prstGeom>
+          <a:solidFill>
+            <a:srgbClr val="FFFFFF"/>
+          </a:solidFill>
+          <a:ln>
+            <a:noFill/>
+          </a:ln>
+          <a:effectLst/>
+          <a:extLst>
+            <a:ext uri="{91240B29-F687-4F45-9708-019B960494DF}">
+              <a14:hiddenLine xmlns:a14="http://schemas.microsoft.com/office/drawing/2010/main" w="9525">
+                <a:solidFill>
+                  <a:schemeClr val="tx1"/>
+                </a:solidFill>
+                <a:miter lim="800000"/>
+                <a:headEnd/>
+                <a:tailEnd/>
+              </a14:hiddenLine>
+            </a:ext>
+            <a:ext uri="{AF507438-7753-43E0-B8FC-AC1667EBCBE1}">
+              <a14:hiddenEffects xmlns:a14="http://schemas.microsoft.com/office/drawing/2010/main">
+                <a:effectLst>
+                  <a:outerShdw dist="35921" dir="2700000" algn="ctr" rotWithShape="0">
+                    <a:schemeClr val="bg2"/>
+                  </a:outerShdw>
+                </a:effectLst>
+              </a14:hiddenEffects>
+            </a:ext>
+          </a:extLst>
+        </p:spPr>
+        <p:txBody>
+          <a:bodyPr vert="horz" wrap="none" lIns="0" tIns="0" rIns="0" bIns="0" numCol="1" anchor="ctr" anchorCtr="0" compatLnSpc="1">
+            <a:prstTxWarp prst="textNoShape">
+              <a:avLst/>
+            </a:prstTxWarp>
+            <a:spAutoFit/>
+          </a:bodyPr>
+          <a:lstStyle/>
+          <a:p>
+            <a:pPr marL="0" marR="0" lvl="0" indent="0" algn="l" defTabSz="914400" rtl="0" eaLnBrk="0" fontAlgn="base" latinLnBrk="0" hangingPunct="0">
+              <a:lnSpc>
+                <a:spcPct val="100000"/>
+              </a:lnSpc>
+              <a:spcBef>
+                <a:spcPct val="0"/>
+              </a:spcBef>
+              <a:spcAft>
+                <a:spcPct val="0"/>
+              </a:spcAft>
+              <a:buClrTx/>
+              <a:buSzTx/>
+              <a:buFontTx/>
+              <a:buNone/>
+              <a:tabLst/>
+            </a:pPr>
+            <a:r>
+              <a:rPr kumimoji="0" lang="zh-CN" altLang="zh-CN" sz="1200" b="0" i="0" u="none" strike="noStrike" cap="none" normalizeH="0" baseline="0" dirty="0" smtClean="0">
+                <a:ln>
+                  <a:noFill/>
+                </a:ln>
+                <a:solidFill>
+                  <a:srgbClr val="0000FF"/>
+                </a:solidFill>
+                <a:effectLst/>
+                <a:latin typeface="Lucida Console" panose="020B0609040504020204" pitchFamily="49" charset="0"/>
+              </a:rPr>
+              <a:t>&gt; te </a:t>
+            </a:r>
+            <a:endParaRPr kumimoji="0" lang="en-US" altLang="zh-CN" sz="1200" b="0" i="0" u="none" strike="noStrike" cap="none" normalizeH="0" baseline="0" dirty="0" smtClean="0">
+              <a:ln>
+                <a:noFill/>
+              </a:ln>
+              <a:solidFill>
+                <a:srgbClr val="0000FF"/>
+              </a:solidFill>
+              <a:effectLst/>
+              <a:latin typeface="Lucida Console" panose="020B0609040504020204" pitchFamily="49" charset="0"/>
+            </a:endParaRPr>
+          </a:p>
+          <a:p>
+            <a:pPr marL="0" marR="0" lvl="0" indent="0" algn="l" defTabSz="914400" rtl="0" eaLnBrk="0" fontAlgn="base" latinLnBrk="0" hangingPunct="0">
+              <a:lnSpc>
+                <a:spcPct val="100000"/>
+              </a:lnSpc>
+              <a:spcBef>
+                <a:spcPct val="0"/>
+              </a:spcBef>
+              <a:spcAft>
+                <a:spcPct val="0"/>
+              </a:spcAft>
+              <a:buClrTx/>
+              <a:buSzTx/>
+              <a:buFontTx/>
+              <a:buNone/>
+              <a:tabLst/>
+            </a:pPr>
+            <a:r>
+              <a:rPr kumimoji="0" lang="en-US" altLang="zh-CN" sz="1200" b="0" i="0" u="none" strike="noStrike" cap="none" normalizeH="0" baseline="0" dirty="0" smtClean="0">
+                <a:ln>
+                  <a:noFill/>
+                </a:ln>
+                <a:solidFill>
+                  <a:srgbClr val="000000"/>
+                </a:solidFill>
+                <a:effectLst/>
+                <a:latin typeface="Lucida Console" panose="020B0609040504020204" pitchFamily="49" charset="0"/>
+              </a:rPr>
+              <a:t>  </a:t>
+            </a:r>
+            <a:r>
+              <a:rPr kumimoji="0" lang="zh-CN" altLang="zh-CN" sz="1200" b="0" i="0" u="none" strike="noStrike" cap="none" normalizeH="0" baseline="0" dirty="0" smtClean="0">
+                <a:ln>
+                  <a:noFill/>
+                </a:ln>
+                <a:solidFill>
+                  <a:srgbClr val="000000"/>
+                </a:solidFill>
+                <a:effectLst/>
+                <a:latin typeface="Lucida Console" panose="020B0609040504020204" pitchFamily="49" charset="0"/>
+              </a:rPr>
+              <a:t>q1 q2 </a:t>
+            </a:r>
+            <a:endParaRPr kumimoji="0" lang="en-US" altLang="zh-CN" sz="1200" b="0" i="0" u="none" strike="noStrike" cap="none" normalizeH="0" baseline="0" dirty="0" smtClean="0">
+              <a:ln>
+                <a:noFill/>
+              </a:ln>
+              <a:solidFill>
+                <a:srgbClr val="000000"/>
+              </a:solidFill>
+              <a:effectLst/>
+              <a:latin typeface="Lucida Console" panose="020B0609040504020204" pitchFamily="49" charset="0"/>
+            </a:endParaRPr>
+          </a:p>
+          <a:p>
+            <a:pPr marL="0" marR="0" lvl="0" indent="0" algn="l" defTabSz="914400" rtl="0" eaLnBrk="0" fontAlgn="base" latinLnBrk="0" hangingPunct="0">
+              <a:lnSpc>
+                <a:spcPct val="100000"/>
+              </a:lnSpc>
+              <a:spcBef>
+                <a:spcPct val="0"/>
+              </a:spcBef>
+              <a:spcAft>
+                <a:spcPct val="0"/>
+              </a:spcAft>
+              <a:buClrTx/>
+              <a:buSzTx/>
+              <a:buFontTx/>
+              <a:buNone/>
+              <a:tabLst/>
+            </a:pPr>
+            <a:r>
+              <a:rPr kumimoji="0" lang="zh-CN" altLang="zh-CN" sz="1200" b="0" i="0" u="none" strike="noStrike" cap="none" normalizeH="0" baseline="0" dirty="0" smtClean="0">
+                <a:ln>
+                  <a:noFill/>
+                </a:ln>
+                <a:solidFill>
+                  <a:srgbClr val="000000"/>
+                </a:solidFill>
+                <a:effectLst/>
+                <a:latin typeface="Lucida Console" panose="020B0609040504020204" pitchFamily="49" charset="0"/>
+              </a:rPr>
+              <a:t>1 1 21 </a:t>
+            </a:r>
+            <a:endParaRPr kumimoji="0" lang="en-US" altLang="zh-CN" sz="1200" b="0" i="0" u="none" strike="noStrike" cap="none" normalizeH="0" baseline="0" dirty="0" smtClean="0">
+              <a:ln>
+                <a:noFill/>
+              </a:ln>
+              <a:solidFill>
+                <a:srgbClr val="000000"/>
+              </a:solidFill>
+              <a:effectLst/>
+              <a:latin typeface="Lucida Console" panose="020B0609040504020204" pitchFamily="49" charset="0"/>
+            </a:endParaRPr>
+          </a:p>
+          <a:p>
+            <a:pPr marL="0" marR="0" lvl="0" indent="0" algn="l" defTabSz="914400" rtl="0" eaLnBrk="0" fontAlgn="base" latinLnBrk="0" hangingPunct="0">
+              <a:lnSpc>
+                <a:spcPct val="100000"/>
+              </a:lnSpc>
+              <a:spcBef>
+                <a:spcPct val="0"/>
+              </a:spcBef>
+              <a:spcAft>
+                <a:spcPct val="0"/>
+              </a:spcAft>
+              <a:buClrTx/>
+              <a:buSzTx/>
+              <a:buFontTx/>
+              <a:buNone/>
+              <a:tabLst/>
+            </a:pPr>
+            <a:r>
+              <a:rPr kumimoji="0" lang="zh-CN" altLang="zh-CN" sz="1200" b="0" i="0" u="none" strike="noStrike" cap="none" normalizeH="0" baseline="0" dirty="0" smtClean="0">
+                <a:ln>
+                  <a:noFill/>
+                </a:ln>
+                <a:solidFill>
+                  <a:srgbClr val="000000"/>
+                </a:solidFill>
+                <a:effectLst/>
+                <a:latin typeface="Lucida Console" panose="020B0609040504020204" pitchFamily="49" charset="0"/>
+              </a:rPr>
+              <a:t>2 1 21 </a:t>
+            </a:r>
+            <a:endParaRPr kumimoji="0" lang="en-US" altLang="zh-CN" sz="1200" b="0" i="0" u="none" strike="noStrike" cap="none" normalizeH="0" baseline="0" dirty="0" smtClean="0">
+              <a:ln>
+                <a:noFill/>
+              </a:ln>
+              <a:solidFill>
+                <a:srgbClr val="000000"/>
+              </a:solidFill>
+              <a:effectLst/>
+              <a:latin typeface="Lucida Console" panose="020B0609040504020204" pitchFamily="49" charset="0"/>
+            </a:endParaRPr>
+          </a:p>
+          <a:p>
+            <a:pPr marL="0" marR="0" lvl="0" indent="0" algn="l" defTabSz="914400" rtl="0" eaLnBrk="0" fontAlgn="base" latinLnBrk="0" hangingPunct="0">
+              <a:lnSpc>
+                <a:spcPct val="100000"/>
+              </a:lnSpc>
+              <a:spcBef>
+                <a:spcPct val="0"/>
+              </a:spcBef>
+              <a:spcAft>
+                <a:spcPct val="0"/>
+              </a:spcAft>
+              <a:buClrTx/>
+              <a:buSzTx/>
+              <a:buFontTx/>
+              <a:buNone/>
+              <a:tabLst/>
+            </a:pPr>
+            <a:r>
+              <a:rPr kumimoji="0" lang="zh-CN" altLang="zh-CN" sz="1200" b="0" i="0" u="none" strike="noStrike" cap="none" normalizeH="0" baseline="0" dirty="0" smtClean="0">
+                <a:ln>
+                  <a:noFill/>
+                </a:ln>
+                <a:solidFill>
+                  <a:srgbClr val="000000"/>
+                </a:solidFill>
+                <a:effectLst/>
+                <a:latin typeface="Lucida Console" panose="020B0609040504020204" pitchFamily="49" charset="0"/>
+              </a:rPr>
+              <a:t>3 1 19 </a:t>
+            </a:r>
+            <a:endParaRPr kumimoji="0" lang="en-US" altLang="zh-CN" sz="1200" b="0" i="0" u="none" strike="noStrike" cap="none" normalizeH="0" baseline="0" dirty="0" smtClean="0">
+              <a:ln>
+                <a:noFill/>
+              </a:ln>
+              <a:solidFill>
+                <a:srgbClr val="000000"/>
+              </a:solidFill>
+              <a:effectLst/>
+              <a:latin typeface="Lucida Console" panose="020B0609040504020204" pitchFamily="49" charset="0"/>
+            </a:endParaRPr>
+          </a:p>
+          <a:p>
+            <a:pPr marL="0" marR="0" lvl="0" indent="0" algn="l" defTabSz="914400" rtl="0" eaLnBrk="0" fontAlgn="base" latinLnBrk="0" hangingPunct="0">
+              <a:lnSpc>
+                <a:spcPct val="100000"/>
+              </a:lnSpc>
+              <a:spcBef>
+                <a:spcPct val="0"/>
+              </a:spcBef>
+              <a:spcAft>
+                <a:spcPct val="0"/>
+              </a:spcAft>
+              <a:buClrTx/>
+              <a:buSzTx/>
+              <a:buFontTx/>
+              <a:buNone/>
+              <a:tabLst/>
+            </a:pPr>
+            <a:r>
+              <a:rPr kumimoji="0" lang="zh-CN" altLang="zh-CN" sz="1200" b="0" i="0" u="none" strike="noStrike" cap="none" normalizeH="0" baseline="0" dirty="0" smtClean="0">
+                <a:ln>
+                  <a:noFill/>
+                </a:ln>
+                <a:solidFill>
+                  <a:srgbClr val="000000"/>
+                </a:solidFill>
+                <a:effectLst/>
+                <a:latin typeface="Lucida Console" panose="020B0609040504020204" pitchFamily="49" charset="0"/>
+              </a:rPr>
+              <a:t>4 1 20 </a:t>
+            </a:r>
+            <a:endParaRPr kumimoji="0" lang="en-US" altLang="zh-CN" sz="1200" b="0" i="0" u="none" strike="noStrike" cap="none" normalizeH="0" baseline="0" dirty="0" smtClean="0">
+              <a:ln>
+                <a:noFill/>
+              </a:ln>
+              <a:solidFill>
+                <a:srgbClr val="000000"/>
+              </a:solidFill>
+              <a:effectLst/>
+              <a:latin typeface="Lucida Console" panose="020B0609040504020204" pitchFamily="49" charset="0"/>
+            </a:endParaRPr>
+          </a:p>
+          <a:p>
+            <a:pPr marL="0" marR="0" lvl="0" indent="0" algn="l" defTabSz="914400" rtl="0" eaLnBrk="0" fontAlgn="base" latinLnBrk="0" hangingPunct="0">
+              <a:lnSpc>
+                <a:spcPct val="100000"/>
+              </a:lnSpc>
+              <a:spcBef>
+                <a:spcPct val="0"/>
+              </a:spcBef>
+              <a:spcAft>
+                <a:spcPct val="0"/>
+              </a:spcAft>
+              <a:buClrTx/>
+              <a:buSzTx/>
+              <a:buFontTx/>
+              <a:buNone/>
+              <a:tabLst/>
+            </a:pPr>
+            <a:r>
+              <a:rPr kumimoji="0" lang="zh-CN" altLang="zh-CN" sz="1200" b="0" i="0" u="none" strike="noStrike" cap="none" normalizeH="0" baseline="0" dirty="0" smtClean="0">
+                <a:ln>
+                  <a:noFill/>
+                </a:ln>
+                <a:solidFill>
+                  <a:srgbClr val="000000"/>
+                </a:solidFill>
+                <a:effectLst/>
+                <a:latin typeface="Lucida Console" panose="020B0609040504020204" pitchFamily="49" charset="0"/>
+              </a:rPr>
+              <a:t>5 1 21</a:t>
+            </a:r>
+            <a:endParaRPr kumimoji="0" lang="zh-CN" altLang="zh-CN" sz="2800" b="0" i="0" u="none" strike="noStrike" cap="none" normalizeH="0" baseline="0" dirty="0" smtClean="0">
+              <a:ln>
+                <a:noFill/>
+              </a:ln>
+              <a:solidFill>
+                <a:schemeClr val="tx1"/>
+              </a:solidFill>
+              <a:effectLst/>
+              <a:latin typeface="Arial" panose="020B0604020202020204" pitchFamily="34" charset="0"/>
+            </a:endParaRPr>
+          </a:p>
+        </p:txBody>
+      </p:sp>
+      <p:sp>
+        <p:nvSpPr>
+          <p:cNvPr id="7" name="Rectangle 4"/>
+          <p:cNvSpPr>
+            <a:spLocks noChangeArrowheads="1"/>
+          </p:cNvSpPr>
+          <p:nvPr/>
+        </p:nvSpPr>
+        <p:spPr bwMode="auto">
+          <a:xfrm>
+            <a:off x="3144643" y="4623251"/>
+            <a:ext cx="1274388" cy="1354217"/>
+          </a:xfrm>
+          <a:prstGeom prst="rect">
+            <a:avLst/>
+          </a:prstGeom>
+          <a:solidFill>
+            <a:srgbClr val="FFFFFF"/>
+          </a:solidFill>
+          <a:ln>
+            <a:noFill/>
+          </a:ln>
+          <a:effectLst/>
+          <a:extLst>
+            <a:ext uri="{91240B29-F687-4F45-9708-019B960494DF}">
+              <a14:hiddenLine xmlns:a14="http://schemas.microsoft.com/office/drawing/2010/main" w="9525">
+                <a:solidFill>
+                  <a:schemeClr val="tx1"/>
+                </a:solidFill>
+                <a:miter lim="800000"/>
+                <a:headEnd/>
+                <a:tailEnd/>
+              </a14:hiddenLine>
+            </a:ext>
+            <a:ext uri="{AF507438-7753-43E0-B8FC-AC1667EBCBE1}">
+              <a14:hiddenEffects xmlns:a14="http://schemas.microsoft.com/office/drawing/2010/main">
+                <a:effectLst>
+                  <a:outerShdw dist="35921" dir="2700000" algn="ctr" rotWithShape="0">
+                    <a:schemeClr val="bg2"/>
+                  </a:outerShdw>
+                </a:effectLst>
+              </a14:hiddenEffects>
+            </a:ext>
+          </a:extLst>
+        </p:spPr>
+        <p:txBody>
+          <a:bodyPr vert="horz" wrap="none" lIns="0" tIns="0" rIns="0" bIns="0" numCol="1" anchor="ctr" anchorCtr="0" compatLnSpc="1">
+            <a:prstTxWarp prst="textNoShape">
+              <a:avLst/>
+            </a:prstTxWarp>
+            <a:spAutoFit/>
+          </a:bodyPr>
+          <a:lstStyle/>
+          <a:p>
+            <a:pPr marL="0" marR="0" lvl="0" indent="0" algn="l" defTabSz="914400" rtl="0" eaLnBrk="0" fontAlgn="base" latinLnBrk="0" hangingPunct="0">
+              <a:lnSpc>
+                <a:spcPct val="100000"/>
+              </a:lnSpc>
+              <a:spcBef>
+                <a:spcPct val="0"/>
+              </a:spcBef>
+              <a:spcAft>
+                <a:spcPct val="0"/>
+              </a:spcAft>
+              <a:buClrTx/>
+              <a:buSzTx/>
+              <a:buFontTx/>
+              <a:buNone/>
+              <a:tabLst/>
+            </a:pPr>
+            <a:r>
+              <a:rPr kumimoji="0" lang="zh-CN" altLang="zh-CN" sz="1100" b="0" i="0" u="none" strike="noStrike" cap="none" normalizeH="0" baseline="0" dirty="0" smtClean="0">
+                <a:ln>
+                  <a:noFill/>
+                </a:ln>
+                <a:solidFill>
+                  <a:srgbClr val="0000FF"/>
+                </a:solidFill>
+                <a:effectLst/>
+                <a:latin typeface="Lucida Console" panose="020B0609040504020204" pitchFamily="49" charset="0"/>
+              </a:rPr>
+              <a:t>&gt; q3&lt;-7:11 </a:t>
+            </a:r>
+            <a:endParaRPr kumimoji="0" lang="en-US" altLang="zh-CN" sz="1100" b="0" i="0" u="none" strike="noStrike" cap="none" normalizeH="0" baseline="0" dirty="0" smtClean="0">
+              <a:ln>
+                <a:noFill/>
+              </a:ln>
+              <a:solidFill>
+                <a:srgbClr val="0000FF"/>
+              </a:solidFill>
+              <a:effectLst/>
+              <a:latin typeface="Lucida Console" panose="020B0609040504020204" pitchFamily="49" charset="0"/>
+            </a:endParaRPr>
+          </a:p>
+          <a:p>
+            <a:pPr marL="0" marR="0" lvl="0" indent="0" algn="l" defTabSz="914400" rtl="0" eaLnBrk="0" fontAlgn="base" latinLnBrk="0" hangingPunct="0">
+              <a:lnSpc>
+                <a:spcPct val="100000"/>
+              </a:lnSpc>
+              <a:spcBef>
+                <a:spcPct val="0"/>
+              </a:spcBef>
+              <a:spcAft>
+                <a:spcPct val="0"/>
+              </a:spcAft>
+              <a:buClrTx/>
+              <a:buSzTx/>
+              <a:buFontTx/>
+              <a:buNone/>
+              <a:tabLst/>
+            </a:pPr>
+            <a:r>
+              <a:rPr kumimoji="0" lang="zh-CN" altLang="zh-CN" sz="1100" b="0" i="0" u="none" strike="noStrike" cap="none" normalizeH="0" baseline="0" dirty="0" smtClean="0">
+                <a:ln>
+                  <a:noFill/>
+                </a:ln>
+                <a:solidFill>
+                  <a:srgbClr val="0000FF"/>
+                </a:solidFill>
+                <a:effectLst/>
+                <a:latin typeface="Lucida Console" panose="020B0609040504020204" pitchFamily="49" charset="0"/>
+              </a:rPr>
+              <a:t>&gt; cbind(te,q3) </a:t>
+            </a:r>
+            <a:endParaRPr kumimoji="0" lang="en-US" altLang="zh-CN" sz="1100" b="0" i="0" u="none" strike="noStrike" cap="none" normalizeH="0" baseline="0" dirty="0" smtClean="0">
+              <a:ln>
+                <a:noFill/>
+              </a:ln>
+              <a:solidFill>
+                <a:srgbClr val="0000FF"/>
+              </a:solidFill>
+              <a:effectLst/>
+              <a:latin typeface="Lucida Console" panose="020B0609040504020204" pitchFamily="49" charset="0"/>
+            </a:endParaRPr>
+          </a:p>
+          <a:p>
+            <a:pPr marL="0" marR="0" lvl="0" indent="0" algn="l" defTabSz="914400" rtl="0" eaLnBrk="0" fontAlgn="base" latinLnBrk="0" hangingPunct="0">
+              <a:lnSpc>
+                <a:spcPct val="100000"/>
+              </a:lnSpc>
+              <a:spcBef>
+                <a:spcPct val="0"/>
+              </a:spcBef>
+              <a:spcAft>
+                <a:spcPct val="0"/>
+              </a:spcAft>
+              <a:buClrTx/>
+              <a:buSzTx/>
+              <a:buFontTx/>
+              <a:buNone/>
+              <a:tabLst/>
+            </a:pPr>
+            <a:r>
+              <a:rPr kumimoji="0" lang="en-US" altLang="zh-CN" sz="1100" b="0" i="0" u="none" strike="noStrike" cap="none" normalizeH="0" baseline="0" dirty="0" smtClean="0">
+                <a:ln>
+                  <a:noFill/>
+                </a:ln>
+                <a:solidFill>
+                  <a:srgbClr val="000000"/>
+                </a:solidFill>
+                <a:effectLst/>
+                <a:latin typeface="Lucida Console" panose="020B0609040504020204" pitchFamily="49" charset="0"/>
+              </a:rPr>
+              <a:t> </a:t>
+            </a:r>
+            <a:r>
+              <a:rPr kumimoji="0" lang="zh-CN" altLang="zh-CN" sz="1100" b="0" i="0" u="none" strike="noStrike" cap="none" normalizeH="0" baseline="0" dirty="0" smtClean="0">
+                <a:ln>
+                  <a:noFill/>
+                </a:ln>
+                <a:solidFill>
+                  <a:srgbClr val="000000"/>
+                </a:solidFill>
+                <a:effectLst/>
+                <a:latin typeface="Lucida Console" panose="020B0609040504020204" pitchFamily="49" charset="0"/>
+              </a:rPr>
+              <a:t>q1 q2 q3 </a:t>
+            </a:r>
+            <a:endParaRPr lang="en-US" altLang="zh-CN" sz="1100" dirty="0">
+              <a:solidFill>
+                <a:srgbClr val="000000"/>
+              </a:solidFill>
+              <a:latin typeface="Lucida Console" panose="020B0609040504020204" pitchFamily="49" charset="0"/>
+            </a:endParaRPr>
+          </a:p>
+          <a:p>
+            <a:pPr marL="0" marR="0" lvl="0" indent="0" algn="l" defTabSz="914400" rtl="0" eaLnBrk="0" fontAlgn="base" latinLnBrk="0" hangingPunct="0">
+              <a:lnSpc>
+                <a:spcPct val="100000"/>
+              </a:lnSpc>
+              <a:spcBef>
+                <a:spcPct val="0"/>
+              </a:spcBef>
+              <a:spcAft>
+                <a:spcPct val="0"/>
+              </a:spcAft>
+              <a:buClrTx/>
+              <a:buSzTx/>
+              <a:buFontTx/>
+              <a:buNone/>
+              <a:tabLst/>
+            </a:pPr>
+            <a:r>
+              <a:rPr kumimoji="0" lang="zh-CN" altLang="zh-CN" sz="1100" b="0" i="0" u="none" strike="noStrike" cap="none" normalizeH="0" baseline="0" dirty="0" smtClean="0">
+                <a:ln>
+                  <a:noFill/>
+                </a:ln>
+                <a:solidFill>
+                  <a:srgbClr val="000000"/>
+                </a:solidFill>
+                <a:effectLst/>
+                <a:latin typeface="Lucida Console" panose="020B0609040504020204" pitchFamily="49" charset="0"/>
+              </a:rPr>
+              <a:t>1 1 21 7 </a:t>
+            </a:r>
+            <a:endParaRPr kumimoji="0" lang="en-US" altLang="zh-CN" sz="1100" b="0" i="0" u="none" strike="noStrike" cap="none" normalizeH="0" baseline="0" dirty="0" smtClean="0">
+              <a:ln>
+                <a:noFill/>
+              </a:ln>
+              <a:solidFill>
+                <a:srgbClr val="000000"/>
+              </a:solidFill>
+              <a:effectLst/>
+              <a:latin typeface="Lucida Console" panose="020B0609040504020204" pitchFamily="49" charset="0"/>
+            </a:endParaRPr>
+          </a:p>
+          <a:p>
+            <a:pPr marL="0" marR="0" lvl="0" indent="0" algn="l" defTabSz="914400" rtl="0" eaLnBrk="0" fontAlgn="base" latinLnBrk="0" hangingPunct="0">
+              <a:lnSpc>
+                <a:spcPct val="100000"/>
+              </a:lnSpc>
+              <a:spcBef>
+                <a:spcPct val="0"/>
+              </a:spcBef>
+              <a:spcAft>
+                <a:spcPct val="0"/>
+              </a:spcAft>
+              <a:buClrTx/>
+              <a:buSzTx/>
+              <a:buFontTx/>
+              <a:buNone/>
+              <a:tabLst/>
+            </a:pPr>
+            <a:r>
+              <a:rPr kumimoji="0" lang="zh-CN" altLang="zh-CN" sz="1100" b="0" i="0" u="none" strike="noStrike" cap="none" normalizeH="0" baseline="0" dirty="0" smtClean="0">
+                <a:ln>
+                  <a:noFill/>
+                </a:ln>
+                <a:solidFill>
+                  <a:srgbClr val="000000"/>
+                </a:solidFill>
+                <a:effectLst/>
+                <a:latin typeface="Lucida Console" panose="020B0609040504020204" pitchFamily="49" charset="0"/>
+              </a:rPr>
+              <a:t>2 1 21 8 </a:t>
+            </a:r>
+            <a:endParaRPr kumimoji="0" lang="en-US" altLang="zh-CN" sz="1100" b="0" i="0" u="none" strike="noStrike" cap="none" normalizeH="0" baseline="0" dirty="0" smtClean="0">
+              <a:ln>
+                <a:noFill/>
+              </a:ln>
+              <a:solidFill>
+                <a:srgbClr val="000000"/>
+              </a:solidFill>
+              <a:effectLst/>
+              <a:latin typeface="Lucida Console" panose="020B0609040504020204" pitchFamily="49" charset="0"/>
+            </a:endParaRPr>
+          </a:p>
+          <a:p>
+            <a:pPr marL="0" marR="0" lvl="0" indent="0" algn="l" defTabSz="914400" rtl="0" eaLnBrk="0" fontAlgn="base" latinLnBrk="0" hangingPunct="0">
+              <a:lnSpc>
+                <a:spcPct val="100000"/>
+              </a:lnSpc>
+              <a:spcBef>
+                <a:spcPct val="0"/>
+              </a:spcBef>
+              <a:spcAft>
+                <a:spcPct val="0"/>
+              </a:spcAft>
+              <a:buClrTx/>
+              <a:buSzTx/>
+              <a:buFontTx/>
+              <a:buNone/>
+              <a:tabLst/>
+            </a:pPr>
+            <a:r>
+              <a:rPr kumimoji="0" lang="zh-CN" altLang="zh-CN" sz="1100" b="0" i="0" u="none" strike="noStrike" cap="none" normalizeH="0" baseline="0" dirty="0" smtClean="0">
+                <a:ln>
+                  <a:noFill/>
+                </a:ln>
+                <a:solidFill>
+                  <a:srgbClr val="000000"/>
+                </a:solidFill>
+                <a:effectLst/>
+                <a:latin typeface="Lucida Console" panose="020B0609040504020204" pitchFamily="49" charset="0"/>
+              </a:rPr>
+              <a:t>3 1 19 9 </a:t>
+            </a:r>
+            <a:endParaRPr kumimoji="0" lang="en-US" altLang="zh-CN" sz="1100" b="0" i="0" u="none" strike="noStrike" cap="none" normalizeH="0" baseline="0" dirty="0" smtClean="0">
+              <a:ln>
+                <a:noFill/>
+              </a:ln>
+              <a:solidFill>
+                <a:srgbClr val="000000"/>
+              </a:solidFill>
+              <a:effectLst/>
+              <a:latin typeface="Lucida Console" panose="020B0609040504020204" pitchFamily="49" charset="0"/>
+            </a:endParaRPr>
+          </a:p>
+          <a:p>
+            <a:pPr marL="0" marR="0" lvl="0" indent="0" algn="l" defTabSz="914400" rtl="0" eaLnBrk="0" fontAlgn="base" latinLnBrk="0" hangingPunct="0">
+              <a:lnSpc>
+                <a:spcPct val="100000"/>
+              </a:lnSpc>
+              <a:spcBef>
+                <a:spcPct val="0"/>
+              </a:spcBef>
+              <a:spcAft>
+                <a:spcPct val="0"/>
+              </a:spcAft>
+              <a:buClrTx/>
+              <a:buSzTx/>
+              <a:buFontTx/>
+              <a:buNone/>
+              <a:tabLst/>
+            </a:pPr>
+            <a:r>
+              <a:rPr kumimoji="0" lang="zh-CN" altLang="zh-CN" sz="1100" b="0" i="0" u="none" strike="noStrike" cap="none" normalizeH="0" baseline="0" dirty="0" smtClean="0">
+                <a:ln>
+                  <a:noFill/>
+                </a:ln>
+                <a:solidFill>
+                  <a:srgbClr val="000000"/>
+                </a:solidFill>
+                <a:effectLst/>
+                <a:latin typeface="Lucida Console" panose="020B0609040504020204" pitchFamily="49" charset="0"/>
+              </a:rPr>
+              <a:t>4 1 20 10 </a:t>
+            </a:r>
+            <a:endParaRPr kumimoji="0" lang="en-US" altLang="zh-CN" sz="1100" b="0" i="0" u="none" strike="noStrike" cap="none" normalizeH="0" baseline="0" dirty="0" smtClean="0">
+              <a:ln>
+                <a:noFill/>
+              </a:ln>
+              <a:solidFill>
+                <a:srgbClr val="000000"/>
+              </a:solidFill>
+              <a:effectLst/>
+              <a:latin typeface="Lucida Console" panose="020B0609040504020204" pitchFamily="49" charset="0"/>
+            </a:endParaRPr>
+          </a:p>
+          <a:p>
+            <a:pPr marL="0" marR="0" lvl="0" indent="0" algn="l" defTabSz="914400" rtl="0" eaLnBrk="0" fontAlgn="base" latinLnBrk="0" hangingPunct="0">
+              <a:lnSpc>
+                <a:spcPct val="100000"/>
+              </a:lnSpc>
+              <a:spcBef>
+                <a:spcPct val="0"/>
+              </a:spcBef>
+              <a:spcAft>
+                <a:spcPct val="0"/>
+              </a:spcAft>
+              <a:buClrTx/>
+              <a:buSzTx/>
+              <a:buFontTx/>
+              <a:buNone/>
+              <a:tabLst/>
+            </a:pPr>
+            <a:r>
+              <a:rPr kumimoji="0" lang="zh-CN" altLang="zh-CN" sz="1100" b="0" i="0" u="none" strike="noStrike" cap="none" normalizeH="0" baseline="0" dirty="0" smtClean="0">
+                <a:ln>
+                  <a:noFill/>
+                </a:ln>
+                <a:solidFill>
+                  <a:srgbClr val="000000"/>
+                </a:solidFill>
+                <a:effectLst/>
+                <a:latin typeface="Lucida Console" panose="020B0609040504020204" pitchFamily="49" charset="0"/>
+              </a:rPr>
+              <a:t>5 1 21 11</a:t>
+            </a:r>
+            <a:endParaRPr kumimoji="0" lang="zh-CN" altLang="zh-CN" sz="2400" b="0" i="0" u="none" strike="noStrike" cap="none" normalizeH="0" baseline="0" dirty="0" smtClean="0">
+              <a:ln>
+                <a:noFill/>
+              </a:ln>
+              <a:solidFill>
+                <a:schemeClr val="tx1"/>
+              </a:solidFill>
+              <a:effectLst/>
+              <a:latin typeface="Arial" panose="020B0604020202020204" pitchFamily="34" charset="0"/>
+            </a:endParaRPr>
+          </a:p>
+        </p:txBody>
+      </p:sp>
+      <p:sp>
+        <p:nvSpPr>
+          <p:cNvPr id="8" name="文本框 7"/>
+          <p:cNvSpPr txBox="1"/>
+          <p:nvPr/>
+        </p:nvSpPr>
+        <p:spPr>
+          <a:xfrm>
+            <a:off x="8151542" y="5046119"/>
+            <a:ext cx="2736509" cy="584775"/>
+          </a:xfrm>
+          <a:prstGeom prst="rect">
+            <a:avLst/>
+          </a:prstGeom>
+          <a:noFill/>
+        </p:spPr>
+        <p:txBody>
+          <a:bodyPr wrap="square" rtlCol="0">
+            <a:spAutoFit/>
+          </a:bodyPr>
+          <a:lstStyle/>
+          <a:p>
+            <a:r>
+              <a:rPr lang="zh-CN" altLang="en-US" sz="1600" dirty="0" smtClean="0">
+                <a:latin typeface="华文楷体" panose="02010600040101010101" pitchFamily="2" charset="-122"/>
+                <a:ea typeface="华文楷体" panose="02010600040101010101" pitchFamily="2" charset="-122"/>
+              </a:rPr>
+              <a:t>与</a:t>
+            </a:r>
+            <a:r>
+              <a:rPr lang="en-US" altLang="zh-CN" sz="1600" dirty="0" err="1" smtClean="0">
+                <a:latin typeface="华文楷体" panose="02010600040101010101" pitchFamily="2" charset="-122"/>
+                <a:ea typeface="华文楷体" panose="02010600040101010101" pitchFamily="2" charset="-122"/>
+              </a:rPr>
+              <a:t>cbind</a:t>
+            </a:r>
+            <a:r>
+              <a:rPr lang="zh-CN" altLang="en-US" sz="1600" dirty="0" smtClean="0">
+                <a:latin typeface="华文楷体" panose="02010600040101010101" pitchFamily="2" charset="-122"/>
+                <a:ea typeface="华文楷体" panose="02010600040101010101" pitchFamily="2" charset="-122"/>
+              </a:rPr>
+              <a:t>格式相同，</a:t>
+            </a:r>
+            <a:r>
+              <a:rPr lang="en-US" altLang="zh-CN" sz="1600" dirty="0" err="1" smtClean="0">
+                <a:latin typeface="华文楷体" panose="02010600040101010101" pitchFamily="2" charset="-122"/>
+                <a:ea typeface="华文楷体" panose="02010600040101010101" pitchFamily="2" charset="-122"/>
+              </a:rPr>
+              <a:t>rbind</a:t>
+            </a:r>
+            <a:r>
+              <a:rPr lang="zh-CN" altLang="en-US" sz="1600" dirty="0" smtClean="0">
+                <a:latin typeface="华文楷体" panose="02010600040101010101" pitchFamily="2" charset="-122"/>
+                <a:ea typeface="华文楷体" panose="02010600040101010101" pitchFamily="2" charset="-122"/>
+              </a:rPr>
+              <a:t>则用来在原数据集上添加对象</a:t>
+            </a:r>
+            <a:endParaRPr lang="zh-CN" altLang="en-US" sz="1600" dirty="0">
+              <a:latin typeface="华文楷体" panose="02010600040101010101" pitchFamily="2" charset="-122"/>
+              <a:ea typeface="华文楷体" panose="02010600040101010101" pitchFamily="2" charset="-122"/>
+            </a:endParaRPr>
+          </a:p>
+        </p:txBody>
+      </p:sp>
+    </p:spTree>
+    <p:extLst>
+      <p:ext uri="{BB962C8B-B14F-4D97-AF65-F5344CB8AC3E}">
+        <p14:creationId xmlns:p14="http://schemas.microsoft.com/office/powerpoint/2010/main" val="575967911"/>
+      </p:ext>
+    </p:extLst>
+  </p:cSld>
+  <p:clrMapOvr>
+    <a:masterClrMapping/>
+  </p:clrMapOvr>
+</p:sld>
+</file>
+
+<file path=ppt/slides/slide13.xml><?xml version="1.0" encoding="utf-8"?>
+<p:sld xmlns:a="http://schemas.openxmlformats.org/drawingml/2006/main" xmlns:r="http://schemas.openxmlformats.org/officeDocument/2006/relationships" xmlns:p="http://schemas.openxmlformats.org/presentationml/2006/main">
+  <p:cSld>
+    <p:spTree>
+      <p:nvGrpSpPr>
+        <p:cNvPr id="1" name=""/>
+        <p:cNvGrpSpPr/>
+        <p:nvPr/>
+      </p:nvGrpSpPr>
+      <p:grpSpPr>
+        <a:xfrm>
+          <a:off x="0" y="0"/>
+          <a:ext cx="0" cy="0"/>
+          <a:chOff x="0" y="0"/>
+          <a:chExt cx="0" cy="0"/>
+        </a:xfrm>
+      </p:grpSpPr>
+      <p:sp>
+        <p:nvSpPr>
+          <p:cNvPr id="2" name="标题 1"/>
+          <p:cNvSpPr>
+            <a:spLocks noGrp="1"/>
+          </p:cNvSpPr>
+          <p:nvPr>
+            <p:ph type="title"/>
+          </p:nvPr>
+        </p:nvSpPr>
+        <p:spPr/>
+        <p:txBody>
+          <a:bodyPr/>
+          <a:lstStyle/>
+          <a:p>
+            <a:r>
+              <a:rPr lang="en-US" altLang="zh-CN" dirty="0" smtClean="0"/>
+              <a:t>1.2</a:t>
+            </a:r>
+            <a:r>
+              <a:rPr lang="zh-CN" altLang="en-US" dirty="0" smtClean="0"/>
+              <a:t>数值类型</a:t>
+            </a:r>
+            <a:endParaRPr lang="zh-CN" altLang="en-US" dirty="0"/>
+          </a:p>
+        </p:txBody>
+      </p:sp>
+      <p:sp>
+        <p:nvSpPr>
+          <p:cNvPr id="3" name="内容占位符 2"/>
+          <p:cNvSpPr>
+            <a:spLocks noGrp="1"/>
+          </p:cNvSpPr>
+          <p:nvPr>
+            <p:ph idx="1"/>
+          </p:nvPr>
+        </p:nvSpPr>
+        <p:spPr/>
+        <p:txBody>
+          <a:bodyPr/>
+          <a:lstStyle/>
+          <a:p>
+            <a:r>
+              <a:rPr lang="zh-CN" altLang="en-US" dirty="0" smtClean="0"/>
               <a:t>装入变量中的不止有数字，还有许多各种各样的数据类型</a:t>
             </a:r>
             <a:endParaRPr lang="en-US" altLang="zh-CN" dirty="0" smtClean="0"/>
@@ -6633,15 +7980,23 @@
             <a:pPr lvl="1"/>
             <a:r>
               <a:rPr lang="zh-CN" altLang="en-US" dirty="0" smtClean="0"/>
-              <a:t>文字</a:t>
+              <a:t>文字  </a:t>
             </a:r>
             <a:endParaRPr lang="en-US" altLang="zh-CN" dirty="0" smtClean="0"/>
           </a:p>
           <a:p>
             <a:pPr lvl="1"/>
+            <a:endParaRPr lang="en-US" altLang="zh-CN" dirty="0"/>
+          </a:p>
+          <a:p>
+            <a:pPr lvl="1"/>
+            <a:endParaRPr lang="en-US" altLang="zh-CN" dirty="0" smtClean="0"/>
+          </a:p>
+          <a:p>
+            <a:pPr lvl="1"/>
             <a:r>
               <a:rPr lang="zh-CN" altLang="en-US" dirty="0" smtClean="0"/>
-              <a:t>类数字的标号</a:t>
+              <a:t>因子：标称、序数属性</a:t>
             </a:r>
             <a:endParaRPr lang="en-US" altLang="zh-CN" dirty="0" smtClean="0"/>
           </a:p>
@@ -6685,6 +8040,143 @@
           </a:prstGeom>
         </p:spPr>
       </p:pic>
+      <p:sp>
+        <p:nvSpPr>
+          <p:cNvPr id="5" name="Rectangle 1"/>
+          <p:cNvSpPr>
+            <a:spLocks noChangeArrowheads="1"/>
+          </p:cNvSpPr>
+          <p:nvPr/>
+        </p:nvSpPr>
+        <p:spPr bwMode="auto">
+          <a:xfrm>
+            <a:off x="1097280" y="2823265"/>
+            <a:ext cx="5049459" cy="430887"/>
+          </a:xfrm>
+          <a:prstGeom prst="rect">
+            <a:avLst/>
+          </a:prstGeom>
+          <a:solidFill>
+            <a:srgbClr val="FFFFFF"/>
+          </a:solidFill>
+          <a:ln>
+            <a:noFill/>
+          </a:ln>
+          <a:effectLst/>
+          <a:extLst>
+            <a:ext uri="{91240B29-F687-4F45-9708-019B960494DF}">
+              <a14:hiddenLine xmlns:a14="http://schemas.microsoft.com/office/drawing/2010/main" w="9525">
+                <a:solidFill>
+                  <a:schemeClr val="tx1"/>
+                </a:solidFill>
+                <a:miter lim="800000"/>
+                <a:headEnd/>
+                <a:tailEnd/>
+              </a14:hiddenLine>
+            </a:ext>
+            <a:ext uri="{AF507438-7753-43E0-B8FC-AC1667EBCBE1}">
+              <a14:hiddenEffects xmlns:a14="http://schemas.microsoft.com/office/drawing/2010/main">
+                <a:effectLst>
+                  <a:outerShdw dist="35921" dir="2700000" algn="ctr" rotWithShape="0">
+                    <a:schemeClr val="bg2"/>
+                  </a:outerShdw>
+                </a:effectLst>
+              </a14:hiddenEffects>
+            </a:ext>
+          </a:extLst>
+        </p:spPr>
+        <p:txBody>
+          <a:bodyPr vert="horz" wrap="none" lIns="0" tIns="0" rIns="0" bIns="0" numCol="1" anchor="ctr" anchorCtr="0" compatLnSpc="1">
+            <a:prstTxWarp prst="textNoShape">
+              <a:avLst/>
+            </a:prstTxWarp>
+            <a:spAutoFit/>
+          </a:bodyPr>
+          <a:lstStyle/>
+          <a:p>
+            <a:pPr marL="0" marR="0" lvl="0" indent="0" algn="l" defTabSz="914400" rtl="0" eaLnBrk="0" fontAlgn="base" latinLnBrk="0" hangingPunct="0">
+              <a:lnSpc>
+                <a:spcPct val="100000"/>
+              </a:lnSpc>
+              <a:spcBef>
+                <a:spcPct val="0"/>
+              </a:spcBef>
+              <a:spcAft>
+                <a:spcPct val="0"/>
+              </a:spcAft>
+              <a:buClrTx/>
+              <a:buSzTx/>
+              <a:buFontTx/>
+              <a:buNone/>
+              <a:tabLst/>
+            </a:pPr>
+            <a:r>
+              <a:rPr kumimoji="0" lang="zh-CN" altLang="zh-CN" sz="1400" b="0" i="0" u="none" strike="noStrike" cap="none" normalizeH="0" baseline="0" dirty="0" smtClean="0">
+                <a:ln>
+                  <a:noFill/>
+                </a:ln>
+                <a:solidFill>
+                  <a:srgbClr val="0000FF"/>
+                </a:solidFill>
+                <a:effectLst/>
+                <a:latin typeface="Lucida Console" panose="020B0609040504020204" pitchFamily="49" charset="0"/>
+              </a:rPr>
+              <a:t>&gt; a&lt;-"Wang Qi" </a:t>
+            </a:r>
+            <a:endParaRPr kumimoji="0" lang="en-US" altLang="zh-CN" sz="1400" b="0" i="0" u="none" strike="noStrike" cap="none" normalizeH="0" baseline="0" dirty="0" smtClean="0">
+              <a:ln>
+                <a:noFill/>
+              </a:ln>
+              <a:solidFill>
+                <a:srgbClr val="0000FF"/>
+              </a:solidFill>
+              <a:effectLst/>
+              <a:latin typeface="Lucida Console" panose="020B0609040504020204" pitchFamily="49" charset="0"/>
+            </a:endParaRPr>
+          </a:p>
+          <a:p>
+            <a:pPr marL="0" marR="0" lvl="0" indent="0" algn="l" defTabSz="914400" rtl="0" eaLnBrk="0" fontAlgn="base" latinLnBrk="0" hangingPunct="0">
+              <a:lnSpc>
+                <a:spcPct val="100000"/>
+              </a:lnSpc>
+              <a:spcBef>
+                <a:spcPct val="0"/>
+              </a:spcBef>
+              <a:spcAft>
+                <a:spcPct val="0"/>
+              </a:spcAft>
+              <a:buClrTx/>
+              <a:buSzTx/>
+              <a:buFontTx/>
+              <a:buNone/>
+              <a:tabLst/>
+            </a:pPr>
+            <a:r>
+              <a:rPr kumimoji="0" lang="zh-CN" altLang="zh-CN" sz="1400" b="0" i="0" u="none" strike="noStrike" cap="none" normalizeH="0" baseline="0" dirty="0" smtClean="0">
+                <a:ln>
+                  <a:noFill/>
+                </a:ln>
+                <a:solidFill>
+                  <a:srgbClr val="0000FF"/>
+                </a:solidFill>
+                <a:effectLst/>
+                <a:latin typeface="Lucida Console" panose="020B0609040504020204" pitchFamily="49" charset="0"/>
+              </a:rPr>
+              <a:t>&gt; b&lt;-c("Zhou Weijie","Zhang jingguang","吴毓雄")</a:t>
+            </a:r>
+            <a:endParaRPr kumimoji="0" lang="zh-CN" altLang="zh-CN" sz="3200" b="0" i="0" u="none" strike="noStrike" cap="none" normalizeH="0" baseline="0" dirty="0" smtClean="0">
+              <a:ln>
+                <a:noFill/>
+              </a:ln>
+              <a:solidFill>
+                <a:schemeClr val="tx1"/>
+              </a:solidFill>
+              <a:effectLst/>
+              <a:latin typeface="Arial" panose="020B0604020202020204" pitchFamily="34" charset="0"/>
+            </a:endParaRPr>
+          </a:p>
+        </p:txBody>
+      </p:sp>
     </p:spTree>
   </p:cSld>
   <p:clrMapOvr>
@@ -6776,7 +8268,7 @@
 </p:sld>
 </file>
 
-<file path=ppt/slides/slide13.xml><?xml version="1.0" encoding="utf-8"?>
+<file path=ppt/slides/slide14.xml><?xml version="1.0" encoding="utf-8"?>
 <p:sld xmlns:a="http://schemas.openxmlformats.org/drawingml/2006/main" xmlns:r="http://schemas.openxmlformats.org/officeDocument/2006/relationships" xmlns:p="http://schemas.openxmlformats.org/presentationml/2006/main">
   <p:cSld>
     <p:spTree>
@@ -9611,7 +11103,7 @@
 </p:sld>
 </file>
 
-<file path=ppt/slides/slide14.xml><?xml version="1.0" encoding="utf-8"?>
+<file path=ppt/slides/slide15.xml><?xml version="1.0" encoding="utf-8"?>
 <p:sld xmlns:a="http://schemas.openxmlformats.org/drawingml/2006/main" xmlns:r="http://schemas.openxmlformats.org/officeDocument/2006/relationships" xmlns:p="http://schemas.openxmlformats.org/presentationml/2006/main">
   <p:cSld>
     <p:spTree>
@@ -9670,7 +11162,7 @@
           <a:p>
             <a:r>
               <a:rPr lang="zh-CN" altLang="en-US" dirty="0" smtClean="0"/>
-              <a:t>类型标签</a:t>
+              <a:t>标称属性</a:t>
             </a:r>
             <a:endParaRPr lang="zh-CN" altLang="en-US" dirty="0"/>
           </a:p>
@@ -9693,7 +11185,7 @@
           <a:p>
             <a:r>
               <a:rPr lang="zh-CN" altLang="en-US" dirty="0" smtClean="0"/>
-              <a:t>有序类别</a:t>
+              <a:t>有序属性</a:t>
             </a:r>
             <a:endParaRPr lang="zh-CN" altLang="en-US" dirty="0"/>
           </a:p>
@@ -10489,768 +11981,6 @@
 </p:sld>
 </file>
 
-<file path=ppt/slides/slide15.xml><?xml version="1.0" encoding="utf-8"?>
-<p:sld xmlns:a="http://schemas.openxmlformats.org/drawingml/2006/main" xmlns:r="http://schemas.openxmlformats.org/officeDocument/2006/relationships" xmlns:p="http://schemas.openxmlformats.org/presentationml/2006/main">
-  <p:cSld>
-    <p:spTree>
-      <p:nvGrpSpPr>
-        <p:cNvPr id="1" name=""/>
-        <p:cNvGrpSpPr/>
-        <p:nvPr/>
-      </p:nvGrpSpPr>
-      <p:grpSpPr>
-        <a:xfrm>
-          <a:off x="0" y="0"/>
-          <a:ext cx="0" cy="0"/>
-          <a:chOff x="0" y="0"/>
-          <a:chExt cx="0" cy="0"/>
-        </a:xfrm>
-      </p:grpSpPr>
-      <p:sp>
-        <p:nvSpPr>
-          <p:cNvPr id="2" name="标题 1"/>
-          <p:cNvSpPr>
-            <a:spLocks noGrp="1"/>
-          </p:cNvSpPr>
-          <p:nvPr>
-            <p:ph type="title"/>
-          </p:nvPr>
-        </p:nvSpPr>
-        <p:spPr/>
-        <p:txBody>
-          <a:bodyPr>
-            <a:normAutofit/>
-          </a:bodyPr>
-          <a:lstStyle/>
-          <a:p>
-            <a:r>
-              <a:rPr lang="zh-CN" altLang="en-US" sz="3200" dirty="0" smtClean="0"/>
-              <a:t>变量与数值的操作案例</a:t>
-            </a:r>
-            <a:endParaRPr lang="zh-CN" altLang="en-US" sz="3200" dirty="0"/>
-          </a:p>
-        </p:txBody>
-      </p:sp>
-      <p:graphicFrame>
-        <p:nvGraphicFramePr>
-          <p:cNvPr id="4" name="内容占位符 3"/>
-          <p:cNvGraphicFramePr>
-            <a:graphicFrameLocks noGrp="1"/>
-          </p:cNvGraphicFramePr>
-          <p:nvPr>
-            <p:ph idx="1"/>
-          </p:nvPr>
-        </p:nvGraphicFramePr>
-        <p:xfrm>
-          <a:off x="1096963" y="1846263"/>
-          <a:ext cx="10058398" cy="2225040"/>
-        </p:xfrm>
-        <a:graphic>
-          <a:graphicData uri="http://schemas.openxmlformats.org/drawingml/2006/table">
-            <a:tbl>
-              <a:tblPr firstRow="1" bandRow="1">
-                <a:tableStyleId>{E8B1032C-EA38-4F05-BA0D-38AFFFC7BED3}</a:tableStyleId>
-              </a:tblPr>
-              <a:tblGrid>
-                <a:gridCol w="1436914">
-                  <a:extLst>
-                    <a:ext uri="{9D8B030D-6E8A-4147-A177-3AD203B41FA5}">
-                      <a16:colId xmlns:a16="http://schemas.microsoft.com/office/drawing/2014/main" val="20000"/>
-                    </a:ext>
-                  </a:extLst>
-                </a:gridCol>
-                <a:gridCol w="1436914">
-                  <a:extLst>
-                    <a:ext uri="{9D8B030D-6E8A-4147-A177-3AD203B41FA5}">
-                      <a16:colId xmlns:a16="http://schemas.microsoft.com/office/drawing/2014/main" val="20001"/>
-                    </a:ext>
-                  </a:extLst>
-                </a:gridCol>
-                <a:gridCol w="1436914">
-                  <a:extLst>
-                    <a:ext uri="{9D8B030D-6E8A-4147-A177-3AD203B41FA5}">
-                      <a16:colId xmlns:a16="http://schemas.microsoft.com/office/drawing/2014/main" val="20002"/>
-                    </a:ext>
-                  </a:extLst>
-                </a:gridCol>
-                <a:gridCol w="1436914">
-                  <a:extLst>
-                    <a:ext uri="{9D8B030D-6E8A-4147-A177-3AD203B41FA5}">
-                      <a16:colId xmlns:a16="http://schemas.microsoft.com/office/drawing/2014/main" val="20003"/>
-                    </a:ext>
-                  </a:extLst>
-                </a:gridCol>
-                <a:gridCol w="1436914">
-                  <a:extLst>
-                    <a:ext uri="{9D8B030D-6E8A-4147-A177-3AD203B41FA5}">
-                      <a16:colId xmlns:a16="http://schemas.microsoft.com/office/drawing/2014/main" val="20004"/>
-                    </a:ext>
-                  </a:extLst>
-                </a:gridCol>
-                <a:gridCol w="1436914">
-                  <a:extLst>
-                    <a:ext uri="{9D8B030D-6E8A-4147-A177-3AD203B41FA5}">
-                      <a16:colId xmlns:a16="http://schemas.microsoft.com/office/drawing/2014/main" val="20005"/>
-                    </a:ext>
-                  </a:extLst>
-                </a:gridCol>
-                <a:gridCol w="1436914">
-                  <a:extLst>
-                    <a:ext uri="{9D8B030D-6E8A-4147-A177-3AD203B41FA5}">
-                      <a16:colId xmlns:a16="http://schemas.microsoft.com/office/drawing/2014/main" val="20006"/>
-                    </a:ext>
-                  </a:extLst>
-                </a:gridCol>
-              </a:tblGrid>
-              <a:tr h="370840">
-                <a:tc>
-                  <a:txBody>
-                    <a:bodyPr/>
-                    <a:lstStyle/>
-                    <a:p>
-                      <a:r>
-                        <a:rPr lang="zh-CN" altLang="en-US" dirty="0" smtClean="0"/>
-                        <a:t>经理人</a:t>
-                      </a:r>
-                      <a:endParaRPr lang="zh-CN" altLang="en-US" dirty="0"/>
-                    </a:p>
-                  </a:txBody>
-                  <a:tcPr/>
-                </a:tc>
-                <a:tc>
-                  <a:txBody>
-                    <a:bodyPr/>
-                    <a:lstStyle/>
-                    <a:p>
-                      <a:r>
-                        <a:rPr lang="zh-CN" altLang="en-US" dirty="0" smtClean="0"/>
-                        <a:t>日期</a:t>
-                      </a:r>
-                      <a:endParaRPr lang="zh-CN" altLang="en-US" dirty="0"/>
-                    </a:p>
-                  </a:txBody>
-                  <a:tcPr/>
-                </a:tc>
-                <a:tc>
-                  <a:txBody>
-                    <a:bodyPr/>
-                    <a:lstStyle/>
-                    <a:p>
-                      <a:r>
-                        <a:rPr lang="zh-CN" altLang="en-US" dirty="0" smtClean="0"/>
-                        <a:t>国籍</a:t>
-                      </a:r>
-                      <a:endParaRPr lang="zh-CN" altLang="en-US" dirty="0"/>
-                    </a:p>
-                  </a:txBody>
-                  <a:tcPr/>
-                </a:tc>
-                <a:tc>
-                  <a:txBody>
-                    <a:bodyPr/>
-                    <a:lstStyle/>
-                    <a:p>
-                      <a:r>
-                        <a:rPr lang="zh-CN" altLang="en-US" dirty="0" smtClean="0"/>
-                        <a:t>性别</a:t>
-                      </a:r>
-                      <a:endParaRPr lang="zh-CN" altLang="en-US" dirty="0"/>
-                    </a:p>
-                  </a:txBody>
-                  <a:tcPr/>
-                </a:tc>
-                <a:tc>
-                  <a:txBody>
-                    <a:bodyPr/>
-                    <a:lstStyle/>
-                    <a:p>
-                      <a:r>
-                        <a:rPr lang="zh-CN" altLang="en-US" dirty="0" smtClean="0"/>
-                        <a:t>年龄</a:t>
-                      </a:r>
-                      <a:endParaRPr lang="zh-CN" altLang="en-US" dirty="0"/>
-                    </a:p>
-                  </a:txBody>
-                  <a:tcPr/>
-                </a:tc>
-                <a:tc>
-                  <a:txBody>
-                    <a:bodyPr/>
-                    <a:lstStyle/>
-                    <a:p>
-                      <a:r>
-                        <a:rPr lang="en-US" altLang="zh-CN" dirty="0" smtClean="0"/>
-                        <a:t>Q1</a:t>
-                      </a:r>
-                      <a:endParaRPr lang="zh-CN" altLang="en-US" dirty="0"/>
-                    </a:p>
-                  </a:txBody>
-                  <a:tcPr/>
-                </a:tc>
-                <a:tc>
-                  <a:txBody>
-                    <a:bodyPr/>
-                    <a:lstStyle/>
-                    <a:p>
-                      <a:r>
-                        <a:rPr lang="en-US" altLang="zh-CN" dirty="0" smtClean="0"/>
-                        <a:t>Q2</a:t>
-                      </a:r>
-                      <a:endParaRPr lang="zh-CN" altLang="en-US" dirty="0"/>
-                    </a:p>
-                  </a:txBody>
-                  <a:tcPr/>
-                </a:tc>
-                <a:extLst>
-                  <a:ext uri="{0D108BD9-81ED-4DB2-BD59-A6C34878D82A}">
-                    <a16:rowId xmlns:a16="http://schemas.microsoft.com/office/drawing/2014/main" val="10000"/>
-                  </a:ext>
-                </a:extLst>
-              </a:tr>
-              <a:tr h="370840">
-                <a:tc>
-                  <a:txBody>
-                    <a:bodyPr/>
-                    <a:lstStyle/>
-                    <a:p>
-                      <a:r>
-                        <a:rPr lang="en-US" altLang="zh-CN" dirty="0" smtClean="0"/>
-                        <a:t>1</a:t>
-                      </a:r>
-                      <a:endParaRPr lang="zh-CN" altLang="en-US" dirty="0"/>
-                    </a:p>
-                  </a:txBody>
-                  <a:tcPr/>
-                </a:tc>
-                <a:tc>
-                  <a:txBody>
-                    <a:bodyPr/>
-                    <a:lstStyle/>
-                    <a:p>
-                      <a:r>
-                        <a:rPr lang="en-US" altLang="zh-CN" dirty="0" smtClean="0"/>
-                        <a:t>10/24/08</a:t>
-                      </a:r>
-                      <a:endParaRPr lang="zh-CN" altLang="en-US" dirty="0"/>
-                    </a:p>
-                  </a:txBody>
-                  <a:tcPr/>
-                </a:tc>
-                <a:tc>
-                  <a:txBody>
-                    <a:bodyPr/>
-                    <a:lstStyle/>
-                    <a:p>
-                      <a:r>
-                        <a:rPr lang="en-US" altLang="zh-CN" dirty="0" smtClean="0"/>
-                        <a:t>US</a:t>
-                      </a:r>
-                      <a:endParaRPr lang="zh-CN" altLang="en-US" dirty="0"/>
-                    </a:p>
-                  </a:txBody>
-                  <a:tcPr/>
-                </a:tc>
-                <a:tc>
-                  <a:txBody>
-                    <a:bodyPr/>
-                    <a:lstStyle/>
-                    <a:p>
-                      <a:r>
-                        <a:rPr lang="en-US" altLang="zh-CN" dirty="0" smtClean="0"/>
-                        <a:t>M</a:t>
-                      </a:r>
-                      <a:endParaRPr lang="zh-CN" altLang="en-US" dirty="0"/>
-                    </a:p>
-                  </a:txBody>
-                  <a:tcPr/>
-                </a:tc>
-                <a:tc>
-                  <a:txBody>
-                    <a:bodyPr/>
-                    <a:lstStyle/>
-                    <a:p>
-                      <a:r>
-                        <a:rPr lang="en-US" altLang="zh-CN" dirty="0" smtClean="0"/>
-                        <a:t>32</a:t>
-                      </a:r>
-                      <a:endParaRPr lang="zh-CN" altLang="en-US" dirty="0"/>
-                    </a:p>
-                  </a:txBody>
-                  <a:tcPr/>
-                </a:tc>
-                <a:tc>
-                  <a:txBody>
-                    <a:bodyPr/>
-                    <a:lstStyle/>
-                    <a:p>
-                      <a:r>
-                        <a:rPr lang="en-US" altLang="zh-CN" dirty="0" smtClean="0"/>
-                        <a:t>5</a:t>
-                      </a:r>
-                      <a:endParaRPr lang="zh-CN" altLang="en-US" dirty="0"/>
-                    </a:p>
-                  </a:txBody>
-                  <a:tcPr/>
-                </a:tc>
-                <a:tc>
-                  <a:txBody>
-                    <a:bodyPr/>
-                    <a:lstStyle/>
-                    <a:p>
-                      <a:r>
-                        <a:rPr lang="en-US" altLang="zh-CN" dirty="0" smtClean="0"/>
-                        <a:t>4</a:t>
-                      </a:r>
-                      <a:endParaRPr lang="zh-CN" altLang="en-US" dirty="0"/>
-                    </a:p>
-                  </a:txBody>
-                  <a:tcPr/>
-                </a:tc>
-                <a:extLst>
-                  <a:ext uri="{0D108BD9-81ED-4DB2-BD59-A6C34878D82A}">
-                    <a16:rowId xmlns:a16="http://schemas.microsoft.com/office/drawing/2014/main" val="10001"/>
-                  </a:ext>
-                </a:extLst>
-              </a:tr>
-              <a:tr h="370840">
-                <a:tc>
-                  <a:txBody>
-                    <a:bodyPr/>
-                    <a:lstStyle/>
-                    <a:p>
-                      <a:r>
-                        <a:rPr lang="en-US" altLang="zh-CN" dirty="0" smtClean="0"/>
-                        <a:t>2</a:t>
-                      </a:r>
-                      <a:endParaRPr lang="zh-CN" altLang="en-US" dirty="0"/>
-                    </a:p>
-                  </a:txBody>
-                  <a:tcPr/>
-                </a:tc>
-                <a:tc>
-                  <a:txBody>
-                    <a:bodyPr/>
-                    <a:lstStyle/>
-                    <a:p>
-                      <a:r>
-                        <a:rPr lang="en-US" altLang="zh-CN" dirty="0" smtClean="0"/>
-                        <a:t>10/28/08</a:t>
-                      </a:r>
-                      <a:endParaRPr lang="zh-CN" altLang="en-US" dirty="0"/>
-                    </a:p>
-                  </a:txBody>
-                  <a:tcPr/>
-                </a:tc>
-                <a:tc>
-                  <a:txBody>
-                    <a:bodyPr/>
-                    <a:lstStyle/>
-                    <a:p>
-                      <a:r>
-                        <a:rPr lang="en-US" altLang="zh-CN" dirty="0" smtClean="0"/>
-                        <a:t>US</a:t>
-                      </a:r>
-                      <a:endParaRPr lang="zh-CN" altLang="en-US" dirty="0"/>
-                    </a:p>
-                  </a:txBody>
-                  <a:tcPr/>
-                </a:tc>
-                <a:tc>
-                  <a:txBody>
-                    <a:bodyPr/>
-                    <a:lstStyle/>
-                    <a:p>
-                      <a:r>
-                        <a:rPr lang="en-US" altLang="zh-CN" dirty="0" smtClean="0"/>
-                        <a:t>F</a:t>
-                      </a:r>
-                      <a:endParaRPr lang="zh-CN" altLang="en-US" dirty="0"/>
-                    </a:p>
-                  </a:txBody>
-                  <a:tcPr/>
-                </a:tc>
-                <a:tc>
-                  <a:txBody>
-                    <a:bodyPr/>
-                    <a:lstStyle/>
-                    <a:p>
-                      <a:r>
-                        <a:rPr lang="en-US" altLang="zh-CN" dirty="0" smtClean="0"/>
-                        <a:t>45</a:t>
-                      </a:r>
-                      <a:endParaRPr lang="zh-CN" altLang="en-US" dirty="0"/>
-                    </a:p>
-                  </a:txBody>
-                  <a:tcPr/>
-                </a:tc>
-                <a:tc>
-                  <a:txBody>
-                    <a:bodyPr/>
-                    <a:lstStyle/>
-                    <a:p>
-                      <a:r>
-                        <a:rPr lang="en-US" altLang="zh-CN" dirty="0" smtClean="0"/>
-                        <a:t>3</a:t>
-                      </a:r>
-                      <a:endParaRPr lang="zh-CN" altLang="en-US" dirty="0"/>
-                    </a:p>
-                  </a:txBody>
-                  <a:tcPr/>
-                </a:tc>
-                <a:tc>
-                  <a:txBody>
-                    <a:bodyPr/>
-                    <a:lstStyle/>
-                    <a:p>
-                      <a:r>
-                        <a:rPr lang="en-US" altLang="zh-CN" dirty="0" smtClean="0"/>
-                        <a:t>5</a:t>
-                      </a:r>
-                      <a:endParaRPr lang="zh-CN" altLang="en-US" dirty="0"/>
-                    </a:p>
-                  </a:txBody>
-                  <a:tcPr/>
-                </a:tc>
-                <a:extLst>
-                  <a:ext uri="{0D108BD9-81ED-4DB2-BD59-A6C34878D82A}">
-                    <a16:rowId xmlns:a16="http://schemas.microsoft.com/office/drawing/2014/main" val="10002"/>
-                  </a:ext>
-                </a:extLst>
-              </a:tr>
-              <a:tr h="370840">
-                <a:tc>
-                  <a:txBody>
-                    <a:bodyPr/>
-                    <a:lstStyle/>
-                    <a:p>
-                      <a:r>
-                        <a:rPr lang="en-US" altLang="zh-CN" dirty="0" smtClean="0"/>
-                        <a:t>3</a:t>
-                      </a:r>
-                      <a:endParaRPr lang="zh-CN" altLang="en-US" dirty="0"/>
-                    </a:p>
-                  </a:txBody>
-                  <a:tcPr/>
-                </a:tc>
-                <a:tc>
-                  <a:txBody>
-                    <a:bodyPr/>
-                    <a:lstStyle/>
-                    <a:p>
-                      <a:r>
-                        <a:rPr lang="en-US" altLang="zh-CN" dirty="0" smtClean="0"/>
-                        <a:t>10/01/08</a:t>
-                      </a:r>
-                      <a:endParaRPr lang="zh-CN" altLang="en-US" dirty="0"/>
-                    </a:p>
-                  </a:txBody>
-                  <a:tcPr/>
-                </a:tc>
-                <a:tc>
-                  <a:txBody>
-                    <a:bodyPr/>
-                    <a:lstStyle/>
-                    <a:p>
-                      <a:r>
-                        <a:rPr lang="en-US" altLang="zh-CN" dirty="0" smtClean="0"/>
-                        <a:t>UK</a:t>
-                      </a:r>
-                      <a:endParaRPr lang="zh-CN" altLang="en-US" dirty="0"/>
-                    </a:p>
-                  </a:txBody>
-                  <a:tcPr/>
-                </a:tc>
-                <a:tc>
-                  <a:txBody>
-                    <a:bodyPr/>
-                    <a:lstStyle/>
-                    <a:p>
-                      <a:r>
-                        <a:rPr lang="en-US" altLang="zh-CN" dirty="0" smtClean="0"/>
-                        <a:t>F</a:t>
-                      </a:r>
-                      <a:endParaRPr lang="zh-CN" altLang="en-US" dirty="0"/>
-                    </a:p>
-                  </a:txBody>
-                  <a:tcPr/>
-                </a:tc>
-                <a:tc>
-                  <a:txBody>
-                    <a:bodyPr/>
-                    <a:lstStyle/>
-                    <a:p>
-                      <a:r>
-                        <a:rPr lang="en-US" altLang="zh-CN" dirty="0" smtClean="0"/>
-                        <a:t>25</a:t>
-                      </a:r>
-                      <a:endParaRPr lang="zh-CN" altLang="en-US" dirty="0"/>
-                    </a:p>
-                  </a:txBody>
-                  <a:tcPr/>
-                </a:tc>
-                <a:tc>
-                  <a:txBody>
-                    <a:bodyPr/>
-                    <a:lstStyle/>
-                    <a:p>
-                      <a:r>
-                        <a:rPr lang="en-US" altLang="zh-CN" dirty="0" smtClean="0"/>
-                        <a:t>3</a:t>
-                      </a:r>
-                      <a:endParaRPr lang="zh-CN" altLang="en-US" dirty="0"/>
-                    </a:p>
-                  </a:txBody>
-                  <a:tcPr/>
-                </a:tc>
-                <a:tc>
-                  <a:txBody>
-                    <a:bodyPr/>
-                    <a:lstStyle/>
-                    <a:p>
-                      <a:r>
-                        <a:rPr lang="en-US" altLang="zh-CN" dirty="0" smtClean="0"/>
-                        <a:t>5</a:t>
-                      </a:r>
-                      <a:endParaRPr lang="zh-CN" altLang="en-US" dirty="0"/>
-                    </a:p>
-                  </a:txBody>
-                  <a:tcPr/>
-                </a:tc>
-                <a:extLst>
-                  <a:ext uri="{0D108BD9-81ED-4DB2-BD59-A6C34878D82A}">
-                    <a16:rowId xmlns:a16="http://schemas.microsoft.com/office/drawing/2014/main" val="10003"/>
-                  </a:ext>
-                </a:extLst>
-              </a:tr>
-              <a:tr h="370840">
-                <a:tc>
-                  <a:txBody>
-                    <a:bodyPr/>
-                    <a:lstStyle/>
-                    <a:p>
-                      <a:r>
-                        <a:rPr lang="en-US" altLang="zh-CN" dirty="0" smtClean="0"/>
-                        <a:t>4</a:t>
-                      </a:r>
-                      <a:endParaRPr lang="zh-CN" altLang="en-US" dirty="0"/>
-                    </a:p>
-                  </a:txBody>
-                  <a:tcPr/>
-                </a:tc>
-                <a:tc>
-                  <a:txBody>
-                    <a:bodyPr/>
-                    <a:lstStyle/>
-                    <a:p>
-                      <a:r>
-                        <a:rPr lang="en-US" altLang="zh-CN" dirty="0" smtClean="0"/>
-                        <a:t>10/12/08</a:t>
-                      </a:r>
-                      <a:endParaRPr lang="zh-CN" altLang="en-US" dirty="0"/>
-                    </a:p>
-                  </a:txBody>
-                  <a:tcPr/>
-                </a:tc>
-                <a:tc>
-                  <a:txBody>
-                    <a:bodyPr/>
-                    <a:lstStyle/>
-                    <a:p>
-                      <a:r>
-                        <a:rPr lang="en-US" altLang="zh-CN" dirty="0" smtClean="0"/>
-                        <a:t>UK</a:t>
-                      </a:r>
-                      <a:endParaRPr lang="zh-CN" altLang="en-US" dirty="0"/>
-                    </a:p>
-                  </a:txBody>
-                  <a:tcPr/>
-                </a:tc>
-                <a:tc>
-                  <a:txBody>
-                    <a:bodyPr/>
-                    <a:lstStyle/>
-                    <a:p>
-                      <a:r>
-                        <a:rPr lang="en-US" altLang="zh-CN" dirty="0" smtClean="0"/>
-                        <a:t>M</a:t>
-                      </a:r>
-                      <a:endParaRPr lang="zh-CN" altLang="en-US" dirty="0"/>
-                    </a:p>
-                  </a:txBody>
-                  <a:tcPr/>
-                </a:tc>
-                <a:tc>
-                  <a:txBody>
-                    <a:bodyPr/>
-                    <a:lstStyle/>
-                    <a:p>
-                      <a:r>
-                        <a:rPr lang="en-US" altLang="zh-CN" dirty="0" smtClean="0"/>
-                        <a:t>39</a:t>
-                      </a:r>
-                      <a:endParaRPr lang="zh-CN" altLang="en-US" dirty="0"/>
-                    </a:p>
-                  </a:txBody>
-                  <a:tcPr/>
-                </a:tc>
-                <a:tc>
-                  <a:txBody>
-                    <a:bodyPr/>
-                    <a:lstStyle/>
-                    <a:p>
-                      <a:r>
-                        <a:rPr lang="en-US" altLang="zh-CN" dirty="0" smtClean="0"/>
-                        <a:t>3</a:t>
-                      </a:r>
-                      <a:endParaRPr lang="zh-CN" altLang="en-US" dirty="0"/>
-                    </a:p>
-                  </a:txBody>
-                  <a:tcPr/>
-                </a:tc>
-                <a:tc>
-                  <a:txBody>
-                    <a:bodyPr/>
-                    <a:lstStyle/>
-                    <a:p>
-                      <a:r>
-                        <a:rPr lang="en-US" altLang="zh-CN" dirty="0" smtClean="0"/>
-                        <a:t>3</a:t>
-                      </a:r>
-                      <a:endParaRPr lang="zh-CN" altLang="en-US" dirty="0"/>
-                    </a:p>
-                  </a:txBody>
-                  <a:tcPr/>
-                </a:tc>
-                <a:extLst>
-                  <a:ext uri="{0D108BD9-81ED-4DB2-BD59-A6C34878D82A}">
-                    <a16:rowId xmlns:a16="http://schemas.microsoft.com/office/drawing/2014/main" val="10004"/>
-                  </a:ext>
-                </a:extLst>
-              </a:tr>
-              <a:tr h="370840">
-                <a:tc>
-                  <a:txBody>
-                    <a:bodyPr/>
-                    <a:lstStyle/>
-                    <a:p>
-                      <a:r>
-                        <a:rPr lang="en-US" altLang="zh-CN" dirty="0" smtClean="0"/>
-                        <a:t>5</a:t>
-                      </a:r>
-                      <a:endParaRPr lang="zh-CN" altLang="en-US" dirty="0"/>
-                    </a:p>
-                  </a:txBody>
-                  <a:tcPr/>
-                </a:tc>
-                <a:tc>
-                  <a:txBody>
-                    <a:bodyPr/>
-                    <a:lstStyle/>
-                    <a:p>
-                      <a:r>
-                        <a:rPr lang="en-US" altLang="zh-CN" dirty="0" smtClean="0"/>
-                        <a:t>05/01/09</a:t>
-                      </a:r>
-                      <a:endParaRPr lang="zh-CN" altLang="en-US" dirty="0"/>
-                    </a:p>
-                  </a:txBody>
-                  <a:tcPr/>
-                </a:tc>
-                <a:tc>
-                  <a:txBody>
-                    <a:bodyPr/>
-                    <a:lstStyle/>
-                    <a:p>
-                      <a:r>
-                        <a:rPr lang="en-US" altLang="zh-CN" dirty="0" smtClean="0"/>
-                        <a:t>UK</a:t>
-                      </a:r>
-                      <a:endParaRPr lang="zh-CN" altLang="en-US" dirty="0"/>
-                    </a:p>
-                  </a:txBody>
-                  <a:tcPr/>
-                </a:tc>
-                <a:tc>
-                  <a:txBody>
-                    <a:bodyPr/>
-                    <a:lstStyle/>
-                    <a:p>
-                      <a:r>
-                        <a:rPr lang="en-US" altLang="zh-CN" dirty="0" smtClean="0"/>
-                        <a:t>F</a:t>
-                      </a:r>
-                      <a:endParaRPr lang="zh-CN" altLang="en-US" dirty="0"/>
-                    </a:p>
-                  </a:txBody>
-                  <a:tcPr/>
-                </a:tc>
-                <a:tc>
-                  <a:txBody>
-                    <a:bodyPr/>
-                    <a:lstStyle/>
-                    <a:p>
-                      <a:r>
-                        <a:rPr lang="en-US" altLang="zh-CN" dirty="0" smtClean="0"/>
-                        <a:t>99</a:t>
-                      </a:r>
-                      <a:endParaRPr lang="zh-CN" altLang="en-US" dirty="0"/>
-                    </a:p>
-                  </a:txBody>
-                  <a:tcPr/>
-                </a:tc>
-                <a:tc>
-                  <a:txBody>
-                    <a:bodyPr/>
-                    <a:lstStyle/>
-                    <a:p>
-                      <a:r>
-                        <a:rPr lang="en-US" altLang="zh-CN" dirty="0" smtClean="0"/>
-                        <a:t>2</a:t>
-                      </a:r>
-                      <a:endParaRPr lang="zh-CN" altLang="en-US" dirty="0"/>
-                    </a:p>
-                  </a:txBody>
-                  <a:tcPr/>
-                </a:tc>
-                <a:tc>
-                  <a:txBody>
-                    <a:bodyPr/>
-                    <a:lstStyle/>
-                    <a:p>
-                      <a:r>
-                        <a:rPr lang="en-US" altLang="zh-CN" dirty="0" smtClean="0"/>
-                        <a:t>2</a:t>
-                      </a:r>
-                      <a:endParaRPr lang="zh-CN" altLang="en-US" dirty="0"/>
-                    </a:p>
-                  </a:txBody>
-                  <a:tcPr/>
-                </a:tc>
-                <a:extLst>
-                  <a:ext uri="{0D108BD9-81ED-4DB2-BD59-A6C34878D82A}">
-                    <a16:rowId xmlns:a16="http://schemas.microsoft.com/office/drawing/2014/main" val="10005"/>
-                  </a:ext>
-                </a:extLst>
-              </a:tr>
-            </a:tbl>
-          </a:graphicData>
-        </a:graphic>
-      </p:graphicFrame>
-    </p:spTree>
-  </p:cSld>
-  <p:clrMapOvr>
-    <a:masterClrMapping/>
-  </p:clrMapOvr>
-  <p:timing>
-    <p:tnLst>
-      <p:par>
-        <p:cTn id="1" dur="indefinite" restart="never" nodeType="tmRoot"/>
-      </p:par>
-    </p:tnLst>
-  </p:timing>
-</p:sld>
-</file>
-
 <file path=ppt/slides/slide16.xml><?xml version="1.0" encoding="utf-8"?>
 <p:sld xmlns:a="http://schemas.openxmlformats.org/drawingml/2006/main" xmlns:r="http://schemas.openxmlformats.org/officeDocument/2006/relationships" xmlns:p="http://schemas.openxmlformats.org/presentationml/2006/main">
   <p:cSld>
@@ -11286,1524 +12016,6 @@
           <a:lstStyle/>
           <a:p>
             <a:r>
-              <a:rPr lang="zh-CN" altLang="en-US" sz="2800" dirty="0" smtClean="0"/>
-              <a:t>创建数据</a:t>
-            </a:r>
-            <a:endParaRPr lang="zh-CN" altLang="en-US" sz="2800" dirty="0"/>
-          </a:p>
-        </p:txBody>
-      </p:sp>
-      <p:sp>
-        <p:nvSpPr>
-          <p:cNvPr id="4" name="Rectangle 1"/>
-          <p:cNvSpPr>
-            <a:spLocks noChangeArrowheads="1"/>
-          </p:cNvSpPr>
-          <p:nvPr/>
-        </p:nvSpPr>
-        <p:spPr bwMode="auto">
-          <a:xfrm>
-            <a:off x="1097280" y="1947211"/>
-            <a:ext cx="9129102" cy="3877985"/>
-          </a:xfrm>
-          <a:prstGeom prst="rect">
-            <a:avLst/>
-          </a:prstGeom>
-          <a:solidFill>
-            <a:srgbClr val="FFFFFF"/>
-          </a:solidFill>
-          <a:ln>
-            <a:noFill/>
-          </a:ln>
-          <a:effectLst/>
-          <a:extLst>
-            <a:ext uri="{91240B29-F687-4F45-9708-019B960494DF}">
-              <a14:hiddenLine xmlns:a14="http://schemas.microsoft.com/office/drawing/2010/main" w="9525">
-                <a:solidFill>
-                  <a:schemeClr val="tx1"/>
-                </a:solidFill>
-                <a:miter lim="800000"/>
-                <a:headEnd/>
-                <a:tailEnd/>
-              </a14:hiddenLine>
-            </a:ext>
-            <a:ext uri="{AF507438-7753-43E0-B8FC-AC1667EBCBE1}">
-              <a14:hiddenEffects xmlns:a14="http://schemas.microsoft.com/office/drawing/2010/main">
-                <a:effectLst>
-                  <a:outerShdw dist="35921" dir="2700000" algn="ctr" rotWithShape="0">
-                    <a:schemeClr val="bg2"/>
-                  </a:outerShdw>
-                </a:effectLst>
-              </a14:hiddenEffects>
-            </a:ext>
-          </a:extLst>
-        </p:spPr>
-        <p:txBody>
-          <a:bodyPr vert="horz" wrap="none" lIns="0" tIns="0" rIns="0" bIns="0" numCol="1" anchor="ctr" anchorCtr="0" compatLnSpc="1">
-            <a:spAutoFit/>
-          </a:bodyPr>
-          <a:lstStyle/>
-          <a:p>
-            <a:pPr marL="0" marR="0" lvl="0" indent="0" algn="l" defTabSz="914400" rtl="0" eaLnBrk="0" fontAlgn="base" latinLnBrk="0" hangingPunct="0">
-              <a:lnSpc>
-                <a:spcPct val="100000"/>
-              </a:lnSpc>
-              <a:spcBef>
-                <a:spcPct val="0"/>
-              </a:spcBef>
-              <a:spcAft>
-                <a:spcPct val="0"/>
-              </a:spcAft>
-              <a:buClrTx/>
-              <a:buSzTx/>
-              <a:buFontTx/>
-              <a:buNone/>
-            </a:pPr>
-            <a:r>
-              <a:rPr kumimoji="0" lang="zh-CN" altLang="zh-CN" sz="1400" b="0" i="0" u="none" strike="noStrike" cap="none" normalizeH="0" baseline="0" dirty="0" smtClean="0">
-                <a:ln>
-                  <a:noFill/>
-                </a:ln>
-                <a:solidFill>
-                  <a:srgbClr val="0000FF"/>
-                </a:solidFill>
-                <a:effectLst/>
-                <a:latin typeface="Lucida Console" panose="020B0609040504020204" pitchFamily="49" charset="0"/>
-              </a:rPr>
-              <a:t>&gt; manager&lt;-c(1,2,3,4,5) </a:t>
-            </a:r>
-            <a:endParaRPr kumimoji="0" lang="en-US" altLang="zh-CN" sz="1400" b="0" i="0" u="none" strike="noStrike" cap="none" normalizeH="0" baseline="0" dirty="0" smtClean="0">
-              <a:ln>
-                <a:noFill/>
-              </a:ln>
-              <a:solidFill>
-                <a:srgbClr val="0000FF"/>
-              </a:solidFill>
-              <a:effectLst/>
-              <a:latin typeface="Lucida Console" panose="020B0609040504020204" pitchFamily="49" charset="0"/>
-            </a:endParaRPr>
-          </a:p>
-          <a:p>
-            <a:pPr marL="0" marR="0" lvl="0" indent="0" algn="l" defTabSz="914400" rtl="0" eaLnBrk="0" fontAlgn="base" latinLnBrk="0" hangingPunct="0">
-              <a:lnSpc>
-                <a:spcPct val="100000"/>
-              </a:lnSpc>
-              <a:spcBef>
-                <a:spcPct val="0"/>
-              </a:spcBef>
-              <a:spcAft>
-                <a:spcPct val="0"/>
-              </a:spcAft>
-              <a:buClrTx/>
-              <a:buSzTx/>
-              <a:buFontTx/>
-              <a:buNone/>
-            </a:pPr>
-            <a:r>
-              <a:rPr kumimoji="0" lang="zh-CN" altLang="zh-CN" sz="1400" b="0" i="0" u="none" strike="noStrike" cap="none" normalizeH="0" baseline="0" dirty="0" smtClean="0">
-                <a:ln>
-                  <a:noFill/>
-                </a:ln>
-                <a:solidFill>
-                  <a:srgbClr val="0000FF"/>
-                </a:solidFill>
-                <a:effectLst/>
-                <a:latin typeface="Lucida Console" panose="020B0609040504020204" pitchFamily="49" charset="0"/>
-              </a:rPr>
-              <a:t>&gt; date&lt;-as.Date(c("2008-10-24","2008-10-28","2008-10-01","2008-10-12","2009-05-01")) </a:t>
-            </a:r>
-            <a:endParaRPr kumimoji="0" lang="en-US" altLang="zh-CN" sz="1400" b="0" i="0" u="none" strike="noStrike" cap="none" normalizeH="0" baseline="0" dirty="0" smtClean="0">
-              <a:ln>
-                <a:noFill/>
-              </a:ln>
-              <a:solidFill>
-                <a:srgbClr val="0000FF"/>
-              </a:solidFill>
-              <a:effectLst/>
-              <a:latin typeface="Lucida Console" panose="020B0609040504020204" pitchFamily="49" charset="0"/>
-            </a:endParaRPr>
-          </a:p>
-          <a:p>
-            <a:pPr marL="0" marR="0" lvl="0" indent="0" algn="l" defTabSz="914400" rtl="0" eaLnBrk="0" fontAlgn="base" latinLnBrk="0" hangingPunct="0">
-              <a:lnSpc>
-                <a:spcPct val="100000"/>
-              </a:lnSpc>
-              <a:spcBef>
-                <a:spcPct val="0"/>
-              </a:spcBef>
-              <a:spcAft>
-                <a:spcPct val="0"/>
-              </a:spcAft>
-              <a:buClrTx/>
-              <a:buSzTx/>
-              <a:buFontTx/>
-              <a:buNone/>
-            </a:pPr>
-            <a:r>
-              <a:rPr kumimoji="0" lang="zh-CN" altLang="zh-CN" sz="1400" b="0" i="0" u="none" strike="noStrike" cap="none" normalizeH="0" baseline="0" dirty="0" smtClean="0">
-                <a:ln>
-                  <a:noFill/>
-                </a:ln>
-                <a:solidFill>
-                  <a:srgbClr val="0000FF"/>
-                </a:solidFill>
-                <a:effectLst/>
-                <a:latin typeface="Lucida Console" panose="020B0609040504020204" pitchFamily="49" charset="0"/>
-              </a:rPr>
-              <a:t>&gt; country&lt;-c("us","us","uk","uk","uk") </a:t>
-            </a:r>
-            <a:endParaRPr kumimoji="0" lang="en-US" altLang="zh-CN" sz="1400" b="0" i="0" u="none" strike="noStrike" cap="none" normalizeH="0" baseline="0" dirty="0" smtClean="0">
-              <a:ln>
-                <a:noFill/>
-              </a:ln>
-              <a:solidFill>
-                <a:srgbClr val="0000FF"/>
-              </a:solidFill>
-              <a:effectLst/>
-              <a:latin typeface="Lucida Console" panose="020B0609040504020204" pitchFamily="49" charset="0"/>
-            </a:endParaRPr>
-          </a:p>
-          <a:p>
-            <a:pPr marL="0" marR="0" lvl="0" indent="0" algn="l" defTabSz="914400" rtl="0" eaLnBrk="0" fontAlgn="base" latinLnBrk="0" hangingPunct="0">
-              <a:lnSpc>
-                <a:spcPct val="100000"/>
-              </a:lnSpc>
-              <a:spcBef>
-                <a:spcPct val="0"/>
-              </a:spcBef>
-              <a:spcAft>
-                <a:spcPct val="0"/>
-              </a:spcAft>
-              <a:buClrTx/>
-              <a:buSzTx/>
-              <a:buFontTx/>
-              <a:buNone/>
-            </a:pPr>
-            <a:r>
-              <a:rPr kumimoji="0" lang="zh-CN" altLang="zh-CN" sz="1400" b="0" i="0" u="none" strike="noStrike" cap="none" normalizeH="0" baseline="0" dirty="0" smtClean="0">
-                <a:ln>
-                  <a:noFill/>
-                </a:ln>
-                <a:solidFill>
-                  <a:srgbClr val="0000FF"/>
-                </a:solidFill>
-                <a:effectLst/>
-                <a:latin typeface="Lucida Console" panose="020B0609040504020204" pitchFamily="49" charset="0"/>
-              </a:rPr>
-              <a:t>&gt; gender&lt;-c("M","F","F","M","F") </a:t>
-            </a:r>
-            <a:endParaRPr kumimoji="0" lang="en-US" altLang="zh-CN" sz="1400" b="0" i="0" u="none" strike="noStrike" cap="none" normalizeH="0" baseline="0" dirty="0" smtClean="0">
-              <a:ln>
-                <a:noFill/>
-              </a:ln>
-              <a:solidFill>
-                <a:srgbClr val="0000FF"/>
-              </a:solidFill>
-              <a:effectLst/>
-              <a:latin typeface="Lucida Console" panose="020B0609040504020204" pitchFamily="49" charset="0"/>
-            </a:endParaRPr>
-          </a:p>
-          <a:p>
-            <a:pPr marL="0" marR="0" lvl="0" indent="0" algn="l" defTabSz="914400" rtl="0" eaLnBrk="0" fontAlgn="base" latinLnBrk="0" hangingPunct="0">
-              <a:lnSpc>
-                <a:spcPct val="100000"/>
-              </a:lnSpc>
-              <a:spcBef>
-                <a:spcPct val="0"/>
-              </a:spcBef>
-              <a:spcAft>
-                <a:spcPct val="0"/>
-              </a:spcAft>
-              <a:buClrTx/>
-              <a:buSzTx/>
-              <a:buFontTx/>
-              <a:buNone/>
-            </a:pPr>
-            <a:r>
-              <a:rPr kumimoji="0" lang="zh-CN" altLang="zh-CN" sz="1400" b="0" i="0" u="none" strike="noStrike" cap="none" normalizeH="0" baseline="0" dirty="0" smtClean="0">
-                <a:ln>
-                  <a:noFill/>
-                </a:ln>
-                <a:solidFill>
-                  <a:srgbClr val="0000FF"/>
-                </a:solidFill>
-                <a:effectLst/>
-                <a:latin typeface="Lucida Console" panose="020B0609040504020204" pitchFamily="49" charset="0"/>
-              </a:rPr>
-              <a:t>&gt; gender&lt;-factor(gender) </a:t>
-            </a:r>
-            <a:endParaRPr kumimoji="0" lang="en-US" altLang="zh-CN" sz="1400" b="0" i="0" u="none" strike="noStrike" cap="none" normalizeH="0" baseline="0" dirty="0" smtClean="0">
-              <a:ln>
-                <a:noFill/>
-              </a:ln>
-              <a:solidFill>
-                <a:srgbClr val="0000FF"/>
-              </a:solidFill>
-              <a:effectLst/>
-              <a:latin typeface="Lucida Console" panose="020B0609040504020204" pitchFamily="49" charset="0"/>
-            </a:endParaRPr>
-          </a:p>
-          <a:p>
-            <a:pPr marL="0" marR="0" lvl="0" indent="0" algn="l" defTabSz="914400" rtl="0" eaLnBrk="0" fontAlgn="base" latinLnBrk="0" hangingPunct="0">
-              <a:lnSpc>
-                <a:spcPct val="100000"/>
-              </a:lnSpc>
-              <a:spcBef>
-                <a:spcPct val="0"/>
-              </a:spcBef>
-              <a:spcAft>
-                <a:spcPct val="0"/>
-              </a:spcAft>
-              <a:buClrTx/>
-              <a:buSzTx/>
-              <a:buFontTx/>
-              <a:buNone/>
-            </a:pPr>
-            <a:r>
-              <a:rPr kumimoji="0" lang="zh-CN" altLang="zh-CN" sz="1400" b="0" i="0" u="none" strike="noStrike" cap="none" normalizeH="0" baseline="0" dirty="0" smtClean="0">
-                <a:ln>
-                  <a:noFill/>
-                </a:ln>
-                <a:solidFill>
-                  <a:srgbClr val="0000FF"/>
-                </a:solidFill>
-                <a:effectLst/>
-                <a:latin typeface="Lucida Console" panose="020B0609040504020204" pitchFamily="49" charset="0"/>
-              </a:rPr>
-              <a:t>&gt; gender </a:t>
-            </a:r>
-            <a:endParaRPr kumimoji="0" lang="en-US" altLang="zh-CN" sz="1400" b="0" i="0" u="none" strike="noStrike" cap="none" normalizeH="0" baseline="0" dirty="0" smtClean="0">
-              <a:ln>
-                <a:noFill/>
-              </a:ln>
-              <a:solidFill>
-                <a:srgbClr val="0000FF"/>
-              </a:solidFill>
-              <a:effectLst/>
-              <a:latin typeface="Lucida Console" panose="020B0609040504020204" pitchFamily="49" charset="0"/>
-            </a:endParaRPr>
-          </a:p>
-          <a:p>
-            <a:pPr marL="0" marR="0" lvl="0" indent="0" algn="l" defTabSz="914400" rtl="0" eaLnBrk="0" fontAlgn="base" latinLnBrk="0" hangingPunct="0">
-              <a:lnSpc>
-                <a:spcPct val="100000"/>
-              </a:lnSpc>
-              <a:spcBef>
-                <a:spcPct val="0"/>
-              </a:spcBef>
-              <a:spcAft>
-                <a:spcPct val="0"/>
-              </a:spcAft>
-              <a:buClrTx/>
-              <a:buSzTx/>
-              <a:buFontTx/>
-              <a:buNone/>
-            </a:pPr>
-            <a:r>
-              <a:rPr kumimoji="0" lang="zh-CN" altLang="zh-CN" sz="1400" b="0" i="0" u="none" strike="noStrike" cap="none" normalizeH="0" baseline="0" dirty="0" smtClean="0">
-                <a:ln>
-                  <a:noFill/>
-                </a:ln>
-                <a:solidFill>
-                  <a:srgbClr val="000000"/>
-                </a:solidFill>
-                <a:effectLst/>
-                <a:latin typeface="Lucida Console" panose="020B0609040504020204" pitchFamily="49" charset="0"/>
-              </a:rPr>
-              <a:t>[1] M F F M F Levels: F M </a:t>
-            </a:r>
-            <a:endParaRPr kumimoji="0" lang="en-US" altLang="zh-CN" sz="1400" b="0" i="0" u="none" strike="noStrike" cap="none" normalizeH="0" baseline="0" dirty="0" smtClean="0">
-              <a:ln>
-                <a:noFill/>
-              </a:ln>
-              <a:solidFill>
-                <a:srgbClr val="000000"/>
-              </a:solidFill>
-              <a:effectLst/>
-              <a:latin typeface="Lucida Console" panose="020B0609040504020204" pitchFamily="49" charset="0"/>
-            </a:endParaRPr>
-          </a:p>
-          <a:p>
-            <a:pPr marL="0" marR="0" lvl="0" indent="0" algn="l" defTabSz="914400" rtl="0" eaLnBrk="0" fontAlgn="base" latinLnBrk="0" hangingPunct="0">
-              <a:lnSpc>
-                <a:spcPct val="100000"/>
-              </a:lnSpc>
-              <a:spcBef>
-                <a:spcPct val="0"/>
-              </a:spcBef>
-              <a:spcAft>
-                <a:spcPct val="0"/>
-              </a:spcAft>
-              <a:buClrTx/>
-              <a:buSzTx/>
-              <a:buFontTx/>
-              <a:buNone/>
-            </a:pPr>
-            <a:r>
-              <a:rPr kumimoji="0" lang="zh-CN" altLang="zh-CN" sz="1400" b="0" i="0" u="none" strike="noStrike" cap="none" normalizeH="0" baseline="0" dirty="0" smtClean="0">
-                <a:ln>
-                  <a:noFill/>
-                </a:ln>
-                <a:solidFill>
-                  <a:srgbClr val="0000FF"/>
-                </a:solidFill>
-                <a:effectLst/>
-                <a:latin typeface="Lucida Console" panose="020B0609040504020204" pitchFamily="49" charset="0"/>
-              </a:rPr>
-              <a:t>&gt; age&lt;-c(32,45,25,39,99) </a:t>
-            </a:r>
-            <a:endParaRPr kumimoji="0" lang="en-US" altLang="zh-CN" sz="1400" b="0" i="0" u="none" strike="noStrike" cap="none" normalizeH="0" baseline="0" dirty="0" smtClean="0">
-              <a:ln>
-                <a:noFill/>
-              </a:ln>
-              <a:solidFill>
-                <a:srgbClr val="0000FF"/>
-              </a:solidFill>
-              <a:effectLst/>
-              <a:latin typeface="Lucida Console" panose="020B0609040504020204" pitchFamily="49" charset="0"/>
-            </a:endParaRPr>
-          </a:p>
-          <a:p>
-            <a:pPr marL="0" marR="0" lvl="0" indent="0" algn="l" defTabSz="914400" rtl="0" eaLnBrk="0" fontAlgn="base" latinLnBrk="0" hangingPunct="0">
-              <a:lnSpc>
-                <a:spcPct val="100000"/>
-              </a:lnSpc>
-              <a:spcBef>
-                <a:spcPct val="0"/>
-              </a:spcBef>
-              <a:spcAft>
-                <a:spcPct val="0"/>
-              </a:spcAft>
-              <a:buClrTx/>
-              <a:buSzTx/>
-              <a:buFontTx/>
-              <a:buNone/>
-            </a:pPr>
-            <a:r>
-              <a:rPr kumimoji="0" lang="zh-CN" altLang="zh-CN" sz="1400" b="0" i="0" u="none" strike="noStrike" cap="none" normalizeH="0" baseline="0" dirty="0" smtClean="0">
-                <a:ln>
-                  <a:noFill/>
-                </a:ln>
-                <a:solidFill>
-                  <a:srgbClr val="0000FF"/>
-                </a:solidFill>
-                <a:effectLst/>
-                <a:latin typeface="Lucida Console" panose="020B0609040504020204" pitchFamily="49" charset="0"/>
-              </a:rPr>
-              <a:t>&gt; q1&lt;-c(5,3,3,3,2) </a:t>
-            </a:r>
-            <a:endParaRPr kumimoji="0" lang="en-US" altLang="zh-CN" sz="1400" b="0" i="0" u="none" strike="noStrike" cap="none" normalizeH="0" baseline="0" dirty="0" smtClean="0">
-              <a:ln>
-                <a:noFill/>
-              </a:ln>
-              <a:solidFill>
-                <a:srgbClr val="0000FF"/>
-              </a:solidFill>
-              <a:effectLst/>
-              <a:latin typeface="Lucida Console" panose="020B0609040504020204" pitchFamily="49" charset="0"/>
-            </a:endParaRPr>
-          </a:p>
-          <a:p>
-            <a:pPr marL="0" marR="0" lvl="0" indent="0" algn="l" defTabSz="914400" rtl="0" eaLnBrk="0" fontAlgn="base" latinLnBrk="0" hangingPunct="0">
-              <a:lnSpc>
-                <a:spcPct val="100000"/>
-              </a:lnSpc>
-              <a:spcBef>
-                <a:spcPct val="0"/>
-              </a:spcBef>
-              <a:spcAft>
-                <a:spcPct val="0"/>
-              </a:spcAft>
-              <a:buClrTx/>
-              <a:buSzTx/>
-              <a:buFontTx/>
-              <a:buNone/>
-            </a:pPr>
-            <a:r>
-              <a:rPr kumimoji="0" lang="zh-CN" altLang="zh-CN" sz="1400" b="0" i="0" u="none" strike="noStrike" cap="none" normalizeH="0" baseline="0" dirty="0" smtClean="0">
-                <a:ln>
-                  <a:noFill/>
-                </a:ln>
-                <a:solidFill>
-                  <a:srgbClr val="0000FF"/>
-                </a:solidFill>
-                <a:effectLst/>
-                <a:latin typeface="Lucida Console" panose="020B0609040504020204" pitchFamily="49" charset="0"/>
-              </a:rPr>
-              <a:t>&gt; q2&lt;-c(4,5,5,3,2) </a:t>
-            </a:r>
-            <a:endParaRPr kumimoji="0" lang="en-US" altLang="zh-CN" sz="1400" b="0" i="0" u="none" strike="noStrike" cap="none" normalizeH="0" baseline="0" dirty="0" smtClean="0">
-              <a:ln>
-                <a:noFill/>
-              </a:ln>
-              <a:solidFill>
-                <a:srgbClr val="0000FF"/>
-              </a:solidFill>
-              <a:effectLst/>
-              <a:latin typeface="Lucida Console" panose="020B0609040504020204" pitchFamily="49" charset="0"/>
-            </a:endParaRPr>
-          </a:p>
-          <a:p>
-            <a:pPr marL="0" marR="0" lvl="0" indent="0" algn="l" defTabSz="914400" rtl="0" eaLnBrk="0" fontAlgn="base" latinLnBrk="0" hangingPunct="0">
-              <a:lnSpc>
-                <a:spcPct val="100000"/>
-              </a:lnSpc>
-              <a:spcBef>
-                <a:spcPct val="0"/>
-              </a:spcBef>
-              <a:spcAft>
-                <a:spcPct val="0"/>
-              </a:spcAft>
-              <a:buClrTx/>
-              <a:buSzTx/>
-              <a:buFontTx/>
-              <a:buNone/>
-            </a:pPr>
-            <a:r>
-              <a:rPr kumimoji="0" lang="zh-CN" altLang="zh-CN" sz="1400" b="0" i="0" u="none" strike="noStrike" cap="none" normalizeH="0" baseline="0" dirty="0" smtClean="0">
-                <a:ln>
-                  <a:noFill/>
-                </a:ln>
-                <a:solidFill>
-                  <a:srgbClr val="0000FF"/>
-                </a:solidFill>
-                <a:effectLst/>
-                <a:latin typeface="Lucida Console" panose="020B0609040504020204" pitchFamily="49" charset="0"/>
-              </a:rPr>
-              <a:t>&gt; leadership&lt;-data.frame(manager,date,country,gender,age,q1,q2) </a:t>
-            </a:r>
-            <a:endParaRPr kumimoji="0" lang="en-US" altLang="zh-CN" sz="1400" b="0" i="0" u="none" strike="noStrike" cap="none" normalizeH="0" baseline="0" dirty="0" smtClean="0">
-              <a:ln>
-                <a:noFill/>
-              </a:ln>
-              <a:solidFill>
-                <a:srgbClr val="0000FF"/>
-              </a:solidFill>
-              <a:effectLst/>
-              <a:latin typeface="Lucida Console" panose="020B0609040504020204" pitchFamily="49" charset="0"/>
-            </a:endParaRPr>
-          </a:p>
-          <a:p>
-            <a:pPr marL="0" marR="0" lvl="0" indent="0" algn="l" defTabSz="914400" rtl="0" eaLnBrk="0" fontAlgn="base" latinLnBrk="0" hangingPunct="0">
-              <a:lnSpc>
-                <a:spcPct val="100000"/>
-              </a:lnSpc>
-              <a:spcBef>
-                <a:spcPct val="0"/>
-              </a:spcBef>
-              <a:spcAft>
-                <a:spcPct val="0"/>
-              </a:spcAft>
-              <a:buClrTx/>
-              <a:buSzTx/>
-              <a:buFontTx/>
-              <a:buNone/>
-            </a:pPr>
-            <a:r>
-              <a:rPr kumimoji="0" lang="zh-CN" altLang="zh-CN" sz="1400" b="0" i="0" u="none" strike="noStrike" cap="none" normalizeH="0" baseline="0" dirty="0" smtClean="0">
-                <a:ln>
-                  <a:noFill/>
-                </a:ln>
-                <a:solidFill>
-                  <a:srgbClr val="0000FF"/>
-                </a:solidFill>
-                <a:effectLst/>
-                <a:latin typeface="Lucida Console" panose="020B0609040504020204" pitchFamily="49" charset="0"/>
-              </a:rPr>
-              <a:t>&gt; leadership </a:t>
-            </a:r>
-            <a:endParaRPr kumimoji="0" lang="en-US" altLang="zh-CN" sz="1400" b="0" i="0" u="none" strike="noStrike" cap="none" normalizeH="0" baseline="0" dirty="0" smtClean="0">
-              <a:ln>
-                <a:noFill/>
-              </a:ln>
-              <a:solidFill>
-                <a:srgbClr val="0000FF"/>
-              </a:solidFill>
-              <a:effectLst/>
-              <a:latin typeface="Lucida Console" panose="020B0609040504020204" pitchFamily="49" charset="0"/>
-            </a:endParaRPr>
-          </a:p>
-          <a:p>
-            <a:pPr marL="0" marR="0" lvl="0" indent="0" algn="l" defTabSz="914400" rtl="0" eaLnBrk="0" fontAlgn="base" latinLnBrk="0" hangingPunct="0">
-              <a:lnSpc>
-                <a:spcPct val="100000"/>
-              </a:lnSpc>
-              <a:spcBef>
-                <a:spcPct val="0"/>
-              </a:spcBef>
-              <a:spcAft>
-                <a:spcPct val="0"/>
-              </a:spcAft>
-              <a:buClrTx/>
-              <a:buSzTx/>
-              <a:buFontTx/>
-              <a:buNone/>
-            </a:pPr>
-            <a:r>
-              <a:rPr kumimoji="0" lang="en-US" altLang="zh-CN" sz="1400" b="0" i="0" u="none" strike="noStrike" cap="none" normalizeH="0" baseline="0" dirty="0" smtClean="0">
-                <a:ln>
-                  <a:noFill/>
-                </a:ln>
-                <a:solidFill>
-                  <a:srgbClr val="000000"/>
-                </a:solidFill>
-                <a:effectLst/>
-                <a:latin typeface="Lucida Console" panose="020B0609040504020204" pitchFamily="49" charset="0"/>
-              </a:rPr>
-              <a:t>  </a:t>
-            </a:r>
-            <a:r>
-              <a:rPr kumimoji="0" lang="zh-CN" altLang="zh-CN" sz="1400" b="0" i="0" u="none" strike="noStrike" cap="none" normalizeH="0" baseline="0" dirty="0" smtClean="0">
-                <a:ln>
-                  <a:noFill/>
-                </a:ln>
-                <a:solidFill>
-                  <a:srgbClr val="000000"/>
-                </a:solidFill>
-                <a:effectLst/>
-                <a:latin typeface="Lucida Console" panose="020B0609040504020204" pitchFamily="49" charset="0"/>
-              </a:rPr>
-              <a:t>manager date </a:t>
-            </a:r>
-            <a:r>
-              <a:rPr kumimoji="0" lang="en-US" altLang="zh-CN" sz="1400" b="0" i="0" u="none" strike="noStrike" cap="none" normalizeH="0" baseline="0" dirty="0" smtClean="0">
-                <a:ln>
-                  <a:noFill/>
-                </a:ln>
-                <a:solidFill>
-                  <a:srgbClr val="000000"/>
-                </a:solidFill>
-                <a:effectLst/>
-                <a:latin typeface="Lucida Console" panose="020B0609040504020204" pitchFamily="49" charset="0"/>
-              </a:rPr>
-              <a:t>      </a:t>
-            </a:r>
-            <a:r>
-              <a:rPr kumimoji="0" lang="zh-CN" altLang="zh-CN" sz="1400" b="0" i="0" u="none" strike="noStrike" cap="none" normalizeH="0" baseline="0" dirty="0" smtClean="0">
-                <a:ln>
-                  <a:noFill/>
-                </a:ln>
-                <a:solidFill>
-                  <a:srgbClr val="000000"/>
-                </a:solidFill>
-                <a:effectLst/>
-                <a:latin typeface="Lucida Console" panose="020B0609040504020204" pitchFamily="49" charset="0"/>
-              </a:rPr>
-              <a:t>country gender age q1 q2 </a:t>
-            </a:r>
-            <a:endParaRPr kumimoji="0" lang="en-US" altLang="zh-CN" sz="1400" b="0" i="0" u="none" strike="noStrike" cap="none" normalizeH="0" baseline="0" dirty="0" smtClean="0">
-              <a:ln>
-                <a:noFill/>
-              </a:ln>
-              <a:solidFill>
-                <a:srgbClr val="000000"/>
-              </a:solidFill>
-              <a:effectLst/>
-              <a:latin typeface="Lucida Console" panose="020B0609040504020204" pitchFamily="49" charset="0"/>
-            </a:endParaRPr>
-          </a:p>
-          <a:p>
-            <a:pPr marL="0" marR="0" lvl="0" indent="0" algn="l" defTabSz="914400" rtl="0" eaLnBrk="0" fontAlgn="base" latinLnBrk="0" hangingPunct="0">
-              <a:lnSpc>
-                <a:spcPct val="100000"/>
-              </a:lnSpc>
-              <a:spcBef>
-                <a:spcPct val="0"/>
-              </a:spcBef>
-              <a:spcAft>
-                <a:spcPct val="0"/>
-              </a:spcAft>
-              <a:buClrTx/>
-              <a:buSzTx/>
-              <a:buFontTx/>
-              <a:buNone/>
-            </a:pPr>
-            <a:r>
-              <a:rPr kumimoji="0" lang="zh-CN" altLang="zh-CN" sz="1400" b="0" i="0" u="none" strike="noStrike" cap="none" normalizeH="0" baseline="0" dirty="0" smtClean="0">
-                <a:ln>
-                  <a:noFill/>
-                </a:ln>
-                <a:solidFill>
-                  <a:srgbClr val="000000"/>
-                </a:solidFill>
-                <a:effectLst/>
-                <a:latin typeface="Lucida Console" panose="020B0609040504020204" pitchFamily="49" charset="0"/>
-              </a:rPr>
-              <a:t>1 1 </a:t>
-            </a:r>
-            <a:r>
-              <a:rPr kumimoji="0" lang="en-US" altLang="zh-CN" sz="1400" b="0" i="0" u="none" strike="noStrike" cap="none" normalizeH="0" baseline="0" dirty="0" smtClean="0">
-                <a:ln>
-                  <a:noFill/>
-                </a:ln>
-                <a:solidFill>
-                  <a:srgbClr val="000000"/>
-                </a:solidFill>
-                <a:effectLst/>
-                <a:latin typeface="Lucida Console" panose="020B0609040504020204" pitchFamily="49" charset="0"/>
-              </a:rPr>
-              <a:t>      </a:t>
-            </a:r>
-            <a:r>
-              <a:rPr kumimoji="0" lang="zh-CN" altLang="zh-CN" sz="1400" b="0" i="0" u="none" strike="noStrike" cap="none" normalizeH="0" baseline="0" dirty="0" smtClean="0">
-                <a:ln>
-                  <a:noFill/>
-                </a:ln>
-                <a:solidFill>
-                  <a:srgbClr val="000000"/>
-                </a:solidFill>
-                <a:effectLst/>
-                <a:latin typeface="Lucida Console" panose="020B0609040504020204" pitchFamily="49" charset="0"/>
-              </a:rPr>
-              <a:t>2008-10-24 us </a:t>
-            </a:r>
-            <a:r>
-              <a:rPr kumimoji="0" lang="en-US" altLang="zh-CN" sz="1400" b="0" i="0" u="none" strike="noStrike" cap="none" normalizeH="0" baseline="0" dirty="0" smtClean="0">
-                <a:ln>
-                  <a:noFill/>
-                </a:ln>
-                <a:solidFill>
-                  <a:srgbClr val="000000"/>
-                </a:solidFill>
-                <a:effectLst/>
-                <a:latin typeface="Lucida Console" panose="020B0609040504020204" pitchFamily="49" charset="0"/>
-              </a:rPr>
-              <a:t>     </a:t>
-            </a:r>
-            <a:r>
-              <a:rPr kumimoji="0" lang="zh-CN" altLang="zh-CN" sz="1400" b="0" i="0" u="none" strike="noStrike" cap="none" normalizeH="0" baseline="0" dirty="0" smtClean="0">
-                <a:ln>
-                  <a:noFill/>
-                </a:ln>
-                <a:solidFill>
-                  <a:srgbClr val="000000"/>
-                </a:solidFill>
-                <a:effectLst/>
-                <a:latin typeface="Lucida Console" panose="020B0609040504020204" pitchFamily="49" charset="0"/>
-              </a:rPr>
-              <a:t>M </a:t>
-            </a:r>
-            <a:r>
-              <a:rPr kumimoji="0" lang="en-US" altLang="zh-CN" sz="1400" b="0" i="0" u="none" strike="noStrike" cap="none" normalizeH="0" baseline="0" dirty="0" smtClean="0">
-                <a:ln>
-                  <a:noFill/>
-                </a:ln>
-                <a:solidFill>
-                  <a:srgbClr val="000000"/>
-                </a:solidFill>
-                <a:effectLst/>
-                <a:latin typeface="Lucida Console" panose="020B0609040504020204" pitchFamily="49" charset="0"/>
-              </a:rPr>
-              <a:t>     </a:t>
-            </a:r>
-            <a:r>
-              <a:rPr kumimoji="0" lang="zh-CN" altLang="zh-CN" sz="1400" b="0" i="0" u="none" strike="noStrike" cap="none" normalizeH="0" baseline="0" dirty="0" smtClean="0">
-                <a:ln>
-                  <a:noFill/>
-                </a:ln>
-                <a:solidFill>
-                  <a:srgbClr val="000000"/>
-                </a:solidFill>
-                <a:effectLst/>
-                <a:latin typeface="Lucida Console" panose="020B0609040504020204" pitchFamily="49" charset="0"/>
-              </a:rPr>
-              <a:t>32 </a:t>
-            </a:r>
-            <a:r>
-              <a:rPr kumimoji="0" lang="en-US" altLang="zh-CN" sz="1400" b="0" i="0" u="none" strike="noStrike" cap="none" normalizeH="0" baseline="0" dirty="0" smtClean="0">
-                <a:ln>
-                  <a:noFill/>
-                </a:ln>
-                <a:solidFill>
-                  <a:srgbClr val="000000"/>
-                </a:solidFill>
-                <a:effectLst/>
-                <a:latin typeface="Lucida Console" panose="020B0609040504020204" pitchFamily="49" charset="0"/>
-              </a:rPr>
-              <a:t> </a:t>
-            </a:r>
-            <a:r>
-              <a:rPr kumimoji="0" lang="zh-CN" altLang="zh-CN" sz="1400" b="0" i="0" u="none" strike="noStrike" cap="none" normalizeH="0" baseline="0" dirty="0" smtClean="0">
-                <a:ln>
-                  <a:noFill/>
-                </a:ln>
-                <a:solidFill>
-                  <a:srgbClr val="000000"/>
-                </a:solidFill>
-                <a:effectLst/>
-                <a:latin typeface="Lucida Console" panose="020B0609040504020204" pitchFamily="49" charset="0"/>
-              </a:rPr>
-              <a:t>5 </a:t>
-            </a:r>
-            <a:r>
-              <a:rPr kumimoji="0" lang="en-US" altLang="zh-CN" sz="1400" b="0" i="0" u="none" strike="noStrike" cap="none" normalizeH="0" baseline="0" dirty="0" smtClean="0">
-                <a:ln>
-                  <a:noFill/>
-                </a:ln>
-                <a:solidFill>
-                  <a:srgbClr val="000000"/>
-                </a:solidFill>
-                <a:effectLst/>
-                <a:latin typeface="Lucida Console" panose="020B0609040504020204" pitchFamily="49" charset="0"/>
-              </a:rPr>
-              <a:t> </a:t>
-            </a:r>
-            <a:r>
-              <a:rPr kumimoji="0" lang="zh-CN" altLang="zh-CN" sz="1400" b="0" i="0" u="none" strike="noStrike" cap="none" normalizeH="0" baseline="0" dirty="0" smtClean="0">
-                <a:ln>
-                  <a:noFill/>
-                </a:ln>
-                <a:solidFill>
-                  <a:srgbClr val="000000"/>
-                </a:solidFill>
-                <a:effectLst/>
-                <a:latin typeface="Lucida Console" panose="020B0609040504020204" pitchFamily="49" charset="0"/>
-              </a:rPr>
-              <a:t>4 </a:t>
-            </a:r>
-            <a:endParaRPr kumimoji="0" lang="en-US" altLang="zh-CN" sz="1400" b="0" i="0" u="none" strike="noStrike" cap="none" normalizeH="0" baseline="0" dirty="0" smtClean="0">
-              <a:ln>
-                <a:noFill/>
-              </a:ln>
-              <a:solidFill>
-                <a:srgbClr val="000000"/>
-              </a:solidFill>
-              <a:effectLst/>
-              <a:latin typeface="Lucida Console" panose="020B0609040504020204" pitchFamily="49" charset="0"/>
-            </a:endParaRPr>
-          </a:p>
-          <a:p>
-            <a:pPr marL="0" marR="0" lvl="0" indent="0" algn="l" defTabSz="914400" rtl="0" eaLnBrk="0" fontAlgn="base" latinLnBrk="0" hangingPunct="0">
-              <a:lnSpc>
-                <a:spcPct val="100000"/>
-              </a:lnSpc>
-              <a:spcBef>
-                <a:spcPct val="0"/>
-              </a:spcBef>
-              <a:spcAft>
-                <a:spcPct val="0"/>
-              </a:spcAft>
-              <a:buClrTx/>
-              <a:buSzTx/>
-              <a:buFontTx/>
-              <a:buNone/>
-            </a:pPr>
-            <a:r>
-              <a:rPr kumimoji="0" lang="zh-CN" altLang="zh-CN" sz="1400" b="0" i="0" u="none" strike="noStrike" cap="none" normalizeH="0" baseline="0" dirty="0" smtClean="0">
-                <a:ln>
-                  <a:noFill/>
-                </a:ln>
-                <a:solidFill>
-                  <a:srgbClr val="000000"/>
-                </a:solidFill>
-                <a:effectLst/>
-                <a:latin typeface="Lucida Console" panose="020B0609040504020204" pitchFamily="49" charset="0"/>
-              </a:rPr>
-              <a:t>2 2 </a:t>
-            </a:r>
-            <a:r>
-              <a:rPr kumimoji="0" lang="en-US" altLang="zh-CN" sz="1400" b="0" i="0" u="none" strike="noStrike" cap="none" normalizeH="0" baseline="0" dirty="0" smtClean="0">
-                <a:ln>
-                  <a:noFill/>
-                </a:ln>
-                <a:solidFill>
-                  <a:srgbClr val="000000"/>
-                </a:solidFill>
-                <a:effectLst/>
-                <a:latin typeface="Lucida Console" panose="020B0609040504020204" pitchFamily="49" charset="0"/>
-              </a:rPr>
-              <a:t>      </a:t>
-            </a:r>
-            <a:r>
-              <a:rPr kumimoji="0" lang="zh-CN" altLang="zh-CN" sz="1400" b="0" i="0" u="none" strike="noStrike" cap="none" normalizeH="0" baseline="0" dirty="0" smtClean="0">
-                <a:ln>
-                  <a:noFill/>
-                </a:ln>
-                <a:solidFill>
-                  <a:srgbClr val="000000"/>
-                </a:solidFill>
-                <a:effectLst/>
-                <a:latin typeface="Lucida Console" panose="020B0609040504020204" pitchFamily="49" charset="0"/>
-              </a:rPr>
-              <a:t>2008-10-28 us </a:t>
-            </a:r>
-            <a:r>
-              <a:rPr kumimoji="0" lang="en-US" altLang="zh-CN" sz="1400" b="0" i="0" u="none" strike="noStrike" cap="none" normalizeH="0" baseline="0" dirty="0" smtClean="0">
-                <a:ln>
-                  <a:noFill/>
-                </a:ln>
-                <a:solidFill>
-                  <a:srgbClr val="000000"/>
-                </a:solidFill>
-                <a:effectLst/>
-                <a:latin typeface="Lucida Console" panose="020B0609040504020204" pitchFamily="49" charset="0"/>
-              </a:rPr>
-              <a:t>     </a:t>
-            </a:r>
-            <a:r>
-              <a:rPr kumimoji="0" lang="zh-CN" altLang="zh-CN" sz="1400" b="0" i="0" u="none" strike="noStrike" cap="none" normalizeH="0" baseline="0" dirty="0" smtClean="0">
-                <a:ln>
-                  <a:noFill/>
-                </a:ln>
-                <a:solidFill>
-                  <a:srgbClr val="000000"/>
-                </a:solidFill>
-                <a:effectLst/>
-                <a:latin typeface="Lucida Console" panose="020B0609040504020204" pitchFamily="49" charset="0"/>
-              </a:rPr>
-              <a:t>F </a:t>
-            </a:r>
-            <a:r>
-              <a:rPr kumimoji="0" lang="en-US" altLang="zh-CN" sz="1400" b="0" i="0" u="none" strike="noStrike" cap="none" normalizeH="0" baseline="0" dirty="0" smtClean="0">
-                <a:ln>
-                  <a:noFill/>
-                </a:ln>
-                <a:solidFill>
-                  <a:srgbClr val="000000"/>
-                </a:solidFill>
-                <a:effectLst/>
-                <a:latin typeface="Lucida Console" panose="020B0609040504020204" pitchFamily="49" charset="0"/>
-              </a:rPr>
-              <a:t>     </a:t>
-            </a:r>
-            <a:r>
-              <a:rPr kumimoji="0" lang="zh-CN" altLang="zh-CN" sz="1400" b="0" i="0" u="none" strike="noStrike" cap="none" normalizeH="0" baseline="0" dirty="0" smtClean="0">
-                <a:ln>
-                  <a:noFill/>
-                </a:ln>
-                <a:solidFill>
-                  <a:srgbClr val="000000"/>
-                </a:solidFill>
-                <a:effectLst/>
-                <a:latin typeface="Lucida Console" panose="020B0609040504020204" pitchFamily="49" charset="0"/>
-              </a:rPr>
-              <a:t>45 </a:t>
-            </a:r>
-            <a:r>
-              <a:rPr kumimoji="0" lang="en-US" altLang="zh-CN" sz="1400" b="0" i="0" u="none" strike="noStrike" cap="none" normalizeH="0" baseline="0" dirty="0" smtClean="0">
-                <a:ln>
-                  <a:noFill/>
-                </a:ln>
-                <a:solidFill>
-                  <a:srgbClr val="000000"/>
-                </a:solidFill>
-                <a:effectLst/>
-                <a:latin typeface="Lucida Console" panose="020B0609040504020204" pitchFamily="49" charset="0"/>
-              </a:rPr>
-              <a:t> </a:t>
-            </a:r>
-            <a:r>
-              <a:rPr kumimoji="0" lang="zh-CN" altLang="zh-CN" sz="1400" b="0" i="0" u="none" strike="noStrike" cap="none" normalizeH="0" baseline="0" dirty="0" smtClean="0">
-                <a:ln>
-                  <a:noFill/>
-                </a:ln>
-                <a:solidFill>
-                  <a:srgbClr val="000000"/>
-                </a:solidFill>
-                <a:effectLst/>
-                <a:latin typeface="Lucida Console" panose="020B0609040504020204" pitchFamily="49" charset="0"/>
-              </a:rPr>
-              <a:t>3 </a:t>
-            </a:r>
-            <a:r>
-              <a:rPr kumimoji="0" lang="en-US" altLang="zh-CN" sz="1400" b="0" i="0" u="none" strike="noStrike" cap="none" normalizeH="0" baseline="0" dirty="0" smtClean="0">
-                <a:ln>
-                  <a:noFill/>
-                </a:ln>
-                <a:solidFill>
-                  <a:srgbClr val="000000"/>
-                </a:solidFill>
-                <a:effectLst/>
-                <a:latin typeface="Lucida Console" panose="020B0609040504020204" pitchFamily="49" charset="0"/>
-              </a:rPr>
-              <a:t> </a:t>
-            </a:r>
-            <a:r>
-              <a:rPr kumimoji="0" lang="zh-CN" altLang="zh-CN" sz="1400" b="0" i="0" u="none" strike="noStrike" cap="none" normalizeH="0" baseline="0" dirty="0" smtClean="0">
-                <a:ln>
-                  <a:noFill/>
-                </a:ln>
-                <a:solidFill>
-                  <a:srgbClr val="000000"/>
-                </a:solidFill>
-                <a:effectLst/>
-                <a:latin typeface="Lucida Console" panose="020B0609040504020204" pitchFamily="49" charset="0"/>
-              </a:rPr>
-              <a:t>5 </a:t>
-            </a:r>
-            <a:endParaRPr kumimoji="0" lang="en-US" altLang="zh-CN" sz="1400" b="0" i="0" u="none" strike="noStrike" cap="none" normalizeH="0" baseline="0" dirty="0" smtClean="0">
-              <a:ln>
-                <a:noFill/>
-              </a:ln>
-              <a:solidFill>
-                <a:srgbClr val="000000"/>
-              </a:solidFill>
-              <a:effectLst/>
-              <a:latin typeface="Lucida Console" panose="020B0609040504020204" pitchFamily="49" charset="0"/>
-            </a:endParaRPr>
-          </a:p>
-          <a:p>
-            <a:pPr marL="0" marR="0" lvl="0" indent="0" algn="l" defTabSz="914400" rtl="0" eaLnBrk="0" fontAlgn="base" latinLnBrk="0" hangingPunct="0">
-              <a:lnSpc>
-                <a:spcPct val="100000"/>
-              </a:lnSpc>
-              <a:spcBef>
-                <a:spcPct val="0"/>
-              </a:spcBef>
-              <a:spcAft>
-                <a:spcPct val="0"/>
-              </a:spcAft>
-              <a:buClrTx/>
-              <a:buSzTx/>
-              <a:buFontTx/>
-              <a:buNone/>
-            </a:pPr>
-            <a:r>
-              <a:rPr kumimoji="0" lang="zh-CN" altLang="zh-CN" sz="1400" b="0" i="0" u="none" strike="noStrike" cap="none" normalizeH="0" baseline="0" dirty="0" smtClean="0">
-                <a:ln>
-                  <a:noFill/>
-                </a:ln>
-                <a:solidFill>
-                  <a:srgbClr val="000000"/>
-                </a:solidFill>
-                <a:effectLst/>
-                <a:latin typeface="Lucida Console" panose="020B0609040504020204" pitchFamily="49" charset="0"/>
-              </a:rPr>
-              <a:t>3 3 </a:t>
-            </a:r>
-            <a:r>
-              <a:rPr kumimoji="0" lang="en-US" altLang="zh-CN" sz="1400" b="0" i="0" u="none" strike="noStrike" cap="none" normalizeH="0" baseline="0" dirty="0" smtClean="0">
-                <a:ln>
-                  <a:noFill/>
-                </a:ln>
-                <a:solidFill>
-                  <a:srgbClr val="000000"/>
-                </a:solidFill>
-                <a:effectLst/>
-                <a:latin typeface="Lucida Console" panose="020B0609040504020204" pitchFamily="49" charset="0"/>
-              </a:rPr>
-              <a:t>      </a:t>
-            </a:r>
-            <a:r>
-              <a:rPr kumimoji="0" lang="zh-CN" altLang="zh-CN" sz="1400" b="0" i="0" u="none" strike="noStrike" cap="none" normalizeH="0" baseline="0" dirty="0" smtClean="0">
-                <a:ln>
-                  <a:noFill/>
-                </a:ln>
-                <a:solidFill>
-                  <a:srgbClr val="000000"/>
-                </a:solidFill>
-                <a:effectLst/>
-                <a:latin typeface="Lucida Console" panose="020B0609040504020204" pitchFamily="49" charset="0"/>
-              </a:rPr>
-              <a:t>2008-10-01 uk </a:t>
-            </a:r>
-            <a:r>
-              <a:rPr kumimoji="0" lang="en-US" altLang="zh-CN" sz="1400" b="0" i="0" u="none" strike="noStrike" cap="none" normalizeH="0" baseline="0" dirty="0" smtClean="0">
-                <a:ln>
-                  <a:noFill/>
-                </a:ln>
-                <a:solidFill>
-                  <a:srgbClr val="000000"/>
-                </a:solidFill>
-                <a:effectLst/>
-                <a:latin typeface="Lucida Console" panose="020B0609040504020204" pitchFamily="49" charset="0"/>
-              </a:rPr>
-              <a:t>     </a:t>
-            </a:r>
-            <a:r>
-              <a:rPr kumimoji="0" lang="zh-CN" altLang="zh-CN" sz="1400" b="0" i="0" u="none" strike="noStrike" cap="none" normalizeH="0" baseline="0" dirty="0" smtClean="0">
-                <a:ln>
-                  <a:noFill/>
-                </a:ln>
-                <a:solidFill>
-                  <a:srgbClr val="000000"/>
-                </a:solidFill>
-                <a:effectLst/>
-                <a:latin typeface="Lucida Console" panose="020B0609040504020204" pitchFamily="49" charset="0"/>
-              </a:rPr>
-              <a:t>F </a:t>
-            </a:r>
-            <a:r>
-              <a:rPr kumimoji="0" lang="en-US" altLang="zh-CN" sz="1400" b="0" i="0" u="none" strike="noStrike" cap="none" normalizeH="0" baseline="0" dirty="0" smtClean="0">
-                <a:ln>
-                  <a:noFill/>
-                </a:ln>
-                <a:solidFill>
-                  <a:srgbClr val="000000"/>
-                </a:solidFill>
-                <a:effectLst/>
-                <a:latin typeface="Lucida Console" panose="020B0609040504020204" pitchFamily="49" charset="0"/>
-              </a:rPr>
-              <a:t>     </a:t>
-            </a:r>
-            <a:r>
-              <a:rPr kumimoji="0" lang="zh-CN" altLang="zh-CN" sz="1400" b="0" i="0" u="none" strike="noStrike" cap="none" normalizeH="0" baseline="0" dirty="0" smtClean="0">
-                <a:ln>
-                  <a:noFill/>
-                </a:ln>
-                <a:solidFill>
-                  <a:srgbClr val="000000"/>
-                </a:solidFill>
-                <a:effectLst/>
-                <a:latin typeface="Lucida Console" panose="020B0609040504020204" pitchFamily="49" charset="0"/>
-              </a:rPr>
-              <a:t>25 </a:t>
-            </a:r>
-            <a:r>
-              <a:rPr kumimoji="0" lang="en-US" altLang="zh-CN" sz="1400" b="0" i="0" u="none" strike="noStrike" cap="none" normalizeH="0" baseline="0" dirty="0" smtClean="0">
-                <a:ln>
-                  <a:noFill/>
-                </a:ln>
-                <a:solidFill>
-                  <a:srgbClr val="000000"/>
-                </a:solidFill>
-                <a:effectLst/>
-                <a:latin typeface="Lucida Console" panose="020B0609040504020204" pitchFamily="49" charset="0"/>
-              </a:rPr>
-              <a:t> </a:t>
-            </a:r>
-            <a:r>
-              <a:rPr kumimoji="0" lang="zh-CN" altLang="zh-CN" sz="1400" b="0" i="0" u="none" strike="noStrike" cap="none" normalizeH="0" baseline="0" dirty="0" smtClean="0">
-                <a:ln>
-                  <a:noFill/>
-                </a:ln>
-                <a:solidFill>
-                  <a:srgbClr val="000000"/>
-                </a:solidFill>
-                <a:effectLst/>
-                <a:latin typeface="Lucida Console" panose="020B0609040504020204" pitchFamily="49" charset="0"/>
-              </a:rPr>
-              <a:t>3 </a:t>
-            </a:r>
-            <a:r>
-              <a:rPr kumimoji="0" lang="en-US" altLang="zh-CN" sz="1400" b="0" i="0" u="none" strike="noStrike" cap="none" normalizeH="0" baseline="0" dirty="0" smtClean="0">
-                <a:ln>
-                  <a:noFill/>
-                </a:ln>
-                <a:solidFill>
-                  <a:srgbClr val="000000"/>
-                </a:solidFill>
-                <a:effectLst/>
-                <a:latin typeface="Lucida Console" panose="020B0609040504020204" pitchFamily="49" charset="0"/>
-              </a:rPr>
-              <a:t> </a:t>
-            </a:r>
-            <a:r>
-              <a:rPr kumimoji="0" lang="zh-CN" altLang="zh-CN" sz="1400" b="0" i="0" u="none" strike="noStrike" cap="none" normalizeH="0" baseline="0" dirty="0" smtClean="0">
-                <a:ln>
-                  <a:noFill/>
-                </a:ln>
-                <a:solidFill>
-                  <a:srgbClr val="000000"/>
-                </a:solidFill>
-                <a:effectLst/>
-                <a:latin typeface="Lucida Console" panose="020B0609040504020204" pitchFamily="49" charset="0"/>
-              </a:rPr>
-              <a:t>5 </a:t>
-            </a:r>
-            <a:endParaRPr kumimoji="0" lang="en-US" altLang="zh-CN" sz="1400" b="0" i="0" u="none" strike="noStrike" cap="none" normalizeH="0" baseline="0" dirty="0" smtClean="0">
-              <a:ln>
-                <a:noFill/>
-              </a:ln>
-              <a:solidFill>
-                <a:srgbClr val="000000"/>
-              </a:solidFill>
-              <a:effectLst/>
-              <a:latin typeface="Lucida Console" panose="020B0609040504020204" pitchFamily="49" charset="0"/>
-            </a:endParaRPr>
-          </a:p>
-          <a:p>
-            <a:pPr marL="0" marR="0" lvl="0" indent="0" algn="l" defTabSz="914400" rtl="0" eaLnBrk="0" fontAlgn="base" latinLnBrk="0" hangingPunct="0">
-              <a:lnSpc>
-                <a:spcPct val="100000"/>
-              </a:lnSpc>
-              <a:spcBef>
-                <a:spcPct val="0"/>
-              </a:spcBef>
-              <a:spcAft>
-                <a:spcPct val="0"/>
-              </a:spcAft>
-              <a:buClrTx/>
-              <a:buSzTx/>
-              <a:buFontTx/>
-              <a:buNone/>
-            </a:pPr>
-            <a:r>
-              <a:rPr kumimoji="0" lang="zh-CN" altLang="zh-CN" sz="1400" b="0" i="0" u="none" strike="noStrike" cap="none" normalizeH="0" baseline="0" dirty="0" smtClean="0">
-                <a:ln>
-                  <a:noFill/>
-                </a:ln>
-                <a:solidFill>
-                  <a:srgbClr val="000000"/>
-                </a:solidFill>
-                <a:effectLst/>
-                <a:latin typeface="Lucida Console" panose="020B0609040504020204" pitchFamily="49" charset="0"/>
-              </a:rPr>
-              <a:t>4 4 </a:t>
-            </a:r>
-            <a:r>
-              <a:rPr kumimoji="0" lang="en-US" altLang="zh-CN" sz="1400" b="0" i="0" u="none" strike="noStrike" cap="none" normalizeH="0" baseline="0" dirty="0" smtClean="0">
-                <a:ln>
-                  <a:noFill/>
-                </a:ln>
-                <a:solidFill>
-                  <a:srgbClr val="000000"/>
-                </a:solidFill>
-                <a:effectLst/>
-                <a:latin typeface="Lucida Console" panose="020B0609040504020204" pitchFamily="49" charset="0"/>
-              </a:rPr>
-              <a:t>      </a:t>
-            </a:r>
-            <a:r>
-              <a:rPr kumimoji="0" lang="zh-CN" altLang="zh-CN" sz="1400" b="0" i="0" u="none" strike="noStrike" cap="none" normalizeH="0" baseline="0" dirty="0" smtClean="0">
-                <a:ln>
-                  <a:noFill/>
-                </a:ln>
-                <a:solidFill>
-                  <a:srgbClr val="000000"/>
-                </a:solidFill>
-                <a:effectLst/>
-                <a:latin typeface="Lucida Console" panose="020B0609040504020204" pitchFamily="49" charset="0"/>
-              </a:rPr>
-              <a:t>2008-10-12 uk </a:t>
-            </a:r>
-            <a:r>
-              <a:rPr kumimoji="0" lang="en-US" altLang="zh-CN" sz="1400" b="0" i="0" u="none" strike="noStrike" cap="none" normalizeH="0" baseline="0" dirty="0" smtClean="0">
-                <a:ln>
-                  <a:noFill/>
-                </a:ln>
-                <a:solidFill>
-                  <a:srgbClr val="000000"/>
-                </a:solidFill>
-                <a:effectLst/>
-                <a:latin typeface="Lucida Console" panose="020B0609040504020204" pitchFamily="49" charset="0"/>
-              </a:rPr>
-              <a:t>     </a:t>
-            </a:r>
-            <a:r>
-              <a:rPr kumimoji="0" lang="zh-CN" altLang="zh-CN" sz="1400" b="0" i="0" u="none" strike="noStrike" cap="none" normalizeH="0" baseline="0" dirty="0" smtClean="0">
-                <a:ln>
-                  <a:noFill/>
-                </a:ln>
-                <a:solidFill>
-                  <a:srgbClr val="000000"/>
-                </a:solidFill>
-                <a:effectLst/>
-                <a:latin typeface="Lucida Console" panose="020B0609040504020204" pitchFamily="49" charset="0"/>
-              </a:rPr>
-              <a:t>M </a:t>
-            </a:r>
-            <a:r>
-              <a:rPr kumimoji="0" lang="en-US" altLang="zh-CN" sz="1400" b="0" i="0" u="none" strike="noStrike" cap="none" normalizeH="0" baseline="0" dirty="0" smtClean="0">
-                <a:ln>
-                  <a:noFill/>
-                </a:ln>
-                <a:solidFill>
-                  <a:srgbClr val="000000"/>
-                </a:solidFill>
-                <a:effectLst/>
-                <a:latin typeface="Lucida Console" panose="020B0609040504020204" pitchFamily="49" charset="0"/>
-              </a:rPr>
-              <a:t>     </a:t>
-            </a:r>
-            <a:r>
-              <a:rPr kumimoji="0" lang="zh-CN" altLang="zh-CN" sz="1400" b="0" i="0" u="none" strike="noStrike" cap="none" normalizeH="0" baseline="0" dirty="0" smtClean="0">
-                <a:ln>
-                  <a:noFill/>
-                </a:ln>
-                <a:solidFill>
-                  <a:srgbClr val="000000"/>
-                </a:solidFill>
-                <a:effectLst/>
-                <a:latin typeface="Lucida Console" panose="020B0609040504020204" pitchFamily="49" charset="0"/>
-              </a:rPr>
-              <a:t>39 </a:t>
-            </a:r>
-            <a:r>
-              <a:rPr kumimoji="0" lang="en-US" altLang="zh-CN" sz="1400" b="0" i="0" u="none" strike="noStrike" cap="none" normalizeH="0" baseline="0" dirty="0" smtClean="0">
-                <a:ln>
-                  <a:noFill/>
-                </a:ln>
-                <a:solidFill>
-                  <a:srgbClr val="000000"/>
-                </a:solidFill>
-                <a:effectLst/>
-                <a:latin typeface="Lucida Console" panose="020B0609040504020204" pitchFamily="49" charset="0"/>
-              </a:rPr>
-              <a:t> </a:t>
-            </a:r>
-            <a:r>
-              <a:rPr kumimoji="0" lang="zh-CN" altLang="zh-CN" sz="1400" b="0" i="0" u="none" strike="noStrike" cap="none" normalizeH="0" baseline="0" dirty="0" smtClean="0">
-                <a:ln>
-                  <a:noFill/>
-                </a:ln>
-                <a:solidFill>
-                  <a:srgbClr val="000000"/>
-                </a:solidFill>
-                <a:effectLst/>
-                <a:latin typeface="Lucida Console" panose="020B0609040504020204" pitchFamily="49" charset="0"/>
-              </a:rPr>
-              <a:t>3 </a:t>
-            </a:r>
-            <a:r>
-              <a:rPr kumimoji="0" lang="en-US" altLang="zh-CN" sz="1400" b="0" i="0" u="none" strike="noStrike" cap="none" normalizeH="0" baseline="0" dirty="0" smtClean="0">
-                <a:ln>
-                  <a:noFill/>
-                </a:ln>
-                <a:solidFill>
-                  <a:srgbClr val="000000"/>
-                </a:solidFill>
-                <a:effectLst/>
-                <a:latin typeface="Lucida Console" panose="020B0609040504020204" pitchFamily="49" charset="0"/>
-              </a:rPr>
-              <a:t> </a:t>
-            </a:r>
-            <a:r>
-              <a:rPr kumimoji="0" lang="zh-CN" altLang="zh-CN" sz="1400" b="0" i="0" u="none" strike="noStrike" cap="none" normalizeH="0" baseline="0" dirty="0" smtClean="0">
-                <a:ln>
-                  <a:noFill/>
-                </a:ln>
-                <a:solidFill>
-                  <a:srgbClr val="000000"/>
-                </a:solidFill>
-                <a:effectLst/>
-                <a:latin typeface="Lucida Console" panose="020B0609040504020204" pitchFamily="49" charset="0"/>
-              </a:rPr>
-              <a:t>3 </a:t>
-            </a:r>
-            <a:endParaRPr kumimoji="0" lang="en-US" altLang="zh-CN" sz="1400" b="0" i="0" u="none" strike="noStrike" cap="none" normalizeH="0" baseline="0" dirty="0" smtClean="0">
-              <a:ln>
-                <a:noFill/>
-              </a:ln>
-              <a:solidFill>
-                <a:srgbClr val="000000"/>
-              </a:solidFill>
-              <a:effectLst/>
-              <a:latin typeface="Lucida Console" panose="020B0609040504020204" pitchFamily="49" charset="0"/>
-            </a:endParaRPr>
-          </a:p>
-          <a:p>
-            <a:pPr marL="0" marR="0" lvl="0" indent="0" algn="l" defTabSz="914400" rtl="0" eaLnBrk="0" fontAlgn="base" latinLnBrk="0" hangingPunct="0">
-              <a:lnSpc>
-                <a:spcPct val="100000"/>
-              </a:lnSpc>
-              <a:spcBef>
-                <a:spcPct val="0"/>
-              </a:spcBef>
-              <a:spcAft>
-                <a:spcPct val="0"/>
-              </a:spcAft>
-              <a:buClrTx/>
-              <a:buSzTx/>
-              <a:buFontTx/>
-              <a:buNone/>
-            </a:pPr>
-            <a:r>
-              <a:rPr kumimoji="0" lang="zh-CN" altLang="zh-CN" sz="1400" b="0" i="0" u="none" strike="noStrike" cap="none" normalizeH="0" baseline="0" dirty="0" smtClean="0">
-                <a:ln>
-                  <a:noFill/>
-                </a:ln>
-                <a:solidFill>
-                  <a:srgbClr val="000000"/>
-                </a:solidFill>
-                <a:effectLst/>
-                <a:latin typeface="Lucida Console" panose="020B0609040504020204" pitchFamily="49" charset="0"/>
-              </a:rPr>
-              <a:t>5 5 </a:t>
-            </a:r>
-            <a:r>
-              <a:rPr kumimoji="0" lang="en-US" altLang="zh-CN" sz="1400" b="0" i="0" u="none" strike="noStrike" cap="none" normalizeH="0" baseline="0" dirty="0" smtClean="0">
-                <a:ln>
-                  <a:noFill/>
-                </a:ln>
-                <a:solidFill>
-                  <a:srgbClr val="000000"/>
-                </a:solidFill>
-                <a:effectLst/>
-                <a:latin typeface="Lucida Console" panose="020B0609040504020204" pitchFamily="49" charset="0"/>
-              </a:rPr>
-              <a:t>      </a:t>
-            </a:r>
-            <a:r>
-              <a:rPr kumimoji="0" lang="zh-CN" altLang="zh-CN" sz="1400" b="0" i="0" u="none" strike="noStrike" cap="none" normalizeH="0" baseline="0" dirty="0" smtClean="0">
-                <a:ln>
-                  <a:noFill/>
-                </a:ln>
-                <a:solidFill>
-                  <a:srgbClr val="000000"/>
-                </a:solidFill>
-                <a:effectLst/>
-                <a:latin typeface="Lucida Console" panose="020B0609040504020204" pitchFamily="49" charset="0"/>
-              </a:rPr>
-              <a:t>2009-05-01 uk </a:t>
-            </a:r>
-            <a:r>
-              <a:rPr kumimoji="0" lang="en-US" altLang="zh-CN" sz="1400" b="0" i="0" u="none" strike="noStrike" cap="none" normalizeH="0" baseline="0" dirty="0" smtClean="0">
-                <a:ln>
-                  <a:noFill/>
-                </a:ln>
-                <a:solidFill>
-                  <a:srgbClr val="000000"/>
-                </a:solidFill>
-                <a:effectLst/>
-                <a:latin typeface="Lucida Console" panose="020B0609040504020204" pitchFamily="49" charset="0"/>
-              </a:rPr>
-              <a:t>     </a:t>
-            </a:r>
-            <a:r>
-              <a:rPr kumimoji="0" lang="zh-CN" altLang="zh-CN" sz="1400" b="0" i="0" u="none" strike="noStrike" cap="none" normalizeH="0" baseline="0" dirty="0" smtClean="0">
-                <a:ln>
-                  <a:noFill/>
-                </a:ln>
-                <a:solidFill>
-                  <a:srgbClr val="000000"/>
-                </a:solidFill>
-                <a:effectLst/>
-                <a:latin typeface="Lucida Console" panose="020B0609040504020204" pitchFamily="49" charset="0"/>
-              </a:rPr>
-              <a:t>F </a:t>
-            </a:r>
-            <a:r>
-              <a:rPr kumimoji="0" lang="en-US" altLang="zh-CN" sz="1400" b="0" i="0" u="none" strike="noStrike" cap="none" normalizeH="0" baseline="0" dirty="0" smtClean="0">
-                <a:ln>
-                  <a:noFill/>
-                </a:ln>
-                <a:solidFill>
-                  <a:srgbClr val="000000"/>
-                </a:solidFill>
-                <a:effectLst/>
-                <a:latin typeface="Lucida Console" panose="020B0609040504020204" pitchFamily="49" charset="0"/>
-              </a:rPr>
-              <a:t>     </a:t>
-            </a:r>
-            <a:r>
-              <a:rPr kumimoji="0" lang="zh-CN" altLang="zh-CN" sz="1400" b="0" i="0" u="none" strike="noStrike" cap="none" normalizeH="0" baseline="0" dirty="0" smtClean="0">
-                <a:ln>
-                  <a:noFill/>
-                </a:ln>
-                <a:solidFill>
-                  <a:srgbClr val="000000"/>
-                </a:solidFill>
-                <a:effectLst/>
-                <a:latin typeface="Lucida Console" panose="020B0609040504020204" pitchFamily="49" charset="0"/>
-              </a:rPr>
-              <a:t>99 </a:t>
-            </a:r>
-            <a:r>
-              <a:rPr kumimoji="0" lang="en-US" altLang="zh-CN" sz="1400" b="0" i="0" u="none" strike="noStrike" cap="none" normalizeH="0" baseline="0" dirty="0" smtClean="0">
-                <a:ln>
-                  <a:noFill/>
-                </a:ln>
-                <a:solidFill>
-                  <a:srgbClr val="000000"/>
-                </a:solidFill>
-                <a:effectLst/>
-                <a:latin typeface="Lucida Console" panose="020B0609040504020204" pitchFamily="49" charset="0"/>
-              </a:rPr>
-              <a:t> </a:t>
-            </a:r>
-            <a:r>
-              <a:rPr kumimoji="0" lang="zh-CN" altLang="zh-CN" sz="1400" b="0" i="0" u="none" strike="noStrike" cap="none" normalizeH="0" baseline="0" dirty="0" smtClean="0">
-                <a:ln>
-                  <a:noFill/>
-                </a:ln>
-                <a:solidFill>
-                  <a:srgbClr val="000000"/>
-                </a:solidFill>
-                <a:effectLst/>
-                <a:latin typeface="Lucida Console" panose="020B0609040504020204" pitchFamily="49" charset="0"/>
-              </a:rPr>
-              <a:t>2 </a:t>
-            </a:r>
-            <a:r>
-              <a:rPr kumimoji="0" lang="en-US" altLang="zh-CN" sz="1400" b="0" i="0" u="none" strike="noStrike" cap="none" normalizeH="0" baseline="0" dirty="0" smtClean="0">
-                <a:ln>
-                  <a:noFill/>
-                </a:ln>
-                <a:solidFill>
-                  <a:srgbClr val="000000"/>
-                </a:solidFill>
-                <a:effectLst/>
-                <a:latin typeface="Lucida Console" panose="020B0609040504020204" pitchFamily="49" charset="0"/>
-              </a:rPr>
-              <a:t> </a:t>
-            </a:r>
-            <a:r>
-              <a:rPr kumimoji="0" lang="zh-CN" altLang="zh-CN" sz="1400" b="0" i="0" u="none" strike="noStrike" cap="none" normalizeH="0" baseline="0" dirty="0" smtClean="0">
-                <a:ln>
-                  <a:noFill/>
-                </a:ln>
-                <a:solidFill>
-                  <a:srgbClr val="000000"/>
-                </a:solidFill>
-                <a:effectLst/>
-                <a:latin typeface="Lucida Console" panose="020B0609040504020204" pitchFamily="49" charset="0"/>
-              </a:rPr>
-              <a:t>2</a:t>
-            </a:r>
-            <a:endParaRPr kumimoji="0" lang="zh-CN" altLang="zh-CN" sz="3200" b="0" i="0" u="none" strike="noStrike" cap="none" normalizeH="0" baseline="0" dirty="0" smtClean="0">
-              <a:ln>
-                <a:noFill/>
-              </a:ln>
-              <a:solidFill>
-                <a:schemeClr val="tx1"/>
-              </a:solidFill>
-              <a:effectLst/>
-              <a:latin typeface="Arial" panose="020B0604020202020204" pitchFamily="34" charset="0"/>
-            </a:endParaRPr>
-          </a:p>
-        </p:txBody>
-      </p:sp>
-    </p:spTree>
-  </p:cSld>
-  <p:clrMapOvr>
-    <a:masterClrMapping/>
-  </p:clrMapOvr>
-  <p:timing>
-    <p:tnLst>
-      <p:par>
-        <p:cTn id="1" dur="indefinite" restart="never" nodeType="tmRoot"/>
-      </p:par>
-    </p:tnLst>
-  </p:timing>
-</p:sld>
-</file>
-
-<file path=ppt/slides/slide17.xml><?xml version="1.0" encoding="utf-8"?>
-<p:sld xmlns:a="http://schemas.openxmlformats.org/drawingml/2006/main" xmlns:r="http://schemas.openxmlformats.org/officeDocument/2006/relationships" xmlns:p="http://schemas.openxmlformats.org/presentationml/2006/main">
-  <p:cSld>
-    <p:spTree>
-      <p:nvGrpSpPr>
-        <p:cNvPr id="1" name=""/>
-        <p:cNvGrpSpPr/>
-        <p:nvPr/>
-      </p:nvGrpSpPr>
-      <p:grpSpPr>
-        <a:xfrm>
-          <a:off x="0" y="0"/>
-          <a:ext cx="0" cy="0"/>
-          <a:chOff x="0" y="0"/>
-          <a:chExt cx="0" cy="0"/>
-        </a:xfrm>
-      </p:grpSpPr>
-      <p:sp>
-        <p:nvSpPr>
-          <p:cNvPr id="2" name="标题 1"/>
-          <p:cNvSpPr>
-            <a:spLocks noGrp="1"/>
-          </p:cNvSpPr>
-          <p:nvPr>
-            <p:ph type="title"/>
-          </p:nvPr>
-        </p:nvSpPr>
-        <p:spPr/>
-        <p:txBody>
-          <a:bodyPr>
-            <a:normAutofit/>
-          </a:bodyPr>
-          <a:lstStyle/>
-          <a:p>
-            <a:r>
               <a:rPr lang="zh-CN" altLang="en-US" sz="3200" dirty="0" smtClean="0"/>
               <a:t>数据类型判断与转换命令</a:t>
             </a:r>
@@ -12819,11 +12031,16 @@
           </p:cNvGraphicFramePr>
           <p:nvPr>
             <p:ph idx="1"/>
+            <p:extLst>
+              <p:ext uri="{D42A27DB-BD31-4B8C-83A1-F6EECF244321}">
+                <p14:modId xmlns:p14="http://schemas.microsoft.com/office/powerpoint/2010/main" val="2039473987"/>
+              </p:ext>
+            </p:extLst>
           </p:nvPr>
         </p:nvGraphicFramePr>
         <p:xfrm>
           <a:off x="1096963" y="1846263"/>
-          <a:ext cx="10058400" cy="2966720"/>
+          <a:ext cx="10058400" cy="3337560"/>
         </p:xfrm>
         <a:graphic>
           <a:graphicData uri="http://schemas.openxmlformats.org/drawingml/2006/table">
@@ -13183,6 +12400,37 @@
                   </a:ext>
                 </a:extLst>
               </a:tr>
+              <a:tr h="370840">
+                <a:tc>
+                  <a:txBody>
+                    <a:bodyPr/>
+                    <a:lstStyle/>
+                    <a:p>
+                      <a:r>
+                        <a:rPr lang="en-US" altLang="zh-CN" dirty="0" smtClean="0"/>
+                        <a:t>is.na()</a:t>
+                      </a:r>
+                      <a:endParaRPr lang="zh-CN" altLang="en-US" dirty="0"/>
+                    </a:p>
+                  </a:txBody>
+                  <a:tcPr/>
+                </a:tc>
+                <a:tc>
+                  <a:txBody>
+                    <a:bodyPr/>
+                    <a:lstStyle/>
+                    <a:p>
+                      <a:endParaRPr lang="zh-CN" altLang="en-US" dirty="0"/>
+                    </a:p>
+                  </a:txBody>
+                  <a:tcPr/>
+                </a:tc>
+                <a:extLst>
+                  <a:ext uri="{0D108BD9-81ED-4DB2-BD59-A6C34878D82A}">
+                    <a16:rowId xmlns:a16="http://schemas.microsoft.com/office/drawing/2014/main" val="4209981129"/>
+                  </a:ext>
+                </a:extLst>
+              </a:tr>
             </a:tbl>
           </a:graphicData>
         </a:graphic>
@@ -13339,7 +12587,7 @@
 </p:sld>
 </file>
 
-<file path=ppt/slides/slide18.xml><?xml version="1.0" encoding="utf-8"?>
+<file path=ppt/slides/slide17.xml><?xml version="1.0" encoding="utf-8"?>
 <p:sld xmlns:a="http://schemas.openxmlformats.org/drawingml/2006/main" xmlns:r="http://schemas.openxmlformats.org/officeDocument/2006/relationships" xmlns:p="http://schemas.openxmlformats.org/presentationml/2006/main">
   <p:cSld>
     <p:spTree>
@@ -13575,7 +12823,7 @@
 </p:sld>
 </file>
 
-<file path=ppt/slides/slide19.xml><?xml version="1.0" encoding="utf-8"?>
+<file path=ppt/slides/slide18.xml><?xml version="1.0" encoding="utf-8"?>
 <p:sld xmlns:a="http://schemas.openxmlformats.org/drawingml/2006/main" xmlns:r="http://schemas.openxmlformats.org/officeDocument/2006/relationships" xmlns:p="http://schemas.openxmlformats.org/presentationml/2006/main">
   <p:cSld>
     <p:spTree>
@@ -14820,7 +14068,7 @@
         </p:nvSpPr>
         <p:spPr>
           <a:xfrm rot="16200000">
-            <a:off x="1842553" y="3181516"/>
+            <a:off x="1497291" y="1741182"/>
             <a:ext cx="948208" cy="369332"/>
           </a:xfrm>
           <a:prstGeom prst="rect">
@@ -14858,7 +14106,7 @@
         </p:nvSpPr>
         <p:spPr>
           <a:xfrm rot="19806937">
-            <a:off x="2350862" y="3711068"/>
+            <a:off x="2821601" y="1827808"/>
             <a:ext cx="948208" cy="369332"/>
           </a:xfrm>
           <a:prstGeom prst="rect">
@@ -14972,7 +14220,7 @@
         </p:nvSpPr>
         <p:spPr>
           <a:xfrm rot="17008484">
-            <a:off x="3555754" y="3137270"/>
+            <a:off x="2412655" y="5175795"/>
             <a:ext cx="948208" cy="369332"/>
           </a:xfrm>
           <a:prstGeom prst="rect">
@@ -15010,7 +14258,7 @@
         </p:nvSpPr>
         <p:spPr>
           <a:xfrm rot="19021501">
-            <a:off x="3394285" y="3965543"/>
+            <a:off x="3769749" y="5024917"/>
             <a:ext cx="948208" cy="369332"/>
           </a:xfrm>
           <a:prstGeom prst="rect">
@@ -15595,7 +14843,7 @@
                                     </p:set>
                                     <p:animEffect transition="in" filter="fade">
                                       <p:cBhvr>
-                                        <p:cTn id="22" dur="250"/>
+                                        <p:cTn id="22" dur="10"/>
                                         <p:tgtEl>
                                           <p:spTgt spid="7"/>
                                         </p:tgtEl>
@@ -15610,7 +14858,7 @@
                         <p:par>
                           <p:cTn id="23" fill="hold">
                             <p:stCondLst>
-                              <p:cond delay="250"/>
+                              <p:cond delay="10"/>
                             </p:stCondLst>
                             <p:childTnLst>
                               <p:par>
@@ -15639,7 +14887,7 @@
                                     </p:set>
                                     <p:animEffect transition="in" filter="fade">
                                       <p:cBhvr>
-                                        <p:cTn id="26" dur="250"/>
+                                        <p:cTn id="26" dur="10"/>
                                         <p:tgtEl>
                                           <p:spTgt spid="11"/>
                                         </p:tgtEl>
@@ -15654,7 +14902,7 @@
                         <p:par>
                           <p:cTn id="27" fill="hold">
                             <p:stCondLst>
-                              <p:cond delay="500"/>
+                              <p:cond delay="20"/>
                             </p:stCondLst>
                             <p:childTnLst>
                               <p:par>
@@ -15683,7 +14931,7 @@
                                     </p:set>
                                     <p:animEffect transition="in" filter="fade">
                                       <p:cBhvr>
-                                        <p:cTn id="30" dur="250"/>
+                                        <p:cTn id="30" dur="10"/>
                                         <p:tgtEl>
                                           <p:spTgt spid="9"/>
                                         </p:tgtEl>
@@ -15698,7 +14946,7 @@
                         <p:par>
                           <p:cTn id="31" fill="hold">
                             <p:stCondLst>
-                              <p:cond delay="750"/>
+                              <p:cond delay="30"/>
                             </p:stCondLst>
                             <p:childTnLst>
                               <p:par>
@@ -15727,7 +14975,7 @@
                                     </p:set>
                                     <p:animEffect transition="in" filter="fade">
                                       <p:cBhvr>
-                                        <p:cTn id="34" dur="250"/>
+                                        <p:cTn id="34" dur="10"/>
                                         <p:tgtEl>
                                           <p:spTgt spid="14"/>
                                         </p:tgtEl>
@@ -15742,7 +14990,7 @@
                         <p:par>
                           <p:cTn id="35" fill="hold">
                             <p:stCondLst>
-                              <p:cond delay="1000"/>
+                              <p:cond delay="40"/>
                             </p:stCondLst>
                             <p:childTnLst>
                               <p:par>
@@ -15771,7 +15019,7 @@
                                     </p:set>
                                     <p:animEffect transition="in" filter="fade">
                                       <p:cBhvr>
-                                        <p:cTn id="38" dur="250"/>
+                                        <p:cTn id="38" dur="10"/>
                                         <p:tgtEl>
                                           <p:spTgt spid="8"/>
                                         </p:tgtEl>
@@ -15786,7 +15034,7 @@
                         <p:par>
                           <p:cTn id="39" fill="hold">
                             <p:stCondLst>
-                              <p:cond delay="1250"/>
+                              <p:cond delay="50"/>
                             </p:stCondLst>
                             <p:childTnLst>
                               <p:par>
@@ -15815,7 +15063,7 @@
                                     </p:set>
                                     <p:animEffect transition="in" filter="fade">
                                       <p:cBhvr>
-                                        <p:cTn id="42" dur="250"/>
+                                        <p:cTn id="42" dur="10"/>
                                         <p:tgtEl>
                                           <p:spTgt spid="13"/>
                                         </p:tgtEl>
@@ -15830,7 +15078,7 @@
                         <p:par>
                           <p:cTn id="43" fill="hold">
                             <p:stCondLst>
-                              <p:cond delay="1500"/>
+                              <p:cond delay="60"/>
                             </p:stCondLst>
                             <p:childTnLst>
                               <p:par>
@@ -15859,7 +15107,7 @@
                                     </p:set>
                                     <p:animEffect transition="in" filter="fade">
                                       <p:cBhvr>
-                                        <p:cTn id="46" dur="250"/>
+                                        <p:cTn id="46" dur="10"/>
                                         <p:tgtEl>
                                           <p:spTgt spid="16"/>
                                         </p:tgtEl>
@@ -15874,7 +15122,7 @@
                         <p:par>
                           <p:cTn id="47" fill="hold">
                             <p:stCondLst>
-                              <p:cond delay="1750"/>
+                              <p:cond delay="70"/>
                             </p:stCondLst>
                             <p:childTnLst>
                               <p:par>
@@ -15903,7 +15151,7 @@
                                     </p:set>
                                     <p:animEffect transition="in" filter="fade">
                                       <p:cBhvr>
-                                        <p:cTn id="50" dur="250"/>
+                                        <p:cTn id="50" dur="10"/>
                                         <p:tgtEl>
                                           <p:spTgt spid="12"/>
                                         </p:tgtEl>
@@ -15918,7 +15166,7 @@
                         <p:par>
                           <p:cTn id="51" fill="hold">
                             <p:stCondLst>
-                              <p:cond delay="2000"/>
+                              <p:cond delay="80"/>
                             </p:stCondLst>
                             <p:childTnLst>
                               <p:par>
@@ -15947,7 +15195,7 @@
                                     </p:set>
                                     <p:animEffect transition="in" filter="fade">
                                       <p:cBhvr>
-                                        <p:cTn id="54" dur="250"/>
+                                        <p:cTn id="54" dur="10"/>
                                         <p:tgtEl>
                                           <p:spTgt spid="15"/>
                                         </p:tgtEl>
@@ -15962,7 +15210,7 @@
                         <p:par>
                           <p:cTn id="55" fill="hold">
                             <p:stCondLst>
-                              <p:cond delay="2250"/>
+                              <p:cond delay="90"/>
                             </p:stCondLst>
                             <p:childTnLst>
                               <p:par>
@@ -15991,7 +15239,7 @@
                                     </p:set>
                                     <p:animEffect transition="in" filter="fade">
                                       <p:cBhvr>
-                                        <p:cTn id="58" dur="250"/>
+                                        <p:cTn id="58" dur="10"/>
                                         <p:tgtEl>
                                           <p:spTgt spid="18"/>
                                         </p:tgtEl>
@@ -16006,7 +15254,7 @@
                         <p:par>
                           <p:cTn id="59" fill="hold">
                             <p:stCondLst>
-                              <p:cond delay="2500"/>
+                              <p:cond delay="100"/>
                             </p:stCondLst>
                             <p:childTnLst>
                               <p:par>
@@ -16035,7 +15283,7 @@
                                     </p:set>
                                     <p:animEffect transition="in" filter="fade">
                                       <p:cBhvr>
-                                        <p:cTn id="62" dur="250"/>
+                                        <p:cTn id="62" dur="10"/>
                                         <p:tgtEl>
                                           <p:spTgt spid="10"/>
                                         </p:tgtEl>
@@ -16050,7 +15298,7 @@
                         <p:par>
                           <p:cTn id="63" fill="hold">
                             <p:stCondLst>
-                              <p:cond delay="2750"/>
+                              <p:cond delay="110"/>
                             </p:stCondLst>
                             <p:childTnLst>
                               <p:par>
@@ -16079,7 +15327,7 @@
                                     </p:set>
                                     <p:animEffect transition="in" filter="fade">
                                       <p:cBhvr>
-                                        <p:cTn id="66" dur="250"/>
+                                        <p:cTn id="66" dur="10"/>
                                         <p:tgtEl>
                                           <p:spTgt spid="17"/>
                                         </p:tgtEl>
@@ -16094,7 +15342,7 @@
                         <p:par>
                           <p:cTn id="67" fill="hold">
                             <p:stCondLst>
-                              <p:cond delay="3000"/>
+                              <p:cond delay="120"/>
                             </p:stCondLst>
                             <p:childTnLst>
                               <p:par>
@@ -16123,7 +15371,7 @@
                                     </p:set>
                                     <p:animEffect transition="in" filter="fade">
                                       <p:cBhvr>
-                                        <p:cTn id="70" dur="250"/>
+                                        <p:cTn id="70" dur="10"/>
                                         <p:tgtEl>
                                           <p:spTgt spid="19"/>
                                         </p:tgtEl>
@@ -16138,7 +15386,7 @@
                         <p:par>
                           <p:cTn id="71" fill="hold">
                             <p:stCondLst>
-                              <p:cond delay="3250"/>
+                              <p:cond delay="130"/>
                             </p:stCondLst>
                             <p:childTnLst>
                               <p:par>
@@ -16167,7 +15415,7 @@
                                     </p:set>
                                     <p:animEffect transition="in" filter="fade">
                                       <p:cBhvr>
-                                        <p:cTn id="74" dur="250"/>
+                                        <p:cTn id="74" dur="10"/>
                                         <p:tgtEl>
                                           <p:spTgt spid="20"/>
                                         </p:tgtEl>
@@ -16182,7 +15430,7 @@
                         <p:par>
                           <p:cTn id="75" fill="hold">
                             <p:stCondLst>
-                              <p:cond delay="3500"/>
+                              <p:cond delay="140"/>
                             </p:stCondLst>
                             <p:childTnLst>
                               <p:par>
@@ -16211,7 +15459,7 @@
                                     </p:set>
                                     <p:animEffect transition="in" filter="fade">
                                       <p:cBhvr>
-                                        <p:cTn id="78" dur="250"/>
+                                        <p:cTn id="78" dur="10"/>
                                         <p:tgtEl>
                                           <p:spTgt spid="21"/>
                                         </p:tgtEl>
@@ -16226,7 +15474,7 @@
                         <p:par>
                           <p:cTn id="79" fill="hold">
                             <p:stCondLst>
-                              <p:cond delay="3750"/>
+                              <p:cond delay="150"/>
                             </p:stCondLst>
                             <p:childTnLst>
                               <p:par>
@@ -16255,7 +15503,7 @@
                                     </p:set>
                                     <p:animEffect transition="in" filter="fade">
                                       <p:cBhvr>
-                                        <p:cTn id="82" dur="250"/>
+                                        <p:cTn id="82" dur="10"/>
                                         <p:tgtEl>
                                           <p:spTgt spid="22"/>
                                         </p:tgtEl>
@@ -16270,7 +15518,7 @@
                         <p:par>
                           <p:cTn id="83" fill="hold">
                             <p:stCondLst>
-                              <p:cond delay="4000"/>
+                              <p:cond delay="160"/>
                             </p:stCondLst>
                             <p:childTnLst>
                               <p:par>
@@ -16299,7 +15547,7 @@
                                     </p:set>
                                     <p:animEffect transition="in" filter="fade">
                                       <p:cBhvr>
-                                        <p:cTn id="86" dur="250"/>
+                                        <p:cTn id="86" dur="10"/>
                                         <p:tgtEl>
                                           <p:spTgt spid="23"/>
                                         </p:tgtEl>
@@ -16314,7 +15562,7 @@
                         <p:par>
                           <p:cTn id="87" fill="hold">
                             <p:stCondLst>
-                              <p:cond delay="4250"/>
+                              <p:cond delay="170"/>
                             </p:stCondLst>
                             <p:childTnLst>
                               <p:par>
@@ -16343,7 +15591,7 @@
                                     </p:set>
                                     <p:animEffect transition="in" filter="fade">
                                       <p:cBhvr>
-                                        <p:cTn id="90" dur="250"/>
+                                        <p:cTn id="90" dur="10"/>
                                         <p:tgtEl>
                                           <p:spTgt spid="24"/>
                                         </p:tgtEl>
@@ -16358,7 +15606,7 @@
                         <p:par>
                           <p:cTn id="91" fill="hold">
                             <p:stCondLst>
-                              <p:cond delay="4500"/>
+                              <p:cond delay="180"/>
                             </p:stCondLst>
                             <p:childTnLst>
                               <p:par>
@@ -16387,7 +15635,7 @@
                                     </p:set>
                                     <p:animEffect transition="in" filter="fade">
                                       <p:cBhvr>
-                                        <p:cTn id="94" dur="250"/>
+                                        <p:cTn id="94" dur="10"/>
                                         <p:tgtEl>
                                           <p:spTgt spid="25"/>
                                         </p:tgtEl>
@@ -16402,7 +15650,7 @@
                         <p:par>
                           <p:cTn id="95" fill="hold">
                             <p:stCondLst>
-                              <p:cond delay="4750"/>
+                              <p:cond delay="190"/>
                             </p:stCondLst>
                             <p:childTnLst>
                               <p:par>
@@ -16431,7 +15679,7 @@
                                     </p:set>
                                     <p:animEffect transition="in" filter="fade">
                                       <p:cBhvr>
-                                        <p:cTn id="98" dur="250"/>
+                                        <p:cTn id="98" dur="10"/>
                                         <p:tgtEl>
                                           <p:spTgt spid="26"/>
                                         </p:tgtEl>
@@ -16446,7 +15694,7 @@
                         <p:par>
                           <p:cTn id="99" fill="hold">
                             <p:stCondLst>
-                              <p:cond delay="5000"/>
+                              <p:cond delay="200"/>
                             </p:stCondLst>
                             <p:childTnLst>
                               <p:par>
@@ -16475,7 +15723,7 @@
                                     </p:set>
                                     <p:animEffect transition="in" filter="fade">
                                       <p:cBhvr>
-                                        <p:cTn id="102" dur="250"/>
+                                        <p:cTn id="102" dur="10"/>
                                         <p:tgtEl>
                                           <p:spTgt spid="27"/>
                                         </p:tgtEl>
@@ -16490,7 +15738,7 @@
                         <p:par>
                           <p:cTn id="103" fill="hold">
                             <p:stCondLst>
-                              <p:cond delay="5250"/>
+                              <p:cond delay="210"/>
                             </p:stCondLst>
                             <p:childTnLst>
                               <p:par>
@@ -16519,7 +15767,7 @@
                                     </p:set>
                                     <p:animEffect transition="in" filter="fade">
                                       <p:cBhvr>
-                                        <p:cTn id="106" dur="250"/>
+                                        <p:cTn id="106" dur="10"/>
                                         <p:tgtEl>
                                           <p:spTgt spid="28"/>
                                         </p:tgtEl>
@@ -16534,7 +15782,7 @@
                         <p:par>
                           <p:cTn id="107" fill="hold">
                             <p:stCondLst>
-                              <p:cond delay="5500"/>
+                              <p:cond delay="220"/>
                             </p:stCondLst>
                             <p:childTnLst>
                               <p:par>
@@ -16563,7 +15811,7 @@
                                     </p:set>
                                     <p:animEffect transition="in" filter="fade">
                                       <p:cBhvr>
-                                        <p:cTn id="110" dur="250"/>
+                                        <p:cTn id="110" dur="10"/>
                                         <p:tgtEl>
                                           <p:spTgt spid="29"/>
                                         </p:tgtEl>
@@ -16578,7 +15826,7 @@
                         <p:par>
                           <p:cTn id="111" fill="hold">
                             <p:stCondLst>
-                              <p:cond delay="5750"/>
+                              <p:cond delay="230"/>
                             </p:stCondLst>
                             <p:childTnLst>
                               <p:par>
@@ -16607,7 +15855,7 @@
                                     </p:set>
                                     <p:animEffect transition="in" filter="fade">
                                       <p:cBhvr>
-                                        <p:cTn id="114" dur="250"/>
+                                        <p:cTn id="114" dur="10"/>
                                         <p:tgtEl>
                                           <p:spTgt spid="30"/>
                                         </p:tgtEl>
@@ -16622,7 +15870,7 @@
                         <p:par>
                           <p:cTn id="115" fill="hold">
                             <p:stCondLst>
-                              <p:cond delay="6000"/>
+                              <p:cond delay="240"/>
                             </p:stCondLst>
                             <p:childTnLst>
                               <p:par>
@@ -16651,7 +15899,7 @@
                                     </p:set>
                                     <p:animEffect transition="in" filter="fade">
                                       <p:cBhvr>
-                                        <p:cTn id="118" dur="250"/>
+                                        <p:cTn id="118" dur="10"/>
                                         <p:tgtEl>
                                           <p:spTgt spid="31"/>
                                         </p:tgtEl>
@@ -16666,7 +15914,7 @@
                         <p:par>
                           <p:cTn id="119" fill="hold">
                             <p:stCondLst>
-                              <p:cond delay="6250"/>
+                              <p:cond delay="250"/>
                             </p:stCondLst>
                             <p:childTnLst>
                               <p:par>
@@ -16695,7 +15943,7 @@
                                     </p:set>
                                     <p:animEffect transition="in" filter="fade">
                                       <p:cBhvr>
-                                        <p:cTn id="122" dur="250"/>
+                                        <p:cTn id="122" dur="10"/>
                                         <p:tgtEl>
                                           <p:spTgt spid="32"/>
                                         </p:tgtEl>
@@ -16710,7 +15958,7 @@
                         <p:par>
                           <p:cTn id="123" fill="hold">
                             <p:stCondLst>
-                              <p:cond delay="6500"/>
+                              <p:cond delay="260"/>
                             </p:stCondLst>
                             <p:childTnLst>
                               <p:par>
@@ -16739,7 +15987,7 @@
                                     </p:set>
                                     <p:animEffect transition="in" filter="fade">
                                       <p:cBhvr>
-                                        <p:cTn id="126" dur="250"/>
+                                        <p:cTn id="126" dur="10"/>
                                         <p:tgtEl>
                                           <p:spTgt spid="33"/>
                                         </p:tgtEl>
@@ -16754,7 +16002,7 @@
                         <p:par>
                           <p:cTn id="127" fill="hold">
                             <p:stCondLst>
-                              <p:cond delay="6750"/>
+                              <p:cond delay="270"/>
                             </p:stCondLst>
                             <p:childTnLst>
                               <p:par>
@@ -16783,7 +16031,7 @@
                                     </p:set>
                                     <p:animEffect transition="in" filter="fade">
                                       <p:cBhvr>
-                                        <p:cTn id="130" dur="250"/>
+                                        <p:cTn id="130" dur="10"/>
                                         <p:tgtEl>
                                           <p:spTgt spid="34"/>
                                         </p:tgtEl>
@@ -16798,7 +16046,7 @@
                         <p:par>
                           <p:cTn id="131" fill="hold">
                             <p:stCondLst>
-                              <p:cond delay="7000"/>
+                              <p:cond delay="280"/>
                             </p:stCondLst>
                             <p:childTnLst>
                               <p:par>
@@ -16827,7 +16075,7 @@
                                     </p:set>
                                     <p:animEffect transition="in" filter="fade">
                                       <p:cBhvr>
-                                        <p:cTn id="134" dur="250"/>
+                                        <p:cTn id="134" dur="10"/>
                                         <p:tgtEl>
                                           <p:spTgt spid="35"/>
                                         </p:tgtEl>
@@ -16842,7 +16090,7 @@
                         <p:par>
                           <p:cTn id="135" fill="hold">
                             <p:stCondLst>
-                              <p:cond delay="7250"/>
+                              <p:cond delay="290"/>
                             </p:stCondLst>
                             <p:childTnLst>
                               <p:par>
@@ -16871,7 +16119,7 @@
                                     </p:set>
                                     <p:animEffect transition="in" filter="fade">
                                       <p:cBhvr>
-                                        <p:cTn id="138" dur="250"/>
+                                        <p:cTn id="138" dur="10"/>
                                         <p:tgtEl>
                                           <p:spTgt spid="36"/>
                                         </p:tgtEl>
@@ -16886,7 +16134,7 @@
                         <p:par>
                           <p:cTn id="139" fill="hold">
                             <p:stCondLst>
-                              <p:cond delay="7500"/>
+                              <p:cond delay="300"/>
                             </p:stCondLst>
                             <p:childTnLst>
                               <p:par>
@@ -16915,7 +16163,7 @@
                                     </p:set>
                                     <p:animEffect transition="in" filter="fade">
                                       <p:cBhvr>
-                                        <p:cTn id="142" dur="250"/>
+                                        <p:cTn id="142" dur="10"/>
                                         <p:tgtEl>
                                           <p:spTgt spid="37"/>
                                         </p:tgtEl>
@@ -16930,7 +16178,7 @@
                         <p:par>
                           <p:cTn id="143" fill="hold">
                             <p:stCondLst>
-                              <p:cond delay="7750"/>
+                              <p:cond delay="310"/>
                             </p:stCondLst>
                             <p:childTnLst>
                               <p:par>
@@ -16959,7 +16207,7 @@
                                     </p:set>
                                     <p:animEffect transition="in" filter="fade">
                                       <p:cBhvr>
-                                        <p:cTn id="146" dur="250"/>
+                                        <p:cTn id="146" dur="10"/>
                                         <p:tgtEl>
                                           <p:spTgt spid="38"/>
                                         </p:tgtEl>
@@ -16974,7 +16222,7 @@
                         <p:par>
                           <p:cTn id="147" fill="hold">
                             <p:stCondLst>
-                              <p:cond delay="8000"/>
+                              <p:cond delay="320"/>
                             </p:stCondLst>
                             <p:childTnLst>
                               <p:par>
@@ -17003,7 +16251,7 @@
                                     </p:set>
                                     <p:animEffect transition="in" filter="fade">
                                       <p:cBhvr>
-                                        <p:cTn id="150" dur="250"/>
+                                        <p:cTn id="150" dur="10"/>
                                         <p:tgtEl>
                                           <p:spTgt spid="39"/>
                                         </p:tgtEl>
@@ -17018,7 +16266,7 @@
                         <p:par>
                           <p:cTn id="151" fill="hold">
                             <p:stCondLst>
-                              <p:cond delay="8250"/>
+                              <p:cond delay="330"/>
                             </p:stCondLst>
                             <p:childTnLst>
                               <p:par>
@@ -17047,7 +16295,7 @@
                                     </p:set>
                                     <p:animEffect transition="in" filter="fade">
                                       <p:cBhvr>
-                                        <p:cTn id="154" dur="250"/>
+                                        <p:cTn id="154" dur="10"/>
                                         <p:tgtEl>
                                           <p:spTgt spid="40"/>
                                         </p:tgtEl>
@@ -17062,7 +16310,7 @@
                         <p:par>
                           <p:cTn id="155" fill="hold">
                             <p:stCondLst>
-                              <p:cond delay="8500"/>
+                              <p:cond delay="340"/>
                             </p:stCondLst>
                             <p:childTnLst>
                               <p:par>
@@ -17091,7 +16339,7 @@
                                     </p:set>
                                     <p:animEffect transition="in" filter="fade">
                                       <p:cBhvr>
-                                        <p:cTn id="158" dur="250"/>
+                                        <p:cTn id="158" dur="10"/>
                                         <p:tgtEl>
                                           <p:spTgt spid="41"/>
                                         </p:tgtEl>
@@ -17106,7 +16354,7 @@
                         <p:par>
                           <p:cTn id="159" fill="hold">
                             <p:stCondLst>
-                              <p:cond delay="8750"/>
+                              <p:cond delay="350"/>
                             </p:stCondLst>
                             <p:childTnLst>
                               <p:par>
@@ -17135,7 +16383,7 @@
                                     </p:set>
                                     <p:animEffect transition="in" filter="fade">
                                       <p:cBhvr>
-                                        <p:cTn id="162" dur="250"/>
+                                        <p:cTn id="162" dur="10"/>
                                         <p:tgtEl>
                                           <p:spTgt spid="42"/>
                                         </p:tgtEl>
@@ -17150,7 +16398,7 @@
                         <p:par>
                           <p:cTn id="163" fill="hold">
                             <p:stCondLst>
-                              <p:cond delay="9000"/>
+                              <p:cond delay="360"/>
                             </p:stCondLst>
                             <p:childTnLst>
                               <p:par>
@@ -17179,7 +16427,7 @@
                                     </p:set>
                                     <p:animEffect transition="in" filter="fade">
                                       <p:cBhvr>
-                                        <p:cTn id="166" dur="250"/>
+                                        <p:cTn id="166" dur="10"/>
                                         <p:tgtEl>
                                           <p:spTgt spid="43"/>
                                         </p:tgtEl>
@@ -17194,7 +16442,7 @@
                         <p:par>
                           <p:cTn id="167" fill="hold">
                             <p:stCondLst>
-                              <p:cond delay="9250"/>
+                              <p:cond delay="370"/>
                             </p:stCondLst>
                             <p:childTnLst>
                               <p:par>
@@ -17223,7 +16471,7 @@
                                     </p:set>
                                     <p:animEffect transition="in" filter="fade">
                                       <p:cBhvr>
-                                        <p:cTn id="170" dur="250"/>
+                                        <p:cTn id="170" dur="10"/>
                                         <p:tgtEl>
                                           <p:spTgt spid="44"/>
                                         </p:tgtEl>
@@ -17238,7 +16486,7 @@
                         <p:par>
                           <p:cTn id="171" fill="hold">
                             <p:stCondLst>
-                              <p:cond delay="9500"/>
+                              <p:cond delay="380"/>
                             </p:stCondLst>
                             <p:childTnLst>
                               <p:par>
@@ -17267,7 +16515,7 @@
                                     </p:set>
                                     <p:animEffect transition="in" filter="fade">
                                       <p:cBhvr>
-                                        <p:cTn id="174" dur="250"/>
+                                        <p:cTn id="174" dur="10"/>
                                         <p:tgtEl>
                                           <p:spTgt spid="45"/>
                                         </p:tgtEl>
@@ -17282,7 +16530,7 @@
                         <p:par>
                           <p:cTn id="175" fill="hold">
                             <p:stCondLst>
-                              <p:cond delay="9750"/>
+                              <p:cond delay="390"/>
                             </p:stCondLst>
                             <p:childTnLst>
                               <p:par>
@@ -17311,7 +16559,7 @@
                                     </p:set>
                                     <p:animEffect transition="in" filter="fade">
                                       <p:cBhvr>
-                                        <p:cTn id="178" dur="250"/>
+                                        <p:cTn id="178" dur="10"/>
                                         <p:tgtEl>
                                           <p:spTgt spid="46"/>
                                         </p:tgtEl>
@@ -17326,7 +16574,7 @@
                         <p:par>
                           <p:cTn id="179" fill="hold">
                             <p:stCondLst>
-                              <p:cond delay="10000"/>
+                              <p:cond delay="400"/>
                             </p:stCondLst>
                             <p:childTnLst>
                               <p:par>
@@ -17355,7 +16603,7 @@
                                     </p:set>
                                     <p:animEffect transition="in" filter="fade">
                                       <p:cBhvr>
-                                        <p:cTn id="182" dur="250"/>
+                                        <p:cTn id="182" dur="10"/>
                                         <p:tgtEl>
                                           <p:spTgt spid="47"/>
                                         </p:tgtEl>
@@ -17370,7 +16618,7 @@
                         <p:par>
                           <p:cTn id="183" fill="hold">
                             <p:stCondLst>
-                              <p:cond delay="10250"/>
+                              <p:cond delay="410"/>
                             </p:stCondLst>
                             <p:childTnLst>
                               <p:par>
@@ -17399,7 +16647,7 @@
                                     </p:set>
                                     <p:animEffect transition="in" filter="fade">
                                       <p:cBhvr>
-                                        <p:cTn id="186" dur="250"/>
+                                        <p:cTn id="186" dur="10"/>
                                         <p:tgtEl>
                                           <p:spTgt spid="48"/>
                                         </p:tgtEl>
@@ -17414,7 +16662,7 @@
                         <p:par>
                           <p:cTn id="187" fill="hold">
                             <p:stCondLst>
-                              <p:cond delay="10500"/>
+                              <p:cond delay="420"/>
                             </p:stCondLst>
                             <p:childTnLst>
                               <p:par>
@@ -17443,7 +16691,7 @@
                                     </p:set>
                                     <p:animEffect transition="in" filter="fade">
                                       <p:cBhvr>
-                                        <p:cTn id="190" dur="250"/>
+                                        <p:cTn id="190" dur="10"/>
                                         <p:tgtEl>
                                           <p:spTgt spid="49"/>
                                         </p:tgtEl>
@@ -17530,6 +16778,257 @@
 </p:sld>
 </file>
 
+<file path=ppt/slides/slide19.xml><?xml version="1.0" encoding="utf-8"?>
+<p:sld xmlns:a="http://schemas.openxmlformats.org/drawingml/2006/main" xmlns:r="http://schemas.openxmlformats.org/officeDocument/2006/relationships" xmlns:p="http://schemas.openxmlformats.org/presentationml/2006/main">
+  <p:cSld>
+    <p:spTree>
+      <p:nvGrpSpPr>
+        <p:cNvPr id="1" name=""/>
+        <p:cNvGrpSpPr/>
+        <p:nvPr/>
+      </p:nvGrpSpPr>
+      <p:grpSpPr>
+        <a:xfrm>
+          <a:off x="0" y="0"/>
+          <a:ext cx="0" cy="0"/>
+          <a:chOff x="0" y="0"/>
+          <a:chExt cx="0" cy="0"/>
+        </a:xfrm>
+      </p:grpSpPr>
+      <p:sp>
+        <p:nvSpPr>
+          <p:cNvPr id="2" name="标题 1"/>
+          <p:cNvSpPr>
+            <a:spLocks noGrp="1"/>
+          </p:cNvSpPr>
+          <p:nvPr>
+            <p:ph type="title"/>
+          </p:nvPr>
+        </p:nvSpPr>
+        <p:spPr/>
+        <p:txBody>
+          <a:bodyPr/>
+          <a:lstStyle/>
+          <a:p>
+            <a:endParaRPr lang="zh-CN" altLang="en-US" dirty="0"/>
+          </a:p>
+        </p:txBody>
+      </p:sp>
+      <p:sp>
+        <p:nvSpPr>
+          <p:cNvPr id="3" name="内容占位符 2"/>
+          <p:cNvSpPr>
+            <a:spLocks noGrp="1"/>
+          </p:cNvSpPr>
+          <p:nvPr>
+            <p:ph idx="1"/>
+          </p:nvPr>
+        </p:nvSpPr>
+        <p:spPr/>
+        <p:txBody>
+          <a:bodyPr/>
+          <a:lstStyle/>
+          <a:p>
+            <a:r>
+              <a:rPr lang="zh-CN" altLang="en-US" dirty="0" smtClean="0">
+                <a:latin typeface="Times New Roman" panose="02020603050405020304" pitchFamily="18" charset="0"/>
+                <a:cs typeface="Times New Roman" panose="02020603050405020304" pitchFamily="18" charset="0"/>
+              </a:rPr>
+              <a:t>包（</a:t>
+            </a:r>
+            <a:r>
+              <a:rPr lang="en-US" altLang="zh-CN" dirty="0" smtClean="0">
+                <a:latin typeface="Times New Roman" panose="02020603050405020304" pitchFamily="18" charset="0"/>
+                <a:cs typeface="Times New Roman" panose="02020603050405020304" pitchFamily="18" charset="0"/>
+              </a:rPr>
+              <a:t>packages</a:t>
+            </a:r>
+            <a:r>
+              <a:rPr lang="zh-CN" altLang="en-US" dirty="0" smtClean="0">
+                <a:latin typeface="Times New Roman" panose="02020603050405020304" pitchFamily="18" charset="0"/>
+                <a:cs typeface="Times New Roman" panose="02020603050405020304" pitchFamily="18" charset="0"/>
+              </a:rPr>
+              <a:t>）的特点：</a:t>
+            </a:r>
+            <a:endParaRPr lang="en-US" altLang="zh-CN" dirty="0" smtClean="0">
+              <a:latin typeface="Times New Roman" panose="02020603050405020304" pitchFamily="18" charset="0"/>
+              <a:cs typeface="Times New Roman" panose="02020603050405020304" pitchFamily="18" charset="0"/>
+            </a:endParaRPr>
+          </a:p>
+          <a:p>
+            <a:r>
+              <a:rPr lang="zh-CN" altLang="en-US" dirty="0" smtClean="0">
+                <a:latin typeface="Times New Roman" panose="02020603050405020304" pitchFamily="18" charset="0"/>
+                <a:cs typeface="Times New Roman" panose="02020603050405020304" pitchFamily="18" charset="0"/>
+              </a:rPr>
+              <a:t>一段可调用的操作程序，通常是一个模型或者方法，所有</a:t>
+            </a:r>
+            <a:r>
+              <a:rPr lang="en-US" altLang="zh-CN" dirty="0" smtClean="0">
+                <a:latin typeface="Times New Roman" panose="02020603050405020304" pitchFamily="18" charset="0"/>
+                <a:cs typeface="Times New Roman" panose="02020603050405020304" pitchFamily="18" charset="0"/>
+              </a:rPr>
+              <a:t>packages</a:t>
+            </a:r>
+            <a:r>
+              <a:rPr lang="zh-CN" altLang="en-US" dirty="0" smtClean="0">
+                <a:latin typeface="Times New Roman" panose="02020603050405020304" pitchFamily="18" charset="0"/>
+                <a:cs typeface="Times New Roman" panose="02020603050405020304" pitchFamily="18" charset="0"/>
+              </a:rPr>
+              <a:t>都是开源</a:t>
+            </a:r>
+            <a:endParaRPr lang="en-US" altLang="zh-CN" dirty="0" smtClean="0">
+              <a:latin typeface="Times New Roman" panose="02020603050405020304" pitchFamily="18" charset="0"/>
+              <a:cs typeface="Times New Roman" panose="02020603050405020304" pitchFamily="18" charset="0"/>
+            </a:endParaRPr>
+          </a:p>
+          <a:p>
+            <a:r>
+              <a:rPr lang="zh-CN" altLang="en-US" dirty="0" smtClean="0">
+                <a:latin typeface="Times New Roman" panose="02020603050405020304" pitchFamily="18" charset="0"/>
+                <a:cs typeface="Times New Roman" panose="02020603050405020304" pitchFamily="18" charset="0"/>
+              </a:rPr>
+              <a:t>任何人都可以制作包，但需要下载附加工具</a:t>
+            </a:r>
+            <a:r>
+              <a:rPr lang="en-US" altLang="zh-CN" dirty="0">
+                <a:latin typeface="Times New Roman" panose="02020603050405020304" pitchFamily="18" charset="0"/>
+                <a:cs typeface="Times New Roman" panose="02020603050405020304" pitchFamily="18" charset="0"/>
+                <a:hlinkClick r:id="rId2"/>
+              </a:rPr>
+              <a:t>https://cran.r-project.org/bin/windows/Rtools</a:t>
+            </a:r>
+            <a:r>
+              <a:rPr lang="en-US" altLang="zh-CN" dirty="0" smtClean="0">
+                <a:latin typeface="Times New Roman" panose="02020603050405020304" pitchFamily="18" charset="0"/>
+                <a:cs typeface="Times New Roman" panose="02020603050405020304" pitchFamily="18" charset="0"/>
+                <a:hlinkClick r:id="rId2"/>
+              </a:rPr>
+              <a:t>/</a:t>
+            </a:r>
+            <a:endParaRPr lang="en-US" altLang="zh-CN" dirty="0" smtClean="0">
+              <a:latin typeface="Times New Roman" panose="02020603050405020304" pitchFamily="18" charset="0"/>
+              <a:cs typeface="Times New Roman" panose="02020603050405020304" pitchFamily="18" charset="0"/>
+            </a:endParaRPr>
+          </a:p>
+          <a:p>
+            <a:r>
+              <a:rPr lang="en-US" altLang="zh-CN" dirty="0" smtClean="0">
+                <a:latin typeface="Times New Roman" panose="02020603050405020304" pitchFamily="18" charset="0"/>
+                <a:cs typeface="Times New Roman" panose="02020603050405020304" pitchFamily="18" charset="0"/>
+              </a:rPr>
+              <a:t>R </a:t>
+            </a:r>
+            <a:r>
+              <a:rPr lang="en-US" altLang="zh-CN" dirty="0" err="1" smtClean="0">
+                <a:latin typeface="Times New Roman" panose="02020603050405020304" pitchFamily="18" charset="0"/>
+                <a:cs typeface="Times New Roman" panose="02020603050405020304" pitchFamily="18" charset="0"/>
+              </a:rPr>
+              <a:t>Cran</a:t>
+            </a:r>
+            <a:r>
+              <a:rPr lang="zh-CN" altLang="en-US" dirty="0" smtClean="0">
+                <a:latin typeface="Times New Roman" panose="02020603050405020304" pitchFamily="18" charset="0"/>
+                <a:cs typeface="Times New Roman" panose="02020603050405020304" pitchFamily="18" charset="0"/>
+              </a:rPr>
+              <a:t>平台提供数量众多的高质量的标准化</a:t>
+            </a:r>
+            <a:r>
+              <a:rPr lang="en-US" altLang="zh-CN" dirty="0" smtClean="0">
+                <a:latin typeface="Times New Roman" panose="02020603050405020304" pitchFamily="18" charset="0"/>
+                <a:cs typeface="Times New Roman" panose="02020603050405020304" pitchFamily="18" charset="0"/>
+              </a:rPr>
+              <a:t>packages</a:t>
+            </a:r>
+            <a:r>
+              <a:rPr lang="zh-CN" altLang="en-US" dirty="0" smtClean="0">
+                <a:latin typeface="Times New Roman" panose="02020603050405020304" pitchFamily="18" charset="0"/>
+                <a:cs typeface="Times New Roman" panose="02020603050405020304" pitchFamily="18" charset="0"/>
+              </a:rPr>
+              <a:t>，由来自世界各地的专家自愿提供</a:t>
+            </a:r>
+            <a:endParaRPr lang="en-US" altLang="zh-CN" dirty="0" smtClean="0">
+              <a:latin typeface="Times New Roman" panose="02020603050405020304" pitchFamily="18" charset="0"/>
+              <a:cs typeface="Times New Roman" panose="02020603050405020304" pitchFamily="18" charset="0"/>
+            </a:endParaRPr>
+          </a:p>
+          <a:p>
+            <a:r>
+              <a:rPr lang="en-US" altLang="zh-CN" dirty="0" smtClean="0">
+                <a:latin typeface="Times New Roman" panose="02020603050405020304" pitchFamily="18" charset="0"/>
+                <a:cs typeface="Times New Roman" panose="02020603050405020304" pitchFamily="18" charset="0"/>
+              </a:rPr>
+              <a:t>R</a:t>
+            </a:r>
+            <a:r>
+              <a:rPr lang="zh-CN" altLang="en-US" dirty="0" smtClean="0">
+                <a:latin typeface="Times New Roman" panose="02020603050405020304" pitchFamily="18" charset="0"/>
+                <a:cs typeface="Times New Roman" panose="02020603050405020304" pitchFamily="18" charset="0"/>
+              </a:rPr>
+              <a:t>语言自带一些基础包</a:t>
+            </a:r>
+            <a:endParaRPr lang="en-US" altLang="zh-CN" dirty="0" smtClean="0">
+              <a:latin typeface="Times New Roman" panose="02020603050405020304" pitchFamily="18" charset="0"/>
+              <a:cs typeface="Times New Roman" panose="02020603050405020304" pitchFamily="18" charset="0"/>
+            </a:endParaRPr>
+          </a:p>
+          <a:p>
+            <a:r>
+              <a:rPr lang="en-US" altLang="zh-CN" dirty="0" err="1" smtClean="0">
+                <a:latin typeface="Times New Roman" panose="02020603050405020304" pitchFamily="18" charset="0"/>
+                <a:cs typeface="Times New Roman" panose="02020603050405020304" pitchFamily="18" charset="0"/>
+              </a:rPr>
+              <a:t>Rstudio</a:t>
+            </a:r>
+            <a:r>
+              <a:rPr lang="zh-CN" altLang="en-US" dirty="0" smtClean="0">
+                <a:latin typeface="Times New Roman" panose="02020603050405020304" pitchFamily="18" charset="0"/>
+                <a:cs typeface="Times New Roman" panose="02020603050405020304" pitchFamily="18" charset="0"/>
+              </a:rPr>
+              <a:t>可以帮助我们省去安装</a:t>
+            </a:r>
+            <a:r>
+              <a:rPr lang="en-US" altLang="zh-CN" dirty="0" smtClean="0">
+                <a:latin typeface="Times New Roman" panose="02020603050405020304" pitchFamily="18" charset="0"/>
+                <a:cs typeface="Times New Roman" panose="02020603050405020304" pitchFamily="18" charset="0"/>
+              </a:rPr>
+              <a:t>packages</a:t>
+            </a:r>
+            <a:r>
+              <a:rPr lang="zh-CN" altLang="en-US" dirty="0" smtClean="0">
+                <a:latin typeface="Times New Roman" panose="02020603050405020304" pitchFamily="18" charset="0"/>
+                <a:cs typeface="Times New Roman" panose="02020603050405020304" pitchFamily="18" charset="0"/>
+              </a:rPr>
+              <a:t>的繁琐过程</a:t>
+            </a:r>
+            <a:endParaRPr lang="en-US" altLang="zh-CN" dirty="0" smtClean="0">
+              <a:latin typeface="Times New Roman" panose="02020603050405020304" pitchFamily="18" charset="0"/>
+              <a:cs typeface="Times New Roman" panose="02020603050405020304" pitchFamily="18" charset="0"/>
+            </a:endParaRPr>
+          </a:p>
+          <a:p>
+            <a:endParaRPr lang="zh-CN" altLang="en-US" dirty="0">
+              <a:latin typeface="Times New Roman" panose="02020603050405020304" pitchFamily="18" charset="0"/>
+              <a:cs typeface="Times New Roman" panose="02020603050405020304" pitchFamily="18" charset="0"/>
+            </a:endParaRPr>
+          </a:p>
+        </p:txBody>
+      </p:sp>
+    </p:spTree>
+  </p:cSld>
+  <p:clrMapOvr>
+    <a:masterClrMapping/>
+  </p:clrMapOvr>
+  <p:timing>
+    <p:tnLst>
+      <p:par>
+        <p:cTn id="1" dur="indefinite" restart="never" nodeType="tmRoot"/>
+      </p:par>
+    </p:tnLst>
+  </p:timing>
+</p:sld>
+</file>
+
 <file path=ppt/slides/slide2.xml><?xml version="1.0" encoding="utf-8"?>
 <p:sld xmlns:a="http://schemas.openxmlformats.org/drawingml/2006/main" xmlns:r="http://schemas.openxmlformats.org/officeDocument/2006/relationships" xmlns:p="http://schemas.openxmlformats.org/presentationml/2006/main">
   <p:cSld>
@@ -17669,6 +17168,14 @@
           <a:bodyPr/>
           <a:lstStyle/>
           <a:p>
+            <a:r>
+              <a:rPr lang="en-US" altLang="zh-CN" dirty="0" smtClean="0"/>
+              <a:t>package</a:t>
+            </a:r>
+            <a:r>
+              <a:rPr lang="zh-CN" altLang="en-US" dirty="0" smtClean="0"/>
+              <a:t>操作</a:t>
+            </a:r>
             <a:endParaRPr lang="zh-CN" altLang="en-US" dirty="0"/>
           </a:p>
         </p:txBody>
@@ -17689,183 +17196,30 @@
           <a:lstStyle/>
           <a:p>
             <a:r>
-              <a:rPr lang="zh-CN" altLang="en-US" dirty="0" smtClean="0">
-                <a:latin typeface="Times New Roman" panose="02020603050405020304" pitchFamily="18" charset="0"/>
-                <a:cs typeface="Times New Roman" panose="02020603050405020304" pitchFamily="18" charset="0"/>
-              </a:rPr>
-              <a:t>包（</a:t>
-            </a:r>
-            <a:r>
               <a:rPr lang="en-US" altLang="zh-CN" dirty="0" smtClean="0">
                 <a:latin typeface="Times New Roman" panose="02020603050405020304" pitchFamily="18" charset="0"/>
                 <a:cs typeface="Times New Roman" panose="02020603050405020304" pitchFamily="18" charset="0"/>
               </a:rPr>
-              <a:t>packages</a:t>
-            </a:r>
-            <a:r>
-              <a:rPr lang="zh-CN" altLang="en-US" dirty="0" smtClean="0">
-                <a:latin typeface="Times New Roman" panose="02020603050405020304" pitchFamily="18" charset="0"/>
-                <a:cs typeface="Times New Roman" panose="02020603050405020304" pitchFamily="18" charset="0"/>
-              </a:rPr>
-              <a:t>）的特点：</a:t>
-            </a:r>
-            <a:endParaRPr lang="en-US" altLang="zh-CN" dirty="0" smtClean="0">
-              <a:latin typeface="Times New Roman" panose="02020603050405020304" pitchFamily="18" charset="0"/>
-              <a:cs typeface="Times New Roman" panose="02020603050405020304" pitchFamily="18" charset="0"/>
-            </a:endParaRPr>
-          </a:p>
-          <a:p>
-            <a:r>
-              <a:rPr lang="zh-CN" altLang="en-US" dirty="0" smtClean="0">
-                <a:latin typeface="Times New Roman" panose="02020603050405020304" pitchFamily="18" charset="0"/>
-                <a:cs typeface="Times New Roman" panose="02020603050405020304" pitchFamily="18" charset="0"/>
-              </a:rPr>
-              <a:t>一段可调用的操作程序，通常是一个模型或者方法，所有</a:t>
-            </a:r>
+              <a:t>library(name)</a:t>
+            </a:r>
+          </a:p>
+          <a:p>
             <a:r>
               <a:rPr lang="en-US" altLang="zh-CN" dirty="0" smtClean="0">
                 <a:latin typeface="Times New Roman" panose="02020603050405020304" pitchFamily="18" charset="0"/>
                 <a:cs typeface="Times New Roman" panose="02020603050405020304" pitchFamily="18" charset="0"/>
               </a:rPr>
-              <a:t>packages</a:t>
-            </a:r>
-            <a:r>
-              <a:rPr lang="zh-CN" altLang="en-US" dirty="0" smtClean="0">
-                <a:latin typeface="Times New Roman" panose="02020603050405020304" pitchFamily="18" charset="0"/>
-                <a:cs typeface="Times New Roman" panose="02020603050405020304" pitchFamily="18" charset="0"/>
-              </a:rPr>
-              <a:t>都是开源</a:t>
-            </a:r>
-            <a:endParaRPr lang="en-US" altLang="zh-CN" dirty="0" smtClean="0">
-              <a:latin typeface="Times New Roman" panose="02020603050405020304" pitchFamily="18" charset="0"/>
-              <a:cs typeface="Times New Roman" panose="02020603050405020304" pitchFamily="18" charset="0"/>
-            </a:endParaRPr>
-          </a:p>
-          <a:p>
-            <a:r>
-              <a:rPr lang="zh-CN" altLang="en-US" dirty="0" smtClean="0">
-                <a:latin typeface="Times New Roman" panose="02020603050405020304" pitchFamily="18" charset="0"/>
-                <a:cs typeface="Times New Roman" panose="02020603050405020304" pitchFamily="18" charset="0"/>
-              </a:rPr>
-              <a:t>任何人都可以制作包，但需要下载附加工具</a:t>
-            </a:r>
-            <a:r>
-              <a:rPr lang="en-US" altLang="zh-CN" dirty="0">
-                <a:latin typeface="Times New Roman" panose="02020603050405020304" pitchFamily="18" charset="0"/>
-                <a:cs typeface="Times New Roman" panose="02020603050405020304" pitchFamily="18" charset="0"/>
-                <a:hlinkClick r:id="rId2"/>
-              </a:rPr>
-              <a:t>https://cran.r-project.org/bin/windows/Rtools</a:t>
-            </a:r>
+              <a:t>help(package=“e1071”)</a:t>
+            </a:r>
+          </a:p>
+          <a:p>
             <a:r>
               <a:rPr lang="en-US" altLang="zh-CN" dirty="0" smtClean="0">
                 <a:latin typeface="Times New Roman" panose="02020603050405020304" pitchFamily="18" charset="0"/>
                 <a:cs typeface="Times New Roman" panose="02020603050405020304" pitchFamily="18" charset="0"/>
-                <a:hlinkClick r:id="rId2"/>
-              </a:rPr>
-              <a:t>/</a:t>
-            </a:r>
-            <a:endParaRPr lang="en-US" altLang="zh-CN" dirty="0" smtClean="0">
-              <a:latin typeface="Times New Roman" panose="02020603050405020304" pitchFamily="18" charset="0"/>
-              <a:cs typeface="Times New Roman" panose="02020603050405020304" pitchFamily="18" charset="0"/>
-            </a:endParaRPr>
-          </a:p>
-          <a:p>
-            <a:r>
-              <a:rPr lang="en-US" altLang="zh-CN" dirty="0" smtClean="0">
-                <a:latin typeface="Times New Roman" panose="02020603050405020304" pitchFamily="18" charset="0"/>
-                <a:cs typeface="Times New Roman" panose="02020603050405020304" pitchFamily="18" charset="0"/>
-              </a:rPr>
-              <a:t>R </a:t>
-            </a:r>
-            <a:r>
-              <a:rPr lang="en-US" altLang="zh-CN" dirty="0" err="1" smtClean="0">
-                <a:latin typeface="Times New Roman" panose="02020603050405020304" pitchFamily="18" charset="0"/>
-                <a:cs typeface="Times New Roman" panose="02020603050405020304" pitchFamily="18" charset="0"/>
-              </a:rPr>
-              <a:t>Cran</a:t>
-            </a:r>
-            <a:r>
-              <a:rPr lang="zh-CN" altLang="en-US" dirty="0" smtClean="0">
-                <a:latin typeface="Times New Roman" panose="02020603050405020304" pitchFamily="18" charset="0"/>
-                <a:cs typeface="Times New Roman" panose="02020603050405020304" pitchFamily="18" charset="0"/>
-              </a:rPr>
-              <a:t>平台提供数量众多的高质量的标准化</a:t>
-            </a:r>
-            <a:r>
-              <a:rPr lang="en-US" altLang="zh-CN" dirty="0" smtClean="0">
-                <a:latin typeface="Times New Roman" panose="02020603050405020304" pitchFamily="18" charset="0"/>
-                <a:cs typeface="Times New Roman" panose="02020603050405020304" pitchFamily="18" charset="0"/>
-              </a:rPr>
-              <a:t>packages</a:t>
-            </a:r>
-            <a:r>
-              <a:rPr lang="zh-CN" altLang="en-US" dirty="0" smtClean="0">
-                <a:latin typeface="Times New Roman" panose="02020603050405020304" pitchFamily="18" charset="0"/>
-                <a:cs typeface="Times New Roman" panose="02020603050405020304" pitchFamily="18" charset="0"/>
-              </a:rPr>
-              <a:t>，由来自世界各地的专家自愿提供</a:t>
-            </a:r>
-            <a:endParaRPr lang="en-US" altLang="zh-CN" dirty="0" smtClean="0">
-              <a:latin typeface="Times New Roman" panose="02020603050405020304" pitchFamily="18" charset="0"/>
-              <a:cs typeface="Times New Roman" panose="02020603050405020304" pitchFamily="18" charset="0"/>
-            </a:endParaRPr>
-          </a:p>
-          <a:p>
-            <a:r>
-              <a:rPr lang="en-US" altLang="zh-CN" dirty="0" smtClean="0">
-                <a:latin typeface="Times New Roman" panose="02020603050405020304" pitchFamily="18" charset="0"/>
-                <a:cs typeface="Times New Roman" panose="02020603050405020304" pitchFamily="18" charset="0"/>
-              </a:rPr>
-              <a:t>R</a:t>
-            </a:r>
-            <a:r>
-              <a:rPr lang="zh-CN" altLang="en-US" dirty="0" smtClean="0">
-                <a:latin typeface="Times New Roman" panose="02020603050405020304" pitchFamily="18" charset="0"/>
-                <a:cs typeface="Times New Roman" panose="02020603050405020304" pitchFamily="18" charset="0"/>
-              </a:rPr>
-              <a:t>语言自带一些基础包</a:t>
-            </a:r>
-            <a:endParaRPr lang="en-US" altLang="zh-CN" dirty="0" smtClean="0">
-              <a:latin typeface="Times New Roman" panose="02020603050405020304" pitchFamily="18" charset="0"/>
-              <a:cs typeface="Times New Roman" panose="02020603050405020304" pitchFamily="18" charset="0"/>
-            </a:endParaRPr>
-          </a:p>
-          <a:p>
-            <a:r>
-              <a:rPr lang="en-US" altLang="zh-CN" dirty="0" err="1" smtClean="0">
-                <a:latin typeface="Times New Roman" panose="02020603050405020304" pitchFamily="18" charset="0"/>
-                <a:cs typeface="Times New Roman" panose="02020603050405020304" pitchFamily="18" charset="0"/>
-              </a:rPr>
-              <a:t>Rstudio</a:t>
-            </a:r>
-            <a:r>
-              <a:rPr lang="zh-CN" altLang="en-US" dirty="0" smtClean="0">
-                <a:latin typeface="Times New Roman" panose="02020603050405020304" pitchFamily="18" charset="0"/>
-                <a:cs typeface="Times New Roman" panose="02020603050405020304" pitchFamily="18" charset="0"/>
-              </a:rPr>
-              <a:t>可以帮助我们省去安装</a:t>
-            </a:r>
-            <a:r>
-              <a:rPr lang="en-US" altLang="zh-CN" dirty="0" smtClean="0">
-                <a:latin typeface="Times New Roman" panose="02020603050405020304" pitchFamily="18" charset="0"/>
-                <a:cs typeface="Times New Roman" panose="02020603050405020304" pitchFamily="18" charset="0"/>
-              </a:rPr>
-              <a:t>packages</a:t>
-            </a:r>
-            <a:r>
-              <a:rPr lang="zh-CN" altLang="en-US" dirty="0" smtClean="0">
-                <a:latin typeface="Times New Roman" panose="02020603050405020304" pitchFamily="18" charset="0"/>
-                <a:cs typeface="Times New Roman" panose="02020603050405020304" pitchFamily="18" charset="0"/>
-              </a:rPr>
-              <a:t>的繁琐过程</a:t>
-            </a:r>
-            <a:endParaRPr lang="en-US" altLang="zh-CN" dirty="0" smtClean="0">
-              <a:latin typeface="Times New Roman" panose="02020603050405020304" pitchFamily="18" charset="0"/>
-              <a:cs typeface="Times New Roman" panose="02020603050405020304" pitchFamily="18" charset="0"/>
-            </a:endParaRPr>
-          </a:p>
-          <a:p>
+              </a:rPr>
+              <a:t>library(foreign)</a:t>
+            </a:r>
             <a:endParaRPr lang="zh-CN" altLang="en-US" dirty="0">
               <a:latin typeface="Times New Roman" panose="02020603050405020304" pitchFamily="18" charset="0"/>
               <a:cs typeface="Times New Roman" panose="02020603050405020304" pitchFamily="18" charset="0"/>
@@ -17926,7 +17280,7 @@
             </a:r>
             <a:r>
               <a:rPr lang="zh-CN" altLang="en-US" dirty="0" smtClean="0"/>
-              <a:t>操作</a:t>
+              <a:t>状态</a:t>
             </a:r>
             <a:endParaRPr lang="zh-CN" altLang="en-US" dirty="0"/>
           </a:p>
@@ -17947,35 +17301,125 @@
           <a:bodyPr/>
           <a:lstStyle/>
           <a:p>
-            <a:r>
-              <a:rPr lang="en-US" altLang="zh-CN" dirty="0" smtClean="0">
-                <a:latin typeface="Times New Roman" panose="02020603050405020304" pitchFamily="18" charset="0"/>
-                <a:cs typeface="Times New Roman" panose="02020603050405020304" pitchFamily="18" charset="0"/>
-              </a:rPr>
-              <a:t>library(name)</a:t>
-            </a:r>
-          </a:p>
-          <a:p>
-            <a:r>
-              <a:rPr lang="en-US" altLang="zh-CN" dirty="0" smtClean="0">
-                <a:latin typeface="Times New Roman" panose="02020603050405020304" pitchFamily="18" charset="0"/>
-                <a:cs typeface="Times New Roman" panose="02020603050405020304" pitchFamily="18" charset="0"/>
-              </a:rPr>
-              <a:t>help(package=“e1071”)</a:t>
-            </a:r>
-          </a:p>
-          <a:p>
-            <a:r>
-              <a:rPr lang="en-US" altLang="zh-CN" dirty="0" smtClean="0">
-                <a:latin typeface="Times New Roman" panose="02020603050405020304" pitchFamily="18" charset="0"/>
-                <a:cs typeface="Times New Roman" panose="02020603050405020304" pitchFamily="18" charset="0"/>
-              </a:rPr>
-              <a:t>library(foreign)</a:t>
-            </a:r>
-            <a:endParaRPr lang="zh-CN" altLang="en-US" dirty="0">
-              <a:latin typeface="Times New Roman" panose="02020603050405020304" pitchFamily="18" charset="0"/>
-              <a:cs typeface="Times New Roman" panose="02020603050405020304" pitchFamily="18" charset="0"/>
-            </a:endParaRPr>
+            <a:pPr marL="0" indent="0">
+              <a:buNone/>
+            </a:pPr>
+            <a:r>
+              <a:rPr lang="zh-CN" altLang="en-US" dirty="0"/>
+              <a:t>加载</a:t>
+            </a:r>
+            <a:r>
+              <a:rPr lang="zh-CN" altLang="en-US" dirty="0" smtClean="0"/>
+              <a:t>包  </a:t>
+            </a:r>
+            <a:r>
+              <a:rPr lang="en-US" altLang="zh-CN" dirty="0" smtClean="0"/>
+              <a:t>library(“</a:t>
+            </a:r>
+            <a:r>
+              <a:rPr lang="en-US" altLang="zh-CN" dirty="0" err="1" smtClean="0"/>
+              <a:t>pkgname</a:t>
+            </a:r>
+            <a:r>
+              <a:rPr lang="en-US" altLang="zh-CN" dirty="0" smtClean="0"/>
+              <a:t>”)</a:t>
+            </a:r>
+          </a:p>
+          <a:p>
+            <a:pPr marL="0" indent="0">
+              <a:buNone/>
+            </a:pPr>
+            <a:r>
+              <a:rPr lang="zh-CN" altLang="en-US" dirty="0"/>
+              <a:t>卸</a:t>
+            </a:r>
+            <a:r>
+              <a:rPr lang="zh-CN" altLang="en-US" dirty="0" smtClean="0"/>
+              <a:t>除包 </a:t>
+            </a:r>
+            <a:r>
+              <a:rPr lang="en-US" altLang="zh-CN" dirty="0" smtClean="0"/>
+              <a:t>detach(“</a:t>
+            </a:r>
+            <a:r>
+              <a:rPr lang="en-US" altLang="zh-CN" dirty="0" err="1" smtClean="0"/>
+              <a:t>package:pkgname</a:t>
+            </a:r>
+            <a:r>
+              <a:rPr lang="en-US" altLang="zh-CN" dirty="0" smtClean="0"/>
+              <a:t>”)        #</a:t>
+            </a:r>
+            <a:r>
+              <a:rPr lang="zh-CN" altLang="en-US" dirty="0" smtClean="0"/>
+              <a:t>注意卸除并不是卸载，而是从当前环境里断开与</a:t>
+            </a:r>
+            <a:r>
+              <a:rPr lang="en-US" altLang="zh-CN" dirty="0" smtClean="0"/>
+              <a:t>package</a:t>
+            </a:r>
+            <a:r>
+              <a:rPr lang="zh-CN" altLang="en-US" dirty="0" smtClean="0"/>
+              <a:t>的连接</a:t>
+            </a:r>
+            <a:endParaRPr lang="en-US" altLang="zh-CN" dirty="0" smtClean="0"/>
+          </a:p>
+          <a:p>
+            <a:pPr marL="0" indent="0">
+              <a:buNone/>
+            </a:pPr>
+            <a:r>
+              <a:rPr lang="zh-CN" altLang="en-US" dirty="0" smtClean="0"/>
+              <a:t>删除包 </a:t>
+            </a:r>
+            <a:r>
+              <a:rPr lang="en-US" altLang="zh-CN" dirty="0" err="1" smtClean="0"/>
+              <a:t>remove.packages</a:t>
+            </a:r>
+            <a:r>
+              <a:rPr lang="en-US" altLang="zh-CN" dirty="0" smtClean="0"/>
+              <a:t>(“</a:t>
+            </a:r>
+            <a:r>
+              <a:rPr lang="en-US" altLang="zh-CN" dirty="0" err="1" smtClean="0"/>
+              <a:t>pkgname</a:t>
+            </a:r>
+            <a:r>
+              <a:rPr lang="en-US" altLang="zh-CN" dirty="0" smtClean="0"/>
+              <a:t>”) </a:t>
+            </a:r>
+          </a:p>
+          <a:p>
+            <a:pPr marL="0" indent="0">
+              <a:buNone/>
+            </a:pPr>
+            <a:r>
+              <a:rPr lang="zh-CN" altLang="en-US" dirty="0" smtClean="0"/>
+              <a:t>查看已安装的包 </a:t>
+            </a:r>
+            <a:r>
+              <a:rPr lang="en-US" altLang="zh-CN" dirty="0" err="1" smtClean="0"/>
+              <a:t>installed.packages</a:t>
+            </a:r>
+            <a:r>
+              <a:rPr lang="en-US" altLang="zh-CN" dirty="0" smtClean="0"/>
+              <a:t>()</a:t>
+            </a:r>
+          </a:p>
+          <a:p>
+            <a:pPr marL="0" indent="0">
+              <a:buNone/>
+            </a:pPr>
+            <a:r>
+              <a:rPr lang="zh-CN" altLang="en-US" dirty="0" smtClean="0"/>
+              <a:t>认识基础包有哪些</a:t>
+            </a:r>
+            <a:endParaRPr lang="en-US" altLang="zh-CN" dirty="0" smtClean="0"/>
+          </a:p>
+          <a:p>
+            <a:pPr marL="0" indent="0">
+              <a:buNone/>
+            </a:pPr>
+            <a:endParaRPr lang="zh-CN" altLang="en-US" dirty="0"/>
           </a:p>
         </p:txBody>
       </p:sp>
@@ -18028,11 +17472,11 @@
           <a:p>
             <a:r>
               <a:rPr lang="en-US" altLang="zh-CN" dirty="0" smtClean="0"/>
-              <a:t>package</a:t>
+              <a:t>R</a:t>
             </a:r>
             <a:r>
               <a:rPr lang="zh-CN" altLang="en-US" dirty="0" smtClean="0"/>
-              <a:t>状态</a:t>
+              <a:t>语言计算线性规划问题</a:t>
             </a:r>
             <a:endParaRPr lang="zh-CN" altLang="en-US" dirty="0"/>
           </a:p>
@@ -18050,347 +17494,6 @@
         </p:nvSpPr>
         <p:spPr/>
         <p:txBody>
-          <a:bodyPr/>
-          <a:lstStyle/>
-          <a:p>
-            <a:pPr marL="0" indent="0">
-              <a:buNone/>
-            </a:pPr>
-            <a:r>
-              <a:rPr lang="zh-CN" altLang="en-US" dirty="0"/>
-              <a:t>加载</a:t>
-            </a:r>
-            <a:r>
-              <a:rPr lang="zh-CN" altLang="en-US" dirty="0" smtClean="0"/>
-              <a:t>包  </a:t>
-            </a:r>
-            <a:r>
-              <a:rPr lang="en-US" altLang="zh-CN" dirty="0" smtClean="0"/>
-              <a:t>library(“</a:t>
-            </a:r>
-            <a:r>
-              <a:rPr lang="en-US" altLang="zh-CN" dirty="0" err="1" smtClean="0"/>
-              <a:t>pkgname</a:t>
-            </a:r>
-            <a:r>
-              <a:rPr lang="en-US" altLang="zh-CN" dirty="0" smtClean="0"/>
-              <a:t>”)</a:t>
-            </a:r>
-          </a:p>
-          <a:p>
-            <a:pPr marL="0" indent="0">
-              <a:buNone/>
-            </a:pPr>
-            <a:r>
-              <a:rPr lang="zh-CN" altLang="en-US" dirty="0"/>
-              <a:t>卸</a:t>
-            </a:r>
-            <a:r>
-              <a:rPr lang="zh-CN" altLang="en-US" dirty="0" smtClean="0"/>
-              <a:t>除包 </a:t>
-            </a:r>
-            <a:r>
-              <a:rPr lang="en-US" altLang="zh-CN" dirty="0" smtClean="0"/>
-              <a:t>detach(“</a:t>
-            </a:r>
-            <a:r>
-              <a:rPr lang="en-US" altLang="zh-CN" dirty="0" err="1" smtClean="0"/>
-              <a:t>package:pkgname</a:t>
-            </a:r>
-            <a:r>
-              <a:rPr lang="en-US" altLang="zh-CN" dirty="0" smtClean="0"/>
-              <a:t>”)        #</a:t>
-            </a:r>
-            <a:r>
-              <a:rPr lang="zh-CN" altLang="en-US" dirty="0" smtClean="0"/>
-              <a:t>注意卸除并不是卸载，而是从当前环境里断开与</a:t>
-            </a:r>
-            <a:r>
-              <a:rPr lang="en-US" altLang="zh-CN" dirty="0" smtClean="0"/>
-              <a:t>package</a:t>
-            </a:r>
-            <a:r>
-              <a:rPr lang="zh-CN" altLang="en-US" dirty="0" smtClean="0"/>
-              <a:t>的连接</a:t>
-            </a:r>
-            <a:endParaRPr lang="en-US" altLang="zh-CN" dirty="0" smtClean="0"/>
-          </a:p>
-          <a:p>
-            <a:pPr marL="0" indent="0">
-              <a:buNone/>
-            </a:pPr>
-            <a:r>
-              <a:rPr lang="zh-CN" altLang="en-US" dirty="0" smtClean="0"/>
-              <a:t>删除包 </a:t>
-            </a:r>
-            <a:r>
-              <a:rPr lang="en-US" altLang="zh-CN" dirty="0" err="1" smtClean="0"/>
-              <a:t>remove.packages</a:t>
-            </a:r>
-            <a:r>
-              <a:rPr lang="en-US" altLang="zh-CN" dirty="0" smtClean="0"/>
-              <a:t>(“</a:t>
-            </a:r>
-            <a:r>
-              <a:rPr lang="en-US" altLang="zh-CN" dirty="0" err="1" smtClean="0"/>
-              <a:t>pkgname</a:t>
-            </a:r>
-            <a:r>
-              <a:rPr lang="en-US" altLang="zh-CN" dirty="0" smtClean="0"/>
-              <a:t>”) </a:t>
-            </a:r>
-          </a:p>
-          <a:p>
-            <a:pPr marL="0" indent="0">
-              <a:buNone/>
-            </a:pPr>
-            <a:r>
-              <a:rPr lang="zh-CN" altLang="en-US" dirty="0" smtClean="0"/>
-              <a:t>查看已安装的包 </a:t>
-            </a:r>
-            <a:r>
-              <a:rPr lang="en-US" altLang="zh-CN" dirty="0" err="1" smtClean="0"/>
-              <a:t>installed.packages</a:t>
-            </a:r>
-            <a:r>
-              <a:rPr lang="en-US" altLang="zh-CN" dirty="0" smtClean="0"/>
-              <a:t>()</a:t>
-            </a:r>
-          </a:p>
-          <a:p>
-            <a:pPr marL="0" indent="0">
-              <a:buNone/>
-            </a:pPr>
-            <a:endParaRPr lang="zh-CN" altLang="en-US" dirty="0"/>
-          </a:p>
-        </p:txBody>
-      </p:sp>
-    </p:spTree>
-  </p:cSld>
-  <p:clrMapOvr>
-    <a:masterClrMapping/>
-  </p:clrMapOvr>
-  <p:timing>
-    <p:tnLst>
-      <p:par>
-        <p:cTn id="1" dur="indefinite" restart="never" nodeType="tmRoot"/>
-      </p:par>
-    </p:tnLst>
-  </p:timing>
-</p:sld>
-</file>
-
-<file path=ppt/slides/slide23.xml><?xml version="1.0" encoding="utf-8"?>
-<p:sld xmlns:a="http://schemas.openxmlformats.org/drawingml/2006/main" xmlns:r="http://schemas.openxmlformats.org/officeDocument/2006/relationships" xmlns:p="http://schemas.openxmlformats.org/presentationml/2006/main">
-  <p:cSld>
-    <p:spTree>
-      <p:nvGrpSpPr>
-        <p:cNvPr id="1" name=""/>
-        <p:cNvGrpSpPr/>
-        <p:nvPr/>
-      </p:nvGrpSpPr>
-      <p:grpSpPr>
-        <a:xfrm>
-          <a:off x="0" y="0"/>
-          <a:ext cx="0" cy="0"/>
-          <a:chOff x="0" y="0"/>
-          <a:chExt cx="0" cy="0"/>
-        </a:xfrm>
-      </p:grpSpPr>
-      <p:sp>
-        <p:nvSpPr>
-          <p:cNvPr id="2" name="标题 1"/>
-          <p:cNvSpPr>
-            <a:spLocks noGrp="1"/>
-          </p:cNvSpPr>
-          <p:nvPr>
-            <p:ph type="title"/>
-          </p:nvPr>
-        </p:nvSpPr>
-        <p:spPr/>
-        <p:txBody>
-          <a:bodyPr/>
-          <a:lstStyle/>
-          <a:p>
-            <a:r>
-              <a:rPr lang="en-US" altLang="zh-CN" dirty="0" smtClean="0"/>
-              <a:t>3.</a:t>
-            </a:r>
-            <a:r>
-              <a:rPr lang="zh-CN" altLang="en-US" dirty="0" smtClean="0"/>
-              <a:t>数据导入</a:t>
-            </a:r>
-            <a:endParaRPr lang="zh-CN" altLang="en-US" dirty="0"/>
-          </a:p>
-        </p:txBody>
-      </p:sp>
-      <p:sp>
-        <p:nvSpPr>
-          <p:cNvPr id="3" name="内容占位符 2"/>
-          <p:cNvSpPr>
-            <a:spLocks noGrp="1"/>
-          </p:cNvSpPr>
-          <p:nvPr>
-            <p:ph idx="1"/>
-          </p:nvPr>
-        </p:nvSpPr>
-        <p:spPr/>
-        <p:txBody>
-          <a:bodyPr/>
-          <a:lstStyle/>
-          <a:p>
-            <a:r>
-              <a:rPr lang="zh-CN" altLang="en-US" dirty="0" smtClean="0"/>
-              <a:t>外部文件中的数据</a:t>
-            </a:r>
-            <a:endParaRPr lang="en-US" altLang="zh-CN" dirty="0" smtClean="0"/>
-          </a:p>
-          <a:p>
-            <a:pPr lvl="1"/>
-            <a:r>
-              <a:rPr lang="en-US" altLang="zh-CN" dirty="0" smtClean="0"/>
-              <a:t>TXT</a:t>
-            </a:r>
-            <a:r>
-              <a:rPr lang="zh-CN" altLang="en-US" dirty="0" smtClean="0"/>
-              <a:t>类型</a:t>
-            </a:r>
-            <a:endParaRPr lang="en-US" altLang="zh-CN" dirty="0" smtClean="0"/>
-          </a:p>
-          <a:p>
-            <a:pPr lvl="1"/>
-            <a:r>
-              <a:rPr lang="en-US" altLang="zh-CN" dirty="0" smtClean="0"/>
-              <a:t> XLX/XLSX</a:t>
-            </a:r>
-            <a:r>
-              <a:rPr lang="zh-CN" altLang="en-US" dirty="0" smtClean="0"/>
-              <a:t>类型</a:t>
-            </a:r>
-            <a:endParaRPr lang="en-US" altLang="zh-CN" dirty="0" smtClean="0"/>
-          </a:p>
-          <a:p>
-            <a:pPr lvl="1"/>
-            <a:r>
-              <a:rPr lang="en-US" altLang="zh-CN" dirty="0" smtClean="0"/>
-              <a:t> CSV</a:t>
-            </a:r>
-            <a:r>
-              <a:rPr lang="zh-CN" altLang="en-US" dirty="0" smtClean="0"/>
-              <a:t>类型</a:t>
-            </a:r>
-            <a:r>
-              <a:rPr lang="en-US" altLang="zh-CN" dirty="0" smtClean="0"/>
-              <a:t> </a:t>
-            </a:r>
-          </a:p>
-          <a:p>
-            <a:pPr lvl="1"/>
-            <a:r>
-              <a:rPr lang="zh-CN" altLang="en-US" dirty="0" smtClean="0"/>
-              <a:t>须首先加载</a:t>
-            </a:r>
-            <a:r>
-              <a:rPr lang="en-US" altLang="zh-CN" dirty="0" err="1" smtClean="0"/>
-              <a:t>foreigh</a:t>
-            </a:r>
-            <a:r>
-              <a:rPr lang="en-US" altLang="zh-CN" dirty="0" smtClean="0"/>
-              <a:t> </a:t>
-            </a:r>
-            <a:r>
-              <a:rPr lang="zh-CN" altLang="en-US" dirty="0" smtClean="0"/>
-              <a:t>包</a:t>
-            </a:r>
-            <a:endParaRPr lang="en-US" altLang="zh-CN" dirty="0" smtClean="0"/>
-          </a:p>
-          <a:p>
-            <a:r>
-              <a:rPr lang="zh-CN" altLang="en-US" dirty="0" smtClean="0"/>
-              <a:t>网络标准化数据导入</a:t>
-            </a:r>
-            <a:endParaRPr lang="en-US" altLang="zh-CN" dirty="0" smtClean="0"/>
-          </a:p>
-          <a:p>
-            <a:r>
-              <a:rPr lang="zh-CN" altLang="en-US" dirty="0" smtClean="0"/>
-              <a:t>数据库的对接与使用</a:t>
-            </a:r>
-            <a:endParaRPr lang="zh-CN" altLang="en-US" dirty="0"/>
-          </a:p>
-        </p:txBody>
-      </p:sp>
-    </p:spTree>
-  </p:cSld>
-  <p:clrMapOvr>
-    <a:masterClrMapping/>
-  </p:clrMapOvr>
-  <p:timing>
-    <p:tnLst>
-      <p:par>
-        <p:cTn id="1" dur="indefinite" restart="never" nodeType="tmRoot"/>
-      </p:par>
-    </p:tnLst>
-  </p:timing>
-</p:sld>
-</file>
-
-<file path=ppt/slides/slide24.xml><?xml version="1.0" encoding="utf-8"?>
-<p:sld xmlns:a="http://schemas.openxmlformats.org/drawingml/2006/main" xmlns:r="http://schemas.openxmlformats.org/officeDocument/2006/relationships" xmlns:p="http://schemas.openxmlformats.org/presentationml/2006/main">
-  <p:cSld>
-    <p:spTree>
-      <p:nvGrpSpPr>
-        <p:cNvPr id="1" name=""/>
-        <p:cNvGrpSpPr/>
-        <p:nvPr/>
-      </p:nvGrpSpPr>
-      <p:grpSpPr>
-        <a:xfrm>
-          <a:off x="0" y="0"/>
-          <a:ext cx="0" cy="0"/>
-          <a:chOff x="0" y="0"/>
-          <a:chExt cx="0" cy="0"/>
-        </a:xfrm>
-      </p:grpSpPr>
-      <p:sp>
-        <p:nvSpPr>
-          <p:cNvPr id="2" name="标题 1"/>
-          <p:cNvSpPr>
-            <a:spLocks noGrp="1"/>
-          </p:cNvSpPr>
-          <p:nvPr>
-            <p:ph type="title"/>
-          </p:nvPr>
-        </p:nvSpPr>
-        <p:spPr/>
-        <p:txBody>
-          <a:bodyPr/>
-          <a:lstStyle/>
-          <a:p>
-            <a:r>
-              <a:rPr lang="en-US" altLang="zh-CN" dirty="0" smtClean="0"/>
-              <a:t>R</a:t>
-            </a:r>
-            <a:r>
-              <a:rPr lang="zh-CN" altLang="en-US" dirty="0" smtClean="0"/>
-              <a:t>语言计算线性规划问题</a:t>
-            </a:r>
-            <a:endParaRPr lang="zh-CN" altLang="en-US" dirty="0"/>
-          </a:p>
-        </p:txBody>
-      </p:sp>
-      <p:sp>
-        <p:nvSpPr>
-          <p:cNvPr id="3" name="内容占位符 2"/>
-          <p:cNvSpPr>
-            <a:spLocks noGrp="1"/>
-          </p:cNvSpPr>
-          <p:nvPr>
-            <p:ph idx="1"/>
-          </p:nvPr>
-        </p:nvSpPr>
-        <p:spPr/>
-        <p:txBody>
           <a:bodyPr>
             <a:normAutofit/>
           </a:bodyPr>
@@ -18398,11 +17501,7 @@
           <a:p>
             <a:r>
               <a:rPr lang="zh-CN" altLang="en-US" dirty="0" smtClean="0"/>
-              <a:t>对于</a:t>
-            </a:r>
-            <a:r>
-              <a:rPr lang="zh-CN" altLang="en-US" dirty="0" smtClean="0"/>
-              <a:t>单纯性法解线性规划问题，问题标准化后形式如右侧：</a:t>
+              <a:t>对于单纯性法解线性规划问题，问题标准化后形式如右侧：</a:t>
             </a:r>
             <a:endParaRPr lang="en-US" altLang="zh-CN" dirty="0" smtClean="0"/>
           </a:p>
@@ -18464,7 +17563,7 @@
           <a:graphicData uri="http://schemas.openxmlformats.org/presentationml/2006/ole">
             <mc:AlternateContent xmlns:mc="http://schemas.openxmlformats.org/markup-compatibility/2006">
               <mc:Choice xmlns:v="urn:schemas-microsoft-com:vml" Requires="v">
-                <p:oleObj spid="_x0000_s1038" name="Equation" r:id="rId3" imgW="1498320" imgH="1168200" progId="Equation.DSMT4">
+                <p:oleObj spid="_x0000_s1052" name="Equation" r:id="rId3" imgW="1498320" imgH="1168200" progId="Equation.DSMT4">
                   <p:embed/>
                 </p:oleObj>
               </mc:Choice>
@@ -18965,6 +18064,457 @@
 </p:sld>
 </file>
 
+<file path=ppt/slides/slide23.xml><?xml version="1.0" encoding="utf-8"?>
+<p:sld xmlns:a="http://schemas.openxmlformats.org/drawingml/2006/main" xmlns:r="http://schemas.openxmlformats.org/officeDocument/2006/relationships" xmlns:p="http://schemas.openxmlformats.org/presentationml/2006/main">
+  <p:cSld>
+    <p:spTree>
+      <p:nvGrpSpPr>
+        <p:cNvPr id="1" name=""/>
+        <p:cNvGrpSpPr/>
+        <p:nvPr/>
+      </p:nvGrpSpPr>
+      <p:grpSpPr>
+        <a:xfrm>
+          <a:off x="0" y="0"/>
+          <a:ext cx="0" cy="0"/>
+          <a:chOff x="0" y="0"/>
+          <a:chExt cx="0" cy="0"/>
+        </a:xfrm>
+      </p:grpSpPr>
+      <p:sp>
+        <p:nvSpPr>
+          <p:cNvPr id="2" name="标题 1"/>
+          <p:cNvSpPr>
+            <a:spLocks noGrp="1"/>
+          </p:cNvSpPr>
+          <p:nvPr>
+            <p:ph type="title"/>
+          </p:nvPr>
+        </p:nvSpPr>
+        <p:spPr/>
+        <p:txBody>
+          <a:bodyPr/>
+          <a:lstStyle/>
+          <a:p>
+            <a:r>
+              <a:rPr lang="en-US" altLang="zh-CN" dirty="0" smtClean="0"/>
+              <a:t>3.</a:t>
+            </a:r>
+            <a:r>
+              <a:rPr lang="zh-CN" altLang="en-US" dirty="0" smtClean="0"/>
+              <a:t>数据导入</a:t>
+            </a:r>
+            <a:endParaRPr lang="zh-CN" altLang="en-US" dirty="0"/>
+          </a:p>
+        </p:txBody>
+      </p:sp>
+      <p:sp>
+        <p:nvSpPr>
+          <p:cNvPr id="3" name="内容占位符 2"/>
+          <p:cNvSpPr>
+            <a:spLocks noGrp="1"/>
+          </p:cNvSpPr>
+          <p:nvPr>
+            <p:ph idx="1"/>
+          </p:nvPr>
+        </p:nvSpPr>
+        <p:spPr/>
+        <p:txBody>
+          <a:bodyPr/>
+          <a:lstStyle/>
+          <a:p>
+            <a:r>
+              <a:rPr lang="zh-CN" altLang="en-US" dirty="0" smtClean="0"/>
+              <a:t>外部文件中的数据</a:t>
+            </a:r>
+            <a:endParaRPr lang="en-US" altLang="zh-CN" dirty="0" smtClean="0"/>
+          </a:p>
+          <a:p>
+            <a:pPr lvl="1"/>
+            <a:r>
+              <a:rPr lang="en-US" altLang="zh-CN" dirty="0" smtClean="0"/>
+              <a:t>TXT</a:t>
+            </a:r>
+            <a:r>
+              <a:rPr lang="zh-CN" altLang="en-US" dirty="0" smtClean="0"/>
+              <a:t>类型</a:t>
+            </a:r>
+            <a:endParaRPr lang="en-US" altLang="zh-CN" dirty="0" smtClean="0"/>
+          </a:p>
+          <a:p>
+            <a:pPr lvl="1"/>
+            <a:r>
+              <a:rPr lang="en-US" altLang="zh-CN" dirty="0" smtClean="0"/>
+              <a:t> XLX/XLSX</a:t>
+            </a:r>
+            <a:r>
+              <a:rPr lang="zh-CN" altLang="en-US" dirty="0" smtClean="0"/>
+              <a:t>类型</a:t>
+            </a:r>
+            <a:endParaRPr lang="en-US" altLang="zh-CN" dirty="0" smtClean="0"/>
+          </a:p>
+          <a:p>
+            <a:pPr lvl="1"/>
+            <a:r>
+              <a:rPr lang="en-US" altLang="zh-CN" dirty="0" smtClean="0"/>
+              <a:t> CSV</a:t>
+            </a:r>
+            <a:r>
+              <a:rPr lang="zh-CN" altLang="en-US" dirty="0" smtClean="0"/>
+              <a:t>类型</a:t>
+            </a:r>
+            <a:r>
+              <a:rPr lang="en-US" altLang="zh-CN" dirty="0" smtClean="0"/>
+              <a:t> </a:t>
+            </a:r>
+          </a:p>
+          <a:p>
+            <a:pPr lvl="1"/>
+            <a:r>
+              <a:rPr lang="zh-CN" altLang="en-US" dirty="0" smtClean="0"/>
+              <a:t>须首先加载</a:t>
+            </a:r>
+            <a:r>
+              <a:rPr lang="en-US" altLang="zh-CN" dirty="0" err="1" smtClean="0"/>
+              <a:t>foreigh</a:t>
+            </a:r>
+            <a:r>
+              <a:rPr lang="en-US" altLang="zh-CN" dirty="0" smtClean="0"/>
+              <a:t> </a:t>
+            </a:r>
+            <a:r>
+              <a:rPr lang="zh-CN" altLang="en-US" dirty="0" smtClean="0"/>
+              <a:t>包</a:t>
+            </a:r>
+            <a:endParaRPr lang="en-US" altLang="zh-CN" dirty="0" smtClean="0"/>
+          </a:p>
+          <a:p>
+            <a:r>
+              <a:rPr lang="zh-CN" altLang="en-US" dirty="0" smtClean="0"/>
+              <a:t>网络标准化数据导入</a:t>
+            </a:r>
+            <a:endParaRPr lang="en-US" altLang="zh-CN" dirty="0" smtClean="0"/>
+          </a:p>
+          <a:p>
+            <a:r>
+              <a:rPr lang="zh-CN" altLang="en-US" dirty="0" smtClean="0"/>
+              <a:t>数据库的对接与使用</a:t>
+            </a:r>
+            <a:endParaRPr lang="zh-CN" altLang="en-US" dirty="0"/>
+          </a:p>
+        </p:txBody>
+      </p:sp>
+    </p:spTree>
+  </p:cSld>
+  <p:clrMapOvr>
+    <a:masterClrMapping/>
+  </p:clrMapOvr>
+  <p:timing>
+    <p:tnLst>
+      <p:par>
+        <p:cTn id="1" dur="indefinite" restart="never" nodeType="tmRoot"/>
+      </p:par>
+    </p:tnLst>
+  </p:timing>
+</p:sld>
+</file>
+
+<file path=ppt/slides/slide24.xml><?xml version="1.0" encoding="utf-8"?>
+<p:sld xmlns:a="http://schemas.openxmlformats.org/drawingml/2006/main" xmlns:r="http://schemas.openxmlformats.org/officeDocument/2006/relationships" xmlns:p="http://schemas.openxmlformats.org/presentationml/2006/main">
+  <p:cSld>
+    <p:spTree>
+      <p:nvGrpSpPr>
+        <p:cNvPr id="1" name=""/>
+        <p:cNvGrpSpPr/>
+        <p:nvPr/>
+      </p:nvGrpSpPr>
+      <p:grpSpPr>
+        <a:xfrm>
+          <a:off x="0" y="0"/>
+          <a:ext cx="0" cy="0"/>
+          <a:chOff x="0" y="0"/>
+          <a:chExt cx="0" cy="0"/>
+        </a:xfrm>
+      </p:grpSpPr>
+      <p:sp>
+        <p:nvSpPr>
+          <p:cNvPr id="2" name="标题 1"/>
+          <p:cNvSpPr>
+            <a:spLocks noGrp="1"/>
+          </p:cNvSpPr>
+          <p:nvPr>
+            <p:ph type="title"/>
+          </p:nvPr>
+        </p:nvSpPr>
+        <p:spPr/>
+        <p:txBody>
+          <a:bodyPr>
+            <a:normAutofit/>
+          </a:bodyPr>
+          <a:lstStyle/>
+          <a:p>
+            <a:r>
+              <a:rPr lang="zh-CN" altLang="en-US" sz="3200" dirty="0" smtClean="0"/>
+              <a:t>文本文件导入</a:t>
+            </a:r>
+            <a:endParaRPr lang="zh-CN" altLang="en-US" sz="3200" dirty="0"/>
+          </a:p>
+        </p:txBody>
+      </p:sp>
+      <p:sp>
+        <p:nvSpPr>
+          <p:cNvPr id="3" name="内容占位符 2"/>
+          <p:cNvSpPr>
+            <a:spLocks noGrp="1"/>
+          </p:cNvSpPr>
+          <p:nvPr>
+            <p:ph idx="1"/>
+          </p:nvPr>
+        </p:nvSpPr>
+        <p:spPr>
+          <a:xfrm>
+            <a:off x="1097280" y="1845733"/>
+            <a:ext cx="10058400" cy="4418879"/>
+          </a:xfrm>
+        </p:spPr>
+        <p:txBody>
+          <a:bodyPr>
+            <a:normAutofit/>
+          </a:bodyPr>
+          <a:lstStyle/>
+          <a:p>
+            <a:r>
+              <a:rPr lang="zh-CN" altLang="en-US" dirty="0" smtClean="0"/>
+              <a:t>从文本文件导入</a:t>
+            </a:r>
+            <a:endParaRPr lang="en-US" altLang="zh-CN" dirty="0" smtClean="0"/>
+          </a:p>
+          <a:p>
+            <a:pPr marL="0" indent="0">
+              <a:buNone/>
+            </a:pPr>
+            <a:r>
+              <a:rPr lang="en-US" altLang="zh-CN" dirty="0" err="1" smtClean="0"/>
+              <a:t>mydataframe</a:t>
+            </a:r>
+            <a:r>
+              <a:rPr lang="en-US" altLang="zh-CN" dirty="0" smtClean="0"/>
+              <a:t>&lt;- </a:t>
+            </a:r>
+            <a:r>
+              <a:rPr lang="en-US" altLang="zh-CN" dirty="0" err="1" smtClean="0"/>
+              <a:t>read.table</a:t>
+            </a:r>
+            <a:r>
+              <a:rPr lang="en-US" altLang="zh-CN" dirty="0" smtClean="0"/>
+              <a:t>(file, header=</a:t>
+            </a:r>
+            <a:r>
+              <a:rPr lang="en-US" altLang="zh-CN" dirty="0" err="1" smtClean="0"/>
+              <a:t>logical_value</a:t>
+            </a:r>
+            <a:r>
+              <a:rPr lang="en-US" altLang="zh-CN" dirty="0" smtClean="0"/>
+              <a:t>, </a:t>
+            </a:r>
+            <a:r>
+              <a:rPr lang="en-US" altLang="zh-CN" dirty="0" err="1" smtClean="0"/>
+              <a:t>sep</a:t>
+            </a:r>
+            <a:r>
+              <a:rPr lang="en-US" altLang="zh-CN" dirty="0" smtClean="0"/>
+              <a:t>=“</a:t>
+            </a:r>
+            <a:r>
+              <a:rPr lang="en-US" altLang="zh-CN" dirty="0"/>
+              <a:t>;</a:t>
+            </a:r>
+            <a:r>
+              <a:rPr lang="en-US" altLang="zh-CN" dirty="0" smtClean="0"/>
+              <a:t>”, </a:t>
+            </a:r>
+            <a:r>
+              <a:rPr lang="en-US" altLang="zh-CN" dirty="0" err="1" smtClean="0"/>
+              <a:t>row,names</a:t>
+            </a:r>
+            <a:r>
+              <a:rPr lang="en-US" altLang="zh-CN" dirty="0" smtClean="0"/>
+              <a:t>=“name”)</a:t>
+            </a:r>
+          </a:p>
+          <a:p>
+            <a:pPr marL="0" indent="0">
+              <a:buNone/>
+            </a:pPr>
+            <a:r>
+              <a:rPr lang="en-US" altLang="zh-CN" dirty="0" err="1" smtClean="0"/>
+              <a:t>sep</a:t>
+            </a:r>
+            <a:r>
+              <a:rPr lang="zh-CN" altLang="en-US" dirty="0" smtClean="0"/>
+              <a:t>用来指定分隔数据的分隔符，</a:t>
+            </a:r>
+            <a:r>
+              <a:rPr lang="en-US" altLang="zh-CN" dirty="0" err="1" smtClean="0"/>
+              <a:t>row.names</a:t>
+            </a:r>
+            <a:r>
+              <a:rPr lang="zh-CN" altLang="en-US" dirty="0" smtClean="0"/>
+              <a:t>是一个可选参数，用来指定一个或多个表示行标识符的变量。</a:t>
+            </a:r>
+            <a:endParaRPr lang="en-US" altLang="zh-CN" dirty="0" smtClean="0"/>
+          </a:p>
+          <a:p>
+            <a:r>
+              <a:rPr lang="zh-CN" altLang="en-US" dirty="0" smtClean="0"/>
+              <a:t>导入</a:t>
+            </a:r>
+            <a:r>
+              <a:rPr lang="en-US" altLang="zh-CN" dirty="0" smtClean="0"/>
+              <a:t>CVS</a:t>
+            </a:r>
+            <a:r>
+              <a:rPr lang="zh-CN" altLang="en-US" dirty="0" smtClean="0"/>
+              <a:t>格式专用命令</a:t>
+            </a:r>
+            <a:endParaRPr lang="en-US" altLang="zh-CN" dirty="0" smtClean="0"/>
+          </a:p>
+          <a:p>
+            <a:pPr marL="0" indent="0">
+              <a:buNone/>
+            </a:pPr>
+            <a:r>
+              <a:rPr lang="en-US" altLang="zh-CN" dirty="0" smtClean="0"/>
+              <a:t>   </a:t>
+            </a:r>
+            <a:r>
+              <a:rPr lang="en-US" altLang="zh-CN" dirty="0" err="1" smtClean="0"/>
+              <a:t>mydata</a:t>
+            </a:r>
+            <a:r>
+              <a:rPr lang="en-US" altLang="zh-CN" dirty="0" smtClean="0"/>
+              <a:t>&lt;- read.csv(file </a:t>
+            </a:r>
+            <a:r>
+              <a:rPr lang="en-US" altLang="zh-CN" dirty="0"/>
+              <a:t>= "C:\\Users\\HWT\\Desktop\\test.csv",header = F)</a:t>
+            </a:r>
+            <a:endParaRPr lang="en-US" altLang="zh-CN" dirty="0" smtClean="0"/>
+          </a:p>
+          <a:p>
+            <a:pPr lvl="1"/>
+            <a:r>
+              <a:rPr lang="zh-CN" altLang="en-US" dirty="0" smtClean="0"/>
+              <a:t>手动选择文件</a:t>
+            </a:r>
+            <a:endParaRPr lang="en-US" altLang="zh-CN" dirty="0"/>
+          </a:p>
+          <a:p>
+            <a:pPr marL="201295" lvl="1" indent="0">
+              <a:buNone/>
+            </a:pPr>
+            <a:r>
+              <a:rPr lang="en-US" altLang="zh-CN" dirty="0" err="1" smtClean="0"/>
+              <a:t>mydata</a:t>
+            </a:r>
+            <a:r>
+              <a:rPr lang="en-US" altLang="zh-CN" dirty="0" smtClean="0"/>
+              <a:t>&lt;-</a:t>
+            </a:r>
+            <a:r>
+              <a:rPr lang="en-US" altLang="zh-CN" dirty="0" err="1" smtClean="0"/>
+              <a:t>read.table</a:t>
+            </a:r>
+            <a:r>
+              <a:rPr lang="en-US" altLang="zh-CN" dirty="0" smtClean="0"/>
+              <a:t>(</a:t>
+            </a:r>
+            <a:r>
+              <a:rPr lang="en-US" altLang="zh-CN" dirty="0" err="1" smtClean="0"/>
+              <a:t>file.choose</a:t>
+            </a:r>
+            <a:r>
+              <a:rPr lang="en-US" altLang="zh-CN" dirty="0" smtClean="0"/>
+              <a:t>(),header=</a:t>
+            </a:r>
+            <a:r>
+              <a:rPr lang="en-US" altLang="zh-CN" dirty="0" err="1" smtClean="0"/>
+              <a:t>T,sep</a:t>
+            </a:r>
+            <a:r>
+              <a:rPr lang="en-US" altLang="zh-CN" dirty="0" smtClean="0"/>
+              <a:t>=“,”)</a:t>
+            </a:r>
+          </a:p>
+          <a:p>
+            <a:pPr lvl="1"/>
+            <a:r>
+              <a:rPr lang="zh-CN" altLang="en-US" dirty="0" smtClean="0"/>
+              <a:t>从剪贴板导入</a:t>
+            </a:r>
+            <a:endParaRPr lang="en-US" altLang="zh-CN" dirty="0" smtClean="0"/>
+          </a:p>
+          <a:p>
+            <a:pPr marL="201295" lvl="1" indent="0">
+              <a:buNone/>
+            </a:pPr>
+            <a:r>
+              <a:rPr lang="en-US" altLang="zh-CN" dirty="0" err="1" smtClean="0"/>
+              <a:t>mydata</a:t>
+            </a:r>
+            <a:r>
+              <a:rPr lang="en-US" altLang="zh-CN" dirty="0" smtClean="0"/>
+              <a:t>&lt;- </a:t>
+            </a:r>
+            <a:r>
+              <a:rPr lang="en-US" altLang="zh-CN" dirty="0" err="1" smtClean="0"/>
+              <a:t>read.table</a:t>
+            </a:r>
+            <a:r>
+              <a:rPr lang="en-US" altLang="zh-CN" dirty="0" smtClean="0"/>
+              <a:t>(“</a:t>
+            </a:r>
+            <a:r>
+              <a:rPr lang="en-US" altLang="zh-CN" dirty="0" err="1" smtClean="0"/>
+              <a:t>clipboard”,header</a:t>
+            </a:r>
+            <a:r>
+              <a:rPr lang="en-US" altLang="zh-CN" dirty="0" smtClean="0"/>
+              <a:t>=</a:t>
+            </a:r>
+            <a:r>
+              <a:rPr lang="en-US" altLang="zh-CN" dirty="0" err="1" smtClean="0"/>
+              <a:t>T,sep</a:t>
+            </a:r>
+            <a:r>
+              <a:rPr lang="en-US" altLang="zh-CN" dirty="0" smtClean="0"/>
+              <a:t>=“,”)</a:t>
+            </a:r>
+            <a:endParaRPr lang="en-US" altLang="zh-CN" dirty="0"/>
+          </a:p>
+          <a:p>
+            <a:pPr marL="0" indent="0">
+              <a:buNone/>
+            </a:pPr>
+            <a:endParaRPr lang="zh-CN" altLang="en-US" dirty="0"/>
+          </a:p>
+        </p:txBody>
+      </p:sp>
+    </p:spTree>
+  </p:cSld>
+  <p:clrMapOvr>
+    <a:masterClrMapping/>
+  </p:clrMapOvr>
+  <p:timing>
+    <p:tnLst>
+      <p:par>
+        <p:cTn id="1" dur="indefinite" restart="never" nodeType="tmRoot"/>
+      </p:par>
+    </p:tnLst>
+  </p:timing>
+</p:sld>
+</file>
+
 <file path=ppt/slides/slide25.xml><?xml version="1.0" encoding="utf-8"?>
 <p:sld xmlns:a="http://schemas.openxmlformats.org/drawingml/2006/main" xmlns:r="http://schemas.openxmlformats.org/officeDocument/2006/relationships" xmlns:p="http://schemas.openxmlformats.org/presentationml/2006/main">
   <p:cSld>
@@ -19000,8 +18550,12 @@
           <a:lstStyle/>
           <a:p>
             <a:r>
+              <a:rPr lang="en-US" altLang="zh-CN" sz="3200" dirty="0" smtClean="0"/>
+              <a:t>Excel</a:t>
+            </a:r>
+            <a:r>
               <a:rPr lang="zh-CN" altLang="en-US" sz="3200" dirty="0" smtClean="0"/>
-              <a:t>文本文件导入</a:t>
+              <a:t>导入</a:t>
             </a:r>
             <a:endParaRPr lang="zh-CN" altLang="en-US" sz="3200" dirty="0"/>
           </a:p>
@@ -19017,113 +18571,73 @@
             <p:ph idx="1"/>
           </p:nvPr>
         </p:nvSpPr>
-        <p:spPr>
-          <a:xfrm>
-            <a:off x="1097280" y="1845733"/>
-            <a:ext cx="10058400" cy="4418879"/>
-          </a:xfrm>
-        </p:spPr>
+        <p:spPr/>
         <p:txBody>
           <a:bodyPr>
-            <a:normAutofit/>
+            <a:normAutofit lnSpcReduction="10000"/>
           </a:bodyPr>
           <a:lstStyle/>
           <a:p>
             <a:r>
-              <a:rPr lang="zh-CN" altLang="en-US" dirty="0" smtClean="0"/>
-              <a:t>从文本文件导入</a:t>
-            </a:r>
-            <a:endParaRPr lang="en-US" altLang="zh-CN" dirty="0" smtClean="0"/>
+              <a:rPr lang="zh-CN" altLang="en-US" dirty="0"/>
+              <a:t>从</a:t>
+            </a:r>
+            <a:r>
+              <a:rPr lang="en-US" altLang="zh-CN" dirty="0"/>
+              <a:t>excel</a:t>
+            </a:r>
+            <a:r>
+              <a:rPr lang="zh-CN" altLang="en-US" dirty="0"/>
+              <a:t>文件导入</a:t>
+            </a:r>
+            <a:endParaRPr lang="en-US" altLang="zh-CN" dirty="0"/>
           </a:p>
           <a:p>
             <a:pPr marL="0" indent="0">
               <a:buNone/>
             </a:pPr>
             <a:r>
-              <a:rPr lang="en-US" altLang="zh-CN" dirty="0" err="1" smtClean="0"/>
-              <a:t>mydataframe</a:t>
-            </a:r>
-            <a:r>
-              <a:rPr lang="en-US" altLang="zh-CN" dirty="0" smtClean="0"/>
-              <a:t>&lt;- </a:t>
-            </a:r>
-            <a:r>
-              <a:rPr lang="en-US" altLang="zh-CN" dirty="0" err="1" smtClean="0"/>
-              <a:t>read.table</a:t>
-            </a:r>
-            <a:r>
-              <a:rPr lang="en-US" altLang="zh-CN" dirty="0" smtClean="0"/>
-              <a:t>(file, header=</a:t>
-            </a:r>
-            <a:r>
-              <a:rPr lang="en-US" altLang="zh-CN" dirty="0" err="1" smtClean="0"/>
-              <a:t>logical_value</a:t>
-            </a:r>
-            <a:r>
-              <a:rPr lang="en-US" altLang="zh-CN" dirty="0" smtClean="0"/>
-              <a:t>, </a:t>
-            </a:r>
-            <a:r>
-              <a:rPr lang="en-US" altLang="zh-CN" dirty="0" err="1" smtClean="0"/>
-              <a:t>sep</a:t>
-            </a:r>
-            <a:r>
-              <a:rPr lang="en-US" altLang="zh-CN" dirty="0" smtClean="0"/>
-              <a:t>=“</a:t>
-            </a:r>
-            <a:r>
-              <a:rPr lang="en-US" altLang="zh-CN" dirty="0"/>
-              <a:t>;</a:t>
-            </a:r>
-            <a:r>
-              <a:rPr lang="en-US" altLang="zh-CN" dirty="0" smtClean="0"/>
-              <a:t>”, </a:t>
-            </a:r>
-            <a:r>
-              <a:rPr lang="en-US" altLang="zh-CN" dirty="0" err="1" smtClean="0"/>
-              <a:t>row,names</a:t>
-            </a:r>
-            <a:r>
-              <a:rPr lang="en-US" altLang="zh-CN" dirty="0" smtClean="0"/>
-              <a:t>=“name”)</a:t>
-            </a:r>
+              <a:rPr lang="zh-CN" altLang="en-US" dirty="0"/>
+              <a:t>首先，需要加载程序包</a:t>
+            </a:r>
+            <a:r>
+              <a:rPr lang="en-US" altLang="zh-CN" dirty="0" err="1"/>
+              <a:t>xlsx</a:t>
+            </a:r>
+            <a:r>
+              <a:rPr lang="zh-CN" altLang="en-US" dirty="0"/>
+              <a:t>，</a:t>
+            </a:r>
+            <a:r>
+              <a:rPr lang="en-US" altLang="zh-CN" dirty="0" err="1"/>
+              <a:t>Rstudio</a:t>
+            </a:r>
+            <a:r>
+              <a:rPr lang="zh-CN" altLang="en-US" dirty="0"/>
+              <a:t>会帮你自动加载它的关联</a:t>
+            </a:r>
+            <a:r>
+              <a:rPr lang="zh-CN" altLang="en-US" dirty="0" smtClean="0"/>
+              <a:t>包</a:t>
+            </a:r>
+            <a:endParaRPr lang="en-US" altLang="zh-CN" dirty="0" smtClean="0"/>
           </a:p>
           <a:p>
             <a:pPr marL="0" indent="0">
               <a:buNone/>
             </a:pPr>
             <a:r>
+              <a:rPr lang="en-US" altLang="zh-CN" dirty="0" smtClean="0"/>
+              <a:t>library(</a:t>
+            </a:r>
+            <a:r>
               <a:rPr lang="en-US" altLang="zh-CN" dirty="0" err="1" smtClean="0"/>
-              <a:t>sep</a:t>
-            </a:r>
-            <a:r>
-              <a:rPr lang="zh-CN" altLang="en-US" dirty="0" smtClean="0"/>
-              <a:t>用来指定分隔数据的分隔符，</a:t>
-            </a:r>
-            <a:r>
-              <a:rPr lang="en-US" altLang="zh-CN" dirty="0" err="1" smtClean="0"/>
-              <a:t>row.names</a:t>
-            </a:r>
-            <a:r>
-              <a:rPr lang="zh-CN" altLang="en-US" dirty="0" smtClean="0"/>
-              <a:t>是一个可选参数，用来指定一个或多个表示行标识符的变量。</a:t>
-            </a:r>
-            <a:endParaRPr lang="en-US" altLang="zh-CN" dirty="0" smtClean="0"/>
-          </a:p>
-          <a:p>
-            <a:r>
-              <a:rPr lang="zh-CN" altLang="en-US" dirty="0" smtClean="0"/>
-              <a:t>导入</a:t>
+              <a:t>rjava</a:t>
             </a:r>
             <a:r>
               <a:rPr lang="en-US" altLang="zh-CN" dirty="0" smtClean="0"/>
-              <a:t>CVS</a:t>
-            </a:r>
-            <a:r>
-              <a:rPr lang="zh-CN" altLang="en-US" dirty="0" smtClean="0"/>
-              <a:t>格式专用命令</a:t>
-            </a:r>
-            <a:endParaRPr lang="en-US" altLang="zh-CN" dirty="0" smtClean="0"/>
+              <a:t>)</a:t>
+            </a:r>
           </a:p>
           <a:p>
             <a:pPr marL="0" indent="0">
@@ -19131,110 +18645,15 @@
             </a:pPr>
             <a:r>
               <a:rPr lang="en-US" altLang="zh-CN" dirty="0" smtClean="0"/>
-              <a:t>   </a:t>
+              <a:t>library(</a:t>
             </a:r>
             <a:r>
               <a:rPr lang="en-US" altLang="zh-CN" dirty="0" err="1" smtClean="0"/>
-              <a:t>mydata</a:t>
+              <a:t>xlsxjars</a:t>
             </a:r>
             <a:r>
               <a:rPr lang="en-US" altLang="zh-CN" dirty="0" smtClean="0"/>
-              <a:t>&lt;- read.csv(file </a:t>
-            </a:r>
-            <a:r>
-              <a:rPr lang="en-US" altLang="zh-CN" dirty="0"/>
-              <a:t>= "C:\\Users\\HWT\\Desktop\\test.csv",header = F)</a:t>
-            </a:r>
-            <a:endParaRPr lang="en-US" altLang="zh-CN" dirty="0" smtClean="0"/>
-          </a:p>
-          <a:p>
-            <a:pPr lvl="1"/>
-            <a:r>
-              <a:rPr lang="zh-CN" altLang="en-US" dirty="0" smtClean="0"/>
-              <a:t>手动选择文件</a:t>
-            </a:r>
-            <a:endParaRPr lang="en-US" altLang="zh-CN" dirty="0"/>
-          </a:p>
-          <a:p>
-            <a:pPr marL="201295" lvl="1" indent="0">
-              <a:buNone/>
-            </a:pPr>
-            <a:r>
-              <a:rPr lang="en-US" altLang="zh-CN" dirty="0" err="1" smtClean="0"/>
-              <a:t>mydata</a:t>
-            </a:r>
-            <a:r>
-              <a:rPr lang="en-US" altLang="zh-CN" dirty="0" smtClean="0"/>
-              <a:t>&lt;-</a:t>
-            </a:r>
-            <a:r>
-              <a:rPr lang="en-US" altLang="zh-CN" dirty="0" err="1" smtClean="0"/>
-              <a:t>read.table</a:t>
-            </a:r>
-            <a:r>
-              <a:rPr lang="en-US" altLang="zh-CN" dirty="0" smtClean="0"/>
-              <a:t>(</a:t>
-            </a:r>
-            <a:r>
-              <a:rPr lang="en-US" altLang="zh-CN" dirty="0" err="1" smtClean="0"/>
-              <a:t>file.choose</a:t>
-            </a:r>
-            <a:r>
-              <a:rPr lang="en-US" altLang="zh-CN" dirty="0" smtClean="0"/>
-              <a:t>(),header=</a:t>
-            </a:r>
-            <a:r>
-              <a:rPr lang="en-US" altLang="zh-CN" dirty="0" err="1" smtClean="0"/>
-              <a:t>T,sep</a:t>
-            </a:r>
-            <a:r>
-              <a:rPr lang="en-US" altLang="zh-CN" dirty="0" smtClean="0"/>
-              <a:t>=“,”)</a:t>
-            </a:r>
-          </a:p>
-          <a:p>
-            <a:pPr lvl="1"/>
-            <a:r>
-              <a:rPr lang="zh-CN" altLang="en-US" dirty="0" smtClean="0"/>
-              <a:t>从剪贴板导入</a:t>
-            </a:r>
-            <a:endParaRPr lang="en-US" altLang="zh-CN" dirty="0" smtClean="0"/>
-          </a:p>
-          <a:p>
-            <a:pPr marL="201295" lvl="1" indent="0">
-              <a:buNone/>
-            </a:pPr>
-            <a:r>
-              <a:rPr lang="en-US" altLang="zh-CN" dirty="0" err="1" smtClean="0"/>
-              <a:t>mydata</a:t>
-            </a:r>
-            <a:r>
-              <a:rPr lang="en-US" altLang="zh-CN" dirty="0" smtClean="0"/>
-              <a:t>&lt;- </a:t>
-            </a:r>
-            <a:r>
-              <a:rPr lang="en-US" altLang="zh-CN" dirty="0" err="1" smtClean="0"/>
-              <a:t>read.table</a:t>
-            </a:r>
-            <a:r>
-              <a:rPr lang="en-US" altLang="zh-CN" dirty="0" smtClean="0"/>
-              <a:t>(“</a:t>
-            </a:r>
-            <a:r>
-              <a:rPr lang="en-US" altLang="zh-CN" dirty="0" err="1" smtClean="0"/>
-              <a:t>clipboard”,header</a:t>
-            </a:r>
-            <a:r>
-              <a:rPr lang="en-US" altLang="zh-CN" dirty="0" smtClean="0"/>
-              <a:t>=</a:t>
-            </a:r>
-            <a:r>
-              <a:rPr lang="en-US" altLang="zh-CN" dirty="0" err="1" smtClean="0"/>
-              <a:t>T,sep</a:t>
-            </a:r>
-            <a:r>
-              <a:rPr lang="en-US" altLang="zh-CN" dirty="0" smtClean="0"/>
-              <a:t>=“,”)</a:t>
+              <a:t>)</a:t>
             </a:r>
             <a:endParaRPr lang="en-US" altLang="zh-CN" dirty="0"/>
           </a:p>
@@ -19242,6 +18661,142 @@
             <a:pPr marL="0" indent="0">
               <a:buNone/>
             </a:pPr>
+            <a:r>
+              <a:rPr lang="en-US" altLang="zh-CN" dirty="0"/>
+              <a:t>library(</a:t>
+            </a:r>
+            <a:r>
+              <a:rPr lang="en-US" altLang="zh-CN" dirty="0" err="1"/>
+              <a:t>xlsx</a:t>
+            </a:r>
+            <a:r>
+              <a:rPr lang="en-US" altLang="zh-CN" dirty="0"/>
+              <a:t>)</a:t>
+            </a:r>
+          </a:p>
+          <a:p>
+            <a:pPr marL="0" indent="0">
+              <a:buNone/>
+            </a:pPr>
+            <a:r>
+              <a:rPr lang="en-US" altLang="zh-CN" dirty="0"/>
+              <a:t>workbook&lt;-”c:\\myworkbook.xlsx”</a:t>
+            </a:r>
+          </a:p>
+          <a:p>
+            <a:pPr marL="0" indent="0">
+              <a:buNone/>
+            </a:pPr>
+            <a:r>
+              <a:rPr lang="en-US" altLang="zh-CN" dirty="0" err="1"/>
+              <a:t>mydataframe</a:t>
+            </a:r>
+            <a:r>
+              <a:rPr lang="en-US" altLang="zh-CN" dirty="0"/>
+              <a:t>&lt;-read.xlsx(workbook,1)</a:t>
+            </a:r>
+          </a:p>
+          <a:p>
+            <a:pPr marL="0" indent="0">
+              <a:buNone/>
+            </a:pPr>
+            <a:r>
+              <a:rPr lang="en-US" altLang="zh-CN" dirty="0"/>
+              <a:t>#</a:t>
+            </a:r>
+            <a:r>
+              <a:rPr lang="zh-CN" altLang="en-US" dirty="0"/>
+              <a:t>位于</a:t>
+            </a:r>
+            <a:r>
+              <a:rPr lang="en-US" altLang="zh-CN" dirty="0"/>
+              <a:t>C</a:t>
+            </a:r>
+            <a:r>
+              <a:rPr lang="zh-CN" altLang="en-US" dirty="0"/>
+              <a:t>盘根目录的</a:t>
+            </a:r>
+            <a:r>
+              <a:rPr lang="en-US" altLang="zh-CN" dirty="0"/>
+              <a:t>myworkbook.xlsx</a:t>
+            </a:r>
+            <a:r>
+              <a:rPr lang="zh-CN" altLang="en-US" dirty="0"/>
+              <a:t>中的</a:t>
+            </a:r>
+            <a:r>
+              <a:rPr lang="en-US" altLang="zh-CN" dirty="0"/>
+              <a:t>sheet1</a:t>
+            </a:r>
+            <a:r>
+              <a:rPr lang="zh-CN" altLang="en-US" dirty="0"/>
+              <a:t>表被导入到了</a:t>
+            </a:r>
+            <a:r>
+              <a:rPr lang="en-US" altLang="zh-CN" dirty="0"/>
+              <a:t>R</a:t>
+            </a:r>
+            <a:r>
+              <a:rPr lang="zh-CN" altLang="en-US" dirty="0"/>
+              <a:t>的数据集</a:t>
+            </a:r>
+            <a:r>
+              <a:rPr lang="en-US" altLang="zh-CN" dirty="0" err="1"/>
+              <a:t>mydataframe</a:t>
+            </a:r>
+            <a:r>
+              <a:rPr lang="zh-CN" altLang="en-US" dirty="0"/>
+              <a:t>当中</a:t>
+            </a:r>
+            <a:endParaRPr lang="en-US" altLang="zh-CN" dirty="0"/>
+          </a:p>
+          <a:p>
+            <a:pPr marL="0" indent="0">
+              <a:buNone/>
+            </a:pPr>
+            <a:r>
+              <a:rPr lang="en-US" altLang="zh-CN" dirty="0"/>
+              <a:t>#</a:t>
+            </a:r>
+            <a:r>
+              <a:rPr lang="zh-CN" altLang="en-US" dirty="0"/>
+              <a:t>除此之外，</a:t>
+            </a:r>
+            <a:r>
+              <a:rPr lang="en-US" altLang="zh-CN" dirty="0"/>
+              <a:t>R</a:t>
+            </a:r>
+            <a:r>
+              <a:rPr lang="zh-CN" altLang="en-US" dirty="0"/>
+              <a:t>还可以将数据写入</a:t>
+            </a:r>
+            <a:r>
+              <a:rPr lang="en-US" altLang="zh-CN" dirty="0"/>
+              <a:t>excel</a:t>
+            </a:r>
+            <a:r>
+              <a:rPr lang="zh-CN" altLang="en-US" dirty="0"/>
+              <a:t>文件，请自行阅读该包的说明 </a:t>
+            </a:r>
+            <a:r>
+              <a:rPr lang="en-US" altLang="zh-CN" dirty="0"/>
+              <a:t>help(</a:t>
+            </a:r>
+            <a:r>
+              <a:rPr lang="en-US" altLang="zh-CN" dirty="0" err="1"/>
+              <a:t>xlsx</a:t>
+            </a:r>
+            <a:r>
+              <a:rPr lang="en-US" altLang="zh-CN" dirty="0"/>
+              <a:t>) </a:t>
+            </a:r>
+            <a:r>
+              <a:rPr lang="zh-CN" altLang="en-US" dirty="0"/>
+              <a:t>查看写入如何操作</a:t>
+            </a:r>
+            <a:endParaRPr lang="en-US" altLang="zh-CN" dirty="0"/>
+          </a:p>
+          <a:p>
             <a:endParaRPr lang="zh-CN" altLang="en-US" dirty="0"/>
           </a:p>
         </p:txBody>
@@ -19290,20 +18845,14 @@
         </p:nvSpPr>
         <p:spPr/>
         <p:txBody>
-          <a:bodyPr>
-            <a:normAutofit/>
-          </a:bodyPr>
+          <a:bodyPr/>
           <a:lstStyle/>
           <a:p>
             <a:r>
-              <a:rPr lang="en-US" altLang="zh-CN" sz="3200" dirty="0" smtClean="0"/>
-              <a:t>Excel</a:t>
-            </a:r>
-            <a:r>
-              <a:rPr lang="zh-CN" altLang="en-US" sz="3200" dirty="0" smtClean="0"/>
-              <a:t>导入</a:t>
-            </a:r>
-            <a:endParaRPr lang="zh-CN" altLang="en-US" sz="3200" dirty="0"/>
+              <a:rPr lang="zh-CN" altLang="en-US" dirty="0" smtClean="0"/>
+              <a:t>其他格式的数据文件导入</a:t>
+            </a:r>
+            <a:endParaRPr lang="zh-CN" altLang="en-US" dirty="0"/>
           </a:p>
         </p:txBody>
       </p:sp>
@@ -19319,246 +18868,355 @@
         </p:nvSpPr>
         <p:spPr/>
         <p:txBody>
-          <a:bodyPr>
-            <a:normAutofit lnSpcReduction="10000"/>
+          <a:bodyPr/>
+          <a:lstStyle/>
+          <a:p>
+            <a:r>
+              <a:rPr lang="en-US" altLang="zh-CN" dirty="0" smtClean="0"/>
+              <a:t>STATA</a:t>
+            </a:r>
+            <a:r>
+              <a:rPr lang="zh-CN" altLang="en-US" dirty="0" smtClean="0"/>
+              <a:t>：三大统计软件之一，计量经济常用软件，</a:t>
+            </a:r>
+            <a:r>
+              <a:rPr lang="en-US" altLang="zh-CN" dirty="0" smtClean="0"/>
+              <a:t>.</a:t>
+            </a:r>
+            <a:r>
+              <a:rPr lang="en-US" altLang="zh-CN" dirty="0" err="1" smtClean="0"/>
+              <a:t>dta</a:t>
+            </a:r>
+            <a:r>
+              <a:rPr lang="zh-CN" altLang="en-US" dirty="0" smtClean="0"/>
+              <a:t>数据文件</a:t>
+            </a:r>
+            <a:endParaRPr lang="en-US" altLang="zh-CN" dirty="0" smtClean="0"/>
+          </a:p>
+          <a:p>
+            <a:endParaRPr lang="en-US" altLang="zh-CN" dirty="0"/>
+          </a:p>
+          <a:p>
+            <a:endParaRPr lang="en-US" altLang="zh-CN" dirty="0" smtClean="0"/>
+          </a:p>
+          <a:p>
+            <a:r>
+              <a:rPr lang="en-US" altLang="zh-CN" dirty="0" smtClean="0"/>
+              <a:t>foreign</a:t>
+            </a:r>
+            <a:r>
+              <a:rPr lang="zh-CN" altLang="en-US" dirty="0" smtClean="0"/>
+              <a:t>包导入</a:t>
+            </a:r>
+            <a:r>
+              <a:rPr lang="en-US" altLang="zh-CN" dirty="0" smtClean="0"/>
+              <a:t>STATA</a:t>
+            </a:r>
+            <a:r>
+              <a:rPr lang="zh-CN" altLang="en-US" dirty="0" smtClean="0"/>
+              <a:t>数据会默认将数据中的标签值转化为</a:t>
+            </a:r>
+            <a:r>
+              <a:rPr lang="en-US" altLang="zh-CN" dirty="0" smtClean="0"/>
+              <a:t>factor</a:t>
+            </a:r>
+            <a:r>
+              <a:rPr lang="zh-CN" altLang="en-US" dirty="0" smtClean="0"/>
+              <a:t>类型，但必须不能存在空缺值，为了避免这一错误，可以关闭导入数据时转化为</a:t>
+            </a:r>
+            <a:r>
+              <a:rPr lang="en-US" altLang="zh-CN" dirty="0" smtClean="0"/>
+              <a:t>factor</a:t>
+            </a:r>
+            <a:r>
+              <a:rPr lang="zh-CN" altLang="en-US" dirty="0" smtClean="0"/>
+              <a:t>类型以避免出错</a:t>
+            </a:r>
+            <a:endParaRPr lang="en-US" altLang="zh-CN" dirty="0" smtClean="0"/>
+          </a:p>
+          <a:p>
+            <a:endParaRPr lang="en-US" altLang="zh-CN" dirty="0"/>
+          </a:p>
+          <a:p>
+            <a:r>
+              <a:rPr lang="zh-CN" altLang="en-US" dirty="0" smtClean="0"/>
+              <a:t>由于</a:t>
+            </a:r>
+            <a:r>
+              <a:rPr lang="en-US" altLang="zh-CN" dirty="0" smtClean="0"/>
+              <a:t>STATA</a:t>
+            </a:r>
+            <a:r>
+              <a:rPr lang="zh-CN" altLang="en-US" dirty="0" smtClean="0"/>
+              <a:t>前后版本数据格式不完全一致，导致导入数据时较为复杂，一些新的包对</a:t>
+            </a:r>
+            <a:r>
+              <a:rPr lang="en-US" altLang="zh-CN" dirty="0" smtClean="0"/>
+              <a:t>STATA</a:t>
+            </a:r>
+            <a:r>
+              <a:rPr lang="zh-CN" altLang="en-US" dirty="0" smtClean="0"/>
+              <a:t>数据导入做了优化，如</a:t>
+            </a:r>
+            <a:r>
+              <a:rPr lang="en-US" altLang="zh-CN" b="1" dirty="0" err="1" smtClean="0"/>
+              <a:t>memisc</a:t>
+            </a:r>
+            <a:r>
+              <a:rPr lang="zh-CN" altLang="en-US" b="1" dirty="0" smtClean="0"/>
+              <a:t>，</a:t>
+            </a:r>
+            <a:r>
+              <a:rPr lang="zh-CN" altLang="en-US" dirty="0" smtClean="0"/>
+              <a:t>有兴趣请自行研究</a:t>
+            </a:r>
+            <a:endParaRPr lang="zh-CN" altLang="en-US" dirty="0"/>
+          </a:p>
+        </p:txBody>
+      </p:sp>
+      <p:sp>
+        <p:nvSpPr>
+          <p:cNvPr id="4" name="Rectangle 1"/>
+          <p:cNvSpPr>
+            <a:spLocks noChangeArrowheads="1"/>
+          </p:cNvSpPr>
+          <p:nvPr/>
+        </p:nvSpPr>
+        <p:spPr bwMode="auto">
+          <a:xfrm>
+            <a:off x="1097280" y="2217528"/>
+            <a:ext cx="5419493" cy="861774"/>
+          </a:xfrm>
+          <a:prstGeom prst="rect">
+            <a:avLst/>
+          </a:prstGeom>
+          <a:solidFill>
+            <a:srgbClr val="FFFFFF"/>
+          </a:solidFill>
+          <a:ln>
+            <a:noFill/>
+          </a:ln>
+          <a:effectLst/>
+          <a:extLst>
+            <a:ext uri="{91240B29-F687-4F45-9708-019B960494DF}">
+              <a14:hiddenLine xmlns:a14="http://schemas.microsoft.com/office/drawing/2010/main" w="9525">
+                <a:solidFill>
+                  <a:schemeClr val="tx1"/>
+                </a:solidFill>
+                <a:miter lim="800000"/>
+                <a:headEnd/>
+                <a:tailEnd/>
+              </a14:hiddenLine>
+            </a:ext>
+            <a:ext uri="{AF507438-7753-43E0-B8FC-AC1667EBCBE1}">
+              <a14:hiddenEffects xmlns:a14="http://schemas.microsoft.com/office/drawing/2010/main">
+                <a:effectLst>
+                  <a:outerShdw dist="35921" dir="2700000" algn="ctr" rotWithShape="0">
+                    <a:schemeClr val="bg2"/>
+                  </a:outerShdw>
+                </a:effectLst>
+              </a14:hiddenEffects>
+            </a:ext>
+          </a:extLst>
+        </p:spPr>
+        <p:txBody>
+          <a:bodyPr vert="horz" wrap="square" lIns="0" tIns="0" rIns="0" bIns="0" numCol="1" anchor="ctr" anchorCtr="0" compatLnSpc="1">
+            <a:prstTxWarp prst="textNoShape">
+              <a:avLst/>
+            </a:prstTxWarp>
+            <a:spAutoFit/>
           </a:bodyPr>
           <a:lstStyle/>
           <a:p>
-            <a:r>
-              <a:rPr lang="zh-CN" altLang="en-US" dirty="0"/>
-              <a:t>从</a:t>
-            </a:r>
-            <a:r>
-              <a:rPr lang="en-US" altLang="zh-CN" dirty="0"/>
-              <a:t>excel</a:t>
-            </a:r>
-            <a:r>
-              <a:rPr lang="zh-CN" altLang="en-US" dirty="0"/>
-              <a:t>文件导入</a:t>
-            </a:r>
-            <a:endParaRPr lang="en-US" altLang="zh-CN" dirty="0"/>
-          </a:p>
-          <a:p>
-            <a:pPr marL="0" indent="0">
+            <a:pPr marL="0" marR="0" lvl="0" indent="0" algn="l" defTabSz="914400" rtl="0" eaLnBrk="0" fontAlgn="base" latinLnBrk="0" hangingPunct="0">
+              <a:lnSpc>
+                <a:spcPct val="100000"/>
+              </a:lnSpc>
+              <a:spcBef>
+                <a:spcPct val="0"/>
+              </a:spcBef>
+              <a:spcAft>
+                <a:spcPct val="0"/>
+              </a:spcAft>
+              <a:buClrTx/>
+              <a:buSzTx/>
+              <a:buFontTx/>
               <a:buNone/>
+              <a:tabLst/>
             </a:pPr>
             <a:r>
-              <a:rPr lang="zh-CN" altLang="en-US" dirty="0"/>
-              <a:t>首先，需要加载程序包</a:t>
-            </a:r>
-            <a:r>
-              <a:rPr lang="en-US" altLang="zh-CN" dirty="0" err="1"/>
-              <a:t>xlsx</a:t>
-            </a:r>
-            <a:r>
-              <a:rPr lang="zh-CN" altLang="en-US" dirty="0"/>
-              <a:t>，</a:t>
-            </a:r>
-            <a:r>
-              <a:rPr lang="en-US" altLang="zh-CN" dirty="0" err="1"/>
-              <a:t>Rstudio</a:t>
-            </a:r>
-            <a:r>
-              <a:rPr lang="zh-CN" altLang="en-US" dirty="0"/>
-              <a:t>会帮你自动加载它的关联</a:t>
-            </a:r>
-            <a:r>
-              <a:rPr lang="zh-CN" altLang="en-US" dirty="0" smtClean="0"/>
-              <a:t>包</a:t>
-            </a:r>
-            <a:endParaRPr lang="en-US" altLang="zh-CN" dirty="0" smtClean="0"/>
-          </a:p>
-          <a:p>
-            <a:pPr marL="0" indent="0">
+              <a:rPr kumimoji="0" lang="zh-CN" altLang="zh-CN" sz="1400" b="0" i="0" u="none" strike="noStrike" cap="none" normalizeH="0" baseline="0" dirty="0" smtClean="0">
+                <a:ln>
+                  <a:noFill/>
+                </a:ln>
+                <a:solidFill>
+                  <a:srgbClr val="0000FF"/>
+                </a:solidFill>
+                <a:effectLst/>
+                <a:latin typeface="Lucida Console" panose="020B0609040504020204" pitchFamily="49" charset="0"/>
+              </a:rPr>
+              <a:t>&gt; tes5&lt;-read.dta("F:\\NauCloud\\CSDPS2.dta") </a:t>
+            </a:r>
+            <a:endParaRPr kumimoji="0" lang="en-US" altLang="zh-CN" sz="1400" b="0" i="0" u="none" strike="noStrike" cap="none" normalizeH="0" baseline="0" dirty="0" smtClean="0">
+              <a:ln>
+                <a:noFill/>
+              </a:ln>
+              <a:solidFill>
+                <a:srgbClr val="0000FF"/>
+              </a:solidFill>
+              <a:effectLst/>
+              <a:latin typeface="Lucida Console" panose="020B0609040504020204" pitchFamily="49" charset="0"/>
+            </a:endParaRPr>
+          </a:p>
+          <a:p>
+            <a:pPr marL="0" marR="0" lvl="0" indent="0" algn="l" defTabSz="914400" rtl="0" eaLnBrk="0" fontAlgn="base" latinLnBrk="0" hangingPunct="0">
+              <a:lnSpc>
+                <a:spcPct val="100000"/>
+              </a:lnSpc>
+              <a:spcBef>
+                <a:spcPct val="0"/>
+              </a:spcBef>
+              <a:spcAft>
+                <a:spcPct val="0"/>
+              </a:spcAft>
+              <a:buClrTx/>
+              <a:buSzTx/>
+              <a:buFontTx/>
               <a:buNone/>
+              <a:tabLst/>
             </a:pPr>
             <a:r>
-              <a:rPr lang="en-US" altLang="zh-CN" dirty="0" smtClean="0"/>
-              <a:t>library(</a:t>
-            </a:r>
-            <a:r>
-              <a:rPr lang="en-US" altLang="zh-CN" dirty="0" err="1" smtClean="0"/>
-              <a:t>rjava</a:t>
-            </a:r>
-            <a:r>
-              <a:rPr lang="en-US" altLang="zh-CN" dirty="0" smtClean="0"/>
-              <a:t>)</a:t>
-            </a:r>
-          </a:p>
-          <a:p>
-            <a:pPr marL="0" indent="0">
+              <a:rPr kumimoji="0" lang="zh-CN" altLang="zh-CN" sz="1400" b="0" i="0" u="none" strike="noStrike" cap="none" normalizeH="0" baseline="0" dirty="0" smtClean="0">
+                <a:ln>
+                  <a:noFill/>
+                </a:ln>
+                <a:solidFill>
+                  <a:srgbClr val="C5060B"/>
+                </a:solidFill>
+                <a:effectLst/>
+                <a:latin typeface="Lucida Console" panose="020B0609040504020204" pitchFamily="49" charset="0"/>
+              </a:rPr>
+              <a:t>Error in `levels&lt;-`(`*tmp*`, value = if (nl == nL) as.character(labels) else paste0(labels, : factor level [721] is duplicated</a:t>
+            </a:r>
+            <a:endParaRPr kumimoji="0" lang="zh-CN" altLang="zh-CN" sz="3200" b="0" i="0" u="none" strike="noStrike" cap="none" normalizeH="0" baseline="0" dirty="0" smtClean="0">
+              <a:ln>
+                <a:noFill/>
+              </a:ln>
+              <a:solidFill>
+                <a:schemeClr val="tx1"/>
+              </a:solidFill>
+              <a:effectLst/>
+              <a:latin typeface="Arial" panose="020B0604020202020204" pitchFamily="34" charset="0"/>
+            </a:endParaRPr>
+          </a:p>
+        </p:txBody>
+      </p:sp>
+      <p:sp>
+        <p:nvSpPr>
+          <p:cNvPr id="5" name="Rectangle 2"/>
+          <p:cNvSpPr>
+            <a:spLocks noChangeArrowheads="1"/>
+          </p:cNvSpPr>
+          <p:nvPr/>
+        </p:nvSpPr>
+        <p:spPr bwMode="auto">
+          <a:xfrm>
+            <a:off x="1097280" y="3937392"/>
+            <a:ext cx="6322244" cy="184666"/>
+          </a:xfrm>
+          <a:prstGeom prst="rect">
+            <a:avLst/>
+          </a:prstGeom>
+          <a:solidFill>
+            <a:srgbClr val="FFFFFF"/>
+          </a:solidFill>
+          <a:ln>
+            <a:noFill/>
+          </a:ln>
+          <a:effectLst/>
+          <a:extLst>
+            <a:ext uri="{91240B29-F687-4F45-9708-019B960494DF}">
+              <a14:hiddenLine xmlns:a14="http://schemas.microsoft.com/office/drawing/2010/main" w="9525">
+                <a:solidFill>
+                  <a:schemeClr val="tx1"/>
+                </a:solidFill>
+                <a:miter lim="800000"/>
+                <a:headEnd/>
+                <a:tailEnd/>
+              </a14:hiddenLine>
+            </a:ext>
+            <a:ext uri="{AF507438-7753-43E0-B8FC-AC1667EBCBE1}">
+              <a14:hiddenEffects xmlns:a14="http://schemas.microsoft.com/office/drawing/2010/main">
+                <a:effectLst>
+                  <a:outerShdw dist="35921" dir="2700000" algn="ctr" rotWithShape="0">
+                    <a:schemeClr val="bg2"/>
+                  </a:outerShdw>
+                </a:effectLst>
+              </a14:hiddenEffects>
+            </a:ext>
+          </a:extLst>
+        </p:spPr>
+        <p:txBody>
+          <a:bodyPr vert="horz" wrap="none" lIns="0" tIns="0" rIns="0" bIns="0" numCol="1" anchor="ctr" anchorCtr="0" compatLnSpc="1">
+            <a:prstTxWarp prst="textNoShape">
+              <a:avLst/>
+            </a:prstTxWarp>
+            <a:spAutoFit/>
+          </a:bodyPr>
+          <a:lstStyle/>
+          <a:p>
+            <a:pPr marL="0" marR="0" lvl="0" indent="0" algn="l" defTabSz="914400" rtl="0" eaLnBrk="0" fontAlgn="base" latinLnBrk="0" hangingPunct="0">
+              <a:lnSpc>
+                <a:spcPct val="100000"/>
+              </a:lnSpc>
+              <a:spcBef>
+                <a:spcPct val="0"/>
+              </a:spcBef>
+              <a:spcAft>
+                <a:spcPct val="0"/>
+              </a:spcAft>
+              <a:buClrTx/>
+              <a:buSzTx/>
+              <a:buFontTx/>
               <a:buNone/>
+              <a:tabLst/>
             </a:pPr>
             <a:r>
-              <a:rPr lang="en-US" altLang="zh-CN" dirty="0" smtClean="0"/>
-              <a:t>library(</a:t>
-            </a:r>
-            <a:r>
-              <a:rPr lang="en-US" altLang="zh-CN" dirty="0" err="1" smtClean="0"/>
-              <a:t>xlsxjars</a:t>
-            </a:r>
-            <a:r>
-              <a:rPr lang="en-US" altLang="zh-CN" dirty="0" smtClean="0"/>
-              <a:t>)</a:t>
-            </a:r>
-            <a:endParaRPr lang="en-US" altLang="zh-CN" dirty="0"/>
-          </a:p>
-          <a:p>
-            <a:pPr marL="0" indent="0">
-              <a:buNone/>
-            </a:pPr>
-            <a:r>
-              <a:rPr lang="en-US" altLang="zh-CN" dirty="0"/>
-              <a:t>library(</a:t>
-            </a:r>
-            <a:r>
-              <a:rPr lang="en-US" altLang="zh-CN" dirty="0" err="1"/>
-              <a:t>xlsx</a:t>
-            </a:r>
-            <a:r>
-              <a:rPr lang="en-US" altLang="zh-CN" dirty="0"/>
-              <a:t>)</a:t>
-            </a:r>
-          </a:p>
-          <a:p>
-            <a:pPr marL="0" indent="0">
-              <a:buNone/>
-            </a:pPr>
-            <a:r>
-              <a:rPr lang="en-US" altLang="zh-CN" dirty="0"/>
-              <a:t>workbook&lt;-”c:\\myworkbook.xlsx”</a:t>
-            </a:r>
-          </a:p>
-          <a:p>
-            <a:pPr marL="0" indent="0">
-              <a:buNone/>
-            </a:pPr>
-            <a:r>
-              <a:rPr lang="en-US" altLang="zh-CN" dirty="0" err="1"/>
-              <a:t>mydataframe</a:t>
-            </a:r>
-            <a:r>
-              <a:rPr lang="en-US" altLang="zh-CN" dirty="0"/>
-              <a:t>&lt;-read.xlsx(workbook,1)</a:t>
-            </a:r>
-          </a:p>
-          <a:p>
-            <a:pPr marL="0" indent="0">
-              <a:buNone/>
-            </a:pPr>
-            <a:r>
-              <a:rPr lang="en-US" altLang="zh-CN" dirty="0"/>
-              <a:t>#</a:t>
-            </a:r>
-            <a:r>
-              <a:rPr lang="zh-CN" altLang="en-US" dirty="0"/>
-              <a:t>位于</a:t>
-            </a:r>
-            <a:r>
-              <a:rPr lang="en-US" altLang="zh-CN" dirty="0"/>
-              <a:t>C</a:t>
-            </a:r>
-            <a:r>
-              <a:rPr lang="zh-CN" altLang="en-US" dirty="0"/>
-              <a:t>盘根目录的</a:t>
-            </a:r>
-            <a:r>
-              <a:rPr lang="en-US" altLang="zh-CN" dirty="0"/>
-              <a:t>myworkbook.xlsx</a:t>
-            </a:r>
-            <a:r>
-              <a:rPr lang="zh-CN" altLang="en-US" dirty="0"/>
-              <a:t>中的</a:t>
-            </a:r>
-            <a:r>
-              <a:rPr lang="en-US" altLang="zh-CN" dirty="0"/>
-              <a:t>sheet1</a:t>
-            </a:r>
-            <a:r>
-              <a:rPr lang="zh-CN" altLang="en-US" dirty="0"/>
-              <a:t>表被导入到了</a:t>
-            </a:r>
-            <a:r>
-              <a:rPr lang="en-US" altLang="zh-CN" dirty="0"/>
-              <a:t>R</a:t>
-            </a:r>
-            <a:r>
-              <a:rPr lang="zh-CN" altLang="en-US" dirty="0"/>
-              <a:t>的数据集</a:t>
-            </a:r>
-            <a:r>
-              <a:rPr lang="en-US" altLang="zh-CN" dirty="0" err="1"/>
-              <a:t>mydataframe</a:t>
-            </a:r>
-            <a:r>
-              <a:rPr lang="zh-CN" altLang="en-US" dirty="0"/>
-              <a:t>当中</a:t>
-            </a:r>
-            <a:endParaRPr lang="en-US" altLang="zh-CN" dirty="0"/>
-          </a:p>
-          <a:p>
-            <a:pPr marL="0" indent="0">
-              <a:buNone/>
-            </a:pPr>
-            <a:r>
-              <a:rPr lang="en-US" altLang="zh-CN" dirty="0"/>
-              <a:t>#</a:t>
-            </a:r>
-            <a:r>
-              <a:rPr lang="zh-CN" altLang="en-US" dirty="0"/>
-              <a:t>除此之外，</a:t>
-            </a:r>
-            <a:r>
-              <a:rPr lang="en-US" altLang="zh-CN" dirty="0"/>
-              <a:t>R</a:t>
-            </a:r>
-            <a:r>
-              <a:rPr lang="zh-CN" altLang="en-US" dirty="0"/>
-              <a:t>还可以将数据写入</a:t>
-            </a:r>
-            <a:r>
-              <a:rPr lang="en-US" altLang="zh-CN" dirty="0"/>
-              <a:t>excel</a:t>
-            </a:r>
-            <a:r>
-              <a:rPr lang="zh-CN" altLang="en-US" dirty="0"/>
-              <a:t>文件，请自行阅读该包的说明 </a:t>
-            </a:r>
-            <a:r>
-              <a:rPr lang="en-US" altLang="zh-CN" dirty="0"/>
-              <a:t>help(</a:t>
-            </a:r>
-            <a:r>
-              <a:rPr lang="en-US" altLang="zh-CN" dirty="0" err="1"/>
-              <a:t>xlsx</a:t>
-            </a:r>
-            <a:r>
-              <a:rPr lang="en-US" altLang="zh-CN" dirty="0"/>
-              <a:t>) </a:t>
-            </a:r>
-            <a:r>
-              <a:rPr lang="zh-CN" altLang="en-US" dirty="0"/>
-              <a:t>查看写入如何操作</a:t>
-            </a:r>
-            <a:endParaRPr lang="en-US" altLang="zh-CN" dirty="0"/>
-          </a:p>
-          <a:p>
-            <a:endParaRPr lang="zh-CN" altLang="en-US" dirty="0"/>
+              <a:rPr kumimoji="0" lang="zh-CN" altLang="zh-CN" sz="1200" b="0" i="0" u="none" strike="noStrike" cap="none" normalizeH="0" baseline="0" dirty="0" smtClean="0">
+                <a:ln>
+                  <a:noFill/>
+                </a:ln>
+                <a:solidFill>
+                  <a:srgbClr val="0000FF"/>
+                </a:solidFill>
+                <a:effectLst/>
+                <a:latin typeface="Lucida Console" panose="020B0609040504020204" pitchFamily="49" charset="0"/>
+              </a:rPr>
+              <a:t>&gt; tes5&lt;-read.dta("F:\\NauCloud\\CSDPS2.dta",convert.factors = FALSE)</a:t>
+            </a:r>
+            <a:endParaRPr kumimoji="0" lang="zh-CN" altLang="zh-CN" sz="2800" b="0" i="0" u="none" strike="noStrike" cap="none" normalizeH="0" baseline="0" dirty="0" smtClean="0">
+              <a:ln>
+                <a:noFill/>
+              </a:ln>
+              <a:solidFill>
+                <a:schemeClr val="tx1"/>
+              </a:solidFill>
+              <a:effectLst/>
+              <a:latin typeface="Arial" panose="020B0604020202020204" pitchFamily="34" charset="0"/>
+            </a:endParaRPr>
           </a:p>
         </p:txBody>
       </p:sp>
     </p:spTree>
+    <p:extLst>
+      <p:ext uri="{BB962C8B-B14F-4D97-AF65-F5344CB8AC3E}">
+        <p14:creationId xmlns:p14="http://schemas.microsoft.com/office/powerpoint/2010/main" val="1661507289"/>
+      </p:ext>
+    </p:extLst>
   </p:cSld>
   <p:clrMapOvr>
     <a:masterClrMapping/>
   </p:clrMapOvr>
-  <p:timing>
-    <p:tnLst>
-      <p:par>
-        <p:cTn id="1" dur="indefinite" restart="never" nodeType="tmRoot"/>
-      </p:par>
-    </p:tnLst>
-  </p:timing>
 </p:sld>
 </file>
 
@@ -22482,23 +22140,7 @@
             </a:r>
             <a:r>
               <a:rPr lang="zh-CN" altLang="en-US" dirty="0" smtClean="0"/>
-              <a:t>方式是删除数据</a:t>
-            </a:r>
-            <a:r>
-              <a:rPr lang="zh-CN" altLang="en-US" dirty="0" smtClean="0"/>
-              <a:t>集当中</a:t>
-            </a:r>
-            <a:r>
-              <a:rPr lang="zh-CN" altLang="en-US" dirty="0" smtClean="0"/>
-              <a:t>变量的方式</a:t>
-            </a:r>
-            <a:r>
-              <a:rPr lang="zh-CN" altLang="en-US" dirty="0" smtClean="0"/>
-              <a:t>，虽然数据集虽然在形式上与矩阵类似，但这种方式矩阵并不具备。由于</a:t>
-            </a:r>
-            <a:r>
-              <a:rPr lang="zh-CN" altLang="en-US" dirty="0" smtClean="0"/>
-              <a:t>是赋值方式，结果是直接修改了原数据集</a:t>
+              <a:t>方式是删除数据集当中变量的方式，虽然数据集虽然在形式上与矩阵类似，但这种方式矩阵并不具备。由于是赋值方式，结果是直接修改了原数据集</a:t>
             </a:r>
             <a:endParaRPr lang="en-US" altLang="zh-CN" dirty="0"/>
           </a:p>

--- a/实验2-变量-导入和包.pptx
+++ b/实验2-变量-导入和包.pptx
@@ -5,7 +5,7 @@
     <p:sldMasterId id="2147483648" r:id="rId1"/>
   </p:sldMasterIdLst>
   <p:notesMasterIdLst>
-    <p:notesMasterId r:id="rId32"/>
+    <p:notesMasterId r:id="rId33"/>
   </p:notesMasterIdLst>
   <p:sldIdLst>
     <p:sldId id="256" r:id="rId2"/>
@@ -31,13 +31,14 @@
     <p:sldId id="308" r:id="rId22"/>
     <p:sldId id="318" r:id="rId23"/>
     <p:sldId id="280" r:id="rId24"/>
-    <p:sldId id="274" r:id="rId25"/>
-    <p:sldId id="276" r:id="rId26"/>
-    <p:sldId id="320" r:id="rId27"/>
-    <p:sldId id="288" r:id="rId28"/>
-    <p:sldId id="277" r:id="rId29"/>
-    <p:sldId id="285" r:id="rId30"/>
-    <p:sldId id="314" r:id="rId31"/>
+    <p:sldId id="321" r:id="rId25"/>
+    <p:sldId id="274" r:id="rId26"/>
+    <p:sldId id="276" r:id="rId27"/>
+    <p:sldId id="320" r:id="rId28"/>
+    <p:sldId id="288" r:id="rId29"/>
+    <p:sldId id="277" r:id="rId30"/>
+    <p:sldId id="285" r:id="rId31"/>
+    <p:sldId id="314" r:id="rId32"/>
   </p:sldIdLst>
   <p:sldSz cx="12192000" cy="6858000"/>
   <p:notesSz cx="6858000" cy="9144000"/>
@@ -226,7 +227,7 @@
           <a:p>
             <a:fld id="{1335C5EC-DAC7-46E7-A71C-3FD57F01693A}" type="datetimeFigureOut">
               <a:rPr lang="zh-CN" altLang="en-US" smtClean="0"/>
-              <a:t>2017/9/18</a:t>
+              <a:t>2017/9/19</a:t>
             </a:fld>
             <a:endParaRPr lang="zh-CN" altLang="en-US"/>
           </a:p>
@@ -804,7 +805,7 @@
           <a:p>
             <a:fld id="{991CC714-C3A2-4C47-A06E-292FB3B91961}" type="datetimeFigureOut">
               <a:rPr lang="zh-CN" altLang="en-US" smtClean="0"/>
-              <a:t>2017/9/18</a:t>
+              <a:t>2017/9/19</a:t>
             </a:fld>
             <a:endParaRPr lang="zh-CN" altLang="en-US"/>
           </a:p>
@@ -1007,7 +1008,7 @@
           <a:p>
             <a:fld id="{991CC714-C3A2-4C47-A06E-292FB3B91961}" type="datetimeFigureOut">
               <a:rPr lang="zh-CN" altLang="en-US" smtClean="0"/>
-              <a:t>2017/9/18</a:t>
+              <a:t>2017/9/19</a:t>
             </a:fld>
             <a:endParaRPr lang="zh-CN" altLang="en-US"/>
           </a:p>
@@ -1258,7 +1259,7 @@
           <a:p>
             <a:fld id="{991CC714-C3A2-4C47-A06E-292FB3B91961}" type="datetimeFigureOut">
               <a:rPr lang="zh-CN" altLang="en-US" smtClean="0"/>
-              <a:t>2017/9/18</a:t>
+              <a:t>2017/9/19</a:t>
             </a:fld>
             <a:endParaRPr lang="zh-CN" altLang="en-US"/>
           </a:p>
@@ -1452,7 +1453,7 @@
           <a:p>
             <a:fld id="{991CC714-C3A2-4C47-A06E-292FB3B91961}" type="datetimeFigureOut">
               <a:rPr lang="zh-CN" altLang="en-US" smtClean="0"/>
-              <a:t>2017/9/18</a:t>
+              <a:t>2017/9/19</a:t>
             </a:fld>
             <a:endParaRPr lang="zh-CN" altLang="en-US"/>
           </a:p>
@@ -1789,7 +1790,7 @@
           <a:p>
             <a:fld id="{991CC714-C3A2-4C47-A06E-292FB3B91961}" type="datetimeFigureOut">
               <a:rPr lang="zh-CN" altLang="en-US" smtClean="0"/>
-              <a:t>2017/9/18</a:t>
+              <a:t>2017/9/19</a:t>
             </a:fld>
             <a:endParaRPr lang="zh-CN" altLang="en-US"/>
           </a:p>
@@ -2059,7 +2060,7 @@
           <a:p>
             <a:fld id="{991CC714-C3A2-4C47-A06E-292FB3B91961}" type="datetimeFigureOut">
               <a:rPr lang="zh-CN" altLang="en-US" smtClean="0"/>
-              <a:t>2017/9/18</a:t>
+              <a:t>2017/9/19</a:t>
             </a:fld>
             <a:endParaRPr lang="zh-CN" altLang="en-US"/>
           </a:p>
@@ -2433,7 +2434,7 @@
           <a:p>
             <a:fld id="{991CC714-C3A2-4C47-A06E-292FB3B91961}" type="datetimeFigureOut">
               <a:rPr lang="zh-CN" altLang="en-US" smtClean="0"/>
-              <a:t>2017/9/18</a:t>
+              <a:t>2017/9/19</a:t>
             </a:fld>
             <a:endParaRPr lang="zh-CN" altLang="en-US"/>
           </a:p>
@@ -2546,7 +2547,7 @@
           <a:p>
             <a:fld id="{991CC714-C3A2-4C47-A06E-292FB3B91961}" type="datetimeFigureOut">
               <a:rPr lang="zh-CN" altLang="en-US" smtClean="0"/>
-              <a:t>2017/9/18</a:t>
+              <a:t>2017/9/19</a:t>
             </a:fld>
             <a:endParaRPr lang="zh-CN" altLang="en-US"/>
           </a:p>
@@ -2712,7 +2713,7 @@
           <a:p>
             <a:fld id="{991CC714-C3A2-4C47-A06E-292FB3B91961}" type="datetimeFigureOut">
               <a:rPr lang="zh-CN" altLang="en-US" smtClean="0"/>
-              <a:t>2017/9/18</a:t>
+              <a:t>2017/9/19</a:t>
             </a:fld>
             <a:endParaRPr lang="zh-CN" altLang="en-US"/>
           </a:p>
@@ -3061,7 +3062,7 @@
           <a:p>
             <a:fld id="{991CC714-C3A2-4C47-A06E-292FB3B91961}" type="datetimeFigureOut">
               <a:rPr lang="zh-CN" altLang="en-US" smtClean="0"/>
-              <a:t>2017/9/18</a:t>
+              <a:t>2017/9/19</a:t>
             </a:fld>
             <a:endParaRPr lang="zh-CN" altLang="en-US"/>
           </a:p>
@@ -3438,7 +3439,7 @@
           <a:p>
             <a:fld id="{991CC714-C3A2-4C47-A06E-292FB3B91961}" type="datetimeFigureOut">
               <a:rPr lang="zh-CN" altLang="en-US" smtClean="0"/>
-              <a:t>2017/9/18</a:t>
+              <a:t>2017/9/19</a:t>
             </a:fld>
             <a:endParaRPr lang="zh-CN" altLang="en-US"/>
           </a:p>
@@ -3720,7 +3721,7 @@
           <a:p>
             <a:fld id="{991CC714-C3A2-4C47-A06E-292FB3B91961}" type="datetimeFigureOut">
               <a:rPr lang="zh-CN" altLang="en-US" smtClean="0"/>
-              <a:t>2017/9/18</a:t>
+              <a:t>2017/9/19</a:t>
             </a:fld>
             <a:endParaRPr lang="zh-CN" altLang="en-US"/>
           </a:p>
@@ -17563,7 +17564,7 @@
           <a:graphicData uri="http://schemas.openxmlformats.org/presentationml/2006/ole">
             <mc:AlternateContent xmlns:mc="http://schemas.openxmlformats.org/markup-compatibility/2006">
               <mc:Choice xmlns:v="urn:schemas-microsoft-com:vml" Requires="v">
-                <p:oleObj spid="_x0000_s1052" name="Equation" r:id="rId3" imgW="1498320" imgH="1168200" progId="Equation.DSMT4">
+                <p:oleObj spid="_x0000_s1055" name="Equation" r:id="rId3" imgW="1498320" imgH="1168200" progId="Equation.DSMT4">
                   <p:embed/>
                 </p:oleObj>
               </mc:Choice>
@@ -18124,6 +18125,17 @@
           <a:lstStyle/>
           <a:p>
             <a:r>
+              <a:rPr lang="en-US" altLang="zh-CN" dirty="0" smtClean="0"/>
+              <a:t>R</a:t>
+            </a:r>
+            <a:r>
+              <a:rPr lang="zh-CN" altLang="en-US" dirty="0" smtClean="0"/>
+              <a:t>标准格式数据文件</a:t>
+            </a:r>
+            <a:endParaRPr lang="en-US" altLang="zh-CN" dirty="0" smtClean="0"/>
+          </a:p>
+          <a:p>
+            <a:r>
               <a:rPr lang="zh-CN" altLang="en-US" dirty="0" smtClean="0"/>
               <a:t>外部文件中的数据</a:t>
             </a:r>
@@ -18248,16 +18260,18 @@
         </p:nvSpPr>
         <p:spPr/>
         <p:txBody>
-          <a:bodyPr>
-            <a:normAutofit/>
-          </a:bodyPr>
+          <a:bodyPr/>
           <a:lstStyle/>
           <a:p>
             <a:r>
-              <a:rPr lang="zh-CN" altLang="en-US" sz="3200" dirty="0" smtClean="0"/>
-              <a:t>文本文件导入</a:t>
-            </a:r>
-            <a:endParaRPr lang="zh-CN" altLang="en-US" sz="3200" dirty="0"/>
+              <a:rPr lang="en-US" altLang="zh-CN" dirty="0" smtClean="0"/>
+              <a:t>R</a:t>
+            </a:r>
+            <a:r>
+              <a:rPr lang="zh-CN" altLang="en-US" dirty="0" smtClean="0"/>
+              <a:t>语言标准文件格式</a:t>
+            </a:r>
+            <a:endParaRPr lang="zh-CN" altLang="en-US" dirty="0"/>
           </a:p>
         </p:txBody>
       </p:sp>
@@ -18271,247 +18285,148 @@
             <p:ph idx="1"/>
           </p:nvPr>
         </p:nvSpPr>
-        <p:spPr>
+        <p:spPr/>
+        <p:txBody>
+          <a:bodyPr/>
+          <a:lstStyle/>
+          <a:p>
+            <a:r>
+              <a:rPr lang="en-US" altLang="zh-CN" dirty="0" err="1" smtClean="0"/>
+              <a:t>Rdata</a:t>
+            </a:r>
+            <a:r>
+              <a:rPr lang="en-US" altLang="zh-CN" dirty="0" smtClean="0"/>
+              <a:t> </a:t>
+            </a:r>
+            <a:r>
+              <a:rPr lang="zh-CN" altLang="en-US" dirty="0" smtClean="0"/>
+              <a:t>文件 镜像空间存储文件 保留变量和相应的模型</a:t>
+            </a:r>
+            <a:endParaRPr lang="en-US" altLang="zh-CN" dirty="0" smtClean="0"/>
+          </a:p>
+          <a:p>
+            <a:r>
+              <a:rPr lang="en-US" altLang="zh-CN" dirty="0" err="1" smtClean="0"/>
+              <a:t>Rda</a:t>
+            </a:r>
+            <a:r>
+              <a:rPr lang="en-US" altLang="zh-CN" dirty="0" smtClean="0"/>
+              <a:t> </a:t>
+            </a:r>
+            <a:r>
+              <a:rPr lang="zh-CN" altLang="en-US" dirty="0" smtClean="0"/>
+              <a:t>文件 数据文件 仅保留数据</a:t>
+            </a:r>
+            <a:endParaRPr lang="zh-CN" altLang="en-US" dirty="0"/>
+          </a:p>
+        </p:txBody>
+      </p:sp>
+      <p:sp>
+        <p:nvSpPr>
+          <p:cNvPr id="4" name="Rectangle 1"/>
+          <p:cNvSpPr>
+            <a:spLocks noChangeArrowheads="1"/>
+          </p:cNvSpPr>
+          <p:nvPr/>
+        </p:nvSpPr>
+        <p:spPr bwMode="auto">
           <a:xfrm>
-            <a:off x="1097280" y="1845733"/>
-            <a:ext cx="10058400" cy="4418879"/>
+            <a:off x="1097280" y="2990979"/>
+            <a:ext cx="3161122" cy="184666"/>
           </a:xfrm>
+          <a:prstGeom prst="rect">
+            <a:avLst/>
+          </a:prstGeom>
+          <a:solidFill>
+            <a:srgbClr val="FFFFFF"/>
+          </a:solidFill>
+          <a:ln>
+            <a:noFill/>
+          </a:ln>
+          <a:effectLst/>
+          <a:extLst>
+            <a:ext uri="{91240B29-F687-4F45-9708-019B960494DF}">
+              <a14:hiddenLine xmlns:a14="http://schemas.microsoft.com/office/drawing/2010/main" w="9525">
+                <a:solidFill>
+                  <a:schemeClr val="tx1"/>
+                </a:solidFill>
+                <a:miter lim="800000"/>
+                <a:headEnd/>
+                <a:tailEnd/>
+              </a14:hiddenLine>
+            </a:ext>
+            <a:ext uri="{AF507438-7753-43E0-B8FC-AC1667EBCBE1}">
+              <a14:hiddenEffects xmlns:a14="http://schemas.microsoft.com/office/drawing/2010/main">
+                <a:effectLst>
+                  <a:outerShdw dist="35921" dir="2700000" algn="ctr" rotWithShape="0">
+                    <a:schemeClr val="bg2"/>
+                  </a:outerShdw>
+                </a:effectLst>
+              </a14:hiddenEffects>
+            </a:ext>
+          </a:extLst>
         </p:spPr>
         <p:txBody>
-          <a:bodyPr>
-            <a:normAutofit/>
+          <a:bodyPr vert="horz" wrap="none" lIns="0" tIns="0" rIns="0" bIns="0" numCol="1" anchor="ctr" anchorCtr="0" compatLnSpc="1">
+            <a:prstTxWarp prst="textNoShape">
+              <a:avLst/>
+            </a:prstTxWarp>
+            <a:spAutoFit/>
           </a:bodyPr>
           <a:lstStyle/>
           <a:p>
-            <a:r>
-              <a:rPr lang="zh-CN" altLang="en-US" dirty="0" smtClean="0"/>
-              <a:t>从文本文件导入</a:t>
-            </a:r>
-            <a:endParaRPr lang="en-US" altLang="zh-CN" dirty="0" smtClean="0"/>
-          </a:p>
-          <a:p>
-            <a:pPr marL="0" indent="0">
+            <a:pPr marL="0" marR="0" lvl="0" indent="0" algn="l" defTabSz="914400" rtl="0" eaLnBrk="0" fontAlgn="base" latinLnBrk="0" hangingPunct="0">
+              <a:lnSpc>
+                <a:spcPct val="100000"/>
+              </a:lnSpc>
+              <a:spcBef>
+                <a:spcPct val="0"/>
+              </a:spcBef>
+              <a:spcAft>
+                <a:spcPct val="0"/>
+              </a:spcAft>
+              <a:buClrTx/>
+              <a:buSzTx/>
+              <a:buFontTx/>
               <a:buNone/>
+              <a:tabLst/>
             </a:pPr>
             <a:r>
-              <a:rPr lang="en-US" altLang="zh-CN" dirty="0" err="1" smtClean="0"/>
-              <a:t>mydataframe</a:t>
-            </a:r>
-            <a:r>
-              <a:rPr lang="en-US" altLang="zh-CN" dirty="0" smtClean="0"/>
-              <a:t>&lt;- </a:t>
-            </a:r>
-            <a:r>
-              <a:rPr lang="en-US" altLang="zh-CN" dirty="0" err="1" smtClean="0"/>
-              <a:t>read.table</a:t>
-            </a:r>
-            <a:r>
-              <a:rPr lang="en-US" altLang="zh-CN" dirty="0" smtClean="0"/>
-              <a:t>(file, header=</a:t>
-            </a:r>
-            <a:r>
-              <a:rPr lang="en-US" altLang="zh-CN" dirty="0" err="1" smtClean="0"/>
-              <a:t>logical_value</a:t>
-            </a:r>
-            <a:r>
-              <a:rPr lang="en-US" altLang="zh-CN" dirty="0" smtClean="0"/>
-              <a:t>, </a:t>
-            </a:r>
-            <a:r>
-              <a:rPr lang="en-US" altLang="zh-CN" dirty="0" err="1" smtClean="0"/>
-              <a:t>sep</a:t>
-            </a:r>
-            <a:r>
-              <a:rPr lang="en-US" altLang="zh-CN" dirty="0" smtClean="0"/>
-              <a:t>=“</a:t>
-            </a:r>
-            <a:r>
-              <a:rPr lang="en-US" altLang="zh-CN" dirty="0"/>
-              <a:t>;</a:t>
-            </a:r>
-            <a:r>
-              <a:rPr lang="en-US" altLang="zh-CN" dirty="0" smtClean="0"/>
-              <a:t>”, </a:t>
-            </a:r>
-            <a:r>
-              <a:rPr lang="en-US" altLang="zh-CN" dirty="0" err="1" smtClean="0"/>
-              <a:t>row,names</a:t>
-            </a:r>
-            <a:r>
-              <a:rPr lang="en-US" altLang="zh-CN" dirty="0" smtClean="0"/>
-              <a:t>=“name”)</a:t>
-            </a:r>
-          </a:p>
-          <a:p>
-            <a:pPr marL="0" indent="0">
-              <a:buNone/>
-            </a:pPr>
-            <a:r>
-              <a:rPr lang="en-US" altLang="zh-CN" dirty="0" err="1" smtClean="0"/>
-              <a:t>sep</a:t>
-            </a:r>
-            <a:r>
-              <a:rPr lang="zh-CN" altLang="en-US" dirty="0" smtClean="0"/>
-              <a:t>用来指定分隔数据的分隔符，</a:t>
-            </a:r>
-            <a:r>
-              <a:rPr lang="en-US" altLang="zh-CN" dirty="0" err="1" smtClean="0"/>
-              <a:t>row.names</a:t>
-            </a:r>
-            <a:r>
-              <a:rPr lang="zh-CN" altLang="en-US" dirty="0" smtClean="0"/>
-              <a:t>是一个可选参数，用来指定一个或多个表示行标识符的变量。</a:t>
-            </a:r>
-            <a:endParaRPr lang="en-US" altLang="zh-CN" dirty="0" smtClean="0"/>
-          </a:p>
-          <a:p>
-            <a:r>
-              <a:rPr lang="zh-CN" altLang="en-US" dirty="0" smtClean="0"/>
-              <a:t>导入</a:t>
-            </a:r>
-            <a:r>
-              <a:rPr lang="en-US" altLang="zh-CN" dirty="0" smtClean="0"/>
-              <a:t>CVS</a:t>
-            </a:r>
-            <a:r>
-              <a:rPr lang="zh-CN" altLang="en-US" dirty="0" smtClean="0"/>
-              <a:t>格式专用命令</a:t>
-            </a:r>
-            <a:endParaRPr lang="en-US" altLang="zh-CN" dirty="0" smtClean="0"/>
-          </a:p>
-          <a:p>
-            <a:pPr marL="0" indent="0">
-              <a:buNone/>
-            </a:pPr>
-            <a:r>
-              <a:rPr lang="en-US" altLang="zh-CN" dirty="0" smtClean="0"/>
-              <a:t>   </a:t>
-            </a:r>
-            <a:r>
-              <a:rPr lang="en-US" altLang="zh-CN" dirty="0" err="1" smtClean="0"/>
-              <a:t>mydata</a:t>
-            </a:r>
-            <a:r>
-              <a:rPr lang="en-US" altLang="zh-CN" dirty="0" smtClean="0"/>
-              <a:t>&lt;- read.csv(file </a:t>
-            </a:r>
-            <a:r>
-              <a:rPr lang="en-US" altLang="zh-CN" dirty="0"/>
-              <a:t>= "C:\\Users\\HWT\\Desktop\\test.csv",header = F)</a:t>
-            </a:r>
-            <a:endParaRPr lang="en-US" altLang="zh-CN" dirty="0" smtClean="0"/>
-          </a:p>
-          <a:p>
-            <a:pPr lvl="1"/>
-            <a:r>
-              <a:rPr lang="zh-CN" altLang="en-US" dirty="0" smtClean="0"/>
-              <a:t>手动选择文件</a:t>
-            </a:r>
-            <a:endParaRPr lang="en-US" altLang="zh-CN" dirty="0"/>
-          </a:p>
-          <a:p>
-            <a:pPr marL="201295" lvl="1" indent="0">
-              <a:buNone/>
-            </a:pPr>
-            <a:r>
-              <a:rPr lang="en-US" altLang="zh-CN" dirty="0" err="1" smtClean="0"/>
-              <a:t>mydata</a:t>
-            </a:r>
-            <a:r>
-              <a:rPr lang="en-US" altLang="zh-CN" dirty="0" smtClean="0"/>
-              <a:t>&lt;-</a:t>
-            </a:r>
-            <a:r>
-              <a:rPr lang="en-US" altLang="zh-CN" dirty="0" err="1" smtClean="0"/>
-              <a:t>read.table</a:t>
-            </a:r>
-            <a:r>
-              <a:rPr lang="en-US" altLang="zh-CN" dirty="0" smtClean="0"/>
-              <a:t>(</a:t>
-            </a:r>
-            <a:r>
-              <a:rPr lang="en-US" altLang="zh-CN" dirty="0" err="1" smtClean="0"/>
-              <a:t>file.choose</a:t>
-            </a:r>
-            <a:r>
-              <a:rPr lang="en-US" altLang="zh-CN" dirty="0" smtClean="0"/>
-              <a:t>(),header=</a:t>
-            </a:r>
-            <a:r>
-              <a:rPr lang="en-US" altLang="zh-CN" dirty="0" err="1" smtClean="0"/>
-              <a:t>T,sep</a:t>
-            </a:r>
-            <a:r>
-              <a:rPr lang="en-US" altLang="zh-CN" dirty="0" smtClean="0"/>
-              <a:t>=“,”)</a:t>
-            </a:r>
-          </a:p>
-          <a:p>
-            <a:pPr lvl="1"/>
-            <a:r>
-              <a:rPr lang="zh-CN" altLang="en-US" dirty="0" smtClean="0"/>
-              <a:t>从剪贴板导入</a:t>
-            </a:r>
-            <a:endParaRPr lang="en-US" altLang="zh-CN" dirty="0" smtClean="0"/>
-          </a:p>
-          <a:p>
-            <a:pPr marL="201295" lvl="1" indent="0">
-              <a:buNone/>
-            </a:pPr>
-            <a:r>
-              <a:rPr lang="en-US" altLang="zh-CN" dirty="0" err="1" smtClean="0"/>
-              <a:t>mydata</a:t>
-            </a:r>
-            <a:r>
-              <a:rPr lang="en-US" altLang="zh-CN" dirty="0" smtClean="0"/>
-              <a:t>&lt;- </a:t>
-            </a:r>
-            <a:r>
-              <a:rPr lang="en-US" altLang="zh-CN" dirty="0" err="1" smtClean="0"/>
-              <a:t>read.table</a:t>
-            </a:r>
-            <a:r>
-              <a:rPr lang="en-US" altLang="zh-CN" dirty="0" smtClean="0"/>
-              <a:t>(“</a:t>
-            </a:r>
-            <a:r>
-              <a:rPr lang="en-US" altLang="zh-CN" dirty="0" err="1" smtClean="0"/>
-              <a:t>clipboard”,header</a:t>
-            </a:r>
-            <a:r>
-              <a:rPr lang="en-US" altLang="zh-CN" dirty="0" smtClean="0"/>
-              <a:t>=</a:t>
-            </a:r>
-            <a:r>
-              <a:rPr lang="en-US" altLang="zh-CN" dirty="0" err="1" smtClean="0"/>
-              <a:t>T,sep</a:t>
-            </a:r>
-            <a:r>
-              <a:rPr lang="en-US" altLang="zh-CN" dirty="0" smtClean="0"/>
-              <a:t>=“,”)</a:t>
-            </a:r>
-            <a:endParaRPr lang="en-US" altLang="zh-CN" dirty="0"/>
-          </a:p>
-          <a:p>
-            <a:pPr marL="0" indent="0">
-              <a:buNone/>
-            </a:pPr>
-            <a:endParaRPr lang="zh-CN" altLang="en-US" dirty="0"/>
+              <a:rPr kumimoji="0" lang="zh-CN" altLang="zh-CN" sz="1200" b="0" i="0" u="none" strike="noStrike" cap="none" normalizeH="0" baseline="0" smtClean="0">
+                <a:ln>
+                  <a:noFill/>
+                </a:ln>
+                <a:solidFill>
+                  <a:srgbClr val="0000FF"/>
+                </a:solidFill>
+                <a:effectLst/>
+                <a:latin typeface="Lucida Console" panose="020B0609040504020204" pitchFamily="49" charset="0"/>
+              </a:rPr>
+              <a:t>&gt; load("F:\\NauCloud\\test.Rdata")</a:t>
+            </a:r>
+            <a:endParaRPr kumimoji="0" lang="zh-CN" altLang="zh-CN" sz="2800" b="0" i="0" u="none" strike="noStrike" cap="none" normalizeH="0" baseline="0" smtClean="0">
+              <a:ln>
+                <a:noFill/>
+              </a:ln>
+              <a:solidFill>
+                <a:schemeClr val="tx1"/>
+              </a:solidFill>
+              <a:effectLst/>
+              <a:latin typeface="Arial" panose="020B0604020202020204" pitchFamily="34" charset="0"/>
+            </a:endParaRPr>
           </a:p>
         </p:txBody>
       </p:sp>
     </p:spTree>
+    <p:extLst>
+      <p:ext uri="{BB962C8B-B14F-4D97-AF65-F5344CB8AC3E}">
+        <p14:creationId xmlns:p14="http://schemas.microsoft.com/office/powerpoint/2010/main" val="29242520"/>
+      </p:ext>
+    </p:extLst>
   </p:cSld>
   <p:clrMapOvr>
     <a:masterClrMapping/>
   </p:clrMapOvr>
-  <p:timing>
-    <p:tnLst>
-      <p:par>
-        <p:cTn id="1" dur="indefinite" restart="never" nodeType="tmRoot"/>
-      </p:par>
-    </p:tnLst>
-  </p:timing>
 </p:sld>
 </file>
 
@@ -18550,12 +18465,8 @@
           <a:lstStyle/>
           <a:p>
             <a:r>
-              <a:rPr lang="en-US" altLang="zh-CN" sz="3200" dirty="0" smtClean="0"/>
-              <a:t>Excel</a:t>
-            </a:r>
-            <a:r>
               <a:rPr lang="zh-CN" altLang="en-US" sz="3200" dirty="0" smtClean="0"/>
-              <a:t>导入</a:t>
+              <a:t>文本文件导入</a:t>
             </a:r>
             <a:endParaRPr lang="zh-CN" altLang="en-US" sz="3200" dirty="0"/>
           </a:p>
@@ -18571,73 +18482,113 @@
             <p:ph idx="1"/>
           </p:nvPr>
         </p:nvSpPr>
-        <p:spPr/>
+        <p:spPr>
+          <a:xfrm>
+            <a:off x="1097280" y="1845733"/>
+            <a:ext cx="10058400" cy="4418879"/>
+          </a:xfrm>
+        </p:spPr>
         <p:txBody>
           <a:bodyPr>
-            <a:normAutofit lnSpcReduction="10000"/>
+            <a:normAutofit/>
           </a:bodyPr>
           <a:lstStyle/>
           <a:p>
             <a:r>
-              <a:rPr lang="zh-CN" altLang="en-US" dirty="0"/>
-              <a:t>从</a:t>
-            </a:r>
-            <a:r>
-              <a:rPr lang="en-US" altLang="zh-CN" dirty="0"/>
-              <a:t>excel</a:t>
-            </a:r>
-            <a:r>
-              <a:rPr lang="zh-CN" altLang="en-US" dirty="0"/>
-              <a:t>文件导入</a:t>
-            </a:r>
-            <a:endParaRPr lang="en-US" altLang="zh-CN" dirty="0"/>
+              <a:rPr lang="zh-CN" altLang="en-US" dirty="0" smtClean="0"/>
+              <a:t>从文本文件导入</a:t>
+            </a:r>
+            <a:endParaRPr lang="en-US" altLang="zh-CN" dirty="0" smtClean="0"/>
           </a:p>
           <a:p>
             <a:pPr marL="0" indent="0">
               <a:buNone/>
             </a:pPr>
             <a:r>
-              <a:rPr lang="zh-CN" altLang="en-US" dirty="0"/>
-              <a:t>首先，需要加载程序包</a:t>
-            </a:r>
-            <a:r>
-              <a:rPr lang="en-US" altLang="zh-CN" dirty="0" err="1"/>
-              <a:t>xlsx</a:t>
-            </a:r>
-            <a:r>
-              <a:rPr lang="zh-CN" altLang="en-US" dirty="0"/>
-              <a:t>，</a:t>
-            </a:r>
-            <a:r>
-              <a:rPr lang="en-US" altLang="zh-CN" dirty="0" err="1"/>
-              <a:t>Rstudio</a:t>
-            </a:r>
-            <a:r>
-              <a:rPr lang="zh-CN" altLang="en-US" dirty="0"/>
-              <a:t>会帮你自动加载它的关联</a:t>
-            </a:r>
-            <a:r>
-              <a:rPr lang="zh-CN" altLang="en-US" dirty="0" smtClean="0"/>
-              <a:t>包</a:t>
-            </a:r>
-            <a:endParaRPr lang="en-US" altLang="zh-CN" dirty="0" smtClean="0"/>
+              <a:rPr lang="en-US" altLang="zh-CN" dirty="0" err="1" smtClean="0"/>
+              <a:t>mydataframe</a:t>
+            </a:r>
+            <a:r>
+              <a:rPr lang="en-US" altLang="zh-CN" dirty="0" smtClean="0"/>
+              <a:t>&lt;- </a:t>
+            </a:r>
+            <a:r>
+              <a:rPr lang="en-US" altLang="zh-CN" dirty="0" err="1" smtClean="0"/>
+              <a:t>read.table</a:t>
+            </a:r>
+            <a:r>
+              <a:rPr lang="en-US" altLang="zh-CN" dirty="0" smtClean="0"/>
+              <a:t>(file, header=</a:t>
+            </a:r>
+            <a:r>
+              <a:rPr lang="en-US" altLang="zh-CN" dirty="0" err="1" smtClean="0"/>
+              <a:t>logical_value</a:t>
+            </a:r>
+            <a:r>
+              <a:rPr lang="en-US" altLang="zh-CN" dirty="0" smtClean="0"/>
+              <a:t>, </a:t>
+            </a:r>
+            <a:r>
+              <a:rPr lang="en-US" altLang="zh-CN" dirty="0" err="1" smtClean="0"/>
+              <a:t>sep</a:t>
+            </a:r>
+            <a:r>
+              <a:rPr lang="en-US" altLang="zh-CN" dirty="0" smtClean="0"/>
+              <a:t>=“</a:t>
+            </a:r>
+            <a:r>
+              <a:rPr lang="en-US" altLang="zh-CN" dirty="0"/>
+              <a:t>;</a:t>
+            </a:r>
+            <a:r>
+              <a:rPr lang="en-US" altLang="zh-CN" dirty="0" smtClean="0"/>
+              <a:t>”, </a:t>
+            </a:r>
+            <a:r>
+              <a:rPr lang="en-US" altLang="zh-CN" dirty="0" err="1" smtClean="0"/>
+              <a:t>row,names</a:t>
+            </a:r>
+            <a:r>
+              <a:rPr lang="en-US" altLang="zh-CN" dirty="0" smtClean="0"/>
+              <a:t>=“name”)</a:t>
+            </a:r>
           </a:p>
           <a:p>
             <a:pPr marL="0" indent="0">
               <a:buNone/>
             </a:pPr>
             <a:r>
+              <a:rPr lang="en-US" altLang="zh-CN" dirty="0" err="1" smtClean="0"/>
+              <a:t>sep</a:t>
+            </a:r>
+            <a:r>
+              <a:rPr lang="zh-CN" altLang="en-US" dirty="0" smtClean="0"/>
+              <a:t>用来指定分隔数据的分隔符，</a:t>
+            </a:r>
+            <a:r>
+              <a:rPr lang="en-US" altLang="zh-CN" dirty="0" err="1" smtClean="0"/>
+              <a:t>row.names</a:t>
+            </a:r>
+            <a:r>
+              <a:rPr lang="zh-CN" altLang="en-US" dirty="0" smtClean="0"/>
+              <a:t>是一个可选参数，用来指定一个或多个表示行标识符的变量。</a:t>
+            </a:r>
+            <a:endParaRPr lang="en-US" altLang="zh-CN" dirty="0" smtClean="0"/>
+          </a:p>
+          <a:p>
+            <a:r>
+              <a:rPr lang="zh-CN" altLang="en-US" dirty="0" smtClean="0"/>
+              <a:t>导入</a:t>
+            </a:r>
+            <a:r>
               <a:rPr lang="en-US" altLang="zh-CN" dirty="0" smtClean="0"/>
-              <a:t>library(</a:t>
-            </a:r>
-            <a:r>
-              <a:rPr lang="en-US" altLang="zh-CN" dirty="0" err="1" smtClean="0"/>
-              <a:t>rjava</a:t>
-            </a:r>
-            <a:r>
-              <a:rPr lang="en-US" altLang="zh-CN" dirty="0" smtClean="0"/>
-              <a:t>)</a:t>
-            </a:r>
+              <a:t>CVS</a:t>
+            </a:r>
+            <a:r>
+              <a:rPr lang="zh-CN" altLang="en-US" dirty="0" smtClean="0"/>
+              <a:t>格式专用命令</a:t>
+            </a:r>
+            <a:endParaRPr lang="en-US" altLang="zh-CN" dirty="0" smtClean="0"/>
           </a:p>
           <a:p>
             <a:pPr marL="0" indent="0">
@@ -18645,15 +18596,110 @@
             </a:pPr>
             <a:r>
               <a:rPr lang="en-US" altLang="zh-CN" dirty="0" smtClean="0"/>
-              <a:t>library(</a:t>
+              <a:t>   </a:t>
             </a:r>
             <a:r>
               <a:rPr lang="en-US" altLang="zh-CN" dirty="0" err="1" smtClean="0"/>
-              <a:t>xlsxjars</a:t>
+              <a:t>mydata</a:t>
             </a:r>
             <a:r>
               <a:rPr lang="en-US" altLang="zh-CN" dirty="0" smtClean="0"/>
-              <a:t>)</a:t>
+              <a:t>&lt;- read.csv(file </a:t>
+            </a:r>
+            <a:r>
+              <a:rPr lang="en-US" altLang="zh-CN" dirty="0"/>
+              <a:t>= "C:\\Users\\HWT\\Desktop\\test.csv",header = F)</a:t>
+            </a:r>
+            <a:endParaRPr lang="en-US" altLang="zh-CN" dirty="0" smtClean="0"/>
+          </a:p>
+          <a:p>
+            <a:pPr lvl="1"/>
+            <a:r>
+              <a:rPr lang="zh-CN" altLang="en-US" dirty="0" smtClean="0"/>
+              <a:t>手动选择文件</a:t>
+            </a:r>
+            <a:endParaRPr lang="en-US" altLang="zh-CN" dirty="0"/>
+          </a:p>
+          <a:p>
+            <a:pPr marL="201295" lvl="1" indent="0">
+              <a:buNone/>
+            </a:pPr>
+            <a:r>
+              <a:rPr lang="en-US" altLang="zh-CN" dirty="0" err="1" smtClean="0"/>
+              <a:t>mydata</a:t>
+            </a:r>
+            <a:r>
+              <a:rPr lang="en-US" altLang="zh-CN" dirty="0" smtClean="0"/>
+              <a:t>&lt;-</a:t>
+            </a:r>
+            <a:r>
+              <a:rPr lang="en-US" altLang="zh-CN" dirty="0" err="1" smtClean="0"/>
+              <a:t>read.table</a:t>
+            </a:r>
+            <a:r>
+              <a:rPr lang="en-US" altLang="zh-CN" dirty="0" smtClean="0"/>
+              <a:t>(</a:t>
+            </a:r>
+            <a:r>
+              <a:rPr lang="en-US" altLang="zh-CN" dirty="0" err="1" smtClean="0"/>
+              <a:t>file.choose</a:t>
+            </a:r>
+            <a:r>
+              <a:rPr lang="en-US" altLang="zh-CN" dirty="0" smtClean="0"/>
+              <a:t>(),header=</a:t>
+            </a:r>
+            <a:r>
+              <a:rPr lang="en-US" altLang="zh-CN" dirty="0" err="1" smtClean="0"/>
+              <a:t>T,sep</a:t>
+            </a:r>
+            <a:r>
+              <a:rPr lang="en-US" altLang="zh-CN" dirty="0" smtClean="0"/>
+              <a:t>=“,”)</a:t>
+            </a:r>
+          </a:p>
+          <a:p>
+            <a:pPr lvl="1"/>
+            <a:r>
+              <a:rPr lang="zh-CN" altLang="en-US" dirty="0" smtClean="0"/>
+              <a:t>从剪贴板导入</a:t>
+            </a:r>
+            <a:endParaRPr lang="en-US" altLang="zh-CN" dirty="0" smtClean="0"/>
+          </a:p>
+          <a:p>
+            <a:pPr marL="201295" lvl="1" indent="0">
+              <a:buNone/>
+            </a:pPr>
+            <a:r>
+              <a:rPr lang="en-US" altLang="zh-CN" dirty="0" err="1" smtClean="0"/>
+              <a:t>mydata</a:t>
+            </a:r>
+            <a:r>
+              <a:rPr lang="en-US" altLang="zh-CN" dirty="0" smtClean="0"/>
+              <a:t>&lt;- </a:t>
+            </a:r>
+            <a:r>
+              <a:rPr lang="en-US" altLang="zh-CN" dirty="0" err="1" smtClean="0"/>
+              <a:t>read.table</a:t>
+            </a:r>
+            <a:r>
+              <a:rPr lang="en-US" altLang="zh-CN" dirty="0" smtClean="0"/>
+              <a:t>(“</a:t>
+            </a:r>
+            <a:r>
+              <a:rPr lang="en-US" altLang="zh-CN" dirty="0" err="1" smtClean="0"/>
+              <a:t>clipboard”,header</a:t>
+            </a:r>
+            <a:r>
+              <a:rPr lang="en-US" altLang="zh-CN" dirty="0" smtClean="0"/>
+              <a:t>=</a:t>
+            </a:r>
+            <a:r>
+              <a:rPr lang="en-US" altLang="zh-CN" dirty="0" err="1" smtClean="0"/>
+              <a:t>T,sep</a:t>
+            </a:r>
+            <a:r>
+              <a:rPr lang="en-US" altLang="zh-CN" dirty="0" smtClean="0"/>
+              <a:t>=“,”)</a:t>
             </a:r>
             <a:endParaRPr lang="en-US" altLang="zh-CN" dirty="0"/>
           </a:p>
@@ -18661,142 +18707,6 @@
             <a:pPr marL="0" indent="0">
               <a:buNone/>
             </a:pPr>
-            <a:r>
-              <a:rPr lang="en-US" altLang="zh-CN" dirty="0"/>
-              <a:t>library(</a:t>
-            </a:r>
-            <a:r>
-              <a:rPr lang="en-US" altLang="zh-CN" dirty="0" err="1"/>
-              <a:t>xlsx</a:t>
-            </a:r>
-            <a:r>
-              <a:rPr lang="en-US" altLang="zh-CN" dirty="0"/>
-              <a:t>)</a:t>
-            </a:r>
-          </a:p>
-          <a:p>
-            <a:pPr marL="0" indent="0">
-              <a:buNone/>
-            </a:pPr>
-            <a:r>
-              <a:rPr lang="en-US" altLang="zh-CN" dirty="0"/>
-              <a:t>workbook&lt;-”c:\\myworkbook.xlsx”</a:t>
-            </a:r>
-          </a:p>
-          <a:p>
-            <a:pPr marL="0" indent="0">
-              <a:buNone/>
-            </a:pPr>
-            <a:r>
-              <a:rPr lang="en-US" altLang="zh-CN" dirty="0" err="1"/>
-              <a:t>mydataframe</a:t>
-            </a:r>
-            <a:r>
-              <a:rPr lang="en-US" altLang="zh-CN" dirty="0"/>
-              <a:t>&lt;-read.xlsx(workbook,1)</a:t>
-            </a:r>
-          </a:p>
-          <a:p>
-            <a:pPr marL="0" indent="0">
-              <a:buNone/>
-            </a:pPr>
-            <a:r>
-              <a:rPr lang="en-US" altLang="zh-CN" dirty="0"/>
-              <a:t>#</a:t>
-            </a:r>
-            <a:r>
-              <a:rPr lang="zh-CN" altLang="en-US" dirty="0"/>
-              <a:t>位于</a:t>
-            </a:r>
-            <a:r>
-              <a:rPr lang="en-US" altLang="zh-CN" dirty="0"/>
-              <a:t>C</a:t>
-            </a:r>
-            <a:r>
-              <a:rPr lang="zh-CN" altLang="en-US" dirty="0"/>
-              <a:t>盘根目录的</a:t>
-            </a:r>
-            <a:r>
-              <a:rPr lang="en-US" altLang="zh-CN" dirty="0"/>
-              <a:t>myworkbook.xlsx</a:t>
-            </a:r>
-            <a:r>
-              <a:rPr lang="zh-CN" altLang="en-US" dirty="0"/>
-              <a:t>中的</a:t>
-            </a:r>
-            <a:r>
-              <a:rPr lang="en-US" altLang="zh-CN" dirty="0"/>
-              <a:t>sheet1</a:t>
-            </a:r>
-            <a:r>
-              <a:rPr lang="zh-CN" altLang="en-US" dirty="0"/>
-              <a:t>表被导入到了</a:t>
-            </a:r>
-            <a:r>
-              <a:rPr lang="en-US" altLang="zh-CN" dirty="0"/>
-              <a:t>R</a:t>
-            </a:r>
-            <a:r>
-              <a:rPr lang="zh-CN" altLang="en-US" dirty="0"/>
-              <a:t>的数据集</a:t>
-            </a:r>
-            <a:r>
-              <a:rPr lang="en-US" altLang="zh-CN" dirty="0" err="1"/>
-              <a:t>mydataframe</a:t>
-            </a:r>
-            <a:r>
-              <a:rPr lang="zh-CN" altLang="en-US" dirty="0"/>
-              <a:t>当中</a:t>
-            </a:r>
-            <a:endParaRPr lang="en-US" altLang="zh-CN" dirty="0"/>
-          </a:p>
-          <a:p>
-            <a:pPr marL="0" indent="0">
-              <a:buNone/>
-            </a:pPr>
-            <a:r>
-              <a:rPr lang="en-US" altLang="zh-CN" dirty="0"/>
-              <a:t>#</a:t>
-            </a:r>
-            <a:r>
-              <a:rPr lang="zh-CN" altLang="en-US" dirty="0"/>
-              <a:t>除此之外，</a:t>
-            </a:r>
-            <a:r>
-              <a:rPr lang="en-US" altLang="zh-CN" dirty="0"/>
-              <a:t>R</a:t>
-            </a:r>
-            <a:r>
-              <a:rPr lang="zh-CN" altLang="en-US" dirty="0"/>
-              <a:t>还可以将数据写入</a:t>
-            </a:r>
-            <a:r>
-              <a:rPr lang="en-US" altLang="zh-CN" dirty="0"/>
-              <a:t>excel</a:t>
-            </a:r>
-            <a:r>
-              <a:rPr lang="zh-CN" altLang="en-US" dirty="0"/>
-              <a:t>文件，请自行阅读该包的说明 </a:t>
-            </a:r>
-            <a:r>
-              <a:rPr lang="en-US" altLang="zh-CN" dirty="0"/>
-              <a:t>help(</a:t>
-            </a:r>
-            <a:r>
-              <a:rPr lang="en-US" altLang="zh-CN" dirty="0" err="1"/>
-              <a:t>xlsx</a:t>
-            </a:r>
-            <a:r>
-              <a:rPr lang="en-US" altLang="zh-CN" dirty="0"/>
-              <a:t>) </a:t>
-            </a:r>
-            <a:r>
-              <a:rPr lang="zh-CN" altLang="en-US" dirty="0"/>
-              <a:t>查看写入如何操作</a:t>
-            </a:r>
-            <a:endParaRPr lang="en-US" altLang="zh-CN" dirty="0"/>
-          </a:p>
-          <a:p>
             <a:endParaRPr lang="zh-CN" altLang="en-US" dirty="0"/>
           </a:p>
         </p:txBody>
@@ -18845,6 +18755,307 @@
         </p:nvSpPr>
         <p:spPr/>
         <p:txBody>
+          <a:bodyPr>
+            <a:normAutofit/>
+          </a:bodyPr>
+          <a:lstStyle/>
+          <a:p>
+            <a:r>
+              <a:rPr lang="en-US" altLang="zh-CN" sz="3200" dirty="0" smtClean="0"/>
+              <a:t>Excel</a:t>
+            </a:r>
+            <a:r>
+              <a:rPr lang="zh-CN" altLang="en-US" sz="3200" dirty="0" smtClean="0"/>
+              <a:t>导入</a:t>
+            </a:r>
+            <a:endParaRPr lang="zh-CN" altLang="en-US" sz="3200" dirty="0"/>
+          </a:p>
+        </p:txBody>
+      </p:sp>
+      <p:sp>
+        <p:nvSpPr>
+          <p:cNvPr id="3" name="内容占位符 2"/>
+          <p:cNvSpPr>
+            <a:spLocks noGrp="1"/>
+          </p:cNvSpPr>
+          <p:nvPr>
+            <p:ph idx="1"/>
+          </p:nvPr>
+        </p:nvSpPr>
+        <p:spPr/>
+        <p:txBody>
+          <a:bodyPr>
+            <a:normAutofit lnSpcReduction="10000"/>
+          </a:bodyPr>
+          <a:lstStyle/>
+          <a:p>
+            <a:r>
+              <a:rPr lang="zh-CN" altLang="en-US" dirty="0"/>
+              <a:t>从</a:t>
+            </a:r>
+            <a:r>
+              <a:rPr lang="en-US" altLang="zh-CN" dirty="0"/>
+              <a:t>excel</a:t>
+            </a:r>
+            <a:r>
+              <a:rPr lang="zh-CN" altLang="en-US" dirty="0"/>
+              <a:t>文件导入</a:t>
+            </a:r>
+            <a:endParaRPr lang="en-US" altLang="zh-CN" dirty="0"/>
+          </a:p>
+          <a:p>
+            <a:pPr marL="0" indent="0">
+              <a:buNone/>
+            </a:pPr>
+            <a:r>
+              <a:rPr lang="zh-CN" altLang="en-US" dirty="0"/>
+              <a:t>首先，需要加载程序包</a:t>
+            </a:r>
+            <a:r>
+              <a:rPr lang="en-US" altLang="zh-CN" dirty="0" err="1"/>
+              <a:t>xlsx</a:t>
+            </a:r>
+            <a:r>
+              <a:rPr lang="zh-CN" altLang="en-US" dirty="0"/>
+              <a:t>，</a:t>
+            </a:r>
+            <a:r>
+              <a:rPr lang="en-US" altLang="zh-CN" dirty="0" err="1"/>
+              <a:t>Rstudio</a:t>
+            </a:r>
+            <a:r>
+              <a:rPr lang="zh-CN" altLang="en-US" dirty="0"/>
+              <a:t>会帮你自动加载它的关联</a:t>
+            </a:r>
+            <a:r>
+              <a:rPr lang="zh-CN" altLang="en-US" dirty="0" smtClean="0"/>
+              <a:t>包</a:t>
+            </a:r>
+            <a:endParaRPr lang="en-US" altLang="zh-CN" dirty="0" smtClean="0"/>
+          </a:p>
+          <a:p>
+            <a:pPr marL="0" indent="0">
+              <a:buNone/>
+            </a:pPr>
+            <a:r>
+              <a:rPr lang="en-US" altLang="zh-CN" dirty="0" smtClean="0"/>
+              <a:t>library(</a:t>
+            </a:r>
+            <a:r>
+              <a:rPr lang="en-US" altLang="zh-CN" dirty="0" err="1" smtClean="0"/>
+              <a:t>rjava</a:t>
+            </a:r>
+            <a:r>
+              <a:rPr lang="en-US" altLang="zh-CN" dirty="0" smtClean="0"/>
+              <a:t>)</a:t>
+            </a:r>
+          </a:p>
+          <a:p>
+            <a:pPr marL="0" indent="0">
+              <a:buNone/>
+            </a:pPr>
+            <a:r>
+              <a:rPr lang="en-US" altLang="zh-CN" dirty="0" smtClean="0"/>
+              <a:t>library(</a:t>
+            </a:r>
+            <a:r>
+              <a:rPr lang="en-US" altLang="zh-CN" dirty="0" err="1" smtClean="0"/>
+              <a:t>xlsxjars</a:t>
+            </a:r>
+            <a:r>
+              <a:rPr lang="en-US" altLang="zh-CN" dirty="0" smtClean="0"/>
+              <a:t>)</a:t>
+            </a:r>
+            <a:endParaRPr lang="en-US" altLang="zh-CN" dirty="0"/>
+          </a:p>
+          <a:p>
+            <a:pPr marL="0" indent="0">
+              <a:buNone/>
+            </a:pPr>
+            <a:r>
+              <a:rPr lang="en-US" altLang="zh-CN" dirty="0"/>
+              <a:t>library(</a:t>
+            </a:r>
+            <a:r>
+              <a:rPr lang="en-US" altLang="zh-CN" dirty="0" err="1"/>
+              <a:t>xlsx</a:t>
+            </a:r>
+            <a:r>
+              <a:rPr lang="en-US" altLang="zh-CN" dirty="0"/>
+              <a:t>)</a:t>
+            </a:r>
+          </a:p>
+          <a:p>
+            <a:pPr marL="0" indent="0">
+              <a:buNone/>
+            </a:pPr>
+            <a:r>
+              <a:rPr lang="en-US" altLang="zh-CN" dirty="0"/>
+              <a:t>workbook&lt;-”c:\\myworkbook.xlsx”</a:t>
+            </a:r>
+          </a:p>
+          <a:p>
+            <a:pPr marL="0" indent="0">
+              <a:buNone/>
+            </a:pPr>
+            <a:r>
+              <a:rPr lang="en-US" altLang="zh-CN" dirty="0" err="1"/>
+              <a:t>mydataframe</a:t>
+            </a:r>
+            <a:r>
+              <a:rPr lang="en-US" altLang="zh-CN" dirty="0"/>
+              <a:t>&lt;-read.xlsx(workbook,1)</a:t>
+            </a:r>
+          </a:p>
+          <a:p>
+            <a:pPr marL="0" indent="0">
+              <a:buNone/>
+            </a:pPr>
+            <a:r>
+              <a:rPr lang="en-US" altLang="zh-CN" dirty="0"/>
+              <a:t>#</a:t>
+            </a:r>
+            <a:r>
+              <a:rPr lang="zh-CN" altLang="en-US" dirty="0"/>
+              <a:t>位于</a:t>
+            </a:r>
+            <a:r>
+              <a:rPr lang="en-US" altLang="zh-CN" dirty="0"/>
+              <a:t>C</a:t>
+            </a:r>
+            <a:r>
+              <a:rPr lang="zh-CN" altLang="en-US" dirty="0"/>
+              <a:t>盘根目录的</a:t>
+            </a:r>
+            <a:r>
+              <a:rPr lang="en-US" altLang="zh-CN" dirty="0"/>
+              <a:t>myworkbook.xlsx</a:t>
+            </a:r>
+            <a:r>
+              <a:rPr lang="zh-CN" altLang="en-US" dirty="0"/>
+              <a:t>中的</a:t>
+            </a:r>
+            <a:r>
+              <a:rPr lang="en-US" altLang="zh-CN" dirty="0"/>
+              <a:t>sheet1</a:t>
+            </a:r>
+            <a:r>
+              <a:rPr lang="zh-CN" altLang="en-US" dirty="0"/>
+              <a:t>表被导入到了</a:t>
+            </a:r>
+            <a:r>
+              <a:rPr lang="en-US" altLang="zh-CN" dirty="0"/>
+              <a:t>R</a:t>
+            </a:r>
+            <a:r>
+              <a:rPr lang="zh-CN" altLang="en-US" dirty="0"/>
+              <a:t>的数据集</a:t>
+            </a:r>
+            <a:r>
+              <a:rPr lang="en-US" altLang="zh-CN" dirty="0" err="1"/>
+              <a:t>mydataframe</a:t>
+            </a:r>
+            <a:r>
+              <a:rPr lang="zh-CN" altLang="en-US" dirty="0"/>
+              <a:t>当中</a:t>
+            </a:r>
+            <a:endParaRPr lang="en-US" altLang="zh-CN" dirty="0"/>
+          </a:p>
+          <a:p>
+            <a:pPr marL="0" indent="0">
+              <a:buNone/>
+            </a:pPr>
+            <a:r>
+              <a:rPr lang="en-US" altLang="zh-CN" dirty="0"/>
+              <a:t>#</a:t>
+            </a:r>
+            <a:r>
+              <a:rPr lang="zh-CN" altLang="en-US" dirty="0"/>
+              <a:t>除此之外，</a:t>
+            </a:r>
+            <a:r>
+              <a:rPr lang="en-US" altLang="zh-CN" dirty="0"/>
+              <a:t>R</a:t>
+            </a:r>
+            <a:r>
+              <a:rPr lang="zh-CN" altLang="en-US" dirty="0"/>
+              <a:t>还可以将数据写入</a:t>
+            </a:r>
+            <a:r>
+              <a:rPr lang="en-US" altLang="zh-CN" dirty="0"/>
+              <a:t>excel</a:t>
+            </a:r>
+            <a:r>
+              <a:rPr lang="zh-CN" altLang="en-US" dirty="0"/>
+              <a:t>文件，请自行阅读该包的说明 </a:t>
+            </a:r>
+            <a:r>
+              <a:rPr lang="en-US" altLang="zh-CN" dirty="0"/>
+              <a:t>help(</a:t>
+            </a:r>
+            <a:r>
+              <a:rPr lang="en-US" altLang="zh-CN" dirty="0" err="1"/>
+              <a:t>xlsx</a:t>
+            </a:r>
+            <a:r>
+              <a:rPr lang="en-US" altLang="zh-CN" dirty="0"/>
+              <a:t>) </a:t>
+            </a:r>
+            <a:r>
+              <a:rPr lang="zh-CN" altLang="en-US" dirty="0"/>
+              <a:t>查看写入如何操作</a:t>
+            </a:r>
+            <a:endParaRPr lang="en-US" altLang="zh-CN" dirty="0"/>
+          </a:p>
+          <a:p>
+            <a:endParaRPr lang="zh-CN" altLang="en-US" dirty="0"/>
+          </a:p>
+        </p:txBody>
+      </p:sp>
+    </p:spTree>
+  </p:cSld>
+  <p:clrMapOvr>
+    <a:masterClrMapping/>
+  </p:clrMapOvr>
+  <p:timing>
+    <p:tnLst>
+      <p:par>
+        <p:cTn id="1" dur="indefinite" restart="never" nodeType="tmRoot"/>
+      </p:par>
+    </p:tnLst>
+  </p:timing>
+</p:sld>
+</file>
+
+<file path=ppt/slides/slide27.xml><?xml version="1.0" encoding="utf-8"?>
+<p:sld xmlns:a="http://schemas.openxmlformats.org/drawingml/2006/main" xmlns:r="http://schemas.openxmlformats.org/officeDocument/2006/relationships" xmlns:p="http://schemas.openxmlformats.org/presentationml/2006/main">
+  <p:cSld>
+    <p:spTree>
+      <p:nvGrpSpPr>
+        <p:cNvPr id="1" name=""/>
+        <p:cNvGrpSpPr/>
+        <p:nvPr/>
+      </p:nvGrpSpPr>
+      <p:grpSpPr>
+        <a:xfrm>
+          <a:off x="0" y="0"/>
+          <a:ext cx="0" cy="0"/>
+          <a:chOff x="0" y="0"/>
+          <a:chExt cx="0" cy="0"/>
+        </a:xfrm>
+      </p:grpSpPr>
+      <p:sp>
+        <p:nvSpPr>
+          <p:cNvPr id="2" name="标题 1"/>
+          <p:cNvSpPr>
+            <a:spLocks noGrp="1"/>
+          </p:cNvSpPr>
+          <p:nvPr>
+            <p:ph type="title"/>
+          </p:nvPr>
+        </p:nvSpPr>
+        <p:spPr/>
+        <p:txBody>
           <a:bodyPr/>
           <a:lstStyle/>
           <a:p>
@@ -19220,118 +19431,6 @@
 </p:sld>
 </file>
 
-<file path=ppt/slides/slide27.xml><?xml version="1.0" encoding="utf-8"?>
-<p:sld xmlns:a="http://schemas.openxmlformats.org/drawingml/2006/main" xmlns:r="http://schemas.openxmlformats.org/officeDocument/2006/relationships" xmlns:p="http://schemas.openxmlformats.org/presentationml/2006/main">
-  <p:cSld>
-    <p:spTree>
-      <p:nvGrpSpPr>
-        <p:cNvPr id="1" name=""/>
-        <p:cNvGrpSpPr/>
-        <p:nvPr/>
-      </p:nvGrpSpPr>
-      <p:grpSpPr>
-        <a:xfrm>
-          <a:off x="0" y="0"/>
-          <a:ext cx="0" cy="0"/>
-          <a:chOff x="0" y="0"/>
-          <a:chExt cx="0" cy="0"/>
-        </a:xfrm>
-      </p:grpSpPr>
-      <p:sp>
-        <p:nvSpPr>
-          <p:cNvPr id="2" name="标题 1"/>
-          <p:cNvSpPr>
-            <a:spLocks noGrp="1"/>
-          </p:cNvSpPr>
-          <p:nvPr>
-            <p:ph type="title"/>
-          </p:nvPr>
-        </p:nvSpPr>
-        <p:spPr/>
-        <p:txBody>
-          <a:bodyPr/>
-          <a:lstStyle/>
-          <a:p>
-            <a:endParaRPr lang="zh-CN" altLang="en-US" dirty="0"/>
-          </a:p>
-        </p:txBody>
-      </p:sp>
-      <p:sp>
-        <p:nvSpPr>
-          <p:cNvPr id="3" name="内容占位符 2"/>
-          <p:cNvSpPr>
-            <a:spLocks noGrp="1"/>
-          </p:cNvSpPr>
-          <p:nvPr>
-            <p:ph idx="1"/>
-          </p:nvPr>
-        </p:nvSpPr>
-        <p:spPr/>
-        <p:txBody>
-          <a:bodyPr/>
-          <a:lstStyle/>
-          <a:p>
-            <a:r>
-              <a:rPr lang="zh-CN" altLang="en-US" dirty="0" smtClean="0"/>
-              <a:t>使用</a:t>
-            </a:r>
-            <a:r>
-              <a:rPr lang="en-US" altLang="zh-CN" dirty="0" err="1" smtClean="0"/>
-              <a:t>file.choose</a:t>
-            </a:r>
-            <a:r>
-              <a:rPr lang="en-US" altLang="zh-CN" dirty="0" smtClean="0"/>
-              <a:t>()</a:t>
-            </a:r>
-            <a:r>
-              <a:rPr lang="zh-CN" altLang="en-US" dirty="0" smtClean="0"/>
-              <a:t>方法手动加载外部数据</a:t>
-            </a:r>
-            <a:endParaRPr lang="en-US" altLang="zh-CN" dirty="0" smtClean="0"/>
-          </a:p>
-          <a:p>
-            <a:pPr marL="0" indent="0">
-              <a:buNone/>
-            </a:pPr>
-            <a:r>
-              <a:rPr lang="en-US" altLang="zh-CN" dirty="0" smtClean="0"/>
-              <a:t>	</a:t>
-            </a:r>
-            <a:r>
-              <a:rPr lang="en-US" altLang="zh-CN" dirty="0" err="1" smtClean="0"/>
-              <a:t>tran</a:t>
-            </a:r>
-            <a:r>
-              <a:rPr lang="en-US" altLang="zh-CN" dirty="0" smtClean="0"/>
-              <a:t>&lt;-read.csv( file=</a:t>
-            </a:r>
-            <a:r>
-              <a:rPr lang="en-US" altLang="zh-CN" dirty="0" err="1" smtClean="0"/>
-              <a:t>file.choose</a:t>
-            </a:r>
-            <a:r>
-              <a:rPr lang="en-US" altLang="zh-CN" dirty="0" smtClean="0"/>
-              <a:t>() )</a:t>
-            </a:r>
-            <a:endParaRPr lang="zh-CN" altLang="en-US" dirty="0"/>
-          </a:p>
-        </p:txBody>
-      </p:sp>
-    </p:spTree>
-  </p:cSld>
-  <p:clrMapOvr>
-    <a:masterClrMapping/>
-  </p:clrMapOvr>
-  <p:timing>
-    <p:tnLst>
-      <p:par>
-        <p:cTn id="1" dur="indefinite" restart="never" nodeType="tmRoot"/>
-      </p:par>
-    </p:tnLst>
-  </p:timing>
-</p:sld>
-</file>
-
 <file path=ppt/slides/slide28.xml><?xml version="1.0" encoding="utf-8"?>
 <p:sld xmlns:a="http://schemas.openxmlformats.org/drawingml/2006/main" xmlns:r="http://schemas.openxmlformats.org/officeDocument/2006/relationships" xmlns:p="http://schemas.openxmlformats.org/presentationml/2006/main">
   <p:cSld>
@@ -19361,16 +19460,10 @@
         </p:nvSpPr>
         <p:spPr/>
         <p:txBody>
-          <a:bodyPr>
-            <a:normAutofit/>
-          </a:bodyPr>
+          <a:bodyPr/>
           <a:lstStyle/>
           <a:p>
-            <a:r>
-              <a:rPr lang="zh-CN" altLang="en-US" sz="2800" dirty="0" smtClean="0"/>
-              <a:t>*数据库导入</a:t>
-            </a:r>
-            <a:endParaRPr lang="zh-CN" altLang="en-US" sz="2800" dirty="0"/>
+            <a:endParaRPr lang="zh-CN" altLang="en-US" dirty="0"/>
           </a:p>
         </p:txBody>
       </p:sp>
@@ -19390,234 +19483,46 @@
           <a:lstStyle/>
           <a:p>
             <a:r>
+              <a:rPr lang="zh-CN" altLang="en-US" dirty="0" smtClean="0"/>
+              <a:t>使用</a:t>
+            </a:r>
+            <a:r>
+              <a:rPr lang="en-US" altLang="zh-CN" dirty="0" err="1" smtClean="0"/>
+              <a:t>file.choose</a:t>
+            </a:r>
+            <a:r>
               <a:rPr lang="en-US" altLang="zh-CN" dirty="0" smtClean="0"/>
-              <a:t>R</a:t>
+              <a:t>()</a:t>
             </a:r>
             <a:r>
               <a:rPr lang="zh-CN" altLang="en-US" dirty="0" smtClean="0"/>
-              <a:t>通过软件包</a:t>
-            </a:r>
-            <a:r>
-              <a:rPr lang="en-US" altLang="zh-CN" dirty="0" smtClean="0"/>
-              <a:t>RODBC</a:t>
-            </a:r>
-            <a:r>
-              <a:rPr lang="zh-CN" altLang="en-US" dirty="0" smtClean="0"/>
-              <a:t>可以访问目前的多种类型数据库，覆盖了几乎目前常见的所有数据库。下边以</a:t>
-            </a:r>
-            <a:r>
-              <a:rPr lang="en-US" altLang="zh-CN" dirty="0" smtClean="0"/>
-              <a:t>SQL</a:t>
-            </a:r>
-            <a:r>
-              <a:rPr lang="zh-CN" altLang="en-US" dirty="0" smtClean="0"/>
-              <a:t>数据库为例：</a:t>
+              <a:t>方法手动加载外部数据</a:t>
             </a:r>
             <a:endParaRPr lang="en-US" altLang="zh-CN" dirty="0" smtClean="0"/>
           </a:p>
           <a:p>
-            <a:pPr lvl="1"/>
-            <a:r>
-              <a:rPr lang="zh-CN" altLang="en-US" dirty="0" smtClean="0"/>
-              <a:t>加载</a:t>
-            </a:r>
-            <a:r>
-              <a:rPr lang="en-US" altLang="zh-CN" dirty="0" smtClean="0"/>
-              <a:t>RODBC</a:t>
-            </a:r>
-            <a:r>
-              <a:rPr lang="zh-CN" altLang="en-US" dirty="0" smtClean="0"/>
-              <a:t>包</a:t>
-            </a:r>
-            <a:endParaRPr lang="en-US" altLang="zh-CN" dirty="0" smtClean="0"/>
-          </a:p>
-          <a:p>
-            <a:pPr lvl="1"/>
-            <a:r>
-              <a:rPr lang="en-US" altLang="zh-CN" dirty="0" err="1" smtClean="0"/>
-              <a:t>myconn</a:t>
-            </a:r>
-            <a:r>
-              <a:rPr lang="en-US" altLang="zh-CN" dirty="0" smtClean="0"/>
-              <a:t>&lt;-</a:t>
-            </a:r>
-            <a:r>
-              <a:rPr lang="en-US" altLang="zh-CN" dirty="0" err="1" smtClean="0"/>
-              <a:t>odbcConnect</a:t>
-            </a:r>
-            <a:r>
-              <a:rPr lang="en-US" altLang="zh-CN" dirty="0" smtClean="0"/>
-              <a:t>(“</a:t>
-            </a:r>
-            <a:r>
-              <a:rPr lang="en-US" altLang="zh-CN" dirty="0" err="1" smtClean="0"/>
-              <a:t>mydsn</a:t>
-            </a:r>
-            <a:r>
-              <a:rPr lang="en-US" altLang="zh-CN" dirty="0" smtClean="0"/>
-              <a:t>”,</a:t>
-            </a:r>
-            <a:r>
-              <a:rPr lang="en-US" altLang="zh-CN" dirty="0" err="1" smtClean="0"/>
-              <a:t>uid</a:t>
-            </a:r>
-            <a:r>
-              <a:rPr lang="en-US" altLang="zh-CN" dirty="0" smtClean="0"/>
-              <a:t>=“Rob”,</a:t>
-            </a:r>
-            <a:r>
-              <a:rPr lang="en-US" altLang="zh-CN" dirty="0" err="1" smtClean="0"/>
-              <a:t>pwd</a:t>
-            </a:r>
-            <a:r>
-              <a:rPr lang="en-US" altLang="zh-CN" dirty="0" smtClean="0"/>
-              <a:t>=“</a:t>
-            </a:r>
-            <a:r>
-              <a:rPr lang="en-US" altLang="zh-CN" dirty="0" err="1" smtClean="0"/>
-              <a:t>wodemima</a:t>
-            </a:r>
-            <a:r>
-              <a:rPr lang="en-US" altLang="zh-CN" dirty="0" smtClean="0"/>
-              <a:t>”) #</a:t>
-            </a:r>
-            <a:r>
-              <a:rPr lang="zh-CN" altLang="en-US" dirty="0" smtClean="0"/>
-              <a:t>建立一个数据库访问通道</a:t>
-            </a:r>
-            <a:endParaRPr lang="en-US" altLang="zh-CN" dirty="0" smtClean="0"/>
-          </a:p>
-          <a:p>
-            <a:pPr lvl="1"/>
-            <a:r>
-              <a:rPr lang="en-US" altLang="zh-CN" dirty="0" err="1" smtClean="0"/>
-              <a:t>crimedat</a:t>
-            </a:r>
-            <a:r>
-              <a:rPr lang="en-US" altLang="zh-CN" dirty="0" smtClean="0"/>
-              <a:t>&lt;-</a:t>
-            </a:r>
-            <a:r>
-              <a:rPr lang="en-US" altLang="zh-CN" dirty="0" err="1" smtClean="0"/>
-              <a:t>sqlFetch</a:t>
-            </a:r>
-            <a:r>
-              <a:rPr lang="en-US" altLang="zh-CN" dirty="0" smtClean="0"/>
-              <a:t>(</a:t>
-            </a:r>
-            <a:r>
-              <a:rPr lang="en-US" altLang="zh-CN" dirty="0" err="1" smtClean="0"/>
-              <a:t>myconn,Crime</a:t>
-            </a:r>
-            <a:r>
-              <a:rPr lang="en-US" altLang="zh-CN" dirty="0" smtClean="0"/>
-              <a:t>) #</a:t>
-            </a:r>
-            <a:r>
-              <a:rPr lang="zh-CN" altLang="en-US" dirty="0" smtClean="0"/>
-              <a:t>通过通道</a:t>
-            </a:r>
-            <a:r>
-              <a:rPr lang="en-US" altLang="zh-CN" dirty="0" err="1" smtClean="0"/>
-              <a:t>myconn</a:t>
-            </a:r>
-            <a:r>
-              <a:rPr lang="zh-CN" altLang="en-US" dirty="0" smtClean="0"/>
-              <a:t>读取表</a:t>
-            </a:r>
-            <a:r>
-              <a:rPr lang="en-US" altLang="zh-CN" dirty="0" smtClean="0"/>
-              <a:t>Crime</a:t>
-            </a:r>
-            <a:r>
-              <a:rPr lang="zh-CN" altLang="en-US" dirty="0" smtClean="0"/>
-              <a:t>保存到数据框</a:t>
-            </a:r>
-            <a:r>
-              <a:rPr lang="en-US" altLang="zh-CN" dirty="0" err="1" smtClean="0"/>
-              <a:t>crimedat</a:t>
-            </a:r>
-            <a:r>
-              <a:rPr lang="zh-CN" altLang="en-US" dirty="0" smtClean="0"/>
-              <a:t>里</a:t>
-            </a:r>
-            <a:endParaRPr lang="en-US" altLang="zh-CN" dirty="0" smtClean="0"/>
-          </a:p>
-          <a:p>
-            <a:pPr lvl="1"/>
-            <a:r>
-              <a:rPr lang="en-US" altLang="zh-CN" dirty="0" smtClean="0"/>
-              <a:t>pundit&lt;- </a:t>
-            </a:r>
-            <a:r>
-              <a:rPr lang="en-US" altLang="zh-CN" dirty="0" err="1" smtClean="0"/>
-              <a:t>sqlQuery</a:t>
-            </a:r>
-            <a:r>
-              <a:rPr lang="en-US" altLang="zh-CN" dirty="0" smtClean="0"/>
-              <a:t>(</a:t>
-            </a:r>
-            <a:r>
-              <a:rPr lang="en-US" altLang="zh-CN" dirty="0" err="1" smtClean="0"/>
-              <a:t>myconn</a:t>
-            </a:r>
-            <a:r>
-              <a:rPr lang="en-US" altLang="zh-CN" dirty="0" smtClean="0"/>
-              <a:t>, “select * from Punishment”) #</a:t>
-            </a:r>
-            <a:r>
-              <a:rPr lang="zh-CN" altLang="en-US" dirty="0" smtClean="0"/>
-              <a:t>查询并返回结果</a:t>
-            </a:r>
-            <a:endParaRPr lang="en-US" altLang="zh-CN" dirty="0" smtClean="0"/>
-          </a:p>
-          <a:p>
-            <a:pPr lvl="1"/>
-            <a:r>
-              <a:rPr lang="en-US" altLang="zh-CN" dirty="0" smtClean="0"/>
-              <a:t>close(</a:t>
-            </a:r>
-            <a:r>
-              <a:rPr lang="en-US" altLang="zh-CN" dirty="0" err="1" smtClean="0"/>
-              <a:t>myconn</a:t>
-            </a:r>
-            <a:r>
-              <a:rPr lang="en-US" altLang="zh-CN" dirty="0" smtClean="0"/>
-              <a:t>) #</a:t>
-            </a:r>
-            <a:r>
-              <a:rPr lang="zh-CN" altLang="en-US" dirty="0" smtClean="0"/>
-              <a:t>关闭访问连接</a:t>
-            </a:r>
-            <a:endParaRPr lang="en-US" altLang="zh-CN" dirty="0" smtClean="0"/>
-          </a:p>
-          <a:p>
-            <a:pPr marL="201295" lvl="1" indent="0">
+            <a:pPr marL="0" indent="0">
               <a:buNone/>
             </a:pPr>
             <a:r>
-              <a:rPr lang="zh-CN" altLang="en-US" dirty="0" smtClean="0"/>
-              <a:t>注意</a:t>
-            </a:r>
-            <a:r>
               <a:rPr lang="en-US" altLang="zh-CN" dirty="0" smtClean="0"/>
-              <a:t>, </a:t>
+              <a:t>	</a:t>
             </a:r>
             <a:r>
               <a:rPr lang="en-US" altLang="zh-CN" dirty="0" err="1" smtClean="0"/>
-              <a:t>sqlQuery</a:t>
-            </a:r>
-            <a:r>
-              <a:rPr lang="zh-CN" altLang="en-US" dirty="0" smtClean="0"/>
-              <a:t>由于可以插入使用</a:t>
+              <a:t>tran</a:t>
             </a:r>
             <a:r>
               <a:rPr lang="en-US" altLang="zh-CN" dirty="0" smtClean="0"/>
-              <a:t>SQL</a:t>
-            </a:r>
-            <a:r>
-              <a:rPr lang="zh-CN" altLang="en-US" dirty="0" smtClean="0"/>
-              <a:t>语句，使得该命令具有极高的灵活性，可以赋予我们操作并使用数据库几乎所有功能的能力</a:t>
+              <a:t>&lt;-read.csv( file=</a:t>
+            </a:r>
+            <a:r>
+              <a:rPr lang="en-US" altLang="zh-CN" dirty="0" err="1" smtClean="0"/>
+              <a:t>file.choose</a:t>
+            </a:r>
+            <a:r>
+              <a:rPr lang="en-US" altLang="zh-CN" dirty="0" smtClean="0"/>
+              <a:t>() )</a:t>
             </a:r>
             <a:endParaRPr lang="zh-CN" altLang="en-US" dirty="0"/>
           </a:p>
@@ -19673,10 +19578,10 @@
           <a:lstStyle/>
           <a:p>
             <a:r>
-              <a:rPr lang="zh-CN" altLang="en-US" sz="3200" dirty="0" smtClean="0"/>
-              <a:t>*网络抓取</a:t>
-            </a:r>
-            <a:endParaRPr lang="zh-CN" altLang="en-US" sz="3200" dirty="0"/>
+              <a:rPr lang="zh-CN" altLang="en-US" sz="2800" dirty="0" smtClean="0"/>
+              <a:t>*数据库导入</a:t>
+            </a:r>
+            <a:endParaRPr lang="zh-CN" altLang="en-US" sz="2800" dirty="0"/>
           </a:p>
         </p:txBody>
       </p:sp>
@@ -19696,45 +19601,235 @@
           <a:lstStyle/>
           <a:p>
             <a:r>
-              <a:rPr lang="zh-CN" altLang="en-US" dirty="0" smtClean="0"/>
-              <a:t>目前</a:t>
-            </a:r>
-            <a:r>
               <a:rPr lang="en-US" altLang="zh-CN" dirty="0" smtClean="0"/>
               <a:t>R</a:t>
             </a:r>
             <a:r>
               <a:rPr lang="zh-CN" altLang="en-US" dirty="0" smtClean="0"/>
-              <a:t>语言中用于网络抓取数据的程序包主要有</a:t>
-            </a:r>
+              <a:t>通过软件包</a:t>
+            </a:r>
+            <a:r>
+              <a:rPr lang="en-US" altLang="zh-CN" dirty="0" smtClean="0"/>
+              <a:t>RODBC</a:t>
+            </a:r>
+            <a:r>
+              <a:rPr lang="zh-CN" altLang="en-US" dirty="0" smtClean="0"/>
+              <a:t>可以访问目前的多种类型数据库，覆盖了几乎目前常见的所有数据库。下边以</a:t>
+            </a:r>
+            <a:r>
+              <a:rPr lang="en-US" altLang="zh-CN" dirty="0" smtClean="0"/>
+              <a:t>SQL</a:t>
+            </a:r>
+            <a:r>
+              <a:rPr lang="zh-CN" altLang="en-US" dirty="0" smtClean="0"/>
+              <a:t>数据库为例：</a:t>
+            </a:r>
+            <a:endParaRPr lang="en-US" altLang="zh-CN" dirty="0" smtClean="0"/>
+          </a:p>
+          <a:p>
+            <a:pPr lvl="1"/>
+            <a:r>
+              <a:rPr lang="zh-CN" altLang="en-US" dirty="0" smtClean="0"/>
+              <a:t>加载</a:t>
+            </a:r>
+            <a:r>
+              <a:rPr lang="en-US" altLang="zh-CN" dirty="0" smtClean="0"/>
+              <a:t>RODBC</a:t>
+            </a:r>
+            <a:r>
+              <a:rPr lang="zh-CN" altLang="en-US" dirty="0" smtClean="0"/>
+              <a:t>包</a:t>
+            </a:r>
+            <a:endParaRPr lang="en-US" altLang="zh-CN" dirty="0" smtClean="0"/>
+          </a:p>
+          <a:p>
+            <a:pPr lvl="1"/>
             <a:r>
               <a:rPr lang="en-US" altLang="zh-CN" dirty="0" err="1" smtClean="0"/>
-              <a:t>Rcurl</a:t>
+              <a:t>myconn</a:t>
+            </a:r>
+            <a:r>
+              <a:rPr lang="en-US" altLang="zh-CN" dirty="0" smtClean="0"/>
+              <a:t>&lt;-</a:t>
+            </a:r>
+            <a:r>
+              <a:rPr lang="en-US" altLang="zh-CN" dirty="0" err="1" smtClean="0"/>
+              <a:t>odbcConnect</a:t>
+            </a:r>
+            <a:r>
+              <a:rPr lang="en-US" altLang="zh-CN" dirty="0" smtClean="0"/>
+              <a:t>(“</a:t>
+            </a:r>
+            <a:r>
+              <a:rPr lang="en-US" altLang="zh-CN" dirty="0" err="1" smtClean="0"/>
+              <a:t>mydsn</a:t>
+            </a:r>
+            <a:r>
+              <a:rPr lang="en-US" altLang="zh-CN" dirty="0" smtClean="0"/>
+              <a:t>”,</a:t>
+            </a:r>
+            <a:r>
+              <a:rPr lang="en-US" altLang="zh-CN" dirty="0" err="1" smtClean="0"/>
+              <a:t>uid</a:t>
+            </a:r>
+            <a:r>
+              <a:rPr lang="en-US" altLang="zh-CN" dirty="0" smtClean="0"/>
+              <a:t>=“Rob”,</a:t>
+            </a:r>
+            <a:r>
+              <a:rPr lang="en-US" altLang="zh-CN" dirty="0" err="1" smtClean="0"/>
+              <a:t>pwd</a:t>
+            </a:r>
+            <a:r>
+              <a:rPr lang="en-US" altLang="zh-CN" dirty="0" smtClean="0"/>
+              <a:t>=“</a:t>
+            </a:r>
+            <a:r>
+              <a:rPr lang="en-US" altLang="zh-CN" dirty="0" err="1" smtClean="0"/>
+              <a:t>wodemima</a:t>
+            </a:r>
+            <a:r>
+              <a:rPr lang="en-US" altLang="zh-CN" dirty="0" smtClean="0"/>
+              <a:t>”) #</a:t>
             </a:r>
             <a:r>
               <a:rPr lang="zh-CN" altLang="en-US" dirty="0" smtClean="0"/>
-              <a:t>和</a:t>
-            </a:r>
+              <a:t>建立一个数据库访问通道</a:t>
+            </a:r>
+            <a:endParaRPr lang="en-US" altLang="zh-CN" dirty="0" smtClean="0"/>
+          </a:p>
+          <a:p>
+            <a:pPr lvl="1"/>
             <a:r>
               <a:rPr lang="en-US" altLang="zh-CN" dirty="0" err="1" smtClean="0"/>
-              <a:t>rvest</a:t>
+              <a:t>crimedat</a:t>
+            </a:r>
+            <a:r>
+              <a:rPr lang="en-US" altLang="zh-CN" dirty="0" smtClean="0"/>
+              <a:t>&lt;-</a:t>
+            </a:r>
+            <a:r>
+              <a:rPr lang="en-US" altLang="zh-CN" dirty="0" err="1" smtClean="0"/>
+              <a:t>sqlFetch</a:t>
+            </a:r>
+            <a:r>
+              <a:rPr lang="en-US" altLang="zh-CN" dirty="0" smtClean="0"/>
+              <a:t>(</a:t>
+            </a:r>
+            <a:r>
+              <a:rPr lang="en-US" altLang="zh-CN" dirty="0" err="1" smtClean="0"/>
+              <a:t>myconn,Crime</a:t>
+            </a:r>
+            <a:r>
+              <a:rPr lang="en-US" altLang="zh-CN" dirty="0" smtClean="0"/>
+              <a:t>) #</a:t>
             </a:r>
             <a:r>
               <a:rPr lang="zh-CN" altLang="en-US" dirty="0" smtClean="0"/>
-              <a:t>两个包，以</a:t>
+              <a:t>通过通道</a:t>
             </a:r>
             <a:r>
               <a:rPr lang="en-US" altLang="zh-CN" dirty="0" err="1" smtClean="0"/>
-              <a:t>rvest</a:t>
+              <a:t>myconn</a:t>
             </a:r>
             <a:r>
               <a:rPr lang="zh-CN" altLang="en-US" dirty="0" smtClean="0"/>
-              <a:t>为例：</a:t>
+              <a:t>读取表</a:t>
+            </a:r>
+            <a:r>
+              <a:rPr lang="en-US" altLang="zh-CN" dirty="0" smtClean="0"/>
+              <a:t>Crime</a:t>
+            </a:r>
+            <a:r>
+              <a:rPr lang="zh-CN" altLang="en-US" dirty="0" smtClean="0"/>
+              <a:t>保存到数据框</a:t>
+            </a:r>
+            <a:r>
+              <a:rPr lang="en-US" altLang="zh-CN" dirty="0" err="1" smtClean="0"/>
+              <a:t>crimedat</a:t>
+            </a:r>
+            <a:r>
+              <a:rPr lang="zh-CN" altLang="en-US" dirty="0" smtClean="0"/>
+              <a:t>里</a:t>
             </a:r>
             <a:endParaRPr lang="en-US" altLang="zh-CN" dirty="0" smtClean="0"/>
           </a:p>
           <a:p>
             <a:pPr lvl="1"/>
+            <a:r>
+              <a:rPr lang="en-US" altLang="zh-CN" dirty="0" smtClean="0"/>
+              <a:t>pundit&lt;- </a:t>
+            </a:r>
+            <a:r>
+              <a:rPr lang="en-US" altLang="zh-CN" dirty="0" err="1" smtClean="0"/>
+              <a:t>sqlQuery</a:t>
+            </a:r>
+            <a:r>
+              <a:rPr lang="en-US" altLang="zh-CN" dirty="0" smtClean="0"/>
+              <a:t>(</a:t>
+            </a:r>
+            <a:r>
+              <a:rPr lang="en-US" altLang="zh-CN" dirty="0" err="1" smtClean="0"/>
+              <a:t>myconn</a:t>
+            </a:r>
+            <a:r>
+              <a:rPr lang="en-US" altLang="zh-CN" dirty="0" smtClean="0"/>
+              <a:t>, “select * from Punishment”) #</a:t>
+            </a:r>
+            <a:r>
+              <a:rPr lang="zh-CN" altLang="en-US" dirty="0" smtClean="0"/>
+              <a:t>查询并返回结果</a:t>
+            </a:r>
+            <a:endParaRPr lang="en-US" altLang="zh-CN" dirty="0" smtClean="0"/>
+          </a:p>
+          <a:p>
+            <a:pPr lvl="1"/>
+            <a:r>
+              <a:rPr lang="en-US" altLang="zh-CN" dirty="0" smtClean="0"/>
+              <a:t>close(</a:t>
+            </a:r>
+            <a:r>
+              <a:rPr lang="en-US" altLang="zh-CN" dirty="0" err="1" smtClean="0"/>
+              <a:t>myconn</a:t>
+            </a:r>
+            <a:r>
+              <a:rPr lang="en-US" altLang="zh-CN" dirty="0" smtClean="0"/>
+              <a:t>) #</a:t>
+            </a:r>
+            <a:r>
+              <a:rPr lang="zh-CN" altLang="en-US" dirty="0" smtClean="0"/>
+              <a:t>关闭访问连接</a:t>
+            </a:r>
+            <a:endParaRPr lang="en-US" altLang="zh-CN" dirty="0" smtClean="0"/>
+          </a:p>
+          <a:p>
+            <a:pPr marL="201295" lvl="1" indent="0">
+              <a:buNone/>
+            </a:pPr>
+            <a:r>
+              <a:rPr lang="zh-CN" altLang="en-US" dirty="0" smtClean="0"/>
+              <a:t>注意</a:t>
+            </a:r>
+            <a:r>
+              <a:rPr lang="en-US" altLang="zh-CN" dirty="0" smtClean="0"/>
+              <a:t>, </a:t>
+            </a:r>
+            <a:r>
+              <a:rPr lang="en-US" altLang="zh-CN" dirty="0" err="1" smtClean="0"/>
+              <a:t>sqlQuery</a:t>
+            </a:r>
+            <a:r>
+              <a:rPr lang="zh-CN" altLang="en-US" dirty="0" smtClean="0"/>
+              <a:t>由于可以插入使用</a:t>
+            </a:r>
+            <a:r>
+              <a:rPr lang="en-US" altLang="zh-CN" dirty="0" smtClean="0"/>
+              <a:t>SQL</a:t>
+            </a:r>
+            <a:r>
+              <a:rPr lang="zh-CN" altLang="en-US" dirty="0" smtClean="0"/>
+              <a:t>语句，使得该命令具有极高的灵活性，可以赋予我们操作并使用数据库几乎所有功能的能力</a:t>
+            </a:r>
             <a:endParaRPr lang="zh-CN" altLang="en-US" dirty="0"/>
           </a:p>
         </p:txBody>
@@ -19990,6 +20085,122 @@
         </p:nvSpPr>
         <p:spPr/>
         <p:txBody>
+          <a:bodyPr>
+            <a:normAutofit/>
+          </a:bodyPr>
+          <a:lstStyle/>
+          <a:p>
+            <a:r>
+              <a:rPr lang="zh-CN" altLang="en-US" sz="3200" dirty="0" smtClean="0"/>
+              <a:t>*网络抓取</a:t>
+            </a:r>
+            <a:endParaRPr lang="zh-CN" altLang="en-US" sz="3200" dirty="0"/>
+          </a:p>
+        </p:txBody>
+      </p:sp>
+      <p:sp>
+        <p:nvSpPr>
+          <p:cNvPr id="3" name="内容占位符 2"/>
+          <p:cNvSpPr>
+            <a:spLocks noGrp="1"/>
+          </p:cNvSpPr>
+          <p:nvPr>
+            <p:ph idx="1"/>
+          </p:nvPr>
+        </p:nvSpPr>
+        <p:spPr/>
+        <p:txBody>
+          <a:bodyPr/>
+          <a:lstStyle/>
+          <a:p>
+            <a:r>
+              <a:rPr lang="zh-CN" altLang="en-US" dirty="0" smtClean="0"/>
+              <a:t>目前</a:t>
+            </a:r>
+            <a:r>
+              <a:rPr lang="en-US" altLang="zh-CN" dirty="0" smtClean="0"/>
+              <a:t>R</a:t>
+            </a:r>
+            <a:r>
+              <a:rPr lang="zh-CN" altLang="en-US" dirty="0" smtClean="0"/>
+              <a:t>语言中用于网络抓取数据的程序包主要有</a:t>
+            </a:r>
+            <a:r>
+              <a:rPr lang="en-US" altLang="zh-CN" dirty="0" err="1" smtClean="0"/>
+              <a:t>Rcurl</a:t>
+            </a:r>
+            <a:r>
+              <a:rPr lang="zh-CN" altLang="en-US" dirty="0" smtClean="0"/>
+              <a:t>和</a:t>
+            </a:r>
+            <a:r>
+              <a:rPr lang="en-US" altLang="zh-CN" dirty="0" err="1" smtClean="0"/>
+              <a:t>rvest</a:t>
+            </a:r>
+            <a:r>
+              <a:rPr lang="zh-CN" altLang="en-US" dirty="0" smtClean="0"/>
+              <a:t>两个包，以</a:t>
+            </a:r>
+            <a:r>
+              <a:rPr lang="en-US" altLang="zh-CN" dirty="0" err="1" smtClean="0"/>
+              <a:t>rvest</a:t>
+            </a:r>
+            <a:r>
+              <a:rPr lang="zh-CN" altLang="en-US" dirty="0" smtClean="0"/>
+              <a:t>为例：</a:t>
+            </a:r>
+            <a:endParaRPr lang="en-US" altLang="zh-CN" dirty="0" smtClean="0"/>
+          </a:p>
+          <a:p>
+            <a:pPr lvl="1"/>
+            <a:endParaRPr lang="zh-CN" altLang="en-US" dirty="0"/>
+          </a:p>
+        </p:txBody>
+      </p:sp>
+    </p:spTree>
+  </p:cSld>
+  <p:clrMapOvr>
+    <a:masterClrMapping/>
+  </p:clrMapOvr>
+  <p:timing>
+    <p:tnLst>
+      <p:par>
+        <p:cTn id="1" dur="indefinite" restart="never" nodeType="tmRoot"/>
+      </p:par>
+    </p:tnLst>
+  </p:timing>
+</p:sld>
+</file>
+
+<file path=ppt/slides/slide31.xml><?xml version="1.0" encoding="utf-8"?>
+<p:sld xmlns:a="http://schemas.openxmlformats.org/drawingml/2006/main" xmlns:r="http://schemas.openxmlformats.org/officeDocument/2006/relationships" xmlns:p="http://schemas.openxmlformats.org/presentationml/2006/main">
+  <p:cSld>
+    <p:spTree>
+      <p:nvGrpSpPr>
+        <p:cNvPr id="1" name=""/>
+        <p:cNvGrpSpPr/>
+        <p:nvPr/>
+      </p:nvGrpSpPr>
+      <p:grpSpPr>
+        <a:xfrm>
+          <a:off x="0" y="0"/>
+          <a:ext cx="0" cy="0"/>
+          <a:chOff x="0" y="0"/>
+          <a:chExt cx="0" cy="0"/>
+        </a:xfrm>
+      </p:grpSpPr>
+      <p:sp>
+        <p:nvSpPr>
+          <p:cNvPr id="2" name="标题 1"/>
+          <p:cNvSpPr>
+            <a:spLocks noGrp="1"/>
+          </p:cNvSpPr>
+          <p:nvPr>
+            <p:ph type="title"/>
+          </p:nvPr>
+        </p:nvSpPr>
+        <p:spPr/>
+        <p:txBody>
           <a:bodyPr/>
           <a:lstStyle/>
           <a:p>
@@ -20612,6 +20823,98 @@
               </a:solidFill>
               <a:effectLst/>
               <a:latin typeface="Arial" panose="020B0604020202020204" pitchFamily="34" charset="0"/>
+            </a:endParaRPr>
+          </a:p>
+        </p:txBody>
+      </p:sp>
+      <p:sp>
+        <p:nvSpPr>
+          <p:cNvPr id="12" name="文本框 11"/>
+          <p:cNvSpPr txBox="1"/>
+          <p:nvPr/>
+        </p:nvSpPr>
+        <p:spPr>
+          <a:xfrm>
+            <a:off x="7396325" y="4915973"/>
+            <a:ext cx="2970685" cy="1077218"/>
+          </a:xfrm>
+          <a:prstGeom prst="rect">
+            <a:avLst/>
+          </a:prstGeom>
+          <a:noFill/>
+        </p:spPr>
+        <p:txBody>
+          <a:bodyPr wrap="square" rtlCol="0">
+            <a:spAutoFit/>
+          </a:bodyPr>
+          <a:lstStyle/>
+          <a:p>
+            <a:r>
+              <a:rPr lang="zh-CN" altLang="en-US" sz="1600" dirty="0" smtClean="0">
+                <a:latin typeface="华文楷体" panose="02010600040101010101" pitchFamily="2" charset="-122"/>
+                <a:ea typeface="华文楷体" panose="02010600040101010101" pitchFamily="2" charset="-122"/>
+              </a:rPr>
+              <a:t>另外，</a:t>
+            </a:r>
+            <a:r>
+              <a:rPr lang="en-US" altLang="zh-CN" sz="1600" dirty="0" smtClean="0">
+                <a:latin typeface="华文楷体" panose="02010600040101010101" pitchFamily="2" charset="-122"/>
+                <a:ea typeface="华文楷体" panose="02010600040101010101" pitchFamily="2" charset="-122"/>
+              </a:rPr>
+              <a:t>R</a:t>
+            </a:r>
+            <a:r>
+              <a:rPr lang="zh-CN" altLang="en-US" sz="1600" dirty="0" smtClean="0">
+                <a:latin typeface="华文楷体" panose="02010600040101010101" pitchFamily="2" charset="-122"/>
+                <a:ea typeface="华文楷体" panose="02010600040101010101" pitchFamily="2" charset="-122"/>
+              </a:rPr>
+              <a:t>语言还有一种简化的数据保存格式，文件扩展名为</a:t>
+            </a:r>
+            <a:r>
+              <a:rPr lang="en-US" altLang="zh-CN" sz="1600" dirty="0" smtClean="0">
+                <a:latin typeface="华文楷体" panose="02010600040101010101" pitchFamily="2" charset="-122"/>
+                <a:ea typeface="华文楷体" panose="02010600040101010101" pitchFamily="2" charset="-122"/>
+              </a:rPr>
+              <a:t>.</a:t>
+            </a:r>
+            <a:r>
+              <a:rPr lang="en-US" altLang="zh-CN" sz="1600" dirty="0" err="1" smtClean="0">
+                <a:latin typeface="华文楷体" panose="02010600040101010101" pitchFamily="2" charset="-122"/>
+                <a:ea typeface="华文楷体" panose="02010600040101010101" pitchFamily="2" charset="-122"/>
+              </a:rPr>
+              <a:t>rda</a:t>
+            </a:r>
+            <a:r>
+              <a:rPr lang="zh-CN" altLang="en-US" sz="1600" dirty="0" smtClean="0">
+                <a:latin typeface="华文楷体" panose="02010600040101010101" pitchFamily="2" charset="-122"/>
+                <a:ea typeface="华文楷体" panose="02010600040101010101" pitchFamily="2" charset="-122"/>
+              </a:rPr>
+              <a:t>，请自行尝试发现与</a:t>
+            </a:r>
+            <a:r>
+              <a:rPr lang="en-US" altLang="zh-CN" sz="1600" dirty="0" smtClean="0">
+                <a:latin typeface="华文楷体" panose="02010600040101010101" pitchFamily="2" charset="-122"/>
+                <a:ea typeface="华文楷体" panose="02010600040101010101" pitchFamily="2" charset="-122"/>
+              </a:rPr>
+              <a:t>.</a:t>
+            </a:r>
+            <a:r>
+              <a:rPr lang="en-US" altLang="zh-CN" sz="1600" dirty="0" err="1" smtClean="0">
+                <a:latin typeface="华文楷体" panose="02010600040101010101" pitchFamily="2" charset="-122"/>
+                <a:ea typeface="华文楷体" panose="02010600040101010101" pitchFamily="2" charset="-122"/>
+              </a:rPr>
+              <a:t>Rdata</a:t>
+            </a:r>
+            <a:r>
+              <a:rPr lang="zh-CN" altLang="en-US" sz="1600" smtClean="0">
+                <a:latin typeface="华文楷体" panose="02010600040101010101" pitchFamily="2" charset="-122"/>
+                <a:ea typeface="华文楷体" panose="02010600040101010101" pitchFamily="2" charset="-122"/>
+              </a:rPr>
+              <a:t>文件的区别</a:t>
+            </a:r>
+            <a:endParaRPr lang="zh-CN" altLang="en-US" sz="1600" dirty="0">
+              <a:latin typeface="华文楷体" panose="02010600040101010101" pitchFamily="2" charset="-122"/>
+              <a:ea typeface="华文楷体" panose="02010600040101010101" pitchFamily="2" charset="-122"/>
             </a:endParaRPr>
           </a:p>
         </p:txBody>
